--- a/practice_github/fig/github_ex03.pptx
+++ b/practice_github/fig/github_ex03.pptx
@@ -5,7 +5,7 @@
     <p:sldMasterId id="2147483663" r:id="rId1"/>
   </p:sldMasterIdLst>
   <p:notesMasterIdLst>
-    <p:notesMasterId r:id="rId19"/>
+    <p:notesMasterId r:id="rId24"/>
   </p:notesMasterIdLst>
   <p:sldIdLst>
     <p:sldId id="256" r:id="rId2"/>
@@ -25,6 +25,11 @@
     <p:sldId id="367" r:id="rId16"/>
     <p:sldId id="368" r:id="rId17"/>
     <p:sldId id="369" r:id="rId18"/>
+    <p:sldId id="370" r:id="rId19"/>
+    <p:sldId id="371" r:id="rId20"/>
+    <p:sldId id="372" r:id="rId21"/>
+    <p:sldId id="373" r:id="rId22"/>
+    <p:sldId id="374" r:id="rId23"/>
   </p:sldIdLst>
   <p:sldSz cx="9144000" cy="6858000" type="screen4x3"/>
   <p:notesSz cx="6858000" cy="9144000"/>
@@ -2124,12 +2129,16 @@
           <a:lstStyle/>
           <a:p>
             <a:r>
-              <a:rPr kumimoji="1" lang="ja-JP" altLang="en-US" dirty="0"/>
+              <a:rPr kumimoji="1" lang="ja-JP" altLang="en-US"/>
               <a:t>課題</a:t>
             </a:r>
             <a:r>
+              <a:rPr kumimoji="1" lang="en-US" altLang="ja-JP"/>
+              <a:t>1 </a:t>
+            </a:r>
+            <a:r>
               <a:rPr kumimoji="1" lang="en-US" altLang="ja-JP" dirty="0"/>
-              <a:t>2 – Step 3</a:t>
+              <a:t>– Step 3</a:t>
             </a:r>
             <a:endParaRPr kumimoji="1" lang="ja-JP" altLang="en-US" dirty="0"/>
           </a:p>
@@ -2320,12 +2329,16 @@
           <a:lstStyle/>
           <a:p>
             <a:r>
-              <a:rPr kumimoji="1" lang="ja-JP" altLang="en-US" dirty="0"/>
+              <a:rPr kumimoji="1" lang="ja-JP" altLang="en-US"/>
               <a:t>課題</a:t>
             </a:r>
             <a:r>
+              <a:rPr kumimoji="1" lang="en-US" altLang="ja-JP"/>
+              <a:t>1 </a:t>
+            </a:r>
+            <a:r>
               <a:rPr kumimoji="1" lang="en-US" altLang="ja-JP" dirty="0"/>
-              <a:t>2 – Step 3</a:t>
+              <a:t>– Step 3</a:t>
             </a:r>
             <a:endParaRPr kumimoji="1" lang="ja-JP" altLang="en-US" dirty="0"/>
           </a:p>
@@ -2546,12 +2559,16 @@
           <a:lstStyle/>
           <a:p>
             <a:r>
-              <a:rPr kumimoji="1" lang="ja-JP" altLang="en-US" dirty="0"/>
+              <a:rPr kumimoji="1" lang="ja-JP" altLang="en-US"/>
               <a:t>課題</a:t>
             </a:r>
             <a:r>
+              <a:rPr kumimoji="1" lang="en-US" altLang="ja-JP"/>
+              <a:t>1 </a:t>
+            </a:r>
+            <a:r>
               <a:rPr kumimoji="1" lang="en-US" altLang="ja-JP" dirty="0"/>
-              <a:t>2 – Step 3</a:t>
+              <a:t>– Step 3</a:t>
             </a:r>
             <a:endParaRPr kumimoji="1" lang="ja-JP" altLang="en-US" dirty="0"/>
           </a:p>
@@ -2775,12 +2792,16 @@
           <a:lstStyle/>
           <a:p>
             <a:r>
-              <a:rPr kumimoji="1" lang="ja-JP" altLang="en-US" dirty="0"/>
+              <a:rPr kumimoji="1" lang="ja-JP" altLang="en-US"/>
               <a:t>課題</a:t>
             </a:r>
             <a:r>
+              <a:rPr kumimoji="1" lang="en-US" altLang="ja-JP"/>
+              <a:t>1 </a:t>
+            </a:r>
+            <a:r>
               <a:rPr kumimoji="1" lang="en-US" altLang="ja-JP" dirty="0"/>
-              <a:t>2 – Step 3</a:t>
+              <a:t>– Step 3</a:t>
             </a:r>
             <a:endParaRPr kumimoji="1" lang="ja-JP" altLang="en-US" dirty="0"/>
           </a:p>
@@ -3497,12 +3518,16 @@
           <a:lstStyle/>
           <a:p>
             <a:r>
-              <a:rPr kumimoji="1" lang="ja-JP" altLang="en-US" dirty="0"/>
+              <a:rPr kumimoji="1" lang="ja-JP" altLang="en-US"/>
               <a:t>課題</a:t>
             </a:r>
             <a:r>
+              <a:rPr kumimoji="1" lang="en-US" altLang="ja-JP"/>
+              <a:t>1 </a:t>
+            </a:r>
+            <a:r>
               <a:rPr kumimoji="1" lang="en-US" altLang="ja-JP" dirty="0"/>
-              <a:t>2 – Step 4</a:t>
+              <a:t>– Step 4</a:t>
             </a:r>
             <a:endParaRPr kumimoji="1" lang="ja-JP" altLang="en-US" dirty="0"/>
           </a:p>
@@ -3602,7 +3627,7 @@
         </p:nvSpPr>
         <p:spPr>
           <a:xfrm>
-            <a:off x="179512" y="2780928"/>
+            <a:off x="179512" y="2564904"/>
             <a:ext cx="7560840" cy="307777"/>
           </a:xfrm>
           <a:prstGeom prst="rect">
@@ -3648,7 +3673,7 @@
         </p:nvSpPr>
         <p:spPr>
           <a:xfrm>
-            <a:off x="7812360" y="2708920"/>
+            <a:off x="7812360" y="2492896"/>
             <a:ext cx="1236236" cy="369332"/>
           </a:xfrm>
           <a:prstGeom prst="rect">
@@ -3688,7 +3713,7 @@
         </p:nvSpPr>
         <p:spPr>
           <a:xfrm>
-            <a:off x="179512" y="3573016"/>
+            <a:off x="179512" y="2924944"/>
             <a:ext cx="6336704" cy="369332"/>
           </a:xfrm>
           <a:prstGeom prst="rect">
@@ -3772,7 +3797,7 @@
         </p:nvSpPr>
         <p:spPr>
           <a:xfrm>
-            <a:off x="6660232" y="3573016"/>
+            <a:off x="6660232" y="2924944"/>
             <a:ext cx="2262158" cy="369332"/>
           </a:xfrm>
           <a:prstGeom prst="rect">
@@ -3808,7 +3833,7 @@
         </p:nvCxnSpPr>
         <p:spPr>
           <a:xfrm>
-            <a:off x="3491880" y="3933056"/>
+            <a:off x="3491880" y="3284984"/>
             <a:ext cx="1152128" cy="0"/>
           </a:xfrm>
           <a:prstGeom prst="line">
@@ -3851,7 +3876,7 @@
         </p:nvSpPr>
         <p:spPr>
           <a:xfrm>
-            <a:off x="3059832" y="4005064"/>
+            <a:off x="3059832" y="3356992"/>
             <a:ext cx="2723823" cy="369332"/>
           </a:xfrm>
           <a:prstGeom prst="rect">
@@ -3886,7 +3911,7 @@
         </p:nvSpPr>
         <p:spPr>
           <a:xfrm>
-            <a:off x="179512" y="5373216"/>
+            <a:off x="179512" y="4077072"/>
             <a:ext cx="8136904" cy="646331"/>
           </a:xfrm>
           <a:prstGeom prst="rect">
@@ -3959,7 +3984,7 @@
         </p:nvSpPr>
         <p:spPr>
           <a:xfrm>
-            <a:off x="107504" y="5013176"/>
+            <a:off x="107504" y="3717032"/>
             <a:ext cx="2723823" cy="369332"/>
           </a:xfrm>
           <a:prstGeom prst="rect">
@@ -3977,6 +4002,374 @@
               <a:rPr kumimoji="1" lang="ja-JP" altLang="en-US" dirty="0"/>
               <a:t>以下の表示が出れば成功</a:t>
             </a:r>
+          </a:p>
+        </p:txBody>
+      </p:sp>
+      <p:pic>
+        <p:nvPicPr>
+          <p:cNvPr id="14" name="Picture 4" descr="パソコンを使う人のイラスト（男性・笑顔）">
+            <a:extLst>
+              <a:ext uri="{FF2B5EF4-FFF2-40B4-BE49-F238E27FC236}">
+                <a16:creationId xmlns:a16="http://schemas.microsoft.com/office/drawing/2014/main" id="{A1C7E720-1746-4DDE-9778-98F30D978D18}"/>
+              </a:ext>
+            </a:extLst>
+          </p:cNvPr>
+          <p:cNvPicPr>
+            <a:picLocks noChangeAspect="1" noChangeArrowheads="1"/>
+          </p:cNvPicPr>
+          <p:nvPr/>
+        </p:nvPicPr>
+        <p:blipFill>
+          <a:blip r:embed="rId2">
+            <a:extLst>
+              <a:ext uri="{28A0092B-C50C-407E-A947-70E740481C1C}">
+                <a14:useLocalDpi xmlns:a14="http://schemas.microsoft.com/office/drawing/2010/main" val="0"/>
+              </a:ext>
+            </a:extLst>
+          </a:blip>
+          <a:srcRect/>
+          <a:stretch>
+            <a:fillRect/>
+          </a:stretch>
+        </p:blipFill>
+        <p:spPr bwMode="auto">
+          <a:xfrm>
+            <a:off x="683568" y="5157192"/>
+            <a:ext cx="1008112" cy="1464062"/>
+          </a:xfrm>
+          <a:prstGeom prst="rect">
+            <a:avLst/>
+          </a:prstGeom>
+          <a:noFill/>
+          <a:extLst>
+            <a:ext uri="{909E8E84-426E-40DD-AFC4-6F175D3DCCD1}">
+              <a14:hiddenFill xmlns:a14="http://schemas.microsoft.com/office/drawing/2010/main">
+                <a:solidFill>
+                  <a:srgbClr val="FFFFFF"/>
+                </a:solidFill>
+              </a14:hiddenFill>
+            </a:ext>
+          </a:extLst>
+        </p:spPr>
+      </p:pic>
+      <p:pic>
+        <p:nvPicPr>
+          <p:cNvPr id="17" name="図 16">
+            <a:extLst>
+              <a:ext uri="{FF2B5EF4-FFF2-40B4-BE49-F238E27FC236}">
+                <a16:creationId xmlns:a16="http://schemas.microsoft.com/office/drawing/2014/main" id="{C0B02B0E-4F03-4473-9083-FF3148ACC2C3}"/>
+              </a:ext>
+            </a:extLst>
+          </p:cNvPr>
+          <p:cNvPicPr>
+            <a:picLocks noChangeAspect="1"/>
+          </p:cNvPicPr>
+          <p:nvPr/>
+        </p:nvPicPr>
+        <p:blipFill>
+          <a:blip r:embed="rId3">
+            <a:extLst>
+              <a:ext uri="{28A0092B-C50C-407E-A947-70E740481C1C}">
+                <a14:useLocalDpi xmlns:a14="http://schemas.microsoft.com/office/drawing/2010/main" val="0"/>
+              </a:ext>
+            </a:extLst>
+          </a:blip>
+          <a:stretch>
+            <a:fillRect/>
+          </a:stretch>
+        </p:blipFill>
+        <p:spPr>
+          <a:xfrm>
+            <a:off x="6588224" y="5517232"/>
+            <a:ext cx="1143000" cy="1143000"/>
+          </a:xfrm>
+          <a:prstGeom prst="rect">
+            <a:avLst/>
+          </a:prstGeom>
+        </p:spPr>
+      </p:pic>
+      <p:pic>
+        <p:nvPicPr>
+          <p:cNvPr id="18" name="図 17">
+            <a:extLst>
+              <a:ext uri="{FF2B5EF4-FFF2-40B4-BE49-F238E27FC236}">
+                <a16:creationId xmlns:a16="http://schemas.microsoft.com/office/drawing/2014/main" id="{69304FD9-A9E4-4C9D-A96C-E804C76E224E}"/>
+              </a:ext>
+            </a:extLst>
+          </p:cNvPr>
+          <p:cNvPicPr>
+            <a:picLocks noChangeAspect="1"/>
+          </p:cNvPicPr>
+          <p:nvPr/>
+        </p:nvPicPr>
+        <p:blipFill>
+          <a:blip r:embed="rId4" cstate="print">
+            <a:extLst>
+              <a:ext uri="{28A0092B-C50C-407E-A947-70E740481C1C}">
+                <a14:useLocalDpi xmlns:a14="http://schemas.microsoft.com/office/drawing/2010/main" val="0"/>
+              </a:ext>
+            </a:extLst>
+          </a:blip>
+          <a:stretch>
+            <a:fillRect/>
+          </a:stretch>
+        </p:blipFill>
+        <p:spPr>
+          <a:xfrm>
+            <a:off x="6084168" y="4653136"/>
+            <a:ext cx="2118829" cy="868720"/>
+          </a:xfrm>
+          <a:prstGeom prst="rect">
+            <a:avLst/>
+          </a:prstGeom>
+        </p:spPr>
+      </p:pic>
+      <p:pic>
+        <p:nvPicPr>
+          <p:cNvPr id="19" name="Picture 2" descr="鍵のイラスト">
+            <a:extLst>
+              <a:ext uri="{FF2B5EF4-FFF2-40B4-BE49-F238E27FC236}">
+                <a16:creationId xmlns:a16="http://schemas.microsoft.com/office/drawing/2014/main" id="{51787E93-80D2-4C28-8D2B-7051FDEC9CEC}"/>
+              </a:ext>
+            </a:extLst>
+          </p:cNvPr>
+          <p:cNvPicPr>
+            <a:picLocks noChangeAspect="1" noChangeArrowheads="1"/>
+          </p:cNvPicPr>
+          <p:nvPr/>
+        </p:nvPicPr>
+        <p:blipFill>
+          <a:blip r:embed="rId5">
+            <a:extLst>
+              <a:ext uri="{28A0092B-C50C-407E-A947-70E740481C1C}">
+                <a14:useLocalDpi xmlns:a14="http://schemas.microsoft.com/office/drawing/2010/main" val="0"/>
+              </a:ext>
+            </a:extLst>
+          </a:blip>
+          <a:srcRect/>
+          <a:stretch>
+            <a:fillRect/>
+          </a:stretch>
+        </p:blipFill>
+        <p:spPr bwMode="auto">
+          <a:xfrm>
+            <a:off x="1979712" y="5373216"/>
+            <a:ext cx="1001266" cy="1001266"/>
+          </a:xfrm>
+          <a:prstGeom prst="rect">
+            <a:avLst/>
+          </a:prstGeom>
+          <a:noFill/>
+          <a:extLst>
+            <a:ext uri="{909E8E84-426E-40DD-AFC4-6F175D3DCCD1}">
+              <a14:hiddenFill xmlns:a14="http://schemas.microsoft.com/office/drawing/2010/main">
+                <a:solidFill>
+                  <a:srgbClr val="FFFFFF"/>
+                </a:solidFill>
+              </a14:hiddenFill>
+            </a:ext>
+          </a:extLst>
+        </p:spPr>
+      </p:pic>
+      <p:pic>
+        <p:nvPicPr>
+          <p:cNvPr id="20" name="Picture 6" descr="家の鍵のイラスト（ディスクシリンダー）">
+            <a:extLst>
+              <a:ext uri="{FF2B5EF4-FFF2-40B4-BE49-F238E27FC236}">
+                <a16:creationId xmlns:a16="http://schemas.microsoft.com/office/drawing/2014/main" id="{802646E8-B634-4B60-A50C-FDDB230C8341}"/>
+              </a:ext>
+            </a:extLst>
+          </p:cNvPr>
+          <p:cNvPicPr>
+            <a:picLocks noChangeAspect="1" noChangeArrowheads="1"/>
+          </p:cNvPicPr>
+          <p:nvPr/>
+        </p:nvPicPr>
+        <p:blipFill>
+          <a:blip r:embed="rId6">
+            <a:extLst>
+              <a:ext uri="{28A0092B-C50C-407E-A947-70E740481C1C}">
+                <a14:useLocalDpi xmlns:a14="http://schemas.microsoft.com/office/drawing/2010/main" val="0"/>
+              </a:ext>
+            </a:extLst>
+          </a:blip>
+          <a:srcRect/>
+          <a:stretch>
+            <a:fillRect/>
+          </a:stretch>
+        </p:blipFill>
+        <p:spPr bwMode="auto">
+          <a:xfrm>
+            <a:off x="5436096" y="5517232"/>
+            <a:ext cx="792088" cy="792088"/>
+          </a:xfrm>
+          <a:prstGeom prst="rect">
+            <a:avLst/>
+          </a:prstGeom>
+          <a:noFill/>
+          <a:extLst>
+            <a:ext uri="{909E8E84-426E-40DD-AFC4-6F175D3DCCD1}">
+              <a14:hiddenFill xmlns:a14="http://schemas.microsoft.com/office/drawing/2010/main">
+                <a:solidFill>
+                  <a:srgbClr val="FFFFFF"/>
+                </a:solidFill>
+              </a14:hiddenFill>
+            </a:ext>
+          </a:extLst>
+        </p:spPr>
+      </p:pic>
+      <p:pic>
+        <p:nvPicPr>
+          <p:cNvPr id="21" name="Picture 4" descr="シンプルな南京錠のイラスト">
+            <a:extLst>
+              <a:ext uri="{FF2B5EF4-FFF2-40B4-BE49-F238E27FC236}">
+                <a16:creationId xmlns:a16="http://schemas.microsoft.com/office/drawing/2014/main" id="{D504D96E-8BEC-4A92-8892-D1519510F298}"/>
+              </a:ext>
+            </a:extLst>
+          </p:cNvPr>
+          <p:cNvPicPr>
+            <a:picLocks noChangeAspect="1" noChangeArrowheads="1"/>
+          </p:cNvPicPr>
+          <p:nvPr/>
+        </p:nvPicPr>
+        <p:blipFill>
+          <a:blip r:embed="rId7">
+            <a:extLst>
+              <a:ext uri="{28A0092B-C50C-407E-A947-70E740481C1C}">
+                <a14:useLocalDpi xmlns:a14="http://schemas.microsoft.com/office/drawing/2010/main" val="0"/>
+              </a:ext>
+            </a:extLst>
+          </a:blip>
+          <a:srcRect/>
+          <a:stretch>
+            <a:fillRect/>
+          </a:stretch>
+        </p:blipFill>
+        <p:spPr bwMode="auto">
+          <a:xfrm>
+            <a:off x="3563888" y="5301208"/>
+            <a:ext cx="1080120" cy="1080120"/>
+          </a:xfrm>
+          <a:prstGeom prst="rect">
+            <a:avLst/>
+          </a:prstGeom>
+          <a:noFill/>
+          <a:extLst>
+            <a:ext uri="{909E8E84-426E-40DD-AFC4-6F175D3DCCD1}">
+              <a14:hiddenFill xmlns:a14="http://schemas.microsoft.com/office/drawing/2010/main">
+                <a:solidFill>
+                  <a:srgbClr val="FFFFFF"/>
+                </a:solidFill>
+              </a14:hiddenFill>
+            </a:ext>
+          </a:extLst>
+        </p:spPr>
+      </p:pic>
+      <p:sp>
+        <p:nvSpPr>
+          <p:cNvPr id="22" name="矢印: 右 21">
+            <a:extLst>
+              <a:ext uri="{FF2B5EF4-FFF2-40B4-BE49-F238E27FC236}">
+                <a16:creationId xmlns:a16="http://schemas.microsoft.com/office/drawing/2014/main" id="{F075BF40-A12D-48C5-8FAB-A38294A83FD7}"/>
+              </a:ext>
+            </a:extLst>
+          </p:cNvPr>
+          <p:cNvSpPr/>
+          <p:nvPr/>
+        </p:nvSpPr>
+        <p:spPr>
+          <a:xfrm>
+            <a:off x="2915816" y="5733256"/>
+            <a:ext cx="576064" cy="288032"/>
+          </a:xfrm>
+          <a:prstGeom prst="rightArrow">
+            <a:avLst/>
+          </a:prstGeom>
+          <a:solidFill>
+            <a:srgbClr val="FF0000"/>
+          </a:solidFill>
+          <a:ln>
+            <a:solidFill>
+              <a:schemeClr val="tx1"/>
+            </a:solidFill>
+          </a:ln>
+        </p:spPr>
+        <p:style>
+          <a:lnRef idx="2">
+            <a:schemeClr val="accent1">
+              <a:shade val="50000"/>
+            </a:schemeClr>
+          </a:lnRef>
+          <a:fillRef idx="1">
+            <a:schemeClr val="accent1"/>
+          </a:fillRef>
+          <a:effectRef idx="0">
+            <a:schemeClr val="accent1"/>
+          </a:effectRef>
+          <a:fontRef idx="minor">
+            <a:schemeClr val="lt1"/>
+          </a:fontRef>
+        </p:style>
+        <p:txBody>
+          <a:bodyPr rtlCol="0" anchor="ctr"/>
+          <a:lstStyle/>
+          <a:p>
+            <a:pPr algn="ctr"/>
+            <a:endParaRPr kumimoji="1" lang="ja-JP" altLang="en-US"/>
+          </a:p>
+        </p:txBody>
+      </p:sp>
+      <p:sp>
+        <p:nvSpPr>
+          <p:cNvPr id="23" name="矢印: 右 22">
+            <a:extLst>
+              <a:ext uri="{FF2B5EF4-FFF2-40B4-BE49-F238E27FC236}">
+                <a16:creationId xmlns:a16="http://schemas.microsoft.com/office/drawing/2014/main" id="{3083DBA5-B3F6-44A6-8A1C-A43886C829D8}"/>
+              </a:ext>
+            </a:extLst>
+          </p:cNvPr>
+          <p:cNvSpPr/>
+          <p:nvPr/>
+        </p:nvSpPr>
+        <p:spPr>
+          <a:xfrm>
+            <a:off x="4716016" y="5733256"/>
+            <a:ext cx="576064" cy="288032"/>
+          </a:xfrm>
+          <a:prstGeom prst="rightArrow">
+            <a:avLst/>
+          </a:prstGeom>
+          <a:solidFill>
+            <a:srgbClr val="FF0000"/>
+          </a:solidFill>
+          <a:ln>
+            <a:solidFill>
+              <a:schemeClr val="tx1"/>
+            </a:solidFill>
+          </a:ln>
+        </p:spPr>
+        <p:style>
+          <a:lnRef idx="2">
+            <a:schemeClr val="accent1">
+              <a:shade val="50000"/>
+            </a:schemeClr>
+          </a:lnRef>
+          <a:fillRef idx="1">
+            <a:schemeClr val="accent1"/>
+          </a:fillRef>
+          <a:effectRef idx="0">
+            <a:schemeClr val="accent1"/>
+          </a:effectRef>
+          <a:fontRef idx="minor">
+            <a:schemeClr val="lt1"/>
+          </a:fontRef>
+        </p:style>
+        <p:txBody>
+          <a:bodyPr rtlCol="0" anchor="ctr"/>
+          <a:lstStyle/>
+          <a:p>
+            <a:pPr algn="ctr"/>
+            <a:endParaRPr kumimoji="1" lang="ja-JP" altLang="en-US"/>
           </a:p>
         </p:txBody>
       </p:sp>
@@ -4032,12 +4425,16 @@
           <a:lstStyle/>
           <a:p>
             <a:r>
-              <a:rPr kumimoji="1" lang="ja-JP" altLang="en-US" dirty="0"/>
+              <a:rPr kumimoji="1" lang="ja-JP" altLang="en-US"/>
               <a:t>課題</a:t>
             </a:r>
             <a:r>
+              <a:rPr kumimoji="1" lang="en-US" altLang="ja-JP"/>
+              <a:t>1 </a:t>
+            </a:r>
+            <a:r>
               <a:rPr kumimoji="1" lang="en-US" altLang="ja-JP" dirty="0"/>
-              <a:t>2 – Step 5</a:t>
+              <a:t>– Step 5</a:t>
             </a:r>
             <a:endParaRPr kumimoji="1" lang="ja-JP" altLang="en-US" dirty="0"/>
           </a:p>
@@ -4381,45 +4778,12 @@
           <a:chExt cx="0" cy="0"/>
         </a:xfrm>
       </p:grpSpPr>
-      <p:sp>
-        <p:nvSpPr>
-          <p:cNvPr id="2" name="テキスト プレースホルダー 1">
-            <a:extLst>
-              <a:ext uri="{FF2B5EF4-FFF2-40B4-BE49-F238E27FC236}">
-                <a16:creationId xmlns:a16="http://schemas.microsoft.com/office/drawing/2014/main" id="{8E05E227-5EB4-44A6-9B66-F2B9289EF72D}"/>
-              </a:ext>
-            </a:extLst>
-          </p:cNvPr>
-          <p:cNvSpPr>
-            <a:spLocks noGrp="1"/>
-          </p:cNvSpPr>
-          <p:nvPr>
-            <p:ph type="body" sz="quarter" idx="10"/>
-          </p:nvPr>
-        </p:nvSpPr>
-        <p:spPr/>
-        <p:txBody>
-          <a:bodyPr/>
-          <a:lstStyle/>
-          <a:p>
-            <a:r>
-              <a:rPr kumimoji="1" lang="ja-JP" altLang="en-US" dirty="0"/>
-              <a:t>課題</a:t>
-            </a:r>
-            <a:r>
-              <a:rPr kumimoji="1" lang="en-US" altLang="ja-JP" dirty="0"/>
-              <a:t>2 – Step 5</a:t>
-            </a:r>
-            <a:endParaRPr kumimoji="1" lang="ja-JP" altLang="en-US" dirty="0"/>
-          </a:p>
-        </p:txBody>
-      </p:sp>
       <p:pic>
         <p:nvPicPr>
-          <p:cNvPr id="4" name="図 3">
-            <a:extLst>
-              <a:ext uri="{FF2B5EF4-FFF2-40B4-BE49-F238E27FC236}">
-                <a16:creationId xmlns:a16="http://schemas.microsoft.com/office/drawing/2014/main" id="{E1DD6CE8-1A05-43CE-B754-D18E18D5E7DA}"/>
+          <p:cNvPr id="15" name="図 14">
+            <a:extLst>
+              <a:ext uri="{FF2B5EF4-FFF2-40B4-BE49-F238E27FC236}">
+                <a16:creationId xmlns:a16="http://schemas.microsoft.com/office/drawing/2014/main" id="{02BB6D4E-F0FA-49AA-8EFD-4EFD9B7B3D2F}"/>
               </a:ext>
             </a:extLst>
           </p:cNvPr>
@@ -4436,8 +4800,8 @@
         </p:blipFill>
         <p:spPr>
           <a:xfrm>
-            <a:off x="395536" y="1196752"/>
-            <a:ext cx="6278793" cy="5227560"/>
+            <a:off x="395536" y="980728"/>
+            <a:ext cx="5832648" cy="5562930"/>
           </a:xfrm>
           <a:prstGeom prst="rect">
             <a:avLst/>
@@ -4446,6 +4810,43 @@
       </p:pic>
       <p:sp>
         <p:nvSpPr>
+          <p:cNvPr id="2" name="テキスト プレースホルダー 1">
+            <a:extLst>
+              <a:ext uri="{FF2B5EF4-FFF2-40B4-BE49-F238E27FC236}">
+                <a16:creationId xmlns:a16="http://schemas.microsoft.com/office/drawing/2014/main" id="{8E05E227-5EB4-44A6-9B66-F2B9289EF72D}"/>
+              </a:ext>
+            </a:extLst>
+          </p:cNvPr>
+          <p:cNvSpPr>
+            <a:spLocks noGrp="1"/>
+          </p:cNvSpPr>
+          <p:nvPr>
+            <p:ph type="body" sz="quarter" idx="10"/>
+          </p:nvPr>
+        </p:nvSpPr>
+        <p:spPr/>
+        <p:txBody>
+          <a:bodyPr/>
+          <a:lstStyle/>
+          <a:p>
+            <a:r>
+              <a:rPr kumimoji="1" lang="ja-JP" altLang="en-US"/>
+              <a:t>課題</a:t>
+            </a:r>
+            <a:r>
+              <a:rPr kumimoji="1" lang="en-US" altLang="ja-JP"/>
+              <a:t>1 </a:t>
+            </a:r>
+            <a:r>
+              <a:rPr kumimoji="1" lang="en-US" altLang="ja-JP" dirty="0"/>
+              <a:t>– Step 5</a:t>
+            </a:r>
+            <a:endParaRPr kumimoji="1" lang="ja-JP" altLang="en-US" dirty="0"/>
+          </a:p>
+        </p:txBody>
+      </p:sp>
+      <p:sp>
+        <p:nvSpPr>
           <p:cNvPr id="5" name="四角形: 角を丸くする 4">
             <a:extLst>
               <a:ext uri="{FF2B5EF4-FFF2-40B4-BE49-F238E27FC236}">
@@ -4458,8 +4859,8 @@
         </p:nvSpPr>
         <p:spPr>
           <a:xfrm>
-            <a:off x="683568" y="2996952"/>
-            <a:ext cx="4536504" cy="216024"/>
+            <a:off x="683568" y="2780928"/>
+            <a:ext cx="4752528" cy="216024"/>
           </a:xfrm>
           <a:prstGeom prst="roundRect">
             <a:avLst/>
@@ -4510,7 +4911,7 @@
         </p:nvSpPr>
         <p:spPr>
           <a:xfrm>
-            <a:off x="683568" y="3645024"/>
+            <a:off x="683568" y="3573016"/>
             <a:ext cx="2304256" cy="360040"/>
           </a:xfrm>
           <a:prstGeom prst="roundRect">
@@ -4708,6 +5109,412 @@
             <a:ext cx="1008112" cy="184666"/>
           </a:xfrm>
           <a:prstGeom prst="bentConnector2">
+            <a:avLst/>
+          </a:prstGeom>
+          <a:ln>
+            <a:solidFill>
+              <a:schemeClr val="tx1"/>
+            </a:solidFill>
+            <a:headEnd type="none" w="med" len="med"/>
+            <a:tailEnd type="triangle"/>
+          </a:ln>
+        </p:spPr>
+        <p:style>
+          <a:lnRef idx="1">
+            <a:schemeClr val="accent1"/>
+          </a:lnRef>
+          <a:fillRef idx="0">
+            <a:schemeClr val="accent1"/>
+          </a:fillRef>
+          <a:effectRef idx="0">
+            <a:schemeClr val="accent1"/>
+          </a:effectRef>
+          <a:fontRef idx="minor">
+            <a:schemeClr val="tx1"/>
+          </a:fontRef>
+        </p:style>
+      </p:cxnSp>
+      <p:sp>
+        <p:nvSpPr>
+          <p:cNvPr id="16" name="四角形: 角を丸くする 15">
+            <a:extLst>
+              <a:ext uri="{FF2B5EF4-FFF2-40B4-BE49-F238E27FC236}">
+                <a16:creationId xmlns:a16="http://schemas.microsoft.com/office/drawing/2014/main" id="{05D9DF11-FFCC-431E-91A8-2994354688DA}"/>
+              </a:ext>
+            </a:extLst>
+          </p:cNvPr>
+          <p:cNvSpPr/>
+          <p:nvPr/>
+        </p:nvSpPr>
+        <p:spPr>
+          <a:xfrm>
+            <a:off x="683568" y="4365104"/>
+            <a:ext cx="2952328" cy="288032"/>
+          </a:xfrm>
+          <a:prstGeom prst="roundRect">
+            <a:avLst/>
+          </a:prstGeom>
+          <a:noFill/>
+          <a:ln w="38100">
+            <a:solidFill>
+              <a:srgbClr val="FF0000"/>
+            </a:solidFill>
+          </a:ln>
+        </p:spPr>
+        <p:style>
+          <a:lnRef idx="2">
+            <a:schemeClr val="accent1">
+              <a:shade val="50000"/>
+            </a:schemeClr>
+          </a:lnRef>
+          <a:fillRef idx="1">
+            <a:schemeClr val="accent1"/>
+          </a:fillRef>
+          <a:effectRef idx="0">
+            <a:schemeClr val="accent1"/>
+          </a:effectRef>
+          <a:fontRef idx="minor">
+            <a:schemeClr val="lt1"/>
+          </a:fontRef>
+        </p:style>
+        <p:txBody>
+          <a:bodyPr rtlCol="0" anchor="ctr"/>
+          <a:lstStyle/>
+          <a:p>
+            <a:pPr algn="ctr"/>
+            <a:endParaRPr kumimoji="1" lang="ja-JP" altLang="en-US"/>
+          </a:p>
+        </p:txBody>
+      </p:sp>
+      <p:sp>
+        <p:nvSpPr>
+          <p:cNvPr id="17" name="テキスト ボックス 16">
+            <a:extLst>
+              <a:ext uri="{FF2B5EF4-FFF2-40B4-BE49-F238E27FC236}">
+                <a16:creationId xmlns:a16="http://schemas.microsoft.com/office/drawing/2014/main" id="{F6B2BA11-5E73-496B-9CBE-BEF181E4AE1D}"/>
+              </a:ext>
+            </a:extLst>
+          </p:cNvPr>
+          <p:cNvSpPr txBox="1"/>
+          <p:nvPr/>
+        </p:nvSpPr>
+        <p:spPr>
+          <a:xfrm>
+            <a:off x="6660232" y="2492896"/>
+            <a:ext cx="2031325" cy="369332"/>
+          </a:xfrm>
+          <a:prstGeom prst="rect">
+            <a:avLst/>
+          </a:prstGeom>
+          <a:noFill/>
+        </p:spPr>
+        <p:txBody>
+          <a:bodyPr wrap="none" rtlCol="0">
+            <a:spAutoFit/>
+          </a:bodyPr>
+          <a:lstStyle/>
+          <a:p>
+            <a:r>
+              <a:rPr kumimoji="1" lang="ja-JP" altLang="en-US"/>
+              <a:t>リポジトリの説明</a:t>
+            </a:r>
+          </a:p>
+        </p:txBody>
+      </p:sp>
+      <p:cxnSp>
+        <p:nvCxnSpPr>
+          <p:cNvPr id="19" name="コネクタ: カギ線 18">
+            <a:extLst>
+              <a:ext uri="{FF2B5EF4-FFF2-40B4-BE49-F238E27FC236}">
+                <a16:creationId xmlns:a16="http://schemas.microsoft.com/office/drawing/2014/main" id="{6926585D-E16A-4894-89D2-B50B47A1B8AA}"/>
+              </a:ext>
+            </a:extLst>
+          </p:cNvPr>
+          <p:cNvCxnSpPr>
+            <a:cxnSpLocks/>
+            <a:stCxn id="17" idx="1"/>
+            <a:endCxn id="5" idx="3"/>
+          </p:cNvCxnSpPr>
+          <p:nvPr/>
+        </p:nvCxnSpPr>
+        <p:spPr>
+          <a:xfrm rot="10800000" flipV="1">
+            <a:off x="5436096" y="2677562"/>
+            <a:ext cx="1224136" cy="211378"/>
+          </a:xfrm>
+          <a:prstGeom prst="bentConnector3">
+            <a:avLst/>
+          </a:prstGeom>
+          <a:ln>
+            <a:solidFill>
+              <a:schemeClr val="tx1"/>
+            </a:solidFill>
+            <a:headEnd type="none" w="med" len="med"/>
+            <a:tailEnd type="triangle"/>
+          </a:ln>
+        </p:spPr>
+        <p:style>
+          <a:lnRef idx="1">
+            <a:schemeClr val="accent1"/>
+          </a:lnRef>
+          <a:fillRef idx="0">
+            <a:schemeClr val="accent1"/>
+          </a:fillRef>
+          <a:effectRef idx="0">
+            <a:schemeClr val="accent1"/>
+          </a:effectRef>
+          <a:fontRef idx="minor">
+            <a:schemeClr val="tx1"/>
+          </a:fontRef>
+        </p:style>
+      </p:cxnSp>
+      <p:sp>
+        <p:nvSpPr>
+          <p:cNvPr id="20" name="テキスト ボックス 19">
+            <a:extLst>
+              <a:ext uri="{FF2B5EF4-FFF2-40B4-BE49-F238E27FC236}">
+                <a16:creationId xmlns:a16="http://schemas.microsoft.com/office/drawing/2014/main" id="{4D8FBC97-7E66-4E9C-BDBB-ECDF26385573}"/>
+              </a:ext>
+            </a:extLst>
+          </p:cNvPr>
+          <p:cNvSpPr txBox="1"/>
+          <p:nvPr/>
+        </p:nvSpPr>
+        <p:spPr>
+          <a:xfrm>
+            <a:off x="6876256" y="3383703"/>
+            <a:ext cx="1402948" cy="369332"/>
+          </a:xfrm>
+          <a:prstGeom prst="rect">
+            <a:avLst/>
+          </a:prstGeom>
+          <a:noFill/>
+        </p:spPr>
+        <p:txBody>
+          <a:bodyPr wrap="none" rtlCol="0">
+            <a:spAutoFit/>
+          </a:bodyPr>
+          <a:lstStyle/>
+          <a:p>
+            <a:r>
+              <a:rPr kumimoji="1" lang="ja-JP" altLang="en-US"/>
+              <a:t>公開</a:t>
+            </a:r>
+            <a:r>
+              <a:rPr kumimoji="1" lang="en-US" altLang="ja-JP"/>
+              <a:t>/</a:t>
+            </a:r>
+            <a:r>
+              <a:rPr kumimoji="1" lang="ja-JP" altLang="en-US"/>
+              <a:t>非公開</a:t>
+            </a:r>
+          </a:p>
+        </p:txBody>
+      </p:sp>
+      <p:cxnSp>
+        <p:nvCxnSpPr>
+          <p:cNvPr id="22" name="コネクタ: カギ線 21">
+            <a:extLst>
+              <a:ext uri="{FF2B5EF4-FFF2-40B4-BE49-F238E27FC236}">
+                <a16:creationId xmlns:a16="http://schemas.microsoft.com/office/drawing/2014/main" id="{8C274676-FF49-4F65-8425-64D1BC177543}"/>
+              </a:ext>
+            </a:extLst>
+          </p:cNvPr>
+          <p:cNvCxnSpPr>
+            <a:stCxn id="20" idx="1"/>
+            <a:endCxn id="6" idx="3"/>
+          </p:cNvCxnSpPr>
+          <p:nvPr/>
+        </p:nvCxnSpPr>
+        <p:spPr>
+          <a:xfrm rot="10800000" flipV="1">
+            <a:off x="2987824" y="3568368"/>
+            <a:ext cx="3888432" cy="184667"/>
+          </a:xfrm>
+          <a:prstGeom prst="bentConnector3">
+            <a:avLst/>
+          </a:prstGeom>
+          <a:ln>
+            <a:solidFill>
+              <a:schemeClr val="tx1"/>
+            </a:solidFill>
+            <a:headEnd type="none" w="med" len="med"/>
+            <a:tailEnd type="triangle"/>
+          </a:ln>
+        </p:spPr>
+        <p:style>
+          <a:lnRef idx="1">
+            <a:schemeClr val="accent1"/>
+          </a:lnRef>
+          <a:fillRef idx="0">
+            <a:schemeClr val="accent1"/>
+          </a:fillRef>
+          <a:effectRef idx="0">
+            <a:schemeClr val="accent1"/>
+          </a:effectRef>
+          <a:fontRef idx="minor">
+            <a:schemeClr val="tx1"/>
+          </a:fontRef>
+        </p:style>
+      </p:cxnSp>
+      <p:sp>
+        <p:nvSpPr>
+          <p:cNvPr id="25" name="テキスト ボックス 24">
+            <a:extLst>
+              <a:ext uri="{FF2B5EF4-FFF2-40B4-BE49-F238E27FC236}">
+                <a16:creationId xmlns:a16="http://schemas.microsoft.com/office/drawing/2014/main" id="{54B957DD-54CC-4411-9B97-DDFAA4398783}"/>
+              </a:ext>
+            </a:extLst>
+          </p:cNvPr>
+          <p:cNvSpPr txBox="1"/>
+          <p:nvPr/>
+        </p:nvSpPr>
+        <p:spPr>
+          <a:xfrm>
+            <a:off x="6300192" y="4125674"/>
+            <a:ext cx="2787943" cy="369332"/>
+          </a:xfrm>
+          <a:prstGeom prst="rect">
+            <a:avLst/>
+          </a:prstGeom>
+          <a:noFill/>
+        </p:spPr>
+        <p:txBody>
+          <a:bodyPr wrap="none" rtlCol="0">
+            <a:spAutoFit/>
+          </a:bodyPr>
+          <a:lstStyle/>
+          <a:p>
+            <a:r>
+              <a:rPr lang="en-US" altLang="ja-JP"/>
+              <a:t>README</a:t>
+            </a:r>
+            <a:r>
+              <a:rPr lang="ja-JP" altLang="en-US"/>
+              <a:t>ファイルを作成</a:t>
+            </a:r>
+            <a:endParaRPr kumimoji="1" lang="ja-JP" altLang="en-US"/>
+          </a:p>
+        </p:txBody>
+      </p:sp>
+      <p:cxnSp>
+        <p:nvCxnSpPr>
+          <p:cNvPr id="28" name="コネクタ: カギ線 27">
+            <a:extLst>
+              <a:ext uri="{FF2B5EF4-FFF2-40B4-BE49-F238E27FC236}">
+                <a16:creationId xmlns:a16="http://schemas.microsoft.com/office/drawing/2014/main" id="{4CBCBFA3-67AD-43CE-B2F4-AC823208D84B}"/>
+              </a:ext>
+            </a:extLst>
+          </p:cNvPr>
+          <p:cNvCxnSpPr>
+            <a:stCxn id="25" idx="1"/>
+            <a:endCxn id="16" idx="3"/>
+          </p:cNvCxnSpPr>
+          <p:nvPr/>
+        </p:nvCxnSpPr>
+        <p:spPr>
+          <a:xfrm rot="10800000" flipV="1">
+            <a:off x="3635896" y="4310340"/>
+            <a:ext cx="2664296" cy="198780"/>
+          </a:xfrm>
+          <a:prstGeom prst="bentConnector3">
+            <a:avLst/>
+          </a:prstGeom>
+          <a:ln>
+            <a:solidFill>
+              <a:schemeClr val="tx1"/>
+            </a:solidFill>
+            <a:headEnd type="none" w="med" len="med"/>
+            <a:tailEnd type="triangle"/>
+          </a:ln>
+        </p:spPr>
+        <p:style>
+          <a:lnRef idx="1">
+            <a:schemeClr val="accent1"/>
+          </a:lnRef>
+          <a:fillRef idx="0">
+            <a:schemeClr val="accent1"/>
+          </a:fillRef>
+          <a:effectRef idx="0">
+            <a:schemeClr val="accent1"/>
+          </a:effectRef>
+          <a:fontRef idx="minor">
+            <a:schemeClr val="tx1"/>
+          </a:fontRef>
+        </p:style>
+      </p:cxnSp>
+      <p:sp>
+        <p:nvSpPr>
+          <p:cNvPr id="30" name="テキスト ボックス 29">
+            <a:extLst>
+              <a:ext uri="{FF2B5EF4-FFF2-40B4-BE49-F238E27FC236}">
+                <a16:creationId xmlns:a16="http://schemas.microsoft.com/office/drawing/2014/main" id="{1399C054-EEA3-4D83-B868-081BE5A3B84F}"/>
+              </a:ext>
+            </a:extLst>
+          </p:cNvPr>
+          <p:cNvSpPr txBox="1"/>
+          <p:nvPr/>
+        </p:nvSpPr>
+        <p:spPr>
+          <a:xfrm>
+            <a:off x="6444208" y="5013176"/>
+            <a:ext cx="2031325" cy="646331"/>
+          </a:xfrm>
+          <a:prstGeom prst="rect">
+            <a:avLst/>
+          </a:prstGeom>
+          <a:noFill/>
+        </p:spPr>
+        <p:txBody>
+          <a:bodyPr wrap="none" rtlCol="0">
+            <a:spAutoFit/>
+          </a:bodyPr>
+          <a:lstStyle/>
+          <a:p>
+            <a:r>
+              <a:rPr kumimoji="1" lang="ja-JP" altLang="en-US"/>
+              <a:t>ライセンスの設定</a:t>
+            </a:r>
+            <a:endParaRPr kumimoji="1" lang="en-US" altLang="ja-JP"/>
+          </a:p>
+          <a:p>
+            <a:r>
+              <a:rPr lang="en-US" altLang="ja-JP"/>
+              <a:t>(MIT</a:t>
+            </a:r>
+            <a:r>
+              <a:rPr lang="ja-JP" altLang="en-US"/>
+              <a:t>を選ぶ</a:t>
+            </a:r>
+            <a:r>
+              <a:rPr lang="en-US" altLang="ja-JP"/>
+              <a:t>)</a:t>
+            </a:r>
+            <a:endParaRPr kumimoji="1" lang="ja-JP" altLang="en-US"/>
+          </a:p>
+        </p:txBody>
+      </p:sp>
+      <p:cxnSp>
+        <p:nvCxnSpPr>
+          <p:cNvPr id="32" name="コネクタ: カギ線 31">
+            <a:extLst>
+              <a:ext uri="{FF2B5EF4-FFF2-40B4-BE49-F238E27FC236}">
+                <a16:creationId xmlns:a16="http://schemas.microsoft.com/office/drawing/2014/main" id="{C1E6267A-340A-4DD9-BE53-9228F869283E}"/>
+              </a:ext>
+            </a:extLst>
+          </p:cNvPr>
+          <p:cNvCxnSpPr>
+            <a:stCxn id="30" idx="1"/>
+            <a:endCxn id="7" idx="3"/>
+          </p:cNvCxnSpPr>
+          <p:nvPr/>
+        </p:nvCxnSpPr>
+        <p:spPr>
+          <a:xfrm rot="10800000" flipV="1">
+            <a:off x="3635896" y="5336342"/>
+            <a:ext cx="2808312" cy="36874"/>
+          </a:xfrm>
+          <a:prstGeom prst="bentConnector3">
             <a:avLst/>
           </a:prstGeom>
           <a:ln>
@@ -4737,6 +5544,945 @@
     <p:extLst>
       <p:ext uri="{BB962C8B-B14F-4D97-AF65-F5344CB8AC3E}">
         <p14:creationId xmlns:p14="http://schemas.microsoft.com/office/powerpoint/2010/main" val="3575259861"/>
+      </p:ext>
+    </p:extLst>
+  </p:cSld>
+  <p:clrMapOvr>
+    <a:masterClrMapping/>
+  </p:clrMapOvr>
+</p:sld>
+</file>
+
+<file path=ppt/slides/slide18.xml><?xml version="1.0" encoding="utf-8"?>
+<p:sld xmlns:a="http://schemas.openxmlformats.org/drawingml/2006/main" xmlns:r="http://schemas.openxmlformats.org/officeDocument/2006/relationships" xmlns:p="http://schemas.openxmlformats.org/presentationml/2006/main">
+  <p:cSld>
+    <p:spTree>
+      <p:nvGrpSpPr>
+        <p:cNvPr id="1" name=""/>
+        <p:cNvGrpSpPr/>
+        <p:nvPr/>
+      </p:nvGrpSpPr>
+      <p:grpSpPr>
+        <a:xfrm>
+          <a:off x="0" y="0"/>
+          <a:ext cx="0" cy="0"/>
+          <a:chOff x="0" y="0"/>
+          <a:chExt cx="0" cy="0"/>
+        </a:xfrm>
+      </p:grpSpPr>
+      <p:sp>
+        <p:nvSpPr>
+          <p:cNvPr id="2" name="テキスト プレースホルダー 1">
+            <a:extLst>
+              <a:ext uri="{FF2B5EF4-FFF2-40B4-BE49-F238E27FC236}">
+                <a16:creationId xmlns:a16="http://schemas.microsoft.com/office/drawing/2014/main" id="{7118026C-0A6D-4D9F-990A-6AEA30897B45}"/>
+              </a:ext>
+            </a:extLst>
+          </p:cNvPr>
+          <p:cNvSpPr>
+            <a:spLocks noGrp="1"/>
+          </p:cNvSpPr>
+          <p:nvPr>
+            <p:ph type="body" sz="quarter" idx="10"/>
+          </p:nvPr>
+        </p:nvSpPr>
+        <p:spPr/>
+        <p:txBody>
+          <a:bodyPr/>
+          <a:lstStyle/>
+          <a:p>
+            <a:r>
+              <a:rPr kumimoji="1" lang="ja-JP" altLang="en-US"/>
+              <a:t>課題</a:t>
+            </a:r>
+            <a:r>
+              <a:rPr kumimoji="1" lang="en-US" altLang="ja-JP"/>
+              <a:t>1 – Step 5</a:t>
+            </a:r>
+            <a:endParaRPr kumimoji="1" lang="ja-JP" altLang="en-US"/>
+          </a:p>
+        </p:txBody>
+      </p:sp>
+      <p:sp>
+        <p:nvSpPr>
+          <p:cNvPr id="5" name="フローチャート: 磁気ディスク 4">
+            <a:extLst>
+              <a:ext uri="{FF2B5EF4-FFF2-40B4-BE49-F238E27FC236}">
+                <a16:creationId xmlns:a16="http://schemas.microsoft.com/office/drawing/2014/main" id="{28B85EA9-D69E-4DA4-A076-FFD03522DCC9}"/>
+              </a:ext>
+            </a:extLst>
+          </p:cNvPr>
+          <p:cNvSpPr/>
+          <p:nvPr/>
+        </p:nvSpPr>
+        <p:spPr>
+          <a:xfrm>
+            <a:off x="7308304" y="3717032"/>
+            <a:ext cx="504056" cy="360040"/>
+          </a:xfrm>
+          <a:prstGeom prst="flowChartMagneticDisk">
+            <a:avLst/>
+          </a:prstGeom>
+          <a:solidFill>
+            <a:schemeClr val="bg1">
+              <a:lumMod val="95000"/>
+            </a:schemeClr>
+          </a:solidFill>
+          <a:ln>
+            <a:solidFill>
+              <a:schemeClr val="tx1"/>
+            </a:solidFill>
+          </a:ln>
+        </p:spPr>
+        <p:style>
+          <a:lnRef idx="2">
+            <a:schemeClr val="accent1">
+              <a:shade val="50000"/>
+            </a:schemeClr>
+          </a:lnRef>
+          <a:fillRef idx="1">
+            <a:schemeClr val="accent1"/>
+          </a:fillRef>
+          <a:effectRef idx="0">
+            <a:schemeClr val="accent1"/>
+          </a:effectRef>
+          <a:fontRef idx="minor">
+            <a:schemeClr val="lt1"/>
+          </a:fontRef>
+        </p:style>
+        <p:txBody>
+          <a:bodyPr rtlCol="0" anchor="ctr"/>
+          <a:lstStyle/>
+          <a:p>
+            <a:pPr algn="ctr"/>
+            <a:r>
+              <a:rPr kumimoji="1" lang="en-US" altLang="ja-JP" sz="1100" dirty="0">
+                <a:solidFill>
+                  <a:schemeClr val="tx1"/>
+                </a:solidFill>
+                <a:latin typeface="Consolas" panose="020B0609020204030204" pitchFamily="49" charset="0"/>
+              </a:rPr>
+              <a:t>.git</a:t>
+            </a:r>
+            <a:endParaRPr kumimoji="1" lang="ja-JP" altLang="en-US" sz="1100" dirty="0">
+              <a:solidFill>
+                <a:schemeClr val="tx1"/>
+              </a:solidFill>
+              <a:latin typeface="Consolas" panose="020B0609020204030204" pitchFamily="49" charset="0"/>
+            </a:endParaRPr>
+          </a:p>
+        </p:txBody>
+      </p:sp>
+      <p:sp>
+        <p:nvSpPr>
+          <p:cNvPr id="6" name="四角形: 角を丸くする 5">
+            <a:extLst>
+              <a:ext uri="{FF2B5EF4-FFF2-40B4-BE49-F238E27FC236}">
+                <a16:creationId xmlns:a16="http://schemas.microsoft.com/office/drawing/2014/main" id="{478B3958-35FF-4C1A-B389-54C814CBFE25}"/>
+              </a:ext>
+            </a:extLst>
+          </p:cNvPr>
+          <p:cNvSpPr/>
+          <p:nvPr/>
+        </p:nvSpPr>
+        <p:spPr>
+          <a:xfrm>
+            <a:off x="7092280" y="3573016"/>
+            <a:ext cx="936104" cy="576064"/>
+          </a:xfrm>
+          <a:prstGeom prst="roundRect">
+            <a:avLst/>
+          </a:prstGeom>
+          <a:noFill/>
+          <a:ln w="28575">
+            <a:solidFill>
+              <a:schemeClr val="tx1"/>
+            </a:solidFill>
+            <a:prstDash val="dash"/>
+          </a:ln>
+        </p:spPr>
+        <p:style>
+          <a:lnRef idx="2">
+            <a:schemeClr val="accent1">
+              <a:shade val="50000"/>
+            </a:schemeClr>
+          </a:lnRef>
+          <a:fillRef idx="1">
+            <a:schemeClr val="accent1"/>
+          </a:fillRef>
+          <a:effectRef idx="0">
+            <a:schemeClr val="accent1"/>
+          </a:effectRef>
+          <a:fontRef idx="minor">
+            <a:schemeClr val="lt1"/>
+          </a:fontRef>
+        </p:style>
+        <p:txBody>
+          <a:bodyPr rtlCol="0" anchor="ctr"/>
+          <a:lstStyle/>
+          <a:p>
+            <a:pPr algn="ctr"/>
+            <a:endParaRPr kumimoji="1" lang="ja-JP" altLang="en-US"/>
+          </a:p>
+        </p:txBody>
+      </p:sp>
+      <p:sp>
+        <p:nvSpPr>
+          <p:cNvPr id="7" name="テキスト ボックス 6">
+            <a:extLst>
+              <a:ext uri="{FF2B5EF4-FFF2-40B4-BE49-F238E27FC236}">
+                <a16:creationId xmlns:a16="http://schemas.microsoft.com/office/drawing/2014/main" id="{B659D2D9-9567-4761-91B9-A10307BE0AEE}"/>
+              </a:ext>
+            </a:extLst>
+          </p:cNvPr>
+          <p:cNvSpPr txBox="1"/>
+          <p:nvPr/>
+        </p:nvSpPr>
+        <p:spPr>
+          <a:xfrm>
+            <a:off x="6660232" y="3068960"/>
+            <a:ext cx="2262158" cy="369332"/>
+          </a:xfrm>
+          <a:prstGeom prst="rect">
+            <a:avLst/>
+          </a:prstGeom>
+          <a:noFill/>
+        </p:spPr>
+        <p:txBody>
+          <a:bodyPr wrap="none" rtlCol="0">
+            <a:spAutoFit/>
+          </a:bodyPr>
+          <a:lstStyle/>
+          <a:p>
+            <a:pPr algn="ctr"/>
+            <a:r>
+              <a:rPr lang="ja-JP" altLang="en-US" dirty="0"/>
+              <a:t>リモートリポジトリ</a:t>
+            </a:r>
+            <a:endParaRPr kumimoji="1" lang="en-US" altLang="ja-JP" dirty="0"/>
+          </a:p>
+        </p:txBody>
+      </p:sp>
+      <p:pic>
+        <p:nvPicPr>
+          <p:cNvPr id="8" name="図 7">
+            <a:extLst>
+              <a:ext uri="{FF2B5EF4-FFF2-40B4-BE49-F238E27FC236}">
+                <a16:creationId xmlns:a16="http://schemas.microsoft.com/office/drawing/2014/main" id="{31A73938-A780-4A9E-B12B-21F3FB8FA4F2}"/>
+              </a:ext>
+            </a:extLst>
+          </p:cNvPr>
+          <p:cNvPicPr>
+            <a:picLocks noChangeAspect="1"/>
+          </p:cNvPicPr>
+          <p:nvPr/>
+        </p:nvPicPr>
+        <p:blipFill>
+          <a:blip r:embed="rId2">
+            <a:extLst>
+              <a:ext uri="{28A0092B-C50C-407E-A947-70E740481C1C}">
+                <a14:useLocalDpi xmlns:a14="http://schemas.microsoft.com/office/drawing/2010/main" val="0"/>
+              </a:ext>
+            </a:extLst>
+          </a:blip>
+          <a:stretch>
+            <a:fillRect/>
+          </a:stretch>
+        </p:blipFill>
+        <p:spPr>
+          <a:xfrm>
+            <a:off x="7236296" y="2420888"/>
+            <a:ext cx="609600" cy="609600"/>
+          </a:xfrm>
+          <a:prstGeom prst="rect">
+            <a:avLst/>
+          </a:prstGeom>
+        </p:spPr>
+      </p:pic>
+      <p:pic>
+        <p:nvPicPr>
+          <p:cNvPr id="9" name="Picture 8" descr="パソコンを使う会社員のイラスト（男性・笑顔）">
+            <a:extLst>
+              <a:ext uri="{FF2B5EF4-FFF2-40B4-BE49-F238E27FC236}">
+                <a16:creationId xmlns:a16="http://schemas.microsoft.com/office/drawing/2014/main" id="{356822E9-F734-4886-AB07-6C0369D493BF}"/>
+              </a:ext>
+            </a:extLst>
+          </p:cNvPr>
+          <p:cNvPicPr>
+            <a:picLocks noChangeAspect="1" noChangeArrowheads="1"/>
+          </p:cNvPicPr>
+          <p:nvPr/>
+        </p:nvPicPr>
+        <p:blipFill>
+          <a:blip r:embed="rId3" cstate="print">
+            <a:extLst>
+              <a:ext uri="{28A0092B-C50C-407E-A947-70E740481C1C}">
+                <a14:useLocalDpi xmlns:a14="http://schemas.microsoft.com/office/drawing/2010/main" val="0"/>
+              </a:ext>
+            </a:extLst>
+          </a:blip>
+          <a:srcRect/>
+          <a:stretch>
+            <a:fillRect/>
+          </a:stretch>
+        </p:blipFill>
+        <p:spPr bwMode="auto">
+          <a:xfrm>
+            <a:off x="1187624" y="2996952"/>
+            <a:ext cx="720080" cy="1045759"/>
+          </a:xfrm>
+          <a:prstGeom prst="rect">
+            <a:avLst/>
+          </a:prstGeom>
+          <a:noFill/>
+          <a:extLst>
+            <a:ext uri="{909E8E84-426E-40DD-AFC4-6F175D3DCCD1}">
+              <a14:hiddenFill xmlns:a14="http://schemas.microsoft.com/office/drawing/2010/main">
+                <a:solidFill>
+                  <a:srgbClr val="FFFFFF"/>
+                </a:solidFill>
+              </a14:hiddenFill>
+            </a:ext>
+          </a:extLst>
+        </p:spPr>
+      </p:pic>
+      <p:sp>
+        <p:nvSpPr>
+          <p:cNvPr id="11" name="テキスト ボックス 10">
+            <a:extLst>
+              <a:ext uri="{FF2B5EF4-FFF2-40B4-BE49-F238E27FC236}">
+                <a16:creationId xmlns:a16="http://schemas.microsoft.com/office/drawing/2014/main" id="{5B13CD79-5DD6-4D91-B168-11BC543ACF1F}"/>
+              </a:ext>
+            </a:extLst>
+          </p:cNvPr>
+          <p:cNvSpPr txBox="1"/>
+          <p:nvPr/>
+        </p:nvSpPr>
+        <p:spPr>
+          <a:xfrm>
+            <a:off x="827584" y="1340768"/>
+            <a:ext cx="7468711" cy="830997"/>
+          </a:xfrm>
+          <a:prstGeom prst="rect">
+            <a:avLst/>
+          </a:prstGeom>
+          <a:noFill/>
+        </p:spPr>
+        <p:txBody>
+          <a:bodyPr wrap="none" rtlCol="0">
+            <a:spAutoFit/>
+          </a:bodyPr>
+          <a:lstStyle/>
+          <a:p>
+            <a:r>
+              <a:rPr kumimoji="1" lang="ja-JP" altLang="en-US" sz="2400"/>
+              <a:t>リモートリポジトリに</a:t>
+            </a:r>
+            <a:r>
+              <a:rPr kumimoji="1" lang="en-US" altLang="ja-JP" sz="2400"/>
+              <a:t>(</a:t>
+            </a:r>
+            <a:r>
+              <a:rPr kumimoji="1" lang="ja-JP" altLang="en-US" sz="2400"/>
+              <a:t>ベア</a:t>
+            </a:r>
+            <a:r>
+              <a:rPr kumimoji="1" lang="en-US" altLang="ja-JP" sz="2400"/>
+              <a:t>)</a:t>
+            </a:r>
+            <a:r>
+              <a:rPr kumimoji="1" lang="ja-JP" altLang="en-US" sz="2400"/>
+              <a:t>リポジトリが作成された</a:t>
+            </a:r>
+            <a:endParaRPr kumimoji="1" lang="en-US" altLang="ja-JP" sz="2400"/>
+          </a:p>
+          <a:p>
+            <a:r>
+              <a:rPr lang="ja-JP" altLang="en-US" sz="2400"/>
+              <a:t>これをローカルにクローンしたい</a:t>
+            </a:r>
+            <a:endParaRPr kumimoji="1" lang="ja-JP" altLang="en-US" sz="2400"/>
+          </a:p>
+        </p:txBody>
+      </p:sp>
+      <p:sp>
+        <p:nvSpPr>
+          <p:cNvPr id="12" name="矢印: 右 11">
+            <a:extLst>
+              <a:ext uri="{FF2B5EF4-FFF2-40B4-BE49-F238E27FC236}">
+                <a16:creationId xmlns:a16="http://schemas.microsoft.com/office/drawing/2014/main" id="{F56ACAAA-31D4-470C-B360-375EF0C10FF9}"/>
+              </a:ext>
+            </a:extLst>
+          </p:cNvPr>
+          <p:cNvSpPr/>
+          <p:nvPr/>
+        </p:nvSpPr>
+        <p:spPr>
+          <a:xfrm rot="10800000">
+            <a:off x="2843808" y="3573016"/>
+            <a:ext cx="4032448" cy="576064"/>
+          </a:xfrm>
+          <a:prstGeom prst="rightArrow">
+            <a:avLst/>
+          </a:prstGeom>
+          <a:solidFill>
+            <a:srgbClr val="FF0000"/>
+          </a:solidFill>
+          <a:ln>
+            <a:solidFill>
+              <a:schemeClr val="tx1"/>
+            </a:solidFill>
+          </a:ln>
+        </p:spPr>
+        <p:style>
+          <a:lnRef idx="2">
+            <a:schemeClr val="accent1">
+              <a:shade val="50000"/>
+            </a:schemeClr>
+          </a:lnRef>
+          <a:fillRef idx="1">
+            <a:schemeClr val="accent1"/>
+          </a:fillRef>
+          <a:effectRef idx="0">
+            <a:schemeClr val="accent1"/>
+          </a:effectRef>
+          <a:fontRef idx="minor">
+            <a:schemeClr val="lt1"/>
+          </a:fontRef>
+        </p:style>
+        <p:txBody>
+          <a:bodyPr rtlCol="0" anchor="ctr"/>
+          <a:lstStyle/>
+          <a:p>
+            <a:pPr algn="ctr"/>
+            <a:endParaRPr kumimoji="1" lang="ja-JP" altLang="en-US"/>
+          </a:p>
+        </p:txBody>
+      </p:sp>
+    </p:spTree>
+    <p:extLst>
+      <p:ext uri="{BB962C8B-B14F-4D97-AF65-F5344CB8AC3E}">
+        <p14:creationId xmlns:p14="http://schemas.microsoft.com/office/powerpoint/2010/main" val="3293638580"/>
+      </p:ext>
+    </p:extLst>
+  </p:cSld>
+  <p:clrMapOvr>
+    <a:masterClrMapping/>
+  </p:clrMapOvr>
+</p:sld>
+</file>
+
+<file path=ppt/slides/slide19.xml><?xml version="1.0" encoding="utf-8"?>
+<p:sld xmlns:a="http://schemas.openxmlformats.org/drawingml/2006/main" xmlns:r="http://schemas.openxmlformats.org/officeDocument/2006/relationships" xmlns:p="http://schemas.openxmlformats.org/presentationml/2006/main">
+  <p:cSld>
+    <p:spTree>
+      <p:nvGrpSpPr>
+        <p:cNvPr id="1" name=""/>
+        <p:cNvGrpSpPr/>
+        <p:nvPr/>
+      </p:nvGrpSpPr>
+      <p:grpSpPr>
+        <a:xfrm>
+          <a:off x="0" y="0"/>
+          <a:ext cx="0" cy="0"/>
+          <a:chOff x="0" y="0"/>
+          <a:chExt cx="0" cy="0"/>
+        </a:xfrm>
+      </p:grpSpPr>
+      <p:sp>
+        <p:nvSpPr>
+          <p:cNvPr id="2" name="テキスト プレースホルダー 1">
+            <a:extLst>
+              <a:ext uri="{FF2B5EF4-FFF2-40B4-BE49-F238E27FC236}">
+                <a16:creationId xmlns:a16="http://schemas.microsoft.com/office/drawing/2014/main" id="{29DB7770-7BDF-49AB-BB2F-A3CB4228797A}"/>
+              </a:ext>
+            </a:extLst>
+          </p:cNvPr>
+          <p:cNvSpPr>
+            <a:spLocks noGrp="1"/>
+          </p:cNvSpPr>
+          <p:nvPr>
+            <p:ph type="body" sz="quarter" idx="10"/>
+          </p:nvPr>
+        </p:nvSpPr>
+        <p:spPr/>
+        <p:txBody>
+          <a:bodyPr/>
+          <a:lstStyle/>
+          <a:p>
+            <a:r>
+              <a:rPr kumimoji="1" lang="ja-JP" altLang="en-US"/>
+              <a:t>課題</a:t>
+            </a:r>
+            <a:r>
+              <a:rPr kumimoji="1" lang="en-US" altLang="ja-JP"/>
+              <a:t>1 – Step 5</a:t>
+            </a:r>
+            <a:endParaRPr kumimoji="1" lang="ja-JP" altLang="en-US"/>
+          </a:p>
+        </p:txBody>
+      </p:sp>
+      <p:pic>
+        <p:nvPicPr>
+          <p:cNvPr id="4" name="図 3">
+            <a:extLst>
+              <a:ext uri="{FF2B5EF4-FFF2-40B4-BE49-F238E27FC236}">
+                <a16:creationId xmlns:a16="http://schemas.microsoft.com/office/drawing/2014/main" id="{AB5EBCB9-A223-4740-9B14-0B937F968A2E}"/>
+              </a:ext>
+            </a:extLst>
+          </p:cNvPr>
+          <p:cNvPicPr>
+            <a:picLocks noChangeAspect="1"/>
+          </p:cNvPicPr>
+          <p:nvPr/>
+        </p:nvPicPr>
+        <p:blipFill>
+          <a:blip r:embed="rId2"/>
+          <a:stretch>
+            <a:fillRect/>
+          </a:stretch>
+        </p:blipFill>
+        <p:spPr>
+          <a:xfrm>
+            <a:off x="251520" y="1484784"/>
+            <a:ext cx="8278035" cy="3960440"/>
+          </a:xfrm>
+          <a:prstGeom prst="rect">
+            <a:avLst/>
+          </a:prstGeom>
+        </p:spPr>
+      </p:pic>
+      <p:sp>
+        <p:nvSpPr>
+          <p:cNvPr id="5" name="四角形: 角を丸くする 4">
+            <a:extLst>
+              <a:ext uri="{FF2B5EF4-FFF2-40B4-BE49-F238E27FC236}">
+                <a16:creationId xmlns:a16="http://schemas.microsoft.com/office/drawing/2014/main" id="{51602232-3B70-48ED-A475-96D93E6732F7}"/>
+              </a:ext>
+            </a:extLst>
+          </p:cNvPr>
+          <p:cNvSpPr/>
+          <p:nvPr/>
+        </p:nvSpPr>
+        <p:spPr>
+          <a:xfrm>
+            <a:off x="5076056" y="2996952"/>
+            <a:ext cx="720080" cy="360040"/>
+          </a:xfrm>
+          <a:prstGeom prst="roundRect">
+            <a:avLst/>
+          </a:prstGeom>
+          <a:noFill/>
+          <a:ln w="38100">
+            <a:solidFill>
+              <a:srgbClr val="FF0000"/>
+            </a:solidFill>
+          </a:ln>
+        </p:spPr>
+        <p:style>
+          <a:lnRef idx="2">
+            <a:schemeClr val="accent1">
+              <a:shade val="50000"/>
+            </a:schemeClr>
+          </a:lnRef>
+          <a:fillRef idx="1">
+            <a:schemeClr val="accent1"/>
+          </a:fillRef>
+          <a:effectRef idx="0">
+            <a:schemeClr val="accent1"/>
+          </a:effectRef>
+          <a:fontRef idx="minor">
+            <a:schemeClr val="lt1"/>
+          </a:fontRef>
+        </p:style>
+        <p:txBody>
+          <a:bodyPr rtlCol="0" anchor="ctr"/>
+          <a:lstStyle/>
+          <a:p>
+            <a:pPr algn="ctr"/>
+            <a:endParaRPr kumimoji="1" lang="ja-JP" altLang="en-US"/>
+          </a:p>
+        </p:txBody>
+      </p:sp>
+      <p:sp>
+        <p:nvSpPr>
+          <p:cNvPr id="6" name="四角形: 角を丸くする 5">
+            <a:extLst>
+              <a:ext uri="{FF2B5EF4-FFF2-40B4-BE49-F238E27FC236}">
+                <a16:creationId xmlns:a16="http://schemas.microsoft.com/office/drawing/2014/main" id="{30C87BE4-FFC6-49F8-9DF6-D9F7DFC3133C}"/>
+              </a:ext>
+            </a:extLst>
+          </p:cNvPr>
+          <p:cNvSpPr/>
+          <p:nvPr/>
+        </p:nvSpPr>
+        <p:spPr>
+          <a:xfrm>
+            <a:off x="3131840" y="3717032"/>
+            <a:ext cx="288032" cy="216024"/>
+          </a:xfrm>
+          <a:prstGeom prst="roundRect">
+            <a:avLst/>
+          </a:prstGeom>
+          <a:noFill/>
+          <a:ln w="38100">
+            <a:solidFill>
+              <a:srgbClr val="FF0000"/>
+            </a:solidFill>
+          </a:ln>
+        </p:spPr>
+        <p:style>
+          <a:lnRef idx="2">
+            <a:schemeClr val="accent1">
+              <a:shade val="50000"/>
+            </a:schemeClr>
+          </a:lnRef>
+          <a:fillRef idx="1">
+            <a:schemeClr val="accent1"/>
+          </a:fillRef>
+          <a:effectRef idx="0">
+            <a:schemeClr val="accent1"/>
+          </a:effectRef>
+          <a:fontRef idx="minor">
+            <a:schemeClr val="lt1"/>
+          </a:fontRef>
+        </p:style>
+        <p:txBody>
+          <a:bodyPr rtlCol="0" anchor="ctr"/>
+          <a:lstStyle/>
+          <a:p>
+            <a:pPr algn="ctr"/>
+            <a:endParaRPr kumimoji="1" lang="ja-JP" altLang="en-US"/>
+          </a:p>
+        </p:txBody>
+      </p:sp>
+      <p:sp>
+        <p:nvSpPr>
+          <p:cNvPr id="7" name="四角形: 角を丸くする 6">
+            <a:extLst>
+              <a:ext uri="{FF2B5EF4-FFF2-40B4-BE49-F238E27FC236}">
+                <a16:creationId xmlns:a16="http://schemas.microsoft.com/office/drawing/2014/main" id="{99A7ACC3-3125-4D20-80AD-20C7AE6CCF7D}"/>
+              </a:ext>
+            </a:extLst>
+          </p:cNvPr>
+          <p:cNvSpPr/>
+          <p:nvPr/>
+        </p:nvSpPr>
+        <p:spPr>
+          <a:xfrm>
+            <a:off x="5220073" y="3933056"/>
+            <a:ext cx="432048" cy="288032"/>
+          </a:xfrm>
+          <a:prstGeom prst="roundRect">
+            <a:avLst/>
+          </a:prstGeom>
+          <a:noFill/>
+          <a:ln w="38100">
+            <a:solidFill>
+              <a:srgbClr val="FF0000"/>
+            </a:solidFill>
+          </a:ln>
+        </p:spPr>
+        <p:style>
+          <a:lnRef idx="2">
+            <a:schemeClr val="accent1">
+              <a:shade val="50000"/>
+            </a:schemeClr>
+          </a:lnRef>
+          <a:fillRef idx="1">
+            <a:schemeClr val="accent1"/>
+          </a:fillRef>
+          <a:effectRef idx="0">
+            <a:schemeClr val="accent1"/>
+          </a:effectRef>
+          <a:fontRef idx="minor">
+            <a:schemeClr val="lt1"/>
+          </a:fontRef>
+        </p:style>
+        <p:txBody>
+          <a:bodyPr rtlCol="0" anchor="ctr"/>
+          <a:lstStyle/>
+          <a:p>
+            <a:pPr algn="ctr"/>
+            <a:endParaRPr kumimoji="1" lang="ja-JP" altLang="en-US"/>
+          </a:p>
+        </p:txBody>
+      </p:sp>
+      <p:sp>
+        <p:nvSpPr>
+          <p:cNvPr id="8" name="テキスト ボックス 7">
+            <a:extLst>
+              <a:ext uri="{FF2B5EF4-FFF2-40B4-BE49-F238E27FC236}">
+                <a16:creationId xmlns:a16="http://schemas.microsoft.com/office/drawing/2014/main" id="{6C5F3344-6D90-4F5F-B808-A968F336E106}"/>
+              </a:ext>
+            </a:extLst>
+          </p:cNvPr>
+          <p:cNvSpPr txBox="1"/>
+          <p:nvPr/>
+        </p:nvSpPr>
+        <p:spPr>
+          <a:xfrm>
+            <a:off x="1043608" y="980728"/>
+            <a:ext cx="2749471" cy="369332"/>
+          </a:xfrm>
+          <a:prstGeom prst="rect">
+            <a:avLst/>
+          </a:prstGeom>
+          <a:noFill/>
+        </p:spPr>
+        <p:txBody>
+          <a:bodyPr wrap="none" rtlCol="0">
+            <a:spAutoFit/>
+          </a:bodyPr>
+          <a:lstStyle/>
+          <a:p>
+            <a:r>
+              <a:rPr kumimoji="1" lang="en-US" altLang="ja-JP"/>
+              <a:t>1. </a:t>
+            </a:r>
+            <a:r>
+              <a:rPr kumimoji="1" lang="ja-JP" altLang="en-US"/>
+              <a:t>このボタンをクリック</a:t>
+            </a:r>
+          </a:p>
+        </p:txBody>
+      </p:sp>
+      <p:cxnSp>
+        <p:nvCxnSpPr>
+          <p:cNvPr id="10" name="コネクタ: カギ線 9">
+            <a:extLst>
+              <a:ext uri="{FF2B5EF4-FFF2-40B4-BE49-F238E27FC236}">
+                <a16:creationId xmlns:a16="http://schemas.microsoft.com/office/drawing/2014/main" id="{5F31EA83-F41C-4E7B-9212-4B0FA7CC208A}"/>
+              </a:ext>
+            </a:extLst>
+          </p:cNvPr>
+          <p:cNvCxnSpPr>
+            <a:stCxn id="8" idx="3"/>
+            <a:endCxn id="5" idx="0"/>
+          </p:cNvCxnSpPr>
+          <p:nvPr/>
+        </p:nvCxnSpPr>
+        <p:spPr>
+          <a:xfrm>
+            <a:off x="3793079" y="1165394"/>
+            <a:ext cx="1643017" cy="1831558"/>
+          </a:xfrm>
+          <a:prstGeom prst="bentConnector2">
+            <a:avLst/>
+          </a:prstGeom>
+          <a:ln>
+            <a:solidFill>
+              <a:schemeClr val="tx1"/>
+            </a:solidFill>
+            <a:headEnd type="none" w="med" len="med"/>
+            <a:tailEnd type="triangle"/>
+          </a:ln>
+        </p:spPr>
+        <p:style>
+          <a:lnRef idx="1">
+            <a:schemeClr val="accent1"/>
+          </a:lnRef>
+          <a:fillRef idx="0">
+            <a:schemeClr val="accent1"/>
+          </a:fillRef>
+          <a:effectRef idx="0">
+            <a:schemeClr val="accent1"/>
+          </a:effectRef>
+          <a:fontRef idx="minor">
+            <a:schemeClr val="tx1"/>
+          </a:fontRef>
+        </p:style>
+      </p:cxnSp>
+      <p:sp>
+        <p:nvSpPr>
+          <p:cNvPr id="11" name="テキスト ボックス 10">
+            <a:extLst>
+              <a:ext uri="{FF2B5EF4-FFF2-40B4-BE49-F238E27FC236}">
+                <a16:creationId xmlns:a16="http://schemas.microsoft.com/office/drawing/2014/main" id="{C5C4FBD2-67B3-4792-A169-EBD5E59E81A9}"/>
+              </a:ext>
+            </a:extLst>
+          </p:cNvPr>
+          <p:cNvSpPr txBox="1"/>
+          <p:nvPr/>
+        </p:nvSpPr>
+        <p:spPr>
+          <a:xfrm>
+            <a:off x="755576" y="5589240"/>
+            <a:ext cx="1954381" cy="369332"/>
+          </a:xfrm>
+          <a:prstGeom prst="rect">
+            <a:avLst/>
+          </a:prstGeom>
+          <a:noFill/>
+        </p:spPr>
+        <p:txBody>
+          <a:bodyPr wrap="none" rtlCol="0">
+            <a:spAutoFit/>
+          </a:bodyPr>
+          <a:lstStyle/>
+          <a:p>
+            <a:r>
+              <a:rPr kumimoji="1" lang="en-US" altLang="ja-JP"/>
+              <a:t>2. </a:t>
+            </a:r>
+            <a:r>
+              <a:rPr kumimoji="1" lang="ja-JP" altLang="en-US"/>
+              <a:t>「</a:t>
+            </a:r>
+            <a:r>
+              <a:rPr kumimoji="1" lang="en-US" altLang="ja-JP"/>
+              <a:t>ssh</a:t>
+            </a:r>
+            <a:r>
+              <a:rPr kumimoji="1" lang="ja-JP" altLang="en-US"/>
+              <a:t>」を選ぶ</a:t>
+            </a:r>
+          </a:p>
+        </p:txBody>
+      </p:sp>
+      <p:cxnSp>
+        <p:nvCxnSpPr>
+          <p:cNvPr id="13" name="コネクタ: カギ線 12">
+            <a:extLst>
+              <a:ext uri="{FF2B5EF4-FFF2-40B4-BE49-F238E27FC236}">
+                <a16:creationId xmlns:a16="http://schemas.microsoft.com/office/drawing/2014/main" id="{6C7089A4-DF46-46C1-B532-809A7502B9EE}"/>
+              </a:ext>
+            </a:extLst>
+          </p:cNvPr>
+          <p:cNvCxnSpPr>
+            <a:stCxn id="11" idx="0"/>
+            <a:endCxn id="6" idx="1"/>
+          </p:cNvCxnSpPr>
+          <p:nvPr/>
+        </p:nvCxnSpPr>
+        <p:spPr>
+          <a:xfrm rot="5400000" flipH="1" flipV="1">
+            <a:off x="1550205" y="4007606"/>
+            <a:ext cx="1764196" cy="1399073"/>
+          </a:xfrm>
+          <a:prstGeom prst="bentConnector2">
+            <a:avLst/>
+          </a:prstGeom>
+          <a:ln>
+            <a:solidFill>
+              <a:schemeClr val="tx1"/>
+            </a:solidFill>
+            <a:headEnd type="none" w="med" len="med"/>
+            <a:tailEnd type="triangle"/>
+          </a:ln>
+        </p:spPr>
+        <p:style>
+          <a:lnRef idx="1">
+            <a:schemeClr val="accent1"/>
+          </a:lnRef>
+          <a:fillRef idx="0">
+            <a:schemeClr val="accent1"/>
+          </a:fillRef>
+          <a:effectRef idx="0">
+            <a:schemeClr val="accent1"/>
+          </a:effectRef>
+          <a:fontRef idx="minor">
+            <a:schemeClr val="tx1"/>
+          </a:fontRef>
+        </p:style>
+      </p:cxnSp>
+      <p:sp>
+        <p:nvSpPr>
+          <p:cNvPr id="14" name="テキスト ボックス 13">
+            <a:extLst>
+              <a:ext uri="{FF2B5EF4-FFF2-40B4-BE49-F238E27FC236}">
+                <a16:creationId xmlns:a16="http://schemas.microsoft.com/office/drawing/2014/main" id="{E2DF8602-4B86-41B6-A073-1692AAB4B1E4}"/>
+              </a:ext>
+            </a:extLst>
+          </p:cNvPr>
+          <p:cNvSpPr txBox="1"/>
+          <p:nvPr/>
+        </p:nvSpPr>
+        <p:spPr>
+          <a:xfrm>
+            <a:off x="755576" y="6093296"/>
+            <a:ext cx="7135287" cy="369332"/>
+          </a:xfrm>
+          <a:prstGeom prst="rect">
+            <a:avLst/>
+          </a:prstGeom>
+          <a:noFill/>
+        </p:spPr>
+        <p:txBody>
+          <a:bodyPr wrap="none" rtlCol="0">
+            <a:spAutoFit/>
+          </a:bodyPr>
+          <a:lstStyle/>
+          <a:p>
+            <a:r>
+              <a:rPr kumimoji="1" lang="en-US" altLang="ja-JP"/>
+              <a:t>3. </a:t>
+            </a:r>
+            <a:r>
+              <a:rPr kumimoji="1" lang="ja-JP" altLang="en-US"/>
+              <a:t>このボタンを押すと、リモートリポジトリの</a:t>
+            </a:r>
+            <a:r>
+              <a:rPr kumimoji="1" lang="en-US" altLang="ja-JP"/>
+              <a:t>URL</a:t>
+            </a:r>
+            <a:r>
+              <a:rPr kumimoji="1" lang="ja-JP" altLang="en-US"/>
+              <a:t>がコピーされる</a:t>
+            </a:r>
+          </a:p>
+        </p:txBody>
+      </p:sp>
+      <p:cxnSp>
+        <p:nvCxnSpPr>
+          <p:cNvPr id="16" name="コネクタ: カギ線 15">
+            <a:extLst>
+              <a:ext uri="{FF2B5EF4-FFF2-40B4-BE49-F238E27FC236}">
+                <a16:creationId xmlns:a16="http://schemas.microsoft.com/office/drawing/2014/main" id="{5AA690BB-25AD-464C-9780-416D890754EB}"/>
+              </a:ext>
+            </a:extLst>
+          </p:cNvPr>
+          <p:cNvCxnSpPr>
+            <a:stCxn id="14" idx="0"/>
+            <a:endCxn id="7" idx="2"/>
+          </p:cNvCxnSpPr>
+          <p:nvPr/>
+        </p:nvCxnSpPr>
+        <p:spPr>
+          <a:xfrm rot="5400000" flipH="1" flipV="1">
+            <a:off x="3943554" y="4600754"/>
+            <a:ext cx="1872208" cy="1112877"/>
+          </a:xfrm>
+          <a:prstGeom prst="bentConnector3">
+            <a:avLst/>
+          </a:prstGeom>
+          <a:ln>
+            <a:solidFill>
+              <a:schemeClr val="tx1"/>
+            </a:solidFill>
+            <a:headEnd type="none" w="med" len="med"/>
+            <a:tailEnd type="triangle"/>
+          </a:ln>
+        </p:spPr>
+        <p:style>
+          <a:lnRef idx="1">
+            <a:schemeClr val="accent1"/>
+          </a:lnRef>
+          <a:fillRef idx="0">
+            <a:schemeClr val="accent1"/>
+          </a:fillRef>
+          <a:effectRef idx="0">
+            <a:schemeClr val="accent1"/>
+          </a:effectRef>
+          <a:fontRef idx="minor">
+            <a:schemeClr val="tx1"/>
+          </a:fontRef>
+        </p:style>
+      </p:cxnSp>
+    </p:spTree>
+    <p:extLst>
+      <p:ext uri="{BB962C8B-B14F-4D97-AF65-F5344CB8AC3E}">
+        <p14:creationId xmlns:p14="http://schemas.microsoft.com/office/powerpoint/2010/main" val="2499670421"/>
       </p:ext>
     </p:extLst>
   </p:cSld>
@@ -4891,6 +6637,2742 @@
     <p:extLst>
       <p:ext uri="{BB962C8B-B14F-4D97-AF65-F5344CB8AC3E}">
         <p14:creationId xmlns:p14="http://schemas.microsoft.com/office/powerpoint/2010/main" val="3652201495"/>
+      </p:ext>
+    </p:extLst>
+  </p:cSld>
+  <p:clrMapOvr>
+    <a:masterClrMapping/>
+  </p:clrMapOvr>
+</p:sld>
+</file>
+
+<file path=ppt/slides/slide20.xml><?xml version="1.0" encoding="utf-8"?>
+<p:sld xmlns:a="http://schemas.openxmlformats.org/drawingml/2006/main" xmlns:r="http://schemas.openxmlformats.org/officeDocument/2006/relationships" xmlns:p="http://schemas.openxmlformats.org/presentationml/2006/main">
+  <p:cSld>
+    <p:spTree>
+      <p:nvGrpSpPr>
+        <p:cNvPr id="1" name=""/>
+        <p:cNvGrpSpPr/>
+        <p:nvPr/>
+      </p:nvGrpSpPr>
+      <p:grpSpPr>
+        <a:xfrm>
+          <a:off x="0" y="0"/>
+          <a:ext cx="0" cy="0"/>
+          <a:chOff x="0" y="0"/>
+          <a:chExt cx="0" cy="0"/>
+        </a:xfrm>
+      </p:grpSpPr>
+      <p:sp>
+        <p:nvSpPr>
+          <p:cNvPr id="2" name="テキスト プレースホルダー 1">
+            <a:extLst>
+              <a:ext uri="{FF2B5EF4-FFF2-40B4-BE49-F238E27FC236}">
+                <a16:creationId xmlns:a16="http://schemas.microsoft.com/office/drawing/2014/main" id="{8F4A6E5E-C38A-4FF4-9666-3C919B6D0066}"/>
+              </a:ext>
+            </a:extLst>
+          </p:cNvPr>
+          <p:cNvSpPr>
+            <a:spLocks noGrp="1"/>
+          </p:cNvSpPr>
+          <p:nvPr>
+            <p:ph type="body" sz="quarter" idx="10"/>
+          </p:nvPr>
+        </p:nvSpPr>
+        <p:spPr/>
+        <p:txBody>
+          <a:bodyPr/>
+          <a:lstStyle/>
+          <a:p>
+            <a:r>
+              <a:rPr kumimoji="1" lang="ja-JP" altLang="en-US"/>
+              <a:t>課題</a:t>
+            </a:r>
+            <a:r>
+              <a:rPr kumimoji="1" lang="en-US" altLang="ja-JP"/>
+              <a:t>1 – Step 5</a:t>
+            </a:r>
+            <a:endParaRPr kumimoji="1" lang="ja-JP" altLang="en-US"/>
+          </a:p>
+        </p:txBody>
+      </p:sp>
+      <p:sp>
+        <p:nvSpPr>
+          <p:cNvPr id="5" name="テキスト ボックス 4">
+            <a:extLst>
+              <a:ext uri="{FF2B5EF4-FFF2-40B4-BE49-F238E27FC236}">
+                <a16:creationId xmlns:a16="http://schemas.microsoft.com/office/drawing/2014/main" id="{A52A1011-FE36-4986-899A-EDD156B3244F}"/>
+              </a:ext>
+            </a:extLst>
+          </p:cNvPr>
+          <p:cNvSpPr txBox="1"/>
+          <p:nvPr/>
+        </p:nvSpPr>
+        <p:spPr>
+          <a:xfrm>
+            <a:off x="323528" y="1196752"/>
+            <a:ext cx="8064896" cy="1569660"/>
+          </a:xfrm>
+          <a:prstGeom prst="rect">
+            <a:avLst/>
+          </a:prstGeom>
+          <a:noFill/>
+          <a:ln>
+            <a:solidFill>
+              <a:schemeClr val="tx1"/>
+            </a:solidFill>
+          </a:ln>
+        </p:spPr>
+        <p:txBody>
+          <a:bodyPr wrap="square">
+            <a:spAutoFit/>
+          </a:bodyPr>
+          <a:lstStyle/>
+          <a:p>
+            <a:r>
+              <a:rPr lang="ja-JP" altLang="en-US" sz="2400">
+                <a:latin typeface="Consolas" panose="020B0609020204030204" pitchFamily="49" charset="0"/>
+              </a:rPr>
+              <a:t>cd</a:t>
+            </a:r>
+          </a:p>
+          <a:p>
+            <a:r>
+              <a:rPr lang="ja-JP" altLang="en-US" sz="2400">
+                <a:latin typeface="Consolas" panose="020B0609020204030204" pitchFamily="49" charset="0"/>
+              </a:rPr>
+              <a:t>cd github</a:t>
+            </a:r>
+          </a:p>
+          <a:p>
+            <a:r>
+              <a:rPr lang="ja-JP" altLang="en-US" sz="2400">
+                <a:latin typeface="Consolas" panose="020B0609020204030204" pitchFamily="49" charset="0"/>
+              </a:rPr>
+              <a:t>git clone </a:t>
+            </a:r>
+            <a:r>
+              <a:rPr lang="ja-JP" altLang="en-US" sz="2400">
+                <a:solidFill>
+                  <a:srgbClr val="FF0000"/>
+                </a:solidFill>
+                <a:latin typeface="Consolas" panose="020B0609020204030204" pitchFamily="49" charset="0"/>
+              </a:rPr>
+              <a:t>git@github.com:アカウント名/test.git</a:t>
+            </a:r>
+            <a:endParaRPr lang="en-US" altLang="ja-JP" sz="2400">
+              <a:solidFill>
+                <a:srgbClr val="FF0000"/>
+              </a:solidFill>
+              <a:latin typeface="Consolas" panose="020B0609020204030204" pitchFamily="49" charset="0"/>
+            </a:endParaRPr>
+          </a:p>
+          <a:p>
+            <a:r>
+              <a:rPr lang="en-US" altLang="ja-JP" sz="2400">
+                <a:latin typeface="Consolas" panose="020B0609020204030204" pitchFamily="49" charset="0"/>
+              </a:rPr>
+              <a:t>cd test</a:t>
+            </a:r>
+            <a:endParaRPr lang="ja-JP" altLang="en-US" sz="2400">
+              <a:latin typeface="Consolas" panose="020B0609020204030204" pitchFamily="49" charset="0"/>
+            </a:endParaRPr>
+          </a:p>
+        </p:txBody>
+      </p:sp>
+      <p:sp>
+        <p:nvSpPr>
+          <p:cNvPr id="7" name="テキスト ボックス 6">
+            <a:extLst>
+              <a:ext uri="{FF2B5EF4-FFF2-40B4-BE49-F238E27FC236}">
+                <a16:creationId xmlns:a16="http://schemas.microsoft.com/office/drawing/2014/main" id="{4242AD30-A91E-4A5C-96D8-8493C20BEF23}"/>
+              </a:ext>
+            </a:extLst>
+          </p:cNvPr>
+          <p:cNvSpPr txBox="1"/>
+          <p:nvPr/>
+        </p:nvSpPr>
+        <p:spPr>
+          <a:xfrm>
+            <a:off x="1979712" y="2924944"/>
+            <a:ext cx="6314549" cy="369332"/>
+          </a:xfrm>
+          <a:prstGeom prst="rect">
+            <a:avLst/>
+          </a:prstGeom>
+          <a:noFill/>
+        </p:spPr>
+        <p:txBody>
+          <a:bodyPr wrap="none" rtlCol="0">
+            <a:spAutoFit/>
+          </a:bodyPr>
+          <a:lstStyle/>
+          <a:p>
+            <a:r>
+              <a:rPr kumimoji="1" lang="ja-JP" altLang="en-US"/>
+              <a:t>ここは先ほどコピーしたはずなので、右クリックから</a:t>
+            </a:r>
+            <a:r>
+              <a:rPr kumimoji="1" lang="en-US" altLang="ja-JP"/>
+              <a:t>Paste</a:t>
+            </a:r>
+            <a:endParaRPr kumimoji="1" lang="ja-JP" altLang="en-US"/>
+          </a:p>
+        </p:txBody>
+      </p:sp>
+      <p:pic>
+        <p:nvPicPr>
+          <p:cNvPr id="8" name="Picture 2" descr="フォルダのイラスト">
+            <a:extLst>
+              <a:ext uri="{FF2B5EF4-FFF2-40B4-BE49-F238E27FC236}">
+                <a16:creationId xmlns:a16="http://schemas.microsoft.com/office/drawing/2014/main" id="{B2B69877-E322-462D-831B-93A319C09E55}"/>
+              </a:ext>
+            </a:extLst>
+          </p:cNvPr>
+          <p:cNvPicPr>
+            <a:picLocks noChangeAspect="1" noChangeArrowheads="1"/>
+          </p:cNvPicPr>
+          <p:nvPr/>
+        </p:nvPicPr>
+        <p:blipFill>
+          <a:blip r:embed="rId2" cstate="print">
+            <a:extLst>
+              <a:ext uri="{28A0092B-C50C-407E-A947-70E740481C1C}">
+                <a14:useLocalDpi xmlns:a14="http://schemas.microsoft.com/office/drawing/2010/main" val="0"/>
+              </a:ext>
+            </a:extLst>
+          </a:blip>
+          <a:srcRect/>
+          <a:stretch>
+            <a:fillRect/>
+          </a:stretch>
+        </p:blipFill>
+        <p:spPr bwMode="auto">
+          <a:xfrm>
+            <a:off x="395536" y="4581128"/>
+            <a:ext cx="702078" cy="587990"/>
+          </a:xfrm>
+          <a:prstGeom prst="rect">
+            <a:avLst/>
+          </a:prstGeom>
+          <a:noFill/>
+          <a:extLst>
+            <a:ext uri="{909E8E84-426E-40DD-AFC4-6F175D3DCCD1}">
+              <a14:hiddenFill xmlns:a14="http://schemas.microsoft.com/office/drawing/2010/main">
+                <a:solidFill>
+                  <a:srgbClr val="FFFFFF"/>
+                </a:solidFill>
+              </a14:hiddenFill>
+            </a:ext>
+          </a:extLst>
+        </p:spPr>
+      </p:pic>
+      <p:pic>
+        <p:nvPicPr>
+          <p:cNvPr id="9" name="Picture 2" descr="フォルダのイラスト">
+            <a:extLst>
+              <a:ext uri="{FF2B5EF4-FFF2-40B4-BE49-F238E27FC236}">
+                <a16:creationId xmlns:a16="http://schemas.microsoft.com/office/drawing/2014/main" id="{5886F960-4CD2-4A48-90B1-1047FCAA7B24}"/>
+              </a:ext>
+            </a:extLst>
+          </p:cNvPr>
+          <p:cNvPicPr>
+            <a:picLocks noChangeAspect="1" noChangeArrowheads="1"/>
+          </p:cNvPicPr>
+          <p:nvPr/>
+        </p:nvPicPr>
+        <p:blipFill>
+          <a:blip r:embed="rId2" cstate="print">
+            <a:extLst>
+              <a:ext uri="{28A0092B-C50C-407E-A947-70E740481C1C}">
+                <a14:useLocalDpi xmlns:a14="http://schemas.microsoft.com/office/drawing/2010/main" val="0"/>
+              </a:ext>
+            </a:extLst>
+          </a:blip>
+          <a:srcRect/>
+          <a:stretch>
+            <a:fillRect/>
+          </a:stretch>
+        </p:blipFill>
+        <p:spPr bwMode="auto">
+          <a:xfrm>
+            <a:off x="1619672" y="4581128"/>
+            <a:ext cx="702078" cy="587990"/>
+          </a:xfrm>
+          <a:prstGeom prst="rect">
+            <a:avLst/>
+          </a:prstGeom>
+          <a:noFill/>
+          <a:extLst>
+            <a:ext uri="{909E8E84-426E-40DD-AFC4-6F175D3DCCD1}">
+              <a14:hiddenFill xmlns:a14="http://schemas.microsoft.com/office/drawing/2010/main">
+                <a:solidFill>
+                  <a:srgbClr val="FFFFFF"/>
+                </a:solidFill>
+              </a14:hiddenFill>
+            </a:ext>
+          </a:extLst>
+        </p:spPr>
+      </p:pic>
+      <p:sp>
+        <p:nvSpPr>
+          <p:cNvPr id="10" name="テキスト ボックス 9">
+            <a:extLst>
+              <a:ext uri="{FF2B5EF4-FFF2-40B4-BE49-F238E27FC236}">
+                <a16:creationId xmlns:a16="http://schemas.microsoft.com/office/drawing/2014/main" id="{A785F82E-7872-4698-86A9-E1ECA13B219A}"/>
+              </a:ext>
+            </a:extLst>
+          </p:cNvPr>
+          <p:cNvSpPr txBox="1"/>
+          <p:nvPr/>
+        </p:nvSpPr>
+        <p:spPr>
+          <a:xfrm>
+            <a:off x="1547664" y="5085184"/>
+            <a:ext cx="813043" cy="369332"/>
+          </a:xfrm>
+          <a:prstGeom prst="rect">
+            <a:avLst/>
+          </a:prstGeom>
+          <a:noFill/>
+        </p:spPr>
+        <p:txBody>
+          <a:bodyPr wrap="none" rtlCol="0">
+            <a:spAutoFit/>
+          </a:bodyPr>
+          <a:lstStyle/>
+          <a:p>
+            <a:r>
+              <a:rPr kumimoji="1" lang="en-US" altLang="ja-JP" dirty="0" err="1"/>
+              <a:t>github</a:t>
+            </a:r>
+            <a:endParaRPr kumimoji="1" lang="ja-JP" altLang="en-US" dirty="0"/>
+          </a:p>
+        </p:txBody>
+      </p:sp>
+      <p:pic>
+        <p:nvPicPr>
+          <p:cNvPr id="11" name="Picture 2" descr="家のイラスト7">
+            <a:extLst>
+              <a:ext uri="{FF2B5EF4-FFF2-40B4-BE49-F238E27FC236}">
+                <a16:creationId xmlns:a16="http://schemas.microsoft.com/office/drawing/2014/main" id="{02809637-ED58-4393-A2A7-2EAB4A9B4958}"/>
+              </a:ext>
+            </a:extLst>
+          </p:cNvPr>
+          <p:cNvPicPr>
+            <a:picLocks noChangeAspect="1" noChangeArrowheads="1"/>
+          </p:cNvPicPr>
+          <p:nvPr/>
+        </p:nvPicPr>
+        <p:blipFill>
+          <a:blip r:embed="rId3" cstate="print">
+            <a:extLst>
+              <a:ext uri="{28A0092B-C50C-407E-A947-70E740481C1C}">
+                <a14:useLocalDpi xmlns:a14="http://schemas.microsoft.com/office/drawing/2010/main" val="0"/>
+              </a:ext>
+            </a:extLst>
+          </a:blip>
+          <a:srcRect/>
+          <a:stretch>
+            <a:fillRect/>
+          </a:stretch>
+        </p:blipFill>
+        <p:spPr bwMode="auto">
+          <a:xfrm>
+            <a:off x="539552" y="4725144"/>
+            <a:ext cx="360040" cy="336637"/>
+          </a:xfrm>
+          <a:prstGeom prst="rect">
+            <a:avLst/>
+          </a:prstGeom>
+          <a:noFill/>
+          <a:extLst>
+            <a:ext uri="{909E8E84-426E-40DD-AFC4-6F175D3DCCD1}">
+              <a14:hiddenFill xmlns:a14="http://schemas.microsoft.com/office/drawing/2010/main">
+                <a:solidFill>
+                  <a:srgbClr val="FFFFFF"/>
+                </a:solidFill>
+              </a14:hiddenFill>
+            </a:ext>
+          </a:extLst>
+        </p:spPr>
+      </p:pic>
+      <p:cxnSp>
+        <p:nvCxnSpPr>
+          <p:cNvPr id="12" name="直線矢印コネクタ 11">
+            <a:extLst>
+              <a:ext uri="{FF2B5EF4-FFF2-40B4-BE49-F238E27FC236}">
+                <a16:creationId xmlns:a16="http://schemas.microsoft.com/office/drawing/2014/main" id="{13FB7EF0-CF0E-46F3-9CAD-29D73090416E}"/>
+              </a:ext>
+            </a:extLst>
+          </p:cNvPr>
+          <p:cNvCxnSpPr>
+            <a:stCxn id="8" idx="3"/>
+            <a:endCxn id="9" idx="1"/>
+          </p:cNvCxnSpPr>
+          <p:nvPr/>
+        </p:nvCxnSpPr>
+        <p:spPr>
+          <a:xfrm>
+            <a:off x="1097614" y="4875123"/>
+            <a:ext cx="522058" cy="0"/>
+          </a:xfrm>
+          <a:prstGeom prst="straightConnector1">
+            <a:avLst/>
+          </a:prstGeom>
+          <a:ln>
+            <a:solidFill>
+              <a:schemeClr val="tx1"/>
+            </a:solidFill>
+            <a:headEnd type="none" w="med" len="med"/>
+            <a:tailEnd type="none" w="med" len="med"/>
+          </a:ln>
+        </p:spPr>
+        <p:style>
+          <a:lnRef idx="1">
+            <a:schemeClr val="accent1"/>
+          </a:lnRef>
+          <a:fillRef idx="0">
+            <a:schemeClr val="accent1"/>
+          </a:fillRef>
+          <a:effectRef idx="0">
+            <a:schemeClr val="accent1"/>
+          </a:effectRef>
+          <a:fontRef idx="minor">
+            <a:schemeClr val="tx1"/>
+          </a:fontRef>
+        </p:style>
+      </p:cxnSp>
+      <p:pic>
+        <p:nvPicPr>
+          <p:cNvPr id="13" name="Picture 2" descr="フォルダのイラスト">
+            <a:extLst>
+              <a:ext uri="{FF2B5EF4-FFF2-40B4-BE49-F238E27FC236}">
+                <a16:creationId xmlns:a16="http://schemas.microsoft.com/office/drawing/2014/main" id="{C11F3CAA-A3D6-4621-88DD-52464D510969}"/>
+              </a:ext>
+            </a:extLst>
+          </p:cNvPr>
+          <p:cNvPicPr>
+            <a:picLocks noChangeAspect="1" noChangeArrowheads="1"/>
+          </p:cNvPicPr>
+          <p:nvPr/>
+        </p:nvPicPr>
+        <p:blipFill>
+          <a:blip r:embed="rId2" cstate="print">
+            <a:extLst>
+              <a:ext uri="{28A0092B-C50C-407E-A947-70E740481C1C}">
+                <a14:useLocalDpi xmlns:a14="http://schemas.microsoft.com/office/drawing/2010/main" val="0"/>
+              </a:ext>
+            </a:extLst>
+          </a:blip>
+          <a:srcRect/>
+          <a:stretch>
+            <a:fillRect/>
+          </a:stretch>
+        </p:blipFill>
+        <p:spPr bwMode="auto">
+          <a:xfrm>
+            <a:off x="2843808" y="4581128"/>
+            <a:ext cx="702078" cy="587990"/>
+          </a:xfrm>
+          <a:prstGeom prst="rect">
+            <a:avLst/>
+          </a:prstGeom>
+          <a:noFill/>
+          <a:extLst>
+            <a:ext uri="{909E8E84-426E-40DD-AFC4-6F175D3DCCD1}">
+              <a14:hiddenFill xmlns:a14="http://schemas.microsoft.com/office/drawing/2010/main">
+                <a:solidFill>
+                  <a:srgbClr val="FFFFFF"/>
+                </a:solidFill>
+              </a14:hiddenFill>
+            </a:ext>
+          </a:extLst>
+        </p:spPr>
+      </p:pic>
+      <p:cxnSp>
+        <p:nvCxnSpPr>
+          <p:cNvPr id="14" name="直線矢印コネクタ 13">
+            <a:extLst>
+              <a:ext uri="{FF2B5EF4-FFF2-40B4-BE49-F238E27FC236}">
+                <a16:creationId xmlns:a16="http://schemas.microsoft.com/office/drawing/2014/main" id="{0527C97E-429E-48A2-8463-46FF3F606F49}"/>
+              </a:ext>
+            </a:extLst>
+          </p:cNvPr>
+          <p:cNvCxnSpPr>
+            <a:endCxn id="13" idx="1"/>
+          </p:cNvCxnSpPr>
+          <p:nvPr/>
+        </p:nvCxnSpPr>
+        <p:spPr>
+          <a:xfrm>
+            <a:off x="2321750" y="4875123"/>
+            <a:ext cx="522058" cy="0"/>
+          </a:xfrm>
+          <a:prstGeom prst="straightConnector1">
+            <a:avLst/>
+          </a:prstGeom>
+          <a:ln>
+            <a:solidFill>
+              <a:schemeClr val="tx1"/>
+            </a:solidFill>
+            <a:headEnd type="none" w="med" len="med"/>
+            <a:tailEnd type="none" w="med" len="med"/>
+          </a:ln>
+        </p:spPr>
+        <p:style>
+          <a:lnRef idx="1">
+            <a:schemeClr val="accent1"/>
+          </a:lnRef>
+          <a:fillRef idx="0">
+            <a:schemeClr val="accent1"/>
+          </a:fillRef>
+          <a:effectRef idx="0">
+            <a:schemeClr val="accent1"/>
+          </a:effectRef>
+          <a:fontRef idx="minor">
+            <a:schemeClr val="tx1"/>
+          </a:fontRef>
+        </p:style>
+      </p:cxnSp>
+      <p:sp>
+        <p:nvSpPr>
+          <p:cNvPr id="15" name="テキスト ボックス 14">
+            <a:extLst>
+              <a:ext uri="{FF2B5EF4-FFF2-40B4-BE49-F238E27FC236}">
+                <a16:creationId xmlns:a16="http://schemas.microsoft.com/office/drawing/2014/main" id="{2EC325C5-6987-4DB5-9230-928D90D3E01A}"/>
+              </a:ext>
+            </a:extLst>
+          </p:cNvPr>
+          <p:cNvSpPr txBox="1"/>
+          <p:nvPr/>
+        </p:nvSpPr>
+        <p:spPr>
+          <a:xfrm>
+            <a:off x="2843808" y="5085184"/>
+            <a:ext cx="556563" cy="369332"/>
+          </a:xfrm>
+          <a:prstGeom prst="rect">
+            <a:avLst/>
+          </a:prstGeom>
+          <a:noFill/>
+        </p:spPr>
+        <p:txBody>
+          <a:bodyPr wrap="none" rtlCol="0">
+            <a:spAutoFit/>
+          </a:bodyPr>
+          <a:lstStyle/>
+          <a:p>
+            <a:r>
+              <a:rPr kumimoji="1" lang="en-US" altLang="ja-JP"/>
+              <a:t>test</a:t>
+            </a:r>
+            <a:endParaRPr kumimoji="1" lang="ja-JP" altLang="en-US" dirty="0"/>
+          </a:p>
+        </p:txBody>
+      </p:sp>
+      <p:pic>
+        <p:nvPicPr>
+          <p:cNvPr id="16" name="Picture 4">
+            <a:extLst>
+              <a:ext uri="{FF2B5EF4-FFF2-40B4-BE49-F238E27FC236}">
+                <a16:creationId xmlns:a16="http://schemas.microsoft.com/office/drawing/2014/main" id="{C683FAA3-B58F-45EB-A2BF-051BE910EB9A}"/>
+              </a:ext>
+            </a:extLst>
+          </p:cNvPr>
+          <p:cNvPicPr>
+            <a:picLocks noChangeAspect="1" noChangeArrowheads="1"/>
+          </p:cNvPicPr>
+          <p:nvPr/>
+        </p:nvPicPr>
+        <p:blipFill>
+          <a:blip r:embed="rId4" cstate="print">
+            <a:extLst>
+              <a:ext uri="{28A0092B-C50C-407E-A947-70E740481C1C}">
+                <a14:useLocalDpi xmlns:a14="http://schemas.microsoft.com/office/drawing/2010/main" val="0"/>
+              </a:ext>
+            </a:extLst>
+          </a:blip>
+          <a:srcRect/>
+          <a:stretch>
+            <a:fillRect/>
+          </a:stretch>
+        </p:blipFill>
+        <p:spPr bwMode="auto">
+          <a:xfrm>
+            <a:off x="2987824" y="4725144"/>
+            <a:ext cx="360040" cy="360040"/>
+          </a:xfrm>
+          <a:prstGeom prst="rect">
+            <a:avLst/>
+          </a:prstGeom>
+          <a:noFill/>
+          <a:extLst>
+            <a:ext uri="{909E8E84-426E-40DD-AFC4-6F175D3DCCD1}">
+              <a14:hiddenFill xmlns:a14="http://schemas.microsoft.com/office/drawing/2010/main">
+                <a:solidFill>
+                  <a:srgbClr val="FFFFFF"/>
+                </a:solidFill>
+              </a14:hiddenFill>
+            </a:ext>
+          </a:extLst>
+        </p:spPr>
+      </p:pic>
+      <p:pic>
+        <p:nvPicPr>
+          <p:cNvPr id="17" name="Picture 2" descr="手を上げている男の子のイラスト">
+            <a:extLst>
+              <a:ext uri="{FF2B5EF4-FFF2-40B4-BE49-F238E27FC236}">
+                <a16:creationId xmlns:a16="http://schemas.microsoft.com/office/drawing/2014/main" id="{BEB1F60A-FFFF-4195-8CC8-9B288AC6D47E}"/>
+              </a:ext>
+            </a:extLst>
+          </p:cNvPr>
+          <p:cNvPicPr>
+            <a:picLocks noChangeAspect="1" noChangeArrowheads="1"/>
+          </p:cNvPicPr>
+          <p:nvPr/>
+        </p:nvPicPr>
+        <p:blipFill>
+          <a:blip r:embed="rId5" cstate="print">
+            <a:extLst>
+              <a:ext uri="{28A0092B-C50C-407E-A947-70E740481C1C}">
+                <a14:useLocalDpi xmlns:a14="http://schemas.microsoft.com/office/drawing/2010/main" val="0"/>
+              </a:ext>
+            </a:extLst>
+          </a:blip>
+          <a:srcRect/>
+          <a:stretch>
+            <a:fillRect/>
+          </a:stretch>
+        </p:blipFill>
+        <p:spPr bwMode="auto">
+          <a:xfrm>
+            <a:off x="2996652" y="3933056"/>
+            <a:ext cx="385188" cy="536848"/>
+          </a:xfrm>
+          <a:prstGeom prst="rect">
+            <a:avLst/>
+          </a:prstGeom>
+          <a:noFill/>
+          <a:extLst>
+            <a:ext uri="{909E8E84-426E-40DD-AFC4-6F175D3DCCD1}">
+              <a14:hiddenFill xmlns:a14="http://schemas.microsoft.com/office/drawing/2010/main">
+                <a:solidFill>
+                  <a:srgbClr val="FFFFFF"/>
+                </a:solidFill>
+              </a14:hiddenFill>
+            </a:ext>
+          </a:extLst>
+        </p:spPr>
+      </p:pic>
+      <p:sp>
+        <p:nvSpPr>
+          <p:cNvPr id="18" name="テキスト ボックス 17">
+            <a:extLst>
+              <a:ext uri="{FF2B5EF4-FFF2-40B4-BE49-F238E27FC236}">
+                <a16:creationId xmlns:a16="http://schemas.microsoft.com/office/drawing/2014/main" id="{B9F2B347-7375-4C2D-9DC7-DAB362F285B6}"/>
+              </a:ext>
+            </a:extLst>
+          </p:cNvPr>
+          <p:cNvSpPr txBox="1"/>
+          <p:nvPr/>
+        </p:nvSpPr>
+        <p:spPr>
+          <a:xfrm>
+            <a:off x="3419872" y="4077072"/>
+            <a:ext cx="3416320" cy="369332"/>
+          </a:xfrm>
+          <a:prstGeom prst="rect">
+            <a:avLst/>
+          </a:prstGeom>
+          <a:noFill/>
+        </p:spPr>
+        <p:txBody>
+          <a:bodyPr wrap="none" rtlCol="0">
+            <a:spAutoFit/>
+          </a:bodyPr>
+          <a:lstStyle/>
+          <a:p>
+            <a:r>
+              <a:rPr lang="ja-JP" altLang="en-US"/>
+              <a:t>ここがカレントディレクトリに</a:t>
+            </a:r>
+            <a:endParaRPr kumimoji="1" lang="ja-JP" altLang="en-US"/>
+          </a:p>
+        </p:txBody>
+      </p:sp>
+      <p:cxnSp>
+        <p:nvCxnSpPr>
+          <p:cNvPr id="20" name="直線矢印コネクタ 19">
+            <a:extLst>
+              <a:ext uri="{FF2B5EF4-FFF2-40B4-BE49-F238E27FC236}">
+                <a16:creationId xmlns:a16="http://schemas.microsoft.com/office/drawing/2014/main" id="{D01C4247-5A72-4095-B2BD-4D5F80A4EB9F}"/>
+              </a:ext>
+            </a:extLst>
+          </p:cNvPr>
+          <p:cNvCxnSpPr>
+            <a:stCxn id="7" idx="0"/>
+          </p:cNvCxnSpPr>
+          <p:nvPr/>
+        </p:nvCxnSpPr>
+        <p:spPr>
+          <a:xfrm flipV="1">
+            <a:off x="5136987" y="2492896"/>
+            <a:ext cx="11077" cy="432048"/>
+          </a:xfrm>
+          <a:prstGeom prst="straightConnector1">
+            <a:avLst/>
+          </a:prstGeom>
+          <a:ln>
+            <a:solidFill>
+              <a:schemeClr val="tx1"/>
+            </a:solidFill>
+            <a:headEnd type="none" w="med" len="med"/>
+            <a:tailEnd type="triangle"/>
+          </a:ln>
+        </p:spPr>
+        <p:style>
+          <a:lnRef idx="1">
+            <a:schemeClr val="accent1"/>
+          </a:lnRef>
+          <a:fillRef idx="0">
+            <a:schemeClr val="accent1"/>
+          </a:fillRef>
+          <a:effectRef idx="0">
+            <a:schemeClr val="accent1"/>
+          </a:effectRef>
+          <a:fontRef idx="minor">
+            <a:schemeClr val="tx1"/>
+          </a:fontRef>
+        </p:style>
+      </p:cxnSp>
+      <p:sp>
+        <p:nvSpPr>
+          <p:cNvPr id="21" name="フローチャート: 磁気ディスク 20">
+            <a:extLst>
+              <a:ext uri="{FF2B5EF4-FFF2-40B4-BE49-F238E27FC236}">
+                <a16:creationId xmlns:a16="http://schemas.microsoft.com/office/drawing/2014/main" id="{5953B9DD-D241-4925-8132-02866C1D3732}"/>
+              </a:ext>
+            </a:extLst>
+          </p:cNvPr>
+          <p:cNvSpPr/>
+          <p:nvPr/>
+        </p:nvSpPr>
+        <p:spPr>
+          <a:xfrm>
+            <a:off x="7526441" y="5733256"/>
+            <a:ext cx="504056" cy="360040"/>
+          </a:xfrm>
+          <a:prstGeom prst="flowChartMagneticDisk">
+            <a:avLst/>
+          </a:prstGeom>
+          <a:solidFill>
+            <a:schemeClr val="bg1">
+              <a:lumMod val="95000"/>
+            </a:schemeClr>
+          </a:solidFill>
+          <a:ln>
+            <a:solidFill>
+              <a:schemeClr val="tx1"/>
+            </a:solidFill>
+          </a:ln>
+        </p:spPr>
+        <p:style>
+          <a:lnRef idx="2">
+            <a:schemeClr val="accent1">
+              <a:shade val="50000"/>
+            </a:schemeClr>
+          </a:lnRef>
+          <a:fillRef idx="1">
+            <a:schemeClr val="accent1"/>
+          </a:fillRef>
+          <a:effectRef idx="0">
+            <a:schemeClr val="accent1"/>
+          </a:effectRef>
+          <a:fontRef idx="minor">
+            <a:schemeClr val="lt1"/>
+          </a:fontRef>
+        </p:style>
+        <p:txBody>
+          <a:bodyPr rtlCol="0" anchor="ctr"/>
+          <a:lstStyle/>
+          <a:p>
+            <a:pPr algn="ctr"/>
+            <a:r>
+              <a:rPr kumimoji="1" lang="en-US" altLang="ja-JP" sz="1100" dirty="0">
+                <a:solidFill>
+                  <a:schemeClr val="tx1"/>
+                </a:solidFill>
+                <a:latin typeface="Consolas" panose="020B0609020204030204" pitchFamily="49" charset="0"/>
+              </a:rPr>
+              <a:t>.git</a:t>
+            </a:r>
+            <a:endParaRPr kumimoji="1" lang="ja-JP" altLang="en-US" sz="1100" dirty="0">
+              <a:solidFill>
+                <a:schemeClr val="tx1"/>
+              </a:solidFill>
+              <a:latin typeface="Consolas" panose="020B0609020204030204" pitchFamily="49" charset="0"/>
+            </a:endParaRPr>
+          </a:p>
+        </p:txBody>
+      </p:sp>
+      <p:sp>
+        <p:nvSpPr>
+          <p:cNvPr id="22" name="四角形: 角を丸くする 21">
+            <a:extLst>
+              <a:ext uri="{FF2B5EF4-FFF2-40B4-BE49-F238E27FC236}">
+                <a16:creationId xmlns:a16="http://schemas.microsoft.com/office/drawing/2014/main" id="{4BF5683B-51EF-4063-91BC-A4B66B32DD62}"/>
+              </a:ext>
+            </a:extLst>
+          </p:cNvPr>
+          <p:cNvSpPr/>
+          <p:nvPr/>
+        </p:nvSpPr>
+        <p:spPr>
+          <a:xfrm>
+            <a:off x="7310417" y="5589240"/>
+            <a:ext cx="936104" cy="576064"/>
+          </a:xfrm>
+          <a:prstGeom prst="roundRect">
+            <a:avLst/>
+          </a:prstGeom>
+          <a:noFill/>
+          <a:ln w="28575">
+            <a:solidFill>
+              <a:schemeClr val="tx1"/>
+            </a:solidFill>
+            <a:prstDash val="dash"/>
+          </a:ln>
+        </p:spPr>
+        <p:style>
+          <a:lnRef idx="2">
+            <a:schemeClr val="accent1">
+              <a:shade val="50000"/>
+            </a:schemeClr>
+          </a:lnRef>
+          <a:fillRef idx="1">
+            <a:schemeClr val="accent1"/>
+          </a:fillRef>
+          <a:effectRef idx="0">
+            <a:schemeClr val="accent1"/>
+          </a:effectRef>
+          <a:fontRef idx="minor">
+            <a:schemeClr val="lt1"/>
+          </a:fontRef>
+        </p:style>
+        <p:txBody>
+          <a:bodyPr rtlCol="0" anchor="ctr"/>
+          <a:lstStyle/>
+          <a:p>
+            <a:pPr algn="ctr"/>
+            <a:endParaRPr kumimoji="1" lang="ja-JP" altLang="en-US"/>
+          </a:p>
+        </p:txBody>
+      </p:sp>
+      <p:sp>
+        <p:nvSpPr>
+          <p:cNvPr id="23" name="テキスト ボックス 22">
+            <a:extLst>
+              <a:ext uri="{FF2B5EF4-FFF2-40B4-BE49-F238E27FC236}">
+                <a16:creationId xmlns:a16="http://schemas.microsoft.com/office/drawing/2014/main" id="{E9D7D316-C105-4A0C-B64F-E2C0288FB247}"/>
+              </a:ext>
+            </a:extLst>
+          </p:cNvPr>
+          <p:cNvSpPr txBox="1"/>
+          <p:nvPr/>
+        </p:nvSpPr>
+        <p:spPr>
+          <a:xfrm>
+            <a:off x="6878369" y="5085184"/>
+            <a:ext cx="2262158" cy="369332"/>
+          </a:xfrm>
+          <a:prstGeom prst="rect">
+            <a:avLst/>
+          </a:prstGeom>
+          <a:noFill/>
+        </p:spPr>
+        <p:txBody>
+          <a:bodyPr wrap="none" rtlCol="0">
+            <a:spAutoFit/>
+          </a:bodyPr>
+          <a:lstStyle/>
+          <a:p>
+            <a:pPr algn="ctr"/>
+            <a:r>
+              <a:rPr lang="ja-JP" altLang="en-US" dirty="0"/>
+              <a:t>リモートリポジトリ</a:t>
+            </a:r>
+            <a:endParaRPr kumimoji="1" lang="en-US" altLang="ja-JP" dirty="0"/>
+          </a:p>
+        </p:txBody>
+      </p:sp>
+      <p:pic>
+        <p:nvPicPr>
+          <p:cNvPr id="24" name="図 23">
+            <a:extLst>
+              <a:ext uri="{FF2B5EF4-FFF2-40B4-BE49-F238E27FC236}">
+                <a16:creationId xmlns:a16="http://schemas.microsoft.com/office/drawing/2014/main" id="{1526AD0E-0C29-4830-9992-40ABA035F0F7}"/>
+              </a:ext>
+            </a:extLst>
+          </p:cNvPr>
+          <p:cNvPicPr>
+            <a:picLocks noChangeAspect="1"/>
+          </p:cNvPicPr>
+          <p:nvPr/>
+        </p:nvPicPr>
+        <p:blipFill>
+          <a:blip r:embed="rId6">
+            <a:extLst>
+              <a:ext uri="{28A0092B-C50C-407E-A947-70E740481C1C}">
+                <a14:useLocalDpi xmlns:a14="http://schemas.microsoft.com/office/drawing/2010/main" val="0"/>
+              </a:ext>
+            </a:extLst>
+          </a:blip>
+          <a:stretch>
+            <a:fillRect/>
+          </a:stretch>
+        </p:blipFill>
+        <p:spPr>
+          <a:xfrm>
+            <a:off x="7454433" y="4437112"/>
+            <a:ext cx="609600" cy="609600"/>
+          </a:xfrm>
+          <a:prstGeom prst="rect">
+            <a:avLst/>
+          </a:prstGeom>
+        </p:spPr>
+      </p:pic>
+      <p:pic>
+        <p:nvPicPr>
+          <p:cNvPr id="1027" name="Picture 3" descr="ファイルアイコン（テキスト）">
+            <a:extLst>
+              <a:ext uri="{FF2B5EF4-FFF2-40B4-BE49-F238E27FC236}">
+                <a16:creationId xmlns:a16="http://schemas.microsoft.com/office/drawing/2014/main" id="{6CB16F29-0918-4F58-B36A-97CD8C575E10}"/>
+              </a:ext>
+            </a:extLst>
+          </p:cNvPr>
+          <p:cNvPicPr>
+            <a:picLocks noChangeAspect="1" noChangeArrowheads="1"/>
+          </p:cNvPicPr>
+          <p:nvPr/>
+        </p:nvPicPr>
+        <p:blipFill>
+          <a:blip r:embed="rId7" cstate="print">
+            <a:extLst>
+              <a:ext uri="{28A0092B-C50C-407E-A947-70E740481C1C}">
+                <a14:useLocalDpi xmlns:a14="http://schemas.microsoft.com/office/drawing/2010/main" val="0"/>
+              </a:ext>
+            </a:extLst>
+          </a:blip>
+          <a:srcRect/>
+          <a:stretch>
+            <a:fillRect/>
+          </a:stretch>
+        </p:blipFill>
+        <p:spPr bwMode="auto">
+          <a:xfrm>
+            <a:off x="3573413" y="5733256"/>
+            <a:ext cx="552167" cy="641226"/>
+          </a:xfrm>
+          <a:prstGeom prst="rect">
+            <a:avLst/>
+          </a:prstGeom>
+          <a:noFill/>
+          <a:extLst>
+            <a:ext uri="{909E8E84-426E-40DD-AFC4-6F175D3DCCD1}">
+              <a14:hiddenFill xmlns:a14="http://schemas.microsoft.com/office/drawing/2010/main">
+                <a:solidFill>
+                  <a:srgbClr val="FFFFFF"/>
+                </a:solidFill>
+              </a14:hiddenFill>
+            </a:ext>
+          </a:extLst>
+        </p:spPr>
+      </p:pic>
+      <p:pic>
+        <p:nvPicPr>
+          <p:cNvPr id="26" name="Picture 3" descr="ファイルアイコン（テキスト）">
+            <a:extLst>
+              <a:ext uri="{FF2B5EF4-FFF2-40B4-BE49-F238E27FC236}">
+                <a16:creationId xmlns:a16="http://schemas.microsoft.com/office/drawing/2014/main" id="{2F86123F-B016-4C9C-BE19-489FA8A5A29C}"/>
+              </a:ext>
+            </a:extLst>
+          </p:cNvPr>
+          <p:cNvPicPr>
+            <a:picLocks noChangeAspect="1" noChangeArrowheads="1"/>
+          </p:cNvPicPr>
+          <p:nvPr/>
+        </p:nvPicPr>
+        <p:blipFill>
+          <a:blip r:embed="rId7" cstate="print">
+            <a:extLst>
+              <a:ext uri="{28A0092B-C50C-407E-A947-70E740481C1C}">
+                <a14:useLocalDpi xmlns:a14="http://schemas.microsoft.com/office/drawing/2010/main" val="0"/>
+              </a:ext>
+            </a:extLst>
+          </a:blip>
+          <a:srcRect/>
+          <a:stretch>
+            <a:fillRect/>
+          </a:stretch>
+        </p:blipFill>
+        <p:spPr bwMode="auto">
+          <a:xfrm>
+            <a:off x="4644008" y="5733256"/>
+            <a:ext cx="552167" cy="641226"/>
+          </a:xfrm>
+          <a:prstGeom prst="rect">
+            <a:avLst/>
+          </a:prstGeom>
+          <a:noFill/>
+          <a:extLst>
+            <a:ext uri="{909E8E84-426E-40DD-AFC4-6F175D3DCCD1}">
+              <a14:hiddenFill xmlns:a14="http://schemas.microsoft.com/office/drawing/2010/main">
+                <a:solidFill>
+                  <a:srgbClr val="FFFFFF"/>
+                </a:solidFill>
+              </a14:hiddenFill>
+            </a:ext>
+          </a:extLst>
+        </p:spPr>
+      </p:pic>
+      <p:cxnSp>
+        <p:nvCxnSpPr>
+          <p:cNvPr id="29" name="コネクタ: カギ線 28">
+            <a:extLst>
+              <a:ext uri="{FF2B5EF4-FFF2-40B4-BE49-F238E27FC236}">
+                <a16:creationId xmlns:a16="http://schemas.microsoft.com/office/drawing/2014/main" id="{3CECDA1D-0584-4410-94E5-8EDDC730D6AF}"/>
+              </a:ext>
+            </a:extLst>
+          </p:cNvPr>
+          <p:cNvCxnSpPr>
+            <a:cxnSpLocks/>
+            <a:stCxn id="15" idx="2"/>
+            <a:endCxn id="26" idx="0"/>
+          </p:cNvCxnSpPr>
+          <p:nvPr/>
+        </p:nvCxnSpPr>
+        <p:spPr>
+          <a:xfrm rot="16200000" flipH="1">
+            <a:off x="3881721" y="4694885"/>
+            <a:ext cx="278740" cy="1798002"/>
+          </a:xfrm>
+          <a:prstGeom prst="bentConnector3">
+            <a:avLst/>
+          </a:prstGeom>
+          <a:ln>
+            <a:solidFill>
+              <a:schemeClr val="tx1"/>
+            </a:solidFill>
+            <a:headEnd type="none" w="med" len="med"/>
+            <a:tailEnd type="none" w="med" len="med"/>
+          </a:ln>
+        </p:spPr>
+        <p:style>
+          <a:lnRef idx="1">
+            <a:schemeClr val="accent1"/>
+          </a:lnRef>
+          <a:fillRef idx="0">
+            <a:schemeClr val="accent1"/>
+          </a:fillRef>
+          <a:effectRef idx="0">
+            <a:schemeClr val="accent1"/>
+          </a:effectRef>
+          <a:fontRef idx="minor">
+            <a:schemeClr val="tx1"/>
+          </a:fontRef>
+        </p:style>
+      </p:cxnSp>
+      <p:sp>
+        <p:nvSpPr>
+          <p:cNvPr id="30" name="テキスト ボックス 29">
+            <a:extLst>
+              <a:ext uri="{FF2B5EF4-FFF2-40B4-BE49-F238E27FC236}">
+                <a16:creationId xmlns:a16="http://schemas.microsoft.com/office/drawing/2014/main" id="{9EB49E9A-A171-4B4F-AA2D-6F45B0462284}"/>
+              </a:ext>
+            </a:extLst>
+          </p:cNvPr>
+          <p:cNvSpPr txBox="1"/>
+          <p:nvPr/>
+        </p:nvSpPr>
+        <p:spPr>
+          <a:xfrm>
+            <a:off x="3419872" y="6381328"/>
+            <a:ext cx="877163" cy="261610"/>
+          </a:xfrm>
+          <a:prstGeom prst="rect">
+            <a:avLst/>
+          </a:prstGeom>
+          <a:noFill/>
+        </p:spPr>
+        <p:txBody>
+          <a:bodyPr wrap="none" rtlCol="0">
+            <a:spAutoFit/>
+          </a:bodyPr>
+          <a:lstStyle/>
+          <a:p>
+            <a:r>
+              <a:rPr kumimoji="1" lang="en-US" altLang="ja-JP" sz="1100">
+                <a:latin typeface="Consolas" panose="020B0609020204030204" pitchFamily="49" charset="0"/>
+              </a:rPr>
+              <a:t>README.md</a:t>
+            </a:r>
+            <a:endParaRPr kumimoji="1" lang="ja-JP" altLang="en-US" sz="1100">
+              <a:latin typeface="Consolas" panose="020B0609020204030204" pitchFamily="49" charset="0"/>
+            </a:endParaRPr>
+          </a:p>
+        </p:txBody>
+      </p:sp>
+      <p:sp>
+        <p:nvSpPr>
+          <p:cNvPr id="32" name="テキスト ボックス 31">
+            <a:extLst>
+              <a:ext uri="{FF2B5EF4-FFF2-40B4-BE49-F238E27FC236}">
+                <a16:creationId xmlns:a16="http://schemas.microsoft.com/office/drawing/2014/main" id="{79202C7A-4DB7-4A67-B19A-133962501DD7}"/>
+              </a:ext>
+            </a:extLst>
+          </p:cNvPr>
+          <p:cNvSpPr txBox="1"/>
+          <p:nvPr/>
+        </p:nvSpPr>
+        <p:spPr>
+          <a:xfrm>
+            <a:off x="4568805" y="6381328"/>
+            <a:ext cx="723275" cy="261610"/>
+          </a:xfrm>
+          <a:prstGeom prst="rect">
+            <a:avLst/>
+          </a:prstGeom>
+          <a:noFill/>
+        </p:spPr>
+        <p:txBody>
+          <a:bodyPr wrap="none" rtlCol="0">
+            <a:spAutoFit/>
+          </a:bodyPr>
+          <a:lstStyle/>
+          <a:p>
+            <a:r>
+              <a:rPr kumimoji="1" lang="en-US" altLang="ja-JP" sz="1100">
+                <a:latin typeface="Consolas" panose="020B0609020204030204" pitchFamily="49" charset="0"/>
+              </a:rPr>
+              <a:t>LICENSE</a:t>
+            </a:r>
+            <a:endParaRPr kumimoji="1" lang="ja-JP" altLang="en-US" sz="1100">
+              <a:latin typeface="Consolas" panose="020B0609020204030204" pitchFamily="49" charset="0"/>
+            </a:endParaRPr>
+          </a:p>
+        </p:txBody>
+      </p:sp>
+      <p:sp>
+        <p:nvSpPr>
+          <p:cNvPr id="33" name="矢印: 右 32">
+            <a:extLst>
+              <a:ext uri="{FF2B5EF4-FFF2-40B4-BE49-F238E27FC236}">
+                <a16:creationId xmlns:a16="http://schemas.microsoft.com/office/drawing/2014/main" id="{B2CF8AF9-538E-4644-9CE0-A9AA8458362F}"/>
+              </a:ext>
+            </a:extLst>
+          </p:cNvPr>
+          <p:cNvSpPr/>
+          <p:nvPr/>
+        </p:nvSpPr>
+        <p:spPr>
+          <a:xfrm rot="10800000">
+            <a:off x="5724128" y="5661248"/>
+            <a:ext cx="1440160" cy="432048"/>
+          </a:xfrm>
+          <a:prstGeom prst="rightArrow">
+            <a:avLst/>
+          </a:prstGeom>
+          <a:solidFill>
+            <a:srgbClr val="FF0000"/>
+          </a:solidFill>
+          <a:ln>
+            <a:solidFill>
+              <a:schemeClr val="tx1"/>
+            </a:solidFill>
+          </a:ln>
+        </p:spPr>
+        <p:style>
+          <a:lnRef idx="2">
+            <a:schemeClr val="accent1">
+              <a:shade val="50000"/>
+            </a:schemeClr>
+          </a:lnRef>
+          <a:fillRef idx="1">
+            <a:schemeClr val="accent1"/>
+          </a:fillRef>
+          <a:effectRef idx="0">
+            <a:schemeClr val="accent1"/>
+          </a:effectRef>
+          <a:fontRef idx="minor">
+            <a:schemeClr val="lt1"/>
+          </a:fontRef>
+        </p:style>
+        <p:txBody>
+          <a:bodyPr rtlCol="0" anchor="ctr"/>
+          <a:lstStyle/>
+          <a:p>
+            <a:pPr algn="ctr"/>
+            <a:endParaRPr kumimoji="1" lang="ja-JP" altLang="en-US"/>
+          </a:p>
+        </p:txBody>
+      </p:sp>
+      <p:sp>
+        <p:nvSpPr>
+          <p:cNvPr id="34" name="フローチャート: 磁気ディスク 33">
+            <a:extLst>
+              <a:ext uri="{FF2B5EF4-FFF2-40B4-BE49-F238E27FC236}">
+                <a16:creationId xmlns:a16="http://schemas.microsoft.com/office/drawing/2014/main" id="{8FE841AA-9C5D-4A80-BD97-6ABB23225E7E}"/>
+              </a:ext>
+            </a:extLst>
+          </p:cNvPr>
+          <p:cNvSpPr/>
+          <p:nvPr/>
+        </p:nvSpPr>
+        <p:spPr>
+          <a:xfrm>
+            <a:off x="2872383" y="5877272"/>
+            <a:ext cx="504056" cy="360040"/>
+          </a:xfrm>
+          <a:prstGeom prst="flowChartMagneticDisk">
+            <a:avLst/>
+          </a:prstGeom>
+          <a:solidFill>
+            <a:schemeClr val="bg1">
+              <a:lumMod val="95000"/>
+            </a:schemeClr>
+          </a:solidFill>
+          <a:ln>
+            <a:solidFill>
+              <a:schemeClr val="tx1"/>
+            </a:solidFill>
+          </a:ln>
+        </p:spPr>
+        <p:style>
+          <a:lnRef idx="2">
+            <a:schemeClr val="accent1">
+              <a:shade val="50000"/>
+            </a:schemeClr>
+          </a:lnRef>
+          <a:fillRef idx="1">
+            <a:schemeClr val="accent1"/>
+          </a:fillRef>
+          <a:effectRef idx="0">
+            <a:schemeClr val="accent1"/>
+          </a:effectRef>
+          <a:fontRef idx="minor">
+            <a:schemeClr val="lt1"/>
+          </a:fontRef>
+        </p:style>
+        <p:txBody>
+          <a:bodyPr rtlCol="0" anchor="ctr"/>
+          <a:lstStyle/>
+          <a:p>
+            <a:pPr algn="ctr"/>
+            <a:r>
+              <a:rPr kumimoji="1" lang="en-US" altLang="ja-JP" sz="1100" dirty="0">
+                <a:solidFill>
+                  <a:schemeClr val="tx1"/>
+                </a:solidFill>
+                <a:latin typeface="Consolas" panose="020B0609020204030204" pitchFamily="49" charset="0"/>
+              </a:rPr>
+              <a:t>.git</a:t>
+            </a:r>
+            <a:endParaRPr kumimoji="1" lang="ja-JP" altLang="en-US" sz="1100" dirty="0">
+              <a:solidFill>
+                <a:schemeClr val="tx1"/>
+              </a:solidFill>
+              <a:latin typeface="Consolas" panose="020B0609020204030204" pitchFamily="49" charset="0"/>
+            </a:endParaRPr>
+          </a:p>
+        </p:txBody>
+      </p:sp>
+      <p:cxnSp>
+        <p:nvCxnSpPr>
+          <p:cNvPr id="35" name="直線コネクタ 34">
+            <a:extLst>
+              <a:ext uri="{FF2B5EF4-FFF2-40B4-BE49-F238E27FC236}">
+                <a16:creationId xmlns:a16="http://schemas.microsoft.com/office/drawing/2014/main" id="{72F45EA7-2E99-440C-B214-C474B2E9F419}"/>
+              </a:ext>
+            </a:extLst>
+          </p:cNvPr>
+          <p:cNvCxnSpPr>
+            <a:stCxn id="34" idx="1"/>
+            <a:endCxn id="15" idx="2"/>
+          </p:cNvCxnSpPr>
+          <p:nvPr/>
+        </p:nvCxnSpPr>
+        <p:spPr>
+          <a:xfrm flipH="1" flipV="1">
+            <a:off x="3122090" y="5454516"/>
+            <a:ext cx="2321" cy="422756"/>
+          </a:xfrm>
+          <a:prstGeom prst="line">
+            <a:avLst/>
+          </a:prstGeom>
+          <a:ln>
+            <a:solidFill>
+              <a:schemeClr val="tx1"/>
+            </a:solidFill>
+            <a:headEnd type="none" w="med" len="med"/>
+            <a:tailEnd type="none" w="med" len="med"/>
+          </a:ln>
+        </p:spPr>
+        <p:style>
+          <a:lnRef idx="1">
+            <a:schemeClr val="accent1"/>
+          </a:lnRef>
+          <a:fillRef idx="0">
+            <a:schemeClr val="accent1"/>
+          </a:fillRef>
+          <a:effectRef idx="0">
+            <a:schemeClr val="accent1"/>
+          </a:effectRef>
+          <a:fontRef idx="minor">
+            <a:schemeClr val="tx1"/>
+          </a:fontRef>
+        </p:style>
+      </p:cxnSp>
+      <p:cxnSp>
+        <p:nvCxnSpPr>
+          <p:cNvPr id="37" name="コネクタ: カギ線 36">
+            <a:extLst>
+              <a:ext uri="{FF2B5EF4-FFF2-40B4-BE49-F238E27FC236}">
+                <a16:creationId xmlns:a16="http://schemas.microsoft.com/office/drawing/2014/main" id="{C18416E8-47F2-44B6-BB0C-531B8659F59D}"/>
+              </a:ext>
+            </a:extLst>
+          </p:cNvPr>
+          <p:cNvCxnSpPr>
+            <a:stCxn id="15" idx="2"/>
+            <a:endCxn id="1027" idx="0"/>
+          </p:cNvCxnSpPr>
+          <p:nvPr/>
+        </p:nvCxnSpPr>
+        <p:spPr>
+          <a:xfrm rot="16200000" flipH="1">
+            <a:off x="3346423" y="5230182"/>
+            <a:ext cx="278740" cy="727407"/>
+          </a:xfrm>
+          <a:prstGeom prst="bentConnector3">
+            <a:avLst/>
+          </a:prstGeom>
+          <a:ln>
+            <a:solidFill>
+              <a:schemeClr val="tx1"/>
+            </a:solidFill>
+            <a:headEnd type="none" w="med" len="med"/>
+            <a:tailEnd type="none" w="med" len="med"/>
+          </a:ln>
+        </p:spPr>
+        <p:style>
+          <a:lnRef idx="1">
+            <a:schemeClr val="accent1"/>
+          </a:lnRef>
+          <a:fillRef idx="0">
+            <a:schemeClr val="accent1"/>
+          </a:fillRef>
+          <a:effectRef idx="0">
+            <a:schemeClr val="accent1"/>
+          </a:effectRef>
+          <a:fontRef idx="minor">
+            <a:schemeClr val="tx1"/>
+          </a:fontRef>
+        </p:style>
+      </p:cxnSp>
+      <p:sp>
+        <p:nvSpPr>
+          <p:cNvPr id="39" name="四角形: 角を丸くする 38">
+            <a:extLst>
+              <a:ext uri="{FF2B5EF4-FFF2-40B4-BE49-F238E27FC236}">
+                <a16:creationId xmlns:a16="http://schemas.microsoft.com/office/drawing/2014/main" id="{8EE8D60B-CB87-411D-A0F1-0DA3422BBFFD}"/>
+              </a:ext>
+            </a:extLst>
+          </p:cNvPr>
+          <p:cNvSpPr/>
+          <p:nvPr/>
+        </p:nvSpPr>
+        <p:spPr>
+          <a:xfrm>
+            <a:off x="2555776" y="4509120"/>
+            <a:ext cx="2880320" cy="2160240"/>
+          </a:xfrm>
+          <a:prstGeom prst="roundRect">
+            <a:avLst/>
+          </a:prstGeom>
+          <a:noFill/>
+          <a:ln w="28575">
+            <a:solidFill>
+              <a:schemeClr val="tx1"/>
+            </a:solidFill>
+            <a:prstDash val="dash"/>
+          </a:ln>
+        </p:spPr>
+        <p:style>
+          <a:lnRef idx="2">
+            <a:schemeClr val="accent1">
+              <a:shade val="50000"/>
+            </a:schemeClr>
+          </a:lnRef>
+          <a:fillRef idx="1">
+            <a:schemeClr val="accent1"/>
+          </a:fillRef>
+          <a:effectRef idx="0">
+            <a:schemeClr val="accent1"/>
+          </a:effectRef>
+          <a:fontRef idx="minor">
+            <a:schemeClr val="lt1"/>
+          </a:fontRef>
+        </p:style>
+        <p:txBody>
+          <a:bodyPr rtlCol="0" anchor="ctr"/>
+          <a:lstStyle/>
+          <a:p>
+            <a:pPr algn="ctr"/>
+            <a:endParaRPr kumimoji="1" lang="ja-JP" altLang="en-US"/>
+          </a:p>
+        </p:txBody>
+      </p:sp>
+      <p:sp>
+        <p:nvSpPr>
+          <p:cNvPr id="38" name="テキスト ボックス 37">
+            <a:extLst>
+              <a:ext uri="{FF2B5EF4-FFF2-40B4-BE49-F238E27FC236}">
+                <a16:creationId xmlns:a16="http://schemas.microsoft.com/office/drawing/2014/main" id="{8CEB42ED-25C8-4BC2-9461-E476F1C8AC61}"/>
+              </a:ext>
+            </a:extLst>
+          </p:cNvPr>
+          <p:cNvSpPr txBox="1"/>
+          <p:nvPr/>
+        </p:nvSpPr>
+        <p:spPr>
+          <a:xfrm>
+            <a:off x="251520" y="6021288"/>
+            <a:ext cx="2198038" cy="369332"/>
+          </a:xfrm>
+          <a:prstGeom prst="rect">
+            <a:avLst/>
+          </a:prstGeom>
+          <a:noFill/>
+        </p:spPr>
+        <p:txBody>
+          <a:bodyPr wrap="none" rtlCol="0">
+            <a:spAutoFit/>
+          </a:bodyPr>
+          <a:lstStyle/>
+          <a:p>
+            <a:r>
+              <a:rPr kumimoji="1" lang="en-US" altLang="ja-JP"/>
+              <a:t>git clone</a:t>
+            </a:r>
+            <a:r>
+              <a:rPr kumimoji="1" lang="ja-JP" altLang="en-US"/>
+              <a:t>が作るもの</a:t>
+            </a:r>
+          </a:p>
+        </p:txBody>
+      </p:sp>
+      <p:cxnSp>
+        <p:nvCxnSpPr>
+          <p:cNvPr id="41" name="コネクタ: カギ線 40">
+            <a:extLst>
+              <a:ext uri="{FF2B5EF4-FFF2-40B4-BE49-F238E27FC236}">
+                <a16:creationId xmlns:a16="http://schemas.microsoft.com/office/drawing/2014/main" id="{1FE0ABA8-A2D1-44F2-BB26-67939C214A30}"/>
+              </a:ext>
+            </a:extLst>
+          </p:cNvPr>
+          <p:cNvCxnSpPr>
+            <a:stCxn id="38" idx="0"/>
+            <a:endCxn id="39" idx="1"/>
+          </p:cNvCxnSpPr>
+          <p:nvPr/>
+        </p:nvCxnSpPr>
+        <p:spPr>
+          <a:xfrm rot="5400000" flipH="1" flipV="1">
+            <a:off x="1737133" y="5202646"/>
+            <a:ext cx="432048" cy="1205237"/>
+          </a:xfrm>
+          <a:prstGeom prst="bentConnector2">
+            <a:avLst/>
+          </a:prstGeom>
+          <a:ln>
+            <a:solidFill>
+              <a:schemeClr val="tx1"/>
+            </a:solidFill>
+            <a:headEnd type="none" w="med" len="med"/>
+            <a:tailEnd type="triangle"/>
+          </a:ln>
+        </p:spPr>
+        <p:style>
+          <a:lnRef idx="1">
+            <a:schemeClr val="accent1"/>
+          </a:lnRef>
+          <a:fillRef idx="0">
+            <a:schemeClr val="accent1"/>
+          </a:fillRef>
+          <a:effectRef idx="0">
+            <a:schemeClr val="accent1"/>
+          </a:effectRef>
+          <a:fontRef idx="minor">
+            <a:schemeClr val="tx1"/>
+          </a:fontRef>
+        </p:style>
+      </p:cxnSp>
+    </p:spTree>
+    <p:extLst>
+      <p:ext uri="{BB962C8B-B14F-4D97-AF65-F5344CB8AC3E}">
+        <p14:creationId xmlns:p14="http://schemas.microsoft.com/office/powerpoint/2010/main" val="2728039983"/>
+      </p:ext>
+    </p:extLst>
+  </p:cSld>
+  <p:clrMapOvr>
+    <a:masterClrMapping/>
+  </p:clrMapOvr>
+</p:sld>
+</file>
+
+<file path=ppt/slides/slide21.xml><?xml version="1.0" encoding="utf-8"?>
+<p:sld xmlns:a="http://schemas.openxmlformats.org/drawingml/2006/main" xmlns:r="http://schemas.openxmlformats.org/officeDocument/2006/relationships" xmlns:p="http://schemas.openxmlformats.org/presentationml/2006/main">
+  <p:cSld>
+    <p:spTree>
+      <p:nvGrpSpPr>
+        <p:cNvPr id="1" name=""/>
+        <p:cNvGrpSpPr/>
+        <p:nvPr/>
+      </p:nvGrpSpPr>
+      <p:grpSpPr>
+        <a:xfrm>
+          <a:off x="0" y="0"/>
+          <a:ext cx="0" cy="0"/>
+          <a:chOff x="0" y="0"/>
+          <a:chExt cx="0" cy="0"/>
+        </a:xfrm>
+      </p:grpSpPr>
+      <p:sp>
+        <p:nvSpPr>
+          <p:cNvPr id="2" name="テキスト プレースホルダー 1">
+            <a:extLst>
+              <a:ext uri="{FF2B5EF4-FFF2-40B4-BE49-F238E27FC236}">
+                <a16:creationId xmlns:a16="http://schemas.microsoft.com/office/drawing/2014/main" id="{A710E145-D4CA-4C27-A278-A2810F39B88D}"/>
+              </a:ext>
+            </a:extLst>
+          </p:cNvPr>
+          <p:cNvSpPr>
+            <a:spLocks noGrp="1"/>
+          </p:cNvSpPr>
+          <p:nvPr>
+            <p:ph type="body" sz="quarter" idx="10"/>
+          </p:nvPr>
+        </p:nvSpPr>
+        <p:spPr/>
+        <p:txBody>
+          <a:bodyPr/>
+          <a:lstStyle/>
+          <a:p>
+            <a:r>
+              <a:rPr kumimoji="1" lang="ja-JP" altLang="en-US"/>
+              <a:t>課題</a:t>
+            </a:r>
+            <a:r>
+              <a:rPr kumimoji="1" lang="en-US" altLang="ja-JP"/>
+              <a:t>1 – Step 6</a:t>
+            </a:r>
+            <a:endParaRPr kumimoji="1" lang="ja-JP" altLang="en-US"/>
+          </a:p>
+        </p:txBody>
+      </p:sp>
+      <p:sp>
+        <p:nvSpPr>
+          <p:cNvPr id="3" name="テキスト ボックス 2">
+            <a:extLst>
+              <a:ext uri="{FF2B5EF4-FFF2-40B4-BE49-F238E27FC236}">
+                <a16:creationId xmlns:a16="http://schemas.microsoft.com/office/drawing/2014/main" id="{F9A3FD9A-EB37-4C64-9899-97329EC97974}"/>
+              </a:ext>
+            </a:extLst>
+          </p:cNvPr>
+          <p:cNvSpPr txBox="1"/>
+          <p:nvPr/>
+        </p:nvSpPr>
+        <p:spPr>
+          <a:xfrm>
+            <a:off x="467544" y="1268760"/>
+            <a:ext cx="3315331" cy="461665"/>
+          </a:xfrm>
+          <a:prstGeom prst="rect">
+            <a:avLst/>
+          </a:prstGeom>
+          <a:noFill/>
+        </p:spPr>
+        <p:txBody>
+          <a:bodyPr wrap="none" rtlCol="0">
+            <a:spAutoFit/>
+          </a:bodyPr>
+          <a:lstStyle/>
+          <a:p>
+            <a:r>
+              <a:rPr lang="ja-JP" altLang="en-US" sz="2400"/>
+              <a:t>ローカルの修正と</a:t>
+            </a:r>
+            <a:r>
+              <a:rPr lang="en-US" altLang="ja-JP" sz="2400"/>
+              <a:t>push</a:t>
+            </a:r>
+            <a:endParaRPr kumimoji="1" lang="ja-JP" altLang="en-US" sz="2400"/>
+          </a:p>
+        </p:txBody>
+      </p:sp>
+      <p:sp>
+        <p:nvSpPr>
+          <p:cNvPr id="4" name="角丸四角形 2">
+            <a:extLst>
+              <a:ext uri="{FF2B5EF4-FFF2-40B4-BE49-F238E27FC236}">
+                <a16:creationId xmlns:a16="http://schemas.microsoft.com/office/drawing/2014/main" id="{EBA9D52F-AB0F-49DF-9618-8C14DC728243}"/>
+              </a:ext>
+            </a:extLst>
+          </p:cNvPr>
+          <p:cNvSpPr/>
+          <p:nvPr/>
+        </p:nvSpPr>
+        <p:spPr>
+          <a:xfrm>
+            <a:off x="5220072" y="4797152"/>
+            <a:ext cx="3312368" cy="1152128"/>
+          </a:xfrm>
+          <a:prstGeom prst="roundRect">
+            <a:avLst/>
+          </a:prstGeom>
+          <a:noFill/>
+          <a:ln w="28575">
+            <a:solidFill>
+              <a:schemeClr val="tx1"/>
+            </a:solidFill>
+            <a:prstDash val="dash"/>
+          </a:ln>
+        </p:spPr>
+        <p:style>
+          <a:lnRef idx="2">
+            <a:schemeClr val="accent1">
+              <a:shade val="50000"/>
+            </a:schemeClr>
+          </a:lnRef>
+          <a:fillRef idx="1">
+            <a:schemeClr val="accent1"/>
+          </a:fillRef>
+          <a:effectRef idx="0">
+            <a:schemeClr val="accent1"/>
+          </a:effectRef>
+          <a:fontRef idx="minor">
+            <a:schemeClr val="lt1"/>
+          </a:fontRef>
+        </p:style>
+        <p:txBody>
+          <a:bodyPr rtlCol="0" anchor="ctr"/>
+          <a:lstStyle/>
+          <a:p>
+            <a:pPr algn="ctr"/>
+            <a:endParaRPr kumimoji="1" lang="ja-JP" altLang="en-US"/>
+          </a:p>
+        </p:txBody>
+      </p:sp>
+      <p:sp>
+        <p:nvSpPr>
+          <p:cNvPr id="5" name="角丸四角形 3">
+            <a:extLst>
+              <a:ext uri="{FF2B5EF4-FFF2-40B4-BE49-F238E27FC236}">
+                <a16:creationId xmlns:a16="http://schemas.microsoft.com/office/drawing/2014/main" id="{BA8EC787-23A9-4156-8120-BEB6EBF13172}"/>
+              </a:ext>
+            </a:extLst>
+          </p:cNvPr>
+          <p:cNvSpPr/>
+          <p:nvPr/>
+        </p:nvSpPr>
+        <p:spPr>
+          <a:xfrm>
+            <a:off x="395536" y="4797152"/>
+            <a:ext cx="3312368" cy="1152128"/>
+          </a:xfrm>
+          <a:prstGeom prst="roundRect">
+            <a:avLst/>
+          </a:prstGeom>
+          <a:noFill/>
+          <a:ln w="28575">
+            <a:solidFill>
+              <a:schemeClr val="tx1"/>
+            </a:solidFill>
+            <a:prstDash val="dash"/>
+          </a:ln>
+        </p:spPr>
+        <p:style>
+          <a:lnRef idx="2">
+            <a:schemeClr val="accent1">
+              <a:shade val="50000"/>
+            </a:schemeClr>
+          </a:lnRef>
+          <a:fillRef idx="1">
+            <a:schemeClr val="accent1"/>
+          </a:fillRef>
+          <a:effectRef idx="0">
+            <a:schemeClr val="accent1"/>
+          </a:effectRef>
+          <a:fontRef idx="minor">
+            <a:schemeClr val="lt1"/>
+          </a:fontRef>
+        </p:style>
+        <p:txBody>
+          <a:bodyPr rtlCol="0" anchor="ctr"/>
+          <a:lstStyle/>
+          <a:p>
+            <a:pPr algn="ctr"/>
+            <a:endParaRPr kumimoji="1" lang="ja-JP" altLang="en-US"/>
+          </a:p>
+        </p:txBody>
+      </p:sp>
+      <p:sp>
+        <p:nvSpPr>
+          <p:cNvPr id="10" name="楕円 9">
+            <a:extLst>
+              <a:ext uri="{FF2B5EF4-FFF2-40B4-BE49-F238E27FC236}">
+                <a16:creationId xmlns:a16="http://schemas.microsoft.com/office/drawing/2014/main" id="{441D7F1A-8D33-4821-8EEB-42C9CFF442F8}"/>
+              </a:ext>
+            </a:extLst>
+          </p:cNvPr>
+          <p:cNvSpPr/>
+          <p:nvPr/>
+        </p:nvSpPr>
+        <p:spPr>
+          <a:xfrm>
+            <a:off x="611560" y="5229200"/>
+            <a:ext cx="288032" cy="288032"/>
+          </a:xfrm>
+          <a:prstGeom prst="ellipse">
+            <a:avLst/>
+          </a:prstGeom>
+          <a:solidFill>
+            <a:srgbClr val="011893"/>
+          </a:solidFill>
+          <a:ln>
+            <a:solidFill>
+              <a:schemeClr val="tx1"/>
+            </a:solidFill>
+          </a:ln>
+        </p:spPr>
+        <p:style>
+          <a:lnRef idx="2">
+            <a:schemeClr val="accent1">
+              <a:shade val="50000"/>
+            </a:schemeClr>
+          </a:lnRef>
+          <a:fillRef idx="1">
+            <a:schemeClr val="accent1"/>
+          </a:fillRef>
+          <a:effectRef idx="0">
+            <a:schemeClr val="accent1"/>
+          </a:effectRef>
+          <a:fontRef idx="minor">
+            <a:schemeClr val="lt1"/>
+          </a:fontRef>
+        </p:style>
+        <p:txBody>
+          <a:bodyPr rtlCol="0" anchor="ctr"/>
+          <a:lstStyle/>
+          <a:p>
+            <a:pPr algn="ctr"/>
+            <a:endParaRPr kumimoji="1" lang="ja-JP" altLang="en-US"/>
+          </a:p>
+        </p:txBody>
+      </p:sp>
+      <p:sp>
+        <p:nvSpPr>
+          <p:cNvPr id="11" name="楕円 10">
+            <a:extLst>
+              <a:ext uri="{FF2B5EF4-FFF2-40B4-BE49-F238E27FC236}">
+                <a16:creationId xmlns:a16="http://schemas.microsoft.com/office/drawing/2014/main" id="{69E115E8-B937-47EE-870E-B97640162022}"/>
+              </a:ext>
+            </a:extLst>
+          </p:cNvPr>
+          <p:cNvSpPr/>
+          <p:nvPr/>
+        </p:nvSpPr>
+        <p:spPr>
+          <a:xfrm>
+            <a:off x="5436096" y="5229200"/>
+            <a:ext cx="288032" cy="288032"/>
+          </a:xfrm>
+          <a:prstGeom prst="ellipse">
+            <a:avLst/>
+          </a:prstGeom>
+          <a:solidFill>
+            <a:srgbClr val="011893"/>
+          </a:solidFill>
+          <a:ln>
+            <a:solidFill>
+              <a:schemeClr val="tx1"/>
+            </a:solidFill>
+          </a:ln>
+        </p:spPr>
+        <p:style>
+          <a:lnRef idx="2">
+            <a:schemeClr val="accent1">
+              <a:shade val="50000"/>
+            </a:schemeClr>
+          </a:lnRef>
+          <a:fillRef idx="1">
+            <a:schemeClr val="accent1"/>
+          </a:fillRef>
+          <a:effectRef idx="0">
+            <a:schemeClr val="accent1"/>
+          </a:effectRef>
+          <a:fontRef idx="minor">
+            <a:schemeClr val="lt1"/>
+          </a:fontRef>
+        </p:style>
+        <p:txBody>
+          <a:bodyPr rtlCol="0" anchor="ctr"/>
+          <a:lstStyle/>
+          <a:p>
+            <a:pPr algn="ctr"/>
+            <a:endParaRPr kumimoji="1" lang="ja-JP" altLang="en-US"/>
+          </a:p>
+        </p:txBody>
+      </p:sp>
+      <p:sp>
+        <p:nvSpPr>
+          <p:cNvPr id="16" name="テキスト ボックス 15">
+            <a:extLst>
+              <a:ext uri="{FF2B5EF4-FFF2-40B4-BE49-F238E27FC236}">
+                <a16:creationId xmlns:a16="http://schemas.microsoft.com/office/drawing/2014/main" id="{2E7BA4FC-193E-44DF-BFF4-14218B85E1B5}"/>
+              </a:ext>
+            </a:extLst>
+          </p:cNvPr>
+          <p:cNvSpPr txBox="1"/>
+          <p:nvPr/>
+        </p:nvSpPr>
+        <p:spPr>
+          <a:xfrm>
+            <a:off x="3851920" y="4869160"/>
+            <a:ext cx="1313180" cy="400110"/>
+          </a:xfrm>
+          <a:prstGeom prst="rect">
+            <a:avLst/>
+          </a:prstGeom>
+          <a:noFill/>
+        </p:spPr>
+        <p:txBody>
+          <a:bodyPr wrap="none" rtlCol="0">
+            <a:spAutoFit/>
+          </a:bodyPr>
+          <a:lstStyle/>
+          <a:p>
+            <a:r>
+              <a:rPr kumimoji="1" lang="en-US" altLang="ja-JP" sz="2000" dirty="0">
+                <a:latin typeface="Consolas" panose="020B0609020204030204" pitchFamily="49" charset="0"/>
+              </a:rPr>
+              <a:t>git push</a:t>
+            </a:r>
+            <a:endParaRPr kumimoji="1" lang="ja-JP" altLang="en-US" sz="2000" dirty="0">
+              <a:latin typeface="Consolas" panose="020B0609020204030204" pitchFamily="49" charset="0"/>
+            </a:endParaRPr>
+          </a:p>
+        </p:txBody>
+      </p:sp>
+      <p:sp>
+        <p:nvSpPr>
+          <p:cNvPr id="17" name="テキスト ボックス 16">
+            <a:extLst>
+              <a:ext uri="{FF2B5EF4-FFF2-40B4-BE49-F238E27FC236}">
+                <a16:creationId xmlns:a16="http://schemas.microsoft.com/office/drawing/2014/main" id="{B8E06048-2106-4653-83F2-A3A07C796A31}"/>
+              </a:ext>
+            </a:extLst>
+          </p:cNvPr>
+          <p:cNvSpPr txBox="1"/>
+          <p:nvPr/>
+        </p:nvSpPr>
+        <p:spPr>
+          <a:xfrm>
+            <a:off x="611560" y="2276872"/>
+            <a:ext cx="2954655" cy="461665"/>
+          </a:xfrm>
+          <a:prstGeom prst="rect">
+            <a:avLst/>
+          </a:prstGeom>
+          <a:noFill/>
+        </p:spPr>
+        <p:txBody>
+          <a:bodyPr wrap="none" rtlCol="0">
+            <a:spAutoFit/>
+          </a:bodyPr>
+          <a:lstStyle/>
+          <a:p>
+            <a:r>
+              <a:rPr kumimoji="1" lang="ja-JP" altLang="en-US" sz="2400" dirty="0"/>
+              <a:t>ローカルリポジトリ</a:t>
+            </a:r>
+          </a:p>
+        </p:txBody>
+      </p:sp>
+      <p:sp>
+        <p:nvSpPr>
+          <p:cNvPr id="18" name="テキスト ボックス 17">
+            <a:extLst>
+              <a:ext uri="{FF2B5EF4-FFF2-40B4-BE49-F238E27FC236}">
+                <a16:creationId xmlns:a16="http://schemas.microsoft.com/office/drawing/2014/main" id="{17BECAEC-B966-4684-A0C9-623ECA62C730}"/>
+              </a:ext>
+            </a:extLst>
+          </p:cNvPr>
+          <p:cNvSpPr txBox="1"/>
+          <p:nvPr/>
+        </p:nvSpPr>
+        <p:spPr>
+          <a:xfrm>
+            <a:off x="5505777" y="2276872"/>
+            <a:ext cx="2954655" cy="461665"/>
+          </a:xfrm>
+          <a:prstGeom prst="rect">
+            <a:avLst/>
+          </a:prstGeom>
+          <a:noFill/>
+        </p:spPr>
+        <p:txBody>
+          <a:bodyPr wrap="none" rtlCol="0">
+            <a:spAutoFit/>
+          </a:bodyPr>
+          <a:lstStyle/>
+          <a:p>
+            <a:r>
+              <a:rPr kumimoji="1" lang="ja-JP" altLang="en-US" sz="2400" dirty="0"/>
+              <a:t>リモートリポジトリ</a:t>
+            </a:r>
+          </a:p>
+        </p:txBody>
+      </p:sp>
+      <p:cxnSp>
+        <p:nvCxnSpPr>
+          <p:cNvPr id="19" name="直線矢印コネクタ 18">
+            <a:extLst>
+              <a:ext uri="{FF2B5EF4-FFF2-40B4-BE49-F238E27FC236}">
+                <a16:creationId xmlns:a16="http://schemas.microsoft.com/office/drawing/2014/main" id="{9AA16D28-0979-45EC-9F0C-1782678892FF}"/>
+              </a:ext>
+            </a:extLst>
+          </p:cNvPr>
+          <p:cNvCxnSpPr>
+            <a:cxnSpLocks/>
+          </p:cNvCxnSpPr>
+          <p:nvPr/>
+        </p:nvCxnSpPr>
+        <p:spPr>
+          <a:xfrm flipH="1">
+            <a:off x="3995936" y="5301208"/>
+            <a:ext cx="1080120" cy="0"/>
+          </a:xfrm>
+          <a:prstGeom prst="straightConnector1">
+            <a:avLst/>
+          </a:prstGeom>
+          <a:ln>
+            <a:solidFill>
+              <a:schemeClr val="tx1"/>
+            </a:solidFill>
+            <a:headEnd type="triangle" w="med" len="med"/>
+            <a:tailEnd type="none" w="med" len="med"/>
+          </a:ln>
+        </p:spPr>
+        <p:style>
+          <a:lnRef idx="1">
+            <a:schemeClr val="accent1"/>
+          </a:lnRef>
+          <a:fillRef idx="0">
+            <a:schemeClr val="accent1"/>
+          </a:fillRef>
+          <a:effectRef idx="0">
+            <a:schemeClr val="accent1"/>
+          </a:effectRef>
+          <a:fontRef idx="minor">
+            <a:schemeClr val="tx1"/>
+          </a:fontRef>
+        </p:style>
+      </p:cxnSp>
+      <p:cxnSp>
+        <p:nvCxnSpPr>
+          <p:cNvPr id="20" name="直線コネクタ 19">
+            <a:extLst>
+              <a:ext uri="{FF2B5EF4-FFF2-40B4-BE49-F238E27FC236}">
+                <a16:creationId xmlns:a16="http://schemas.microsoft.com/office/drawing/2014/main" id="{735A65E0-58AA-428B-A364-595DDA04649D}"/>
+              </a:ext>
+            </a:extLst>
+          </p:cNvPr>
+          <p:cNvCxnSpPr>
+            <a:endCxn id="21" idx="2"/>
+          </p:cNvCxnSpPr>
+          <p:nvPr/>
+        </p:nvCxnSpPr>
+        <p:spPr>
+          <a:xfrm>
+            <a:off x="899592" y="5373216"/>
+            <a:ext cx="432048" cy="0"/>
+          </a:xfrm>
+          <a:prstGeom prst="line">
+            <a:avLst/>
+          </a:prstGeom>
+          <a:ln w="57150">
+            <a:solidFill>
+              <a:srgbClr val="FF0000"/>
+            </a:solidFill>
+            <a:headEnd type="none" w="med" len="med"/>
+            <a:tailEnd type="none" w="med" len="med"/>
+          </a:ln>
+        </p:spPr>
+        <p:style>
+          <a:lnRef idx="1">
+            <a:schemeClr val="accent1"/>
+          </a:lnRef>
+          <a:fillRef idx="0">
+            <a:schemeClr val="accent1"/>
+          </a:fillRef>
+          <a:effectRef idx="0">
+            <a:schemeClr val="accent1"/>
+          </a:effectRef>
+          <a:fontRef idx="minor">
+            <a:schemeClr val="tx1"/>
+          </a:fontRef>
+        </p:style>
+      </p:cxnSp>
+      <p:sp>
+        <p:nvSpPr>
+          <p:cNvPr id="21" name="楕円 20">
+            <a:extLst>
+              <a:ext uri="{FF2B5EF4-FFF2-40B4-BE49-F238E27FC236}">
+                <a16:creationId xmlns:a16="http://schemas.microsoft.com/office/drawing/2014/main" id="{CB6F9785-07E1-4CC8-90C7-45C910D975F4}"/>
+              </a:ext>
+            </a:extLst>
+          </p:cNvPr>
+          <p:cNvSpPr/>
+          <p:nvPr/>
+        </p:nvSpPr>
+        <p:spPr>
+          <a:xfrm>
+            <a:off x="1331640" y="5229200"/>
+            <a:ext cx="288032" cy="288032"/>
+          </a:xfrm>
+          <a:prstGeom prst="ellipse">
+            <a:avLst/>
+          </a:prstGeom>
+          <a:solidFill>
+            <a:srgbClr val="FF0000"/>
+          </a:solidFill>
+          <a:ln>
+            <a:solidFill>
+              <a:srgbClr val="FF0000"/>
+            </a:solidFill>
+          </a:ln>
+        </p:spPr>
+        <p:style>
+          <a:lnRef idx="2">
+            <a:schemeClr val="accent1">
+              <a:shade val="50000"/>
+            </a:schemeClr>
+          </a:lnRef>
+          <a:fillRef idx="1">
+            <a:schemeClr val="accent1"/>
+          </a:fillRef>
+          <a:effectRef idx="0">
+            <a:schemeClr val="accent1"/>
+          </a:effectRef>
+          <a:fontRef idx="minor">
+            <a:schemeClr val="lt1"/>
+          </a:fontRef>
+        </p:style>
+        <p:txBody>
+          <a:bodyPr rtlCol="0" anchor="ctr"/>
+          <a:lstStyle/>
+          <a:p>
+            <a:pPr algn="ctr"/>
+            <a:endParaRPr kumimoji="1" lang="ja-JP" altLang="en-US"/>
+          </a:p>
+        </p:txBody>
+      </p:sp>
+      <p:pic>
+        <p:nvPicPr>
+          <p:cNvPr id="22" name="Picture 8" descr="パソコンを使う会社員のイラスト（男性・笑顔）">
+            <a:extLst>
+              <a:ext uri="{FF2B5EF4-FFF2-40B4-BE49-F238E27FC236}">
+                <a16:creationId xmlns:a16="http://schemas.microsoft.com/office/drawing/2014/main" id="{AFCB08D1-C05A-4304-9FE8-6234D3611EC4}"/>
+              </a:ext>
+            </a:extLst>
+          </p:cNvPr>
+          <p:cNvPicPr>
+            <a:picLocks noChangeAspect="1" noChangeArrowheads="1"/>
+          </p:cNvPicPr>
+          <p:nvPr/>
+        </p:nvPicPr>
+        <p:blipFill>
+          <a:blip r:embed="rId2" cstate="print">
+            <a:extLst>
+              <a:ext uri="{28A0092B-C50C-407E-A947-70E740481C1C}">
+                <a14:useLocalDpi xmlns:a14="http://schemas.microsoft.com/office/drawing/2010/main" val="0"/>
+              </a:ext>
+            </a:extLst>
+          </a:blip>
+          <a:srcRect/>
+          <a:stretch>
+            <a:fillRect/>
+          </a:stretch>
+        </p:blipFill>
+        <p:spPr bwMode="auto">
+          <a:xfrm>
+            <a:off x="179512" y="2060848"/>
+            <a:ext cx="472167" cy="685719"/>
+          </a:xfrm>
+          <a:prstGeom prst="rect">
+            <a:avLst/>
+          </a:prstGeom>
+          <a:noFill/>
+          <a:extLst>
+            <a:ext uri="{909E8E84-426E-40DD-AFC4-6F175D3DCCD1}">
+              <a14:hiddenFill xmlns:a14="http://schemas.microsoft.com/office/drawing/2010/main">
+                <a:solidFill>
+                  <a:srgbClr val="FFFFFF"/>
+                </a:solidFill>
+              </a14:hiddenFill>
+            </a:ext>
+          </a:extLst>
+        </p:spPr>
+      </p:pic>
+      <p:pic>
+        <p:nvPicPr>
+          <p:cNvPr id="23" name="図 22">
+            <a:extLst>
+              <a:ext uri="{FF2B5EF4-FFF2-40B4-BE49-F238E27FC236}">
+                <a16:creationId xmlns:a16="http://schemas.microsoft.com/office/drawing/2014/main" id="{913975C1-A092-4B98-BCCC-2BDD7DED8F00}"/>
+              </a:ext>
+            </a:extLst>
+          </p:cNvPr>
+          <p:cNvPicPr>
+            <a:picLocks noChangeAspect="1"/>
+          </p:cNvPicPr>
+          <p:nvPr/>
+        </p:nvPicPr>
+        <p:blipFill>
+          <a:blip r:embed="rId3">
+            <a:extLst>
+              <a:ext uri="{28A0092B-C50C-407E-A947-70E740481C1C}">
+                <a14:useLocalDpi xmlns:a14="http://schemas.microsoft.com/office/drawing/2010/main" val="0"/>
+              </a:ext>
+            </a:extLst>
+          </a:blip>
+          <a:stretch>
+            <a:fillRect/>
+          </a:stretch>
+        </p:blipFill>
+        <p:spPr>
+          <a:xfrm>
+            <a:off x="4929713" y="2132856"/>
+            <a:ext cx="609600" cy="609600"/>
+          </a:xfrm>
+          <a:prstGeom prst="rect">
+            <a:avLst/>
+          </a:prstGeom>
+        </p:spPr>
+      </p:pic>
+      <p:sp>
+        <p:nvSpPr>
+          <p:cNvPr id="24" name="角丸四角形 3">
+            <a:extLst>
+              <a:ext uri="{FF2B5EF4-FFF2-40B4-BE49-F238E27FC236}">
+                <a16:creationId xmlns:a16="http://schemas.microsoft.com/office/drawing/2014/main" id="{53D20F79-E89F-4F58-AFAE-9CE9783201E6}"/>
+              </a:ext>
+            </a:extLst>
+          </p:cNvPr>
+          <p:cNvSpPr/>
+          <p:nvPr/>
+        </p:nvSpPr>
+        <p:spPr>
+          <a:xfrm>
+            <a:off x="395536" y="2852936"/>
+            <a:ext cx="3312368" cy="1152128"/>
+          </a:xfrm>
+          <a:prstGeom prst="roundRect">
+            <a:avLst/>
+          </a:prstGeom>
+          <a:noFill/>
+          <a:ln w="28575">
+            <a:solidFill>
+              <a:schemeClr val="tx1"/>
+            </a:solidFill>
+            <a:prstDash val="dash"/>
+          </a:ln>
+        </p:spPr>
+        <p:style>
+          <a:lnRef idx="2">
+            <a:schemeClr val="accent1">
+              <a:shade val="50000"/>
+            </a:schemeClr>
+          </a:lnRef>
+          <a:fillRef idx="1">
+            <a:schemeClr val="accent1"/>
+          </a:fillRef>
+          <a:effectRef idx="0">
+            <a:schemeClr val="accent1"/>
+          </a:effectRef>
+          <a:fontRef idx="minor">
+            <a:schemeClr val="lt1"/>
+          </a:fontRef>
+        </p:style>
+        <p:txBody>
+          <a:bodyPr rtlCol="0" anchor="ctr"/>
+          <a:lstStyle/>
+          <a:p>
+            <a:pPr algn="ctr"/>
+            <a:endParaRPr kumimoji="1" lang="ja-JP" altLang="en-US"/>
+          </a:p>
+        </p:txBody>
+      </p:sp>
+      <p:sp>
+        <p:nvSpPr>
+          <p:cNvPr id="25" name="楕円 24">
+            <a:extLst>
+              <a:ext uri="{FF2B5EF4-FFF2-40B4-BE49-F238E27FC236}">
+                <a16:creationId xmlns:a16="http://schemas.microsoft.com/office/drawing/2014/main" id="{9B1AAF38-50A0-491C-8A0D-8B4015161930}"/>
+              </a:ext>
+            </a:extLst>
+          </p:cNvPr>
+          <p:cNvSpPr/>
+          <p:nvPr/>
+        </p:nvSpPr>
+        <p:spPr>
+          <a:xfrm>
+            <a:off x="611560" y="3284984"/>
+            <a:ext cx="288032" cy="288032"/>
+          </a:xfrm>
+          <a:prstGeom prst="ellipse">
+            <a:avLst/>
+          </a:prstGeom>
+          <a:solidFill>
+            <a:srgbClr val="011893"/>
+          </a:solidFill>
+          <a:ln>
+            <a:solidFill>
+              <a:schemeClr val="tx1"/>
+            </a:solidFill>
+          </a:ln>
+        </p:spPr>
+        <p:style>
+          <a:lnRef idx="2">
+            <a:schemeClr val="accent1">
+              <a:shade val="50000"/>
+            </a:schemeClr>
+          </a:lnRef>
+          <a:fillRef idx="1">
+            <a:schemeClr val="accent1"/>
+          </a:fillRef>
+          <a:effectRef idx="0">
+            <a:schemeClr val="accent1"/>
+          </a:effectRef>
+          <a:fontRef idx="minor">
+            <a:schemeClr val="lt1"/>
+          </a:fontRef>
+        </p:style>
+        <p:txBody>
+          <a:bodyPr rtlCol="0" anchor="ctr"/>
+          <a:lstStyle/>
+          <a:p>
+            <a:pPr algn="ctr"/>
+            <a:endParaRPr kumimoji="1" lang="ja-JP" altLang="en-US"/>
+          </a:p>
+        </p:txBody>
+      </p:sp>
+      <p:cxnSp>
+        <p:nvCxnSpPr>
+          <p:cNvPr id="29" name="直線矢印コネクタ 28">
+            <a:extLst>
+              <a:ext uri="{FF2B5EF4-FFF2-40B4-BE49-F238E27FC236}">
+                <a16:creationId xmlns:a16="http://schemas.microsoft.com/office/drawing/2014/main" id="{F5607F14-F270-43D7-B6E3-AF339DE405A4}"/>
+              </a:ext>
+            </a:extLst>
+          </p:cNvPr>
+          <p:cNvCxnSpPr>
+            <a:stCxn id="24" idx="2"/>
+            <a:endCxn id="5" idx="0"/>
+          </p:cNvCxnSpPr>
+          <p:nvPr/>
+        </p:nvCxnSpPr>
+        <p:spPr>
+          <a:xfrm>
+            <a:off x="2051720" y="4005064"/>
+            <a:ext cx="0" cy="792088"/>
+          </a:xfrm>
+          <a:prstGeom prst="straightConnector1">
+            <a:avLst/>
+          </a:prstGeom>
+          <a:ln>
+            <a:solidFill>
+              <a:schemeClr val="tx1"/>
+            </a:solidFill>
+            <a:headEnd type="none" w="med" len="med"/>
+            <a:tailEnd type="triangle"/>
+          </a:ln>
+        </p:spPr>
+        <p:style>
+          <a:lnRef idx="1">
+            <a:schemeClr val="accent1"/>
+          </a:lnRef>
+          <a:fillRef idx="0">
+            <a:schemeClr val="accent1"/>
+          </a:fillRef>
+          <a:effectRef idx="0">
+            <a:schemeClr val="accent1"/>
+          </a:effectRef>
+          <a:fontRef idx="minor">
+            <a:schemeClr val="tx1"/>
+          </a:fontRef>
+        </p:style>
+      </p:cxnSp>
+      <p:sp>
+        <p:nvSpPr>
+          <p:cNvPr id="30" name="テキスト ボックス 29">
+            <a:extLst>
+              <a:ext uri="{FF2B5EF4-FFF2-40B4-BE49-F238E27FC236}">
+                <a16:creationId xmlns:a16="http://schemas.microsoft.com/office/drawing/2014/main" id="{20446D58-0A15-493B-83E1-BBCEF5E5C3CA}"/>
+              </a:ext>
+            </a:extLst>
+          </p:cNvPr>
+          <p:cNvSpPr txBox="1"/>
+          <p:nvPr/>
+        </p:nvSpPr>
+        <p:spPr>
+          <a:xfrm>
+            <a:off x="2123728" y="4005064"/>
+            <a:ext cx="1595309" cy="707886"/>
+          </a:xfrm>
+          <a:prstGeom prst="rect">
+            <a:avLst/>
+          </a:prstGeom>
+          <a:noFill/>
+        </p:spPr>
+        <p:txBody>
+          <a:bodyPr wrap="none" rtlCol="0">
+            <a:spAutoFit/>
+          </a:bodyPr>
+          <a:lstStyle/>
+          <a:p>
+            <a:r>
+              <a:rPr kumimoji="1" lang="en-US" altLang="ja-JP" sz="2000">
+                <a:latin typeface="Consolas" panose="020B0609020204030204" pitchFamily="49" charset="0"/>
+              </a:rPr>
+              <a:t>git add</a:t>
+            </a:r>
+          </a:p>
+          <a:p>
+            <a:r>
+              <a:rPr lang="en-US" altLang="ja-JP" sz="2000">
+                <a:latin typeface="Consolas" panose="020B0609020204030204" pitchFamily="49" charset="0"/>
+              </a:rPr>
+              <a:t>git commit</a:t>
+            </a:r>
+            <a:endParaRPr kumimoji="1" lang="ja-JP" altLang="en-US" sz="2000">
+              <a:latin typeface="Consolas" panose="020B0609020204030204" pitchFamily="49" charset="0"/>
+            </a:endParaRPr>
+          </a:p>
+        </p:txBody>
+      </p:sp>
+      <p:cxnSp>
+        <p:nvCxnSpPr>
+          <p:cNvPr id="32" name="直線コネクタ 31">
+            <a:extLst>
+              <a:ext uri="{FF2B5EF4-FFF2-40B4-BE49-F238E27FC236}">
+                <a16:creationId xmlns:a16="http://schemas.microsoft.com/office/drawing/2014/main" id="{C906A58E-99B9-4DB2-8910-7725FA2BB5F8}"/>
+              </a:ext>
+            </a:extLst>
+          </p:cNvPr>
+          <p:cNvCxnSpPr>
+            <a:endCxn id="33" idx="2"/>
+          </p:cNvCxnSpPr>
+          <p:nvPr/>
+        </p:nvCxnSpPr>
+        <p:spPr>
+          <a:xfrm>
+            <a:off x="5724128" y="5373216"/>
+            <a:ext cx="432048" cy="0"/>
+          </a:xfrm>
+          <a:prstGeom prst="line">
+            <a:avLst/>
+          </a:prstGeom>
+          <a:ln w="57150">
+            <a:solidFill>
+              <a:srgbClr val="FF0000"/>
+            </a:solidFill>
+            <a:headEnd type="none" w="med" len="med"/>
+            <a:tailEnd type="none" w="med" len="med"/>
+          </a:ln>
+        </p:spPr>
+        <p:style>
+          <a:lnRef idx="1">
+            <a:schemeClr val="accent1"/>
+          </a:lnRef>
+          <a:fillRef idx="0">
+            <a:schemeClr val="accent1"/>
+          </a:fillRef>
+          <a:effectRef idx="0">
+            <a:schemeClr val="accent1"/>
+          </a:effectRef>
+          <a:fontRef idx="minor">
+            <a:schemeClr val="tx1"/>
+          </a:fontRef>
+        </p:style>
+      </p:cxnSp>
+      <p:sp>
+        <p:nvSpPr>
+          <p:cNvPr id="33" name="楕円 32">
+            <a:extLst>
+              <a:ext uri="{FF2B5EF4-FFF2-40B4-BE49-F238E27FC236}">
+                <a16:creationId xmlns:a16="http://schemas.microsoft.com/office/drawing/2014/main" id="{31518363-A02E-45AB-BFA7-D5D9C0847A86}"/>
+              </a:ext>
+            </a:extLst>
+          </p:cNvPr>
+          <p:cNvSpPr/>
+          <p:nvPr/>
+        </p:nvSpPr>
+        <p:spPr>
+          <a:xfrm>
+            <a:off x="6156176" y="5229200"/>
+            <a:ext cx="288032" cy="288032"/>
+          </a:xfrm>
+          <a:prstGeom prst="ellipse">
+            <a:avLst/>
+          </a:prstGeom>
+          <a:solidFill>
+            <a:srgbClr val="FF0000"/>
+          </a:solidFill>
+          <a:ln>
+            <a:solidFill>
+              <a:srgbClr val="FF0000"/>
+            </a:solidFill>
+          </a:ln>
+        </p:spPr>
+        <p:style>
+          <a:lnRef idx="2">
+            <a:schemeClr val="accent1">
+              <a:shade val="50000"/>
+            </a:schemeClr>
+          </a:lnRef>
+          <a:fillRef idx="1">
+            <a:schemeClr val="accent1"/>
+          </a:fillRef>
+          <a:effectRef idx="0">
+            <a:schemeClr val="accent1"/>
+          </a:effectRef>
+          <a:fontRef idx="minor">
+            <a:schemeClr val="lt1"/>
+          </a:fontRef>
+        </p:style>
+        <p:txBody>
+          <a:bodyPr rtlCol="0" anchor="ctr"/>
+          <a:lstStyle/>
+          <a:p>
+            <a:pPr algn="ctr"/>
+            <a:endParaRPr kumimoji="1" lang="ja-JP" altLang="en-US"/>
+          </a:p>
+        </p:txBody>
+      </p:sp>
+      <p:sp>
+        <p:nvSpPr>
+          <p:cNvPr id="34" name="角丸四角形 3">
+            <a:extLst>
+              <a:ext uri="{FF2B5EF4-FFF2-40B4-BE49-F238E27FC236}">
+                <a16:creationId xmlns:a16="http://schemas.microsoft.com/office/drawing/2014/main" id="{27C7EAAD-761C-4583-A89D-7EA00AFFE4D4}"/>
+              </a:ext>
+            </a:extLst>
+          </p:cNvPr>
+          <p:cNvSpPr/>
+          <p:nvPr/>
+        </p:nvSpPr>
+        <p:spPr>
+          <a:xfrm>
+            <a:off x="5220072" y="2852936"/>
+            <a:ext cx="3312368" cy="1152128"/>
+          </a:xfrm>
+          <a:prstGeom prst="roundRect">
+            <a:avLst/>
+          </a:prstGeom>
+          <a:noFill/>
+          <a:ln w="28575">
+            <a:solidFill>
+              <a:schemeClr val="tx1"/>
+            </a:solidFill>
+            <a:prstDash val="dash"/>
+          </a:ln>
+        </p:spPr>
+        <p:style>
+          <a:lnRef idx="2">
+            <a:schemeClr val="accent1">
+              <a:shade val="50000"/>
+            </a:schemeClr>
+          </a:lnRef>
+          <a:fillRef idx="1">
+            <a:schemeClr val="accent1"/>
+          </a:fillRef>
+          <a:effectRef idx="0">
+            <a:schemeClr val="accent1"/>
+          </a:effectRef>
+          <a:fontRef idx="minor">
+            <a:schemeClr val="lt1"/>
+          </a:fontRef>
+        </p:style>
+        <p:txBody>
+          <a:bodyPr rtlCol="0" anchor="ctr"/>
+          <a:lstStyle/>
+          <a:p>
+            <a:pPr algn="ctr"/>
+            <a:endParaRPr kumimoji="1" lang="ja-JP" altLang="en-US"/>
+          </a:p>
+        </p:txBody>
+      </p:sp>
+      <p:sp>
+        <p:nvSpPr>
+          <p:cNvPr id="35" name="楕円 34">
+            <a:extLst>
+              <a:ext uri="{FF2B5EF4-FFF2-40B4-BE49-F238E27FC236}">
+                <a16:creationId xmlns:a16="http://schemas.microsoft.com/office/drawing/2014/main" id="{60492D6E-3BE6-4E93-B83F-468167C39445}"/>
+              </a:ext>
+            </a:extLst>
+          </p:cNvPr>
+          <p:cNvSpPr/>
+          <p:nvPr/>
+        </p:nvSpPr>
+        <p:spPr>
+          <a:xfrm>
+            <a:off x="5436096" y="3284984"/>
+            <a:ext cx="288032" cy="288032"/>
+          </a:xfrm>
+          <a:prstGeom prst="ellipse">
+            <a:avLst/>
+          </a:prstGeom>
+          <a:solidFill>
+            <a:srgbClr val="011893"/>
+          </a:solidFill>
+          <a:ln>
+            <a:solidFill>
+              <a:schemeClr val="tx1"/>
+            </a:solidFill>
+          </a:ln>
+        </p:spPr>
+        <p:style>
+          <a:lnRef idx="2">
+            <a:schemeClr val="accent1">
+              <a:shade val="50000"/>
+            </a:schemeClr>
+          </a:lnRef>
+          <a:fillRef idx="1">
+            <a:schemeClr val="accent1"/>
+          </a:fillRef>
+          <a:effectRef idx="0">
+            <a:schemeClr val="accent1"/>
+          </a:effectRef>
+          <a:fontRef idx="minor">
+            <a:schemeClr val="lt1"/>
+          </a:fontRef>
+        </p:style>
+        <p:txBody>
+          <a:bodyPr rtlCol="0" anchor="ctr"/>
+          <a:lstStyle/>
+          <a:p>
+            <a:pPr algn="ctr"/>
+            <a:endParaRPr kumimoji="1" lang="ja-JP" altLang="en-US"/>
+          </a:p>
+        </p:txBody>
+      </p:sp>
+    </p:spTree>
+    <p:extLst>
+      <p:ext uri="{BB962C8B-B14F-4D97-AF65-F5344CB8AC3E}">
+        <p14:creationId xmlns:p14="http://schemas.microsoft.com/office/powerpoint/2010/main" val="4207617216"/>
+      </p:ext>
+    </p:extLst>
+  </p:cSld>
+  <p:clrMapOvr>
+    <a:masterClrMapping/>
+  </p:clrMapOvr>
+</p:sld>
+</file>
+
+<file path=ppt/slides/slide22.xml><?xml version="1.0" encoding="utf-8"?>
+<p:sld xmlns:a="http://schemas.openxmlformats.org/drawingml/2006/main" xmlns:r="http://schemas.openxmlformats.org/officeDocument/2006/relationships" xmlns:p="http://schemas.openxmlformats.org/presentationml/2006/main">
+  <p:cSld>
+    <p:spTree>
+      <p:nvGrpSpPr>
+        <p:cNvPr id="1" name=""/>
+        <p:cNvGrpSpPr/>
+        <p:nvPr/>
+      </p:nvGrpSpPr>
+      <p:grpSpPr>
+        <a:xfrm>
+          <a:off x="0" y="0"/>
+          <a:ext cx="0" cy="0"/>
+          <a:chOff x="0" y="0"/>
+          <a:chExt cx="0" cy="0"/>
+        </a:xfrm>
+      </p:grpSpPr>
+      <p:sp>
+        <p:nvSpPr>
+          <p:cNvPr id="2" name="テキスト プレースホルダー 1">
+            <a:extLst>
+              <a:ext uri="{FF2B5EF4-FFF2-40B4-BE49-F238E27FC236}">
+                <a16:creationId xmlns:a16="http://schemas.microsoft.com/office/drawing/2014/main" id="{D653849F-4C83-4432-9527-DDE8CE694F1B}"/>
+              </a:ext>
+            </a:extLst>
+          </p:cNvPr>
+          <p:cNvSpPr>
+            <a:spLocks noGrp="1"/>
+          </p:cNvSpPr>
+          <p:nvPr>
+            <p:ph type="body" sz="quarter" idx="10"/>
+          </p:nvPr>
+        </p:nvSpPr>
+        <p:spPr/>
+        <p:txBody>
+          <a:bodyPr/>
+          <a:lstStyle/>
+          <a:p>
+            <a:r>
+              <a:rPr kumimoji="1" lang="ja-JP" altLang="en-US"/>
+              <a:t>課題</a:t>
+            </a:r>
+            <a:r>
+              <a:rPr lang="en-US" altLang="ja-JP"/>
+              <a:t>1</a:t>
+            </a:r>
+            <a:r>
+              <a:rPr kumimoji="1" lang="en-US" altLang="ja-JP"/>
+              <a:t> – </a:t>
+            </a:r>
+            <a:r>
+              <a:rPr kumimoji="1" lang="ja-JP" altLang="en-US"/>
+              <a:t>レポート課題</a:t>
+            </a:r>
+          </a:p>
+        </p:txBody>
+      </p:sp>
+      <p:pic>
+        <p:nvPicPr>
+          <p:cNvPr id="4" name="図 3">
+            <a:extLst>
+              <a:ext uri="{FF2B5EF4-FFF2-40B4-BE49-F238E27FC236}">
+                <a16:creationId xmlns:a16="http://schemas.microsoft.com/office/drawing/2014/main" id="{61DA06C4-D3B9-4E2F-BABE-DB2697E82D4F}"/>
+              </a:ext>
+            </a:extLst>
+          </p:cNvPr>
+          <p:cNvPicPr>
+            <a:picLocks noChangeAspect="1"/>
+          </p:cNvPicPr>
+          <p:nvPr/>
+        </p:nvPicPr>
+        <p:blipFill>
+          <a:blip r:embed="rId2"/>
+          <a:stretch>
+            <a:fillRect/>
+          </a:stretch>
+        </p:blipFill>
+        <p:spPr>
+          <a:xfrm>
+            <a:off x="323528" y="1196752"/>
+            <a:ext cx="7878274" cy="4525006"/>
+          </a:xfrm>
+          <a:prstGeom prst="rect">
+            <a:avLst/>
+          </a:prstGeom>
+        </p:spPr>
+      </p:pic>
+      <p:sp>
+        <p:nvSpPr>
+          <p:cNvPr id="5" name="四角形: 角を丸くする 4">
+            <a:extLst>
+              <a:ext uri="{FF2B5EF4-FFF2-40B4-BE49-F238E27FC236}">
+                <a16:creationId xmlns:a16="http://schemas.microsoft.com/office/drawing/2014/main" id="{C14838FF-726B-47E7-A463-72F04E0C93A6}"/>
+              </a:ext>
+            </a:extLst>
+          </p:cNvPr>
+          <p:cNvSpPr/>
+          <p:nvPr/>
+        </p:nvSpPr>
+        <p:spPr>
+          <a:xfrm>
+            <a:off x="1403648" y="4077072"/>
+            <a:ext cx="3096344" cy="1296144"/>
+          </a:xfrm>
+          <a:prstGeom prst="roundRect">
+            <a:avLst/>
+          </a:prstGeom>
+          <a:noFill/>
+          <a:ln w="38100">
+            <a:solidFill>
+              <a:srgbClr val="FF0000"/>
+            </a:solidFill>
+          </a:ln>
+        </p:spPr>
+        <p:style>
+          <a:lnRef idx="2">
+            <a:schemeClr val="accent1">
+              <a:shade val="50000"/>
+            </a:schemeClr>
+          </a:lnRef>
+          <a:fillRef idx="1">
+            <a:schemeClr val="accent1"/>
+          </a:fillRef>
+          <a:effectRef idx="0">
+            <a:schemeClr val="accent1"/>
+          </a:effectRef>
+          <a:fontRef idx="minor">
+            <a:schemeClr val="lt1"/>
+          </a:fontRef>
+        </p:style>
+        <p:txBody>
+          <a:bodyPr rtlCol="0" anchor="ctr"/>
+          <a:lstStyle/>
+          <a:p>
+            <a:pPr algn="ctr"/>
+            <a:endParaRPr kumimoji="1" lang="ja-JP" altLang="en-US"/>
+          </a:p>
+        </p:txBody>
+      </p:sp>
+      <p:sp>
+        <p:nvSpPr>
+          <p:cNvPr id="6" name="テキスト ボックス 5">
+            <a:extLst>
+              <a:ext uri="{FF2B5EF4-FFF2-40B4-BE49-F238E27FC236}">
+                <a16:creationId xmlns:a16="http://schemas.microsoft.com/office/drawing/2014/main" id="{2AA86F94-B4F1-43C7-94AF-441C705F7A3E}"/>
+              </a:ext>
+            </a:extLst>
+          </p:cNvPr>
+          <p:cNvSpPr txBox="1"/>
+          <p:nvPr/>
+        </p:nvSpPr>
+        <p:spPr>
+          <a:xfrm>
+            <a:off x="467544" y="5877272"/>
+            <a:ext cx="8058616" cy="369332"/>
+          </a:xfrm>
+          <a:prstGeom prst="rect">
+            <a:avLst/>
+          </a:prstGeom>
+          <a:noFill/>
+        </p:spPr>
+        <p:txBody>
+          <a:bodyPr wrap="none" rtlCol="0">
+            <a:spAutoFit/>
+          </a:bodyPr>
+          <a:lstStyle/>
+          <a:p>
+            <a:r>
+              <a:rPr kumimoji="1" lang="en-US" altLang="ja-JP"/>
+              <a:t>GitHub</a:t>
+            </a:r>
+            <a:r>
+              <a:rPr kumimoji="1" lang="ja-JP" altLang="en-US"/>
+              <a:t>上でファイルが更新されていることがわかるスナップショットを提出</a:t>
+            </a:r>
+          </a:p>
+        </p:txBody>
+      </p:sp>
+    </p:spTree>
+    <p:extLst>
+      <p:ext uri="{BB962C8B-B14F-4D97-AF65-F5344CB8AC3E}">
+        <p14:creationId xmlns:p14="http://schemas.microsoft.com/office/powerpoint/2010/main" val="891019643"/>
       </p:ext>
     </p:extLst>
   </p:cSld>

--- a/practice_github/fig/github_ex03.pptx
+++ b/practice_github/fig/github_ex03.pptx
@@ -5,7 +5,7 @@
     <p:sldMasterId id="2147483663" r:id="rId1"/>
   </p:sldMasterIdLst>
   <p:notesMasterIdLst>
-    <p:notesMasterId r:id="rId24"/>
+    <p:notesMasterId r:id="rId32"/>
   </p:notesMasterIdLst>
   <p:sldIdLst>
     <p:sldId id="256" r:id="rId2"/>
@@ -30,6 +30,14 @@
     <p:sldId id="372" r:id="rId21"/>
     <p:sldId id="373" r:id="rId22"/>
     <p:sldId id="374" r:id="rId23"/>
+    <p:sldId id="375" r:id="rId24"/>
+    <p:sldId id="376" r:id="rId25"/>
+    <p:sldId id="377" r:id="rId26"/>
+    <p:sldId id="378" r:id="rId27"/>
+    <p:sldId id="379" r:id="rId28"/>
+    <p:sldId id="380" r:id="rId29"/>
+    <p:sldId id="381" r:id="rId30"/>
+    <p:sldId id="382" r:id="rId31"/>
   </p:sldIdLst>
   <p:sldSz cx="9144000" cy="6858000" type="screen4x3"/>
   <p:notesSz cx="6858000" cy="9144000"/>
@@ -9382,6 +9390,4812 @@
 </p:sld>
 </file>
 
+<file path=ppt/slides/slide23.xml><?xml version="1.0" encoding="utf-8"?>
+<p:sld xmlns:a="http://schemas.openxmlformats.org/drawingml/2006/main" xmlns:r="http://schemas.openxmlformats.org/officeDocument/2006/relationships" xmlns:p="http://schemas.openxmlformats.org/presentationml/2006/main">
+  <p:cSld>
+    <p:spTree>
+      <p:nvGrpSpPr>
+        <p:cNvPr id="1" name=""/>
+        <p:cNvGrpSpPr/>
+        <p:nvPr/>
+      </p:nvGrpSpPr>
+      <p:grpSpPr>
+        <a:xfrm>
+          <a:off x="0" y="0"/>
+          <a:ext cx="0" cy="0"/>
+          <a:chOff x="0" y="0"/>
+          <a:chExt cx="0" cy="0"/>
+        </a:xfrm>
+      </p:grpSpPr>
+      <p:sp>
+        <p:nvSpPr>
+          <p:cNvPr id="2" name="テキスト プレースホルダー 1">
+            <a:extLst>
+              <a:ext uri="{FF2B5EF4-FFF2-40B4-BE49-F238E27FC236}">
+                <a16:creationId xmlns:a16="http://schemas.microsoft.com/office/drawing/2014/main" id="{23903B62-200E-47C5-BB31-3CA94B06FB5D}"/>
+              </a:ext>
+            </a:extLst>
+          </p:cNvPr>
+          <p:cNvSpPr>
+            <a:spLocks noGrp="1"/>
+          </p:cNvSpPr>
+          <p:nvPr>
+            <p:ph type="body" sz="quarter" idx="10"/>
+          </p:nvPr>
+        </p:nvSpPr>
+        <p:spPr/>
+        <p:txBody>
+          <a:bodyPr/>
+          <a:lstStyle/>
+          <a:p>
+            <a:r>
+              <a:rPr kumimoji="1" lang="ja-JP" altLang="en-US"/>
+              <a:t>課題</a:t>
+            </a:r>
+            <a:r>
+              <a:rPr kumimoji="1" lang="en-US" altLang="ja-JP"/>
+              <a:t>2 – Step 1</a:t>
+            </a:r>
+            <a:endParaRPr kumimoji="1" lang="ja-JP" altLang="en-US"/>
+          </a:p>
+        </p:txBody>
+      </p:sp>
+      <p:pic>
+        <p:nvPicPr>
+          <p:cNvPr id="7" name="Picture 8" descr="パソコンを使う会社員のイラスト（男性・笑顔）">
+            <a:extLst>
+              <a:ext uri="{FF2B5EF4-FFF2-40B4-BE49-F238E27FC236}">
+                <a16:creationId xmlns:a16="http://schemas.microsoft.com/office/drawing/2014/main" id="{D7843B41-3F02-4A1B-8B97-3C44618D515A}"/>
+              </a:ext>
+            </a:extLst>
+          </p:cNvPr>
+          <p:cNvPicPr>
+            <a:picLocks noChangeAspect="1" noChangeArrowheads="1"/>
+          </p:cNvPicPr>
+          <p:nvPr/>
+        </p:nvPicPr>
+        <p:blipFill>
+          <a:blip r:embed="rId2" cstate="print">
+            <a:extLst>
+              <a:ext uri="{28A0092B-C50C-407E-A947-70E740481C1C}">
+                <a14:useLocalDpi xmlns:a14="http://schemas.microsoft.com/office/drawing/2010/main" val="0"/>
+              </a:ext>
+            </a:extLst>
+          </a:blip>
+          <a:srcRect/>
+          <a:stretch>
+            <a:fillRect/>
+          </a:stretch>
+        </p:blipFill>
+        <p:spPr bwMode="auto">
+          <a:xfrm>
+            <a:off x="1187624" y="1700808"/>
+            <a:ext cx="720080" cy="1045759"/>
+          </a:xfrm>
+          <a:prstGeom prst="rect">
+            <a:avLst/>
+          </a:prstGeom>
+          <a:noFill/>
+          <a:extLst>
+            <a:ext uri="{909E8E84-426E-40DD-AFC4-6F175D3DCCD1}">
+              <a14:hiddenFill xmlns:a14="http://schemas.microsoft.com/office/drawing/2010/main">
+                <a:solidFill>
+                  <a:srgbClr val="FFFFFF"/>
+                </a:solidFill>
+              </a14:hiddenFill>
+            </a:ext>
+          </a:extLst>
+        </p:spPr>
+      </p:pic>
+      <p:sp>
+        <p:nvSpPr>
+          <p:cNvPr id="8" name="矢印: 右 7">
+            <a:extLst>
+              <a:ext uri="{FF2B5EF4-FFF2-40B4-BE49-F238E27FC236}">
+                <a16:creationId xmlns:a16="http://schemas.microsoft.com/office/drawing/2014/main" id="{E0300F39-1192-4406-8EAC-A9CE87041D83}"/>
+              </a:ext>
+            </a:extLst>
+          </p:cNvPr>
+          <p:cNvSpPr/>
+          <p:nvPr/>
+        </p:nvSpPr>
+        <p:spPr>
+          <a:xfrm rot="10800000" flipH="1">
+            <a:off x="3203848" y="3429000"/>
+            <a:ext cx="2880320" cy="648072"/>
+          </a:xfrm>
+          <a:prstGeom prst="rightArrow">
+            <a:avLst/>
+          </a:prstGeom>
+          <a:solidFill>
+            <a:srgbClr val="FF0000"/>
+          </a:solidFill>
+          <a:ln>
+            <a:solidFill>
+              <a:schemeClr val="tx1"/>
+            </a:solidFill>
+          </a:ln>
+        </p:spPr>
+        <p:style>
+          <a:lnRef idx="2">
+            <a:schemeClr val="accent1">
+              <a:shade val="50000"/>
+            </a:schemeClr>
+          </a:lnRef>
+          <a:fillRef idx="1">
+            <a:schemeClr val="accent1"/>
+          </a:fillRef>
+          <a:effectRef idx="0">
+            <a:schemeClr val="accent1"/>
+          </a:effectRef>
+          <a:fontRef idx="minor">
+            <a:schemeClr val="lt1"/>
+          </a:fontRef>
+        </p:style>
+        <p:txBody>
+          <a:bodyPr rtlCol="0" anchor="ctr"/>
+          <a:lstStyle/>
+          <a:p>
+            <a:pPr algn="ctr"/>
+            <a:endParaRPr kumimoji="1" lang="ja-JP" altLang="en-US"/>
+          </a:p>
+        </p:txBody>
+      </p:sp>
+      <p:pic>
+        <p:nvPicPr>
+          <p:cNvPr id="9" name="図 8">
+            <a:extLst>
+              <a:ext uri="{FF2B5EF4-FFF2-40B4-BE49-F238E27FC236}">
+                <a16:creationId xmlns:a16="http://schemas.microsoft.com/office/drawing/2014/main" id="{6072A348-B7BD-4CBD-AD84-B1B94FB572D5}"/>
+              </a:ext>
+            </a:extLst>
+          </p:cNvPr>
+          <p:cNvPicPr>
+            <a:picLocks noChangeAspect="1"/>
+          </p:cNvPicPr>
+          <p:nvPr/>
+        </p:nvPicPr>
+        <p:blipFill>
+          <a:blip r:embed="rId3">
+            <a:extLst>
+              <a:ext uri="{28A0092B-C50C-407E-A947-70E740481C1C}">
+                <a14:useLocalDpi xmlns:a14="http://schemas.microsoft.com/office/drawing/2010/main" val="0"/>
+              </a:ext>
+            </a:extLst>
+          </a:blip>
+          <a:stretch>
+            <a:fillRect/>
+          </a:stretch>
+        </p:blipFill>
+        <p:spPr>
+          <a:xfrm>
+            <a:off x="6948264" y="2518736"/>
+            <a:ext cx="738048" cy="738048"/>
+          </a:xfrm>
+          <a:prstGeom prst="rect">
+            <a:avLst/>
+          </a:prstGeom>
+        </p:spPr>
+      </p:pic>
+      <p:pic>
+        <p:nvPicPr>
+          <p:cNvPr id="10" name="図 9">
+            <a:extLst>
+              <a:ext uri="{FF2B5EF4-FFF2-40B4-BE49-F238E27FC236}">
+                <a16:creationId xmlns:a16="http://schemas.microsoft.com/office/drawing/2014/main" id="{AF6CD1CA-8CF8-4244-A75C-E8DD5093F908}"/>
+              </a:ext>
+            </a:extLst>
+          </p:cNvPr>
+          <p:cNvPicPr>
+            <a:picLocks noChangeAspect="1"/>
+          </p:cNvPicPr>
+          <p:nvPr/>
+        </p:nvPicPr>
+        <p:blipFill>
+          <a:blip r:embed="rId4" cstate="print">
+            <a:extLst>
+              <a:ext uri="{28A0092B-C50C-407E-A947-70E740481C1C}">
+                <a14:useLocalDpi xmlns:a14="http://schemas.microsoft.com/office/drawing/2010/main" val="0"/>
+              </a:ext>
+            </a:extLst>
+          </a:blip>
+          <a:stretch>
+            <a:fillRect/>
+          </a:stretch>
+        </p:blipFill>
+        <p:spPr>
+          <a:xfrm>
+            <a:off x="6660233" y="1818402"/>
+            <a:ext cx="1368152" cy="560942"/>
+          </a:xfrm>
+          <a:prstGeom prst="rect">
+            <a:avLst/>
+          </a:prstGeom>
+        </p:spPr>
+      </p:pic>
+      <p:pic>
+        <p:nvPicPr>
+          <p:cNvPr id="11" name="Picture 2" descr="フォルダのイラスト">
+            <a:extLst>
+              <a:ext uri="{FF2B5EF4-FFF2-40B4-BE49-F238E27FC236}">
+                <a16:creationId xmlns:a16="http://schemas.microsoft.com/office/drawing/2014/main" id="{01E7BA53-B85D-478C-81F7-0BCD749C9DBB}"/>
+              </a:ext>
+            </a:extLst>
+          </p:cNvPr>
+          <p:cNvPicPr>
+            <a:picLocks noChangeAspect="1" noChangeArrowheads="1"/>
+          </p:cNvPicPr>
+          <p:nvPr/>
+        </p:nvPicPr>
+        <p:blipFill>
+          <a:blip r:embed="rId5" cstate="print">
+            <a:extLst>
+              <a:ext uri="{28A0092B-C50C-407E-A947-70E740481C1C}">
+                <a14:useLocalDpi xmlns:a14="http://schemas.microsoft.com/office/drawing/2010/main" val="0"/>
+              </a:ext>
+            </a:extLst>
+          </a:blip>
+          <a:srcRect/>
+          <a:stretch>
+            <a:fillRect/>
+          </a:stretch>
+        </p:blipFill>
+        <p:spPr bwMode="auto">
+          <a:xfrm>
+            <a:off x="1043608" y="3140968"/>
+            <a:ext cx="702078" cy="587990"/>
+          </a:xfrm>
+          <a:prstGeom prst="rect">
+            <a:avLst/>
+          </a:prstGeom>
+          <a:noFill/>
+          <a:extLst>
+            <a:ext uri="{909E8E84-426E-40DD-AFC4-6F175D3DCCD1}">
+              <a14:hiddenFill xmlns:a14="http://schemas.microsoft.com/office/drawing/2010/main">
+                <a:solidFill>
+                  <a:srgbClr val="FFFFFF"/>
+                </a:solidFill>
+              </a14:hiddenFill>
+            </a:ext>
+          </a:extLst>
+        </p:spPr>
+      </p:pic>
+      <p:sp>
+        <p:nvSpPr>
+          <p:cNvPr id="13" name="テキスト ボックス 12">
+            <a:extLst>
+              <a:ext uri="{FF2B5EF4-FFF2-40B4-BE49-F238E27FC236}">
+                <a16:creationId xmlns:a16="http://schemas.microsoft.com/office/drawing/2014/main" id="{D07B0EF9-42CB-4240-99CC-B02C97770F6A}"/>
+              </a:ext>
+            </a:extLst>
+          </p:cNvPr>
+          <p:cNvSpPr txBox="1"/>
+          <p:nvPr/>
+        </p:nvSpPr>
+        <p:spPr>
+          <a:xfrm>
+            <a:off x="1043608" y="3645024"/>
+            <a:ext cx="684803" cy="369332"/>
+          </a:xfrm>
+          <a:prstGeom prst="rect">
+            <a:avLst/>
+          </a:prstGeom>
+          <a:noFill/>
+        </p:spPr>
+        <p:txBody>
+          <a:bodyPr wrap="none" rtlCol="0">
+            <a:spAutoFit/>
+          </a:bodyPr>
+          <a:lstStyle/>
+          <a:p>
+            <a:r>
+              <a:rPr kumimoji="1" lang="en-US" altLang="ja-JP"/>
+              <a:t>test2</a:t>
+            </a:r>
+            <a:endParaRPr kumimoji="1" lang="ja-JP" altLang="en-US" dirty="0"/>
+          </a:p>
+        </p:txBody>
+      </p:sp>
+      <p:pic>
+        <p:nvPicPr>
+          <p:cNvPr id="14" name="Picture 4">
+            <a:extLst>
+              <a:ext uri="{FF2B5EF4-FFF2-40B4-BE49-F238E27FC236}">
+                <a16:creationId xmlns:a16="http://schemas.microsoft.com/office/drawing/2014/main" id="{72844A4E-523A-4572-95B7-99727E00685C}"/>
+              </a:ext>
+            </a:extLst>
+          </p:cNvPr>
+          <p:cNvPicPr>
+            <a:picLocks noChangeAspect="1" noChangeArrowheads="1"/>
+          </p:cNvPicPr>
+          <p:nvPr/>
+        </p:nvPicPr>
+        <p:blipFill>
+          <a:blip r:embed="rId6" cstate="print">
+            <a:extLst>
+              <a:ext uri="{28A0092B-C50C-407E-A947-70E740481C1C}">
+                <a14:useLocalDpi xmlns:a14="http://schemas.microsoft.com/office/drawing/2010/main" val="0"/>
+              </a:ext>
+            </a:extLst>
+          </a:blip>
+          <a:srcRect/>
+          <a:stretch>
+            <a:fillRect/>
+          </a:stretch>
+        </p:blipFill>
+        <p:spPr bwMode="auto">
+          <a:xfrm>
+            <a:off x="1187624" y="3284984"/>
+            <a:ext cx="360040" cy="360040"/>
+          </a:xfrm>
+          <a:prstGeom prst="rect">
+            <a:avLst/>
+          </a:prstGeom>
+          <a:noFill/>
+          <a:extLst>
+            <a:ext uri="{909E8E84-426E-40DD-AFC4-6F175D3DCCD1}">
+              <a14:hiddenFill xmlns:a14="http://schemas.microsoft.com/office/drawing/2010/main">
+                <a:solidFill>
+                  <a:srgbClr val="FFFFFF"/>
+                </a:solidFill>
+              </a14:hiddenFill>
+            </a:ext>
+          </a:extLst>
+        </p:spPr>
+      </p:pic>
+      <p:pic>
+        <p:nvPicPr>
+          <p:cNvPr id="15" name="Picture 3" descr="ファイルアイコン（テキスト）">
+            <a:extLst>
+              <a:ext uri="{FF2B5EF4-FFF2-40B4-BE49-F238E27FC236}">
+                <a16:creationId xmlns:a16="http://schemas.microsoft.com/office/drawing/2014/main" id="{547F7504-0D60-49C3-A901-BA6D0C85811E}"/>
+              </a:ext>
+            </a:extLst>
+          </p:cNvPr>
+          <p:cNvPicPr>
+            <a:picLocks noChangeAspect="1" noChangeArrowheads="1"/>
+          </p:cNvPicPr>
+          <p:nvPr/>
+        </p:nvPicPr>
+        <p:blipFill>
+          <a:blip r:embed="rId7" cstate="print">
+            <a:extLst>
+              <a:ext uri="{28A0092B-C50C-407E-A947-70E740481C1C}">
+                <a14:useLocalDpi xmlns:a14="http://schemas.microsoft.com/office/drawing/2010/main" val="0"/>
+              </a:ext>
+            </a:extLst>
+          </a:blip>
+          <a:srcRect/>
+          <a:stretch>
+            <a:fillRect/>
+          </a:stretch>
+        </p:blipFill>
+        <p:spPr bwMode="auto">
+          <a:xfrm>
+            <a:off x="1773213" y="4293096"/>
+            <a:ext cx="552167" cy="641226"/>
+          </a:xfrm>
+          <a:prstGeom prst="rect">
+            <a:avLst/>
+          </a:prstGeom>
+          <a:noFill/>
+          <a:extLst>
+            <a:ext uri="{909E8E84-426E-40DD-AFC4-6F175D3DCCD1}">
+              <a14:hiddenFill xmlns:a14="http://schemas.microsoft.com/office/drawing/2010/main">
+                <a:solidFill>
+                  <a:srgbClr val="FFFFFF"/>
+                </a:solidFill>
+              </a14:hiddenFill>
+            </a:ext>
+          </a:extLst>
+        </p:spPr>
+      </p:pic>
+      <p:sp>
+        <p:nvSpPr>
+          <p:cNvPr id="18" name="テキスト ボックス 17">
+            <a:extLst>
+              <a:ext uri="{FF2B5EF4-FFF2-40B4-BE49-F238E27FC236}">
+                <a16:creationId xmlns:a16="http://schemas.microsoft.com/office/drawing/2014/main" id="{F6E23C12-DC7A-49C8-9AE2-6633C96F84F3}"/>
+              </a:ext>
+            </a:extLst>
+          </p:cNvPr>
+          <p:cNvSpPr txBox="1"/>
+          <p:nvPr/>
+        </p:nvSpPr>
+        <p:spPr>
+          <a:xfrm>
+            <a:off x="1619672" y="4941168"/>
+            <a:ext cx="877163" cy="261610"/>
+          </a:xfrm>
+          <a:prstGeom prst="rect">
+            <a:avLst/>
+          </a:prstGeom>
+          <a:noFill/>
+        </p:spPr>
+        <p:txBody>
+          <a:bodyPr wrap="none" rtlCol="0">
+            <a:spAutoFit/>
+          </a:bodyPr>
+          <a:lstStyle/>
+          <a:p>
+            <a:r>
+              <a:rPr kumimoji="1" lang="en-US" altLang="ja-JP" sz="1100">
+                <a:latin typeface="Consolas" panose="020B0609020204030204" pitchFamily="49" charset="0"/>
+              </a:rPr>
+              <a:t>README.md</a:t>
+            </a:r>
+            <a:endParaRPr kumimoji="1" lang="ja-JP" altLang="en-US" sz="1100">
+              <a:latin typeface="Consolas" panose="020B0609020204030204" pitchFamily="49" charset="0"/>
+            </a:endParaRPr>
+          </a:p>
+        </p:txBody>
+      </p:sp>
+      <p:sp>
+        <p:nvSpPr>
+          <p:cNvPr id="20" name="フローチャート: 磁気ディスク 19">
+            <a:extLst>
+              <a:ext uri="{FF2B5EF4-FFF2-40B4-BE49-F238E27FC236}">
+                <a16:creationId xmlns:a16="http://schemas.microsoft.com/office/drawing/2014/main" id="{935CD364-3D8E-4B18-AC09-0BC81825DCE9}"/>
+              </a:ext>
+            </a:extLst>
+          </p:cNvPr>
+          <p:cNvSpPr/>
+          <p:nvPr/>
+        </p:nvSpPr>
+        <p:spPr>
+          <a:xfrm>
+            <a:off x="1129333" y="4437112"/>
+            <a:ext cx="504056" cy="360040"/>
+          </a:xfrm>
+          <a:prstGeom prst="flowChartMagneticDisk">
+            <a:avLst/>
+          </a:prstGeom>
+          <a:solidFill>
+            <a:schemeClr val="bg1">
+              <a:lumMod val="95000"/>
+            </a:schemeClr>
+          </a:solidFill>
+          <a:ln>
+            <a:solidFill>
+              <a:schemeClr val="tx1"/>
+            </a:solidFill>
+          </a:ln>
+        </p:spPr>
+        <p:style>
+          <a:lnRef idx="2">
+            <a:schemeClr val="accent1">
+              <a:shade val="50000"/>
+            </a:schemeClr>
+          </a:lnRef>
+          <a:fillRef idx="1">
+            <a:schemeClr val="accent1"/>
+          </a:fillRef>
+          <a:effectRef idx="0">
+            <a:schemeClr val="accent1"/>
+          </a:effectRef>
+          <a:fontRef idx="minor">
+            <a:schemeClr val="lt1"/>
+          </a:fontRef>
+        </p:style>
+        <p:txBody>
+          <a:bodyPr rtlCol="0" anchor="ctr"/>
+          <a:lstStyle/>
+          <a:p>
+            <a:pPr algn="ctr"/>
+            <a:r>
+              <a:rPr kumimoji="1" lang="en-US" altLang="ja-JP" sz="1100" dirty="0">
+                <a:solidFill>
+                  <a:schemeClr val="tx1"/>
+                </a:solidFill>
+                <a:latin typeface="Consolas" panose="020B0609020204030204" pitchFamily="49" charset="0"/>
+              </a:rPr>
+              <a:t>.git</a:t>
+            </a:r>
+            <a:endParaRPr kumimoji="1" lang="ja-JP" altLang="en-US" sz="1100" dirty="0">
+              <a:solidFill>
+                <a:schemeClr val="tx1"/>
+              </a:solidFill>
+              <a:latin typeface="Consolas" panose="020B0609020204030204" pitchFamily="49" charset="0"/>
+            </a:endParaRPr>
+          </a:p>
+        </p:txBody>
+      </p:sp>
+      <p:cxnSp>
+        <p:nvCxnSpPr>
+          <p:cNvPr id="21" name="直線コネクタ 20">
+            <a:extLst>
+              <a:ext uri="{FF2B5EF4-FFF2-40B4-BE49-F238E27FC236}">
+                <a16:creationId xmlns:a16="http://schemas.microsoft.com/office/drawing/2014/main" id="{C6191008-EFF6-467A-8AE2-491F79FAEDDD}"/>
+              </a:ext>
+            </a:extLst>
+          </p:cNvPr>
+          <p:cNvCxnSpPr>
+            <a:stCxn id="20" idx="1"/>
+            <a:endCxn id="13" idx="2"/>
+          </p:cNvCxnSpPr>
+          <p:nvPr/>
+        </p:nvCxnSpPr>
+        <p:spPr>
+          <a:xfrm flipV="1">
+            <a:off x="1381361" y="4014356"/>
+            <a:ext cx="4649" cy="422756"/>
+          </a:xfrm>
+          <a:prstGeom prst="line">
+            <a:avLst/>
+          </a:prstGeom>
+          <a:ln>
+            <a:solidFill>
+              <a:schemeClr val="tx1"/>
+            </a:solidFill>
+            <a:headEnd type="none" w="med" len="med"/>
+            <a:tailEnd type="none" w="med" len="med"/>
+          </a:ln>
+        </p:spPr>
+        <p:style>
+          <a:lnRef idx="1">
+            <a:schemeClr val="accent1"/>
+          </a:lnRef>
+          <a:fillRef idx="0">
+            <a:schemeClr val="accent1"/>
+          </a:fillRef>
+          <a:effectRef idx="0">
+            <a:schemeClr val="accent1"/>
+          </a:effectRef>
+          <a:fontRef idx="minor">
+            <a:schemeClr val="tx1"/>
+          </a:fontRef>
+        </p:style>
+      </p:cxnSp>
+      <p:cxnSp>
+        <p:nvCxnSpPr>
+          <p:cNvPr id="22" name="コネクタ: カギ線 21">
+            <a:extLst>
+              <a:ext uri="{FF2B5EF4-FFF2-40B4-BE49-F238E27FC236}">
+                <a16:creationId xmlns:a16="http://schemas.microsoft.com/office/drawing/2014/main" id="{03E5F109-C9CA-4C80-AE5A-430AC9BEE89B}"/>
+              </a:ext>
+            </a:extLst>
+          </p:cNvPr>
+          <p:cNvCxnSpPr>
+            <a:stCxn id="13" idx="2"/>
+            <a:endCxn id="15" idx="0"/>
+          </p:cNvCxnSpPr>
+          <p:nvPr/>
+        </p:nvCxnSpPr>
+        <p:spPr>
+          <a:xfrm rot="16200000" flipH="1">
+            <a:off x="1578283" y="3822082"/>
+            <a:ext cx="278740" cy="663287"/>
+          </a:xfrm>
+          <a:prstGeom prst="bentConnector3">
+            <a:avLst/>
+          </a:prstGeom>
+          <a:ln>
+            <a:solidFill>
+              <a:schemeClr val="tx1"/>
+            </a:solidFill>
+            <a:headEnd type="none" w="med" len="med"/>
+            <a:tailEnd type="none" w="med" len="med"/>
+          </a:ln>
+        </p:spPr>
+        <p:style>
+          <a:lnRef idx="1">
+            <a:schemeClr val="accent1"/>
+          </a:lnRef>
+          <a:fillRef idx="0">
+            <a:schemeClr val="accent1"/>
+          </a:fillRef>
+          <a:effectRef idx="0">
+            <a:schemeClr val="accent1"/>
+          </a:effectRef>
+          <a:fontRef idx="minor">
+            <a:schemeClr val="tx1"/>
+          </a:fontRef>
+        </p:style>
+      </p:cxnSp>
+      <p:sp>
+        <p:nvSpPr>
+          <p:cNvPr id="23" name="四角形: 角を丸くする 22">
+            <a:extLst>
+              <a:ext uri="{FF2B5EF4-FFF2-40B4-BE49-F238E27FC236}">
+                <a16:creationId xmlns:a16="http://schemas.microsoft.com/office/drawing/2014/main" id="{DA3E1B27-07C1-43DA-91BF-46094E461256}"/>
+              </a:ext>
+            </a:extLst>
+          </p:cNvPr>
+          <p:cNvSpPr/>
+          <p:nvPr/>
+        </p:nvSpPr>
+        <p:spPr>
+          <a:xfrm>
+            <a:off x="755576" y="2996952"/>
+            <a:ext cx="2088232" cy="2160240"/>
+          </a:xfrm>
+          <a:prstGeom prst="roundRect">
+            <a:avLst/>
+          </a:prstGeom>
+          <a:noFill/>
+          <a:ln w="28575">
+            <a:solidFill>
+              <a:schemeClr val="tx1"/>
+            </a:solidFill>
+            <a:prstDash val="dash"/>
+          </a:ln>
+        </p:spPr>
+        <p:style>
+          <a:lnRef idx="2">
+            <a:schemeClr val="accent1">
+              <a:shade val="50000"/>
+            </a:schemeClr>
+          </a:lnRef>
+          <a:fillRef idx="1">
+            <a:schemeClr val="accent1"/>
+          </a:fillRef>
+          <a:effectRef idx="0">
+            <a:schemeClr val="accent1"/>
+          </a:effectRef>
+          <a:fontRef idx="minor">
+            <a:schemeClr val="lt1"/>
+          </a:fontRef>
+        </p:style>
+        <p:txBody>
+          <a:bodyPr rtlCol="0" anchor="ctr"/>
+          <a:lstStyle/>
+          <a:p>
+            <a:pPr algn="ctr"/>
+            <a:endParaRPr kumimoji="1" lang="ja-JP" altLang="en-US"/>
+          </a:p>
+        </p:txBody>
+      </p:sp>
+      <p:sp>
+        <p:nvSpPr>
+          <p:cNvPr id="24" name="テキスト ボックス 23">
+            <a:extLst>
+              <a:ext uri="{FF2B5EF4-FFF2-40B4-BE49-F238E27FC236}">
+                <a16:creationId xmlns:a16="http://schemas.microsoft.com/office/drawing/2014/main" id="{50874F64-99E2-4DD5-9635-C21E879D41F6}"/>
+              </a:ext>
+            </a:extLst>
+          </p:cNvPr>
+          <p:cNvSpPr txBox="1"/>
+          <p:nvPr/>
+        </p:nvSpPr>
+        <p:spPr>
+          <a:xfrm>
+            <a:off x="395536" y="1124744"/>
+            <a:ext cx="5452134" cy="461665"/>
+          </a:xfrm>
+          <a:prstGeom prst="rect">
+            <a:avLst/>
+          </a:prstGeom>
+          <a:noFill/>
+        </p:spPr>
+        <p:txBody>
+          <a:bodyPr wrap="none" rtlCol="0">
+            <a:spAutoFit/>
+          </a:bodyPr>
+          <a:lstStyle/>
+          <a:p>
+            <a:r>
+              <a:rPr lang="ja-JP" altLang="en-US" sz="2400"/>
+              <a:t>ローカルのリポジトリを</a:t>
+            </a:r>
+            <a:r>
+              <a:rPr lang="en-US" altLang="ja-JP" sz="2400"/>
+              <a:t>GitHub</a:t>
+            </a:r>
+            <a:r>
+              <a:rPr lang="ja-JP" altLang="en-US" sz="2400"/>
+              <a:t>に登録</a:t>
+            </a:r>
+            <a:endParaRPr kumimoji="1" lang="ja-JP" altLang="en-US" sz="2400"/>
+          </a:p>
+        </p:txBody>
+      </p:sp>
+      <p:sp>
+        <p:nvSpPr>
+          <p:cNvPr id="25" name="テキスト ボックス 24">
+            <a:extLst>
+              <a:ext uri="{FF2B5EF4-FFF2-40B4-BE49-F238E27FC236}">
+                <a16:creationId xmlns:a16="http://schemas.microsoft.com/office/drawing/2014/main" id="{253748DD-6657-4670-89D5-361A28D7A787}"/>
+              </a:ext>
+            </a:extLst>
+          </p:cNvPr>
+          <p:cNvSpPr txBox="1"/>
+          <p:nvPr/>
+        </p:nvSpPr>
+        <p:spPr>
+          <a:xfrm>
+            <a:off x="539552" y="5301208"/>
+            <a:ext cx="4990469" cy="1200329"/>
+          </a:xfrm>
+          <a:prstGeom prst="rect">
+            <a:avLst/>
+          </a:prstGeom>
+          <a:noFill/>
+        </p:spPr>
+        <p:txBody>
+          <a:bodyPr wrap="none" rtlCol="0">
+            <a:spAutoFit/>
+          </a:bodyPr>
+          <a:lstStyle/>
+          <a:p>
+            <a:pPr marL="457200" indent="-457200">
+              <a:buAutoNum type="arabicPeriod"/>
+            </a:pPr>
+            <a:r>
+              <a:rPr lang="ja-JP" altLang="en-US" sz="2400"/>
+              <a:t>ローカルにリポジトリを作成</a:t>
+            </a:r>
+            <a:endParaRPr lang="en-US" altLang="ja-JP" sz="2400"/>
+          </a:p>
+          <a:p>
+            <a:pPr marL="457200" indent="-457200">
+              <a:buAutoNum type="arabicPeriod"/>
+            </a:pPr>
+            <a:r>
+              <a:rPr lang="en-US" altLang="ja-JP" sz="2400"/>
+              <a:t>GitHub</a:t>
+            </a:r>
+            <a:r>
+              <a:rPr lang="ja-JP" altLang="en-US" sz="2400"/>
+              <a:t>にベアリポジトリを作成</a:t>
+            </a:r>
+            <a:endParaRPr lang="en-US" altLang="ja-JP" sz="2400"/>
+          </a:p>
+          <a:p>
+            <a:pPr marL="457200" indent="-457200">
+              <a:buAutoNum type="arabicPeriod"/>
+            </a:pPr>
+            <a:r>
+              <a:rPr lang="ja-JP" altLang="en-US" sz="2400"/>
+              <a:t>リモートを登録して</a:t>
+            </a:r>
+            <a:r>
+              <a:rPr lang="en-US" altLang="ja-JP" sz="2400"/>
+              <a:t>push</a:t>
+            </a:r>
+            <a:endParaRPr kumimoji="1" lang="ja-JP" altLang="en-US" sz="2400"/>
+          </a:p>
+        </p:txBody>
+      </p:sp>
+    </p:spTree>
+    <p:extLst>
+      <p:ext uri="{BB962C8B-B14F-4D97-AF65-F5344CB8AC3E}">
+        <p14:creationId xmlns:p14="http://schemas.microsoft.com/office/powerpoint/2010/main" val="1630205692"/>
+      </p:ext>
+    </p:extLst>
+  </p:cSld>
+  <p:clrMapOvr>
+    <a:masterClrMapping/>
+  </p:clrMapOvr>
+</p:sld>
+</file>
+
+<file path=ppt/slides/slide24.xml><?xml version="1.0" encoding="utf-8"?>
+<p:sld xmlns:a="http://schemas.openxmlformats.org/drawingml/2006/main" xmlns:r="http://schemas.openxmlformats.org/officeDocument/2006/relationships" xmlns:p="http://schemas.openxmlformats.org/presentationml/2006/main">
+  <p:cSld>
+    <p:spTree>
+      <p:nvGrpSpPr>
+        <p:cNvPr id="1" name=""/>
+        <p:cNvGrpSpPr/>
+        <p:nvPr/>
+      </p:nvGrpSpPr>
+      <p:grpSpPr>
+        <a:xfrm>
+          <a:off x="0" y="0"/>
+          <a:ext cx="0" cy="0"/>
+          <a:chOff x="0" y="0"/>
+          <a:chExt cx="0" cy="0"/>
+        </a:xfrm>
+      </p:grpSpPr>
+      <p:sp>
+        <p:nvSpPr>
+          <p:cNvPr id="2" name="テキスト プレースホルダー 1">
+            <a:extLst>
+              <a:ext uri="{FF2B5EF4-FFF2-40B4-BE49-F238E27FC236}">
+                <a16:creationId xmlns:a16="http://schemas.microsoft.com/office/drawing/2014/main" id="{3B4FB244-2EB6-4539-83E0-C2454DD6FE38}"/>
+              </a:ext>
+            </a:extLst>
+          </p:cNvPr>
+          <p:cNvSpPr>
+            <a:spLocks noGrp="1"/>
+          </p:cNvSpPr>
+          <p:nvPr>
+            <p:ph type="body" sz="quarter" idx="10"/>
+          </p:nvPr>
+        </p:nvSpPr>
+        <p:spPr/>
+        <p:txBody>
+          <a:bodyPr/>
+          <a:lstStyle/>
+          <a:p>
+            <a:r>
+              <a:rPr kumimoji="1" lang="ja-JP" altLang="en-US"/>
+              <a:t>課題</a:t>
+            </a:r>
+            <a:r>
+              <a:rPr kumimoji="1" lang="en-US" altLang="ja-JP"/>
+              <a:t>2 – Step 1</a:t>
+            </a:r>
+            <a:endParaRPr kumimoji="1" lang="ja-JP" altLang="en-US"/>
+          </a:p>
+        </p:txBody>
+      </p:sp>
+      <p:sp>
+        <p:nvSpPr>
+          <p:cNvPr id="4" name="テキスト ボックス 3">
+            <a:extLst>
+              <a:ext uri="{FF2B5EF4-FFF2-40B4-BE49-F238E27FC236}">
+                <a16:creationId xmlns:a16="http://schemas.microsoft.com/office/drawing/2014/main" id="{7820172B-C2FA-450D-8526-26984BB59971}"/>
+              </a:ext>
+            </a:extLst>
+          </p:cNvPr>
+          <p:cNvSpPr txBox="1"/>
+          <p:nvPr/>
+        </p:nvSpPr>
+        <p:spPr>
+          <a:xfrm>
+            <a:off x="683568" y="1484784"/>
+            <a:ext cx="4572000" cy="1815882"/>
+          </a:xfrm>
+          <a:prstGeom prst="rect">
+            <a:avLst/>
+          </a:prstGeom>
+          <a:noFill/>
+          <a:ln>
+            <a:solidFill>
+              <a:schemeClr val="tx1"/>
+            </a:solidFill>
+          </a:ln>
+        </p:spPr>
+        <p:txBody>
+          <a:bodyPr wrap="square">
+            <a:spAutoFit/>
+          </a:bodyPr>
+          <a:lstStyle/>
+          <a:p>
+            <a:r>
+              <a:rPr lang="ja-JP" altLang="en-US" sz="2800">
+                <a:latin typeface="Consolas" panose="020B0609020204030204" pitchFamily="49" charset="0"/>
+              </a:rPr>
+              <a:t>cd</a:t>
+            </a:r>
+          </a:p>
+          <a:p>
+            <a:r>
+              <a:rPr lang="ja-JP" altLang="en-US" sz="2800">
+                <a:latin typeface="Consolas" panose="020B0609020204030204" pitchFamily="49" charset="0"/>
+              </a:rPr>
+              <a:t>cd github</a:t>
+            </a:r>
+          </a:p>
+          <a:p>
+            <a:r>
+              <a:rPr lang="ja-JP" altLang="en-US" sz="2800">
+                <a:latin typeface="Consolas" panose="020B0609020204030204" pitchFamily="49" charset="0"/>
+              </a:rPr>
+              <a:t>mkdir test2</a:t>
+            </a:r>
+          </a:p>
+          <a:p>
+            <a:r>
+              <a:rPr lang="ja-JP" altLang="en-US" sz="2800">
+                <a:latin typeface="Consolas" panose="020B0609020204030204" pitchFamily="49" charset="0"/>
+              </a:rPr>
+              <a:t>cd test2</a:t>
+            </a:r>
+          </a:p>
+        </p:txBody>
+      </p:sp>
+      <p:pic>
+        <p:nvPicPr>
+          <p:cNvPr id="5" name="Picture 2" descr="フォルダのイラスト">
+            <a:extLst>
+              <a:ext uri="{FF2B5EF4-FFF2-40B4-BE49-F238E27FC236}">
+                <a16:creationId xmlns:a16="http://schemas.microsoft.com/office/drawing/2014/main" id="{985F3106-DCA3-482A-AD45-E7A0BAED9B2F}"/>
+              </a:ext>
+            </a:extLst>
+          </p:cNvPr>
+          <p:cNvPicPr>
+            <a:picLocks noChangeAspect="1" noChangeArrowheads="1"/>
+          </p:cNvPicPr>
+          <p:nvPr/>
+        </p:nvPicPr>
+        <p:blipFill>
+          <a:blip r:embed="rId2" cstate="print">
+            <a:extLst>
+              <a:ext uri="{28A0092B-C50C-407E-A947-70E740481C1C}">
+                <a14:useLocalDpi xmlns:a14="http://schemas.microsoft.com/office/drawing/2010/main" val="0"/>
+              </a:ext>
+            </a:extLst>
+          </a:blip>
+          <a:srcRect/>
+          <a:stretch>
+            <a:fillRect/>
+          </a:stretch>
+        </p:blipFill>
+        <p:spPr bwMode="auto">
+          <a:xfrm>
+            <a:off x="827584" y="4293096"/>
+            <a:ext cx="702078" cy="587990"/>
+          </a:xfrm>
+          <a:prstGeom prst="rect">
+            <a:avLst/>
+          </a:prstGeom>
+          <a:noFill/>
+          <a:extLst>
+            <a:ext uri="{909E8E84-426E-40DD-AFC4-6F175D3DCCD1}">
+              <a14:hiddenFill xmlns:a14="http://schemas.microsoft.com/office/drawing/2010/main">
+                <a:solidFill>
+                  <a:srgbClr val="FFFFFF"/>
+                </a:solidFill>
+              </a14:hiddenFill>
+            </a:ext>
+          </a:extLst>
+        </p:spPr>
+      </p:pic>
+      <p:pic>
+        <p:nvPicPr>
+          <p:cNvPr id="6" name="Picture 2" descr="フォルダのイラスト">
+            <a:extLst>
+              <a:ext uri="{FF2B5EF4-FFF2-40B4-BE49-F238E27FC236}">
+                <a16:creationId xmlns:a16="http://schemas.microsoft.com/office/drawing/2014/main" id="{A31D22C6-932A-424F-9C40-C6BDDB3B7790}"/>
+              </a:ext>
+            </a:extLst>
+          </p:cNvPr>
+          <p:cNvPicPr>
+            <a:picLocks noChangeAspect="1" noChangeArrowheads="1"/>
+          </p:cNvPicPr>
+          <p:nvPr/>
+        </p:nvPicPr>
+        <p:blipFill>
+          <a:blip r:embed="rId2" cstate="print">
+            <a:extLst>
+              <a:ext uri="{28A0092B-C50C-407E-A947-70E740481C1C}">
+                <a14:useLocalDpi xmlns:a14="http://schemas.microsoft.com/office/drawing/2010/main" val="0"/>
+              </a:ext>
+            </a:extLst>
+          </a:blip>
+          <a:srcRect/>
+          <a:stretch>
+            <a:fillRect/>
+          </a:stretch>
+        </p:blipFill>
+        <p:spPr bwMode="auto">
+          <a:xfrm>
+            <a:off x="2051720" y="4293096"/>
+            <a:ext cx="702078" cy="587990"/>
+          </a:xfrm>
+          <a:prstGeom prst="rect">
+            <a:avLst/>
+          </a:prstGeom>
+          <a:noFill/>
+          <a:extLst>
+            <a:ext uri="{909E8E84-426E-40DD-AFC4-6F175D3DCCD1}">
+              <a14:hiddenFill xmlns:a14="http://schemas.microsoft.com/office/drawing/2010/main">
+                <a:solidFill>
+                  <a:srgbClr val="FFFFFF"/>
+                </a:solidFill>
+              </a14:hiddenFill>
+            </a:ext>
+          </a:extLst>
+        </p:spPr>
+      </p:pic>
+      <p:pic>
+        <p:nvPicPr>
+          <p:cNvPr id="7" name="Picture 2" descr="家のイラスト7">
+            <a:extLst>
+              <a:ext uri="{FF2B5EF4-FFF2-40B4-BE49-F238E27FC236}">
+                <a16:creationId xmlns:a16="http://schemas.microsoft.com/office/drawing/2014/main" id="{15545D7E-7415-4C52-AC24-1542FBCE65F9}"/>
+              </a:ext>
+            </a:extLst>
+          </p:cNvPr>
+          <p:cNvPicPr>
+            <a:picLocks noChangeAspect="1" noChangeArrowheads="1"/>
+          </p:cNvPicPr>
+          <p:nvPr/>
+        </p:nvPicPr>
+        <p:blipFill>
+          <a:blip r:embed="rId3" cstate="print">
+            <a:extLst>
+              <a:ext uri="{28A0092B-C50C-407E-A947-70E740481C1C}">
+                <a14:useLocalDpi xmlns:a14="http://schemas.microsoft.com/office/drawing/2010/main" val="0"/>
+              </a:ext>
+            </a:extLst>
+          </a:blip>
+          <a:srcRect/>
+          <a:stretch>
+            <a:fillRect/>
+          </a:stretch>
+        </p:blipFill>
+        <p:spPr bwMode="auto">
+          <a:xfrm>
+            <a:off x="971600" y="4437112"/>
+            <a:ext cx="360040" cy="336637"/>
+          </a:xfrm>
+          <a:prstGeom prst="rect">
+            <a:avLst/>
+          </a:prstGeom>
+          <a:noFill/>
+          <a:extLst>
+            <a:ext uri="{909E8E84-426E-40DD-AFC4-6F175D3DCCD1}">
+              <a14:hiddenFill xmlns:a14="http://schemas.microsoft.com/office/drawing/2010/main">
+                <a:solidFill>
+                  <a:srgbClr val="FFFFFF"/>
+                </a:solidFill>
+              </a14:hiddenFill>
+            </a:ext>
+          </a:extLst>
+        </p:spPr>
+      </p:pic>
+      <p:cxnSp>
+        <p:nvCxnSpPr>
+          <p:cNvPr id="8" name="直線矢印コネクタ 7">
+            <a:extLst>
+              <a:ext uri="{FF2B5EF4-FFF2-40B4-BE49-F238E27FC236}">
+                <a16:creationId xmlns:a16="http://schemas.microsoft.com/office/drawing/2014/main" id="{049ECF51-03C6-461D-97EF-B7670DE71A8C}"/>
+              </a:ext>
+            </a:extLst>
+          </p:cNvPr>
+          <p:cNvCxnSpPr>
+            <a:stCxn id="5" idx="3"/>
+            <a:endCxn id="6" idx="1"/>
+          </p:cNvCxnSpPr>
+          <p:nvPr/>
+        </p:nvCxnSpPr>
+        <p:spPr>
+          <a:xfrm>
+            <a:off x="1529662" y="4587091"/>
+            <a:ext cx="522058" cy="0"/>
+          </a:xfrm>
+          <a:prstGeom prst="straightConnector1">
+            <a:avLst/>
+          </a:prstGeom>
+          <a:ln>
+            <a:solidFill>
+              <a:schemeClr val="tx1"/>
+            </a:solidFill>
+            <a:headEnd type="none" w="med" len="med"/>
+            <a:tailEnd type="none" w="med" len="med"/>
+          </a:ln>
+        </p:spPr>
+        <p:style>
+          <a:lnRef idx="1">
+            <a:schemeClr val="accent1"/>
+          </a:lnRef>
+          <a:fillRef idx="0">
+            <a:schemeClr val="accent1"/>
+          </a:fillRef>
+          <a:effectRef idx="0">
+            <a:schemeClr val="accent1"/>
+          </a:effectRef>
+          <a:fontRef idx="minor">
+            <a:schemeClr val="tx1"/>
+          </a:fontRef>
+        </p:style>
+      </p:cxnSp>
+      <p:pic>
+        <p:nvPicPr>
+          <p:cNvPr id="9" name="Picture 2" descr="フォルダのイラスト">
+            <a:extLst>
+              <a:ext uri="{FF2B5EF4-FFF2-40B4-BE49-F238E27FC236}">
+                <a16:creationId xmlns:a16="http://schemas.microsoft.com/office/drawing/2014/main" id="{C7232596-412C-486A-8EF9-8473D23AE701}"/>
+              </a:ext>
+            </a:extLst>
+          </p:cNvPr>
+          <p:cNvPicPr>
+            <a:picLocks noChangeAspect="1" noChangeArrowheads="1"/>
+          </p:cNvPicPr>
+          <p:nvPr/>
+        </p:nvPicPr>
+        <p:blipFill>
+          <a:blip r:embed="rId2" cstate="print">
+            <a:extLst>
+              <a:ext uri="{28A0092B-C50C-407E-A947-70E740481C1C}">
+                <a14:useLocalDpi xmlns:a14="http://schemas.microsoft.com/office/drawing/2010/main" val="0"/>
+              </a:ext>
+            </a:extLst>
+          </a:blip>
+          <a:srcRect/>
+          <a:stretch>
+            <a:fillRect/>
+          </a:stretch>
+        </p:blipFill>
+        <p:spPr bwMode="auto">
+          <a:xfrm>
+            <a:off x="3275856" y="4293096"/>
+            <a:ext cx="702078" cy="587990"/>
+          </a:xfrm>
+          <a:prstGeom prst="rect">
+            <a:avLst/>
+          </a:prstGeom>
+          <a:noFill/>
+          <a:extLst>
+            <a:ext uri="{909E8E84-426E-40DD-AFC4-6F175D3DCCD1}">
+              <a14:hiddenFill xmlns:a14="http://schemas.microsoft.com/office/drawing/2010/main">
+                <a:solidFill>
+                  <a:srgbClr val="FFFFFF"/>
+                </a:solidFill>
+              </a14:hiddenFill>
+            </a:ext>
+          </a:extLst>
+        </p:spPr>
+      </p:pic>
+      <p:cxnSp>
+        <p:nvCxnSpPr>
+          <p:cNvPr id="10" name="直線矢印コネクタ 9">
+            <a:extLst>
+              <a:ext uri="{FF2B5EF4-FFF2-40B4-BE49-F238E27FC236}">
+                <a16:creationId xmlns:a16="http://schemas.microsoft.com/office/drawing/2014/main" id="{E408DBDC-0B42-4B27-93C8-03CEFAFE3CF5}"/>
+              </a:ext>
+            </a:extLst>
+          </p:cNvPr>
+          <p:cNvCxnSpPr>
+            <a:endCxn id="9" idx="1"/>
+          </p:cNvCxnSpPr>
+          <p:nvPr/>
+        </p:nvCxnSpPr>
+        <p:spPr>
+          <a:xfrm>
+            <a:off x="2753798" y="4587091"/>
+            <a:ext cx="522058" cy="0"/>
+          </a:xfrm>
+          <a:prstGeom prst="straightConnector1">
+            <a:avLst/>
+          </a:prstGeom>
+          <a:ln>
+            <a:solidFill>
+              <a:schemeClr val="tx1"/>
+            </a:solidFill>
+            <a:headEnd type="none" w="med" len="med"/>
+            <a:tailEnd type="none" w="med" len="med"/>
+          </a:ln>
+        </p:spPr>
+        <p:style>
+          <a:lnRef idx="1">
+            <a:schemeClr val="accent1"/>
+          </a:lnRef>
+          <a:fillRef idx="0">
+            <a:schemeClr val="accent1"/>
+          </a:fillRef>
+          <a:effectRef idx="0">
+            <a:schemeClr val="accent1"/>
+          </a:effectRef>
+          <a:fontRef idx="minor">
+            <a:schemeClr val="tx1"/>
+          </a:fontRef>
+        </p:style>
+      </p:cxnSp>
+      <p:pic>
+        <p:nvPicPr>
+          <p:cNvPr id="12" name="Picture 2" descr="手を上げている男の子のイラスト">
+            <a:extLst>
+              <a:ext uri="{FF2B5EF4-FFF2-40B4-BE49-F238E27FC236}">
+                <a16:creationId xmlns:a16="http://schemas.microsoft.com/office/drawing/2014/main" id="{21A9A1EB-EDCF-4865-AB6B-3EBDDDB82EDD}"/>
+              </a:ext>
+            </a:extLst>
+          </p:cNvPr>
+          <p:cNvPicPr>
+            <a:picLocks noChangeAspect="1" noChangeArrowheads="1"/>
+          </p:cNvPicPr>
+          <p:nvPr/>
+        </p:nvPicPr>
+        <p:blipFill>
+          <a:blip r:embed="rId4" cstate="print">
+            <a:extLst>
+              <a:ext uri="{28A0092B-C50C-407E-A947-70E740481C1C}">
+                <a14:useLocalDpi xmlns:a14="http://schemas.microsoft.com/office/drawing/2010/main" val="0"/>
+              </a:ext>
+            </a:extLst>
+          </a:blip>
+          <a:srcRect/>
+          <a:stretch>
+            <a:fillRect/>
+          </a:stretch>
+        </p:blipFill>
+        <p:spPr bwMode="auto">
+          <a:xfrm>
+            <a:off x="3428700" y="3645024"/>
+            <a:ext cx="385188" cy="536848"/>
+          </a:xfrm>
+          <a:prstGeom prst="rect">
+            <a:avLst/>
+          </a:prstGeom>
+          <a:noFill/>
+          <a:extLst>
+            <a:ext uri="{909E8E84-426E-40DD-AFC4-6F175D3DCCD1}">
+              <a14:hiddenFill xmlns:a14="http://schemas.microsoft.com/office/drawing/2010/main">
+                <a:solidFill>
+                  <a:srgbClr val="FFFFFF"/>
+                </a:solidFill>
+              </a14:hiddenFill>
+            </a:ext>
+          </a:extLst>
+        </p:spPr>
+      </p:pic>
+      <p:sp>
+        <p:nvSpPr>
+          <p:cNvPr id="13" name="テキスト ボックス 12">
+            <a:extLst>
+              <a:ext uri="{FF2B5EF4-FFF2-40B4-BE49-F238E27FC236}">
+                <a16:creationId xmlns:a16="http://schemas.microsoft.com/office/drawing/2014/main" id="{E3DE89D6-6296-42F3-9999-7EACD6AF0C3D}"/>
+              </a:ext>
+            </a:extLst>
+          </p:cNvPr>
+          <p:cNvSpPr txBox="1"/>
+          <p:nvPr/>
+        </p:nvSpPr>
+        <p:spPr>
+          <a:xfrm>
+            <a:off x="3851920" y="3789040"/>
+            <a:ext cx="3416320" cy="369332"/>
+          </a:xfrm>
+          <a:prstGeom prst="rect">
+            <a:avLst/>
+          </a:prstGeom>
+          <a:noFill/>
+        </p:spPr>
+        <p:txBody>
+          <a:bodyPr wrap="none" rtlCol="0">
+            <a:spAutoFit/>
+          </a:bodyPr>
+          <a:lstStyle/>
+          <a:p>
+            <a:r>
+              <a:rPr lang="ja-JP" altLang="en-US"/>
+              <a:t>ここがカレントディレクトリに</a:t>
+            </a:r>
+            <a:endParaRPr kumimoji="1" lang="ja-JP" altLang="en-US"/>
+          </a:p>
+        </p:txBody>
+      </p:sp>
+      <p:sp>
+        <p:nvSpPr>
+          <p:cNvPr id="14" name="テキスト ボックス 13">
+            <a:extLst>
+              <a:ext uri="{FF2B5EF4-FFF2-40B4-BE49-F238E27FC236}">
+                <a16:creationId xmlns:a16="http://schemas.microsoft.com/office/drawing/2014/main" id="{E74AB00E-816F-4410-B083-BF495EE87AE0}"/>
+              </a:ext>
+            </a:extLst>
+          </p:cNvPr>
+          <p:cNvSpPr txBox="1"/>
+          <p:nvPr/>
+        </p:nvSpPr>
+        <p:spPr>
+          <a:xfrm>
+            <a:off x="2051720" y="4869160"/>
+            <a:ext cx="813043" cy="369332"/>
+          </a:xfrm>
+          <a:prstGeom prst="rect">
+            <a:avLst/>
+          </a:prstGeom>
+          <a:noFill/>
+        </p:spPr>
+        <p:txBody>
+          <a:bodyPr wrap="none" rtlCol="0">
+            <a:spAutoFit/>
+          </a:bodyPr>
+          <a:lstStyle/>
+          <a:p>
+            <a:r>
+              <a:rPr kumimoji="1" lang="en-US" altLang="ja-JP" dirty="0" err="1"/>
+              <a:t>github</a:t>
+            </a:r>
+            <a:endParaRPr kumimoji="1" lang="ja-JP" altLang="en-US" dirty="0"/>
+          </a:p>
+        </p:txBody>
+      </p:sp>
+      <p:sp>
+        <p:nvSpPr>
+          <p:cNvPr id="15" name="テキスト ボックス 14">
+            <a:extLst>
+              <a:ext uri="{FF2B5EF4-FFF2-40B4-BE49-F238E27FC236}">
+                <a16:creationId xmlns:a16="http://schemas.microsoft.com/office/drawing/2014/main" id="{3369E454-23C1-40C7-A729-FB62560A3D20}"/>
+              </a:ext>
+            </a:extLst>
+          </p:cNvPr>
+          <p:cNvSpPr txBox="1"/>
+          <p:nvPr/>
+        </p:nvSpPr>
+        <p:spPr>
+          <a:xfrm>
+            <a:off x="3347864" y="4869160"/>
+            <a:ext cx="684803" cy="369332"/>
+          </a:xfrm>
+          <a:prstGeom prst="rect">
+            <a:avLst/>
+          </a:prstGeom>
+          <a:noFill/>
+        </p:spPr>
+        <p:txBody>
+          <a:bodyPr wrap="none" rtlCol="0">
+            <a:spAutoFit/>
+          </a:bodyPr>
+          <a:lstStyle/>
+          <a:p>
+            <a:r>
+              <a:rPr kumimoji="1" lang="en-US" altLang="ja-JP"/>
+              <a:t>test2</a:t>
+            </a:r>
+            <a:endParaRPr kumimoji="1" lang="ja-JP" altLang="en-US" dirty="0"/>
+          </a:p>
+        </p:txBody>
+      </p:sp>
+    </p:spTree>
+    <p:extLst>
+      <p:ext uri="{BB962C8B-B14F-4D97-AF65-F5344CB8AC3E}">
+        <p14:creationId xmlns:p14="http://schemas.microsoft.com/office/powerpoint/2010/main" val="356448517"/>
+      </p:ext>
+    </p:extLst>
+  </p:cSld>
+  <p:clrMapOvr>
+    <a:masterClrMapping/>
+  </p:clrMapOvr>
+</p:sld>
+</file>
+
+<file path=ppt/slides/slide25.xml><?xml version="1.0" encoding="utf-8"?>
+<p:sld xmlns:a="http://schemas.openxmlformats.org/drawingml/2006/main" xmlns:r="http://schemas.openxmlformats.org/officeDocument/2006/relationships" xmlns:p="http://schemas.openxmlformats.org/presentationml/2006/main">
+  <p:cSld>
+    <p:spTree>
+      <p:nvGrpSpPr>
+        <p:cNvPr id="1" name=""/>
+        <p:cNvGrpSpPr/>
+        <p:nvPr/>
+      </p:nvGrpSpPr>
+      <p:grpSpPr>
+        <a:xfrm>
+          <a:off x="0" y="0"/>
+          <a:ext cx="0" cy="0"/>
+          <a:chOff x="0" y="0"/>
+          <a:chExt cx="0" cy="0"/>
+        </a:xfrm>
+      </p:grpSpPr>
+      <p:sp>
+        <p:nvSpPr>
+          <p:cNvPr id="2" name="テキスト プレースホルダー 1">
+            <a:extLst>
+              <a:ext uri="{FF2B5EF4-FFF2-40B4-BE49-F238E27FC236}">
+                <a16:creationId xmlns:a16="http://schemas.microsoft.com/office/drawing/2014/main" id="{72385883-EC1E-4BCF-8341-2D60DE63D6BC}"/>
+              </a:ext>
+            </a:extLst>
+          </p:cNvPr>
+          <p:cNvSpPr>
+            <a:spLocks noGrp="1"/>
+          </p:cNvSpPr>
+          <p:nvPr>
+            <p:ph type="body" sz="quarter" idx="10"/>
+          </p:nvPr>
+        </p:nvSpPr>
+        <p:spPr/>
+        <p:txBody>
+          <a:bodyPr/>
+          <a:lstStyle/>
+          <a:p>
+            <a:r>
+              <a:rPr kumimoji="1" lang="ja-JP" altLang="en-US"/>
+              <a:t>課題</a:t>
+            </a:r>
+            <a:r>
+              <a:rPr kumimoji="1" lang="en-US" altLang="ja-JP"/>
+              <a:t>2 – Step 2</a:t>
+            </a:r>
+            <a:endParaRPr kumimoji="1" lang="ja-JP" altLang="en-US"/>
+          </a:p>
+        </p:txBody>
+      </p:sp>
+      <p:pic>
+        <p:nvPicPr>
+          <p:cNvPr id="3" name="Picture 2" descr="フォルダのイラスト">
+            <a:extLst>
+              <a:ext uri="{FF2B5EF4-FFF2-40B4-BE49-F238E27FC236}">
+                <a16:creationId xmlns:a16="http://schemas.microsoft.com/office/drawing/2014/main" id="{5B2E76CA-90A8-46AF-9D44-276A6A996977}"/>
+              </a:ext>
+            </a:extLst>
+          </p:cNvPr>
+          <p:cNvPicPr>
+            <a:picLocks noChangeAspect="1" noChangeArrowheads="1"/>
+          </p:cNvPicPr>
+          <p:nvPr/>
+        </p:nvPicPr>
+        <p:blipFill>
+          <a:blip r:embed="rId2" cstate="print">
+            <a:extLst>
+              <a:ext uri="{28A0092B-C50C-407E-A947-70E740481C1C}">
+                <a14:useLocalDpi xmlns:a14="http://schemas.microsoft.com/office/drawing/2010/main" val="0"/>
+              </a:ext>
+            </a:extLst>
+          </a:blip>
+          <a:srcRect/>
+          <a:stretch>
+            <a:fillRect/>
+          </a:stretch>
+        </p:blipFill>
+        <p:spPr bwMode="auto">
+          <a:xfrm>
+            <a:off x="539552" y="1124744"/>
+            <a:ext cx="702078" cy="587990"/>
+          </a:xfrm>
+          <a:prstGeom prst="rect">
+            <a:avLst/>
+          </a:prstGeom>
+          <a:noFill/>
+          <a:extLst>
+            <a:ext uri="{909E8E84-426E-40DD-AFC4-6F175D3DCCD1}">
+              <a14:hiddenFill xmlns:a14="http://schemas.microsoft.com/office/drawing/2010/main">
+                <a:solidFill>
+                  <a:srgbClr val="FFFFFF"/>
+                </a:solidFill>
+              </a14:hiddenFill>
+            </a:ext>
+          </a:extLst>
+        </p:spPr>
+      </p:pic>
+      <p:pic>
+        <p:nvPicPr>
+          <p:cNvPr id="4" name="Picture 2" descr="フォルダのイラスト">
+            <a:extLst>
+              <a:ext uri="{FF2B5EF4-FFF2-40B4-BE49-F238E27FC236}">
+                <a16:creationId xmlns:a16="http://schemas.microsoft.com/office/drawing/2014/main" id="{FE45DAE8-E53C-4E2D-97DA-785FC92DF580}"/>
+              </a:ext>
+            </a:extLst>
+          </p:cNvPr>
+          <p:cNvPicPr>
+            <a:picLocks noChangeAspect="1" noChangeArrowheads="1"/>
+          </p:cNvPicPr>
+          <p:nvPr/>
+        </p:nvPicPr>
+        <p:blipFill>
+          <a:blip r:embed="rId2" cstate="print">
+            <a:extLst>
+              <a:ext uri="{28A0092B-C50C-407E-A947-70E740481C1C}">
+                <a14:useLocalDpi xmlns:a14="http://schemas.microsoft.com/office/drawing/2010/main" val="0"/>
+              </a:ext>
+            </a:extLst>
+          </a:blip>
+          <a:srcRect/>
+          <a:stretch>
+            <a:fillRect/>
+          </a:stretch>
+        </p:blipFill>
+        <p:spPr bwMode="auto">
+          <a:xfrm>
+            <a:off x="1763688" y="1124744"/>
+            <a:ext cx="702078" cy="587990"/>
+          </a:xfrm>
+          <a:prstGeom prst="rect">
+            <a:avLst/>
+          </a:prstGeom>
+          <a:noFill/>
+          <a:extLst>
+            <a:ext uri="{909E8E84-426E-40DD-AFC4-6F175D3DCCD1}">
+              <a14:hiddenFill xmlns:a14="http://schemas.microsoft.com/office/drawing/2010/main">
+                <a:solidFill>
+                  <a:srgbClr val="FFFFFF"/>
+                </a:solidFill>
+              </a14:hiddenFill>
+            </a:ext>
+          </a:extLst>
+        </p:spPr>
+      </p:pic>
+      <p:pic>
+        <p:nvPicPr>
+          <p:cNvPr id="5" name="Picture 2" descr="家のイラスト7">
+            <a:extLst>
+              <a:ext uri="{FF2B5EF4-FFF2-40B4-BE49-F238E27FC236}">
+                <a16:creationId xmlns:a16="http://schemas.microsoft.com/office/drawing/2014/main" id="{D2864BC5-A47E-4C5E-B4C0-A75B6E0A0FB8}"/>
+              </a:ext>
+            </a:extLst>
+          </p:cNvPr>
+          <p:cNvPicPr>
+            <a:picLocks noChangeAspect="1" noChangeArrowheads="1"/>
+          </p:cNvPicPr>
+          <p:nvPr/>
+        </p:nvPicPr>
+        <p:blipFill>
+          <a:blip r:embed="rId3" cstate="print">
+            <a:extLst>
+              <a:ext uri="{28A0092B-C50C-407E-A947-70E740481C1C}">
+                <a14:useLocalDpi xmlns:a14="http://schemas.microsoft.com/office/drawing/2010/main" val="0"/>
+              </a:ext>
+            </a:extLst>
+          </a:blip>
+          <a:srcRect/>
+          <a:stretch>
+            <a:fillRect/>
+          </a:stretch>
+        </p:blipFill>
+        <p:spPr bwMode="auto">
+          <a:xfrm>
+            <a:off x="683568" y="1268760"/>
+            <a:ext cx="360040" cy="336637"/>
+          </a:xfrm>
+          <a:prstGeom prst="rect">
+            <a:avLst/>
+          </a:prstGeom>
+          <a:noFill/>
+          <a:extLst>
+            <a:ext uri="{909E8E84-426E-40DD-AFC4-6F175D3DCCD1}">
+              <a14:hiddenFill xmlns:a14="http://schemas.microsoft.com/office/drawing/2010/main">
+                <a:solidFill>
+                  <a:srgbClr val="FFFFFF"/>
+                </a:solidFill>
+              </a14:hiddenFill>
+            </a:ext>
+          </a:extLst>
+        </p:spPr>
+      </p:pic>
+      <p:cxnSp>
+        <p:nvCxnSpPr>
+          <p:cNvPr id="6" name="直線矢印コネクタ 5">
+            <a:extLst>
+              <a:ext uri="{FF2B5EF4-FFF2-40B4-BE49-F238E27FC236}">
+                <a16:creationId xmlns:a16="http://schemas.microsoft.com/office/drawing/2014/main" id="{424016BB-4B20-41CC-903A-49886C6F969E}"/>
+              </a:ext>
+            </a:extLst>
+          </p:cNvPr>
+          <p:cNvCxnSpPr>
+            <a:stCxn id="3" idx="3"/>
+            <a:endCxn id="4" idx="1"/>
+          </p:cNvCxnSpPr>
+          <p:nvPr/>
+        </p:nvCxnSpPr>
+        <p:spPr>
+          <a:xfrm>
+            <a:off x="1241630" y="1418739"/>
+            <a:ext cx="522058" cy="0"/>
+          </a:xfrm>
+          <a:prstGeom prst="straightConnector1">
+            <a:avLst/>
+          </a:prstGeom>
+          <a:ln>
+            <a:solidFill>
+              <a:schemeClr val="tx1"/>
+            </a:solidFill>
+            <a:headEnd type="none" w="med" len="med"/>
+            <a:tailEnd type="none" w="med" len="med"/>
+          </a:ln>
+        </p:spPr>
+        <p:style>
+          <a:lnRef idx="1">
+            <a:schemeClr val="accent1"/>
+          </a:lnRef>
+          <a:fillRef idx="0">
+            <a:schemeClr val="accent1"/>
+          </a:fillRef>
+          <a:effectRef idx="0">
+            <a:schemeClr val="accent1"/>
+          </a:effectRef>
+          <a:fontRef idx="minor">
+            <a:schemeClr val="tx1"/>
+          </a:fontRef>
+        </p:style>
+      </p:cxnSp>
+      <p:pic>
+        <p:nvPicPr>
+          <p:cNvPr id="7" name="Picture 2" descr="フォルダのイラスト">
+            <a:extLst>
+              <a:ext uri="{FF2B5EF4-FFF2-40B4-BE49-F238E27FC236}">
+                <a16:creationId xmlns:a16="http://schemas.microsoft.com/office/drawing/2014/main" id="{9A053635-5149-470D-B67C-2DF25C60F9F5}"/>
+              </a:ext>
+            </a:extLst>
+          </p:cNvPr>
+          <p:cNvPicPr>
+            <a:picLocks noChangeAspect="1" noChangeArrowheads="1"/>
+          </p:cNvPicPr>
+          <p:nvPr/>
+        </p:nvPicPr>
+        <p:blipFill>
+          <a:blip r:embed="rId2" cstate="print">
+            <a:extLst>
+              <a:ext uri="{28A0092B-C50C-407E-A947-70E740481C1C}">
+                <a14:useLocalDpi xmlns:a14="http://schemas.microsoft.com/office/drawing/2010/main" val="0"/>
+              </a:ext>
+            </a:extLst>
+          </a:blip>
+          <a:srcRect/>
+          <a:stretch>
+            <a:fillRect/>
+          </a:stretch>
+        </p:blipFill>
+        <p:spPr bwMode="auto">
+          <a:xfrm>
+            <a:off x="2987824" y="1124744"/>
+            <a:ext cx="702078" cy="587990"/>
+          </a:xfrm>
+          <a:prstGeom prst="rect">
+            <a:avLst/>
+          </a:prstGeom>
+          <a:noFill/>
+          <a:extLst>
+            <a:ext uri="{909E8E84-426E-40DD-AFC4-6F175D3DCCD1}">
+              <a14:hiddenFill xmlns:a14="http://schemas.microsoft.com/office/drawing/2010/main">
+                <a:solidFill>
+                  <a:srgbClr val="FFFFFF"/>
+                </a:solidFill>
+              </a14:hiddenFill>
+            </a:ext>
+          </a:extLst>
+        </p:spPr>
+      </p:pic>
+      <p:cxnSp>
+        <p:nvCxnSpPr>
+          <p:cNvPr id="8" name="直線矢印コネクタ 7">
+            <a:extLst>
+              <a:ext uri="{FF2B5EF4-FFF2-40B4-BE49-F238E27FC236}">
+                <a16:creationId xmlns:a16="http://schemas.microsoft.com/office/drawing/2014/main" id="{3508ABC6-25AB-4146-87F8-3C512F53F142}"/>
+              </a:ext>
+            </a:extLst>
+          </p:cNvPr>
+          <p:cNvCxnSpPr>
+            <a:endCxn id="7" idx="1"/>
+          </p:cNvCxnSpPr>
+          <p:nvPr/>
+        </p:nvCxnSpPr>
+        <p:spPr>
+          <a:xfrm>
+            <a:off x="2465766" y="1418739"/>
+            <a:ext cx="522058" cy="0"/>
+          </a:xfrm>
+          <a:prstGeom prst="straightConnector1">
+            <a:avLst/>
+          </a:prstGeom>
+          <a:ln>
+            <a:solidFill>
+              <a:schemeClr val="tx1"/>
+            </a:solidFill>
+            <a:headEnd type="none" w="med" len="med"/>
+            <a:tailEnd type="none" w="med" len="med"/>
+          </a:ln>
+        </p:spPr>
+        <p:style>
+          <a:lnRef idx="1">
+            <a:schemeClr val="accent1"/>
+          </a:lnRef>
+          <a:fillRef idx="0">
+            <a:schemeClr val="accent1"/>
+          </a:fillRef>
+          <a:effectRef idx="0">
+            <a:schemeClr val="accent1"/>
+          </a:effectRef>
+          <a:fontRef idx="minor">
+            <a:schemeClr val="tx1"/>
+          </a:fontRef>
+        </p:style>
+      </p:cxnSp>
+      <p:sp>
+        <p:nvSpPr>
+          <p:cNvPr id="9" name="テキスト ボックス 8">
+            <a:extLst>
+              <a:ext uri="{FF2B5EF4-FFF2-40B4-BE49-F238E27FC236}">
+                <a16:creationId xmlns:a16="http://schemas.microsoft.com/office/drawing/2014/main" id="{0E11C108-C2E2-43F7-96C6-7D892A705DD5}"/>
+              </a:ext>
+            </a:extLst>
+          </p:cNvPr>
+          <p:cNvSpPr txBox="1"/>
+          <p:nvPr/>
+        </p:nvSpPr>
+        <p:spPr>
+          <a:xfrm>
+            <a:off x="1763688" y="1700808"/>
+            <a:ext cx="813043" cy="369332"/>
+          </a:xfrm>
+          <a:prstGeom prst="rect">
+            <a:avLst/>
+          </a:prstGeom>
+          <a:noFill/>
+        </p:spPr>
+        <p:txBody>
+          <a:bodyPr wrap="none" rtlCol="0">
+            <a:spAutoFit/>
+          </a:bodyPr>
+          <a:lstStyle/>
+          <a:p>
+            <a:r>
+              <a:rPr kumimoji="1" lang="en-US" altLang="ja-JP" dirty="0" err="1"/>
+              <a:t>github</a:t>
+            </a:r>
+            <a:endParaRPr kumimoji="1" lang="ja-JP" altLang="en-US" dirty="0"/>
+          </a:p>
+        </p:txBody>
+      </p:sp>
+      <p:sp>
+        <p:nvSpPr>
+          <p:cNvPr id="10" name="テキスト ボックス 9">
+            <a:extLst>
+              <a:ext uri="{FF2B5EF4-FFF2-40B4-BE49-F238E27FC236}">
+                <a16:creationId xmlns:a16="http://schemas.microsoft.com/office/drawing/2014/main" id="{ABED409F-6B5A-4365-868D-5DACADC6EE35}"/>
+              </a:ext>
+            </a:extLst>
+          </p:cNvPr>
+          <p:cNvSpPr txBox="1"/>
+          <p:nvPr/>
+        </p:nvSpPr>
+        <p:spPr>
+          <a:xfrm>
+            <a:off x="3059832" y="1700808"/>
+            <a:ext cx="684803" cy="369332"/>
+          </a:xfrm>
+          <a:prstGeom prst="rect">
+            <a:avLst/>
+          </a:prstGeom>
+          <a:noFill/>
+        </p:spPr>
+        <p:txBody>
+          <a:bodyPr wrap="none" rtlCol="0">
+            <a:spAutoFit/>
+          </a:bodyPr>
+          <a:lstStyle/>
+          <a:p>
+            <a:r>
+              <a:rPr kumimoji="1" lang="en-US" altLang="ja-JP"/>
+              <a:t>test2</a:t>
+            </a:r>
+            <a:endParaRPr kumimoji="1" lang="ja-JP" altLang="en-US" dirty="0"/>
+          </a:p>
+        </p:txBody>
+      </p:sp>
+      <p:sp>
+        <p:nvSpPr>
+          <p:cNvPr id="11" name="テキスト ボックス 10">
+            <a:extLst>
+              <a:ext uri="{FF2B5EF4-FFF2-40B4-BE49-F238E27FC236}">
+                <a16:creationId xmlns:a16="http://schemas.microsoft.com/office/drawing/2014/main" id="{8FA1D426-66DF-4150-B2F2-3EAAD23B33A1}"/>
+              </a:ext>
+            </a:extLst>
+          </p:cNvPr>
+          <p:cNvSpPr txBox="1"/>
+          <p:nvPr/>
+        </p:nvSpPr>
+        <p:spPr>
+          <a:xfrm>
+            <a:off x="4572000" y="1378868"/>
+            <a:ext cx="3352200" cy="369332"/>
+          </a:xfrm>
+          <a:prstGeom prst="rect">
+            <a:avLst/>
+          </a:prstGeom>
+          <a:noFill/>
+        </p:spPr>
+        <p:txBody>
+          <a:bodyPr wrap="none" rtlCol="0">
+            <a:spAutoFit/>
+          </a:bodyPr>
+          <a:lstStyle/>
+          <a:p>
+            <a:r>
+              <a:rPr kumimoji="1" lang="en-US" altLang="ja-JP"/>
+              <a:t>VSCod</a:t>
+            </a:r>
+            <a:r>
+              <a:rPr lang="en-US" altLang="ja-JP"/>
+              <a:t>e</a:t>
+            </a:r>
+            <a:r>
+              <a:rPr lang="ja-JP" altLang="en-US"/>
+              <a:t>でこのフォルダを開く</a:t>
+            </a:r>
+            <a:endParaRPr kumimoji="1" lang="ja-JP" altLang="en-US"/>
+          </a:p>
+        </p:txBody>
+      </p:sp>
+      <p:sp>
+        <p:nvSpPr>
+          <p:cNvPr id="12" name="四角形: 角を丸くする 11">
+            <a:extLst>
+              <a:ext uri="{FF2B5EF4-FFF2-40B4-BE49-F238E27FC236}">
+                <a16:creationId xmlns:a16="http://schemas.microsoft.com/office/drawing/2014/main" id="{CB9215D8-8C97-4F64-B1F0-4EB72EAB874F}"/>
+              </a:ext>
+            </a:extLst>
+          </p:cNvPr>
+          <p:cNvSpPr/>
+          <p:nvPr/>
+        </p:nvSpPr>
+        <p:spPr>
+          <a:xfrm>
+            <a:off x="2843808" y="1052736"/>
+            <a:ext cx="1080120" cy="1008112"/>
+          </a:xfrm>
+          <a:prstGeom prst="roundRect">
+            <a:avLst/>
+          </a:prstGeom>
+          <a:noFill/>
+          <a:ln w="38100">
+            <a:solidFill>
+              <a:srgbClr val="FF0000"/>
+            </a:solidFill>
+          </a:ln>
+        </p:spPr>
+        <p:style>
+          <a:lnRef idx="2">
+            <a:schemeClr val="accent1">
+              <a:shade val="50000"/>
+            </a:schemeClr>
+          </a:lnRef>
+          <a:fillRef idx="1">
+            <a:schemeClr val="accent1"/>
+          </a:fillRef>
+          <a:effectRef idx="0">
+            <a:schemeClr val="accent1"/>
+          </a:effectRef>
+          <a:fontRef idx="minor">
+            <a:schemeClr val="lt1"/>
+          </a:fontRef>
+        </p:style>
+        <p:txBody>
+          <a:bodyPr rtlCol="0" anchor="ctr"/>
+          <a:lstStyle/>
+          <a:p>
+            <a:pPr algn="ctr"/>
+            <a:endParaRPr kumimoji="1" lang="ja-JP" altLang="en-US"/>
+          </a:p>
+        </p:txBody>
+      </p:sp>
+      <p:cxnSp>
+        <p:nvCxnSpPr>
+          <p:cNvPr id="14" name="直線矢印コネクタ 13">
+            <a:extLst>
+              <a:ext uri="{FF2B5EF4-FFF2-40B4-BE49-F238E27FC236}">
+                <a16:creationId xmlns:a16="http://schemas.microsoft.com/office/drawing/2014/main" id="{0C4DD72C-2A95-4D16-B5A0-04B71984FFAD}"/>
+              </a:ext>
+            </a:extLst>
+          </p:cNvPr>
+          <p:cNvCxnSpPr>
+            <a:stCxn id="11" idx="1"/>
+            <a:endCxn id="12" idx="3"/>
+          </p:cNvCxnSpPr>
+          <p:nvPr/>
+        </p:nvCxnSpPr>
+        <p:spPr>
+          <a:xfrm flipH="1" flipV="1">
+            <a:off x="3923928" y="1556792"/>
+            <a:ext cx="648072" cy="6742"/>
+          </a:xfrm>
+          <a:prstGeom prst="straightConnector1">
+            <a:avLst/>
+          </a:prstGeom>
+          <a:ln>
+            <a:solidFill>
+              <a:schemeClr val="tx1"/>
+            </a:solidFill>
+            <a:headEnd type="none" w="med" len="med"/>
+            <a:tailEnd type="triangle"/>
+          </a:ln>
+        </p:spPr>
+        <p:style>
+          <a:lnRef idx="1">
+            <a:schemeClr val="accent1"/>
+          </a:lnRef>
+          <a:fillRef idx="0">
+            <a:schemeClr val="accent1"/>
+          </a:fillRef>
+          <a:effectRef idx="0">
+            <a:schemeClr val="accent1"/>
+          </a:effectRef>
+          <a:fontRef idx="minor">
+            <a:schemeClr val="tx1"/>
+          </a:fontRef>
+        </p:style>
+      </p:cxnSp>
+      <p:pic>
+        <p:nvPicPr>
+          <p:cNvPr id="16" name="図 15">
+            <a:extLst>
+              <a:ext uri="{FF2B5EF4-FFF2-40B4-BE49-F238E27FC236}">
+                <a16:creationId xmlns:a16="http://schemas.microsoft.com/office/drawing/2014/main" id="{4073B57A-A870-4D0B-BCD3-53B0C6D0A691}"/>
+              </a:ext>
+            </a:extLst>
+          </p:cNvPr>
+          <p:cNvPicPr>
+            <a:picLocks noChangeAspect="1"/>
+          </p:cNvPicPr>
+          <p:nvPr/>
+        </p:nvPicPr>
+        <p:blipFill>
+          <a:blip r:embed="rId4"/>
+          <a:stretch>
+            <a:fillRect/>
+          </a:stretch>
+        </p:blipFill>
+        <p:spPr>
+          <a:xfrm>
+            <a:off x="539552" y="2562773"/>
+            <a:ext cx="7618152" cy="3888432"/>
+          </a:xfrm>
+          <a:prstGeom prst="rect">
+            <a:avLst/>
+          </a:prstGeom>
+        </p:spPr>
+      </p:pic>
+      <p:sp>
+        <p:nvSpPr>
+          <p:cNvPr id="17" name="四角形: 角を丸くする 16">
+            <a:extLst>
+              <a:ext uri="{FF2B5EF4-FFF2-40B4-BE49-F238E27FC236}">
+                <a16:creationId xmlns:a16="http://schemas.microsoft.com/office/drawing/2014/main" id="{CBB96288-F33E-4E5A-8EA8-D2D8358FDCAF}"/>
+              </a:ext>
+            </a:extLst>
+          </p:cNvPr>
+          <p:cNvSpPr/>
+          <p:nvPr/>
+        </p:nvSpPr>
+        <p:spPr>
+          <a:xfrm>
+            <a:off x="1835696" y="3498877"/>
+            <a:ext cx="360040" cy="296416"/>
+          </a:xfrm>
+          <a:prstGeom prst="roundRect">
+            <a:avLst/>
+          </a:prstGeom>
+          <a:noFill/>
+          <a:ln w="38100">
+            <a:solidFill>
+              <a:srgbClr val="FF0000"/>
+            </a:solidFill>
+          </a:ln>
+        </p:spPr>
+        <p:style>
+          <a:lnRef idx="2">
+            <a:schemeClr val="accent1">
+              <a:shade val="50000"/>
+            </a:schemeClr>
+          </a:lnRef>
+          <a:fillRef idx="1">
+            <a:schemeClr val="accent1"/>
+          </a:fillRef>
+          <a:effectRef idx="0">
+            <a:schemeClr val="accent1"/>
+          </a:effectRef>
+          <a:fontRef idx="minor">
+            <a:schemeClr val="lt1"/>
+          </a:fontRef>
+        </p:style>
+        <p:txBody>
+          <a:bodyPr rtlCol="0" anchor="ctr"/>
+          <a:lstStyle/>
+          <a:p>
+            <a:pPr algn="ctr"/>
+            <a:endParaRPr kumimoji="1" lang="ja-JP" altLang="en-US"/>
+          </a:p>
+        </p:txBody>
+      </p:sp>
+      <p:sp>
+        <p:nvSpPr>
+          <p:cNvPr id="18" name="四角形: 角を丸くする 17">
+            <a:extLst>
+              <a:ext uri="{FF2B5EF4-FFF2-40B4-BE49-F238E27FC236}">
+                <a16:creationId xmlns:a16="http://schemas.microsoft.com/office/drawing/2014/main" id="{D227AF5A-A4AF-4663-89BB-B4C13D029825}"/>
+              </a:ext>
+            </a:extLst>
+          </p:cNvPr>
+          <p:cNvSpPr/>
+          <p:nvPr/>
+        </p:nvSpPr>
+        <p:spPr>
+          <a:xfrm>
+            <a:off x="1331640" y="3786909"/>
+            <a:ext cx="1791816" cy="279648"/>
+          </a:xfrm>
+          <a:prstGeom prst="roundRect">
+            <a:avLst/>
+          </a:prstGeom>
+          <a:noFill/>
+          <a:ln w="38100">
+            <a:solidFill>
+              <a:srgbClr val="FF0000"/>
+            </a:solidFill>
+          </a:ln>
+        </p:spPr>
+        <p:style>
+          <a:lnRef idx="2">
+            <a:schemeClr val="accent1">
+              <a:shade val="50000"/>
+            </a:schemeClr>
+          </a:lnRef>
+          <a:fillRef idx="1">
+            <a:schemeClr val="accent1"/>
+          </a:fillRef>
+          <a:effectRef idx="0">
+            <a:schemeClr val="accent1"/>
+          </a:effectRef>
+          <a:fontRef idx="minor">
+            <a:schemeClr val="lt1"/>
+          </a:fontRef>
+        </p:style>
+        <p:txBody>
+          <a:bodyPr rtlCol="0" anchor="ctr"/>
+          <a:lstStyle/>
+          <a:p>
+            <a:pPr algn="ctr"/>
+            <a:endParaRPr kumimoji="1" lang="ja-JP" altLang="en-US"/>
+          </a:p>
+        </p:txBody>
+      </p:sp>
+      <p:sp>
+        <p:nvSpPr>
+          <p:cNvPr id="19" name="テキスト ボックス 18">
+            <a:extLst>
+              <a:ext uri="{FF2B5EF4-FFF2-40B4-BE49-F238E27FC236}">
+                <a16:creationId xmlns:a16="http://schemas.microsoft.com/office/drawing/2014/main" id="{616E4FD5-38A9-4E6C-81C0-3C29CEF704D9}"/>
+              </a:ext>
+            </a:extLst>
+          </p:cNvPr>
+          <p:cNvSpPr txBox="1"/>
+          <p:nvPr/>
+        </p:nvSpPr>
+        <p:spPr>
+          <a:xfrm>
+            <a:off x="323528" y="2130725"/>
+            <a:ext cx="1800493" cy="369332"/>
+          </a:xfrm>
+          <a:prstGeom prst="rect">
+            <a:avLst/>
+          </a:prstGeom>
+          <a:noFill/>
+        </p:spPr>
+        <p:txBody>
+          <a:bodyPr wrap="none" rtlCol="0">
+            <a:spAutoFit/>
+          </a:bodyPr>
+          <a:lstStyle/>
+          <a:p>
+            <a:r>
+              <a:rPr kumimoji="1" lang="ja-JP" altLang="en-US"/>
+              <a:t>新規作成ボタン</a:t>
+            </a:r>
+          </a:p>
+        </p:txBody>
+      </p:sp>
+      <p:cxnSp>
+        <p:nvCxnSpPr>
+          <p:cNvPr id="21" name="コネクタ: カギ線 20">
+            <a:extLst>
+              <a:ext uri="{FF2B5EF4-FFF2-40B4-BE49-F238E27FC236}">
+                <a16:creationId xmlns:a16="http://schemas.microsoft.com/office/drawing/2014/main" id="{0484EE13-7159-4D3E-91AD-D760883CD9A3}"/>
+              </a:ext>
+            </a:extLst>
+          </p:cNvPr>
+          <p:cNvCxnSpPr>
+            <a:stCxn id="19" idx="3"/>
+            <a:endCxn id="17" idx="3"/>
+          </p:cNvCxnSpPr>
+          <p:nvPr/>
+        </p:nvCxnSpPr>
+        <p:spPr>
+          <a:xfrm>
+            <a:off x="2124021" y="2315391"/>
+            <a:ext cx="71715" cy="1331694"/>
+          </a:xfrm>
+          <a:prstGeom prst="bentConnector3">
+            <a:avLst>
+              <a:gd name="adj1" fmla="val 418762"/>
+            </a:avLst>
+          </a:prstGeom>
+          <a:ln w="28575">
+            <a:solidFill>
+              <a:srgbClr val="00B050"/>
+            </a:solidFill>
+            <a:headEnd type="none" w="med" len="med"/>
+            <a:tailEnd type="triangle"/>
+          </a:ln>
+        </p:spPr>
+        <p:style>
+          <a:lnRef idx="1">
+            <a:schemeClr val="accent1"/>
+          </a:lnRef>
+          <a:fillRef idx="0">
+            <a:schemeClr val="accent1"/>
+          </a:fillRef>
+          <a:effectRef idx="0">
+            <a:schemeClr val="accent1"/>
+          </a:effectRef>
+          <a:fontRef idx="minor">
+            <a:schemeClr val="tx1"/>
+          </a:fontRef>
+        </p:style>
+      </p:cxnSp>
+      <p:sp>
+        <p:nvSpPr>
+          <p:cNvPr id="22" name="テキスト ボックス 21">
+            <a:extLst>
+              <a:ext uri="{FF2B5EF4-FFF2-40B4-BE49-F238E27FC236}">
+                <a16:creationId xmlns:a16="http://schemas.microsoft.com/office/drawing/2014/main" id="{7D3C2E00-B73C-48C2-961A-01CC30707B1D}"/>
+              </a:ext>
+            </a:extLst>
+          </p:cNvPr>
+          <p:cNvSpPr txBox="1"/>
+          <p:nvPr/>
+        </p:nvSpPr>
+        <p:spPr>
+          <a:xfrm>
+            <a:off x="4788024" y="5085184"/>
+            <a:ext cx="2249334" cy="369332"/>
+          </a:xfrm>
+          <a:prstGeom prst="rect">
+            <a:avLst/>
+          </a:prstGeom>
+          <a:solidFill>
+            <a:schemeClr val="bg1"/>
+          </a:solidFill>
+        </p:spPr>
+        <p:txBody>
+          <a:bodyPr wrap="none" rtlCol="0">
+            <a:spAutoFit/>
+          </a:bodyPr>
+          <a:lstStyle/>
+          <a:p>
+            <a:r>
+              <a:rPr kumimoji="1" lang="en-US" altLang="ja-JP"/>
+              <a:t>README.md</a:t>
+            </a:r>
+            <a:r>
+              <a:rPr kumimoji="1" lang="ja-JP" altLang="en-US"/>
+              <a:t>を作成</a:t>
+            </a:r>
+          </a:p>
+        </p:txBody>
+      </p:sp>
+      <p:cxnSp>
+        <p:nvCxnSpPr>
+          <p:cNvPr id="23" name="コネクタ: カギ線 22">
+            <a:extLst>
+              <a:ext uri="{FF2B5EF4-FFF2-40B4-BE49-F238E27FC236}">
+                <a16:creationId xmlns:a16="http://schemas.microsoft.com/office/drawing/2014/main" id="{C350E1F3-9F47-40EA-BF50-C08F556036AE}"/>
+              </a:ext>
+            </a:extLst>
+          </p:cNvPr>
+          <p:cNvCxnSpPr>
+            <a:cxnSpLocks/>
+            <a:stCxn id="22" idx="1"/>
+            <a:endCxn id="18" idx="2"/>
+          </p:cNvCxnSpPr>
+          <p:nvPr/>
+        </p:nvCxnSpPr>
+        <p:spPr>
+          <a:xfrm rot="10800000">
+            <a:off x="2227548" y="4066558"/>
+            <a:ext cx="2560476" cy="1203293"/>
+          </a:xfrm>
+          <a:prstGeom prst="bentConnector2">
+            <a:avLst/>
+          </a:prstGeom>
+          <a:ln w="28575">
+            <a:solidFill>
+              <a:srgbClr val="00B050"/>
+            </a:solidFill>
+            <a:headEnd type="none" w="med" len="med"/>
+            <a:tailEnd type="triangle"/>
+          </a:ln>
+        </p:spPr>
+        <p:style>
+          <a:lnRef idx="1">
+            <a:schemeClr val="accent1"/>
+          </a:lnRef>
+          <a:fillRef idx="0">
+            <a:schemeClr val="accent1"/>
+          </a:fillRef>
+          <a:effectRef idx="0">
+            <a:schemeClr val="accent1"/>
+          </a:effectRef>
+          <a:fontRef idx="minor">
+            <a:schemeClr val="tx1"/>
+          </a:fontRef>
+        </p:style>
+      </p:cxnSp>
+    </p:spTree>
+    <p:extLst>
+      <p:ext uri="{BB962C8B-B14F-4D97-AF65-F5344CB8AC3E}">
+        <p14:creationId xmlns:p14="http://schemas.microsoft.com/office/powerpoint/2010/main" val="3554741039"/>
+      </p:ext>
+    </p:extLst>
+  </p:cSld>
+  <p:clrMapOvr>
+    <a:masterClrMapping/>
+  </p:clrMapOvr>
+</p:sld>
+</file>
+
+<file path=ppt/slides/slide26.xml><?xml version="1.0" encoding="utf-8"?>
+<p:sld xmlns:a="http://schemas.openxmlformats.org/drawingml/2006/main" xmlns:r="http://schemas.openxmlformats.org/officeDocument/2006/relationships" xmlns:p="http://schemas.openxmlformats.org/presentationml/2006/main">
+  <p:cSld>
+    <p:spTree>
+      <p:nvGrpSpPr>
+        <p:cNvPr id="1" name=""/>
+        <p:cNvGrpSpPr/>
+        <p:nvPr/>
+      </p:nvGrpSpPr>
+      <p:grpSpPr>
+        <a:xfrm>
+          <a:off x="0" y="0"/>
+          <a:ext cx="0" cy="0"/>
+          <a:chOff x="0" y="0"/>
+          <a:chExt cx="0" cy="0"/>
+        </a:xfrm>
+      </p:grpSpPr>
+      <p:sp>
+        <p:nvSpPr>
+          <p:cNvPr id="2" name="テキスト プレースホルダー 1">
+            <a:extLst>
+              <a:ext uri="{FF2B5EF4-FFF2-40B4-BE49-F238E27FC236}">
+                <a16:creationId xmlns:a16="http://schemas.microsoft.com/office/drawing/2014/main" id="{9A3C511D-AB75-4EBD-A80F-0C2B6075EA99}"/>
+              </a:ext>
+            </a:extLst>
+          </p:cNvPr>
+          <p:cNvSpPr>
+            <a:spLocks noGrp="1"/>
+          </p:cNvSpPr>
+          <p:nvPr>
+            <p:ph type="body" sz="quarter" idx="10"/>
+          </p:nvPr>
+        </p:nvSpPr>
+        <p:spPr/>
+        <p:txBody>
+          <a:bodyPr/>
+          <a:lstStyle/>
+          <a:p>
+            <a:r>
+              <a:rPr kumimoji="1" lang="ja-JP" altLang="en-US"/>
+              <a:t>課題</a:t>
+            </a:r>
+            <a:r>
+              <a:rPr kumimoji="1" lang="en-US" altLang="ja-JP"/>
+              <a:t>2 – Step 1</a:t>
+            </a:r>
+            <a:endParaRPr kumimoji="1" lang="ja-JP" altLang="en-US"/>
+          </a:p>
+        </p:txBody>
+      </p:sp>
+      <p:sp>
+        <p:nvSpPr>
+          <p:cNvPr id="4" name="テキスト ボックス 3">
+            <a:extLst>
+              <a:ext uri="{FF2B5EF4-FFF2-40B4-BE49-F238E27FC236}">
+                <a16:creationId xmlns:a16="http://schemas.microsoft.com/office/drawing/2014/main" id="{2F5F7287-67E0-4856-8EAD-146F7CFF458C}"/>
+              </a:ext>
+            </a:extLst>
+          </p:cNvPr>
+          <p:cNvSpPr txBox="1"/>
+          <p:nvPr/>
+        </p:nvSpPr>
+        <p:spPr>
+          <a:xfrm>
+            <a:off x="395536" y="1268760"/>
+            <a:ext cx="6336704" cy="1384995"/>
+          </a:xfrm>
+          <a:prstGeom prst="rect">
+            <a:avLst/>
+          </a:prstGeom>
+          <a:noFill/>
+          <a:ln>
+            <a:solidFill>
+              <a:schemeClr val="tx1"/>
+            </a:solidFill>
+          </a:ln>
+        </p:spPr>
+        <p:txBody>
+          <a:bodyPr wrap="square">
+            <a:spAutoFit/>
+          </a:bodyPr>
+          <a:lstStyle/>
+          <a:p>
+            <a:r>
+              <a:rPr lang="ja-JP" altLang="en-US" sz="2800">
+                <a:latin typeface="Consolas" panose="020B0609020204030204" pitchFamily="49" charset="0"/>
+              </a:rPr>
+              <a:t>git init</a:t>
+            </a:r>
+          </a:p>
+          <a:p>
+            <a:r>
+              <a:rPr lang="ja-JP" altLang="en-US" sz="2800">
+                <a:latin typeface="Consolas" panose="020B0609020204030204" pitchFamily="49" charset="0"/>
+              </a:rPr>
+              <a:t>git add README.md</a:t>
+            </a:r>
+          </a:p>
+          <a:p>
+            <a:r>
+              <a:rPr lang="ja-JP" altLang="en-US" sz="2800">
+                <a:latin typeface="Consolas" panose="020B0609020204030204" pitchFamily="49" charset="0"/>
+              </a:rPr>
+              <a:t>git commit -m "initial commit"</a:t>
+            </a:r>
+          </a:p>
+        </p:txBody>
+      </p:sp>
+      <p:pic>
+        <p:nvPicPr>
+          <p:cNvPr id="5" name="Picture 2" descr="フォルダのイラスト">
+            <a:extLst>
+              <a:ext uri="{FF2B5EF4-FFF2-40B4-BE49-F238E27FC236}">
+                <a16:creationId xmlns:a16="http://schemas.microsoft.com/office/drawing/2014/main" id="{4005DAA7-42FC-43AE-BB1D-F304B3665D13}"/>
+              </a:ext>
+            </a:extLst>
+          </p:cNvPr>
+          <p:cNvPicPr>
+            <a:picLocks noChangeAspect="1" noChangeArrowheads="1"/>
+          </p:cNvPicPr>
+          <p:nvPr/>
+        </p:nvPicPr>
+        <p:blipFill>
+          <a:blip r:embed="rId2" cstate="print">
+            <a:extLst>
+              <a:ext uri="{28A0092B-C50C-407E-A947-70E740481C1C}">
+                <a14:useLocalDpi xmlns:a14="http://schemas.microsoft.com/office/drawing/2010/main" val="0"/>
+              </a:ext>
+            </a:extLst>
+          </a:blip>
+          <a:srcRect/>
+          <a:stretch>
+            <a:fillRect/>
+          </a:stretch>
+        </p:blipFill>
+        <p:spPr bwMode="auto">
+          <a:xfrm>
+            <a:off x="611560" y="4005064"/>
+            <a:ext cx="702078" cy="587990"/>
+          </a:xfrm>
+          <a:prstGeom prst="rect">
+            <a:avLst/>
+          </a:prstGeom>
+          <a:noFill/>
+          <a:extLst>
+            <a:ext uri="{909E8E84-426E-40DD-AFC4-6F175D3DCCD1}">
+              <a14:hiddenFill xmlns:a14="http://schemas.microsoft.com/office/drawing/2010/main">
+                <a:solidFill>
+                  <a:srgbClr val="FFFFFF"/>
+                </a:solidFill>
+              </a14:hiddenFill>
+            </a:ext>
+          </a:extLst>
+        </p:spPr>
+      </p:pic>
+      <p:pic>
+        <p:nvPicPr>
+          <p:cNvPr id="6" name="Picture 2" descr="フォルダのイラスト">
+            <a:extLst>
+              <a:ext uri="{FF2B5EF4-FFF2-40B4-BE49-F238E27FC236}">
+                <a16:creationId xmlns:a16="http://schemas.microsoft.com/office/drawing/2014/main" id="{9AF5A1F4-65D1-4860-B3EA-F5E2AA9BAAAD}"/>
+              </a:ext>
+            </a:extLst>
+          </p:cNvPr>
+          <p:cNvPicPr>
+            <a:picLocks noChangeAspect="1" noChangeArrowheads="1"/>
+          </p:cNvPicPr>
+          <p:nvPr/>
+        </p:nvPicPr>
+        <p:blipFill>
+          <a:blip r:embed="rId2" cstate="print">
+            <a:extLst>
+              <a:ext uri="{28A0092B-C50C-407E-A947-70E740481C1C}">
+                <a14:useLocalDpi xmlns:a14="http://schemas.microsoft.com/office/drawing/2010/main" val="0"/>
+              </a:ext>
+            </a:extLst>
+          </a:blip>
+          <a:srcRect/>
+          <a:stretch>
+            <a:fillRect/>
+          </a:stretch>
+        </p:blipFill>
+        <p:spPr bwMode="auto">
+          <a:xfrm>
+            <a:off x="1835696" y="4005064"/>
+            <a:ext cx="702078" cy="587990"/>
+          </a:xfrm>
+          <a:prstGeom prst="rect">
+            <a:avLst/>
+          </a:prstGeom>
+          <a:noFill/>
+          <a:extLst>
+            <a:ext uri="{909E8E84-426E-40DD-AFC4-6F175D3DCCD1}">
+              <a14:hiddenFill xmlns:a14="http://schemas.microsoft.com/office/drawing/2010/main">
+                <a:solidFill>
+                  <a:srgbClr val="FFFFFF"/>
+                </a:solidFill>
+              </a14:hiddenFill>
+            </a:ext>
+          </a:extLst>
+        </p:spPr>
+      </p:pic>
+      <p:sp>
+        <p:nvSpPr>
+          <p:cNvPr id="7" name="テキスト ボックス 6">
+            <a:extLst>
+              <a:ext uri="{FF2B5EF4-FFF2-40B4-BE49-F238E27FC236}">
+                <a16:creationId xmlns:a16="http://schemas.microsoft.com/office/drawing/2014/main" id="{AFD93023-CC7F-438F-8D1B-3D683DE12681}"/>
+              </a:ext>
+            </a:extLst>
+          </p:cNvPr>
+          <p:cNvSpPr txBox="1"/>
+          <p:nvPr/>
+        </p:nvSpPr>
+        <p:spPr>
+          <a:xfrm>
+            <a:off x="1763688" y="4509120"/>
+            <a:ext cx="813043" cy="369332"/>
+          </a:xfrm>
+          <a:prstGeom prst="rect">
+            <a:avLst/>
+          </a:prstGeom>
+          <a:noFill/>
+        </p:spPr>
+        <p:txBody>
+          <a:bodyPr wrap="none" rtlCol="0">
+            <a:spAutoFit/>
+          </a:bodyPr>
+          <a:lstStyle/>
+          <a:p>
+            <a:r>
+              <a:rPr kumimoji="1" lang="en-US" altLang="ja-JP" dirty="0" err="1"/>
+              <a:t>github</a:t>
+            </a:r>
+            <a:endParaRPr kumimoji="1" lang="ja-JP" altLang="en-US" dirty="0"/>
+          </a:p>
+        </p:txBody>
+      </p:sp>
+      <p:pic>
+        <p:nvPicPr>
+          <p:cNvPr id="8" name="Picture 2" descr="家のイラスト7">
+            <a:extLst>
+              <a:ext uri="{FF2B5EF4-FFF2-40B4-BE49-F238E27FC236}">
+                <a16:creationId xmlns:a16="http://schemas.microsoft.com/office/drawing/2014/main" id="{1D0D7CD0-7C9E-4DD5-A4DF-FA1C749E4662}"/>
+              </a:ext>
+            </a:extLst>
+          </p:cNvPr>
+          <p:cNvPicPr>
+            <a:picLocks noChangeAspect="1" noChangeArrowheads="1"/>
+          </p:cNvPicPr>
+          <p:nvPr/>
+        </p:nvPicPr>
+        <p:blipFill>
+          <a:blip r:embed="rId3" cstate="print">
+            <a:extLst>
+              <a:ext uri="{28A0092B-C50C-407E-A947-70E740481C1C}">
+                <a14:useLocalDpi xmlns:a14="http://schemas.microsoft.com/office/drawing/2010/main" val="0"/>
+              </a:ext>
+            </a:extLst>
+          </a:blip>
+          <a:srcRect/>
+          <a:stretch>
+            <a:fillRect/>
+          </a:stretch>
+        </p:blipFill>
+        <p:spPr bwMode="auto">
+          <a:xfrm>
+            <a:off x="755576" y="4149080"/>
+            <a:ext cx="360040" cy="336637"/>
+          </a:xfrm>
+          <a:prstGeom prst="rect">
+            <a:avLst/>
+          </a:prstGeom>
+          <a:noFill/>
+          <a:extLst>
+            <a:ext uri="{909E8E84-426E-40DD-AFC4-6F175D3DCCD1}">
+              <a14:hiddenFill xmlns:a14="http://schemas.microsoft.com/office/drawing/2010/main">
+                <a:solidFill>
+                  <a:srgbClr val="FFFFFF"/>
+                </a:solidFill>
+              </a14:hiddenFill>
+            </a:ext>
+          </a:extLst>
+        </p:spPr>
+      </p:pic>
+      <p:cxnSp>
+        <p:nvCxnSpPr>
+          <p:cNvPr id="9" name="直線矢印コネクタ 8">
+            <a:extLst>
+              <a:ext uri="{FF2B5EF4-FFF2-40B4-BE49-F238E27FC236}">
+                <a16:creationId xmlns:a16="http://schemas.microsoft.com/office/drawing/2014/main" id="{F27FAE0E-C00D-4EC4-AEB5-547773DB07B9}"/>
+              </a:ext>
+            </a:extLst>
+          </p:cNvPr>
+          <p:cNvCxnSpPr>
+            <a:stCxn id="5" idx="3"/>
+            <a:endCxn id="6" idx="1"/>
+          </p:cNvCxnSpPr>
+          <p:nvPr/>
+        </p:nvCxnSpPr>
+        <p:spPr>
+          <a:xfrm>
+            <a:off x="1313638" y="4299059"/>
+            <a:ext cx="522058" cy="0"/>
+          </a:xfrm>
+          <a:prstGeom prst="straightConnector1">
+            <a:avLst/>
+          </a:prstGeom>
+          <a:ln>
+            <a:solidFill>
+              <a:schemeClr val="tx1"/>
+            </a:solidFill>
+            <a:headEnd type="none" w="med" len="med"/>
+            <a:tailEnd type="none" w="med" len="med"/>
+          </a:ln>
+        </p:spPr>
+        <p:style>
+          <a:lnRef idx="1">
+            <a:schemeClr val="accent1"/>
+          </a:lnRef>
+          <a:fillRef idx="0">
+            <a:schemeClr val="accent1"/>
+          </a:fillRef>
+          <a:effectRef idx="0">
+            <a:schemeClr val="accent1"/>
+          </a:effectRef>
+          <a:fontRef idx="minor">
+            <a:schemeClr val="tx1"/>
+          </a:fontRef>
+        </p:style>
+      </p:cxnSp>
+      <p:pic>
+        <p:nvPicPr>
+          <p:cNvPr id="10" name="Picture 2" descr="フォルダのイラスト">
+            <a:extLst>
+              <a:ext uri="{FF2B5EF4-FFF2-40B4-BE49-F238E27FC236}">
+                <a16:creationId xmlns:a16="http://schemas.microsoft.com/office/drawing/2014/main" id="{422F256C-907A-46EF-8349-33F63746A48D}"/>
+              </a:ext>
+            </a:extLst>
+          </p:cNvPr>
+          <p:cNvPicPr>
+            <a:picLocks noChangeAspect="1" noChangeArrowheads="1"/>
+          </p:cNvPicPr>
+          <p:nvPr/>
+        </p:nvPicPr>
+        <p:blipFill>
+          <a:blip r:embed="rId2" cstate="print">
+            <a:extLst>
+              <a:ext uri="{28A0092B-C50C-407E-A947-70E740481C1C}">
+                <a14:useLocalDpi xmlns:a14="http://schemas.microsoft.com/office/drawing/2010/main" val="0"/>
+              </a:ext>
+            </a:extLst>
+          </a:blip>
+          <a:srcRect/>
+          <a:stretch>
+            <a:fillRect/>
+          </a:stretch>
+        </p:blipFill>
+        <p:spPr bwMode="auto">
+          <a:xfrm>
+            <a:off x="3059832" y="4005064"/>
+            <a:ext cx="702078" cy="587990"/>
+          </a:xfrm>
+          <a:prstGeom prst="rect">
+            <a:avLst/>
+          </a:prstGeom>
+          <a:noFill/>
+          <a:extLst>
+            <a:ext uri="{909E8E84-426E-40DD-AFC4-6F175D3DCCD1}">
+              <a14:hiddenFill xmlns:a14="http://schemas.microsoft.com/office/drawing/2010/main">
+                <a:solidFill>
+                  <a:srgbClr val="FFFFFF"/>
+                </a:solidFill>
+              </a14:hiddenFill>
+            </a:ext>
+          </a:extLst>
+        </p:spPr>
+      </p:pic>
+      <p:cxnSp>
+        <p:nvCxnSpPr>
+          <p:cNvPr id="11" name="直線矢印コネクタ 10">
+            <a:extLst>
+              <a:ext uri="{FF2B5EF4-FFF2-40B4-BE49-F238E27FC236}">
+                <a16:creationId xmlns:a16="http://schemas.microsoft.com/office/drawing/2014/main" id="{D54E2C6C-B2BE-4F26-A18C-99648E87DDDA}"/>
+              </a:ext>
+            </a:extLst>
+          </p:cNvPr>
+          <p:cNvCxnSpPr>
+            <a:endCxn id="10" idx="1"/>
+          </p:cNvCxnSpPr>
+          <p:nvPr/>
+        </p:nvCxnSpPr>
+        <p:spPr>
+          <a:xfrm>
+            <a:off x="2537774" y="4299059"/>
+            <a:ext cx="522058" cy="0"/>
+          </a:xfrm>
+          <a:prstGeom prst="straightConnector1">
+            <a:avLst/>
+          </a:prstGeom>
+          <a:ln>
+            <a:solidFill>
+              <a:schemeClr val="tx1"/>
+            </a:solidFill>
+            <a:headEnd type="none" w="med" len="med"/>
+            <a:tailEnd type="none" w="med" len="med"/>
+          </a:ln>
+        </p:spPr>
+        <p:style>
+          <a:lnRef idx="1">
+            <a:schemeClr val="accent1"/>
+          </a:lnRef>
+          <a:fillRef idx="0">
+            <a:schemeClr val="accent1"/>
+          </a:fillRef>
+          <a:effectRef idx="0">
+            <a:schemeClr val="accent1"/>
+          </a:effectRef>
+          <a:fontRef idx="minor">
+            <a:schemeClr val="tx1"/>
+          </a:fontRef>
+        </p:style>
+      </p:cxnSp>
+      <p:sp>
+        <p:nvSpPr>
+          <p:cNvPr id="12" name="テキスト ボックス 11">
+            <a:extLst>
+              <a:ext uri="{FF2B5EF4-FFF2-40B4-BE49-F238E27FC236}">
+                <a16:creationId xmlns:a16="http://schemas.microsoft.com/office/drawing/2014/main" id="{BFBFB022-DBAF-4C4A-BC11-2301F1507658}"/>
+              </a:ext>
+            </a:extLst>
+          </p:cNvPr>
+          <p:cNvSpPr txBox="1"/>
+          <p:nvPr/>
+        </p:nvSpPr>
+        <p:spPr>
+          <a:xfrm>
+            <a:off x="3059832" y="4509120"/>
+            <a:ext cx="684803" cy="369332"/>
+          </a:xfrm>
+          <a:prstGeom prst="rect">
+            <a:avLst/>
+          </a:prstGeom>
+          <a:noFill/>
+        </p:spPr>
+        <p:txBody>
+          <a:bodyPr wrap="none" rtlCol="0">
+            <a:spAutoFit/>
+          </a:bodyPr>
+          <a:lstStyle/>
+          <a:p>
+            <a:r>
+              <a:rPr kumimoji="1" lang="en-US" altLang="ja-JP"/>
+              <a:t>test2</a:t>
+            </a:r>
+            <a:endParaRPr kumimoji="1" lang="ja-JP" altLang="en-US" dirty="0"/>
+          </a:p>
+        </p:txBody>
+      </p:sp>
+      <p:pic>
+        <p:nvPicPr>
+          <p:cNvPr id="13" name="Picture 4">
+            <a:extLst>
+              <a:ext uri="{FF2B5EF4-FFF2-40B4-BE49-F238E27FC236}">
+                <a16:creationId xmlns:a16="http://schemas.microsoft.com/office/drawing/2014/main" id="{6C776344-742D-4396-A112-F0CBA669F84C}"/>
+              </a:ext>
+            </a:extLst>
+          </p:cNvPr>
+          <p:cNvPicPr>
+            <a:picLocks noChangeAspect="1" noChangeArrowheads="1"/>
+          </p:cNvPicPr>
+          <p:nvPr/>
+        </p:nvPicPr>
+        <p:blipFill>
+          <a:blip r:embed="rId4" cstate="print">
+            <a:extLst>
+              <a:ext uri="{28A0092B-C50C-407E-A947-70E740481C1C}">
+                <a14:useLocalDpi xmlns:a14="http://schemas.microsoft.com/office/drawing/2010/main" val="0"/>
+              </a:ext>
+            </a:extLst>
+          </a:blip>
+          <a:srcRect/>
+          <a:stretch>
+            <a:fillRect/>
+          </a:stretch>
+        </p:blipFill>
+        <p:spPr bwMode="auto">
+          <a:xfrm>
+            <a:off x="3203848" y="4149080"/>
+            <a:ext cx="360040" cy="360040"/>
+          </a:xfrm>
+          <a:prstGeom prst="rect">
+            <a:avLst/>
+          </a:prstGeom>
+          <a:noFill/>
+          <a:extLst>
+            <a:ext uri="{909E8E84-426E-40DD-AFC4-6F175D3DCCD1}">
+              <a14:hiddenFill xmlns:a14="http://schemas.microsoft.com/office/drawing/2010/main">
+                <a:solidFill>
+                  <a:srgbClr val="FFFFFF"/>
+                </a:solidFill>
+              </a14:hiddenFill>
+            </a:ext>
+          </a:extLst>
+        </p:spPr>
+      </p:pic>
+      <p:pic>
+        <p:nvPicPr>
+          <p:cNvPr id="14" name="Picture 2" descr="手を上げている男の子のイラスト">
+            <a:extLst>
+              <a:ext uri="{FF2B5EF4-FFF2-40B4-BE49-F238E27FC236}">
+                <a16:creationId xmlns:a16="http://schemas.microsoft.com/office/drawing/2014/main" id="{BD8E9E40-224B-45F4-9809-B23D330F7D23}"/>
+              </a:ext>
+            </a:extLst>
+          </p:cNvPr>
+          <p:cNvPicPr>
+            <a:picLocks noChangeAspect="1" noChangeArrowheads="1"/>
+          </p:cNvPicPr>
+          <p:nvPr/>
+        </p:nvPicPr>
+        <p:blipFill>
+          <a:blip r:embed="rId5" cstate="print">
+            <a:extLst>
+              <a:ext uri="{28A0092B-C50C-407E-A947-70E740481C1C}">
+                <a14:useLocalDpi xmlns:a14="http://schemas.microsoft.com/office/drawing/2010/main" val="0"/>
+              </a:ext>
+            </a:extLst>
+          </a:blip>
+          <a:srcRect/>
+          <a:stretch>
+            <a:fillRect/>
+          </a:stretch>
+        </p:blipFill>
+        <p:spPr bwMode="auto">
+          <a:xfrm>
+            <a:off x="3212676" y="3356992"/>
+            <a:ext cx="385188" cy="536848"/>
+          </a:xfrm>
+          <a:prstGeom prst="rect">
+            <a:avLst/>
+          </a:prstGeom>
+          <a:noFill/>
+          <a:extLst>
+            <a:ext uri="{909E8E84-426E-40DD-AFC4-6F175D3DCCD1}">
+              <a14:hiddenFill xmlns:a14="http://schemas.microsoft.com/office/drawing/2010/main">
+                <a:solidFill>
+                  <a:srgbClr val="FFFFFF"/>
+                </a:solidFill>
+              </a14:hiddenFill>
+            </a:ext>
+          </a:extLst>
+        </p:spPr>
+      </p:pic>
+      <p:pic>
+        <p:nvPicPr>
+          <p:cNvPr id="16" name="Picture 3" descr="ファイルアイコン（テキスト）">
+            <a:extLst>
+              <a:ext uri="{FF2B5EF4-FFF2-40B4-BE49-F238E27FC236}">
+                <a16:creationId xmlns:a16="http://schemas.microsoft.com/office/drawing/2014/main" id="{D1A67026-4462-4BF8-A881-046597527E83}"/>
+              </a:ext>
+            </a:extLst>
+          </p:cNvPr>
+          <p:cNvPicPr>
+            <a:picLocks noChangeAspect="1" noChangeArrowheads="1"/>
+          </p:cNvPicPr>
+          <p:nvPr/>
+        </p:nvPicPr>
+        <p:blipFill>
+          <a:blip r:embed="rId6" cstate="print">
+            <a:extLst>
+              <a:ext uri="{28A0092B-C50C-407E-A947-70E740481C1C}">
+                <a14:useLocalDpi xmlns:a14="http://schemas.microsoft.com/office/drawing/2010/main" val="0"/>
+              </a:ext>
+            </a:extLst>
+          </a:blip>
+          <a:srcRect/>
+          <a:stretch>
+            <a:fillRect/>
+          </a:stretch>
+        </p:blipFill>
+        <p:spPr bwMode="auto">
+          <a:xfrm>
+            <a:off x="3789437" y="5157192"/>
+            <a:ext cx="552167" cy="641226"/>
+          </a:xfrm>
+          <a:prstGeom prst="rect">
+            <a:avLst/>
+          </a:prstGeom>
+          <a:noFill/>
+          <a:extLst>
+            <a:ext uri="{909E8E84-426E-40DD-AFC4-6F175D3DCCD1}">
+              <a14:hiddenFill xmlns:a14="http://schemas.microsoft.com/office/drawing/2010/main">
+                <a:solidFill>
+                  <a:srgbClr val="FFFFFF"/>
+                </a:solidFill>
+              </a14:hiddenFill>
+            </a:ext>
+          </a:extLst>
+        </p:spPr>
+      </p:pic>
+      <p:sp>
+        <p:nvSpPr>
+          <p:cNvPr id="19" name="テキスト ボックス 18">
+            <a:extLst>
+              <a:ext uri="{FF2B5EF4-FFF2-40B4-BE49-F238E27FC236}">
+                <a16:creationId xmlns:a16="http://schemas.microsoft.com/office/drawing/2014/main" id="{C1863974-C841-4C53-B9C4-90BF1B8C0FF1}"/>
+              </a:ext>
+            </a:extLst>
+          </p:cNvPr>
+          <p:cNvSpPr txBox="1"/>
+          <p:nvPr/>
+        </p:nvSpPr>
+        <p:spPr>
+          <a:xfrm>
+            <a:off x="3635896" y="5805264"/>
+            <a:ext cx="877163" cy="261610"/>
+          </a:xfrm>
+          <a:prstGeom prst="rect">
+            <a:avLst/>
+          </a:prstGeom>
+          <a:noFill/>
+        </p:spPr>
+        <p:txBody>
+          <a:bodyPr wrap="none" rtlCol="0">
+            <a:spAutoFit/>
+          </a:bodyPr>
+          <a:lstStyle/>
+          <a:p>
+            <a:r>
+              <a:rPr kumimoji="1" lang="en-US" altLang="ja-JP" sz="1100">
+                <a:latin typeface="Consolas" panose="020B0609020204030204" pitchFamily="49" charset="0"/>
+              </a:rPr>
+              <a:t>README.md</a:t>
+            </a:r>
+            <a:endParaRPr kumimoji="1" lang="ja-JP" altLang="en-US" sz="1100">
+              <a:latin typeface="Consolas" panose="020B0609020204030204" pitchFamily="49" charset="0"/>
+            </a:endParaRPr>
+          </a:p>
+        </p:txBody>
+      </p:sp>
+      <p:sp>
+        <p:nvSpPr>
+          <p:cNvPr id="21" name="フローチャート: 磁気ディスク 20">
+            <a:extLst>
+              <a:ext uri="{FF2B5EF4-FFF2-40B4-BE49-F238E27FC236}">
+                <a16:creationId xmlns:a16="http://schemas.microsoft.com/office/drawing/2014/main" id="{02BA47CB-9627-4099-BB09-09A22C4F3FB1}"/>
+              </a:ext>
+            </a:extLst>
+          </p:cNvPr>
+          <p:cNvSpPr/>
+          <p:nvPr/>
+        </p:nvSpPr>
+        <p:spPr>
+          <a:xfrm>
+            <a:off x="3142473" y="5301208"/>
+            <a:ext cx="504056" cy="360040"/>
+          </a:xfrm>
+          <a:prstGeom prst="flowChartMagneticDisk">
+            <a:avLst/>
+          </a:prstGeom>
+          <a:solidFill>
+            <a:schemeClr val="bg1">
+              <a:lumMod val="95000"/>
+            </a:schemeClr>
+          </a:solidFill>
+          <a:ln>
+            <a:solidFill>
+              <a:schemeClr val="tx1"/>
+            </a:solidFill>
+          </a:ln>
+        </p:spPr>
+        <p:style>
+          <a:lnRef idx="2">
+            <a:schemeClr val="accent1">
+              <a:shade val="50000"/>
+            </a:schemeClr>
+          </a:lnRef>
+          <a:fillRef idx="1">
+            <a:schemeClr val="accent1"/>
+          </a:fillRef>
+          <a:effectRef idx="0">
+            <a:schemeClr val="accent1"/>
+          </a:effectRef>
+          <a:fontRef idx="minor">
+            <a:schemeClr val="lt1"/>
+          </a:fontRef>
+        </p:style>
+        <p:txBody>
+          <a:bodyPr rtlCol="0" anchor="ctr"/>
+          <a:lstStyle/>
+          <a:p>
+            <a:pPr algn="ctr"/>
+            <a:r>
+              <a:rPr kumimoji="1" lang="en-US" altLang="ja-JP" sz="1100" dirty="0">
+                <a:solidFill>
+                  <a:schemeClr val="tx1"/>
+                </a:solidFill>
+                <a:latin typeface="Consolas" panose="020B0609020204030204" pitchFamily="49" charset="0"/>
+              </a:rPr>
+              <a:t>.git</a:t>
+            </a:r>
+            <a:endParaRPr kumimoji="1" lang="ja-JP" altLang="en-US" sz="1100" dirty="0">
+              <a:solidFill>
+                <a:schemeClr val="tx1"/>
+              </a:solidFill>
+              <a:latin typeface="Consolas" panose="020B0609020204030204" pitchFamily="49" charset="0"/>
+            </a:endParaRPr>
+          </a:p>
+        </p:txBody>
+      </p:sp>
+      <p:cxnSp>
+        <p:nvCxnSpPr>
+          <p:cNvPr id="22" name="直線コネクタ 21">
+            <a:extLst>
+              <a:ext uri="{FF2B5EF4-FFF2-40B4-BE49-F238E27FC236}">
+                <a16:creationId xmlns:a16="http://schemas.microsoft.com/office/drawing/2014/main" id="{9383CF95-33B1-414A-B1F5-D18B1E20983A}"/>
+              </a:ext>
+            </a:extLst>
+          </p:cNvPr>
+          <p:cNvCxnSpPr>
+            <a:stCxn id="21" idx="1"/>
+            <a:endCxn id="12" idx="2"/>
+          </p:cNvCxnSpPr>
+          <p:nvPr/>
+        </p:nvCxnSpPr>
+        <p:spPr>
+          <a:xfrm flipV="1">
+            <a:off x="3394501" y="4878452"/>
+            <a:ext cx="7733" cy="422756"/>
+          </a:xfrm>
+          <a:prstGeom prst="line">
+            <a:avLst/>
+          </a:prstGeom>
+          <a:ln>
+            <a:solidFill>
+              <a:schemeClr val="tx1"/>
+            </a:solidFill>
+            <a:headEnd type="none" w="med" len="med"/>
+            <a:tailEnd type="none" w="med" len="med"/>
+          </a:ln>
+        </p:spPr>
+        <p:style>
+          <a:lnRef idx="1">
+            <a:schemeClr val="accent1"/>
+          </a:lnRef>
+          <a:fillRef idx="0">
+            <a:schemeClr val="accent1"/>
+          </a:fillRef>
+          <a:effectRef idx="0">
+            <a:schemeClr val="accent1"/>
+          </a:effectRef>
+          <a:fontRef idx="minor">
+            <a:schemeClr val="tx1"/>
+          </a:fontRef>
+        </p:style>
+      </p:cxnSp>
+      <p:cxnSp>
+        <p:nvCxnSpPr>
+          <p:cNvPr id="23" name="コネクタ: カギ線 22">
+            <a:extLst>
+              <a:ext uri="{FF2B5EF4-FFF2-40B4-BE49-F238E27FC236}">
+                <a16:creationId xmlns:a16="http://schemas.microsoft.com/office/drawing/2014/main" id="{FCBF1E1A-8CA7-41BD-BC4C-3BCD1EEBD89C}"/>
+              </a:ext>
+            </a:extLst>
+          </p:cNvPr>
+          <p:cNvCxnSpPr>
+            <a:stCxn id="12" idx="2"/>
+            <a:endCxn id="16" idx="0"/>
+          </p:cNvCxnSpPr>
+          <p:nvPr/>
+        </p:nvCxnSpPr>
+        <p:spPr>
+          <a:xfrm rot="16200000" flipH="1">
+            <a:off x="3594507" y="4686178"/>
+            <a:ext cx="278740" cy="663287"/>
+          </a:xfrm>
+          <a:prstGeom prst="bentConnector3">
+            <a:avLst/>
+          </a:prstGeom>
+          <a:ln>
+            <a:solidFill>
+              <a:schemeClr val="tx1"/>
+            </a:solidFill>
+            <a:headEnd type="none" w="med" len="med"/>
+            <a:tailEnd type="none" w="med" len="med"/>
+          </a:ln>
+        </p:spPr>
+        <p:style>
+          <a:lnRef idx="1">
+            <a:schemeClr val="accent1"/>
+          </a:lnRef>
+          <a:fillRef idx="0">
+            <a:schemeClr val="accent1"/>
+          </a:fillRef>
+          <a:effectRef idx="0">
+            <a:schemeClr val="accent1"/>
+          </a:effectRef>
+          <a:fontRef idx="minor">
+            <a:schemeClr val="tx1"/>
+          </a:fontRef>
+        </p:style>
+      </p:cxnSp>
+    </p:spTree>
+    <p:extLst>
+      <p:ext uri="{BB962C8B-B14F-4D97-AF65-F5344CB8AC3E}">
+        <p14:creationId xmlns:p14="http://schemas.microsoft.com/office/powerpoint/2010/main" val="3130588111"/>
+      </p:ext>
+    </p:extLst>
+  </p:cSld>
+  <p:clrMapOvr>
+    <a:masterClrMapping/>
+  </p:clrMapOvr>
+</p:sld>
+</file>
+
+<file path=ppt/slides/slide27.xml><?xml version="1.0" encoding="utf-8"?>
+<p:sld xmlns:a="http://schemas.openxmlformats.org/drawingml/2006/main" xmlns:r="http://schemas.openxmlformats.org/officeDocument/2006/relationships" xmlns:p="http://schemas.openxmlformats.org/presentationml/2006/main">
+  <p:cSld>
+    <p:spTree>
+      <p:nvGrpSpPr>
+        <p:cNvPr id="1" name=""/>
+        <p:cNvGrpSpPr/>
+        <p:nvPr/>
+      </p:nvGrpSpPr>
+      <p:grpSpPr>
+        <a:xfrm>
+          <a:off x="0" y="0"/>
+          <a:ext cx="0" cy="0"/>
+          <a:chOff x="0" y="0"/>
+          <a:chExt cx="0" cy="0"/>
+        </a:xfrm>
+      </p:grpSpPr>
+      <p:sp>
+        <p:nvSpPr>
+          <p:cNvPr id="2" name="テキスト プレースホルダー 1">
+            <a:extLst>
+              <a:ext uri="{FF2B5EF4-FFF2-40B4-BE49-F238E27FC236}">
+                <a16:creationId xmlns:a16="http://schemas.microsoft.com/office/drawing/2014/main" id="{B853C627-3DE8-4071-985E-E4428A8B67D6}"/>
+              </a:ext>
+            </a:extLst>
+          </p:cNvPr>
+          <p:cNvSpPr>
+            <a:spLocks noGrp="1"/>
+          </p:cNvSpPr>
+          <p:nvPr>
+            <p:ph type="body" sz="quarter" idx="10"/>
+          </p:nvPr>
+        </p:nvSpPr>
+        <p:spPr/>
+        <p:txBody>
+          <a:bodyPr/>
+          <a:lstStyle/>
+          <a:p>
+            <a:r>
+              <a:rPr kumimoji="1" lang="ja-JP" altLang="en-US"/>
+              <a:t>課題</a:t>
+            </a:r>
+            <a:r>
+              <a:rPr lang="en-US" altLang="ja-JP"/>
+              <a:t>2</a:t>
+            </a:r>
+            <a:r>
+              <a:rPr kumimoji="1" lang="en-US" altLang="ja-JP"/>
+              <a:t> – Step 2</a:t>
+            </a:r>
+            <a:endParaRPr kumimoji="1" lang="ja-JP" altLang="en-US"/>
+          </a:p>
+        </p:txBody>
+      </p:sp>
+      <p:sp>
+        <p:nvSpPr>
+          <p:cNvPr id="3" name="テキスト ボックス 2">
+            <a:extLst>
+              <a:ext uri="{FF2B5EF4-FFF2-40B4-BE49-F238E27FC236}">
+                <a16:creationId xmlns:a16="http://schemas.microsoft.com/office/drawing/2014/main" id="{EAF17105-B426-4541-A12B-B5AD207C8906}"/>
+              </a:ext>
+            </a:extLst>
+          </p:cNvPr>
+          <p:cNvSpPr txBox="1"/>
+          <p:nvPr/>
+        </p:nvSpPr>
+        <p:spPr>
+          <a:xfrm>
+            <a:off x="323528" y="908720"/>
+            <a:ext cx="5612434" cy="523220"/>
+          </a:xfrm>
+          <a:prstGeom prst="rect">
+            <a:avLst/>
+          </a:prstGeom>
+          <a:noFill/>
+        </p:spPr>
+        <p:txBody>
+          <a:bodyPr wrap="none" rtlCol="0">
+            <a:spAutoFit/>
+          </a:bodyPr>
+          <a:lstStyle/>
+          <a:p>
+            <a:r>
+              <a:rPr kumimoji="1" lang="en-US" altLang="ja-JP" sz="2800"/>
+              <a:t>GitHub</a:t>
+            </a:r>
+            <a:r>
+              <a:rPr kumimoji="1" lang="ja-JP" altLang="en-US" sz="2800"/>
+              <a:t>上にベアリポジトリを作る</a:t>
+            </a:r>
+          </a:p>
+        </p:txBody>
+      </p:sp>
+      <p:pic>
+        <p:nvPicPr>
+          <p:cNvPr id="5" name="図 4">
+            <a:extLst>
+              <a:ext uri="{FF2B5EF4-FFF2-40B4-BE49-F238E27FC236}">
+                <a16:creationId xmlns:a16="http://schemas.microsoft.com/office/drawing/2014/main" id="{59F43244-ABC3-482A-8786-2BD8EBF89DD8}"/>
+              </a:ext>
+            </a:extLst>
+          </p:cNvPr>
+          <p:cNvPicPr>
+            <a:picLocks noChangeAspect="1"/>
+          </p:cNvPicPr>
+          <p:nvPr/>
+        </p:nvPicPr>
+        <p:blipFill>
+          <a:blip r:embed="rId2"/>
+          <a:stretch>
+            <a:fillRect/>
+          </a:stretch>
+        </p:blipFill>
+        <p:spPr>
+          <a:xfrm>
+            <a:off x="467544" y="1484784"/>
+            <a:ext cx="6336704" cy="4951077"/>
+          </a:xfrm>
+          <a:prstGeom prst="rect">
+            <a:avLst/>
+          </a:prstGeom>
+        </p:spPr>
+      </p:pic>
+      <p:sp>
+        <p:nvSpPr>
+          <p:cNvPr id="6" name="四角形: 角を丸くする 5">
+            <a:extLst>
+              <a:ext uri="{FF2B5EF4-FFF2-40B4-BE49-F238E27FC236}">
+                <a16:creationId xmlns:a16="http://schemas.microsoft.com/office/drawing/2014/main" id="{58506C54-2FFF-4D7C-BC04-DF11929AAC4B}"/>
+              </a:ext>
+            </a:extLst>
+          </p:cNvPr>
+          <p:cNvSpPr/>
+          <p:nvPr/>
+        </p:nvSpPr>
+        <p:spPr>
+          <a:xfrm>
+            <a:off x="611560" y="3212976"/>
+            <a:ext cx="4896544" cy="360040"/>
+          </a:xfrm>
+          <a:prstGeom prst="roundRect">
+            <a:avLst/>
+          </a:prstGeom>
+          <a:noFill/>
+          <a:ln w="38100">
+            <a:solidFill>
+              <a:srgbClr val="FF0000"/>
+            </a:solidFill>
+          </a:ln>
+        </p:spPr>
+        <p:style>
+          <a:lnRef idx="2">
+            <a:schemeClr val="accent1">
+              <a:shade val="50000"/>
+            </a:schemeClr>
+          </a:lnRef>
+          <a:fillRef idx="1">
+            <a:schemeClr val="accent1"/>
+          </a:fillRef>
+          <a:effectRef idx="0">
+            <a:schemeClr val="accent1"/>
+          </a:effectRef>
+          <a:fontRef idx="minor">
+            <a:schemeClr val="lt1"/>
+          </a:fontRef>
+        </p:style>
+        <p:txBody>
+          <a:bodyPr rtlCol="0" anchor="ctr"/>
+          <a:lstStyle/>
+          <a:p>
+            <a:pPr algn="ctr"/>
+            <a:endParaRPr kumimoji="1" lang="ja-JP" altLang="en-US"/>
+          </a:p>
+        </p:txBody>
+      </p:sp>
+      <p:sp>
+        <p:nvSpPr>
+          <p:cNvPr id="7" name="四角形: 角を丸くする 6">
+            <a:extLst>
+              <a:ext uri="{FF2B5EF4-FFF2-40B4-BE49-F238E27FC236}">
+                <a16:creationId xmlns:a16="http://schemas.microsoft.com/office/drawing/2014/main" id="{E1D55031-D29E-4454-B47B-8E60FFB9C338}"/>
+              </a:ext>
+            </a:extLst>
+          </p:cNvPr>
+          <p:cNvSpPr/>
+          <p:nvPr/>
+        </p:nvSpPr>
+        <p:spPr>
+          <a:xfrm>
+            <a:off x="611560" y="4005064"/>
+            <a:ext cx="4896544" cy="432048"/>
+          </a:xfrm>
+          <a:prstGeom prst="roundRect">
+            <a:avLst/>
+          </a:prstGeom>
+          <a:noFill/>
+          <a:ln w="38100">
+            <a:solidFill>
+              <a:srgbClr val="FF0000"/>
+            </a:solidFill>
+          </a:ln>
+        </p:spPr>
+        <p:style>
+          <a:lnRef idx="2">
+            <a:schemeClr val="accent1">
+              <a:shade val="50000"/>
+            </a:schemeClr>
+          </a:lnRef>
+          <a:fillRef idx="1">
+            <a:schemeClr val="accent1"/>
+          </a:fillRef>
+          <a:effectRef idx="0">
+            <a:schemeClr val="accent1"/>
+          </a:effectRef>
+          <a:fontRef idx="minor">
+            <a:schemeClr val="lt1"/>
+          </a:fontRef>
+        </p:style>
+        <p:txBody>
+          <a:bodyPr rtlCol="0" anchor="ctr"/>
+          <a:lstStyle/>
+          <a:p>
+            <a:pPr algn="ctr"/>
+            <a:endParaRPr kumimoji="1" lang="ja-JP" altLang="en-US"/>
+          </a:p>
+        </p:txBody>
+      </p:sp>
+      <p:sp>
+        <p:nvSpPr>
+          <p:cNvPr id="8" name="四角形: 角を丸くする 7">
+            <a:extLst>
+              <a:ext uri="{FF2B5EF4-FFF2-40B4-BE49-F238E27FC236}">
+                <a16:creationId xmlns:a16="http://schemas.microsoft.com/office/drawing/2014/main" id="{8E0183DB-E30C-4F4C-9246-2B0C1184F5C4}"/>
+              </a:ext>
+            </a:extLst>
+          </p:cNvPr>
+          <p:cNvSpPr/>
+          <p:nvPr/>
+        </p:nvSpPr>
+        <p:spPr>
+          <a:xfrm>
+            <a:off x="611560" y="4797152"/>
+            <a:ext cx="216024" cy="1080120"/>
+          </a:xfrm>
+          <a:prstGeom prst="roundRect">
+            <a:avLst/>
+          </a:prstGeom>
+          <a:noFill/>
+          <a:ln w="38100">
+            <a:solidFill>
+              <a:srgbClr val="FF0000"/>
+            </a:solidFill>
+          </a:ln>
+        </p:spPr>
+        <p:style>
+          <a:lnRef idx="2">
+            <a:schemeClr val="accent1">
+              <a:shade val="50000"/>
+            </a:schemeClr>
+          </a:lnRef>
+          <a:fillRef idx="1">
+            <a:schemeClr val="accent1"/>
+          </a:fillRef>
+          <a:effectRef idx="0">
+            <a:schemeClr val="accent1"/>
+          </a:effectRef>
+          <a:fontRef idx="minor">
+            <a:schemeClr val="lt1"/>
+          </a:fontRef>
+        </p:style>
+        <p:txBody>
+          <a:bodyPr rtlCol="0" anchor="ctr"/>
+          <a:lstStyle/>
+          <a:p>
+            <a:pPr algn="ctr"/>
+            <a:endParaRPr kumimoji="1" lang="ja-JP" altLang="en-US"/>
+          </a:p>
+        </p:txBody>
+      </p:sp>
+      <p:sp>
+        <p:nvSpPr>
+          <p:cNvPr id="9" name="テキスト ボックス 8">
+            <a:extLst>
+              <a:ext uri="{FF2B5EF4-FFF2-40B4-BE49-F238E27FC236}">
+                <a16:creationId xmlns:a16="http://schemas.microsoft.com/office/drawing/2014/main" id="{F5540EF7-9D23-455A-AD6C-947B89F4DB1F}"/>
+              </a:ext>
+            </a:extLst>
+          </p:cNvPr>
+          <p:cNvSpPr txBox="1"/>
+          <p:nvPr/>
+        </p:nvSpPr>
+        <p:spPr>
+          <a:xfrm>
+            <a:off x="7020272" y="3070701"/>
+            <a:ext cx="2108269" cy="646331"/>
+          </a:xfrm>
+          <a:prstGeom prst="rect">
+            <a:avLst/>
+          </a:prstGeom>
+          <a:noFill/>
+        </p:spPr>
+        <p:txBody>
+          <a:bodyPr wrap="none" rtlCol="0">
+            <a:spAutoFit/>
+          </a:bodyPr>
+          <a:lstStyle/>
+          <a:p>
+            <a:r>
+              <a:rPr lang="ja-JP" altLang="en-US"/>
+              <a:t>説明</a:t>
+            </a:r>
+            <a:endParaRPr lang="en-US" altLang="ja-JP"/>
+          </a:p>
+          <a:p>
+            <a:r>
+              <a:rPr kumimoji="1" lang="ja-JP" altLang="en-US"/>
+              <a:t>「</a:t>
+            </a:r>
+            <a:r>
+              <a:rPr kumimoji="1" lang="en-US" altLang="ja-JP"/>
+              <a:t>2nd repository</a:t>
+            </a:r>
+            <a:r>
+              <a:rPr kumimoji="1" lang="ja-JP" altLang="en-US"/>
+              <a:t>」</a:t>
+            </a:r>
+          </a:p>
+        </p:txBody>
+      </p:sp>
+      <p:sp>
+        <p:nvSpPr>
+          <p:cNvPr id="10" name="テキスト ボックス 9">
+            <a:extLst>
+              <a:ext uri="{FF2B5EF4-FFF2-40B4-BE49-F238E27FC236}">
+                <a16:creationId xmlns:a16="http://schemas.microsoft.com/office/drawing/2014/main" id="{CD84E152-B082-4BCE-94C0-038D4DAC7961}"/>
+              </a:ext>
+            </a:extLst>
+          </p:cNvPr>
+          <p:cNvSpPr txBox="1"/>
+          <p:nvPr/>
+        </p:nvSpPr>
+        <p:spPr>
+          <a:xfrm>
+            <a:off x="7164288" y="4036422"/>
+            <a:ext cx="1595309" cy="369332"/>
+          </a:xfrm>
+          <a:prstGeom prst="rect">
+            <a:avLst/>
+          </a:prstGeom>
+          <a:noFill/>
+        </p:spPr>
+        <p:txBody>
+          <a:bodyPr wrap="none" rtlCol="0">
+            <a:spAutoFit/>
+          </a:bodyPr>
+          <a:lstStyle/>
+          <a:p>
+            <a:r>
+              <a:rPr kumimoji="1" lang="en-US" altLang="ja-JP"/>
+              <a:t>Private</a:t>
+            </a:r>
+            <a:r>
+              <a:rPr kumimoji="1" lang="ja-JP" altLang="en-US"/>
+              <a:t>を選ぶ</a:t>
+            </a:r>
+            <a:endParaRPr kumimoji="1" lang="en-US" altLang="ja-JP"/>
+          </a:p>
+        </p:txBody>
+      </p:sp>
+      <p:cxnSp>
+        <p:nvCxnSpPr>
+          <p:cNvPr id="12" name="直線矢印コネクタ 11">
+            <a:extLst>
+              <a:ext uri="{FF2B5EF4-FFF2-40B4-BE49-F238E27FC236}">
+                <a16:creationId xmlns:a16="http://schemas.microsoft.com/office/drawing/2014/main" id="{3DF0EA49-1C32-42FC-B50B-A775D53B5F8E}"/>
+              </a:ext>
+            </a:extLst>
+          </p:cNvPr>
+          <p:cNvCxnSpPr>
+            <a:stCxn id="10" idx="1"/>
+            <a:endCxn id="7" idx="3"/>
+          </p:cNvCxnSpPr>
+          <p:nvPr/>
+        </p:nvCxnSpPr>
+        <p:spPr>
+          <a:xfrm flipH="1">
+            <a:off x="5508104" y="4221088"/>
+            <a:ext cx="1656184" cy="0"/>
+          </a:xfrm>
+          <a:prstGeom prst="straightConnector1">
+            <a:avLst/>
+          </a:prstGeom>
+          <a:ln>
+            <a:solidFill>
+              <a:schemeClr val="tx1"/>
+            </a:solidFill>
+            <a:headEnd type="none" w="med" len="med"/>
+            <a:tailEnd type="triangle"/>
+          </a:ln>
+        </p:spPr>
+        <p:style>
+          <a:lnRef idx="1">
+            <a:schemeClr val="accent1"/>
+          </a:lnRef>
+          <a:fillRef idx="0">
+            <a:schemeClr val="accent1"/>
+          </a:fillRef>
+          <a:effectRef idx="0">
+            <a:schemeClr val="accent1"/>
+          </a:effectRef>
+          <a:fontRef idx="minor">
+            <a:schemeClr val="tx1"/>
+          </a:fontRef>
+        </p:style>
+      </p:cxnSp>
+      <p:cxnSp>
+        <p:nvCxnSpPr>
+          <p:cNvPr id="15" name="直線矢印コネクタ 14">
+            <a:extLst>
+              <a:ext uri="{FF2B5EF4-FFF2-40B4-BE49-F238E27FC236}">
+                <a16:creationId xmlns:a16="http://schemas.microsoft.com/office/drawing/2014/main" id="{4F4179E7-1B1A-4925-B47E-8C7A5F8E7CFF}"/>
+              </a:ext>
+            </a:extLst>
+          </p:cNvPr>
+          <p:cNvCxnSpPr>
+            <a:cxnSpLocks/>
+            <a:stCxn id="9" idx="1"/>
+            <a:endCxn id="6" idx="3"/>
+          </p:cNvCxnSpPr>
+          <p:nvPr/>
+        </p:nvCxnSpPr>
+        <p:spPr>
+          <a:xfrm flipH="1" flipV="1">
+            <a:off x="5508104" y="3392996"/>
+            <a:ext cx="1512168" cy="871"/>
+          </a:xfrm>
+          <a:prstGeom prst="straightConnector1">
+            <a:avLst/>
+          </a:prstGeom>
+          <a:ln>
+            <a:solidFill>
+              <a:schemeClr val="tx1"/>
+            </a:solidFill>
+            <a:headEnd type="none" w="med" len="med"/>
+            <a:tailEnd type="triangle"/>
+          </a:ln>
+        </p:spPr>
+        <p:style>
+          <a:lnRef idx="1">
+            <a:schemeClr val="accent1"/>
+          </a:lnRef>
+          <a:fillRef idx="0">
+            <a:schemeClr val="accent1"/>
+          </a:fillRef>
+          <a:effectRef idx="0">
+            <a:schemeClr val="accent1"/>
+          </a:effectRef>
+          <a:fontRef idx="minor">
+            <a:schemeClr val="tx1"/>
+          </a:fontRef>
+        </p:style>
+      </p:cxnSp>
+      <p:sp>
+        <p:nvSpPr>
+          <p:cNvPr id="17" name="テキスト ボックス 16">
+            <a:extLst>
+              <a:ext uri="{FF2B5EF4-FFF2-40B4-BE49-F238E27FC236}">
+                <a16:creationId xmlns:a16="http://schemas.microsoft.com/office/drawing/2014/main" id="{44CCFC33-D40C-4767-9CD9-F8954AFE23B8}"/>
+              </a:ext>
+            </a:extLst>
+          </p:cNvPr>
+          <p:cNvSpPr txBox="1"/>
+          <p:nvPr/>
+        </p:nvSpPr>
+        <p:spPr>
+          <a:xfrm>
+            <a:off x="5652120" y="5229200"/>
+            <a:ext cx="2954655" cy="369332"/>
+          </a:xfrm>
+          <a:prstGeom prst="rect">
+            <a:avLst/>
+          </a:prstGeom>
+          <a:noFill/>
+        </p:spPr>
+        <p:txBody>
+          <a:bodyPr wrap="none" rtlCol="0">
+            <a:spAutoFit/>
+          </a:bodyPr>
+          <a:lstStyle/>
+          <a:p>
+            <a:r>
+              <a:rPr kumimoji="1" lang="ja-JP" altLang="en-US"/>
+              <a:t>チェックを全て外しておく</a:t>
+            </a:r>
+          </a:p>
+        </p:txBody>
+      </p:sp>
+      <p:cxnSp>
+        <p:nvCxnSpPr>
+          <p:cNvPr id="19" name="直線矢印コネクタ 18">
+            <a:extLst>
+              <a:ext uri="{FF2B5EF4-FFF2-40B4-BE49-F238E27FC236}">
+                <a16:creationId xmlns:a16="http://schemas.microsoft.com/office/drawing/2014/main" id="{00FD2144-D551-486D-B024-745B220D78A7}"/>
+              </a:ext>
+            </a:extLst>
+          </p:cNvPr>
+          <p:cNvCxnSpPr>
+            <a:endCxn id="8" idx="3"/>
+          </p:cNvCxnSpPr>
+          <p:nvPr/>
+        </p:nvCxnSpPr>
+        <p:spPr>
+          <a:xfrm flipH="1" flipV="1">
+            <a:off x="827584" y="5337212"/>
+            <a:ext cx="4824536" cy="36004"/>
+          </a:xfrm>
+          <a:prstGeom prst="straightConnector1">
+            <a:avLst/>
+          </a:prstGeom>
+          <a:ln>
+            <a:solidFill>
+              <a:schemeClr val="tx1"/>
+            </a:solidFill>
+            <a:headEnd type="none" w="med" len="med"/>
+            <a:tailEnd type="triangle"/>
+          </a:ln>
+        </p:spPr>
+        <p:style>
+          <a:lnRef idx="1">
+            <a:schemeClr val="accent1"/>
+          </a:lnRef>
+          <a:fillRef idx="0">
+            <a:schemeClr val="accent1"/>
+          </a:fillRef>
+          <a:effectRef idx="0">
+            <a:schemeClr val="accent1"/>
+          </a:effectRef>
+          <a:fontRef idx="minor">
+            <a:schemeClr val="tx1"/>
+          </a:fontRef>
+        </p:style>
+      </p:cxnSp>
+    </p:spTree>
+    <p:extLst>
+      <p:ext uri="{BB962C8B-B14F-4D97-AF65-F5344CB8AC3E}">
+        <p14:creationId xmlns:p14="http://schemas.microsoft.com/office/powerpoint/2010/main" val="3919933629"/>
+      </p:ext>
+    </p:extLst>
+  </p:cSld>
+  <p:clrMapOvr>
+    <a:masterClrMapping/>
+  </p:clrMapOvr>
+</p:sld>
+</file>
+
+<file path=ppt/slides/slide28.xml><?xml version="1.0" encoding="utf-8"?>
+<p:sld xmlns:a="http://schemas.openxmlformats.org/drawingml/2006/main" xmlns:r="http://schemas.openxmlformats.org/officeDocument/2006/relationships" xmlns:p="http://schemas.openxmlformats.org/presentationml/2006/main">
+  <p:cSld>
+    <p:spTree>
+      <p:nvGrpSpPr>
+        <p:cNvPr id="1" name=""/>
+        <p:cNvGrpSpPr/>
+        <p:nvPr/>
+      </p:nvGrpSpPr>
+      <p:grpSpPr>
+        <a:xfrm>
+          <a:off x="0" y="0"/>
+          <a:ext cx="0" cy="0"/>
+          <a:chOff x="0" y="0"/>
+          <a:chExt cx="0" cy="0"/>
+        </a:xfrm>
+      </p:grpSpPr>
+      <p:sp>
+        <p:nvSpPr>
+          <p:cNvPr id="2" name="テキスト プレースホルダー 1">
+            <a:extLst>
+              <a:ext uri="{FF2B5EF4-FFF2-40B4-BE49-F238E27FC236}">
+                <a16:creationId xmlns:a16="http://schemas.microsoft.com/office/drawing/2014/main" id="{DF976018-5B09-4B3F-A754-20A247081A59}"/>
+              </a:ext>
+            </a:extLst>
+          </p:cNvPr>
+          <p:cNvSpPr>
+            <a:spLocks noGrp="1"/>
+          </p:cNvSpPr>
+          <p:nvPr>
+            <p:ph type="body" sz="quarter" idx="10"/>
+          </p:nvPr>
+        </p:nvSpPr>
+        <p:spPr/>
+        <p:txBody>
+          <a:bodyPr/>
+          <a:lstStyle/>
+          <a:p>
+            <a:r>
+              <a:rPr kumimoji="1" lang="ja-JP" altLang="en-US"/>
+              <a:t>課題</a:t>
+            </a:r>
+            <a:r>
+              <a:rPr lang="en-US" altLang="ja-JP"/>
+              <a:t>2</a:t>
+            </a:r>
+            <a:r>
+              <a:rPr kumimoji="1" lang="en-US" altLang="ja-JP"/>
+              <a:t> – Step 2</a:t>
+            </a:r>
+            <a:endParaRPr kumimoji="1" lang="ja-JP" altLang="en-US"/>
+          </a:p>
+        </p:txBody>
+      </p:sp>
+      <p:pic>
+        <p:nvPicPr>
+          <p:cNvPr id="4" name="図 3">
+            <a:extLst>
+              <a:ext uri="{FF2B5EF4-FFF2-40B4-BE49-F238E27FC236}">
+                <a16:creationId xmlns:a16="http://schemas.microsoft.com/office/drawing/2014/main" id="{7D69CB79-2CB8-44BA-A5DE-4D1CB821350E}"/>
+              </a:ext>
+            </a:extLst>
+          </p:cNvPr>
+          <p:cNvPicPr>
+            <a:picLocks noChangeAspect="1"/>
+          </p:cNvPicPr>
+          <p:nvPr/>
+        </p:nvPicPr>
+        <p:blipFill>
+          <a:blip r:embed="rId2"/>
+          <a:stretch>
+            <a:fillRect/>
+          </a:stretch>
+        </p:blipFill>
+        <p:spPr>
+          <a:xfrm>
+            <a:off x="251520" y="1052736"/>
+            <a:ext cx="8547036" cy="5040560"/>
+          </a:xfrm>
+          <a:prstGeom prst="rect">
+            <a:avLst/>
+          </a:prstGeom>
+        </p:spPr>
+      </p:pic>
+      <p:sp>
+        <p:nvSpPr>
+          <p:cNvPr id="5" name="四角形: 角を丸くする 4">
+            <a:extLst>
+              <a:ext uri="{FF2B5EF4-FFF2-40B4-BE49-F238E27FC236}">
+                <a16:creationId xmlns:a16="http://schemas.microsoft.com/office/drawing/2014/main" id="{F1368D29-6317-48F6-8715-7B2ED40EB411}"/>
+              </a:ext>
+            </a:extLst>
+          </p:cNvPr>
+          <p:cNvSpPr/>
+          <p:nvPr/>
+        </p:nvSpPr>
+        <p:spPr>
+          <a:xfrm>
+            <a:off x="7812360" y="2924944"/>
+            <a:ext cx="360040" cy="360040"/>
+          </a:xfrm>
+          <a:prstGeom prst="roundRect">
+            <a:avLst/>
+          </a:prstGeom>
+          <a:noFill/>
+          <a:ln w="38100">
+            <a:solidFill>
+              <a:srgbClr val="FF0000"/>
+            </a:solidFill>
+          </a:ln>
+        </p:spPr>
+        <p:style>
+          <a:lnRef idx="2">
+            <a:schemeClr val="accent1">
+              <a:shade val="50000"/>
+            </a:schemeClr>
+          </a:lnRef>
+          <a:fillRef idx="1">
+            <a:schemeClr val="accent1"/>
+          </a:fillRef>
+          <a:effectRef idx="0">
+            <a:schemeClr val="accent1"/>
+          </a:effectRef>
+          <a:fontRef idx="minor">
+            <a:schemeClr val="lt1"/>
+          </a:fontRef>
+        </p:style>
+        <p:txBody>
+          <a:bodyPr rtlCol="0" anchor="ctr"/>
+          <a:lstStyle/>
+          <a:p>
+            <a:pPr algn="ctr"/>
+            <a:endParaRPr kumimoji="1" lang="ja-JP" altLang="en-US"/>
+          </a:p>
+        </p:txBody>
+      </p:sp>
+      <p:sp>
+        <p:nvSpPr>
+          <p:cNvPr id="6" name="テキスト ボックス 5">
+            <a:extLst>
+              <a:ext uri="{FF2B5EF4-FFF2-40B4-BE49-F238E27FC236}">
+                <a16:creationId xmlns:a16="http://schemas.microsoft.com/office/drawing/2014/main" id="{C9CB8E37-0980-42FF-9E43-D42171C65663}"/>
+              </a:ext>
+            </a:extLst>
+          </p:cNvPr>
+          <p:cNvSpPr txBox="1"/>
+          <p:nvPr/>
+        </p:nvSpPr>
+        <p:spPr>
+          <a:xfrm>
+            <a:off x="35496" y="5877272"/>
+            <a:ext cx="8610049" cy="369332"/>
+          </a:xfrm>
+          <a:prstGeom prst="rect">
+            <a:avLst/>
+          </a:prstGeom>
+          <a:solidFill>
+            <a:schemeClr val="bg1"/>
+          </a:solidFill>
+          <a:ln>
+            <a:solidFill>
+              <a:schemeClr val="tx1"/>
+            </a:solidFill>
+          </a:ln>
+        </p:spPr>
+        <p:txBody>
+          <a:bodyPr wrap="none" rtlCol="0">
+            <a:spAutoFit/>
+          </a:bodyPr>
+          <a:lstStyle/>
+          <a:p>
+            <a:r>
+              <a:rPr kumimoji="1" lang="ja-JP" altLang="en-US"/>
+              <a:t>「</a:t>
+            </a:r>
+            <a:r>
+              <a:rPr kumimoji="1" lang="en-US" altLang="ja-JP"/>
+              <a:t>…or push an existing repository from the command line</a:t>
+            </a:r>
+            <a:r>
+              <a:rPr kumimoji="1" lang="ja-JP" altLang="en-US"/>
+              <a:t>」のコピーボタンを押す</a:t>
+            </a:r>
+          </a:p>
+        </p:txBody>
+      </p:sp>
+      <p:cxnSp>
+        <p:nvCxnSpPr>
+          <p:cNvPr id="8" name="コネクタ: カギ線 7">
+            <a:extLst>
+              <a:ext uri="{FF2B5EF4-FFF2-40B4-BE49-F238E27FC236}">
+                <a16:creationId xmlns:a16="http://schemas.microsoft.com/office/drawing/2014/main" id="{8D56F2E3-5454-4F3D-B6F1-4D0CBDE6808D}"/>
+              </a:ext>
+            </a:extLst>
+          </p:cNvPr>
+          <p:cNvCxnSpPr>
+            <a:stCxn id="6" idx="3"/>
+            <a:endCxn id="5" idx="3"/>
+          </p:cNvCxnSpPr>
+          <p:nvPr/>
+        </p:nvCxnSpPr>
+        <p:spPr>
+          <a:xfrm flipH="1" flipV="1">
+            <a:off x="8172400" y="3104964"/>
+            <a:ext cx="473145" cy="2956974"/>
+          </a:xfrm>
+          <a:prstGeom prst="bentConnector3">
+            <a:avLst>
+              <a:gd name="adj1" fmla="val -48315"/>
+            </a:avLst>
+          </a:prstGeom>
+          <a:ln>
+            <a:solidFill>
+              <a:schemeClr val="tx1"/>
+            </a:solidFill>
+            <a:headEnd type="none" w="med" len="med"/>
+            <a:tailEnd type="triangle"/>
+          </a:ln>
+        </p:spPr>
+        <p:style>
+          <a:lnRef idx="1">
+            <a:schemeClr val="accent1"/>
+          </a:lnRef>
+          <a:fillRef idx="0">
+            <a:schemeClr val="accent1"/>
+          </a:fillRef>
+          <a:effectRef idx="0">
+            <a:schemeClr val="accent1"/>
+          </a:effectRef>
+          <a:fontRef idx="minor">
+            <a:schemeClr val="tx1"/>
+          </a:fontRef>
+        </p:style>
+      </p:cxnSp>
+    </p:spTree>
+    <p:extLst>
+      <p:ext uri="{BB962C8B-B14F-4D97-AF65-F5344CB8AC3E}">
+        <p14:creationId xmlns:p14="http://schemas.microsoft.com/office/powerpoint/2010/main" val="2611521401"/>
+      </p:ext>
+    </p:extLst>
+  </p:cSld>
+  <p:clrMapOvr>
+    <a:masterClrMapping/>
+  </p:clrMapOvr>
+</p:sld>
+</file>
+
+<file path=ppt/slides/slide29.xml><?xml version="1.0" encoding="utf-8"?>
+<p:sld xmlns:a="http://schemas.openxmlformats.org/drawingml/2006/main" xmlns:r="http://schemas.openxmlformats.org/officeDocument/2006/relationships" xmlns:p="http://schemas.openxmlformats.org/presentationml/2006/main">
+  <p:cSld>
+    <p:spTree>
+      <p:nvGrpSpPr>
+        <p:cNvPr id="1" name=""/>
+        <p:cNvGrpSpPr/>
+        <p:nvPr/>
+      </p:nvGrpSpPr>
+      <p:grpSpPr>
+        <a:xfrm>
+          <a:off x="0" y="0"/>
+          <a:ext cx="0" cy="0"/>
+          <a:chOff x="0" y="0"/>
+          <a:chExt cx="0" cy="0"/>
+        </a:xfrm>
+      </p:grpSpPr>
+      <p:sp>
+        <p:nvSpPr>
+          <p:cNvPr id="2" name="テキスト プレースホルダー 1">
+            <a:extLst>
+              <a:ext uri="{FF2B5EF4-FFF2-40B4-BE49-F238E27FC236}">
+                <a16:creationId xmlns:a16="http://schemas.microsoft.com/office/drawing/2014/main" id="{A6B0F8E2-8DFC-4AC4-B6B6-F63337D03E3B}"/>
+              </a:ext>
+            </a:extLst>
+          </p:cNvPr>
+          <p:cNvSpPr>
+            <a:spLocks noGrp="1"/>
+          </p:cNvSpPr>
+          <p:nvPr>
+            <p:ph type="body" sz="quarter" idx="10"/>
+          </p:nvPr>
+        </p:nvSpPr>
+        <p:spPr/>
+        <p:txBody>
+          <a:bodyPr/>
+          <a:lstStyle/>
+          <a:p>
+            <a:r>
+              <a:rPr kumimoji="1" lang="ja-JP" altLang="en-US"/>
+              <a:t>課題</a:t>
+            </a:r>
+            <a:r>
+              <a:rPr lang="en-US" altLang="ja-JP"/>
+              <a:t>2</a:t>
+            </a:r>
+            <a:r>
+              <a:rPr kumimoji="1" lang="en-US" altLang="ja-JP"/>
+              <a:t> – Step 2</a:t>
+            </a:r>
+            <a:endParaRPr kumimoji="1" lang="ja-JP" altLang="en-US"/>
+          </a:p>
+        </p:txBody>
+      </p:sp>
+      <p:sp>
+        <p:nvSpPr>
+          <p:cNvPr id="4" name="テキスト ボックス 3">
+            <a:extLst>
+              <a:ext uri="{FF2B5EF4-FFF2-40B4-BE49-F238E27FC236}">
+                <a16:creationId xmlns:a16="http://schemas.microsoft.com/office/drawing/2014/main" id="{A7B9A577-5EC1-490A-BDBE-DE8CBA111DF5}"/>
+              </a:ext>
+            </a:extLst>
+          </p:cNvPr>
+          <p:cNvSpPr txBox="1"/>
+          <p:nvPr/>
+        </p:nvSpPr>
+        <p:spPr>
+          <a:xfrm>
+            <a:off x="179512" y="1628800"/>
+            <a:ext cx="7992888" cy="923330"/>
+          </a:xfrm>
+          <a:prstGeom prst="rect">
+            <a:avLst/>
+          </a:prstGeom>
+          <a:noFill/>
+          <a:ln>
+            <a:solidFill>
+              <a:schemeClr val="tx1"/>
+            </a:solidFill>
+          </a:ln>
+        </p:spPr>
+        <p:txBody>
+          <a:bodyPr wrap="square">
+            <a:spAutoFit/>
+          </a:bodyPr>
+          <a:lstStyle/>
+          <a:p>
+            <a:r>
+              <a:rPr lang="ja-JP" altLang="en-US">
+                <a:solidFill>
+                  <a:srgbClr val="FF0000"/>
+                </a:solidFill>
+                <a:latin typeface="Consolas" panose="020B0609020204030204" pitchFamily="49" charset="0"/>
+              </a:rPr>
+              <a:t>git remote add origin git@github.com:アカウント名/test2.git</a:t>
+            </a:r>
+          </a:p>
+          <a:p>
+            <a:r>
+              <a:rPr lang="ja-JP" altLang="en-US">
+                <a:solidFill>
+                  <a:srgbClr val="FF0000"/>
+                </a:solidFill>
+                <a:latin typeface="Consolas" panose="020B0609020204030204" pitchFamily="49" charset="0"/>
+              </a:rPr>
+              <a:t>git branch -M main</a:t>
+            </a:r>
+          </a:p>
+          <a:p>
+            <a:r>
+              <a:rPr lang="ja-JP" altLang="en-US">
+                <a:solidFill>
+                  <a:srgbClr val="FF0000"/>
+                </a:solidFill>
+                <a:latin typeface="Consolas" panose="020B0609020204030204" pitchFamily="49" charset="0"/>
+              </a:rPr>
+              <a:t>git push -u origin main</a:t>
+            </a:r>
+          </a:p>
+        </p:txBody>
+      </p:sp>
+      <p:sp>
+        <p:nvSpPr>
+          <p:cNvPr id="5" name="テキスト ボックス 4">
+            <a:extLst>
+              <a:ext uri="{FF2B5EF4-FFF2-40B4-BE49-F238E27FC236}">
+                <a16:creationId xmlns:a16="http://schemas.microsoft.com/office/drawing/2014/main" id="{6B495E8D-F58F-458F-A70B-BE2E32DF340E}"/>
+              </a:ext>
+            </a:extLst>
+          </p:cNvPr>
+          <p:cNvSpPr txBox="1"/>
+          <p:nvPr/>
+        </p:nvSpPr>
+        <p:spPr>
+          <a:xfrm>
+            <a:off x="251520" y="1196752"/>
+            <a:ext cx="7071167" cy="369332"/>
+          </a:xfrm>
+          <a:prstGeom prst="rect">
+            <a:avLst/>
+          </a:prstGeom>
+          <a:noFill/>
+        </p:spPr>
+        <p:txBody>
+          <a:bodyPr wrap="none" rtlCol="0">
+            <a:spAutoFit/>
+          </a:bodyPr>
+          <a:lstStyle/>
+          <a:p>
+            <a:r>
+              <a:rPr lang="ja-JP" altLang="en-US"/>
+              <a:t>先ほどコピーした三行を、そのまま</a:t>
+            </a:r>
+            <a:r>
+              <a:rPr lang="en-US" altLang="ja-JP"/>
+              <a:t>Git Bash</a:t>
+            </a:r>
+            <a:r>
+              <a:rPr lang="ja-JP" altLang="en-US"/>
+              <a:t>に貼り付けて実行する</a:t>
+            </a:r>
+            <a:endParaRPr kumimoji="1" lang="ja-JP" altLang="en-US"/>
+          </a:p>
+        </p:txBody>
+      </p:sp>
+      <p:pic>
+        <p:nvPicPr>
+          <p:cNvPr id="6" name="Picture 8" descr="パソコンを使う会社員のイラスト（男性・笑顔）">
+            <a:extLst>
+              <a:ext uri="{FF2B5EF4-FFF2-40B4-BE49-F238E27FC236}">
+                <a16:creationId xmlns:a16="http://schemas.microsoft.com/office/drawing/2014/main" id="{4170C816-287D-4E6B-834D-7ECE2BC38277}"/>
+              </a:ext>
+            </a:extLst>
+          </p:cNvPr>
+          <p:cNvPicPr>
+            <a:picLocks noChangeAspect="1" noChangeArrowheads="1"/>
+          </p:cNvPicPr>
+          <p:nvPr/>
+        </p:nvPicPr>
+        <p:blipFill>
+          <a:blip r:embed="rId2" cstate="print">
+            <a:extLst>
+              <a:ext uri="{28A0092B-C50C-407E-A947-70E740481C1C}">
+                <a14:useLocalDpi xmlns:a14="http://schemas.microsoft.com/office/drawing/2010/main" val="0"/>
+              </a:ext>
+            </a:extLst>
+          </a:blip>
+          <a:srcRect/>
+          <a:stretch>
+            <a:fillRect/>
+          </a:stretch>
+        </p:blipFill>
+        <p:spPr bwMode="auto">
+          <a:xfrm>
+            <a:off x="971600" y="2996952"/>
+            <a:ext cx="720080" cy="1045759"/>
+          </a:xfrm>
+          <a:prstGeom prst="rect">
+            <a:avLst/>
+          </a:prstGeom>
+          <a:noFill/>
+          <a:extLst>
+            <a:ext uri="{909E8E84-426E-40DD-AFC4-6F175D3DCCD1}">
+              <a14:hiddenFill xmlns:a14="http://schemas.microsoft.com/office/drawing/2010/main">
+                <a:solidFill>
+                  <a:srgbClr val="FFFFFF"/>
+                </a:solidFill>
+              </a14:hiddenFill>
+            </a:ext>
+          </a:extLst>
+        </p:spPr>
+      </p:pic>
+      <p:sp>
+        <p:nvSpPr>
+          <p:cNvPr id="7" name="矢印: 右 6">
+            <a:extLst>
+              <a:ext uri="{FF2B5EF4-FFF2-40B4-BE49-F238E27FC236}">
+                <a16:creationId xmlns:a16="http://schemas.microsoft.com/office/drawing/2014/main" id="{EF4E7EEF-189E-478D-A8A8-97079A102A86}"/>
+              </a:ext>
+            </a:extLst>
+          </p:cNvPr>
+          <p:cNvSpPr/>
+          <p:nvPr/>
+        </p:nvSpPr>
+        <p:spPr>
+          <a:xfrm rot="10800000" flipH="1">
+            <a:off x="2987824" y="4725144"/>
+            <a:ext cx="2880320" cy="648072"/>
+          </a:xfrm>
+          <a:prstGeom prst="rightArrow">
+            <a:avLst/>
+          </a:prstGeom>
+          <a:solidFill>
+            <a:srgbClr val="FF0000"/>
+          </a:solidFill>
+          <a:ln>
+            <a:solidFill>
+              <a:schemeClr val="tx1"/>
+            </a:solidFill>
+          </a:ln>
+        </p:spPr>
+        <p:style>
+          <a:lnRef idx="2">
+            <a:schemeClr val="accent1">
+              <a:shade val="50000"/>
+            </a:schemeClr>
+          </a:lnRef>
+          <a:fillRef idx="1">
+            <a:schemeClr val="accent1"/>
+          </a:fillRef>
+          <a:effectRef idx="0">
+            <a:schemeClr val="accent1"/>
+          </a:effectRef>
+          <a:fontRef idx="minor">
+            <a:schemeClr val="lt1"/>
+          </a:fontRef>
+        </p:style>
+        <p:txBody>
+          <a:bodyPr rtlCol="0" anchor="ctr"/>
+          <a:lstStyle/>
+          <a:p>
+            <a:pPr algn="ctr"/>
+            <a:endParaRPr kumimoji="1" lang="ja-JP" altLang="en-US"/>
+          </a:p>
+        </p:txBody>
+      </p:sp>
+      <p:pic>
+        <p:nvPicPr>
+          <p:cNvPr id="8" name="図 7">
+            <a:extLst>
+              <a:ext uri="{FF2B5EF4-FFF2-40B4-BE49-F238E27FC236}">
+                <a16:creationId xmlns:a16="http://schemas.microsoft.com/office/drawing/2014/main" id="{B23FC7A6-F8E6-4EA1-9BFD-F5FC8A4660A7}"/>
+              </a:ext>
+            </a:extLst>
+          </p:cNvPr>
+          <p:cNvPicPr>
+            <a:picLocks noChangeAspect="1"/>
+          </p:cNvPicPr>
+          <p:nvPr/>
+        </p:nvPicPr>
+        <p:blipFill>
+          <a:blip r:embed="rId3">
+            <a:extLst>
+              <a:ext uri="{28A0092B-C50C-407E-A947-70E740481C1C}">
+                <a14:useLocalDpi xmlns:a14="http://schemas.microsoft.com/office/drawing/2010/main" val="0"/>
+              </a:ext>
+            </a:extLst>
+          </a:blip>
+          <a:stretch>
+            <a:fillRect/>
+          </a:stretch>
+        </p:blipFill>
+        <p:spPr>
+          <a:xfrm>
+            <a:off x="6732240" y="3814880"/>
+            <a:ext cx="738048" cy="738048"/>
+          </a:xfrm>
+          <a:prstGeom prst="rect">
+            <a:avLst/>
+          </a:prstGeom>
+        </p:spPr>
+      </p:pic>
+      <p:pic>
+        <p:nvPicPr>
+          <p:cNvPr id="9" name="図 8">
+            <a:extLst>
+              <a:ext uri="{FF2B5EF4-FFF2-40B4-BE49-F238E27FC236}">
+                <a16:creationId xmlns:a16="http://schemas.microsoft.com/office/drawing/2014/main" id="{C2AB7D16-139F-458E-99F5-E6DEABAD858C}"/>
+              </a:ext>
+            </a:extLst>
+          </p:cNvPr>
+          <p:cNvPicPr>
+            <a:picLocks noChangeAspect="1"/>
+          </p:cNvPicPr>
+          <p:nvPr/>
+        </p:nvPicPr>
+        <p:blipFill>
+          <a:blip r:embed="rId4" cstate="print">
+            <a:extLst>
+              <a:ext uri="{28A0092B-C50C-407E-A947-70E740481C1C}">
+                <a14:useLocalDpi xmlns:a14="http://schemas.microsoft.com/office/drawing/2010/main" val="0"/>
+              </a:ext>
+            </a:extLst>
+          </a:blip>
+          <a:stretch>
+            <a:fillRect/>
+          </a:stretch>
+        </p:blipFill>
+        <p:spPr>
+          <a:xfrm>
+            <a:off x="6444209" y="3114546"/>
+            <a:ext cx="1368152" cy="560942"/>
+          </a:xfrm>
+          <a:prstGeom prst="rect">
+            <a:avLst/>
+          </a:prstGeom>
+        </p:spPr>
+      </p:pic>
+      <p:pic>
+        <p:nvPicPr>
+          <p:cNvPr id="10" name="Picture 2" descr="フォルダのイラスト">
+            <a:extLst>
+              <a:ext uri="{FF2B5EF4-FFF2-40B4-BE49-F238E27FC236}">
+                <a16:creationId xmlns:a16="http://schemas.microsoft.com/office/drawing/2014/main" id="{B00589DF-F74E-4746-960D-CDA42E387B6A}"/>
+              </a:ext>
+            </a:extLst>
+          </p:cNvPr>
+          <p:cNvPicPr>
+            <a:picLocks noChangeAspect="1" noChangeArrowheads="1"/>
+          </p:cNvPicPr>
+          <p:nvPr/>
+        </p:nvPicPr>
+        <p:blipFill>
+          <a:blip r:embed="rId5" cstate="print">
+            <a:extLst>
+              <a:ext uri="{28A0092B-C50C-407E-A947-70E740481C1C}">
+                <a14:useLocalDpi xmlns:a14="http://schemas.microsoft.com/office/drawing/2010/main" val="0"/>
+              </a:ext>
+            </a:extLst>
+          </a:blip>
+          <a:srcRect/>
+          <a:stretch>
+            <a:fillRect/>
+          </a:stretch>
+        </p:blipFill>
+        <p:spPr bwMode="auto">
+          <a:xfrm>
+            <a:off x="827584" y="4437112"/>
+            <a:ext cx="702078" cy="587990"/>
+          </a:xfrm>
+          <a:prstGeom prst="rect">
+            <a:avLst/>
+          </a:prstGeom>
+          <a:noFill/>
+          <a:extLst>
+            <a:ext uri="{909E8E84-426E-40DD-AFC4-6F175D3DCCD1}">
+              <a14:hiddenFill xmlns:a14="http://schemas.microsoft.com/office/drawing/2010/main">
+                <a:solidFill>
+                  <a:srgbClr val="FFFFFF"/>
+                </a:solidFill>
+              </a14:hiddenFill>
+            </a:ext>
+          </a:extLst>
+        </p:spPr>
+      </p:pic>
+      <p:sp>
+        <p:nvSpPr>
+          <p:cNvPr id="11" name="テキスト ボックス 10">
+            <a:extLst>
+              <a:ext uri="{FF2B5EF4-FFF2-40B4-BE49-F238E27FC236}">
+                <a16:creationId xmlns:a16="http://schemas.microsoft.com/office/drawing/2014/main" id="{BF78FEDF-2F75-4EA8-AAED-F0D1554EC8B6}"/>
+              </a:ext>
+            </a:extLst>
+          </p:cNvPr>
+          <p:cNvSpPr txBox="1"/>
+          <p:nvPr/>
+        </p:nvSpPr>
+        <p:spPr>
+          <a:xfrm>
+            <a:off x="827584" y="4941168"/>
+            <a:ext cx="684803" cy="369332"/>
+          </a:xfrm>
+          <a:prstGeom prst="rect">
+            <a:avLst/>
+          </a:prstGeom>
+          <a:noFill/>
+        </p:spPr>
+        <p:txBody>
+          <a:bodyPr wrap="none" rtlCol="0">
+            <a:spAutoFit/>
+          </a:bodyPr>
+          <a:lstStyle/>
+          <a:p>
+            <a:r>
+              <a:rPr kumimoji="1" lang="en-US" altLang="ja-JP"/>
+              <a:t>test2</a:t>
+            </a:r>
+            <a:endParaRPr kumimoji="1" lang="ja-JP" altLang="en-US" dirty="0"/>
+          </a:p>
+        </p:txBody>
+      </p:sp>
+      <p:pic>
+        <p:nvPicPr>
+          <p:cNvPr id="12" name="Picture 4">
+            <a:extLst>
+              <a:ext uri="{FF2B5EF4-FFF2-40B4-BE49-F238E27FC236}">
+                <a16:creationId xmlns:a16="http://schemas.microsoft.com/office/drawing/2014/main" id="{31F2C0EC-5F71-4E47-B7A0-C0AF3AC8FA30}"/>
+              </a:ext>
+            </a:extLst>
+          </p:cNvPr>
+          <p:cNvPicPr>
+            <a:picLocks noChangeAspect="1" noChangeArrowheads="1"/>
+          </p:cNvPicPr>
+          <p:nvPr/>
+        </p:nvPicPr>
+        <p:blipFill>
+          <a:blip r:embed="rId6" cstate="print">
+            <a:extLst>
+              <a:ext uri="{28A0092B-C50C-407E-A947-70E740481C1C}">
+                <a14:useLocalDpi xmlns:a14="http://schemas.microsoft.com/office/drawing/2010/main" val="0"/>
+              </a:ext>
+            </a:extLst>
+          </a:blip>
+          <a:srcRect/>
+          <a:stretch>
+            <a:fillRect/>
+          </a:stretch>
+        </p:blipFill>
+        <p:spPr bwMode="auto">
+          <a:xfrm>
+            <a:off x="971600" y="4581128"/>
+            <a:ext cx="360040" cy="360040"/>
+          </a:xfrm>
+          <a:prstGeom prst="rect">
+            <a:avLst/>
+          </a:prstGeom>
+          <a:noFill/>
+          <a:extLst>
+            <a:ext uri="{909E8E84-426E-40DD-AFC4-6F175D3DCCD1}">
+              <a14:hiddenFill xmlns:a14="http://schemas.microsoft.com/office/drawing/2010/main">
+                <a:solidFill>
+                  <a:srgbClr val="FFFFFF"/>
+                </a:solidFill>
+              </a14:hiddenFill>
+            </a:ext>
+          </a:extLst>
+        </p:spPr>
+      </p:pic>
+      <p:pic>
+        <p:nvPicPr>
+          <p:cNvPr id="13" name="Picture 3" descr="ファイルアイコン（テキスト）">
+            <a:extLst>
+              <a:ext uri="{FF2B5EF4-FFF2-40B4-BE49-F238E27FC236}">
+                <a16:creationId xmlns:a16="http://schemas.microsoft.com/office/drawing/2014/main" id="{30A77AFB-49BE-4277-845D-7AC83212F3B6}"/>
+              </a:ext>
+            </a:extLst>
+          </p:cNvPr>
+          <p:cNvPicPr>
+            <a:picLocks noChangeAspect="1" noChangeArrowheads="1"/>
+          </p:cNvPicPr>
+          <p:nvPr/>
+        </p:nvPicPr>
+        <p:blipFill>
+          <a:blip r:embed="rId7" cstate="print">
+            <a:extLst>
+              <a:ext uri="{28A0092B-C50C-407E-A947-70E740481C1C}">
+                <a14:useLocalDpi xmlns:a14="http://schemas.microsoft.com/office/drawing/2010/main" val="0"/>
+              </a:ext>
+            </a:extLst>
+          </a:blip>
+          <a:srcRect/>
+          <a:stretch>
+            <a:fillRect/>
+          </a:stretch>
+        </p:blipFill>
+        <p:spPr bwMode="auto">
+          <a:xfrm>
+            <a:off x="1557189" y="5589240"/>
+            <a:ext cx="552167" cy="641226"/>
+          </a:xfrm>
+          <a:prstGeom prst="rect">
+            <a:avLst/>
+          </a:prstGeom>
+          <a:noFill/>
+          <a:extLst>
+            <a:ext uri="{909E8E84-426E-40DD-AFC4-6F175D3DCCD1}">
+              <a14:hiddenFill xmlns:a14="http://schemas.microsoft.com/office/drawing/2010/main">
+                <a:solidFill>
+                  <a:srgbClr val="FFFFFF"/>
+                </a:solidFill>
+              </a14:hiddenFill>
+            </a:ext>
+          </a:extLst>
+        </p:spPr>
+      </p:pic>
+      <p:sp>
+        <p:nvSpPr>
+          <p:cNvPr id="14" name="テキスト ボックス 13">
+            <a:extLst>
+              <a:ext uri="{FF2B5EF4-FFF2-40B4-BE49-F238E27FC236}">
+                <a16:creationId xmlns:a16="http://schemas.microsoft.com/office/drawing/2014/main" id="{DCC69506-26D0-4A64-8A14-FBE6EB9271BE}"/>
+              </a:ext>
+            </a:extLst>
+          </p:cNvPr>
+          <p:cNvSpPr txBox="1"/>
+          <p:nvPr/>
+        </p:nvSpPr>
+        <p:spPr>
+          <a:xfrm>
+            <a:off x="1403648" y="6237312"/>
+            <a:ext cx="877163" cy="261610"/>
+          </a:xfrm>
+          <a:prstGeom prst="rect">
+            <a:avLst/>
+          </a:prstGeom>
+          <a:noFill/>
+        </p:spPr>
+        <p:txBody>
+          <a:bodyPr wrap="none" rtlCol="0">
+            <a:spAutoFit/>
+          </a:bodyPr>
+          <a:lstStyle/>
+          <a:p>
+            <a:r>
+              <a:rPr kumimoji="1" lang="en-US" altLang="ja-JP" sz="1100">
+                <a:latin typeface="Consolas" panose="020B0609020204030204" pitchFamily="49" charset="0"/>
+              </a:rPr>
+              <a:t>README.md</a:t>
+            </a:r>
+            <a:endParaRPr kumimoji="1" lang="ja-JP" altLang="en-US" sz="1100">
+              <a:latin typeface="Consolas" panose="020B0609020204030204" pitchFamily="49" charset="0"/>
+            </a:endParaRPr>
+          </a:p>
+        </p:txBody>
+      </p:sp>
+      <p:sp>
+        <p:nvSpPr>
+          <p:cNvPr id="15" name="フローチャート: 磁気ディスク 14">
+            <a:extLst>
+              <a:ext uri="{FF2B5EF4-FFF2-40B4-BE49-F238E27FC236}">
+                <a16:creationId xmlns:a16="http://schemas.microsoft.com/office/drawing/2014/main" id="{0B7BCDD6-FFE0-41E9-9355-6DC7C47CA77B}"/>
+              </a:ext>
+            </a:extLst>
+          </p:cNvPr>
+          <p:cNvSpPr/>
+          <p:nvPr/>
+        </p:nvSpPr>
+        <p:spPr>
+          <a:xfrm>
+            <a:off x="913309" y="5733256"/>
+            <a:ext cx="504056" cy="360040"/>
+          </a:xfrm>
+          <a:prstGeom prst="flowChartMagneticDisk">
+            <a:avLst/>
+          </a:prstGeom>
+          <a:solidFill>
+            <a:schemeClr val="bg1">
+              <a:lumMod val="95000"/>
+            </a:schemeClr>
+          </a:solidFill>
+          <a:ln>
+            <a:solidFill>
+              <a:schemeClr val="tx1"/>
+            </a:solidFill>
+          </a:ln>
+        </p:spPr>
+        <p:style>
+          <a:lnRef idx="2">
+            <a:schemeClr val="accent1">
+              <a:shade val="50000"/>
+            </a:schemeClr>
+          </a:lnRef>
+          <a:fillRef idx="1">
+            <a:schemeClr val="accent1"/>
+          </a:fillRef>
+          <a:effectRef idx="0">
+            <a:schemeClr val="accent1"/>
+          </a:effectRef>
+          <a:fontRef idx="minor">
+            <a:schemeClr val="lt1"/>
+          </a:fontRef>
+        </p:style>
+        <p:txBody>
+          <a:bodyPr rtlCol="0" anchor="ctr"/>
+          <a:lstStyle/>
+          <a:p>
+            <a:pPr algn="ctr"/>
+            <a:r>
+              <a:rPr kumimoji="1" lang="en-US" altLang="ja-JP" sz="1100" dirty="0">
+                <a:solidFill>
+                  <a:schemeClr val="tx1"/>
+                </a:solidFill>
+                <a:latin typeface="Consolas" panose="020B0609020204030204" pitchFamily="49" charset="0"/>
+              </a:rPr>
+              <a:t>.git</a:t>
+            </a:r>
+            <a:endParaRPr kumimoji="1" lang="ja-JP" altLang="en-US" sz="1100" dirty="0">
+              <a:solidFill>
+                <a:schemeClr val="tx1"/>
+              </a:solidFill>
+              <a:latin typeface="Consolas" panose="020B0609020204030204" pitchFamily="49" charset="0"/>
+            </a:endParaRPr>
+          </a:p>
+        </p:txBody>
+      </p:sp>
+      <p:cxnSp>
+        <p:nvCxnSpPr>
+          <p:cNvPr id="16" name="直線コネクタ 15">
+            <a:extLst>
+              <a:ext uri="{FF2B5EF4-FFF2-40B4-BE49-F238E27FC236}">
+                <a16:creationId xmlns:a16="http://schemas.microsoft.com/office/drawing/2014/main" id="{C47102E5-1032-4CE3-A058-3960482F5BA8}"/>
+              </a:ext>
+            </a:extLst>
+          </p:cNvPr>
+          <p:cNvCxnSpPr>
+            <a:stCxn id="15" idx="1"/>
+            <a:endCxn id="11" idx="2"/>
+          </p:cNvCxnSpPr>
+          <p:nvPr/>
+        </p:nvCxnSpPr>
+        <p:spPr>
+          <a:xfrm flipV="1">
+            <a:off x="1165337" y="5310500"/>
+            <a:ext cx="4649" cy="422756"/>
+          </a:xfrm>
+          <a:prstGeom prst="line">
+            <a:avLst/>
+          </a:prstGeom>
+          <a:ln>
+            <a:solidFill>
+              <a:schemeClr val="tx1"/>
+            </a:solidFill>
+            <a:headEnd type="none" w="med" len="med"/>
+            <a:tailEnd type="none" w="med" len="med"/>
+          </a:ln>
+        </p:spPr>
+        <p:style>
+          <a:lnRef idx="1">
+            <a:schemeClr val="accent1"/>
+          </a:lnRef>
+          <a:fillRef idx="0">
+            <a:schemeClr val="accent1"/>
+          </a:fillRef>
+          <a:effectRef idx="0">
+            <a:schemeClr val="accent1"/>
+          </a:effectRef>
+          <a:fontRef idx="minor">
+            <a:schemeClr val="tx1"/>
+          </a:fontRef>
+        </p:style>
+      </p:cxnSp>
+      <p:cxnSp>
+        <p:nvCxnSpPr>
+          <p:cNvPr id="17" name="コネクタ: カギ線 16">
+            <a:extLst>
+              <a:ext uri="{FF2B5EF4-FFF2-40B4-BE49-F238E27FC236}">
+                <a16:creationId xmlns:a16="http://schemas.microsoft.com/office/drawing/2014/main" id="{C26F1F0C-D3B9-457E-A400-614E2633B045}"/>
+              </a:ext>
+            </a:extLst>
+          </p:cNvPr>
+          <p:cNvCxnSpPr>
+            <a:stCxn id="11" idx="2"/>
+            <a:endCxn id="13" idx="0"/>
+          </p:cNvCxnSpPr>
+          <p:nvPr/>
+        </p:nvCxnSpPr>
+        <p:spPr>
+          <a:xfrm rot="16200000" flipH="1">
+            <a:off x="1362259" y="5118226"/>
+            <a:ext cx="278740" cy="663287"/>
+          </a:xfrm>
+          <a:prstGeom prst="bentConnector3">
+            <a:avLst/>
+          </a:prstGeom>
+          <a:ln>
+            <a:solidFill>
+              <a:schemeClr val="tx1"/>
+            </a:solidFill>
+            <a:headEnd type="none" w="med" len="med"/>
+            <a:tailEnd type="none" w="med" len="med"/>
+          </a:ln>
+        </p:spPr>
+        <p:style>
+          <a:lnRef idx="1">
+            <a:schemeClr val="accent1"/>
+          </a:lnRef>
+          <a:fillRef idx="0">
+            <a:schemeClr val="accent1"/>
+          </a:fillRef>
+          <a:effectRef idx="0">
+            <a:schemeClr val="accent1"/>
+          </a:effectRef>
+          <a:fontRef idx="minor">
+            <a:schemeClr val="tx1"/>
+          </a:fontRef>
+        </p:style>
+      </p:cxnSp>
+      <p:sp>
+        <p:nvSpPr>
+          <p:cNvPr id="18" name="四角形: 角を丸くする 17">
+            <a:extLst>
+              <a:ext uri="{FF2B5EF4-FFF2-40B4-BE49-F238E27FC236}">
+                <a16:creationId xmlns:a16="http://schemas.microsoft.com/office/drawing/2014/main" id="{6DA7DBF8-80BC-4691-86DB-D11DD283F2C0}"/>
+              </a:ext>
+            </a:extLst>
+          </p:cNvPr>
+          <p:cNvSpPr/>
+          <p:nvPr/>
+        </p:nvSpPr>
+        <p:spPr>
+          <a:xfrm>
+            <a:off x="539552" y="4293096"/>
+            <a:ext cx="2088232" cy="2160240"/>
+          </a:xfrm>
+          <a:prstGeom prst="roundRect">
+            <a:avLst/>
+          </a:prstGeom>
+          <a:noFill/>
+          <a:ln w="28575">
+            <a:solidFill>
+              <a:schemeClr val="tx1"/>
+            </a:solidFill>
+            <a:prstDash val="dash"/>
+          </a:ln>
+        </p:spPr>
+        <p:style>
+          <a:lnRef idx="2">
+            <a:schemeClr val="accent1">
+              <a:shade val="50000"/>
+            </a:schemeClr>
+          </a:lnRef>
+          <a:fillRef idx="1">
+            <a:schemeClr val="accent1"/>
+          </a:fillRef>
+          <a:effectRef idx="0">
+            <a:schemeClr val="accent1"/>
+          </a:effectRef>
+          <a:fontRef idx="minor">
+            <a:schemeClr val="lt1"/>
+          </a:fontRef>
+        </p:style>
+        <p:txBody>
+          <a:bodyPr rtlCol="0" anchor="ctr"/>
+          <a:lstStyle/>
+          <a:p>
+            <a:pPr algn="ctr"/>
+            <a:endParaRPr kumimoji="1" lang="ja-JP" altLang="en-US"/>
+          </a:p>
+        </p:txBody>
+      </p:sp>
+      <p:sp>
+        <p:nvSpPr>
+          <p:cNvPr id="19" name="テキスト ボックス 18">
+            <a:extLst>
+              <a:ext uri="{FF2B5EF4-FFF2-40B4-BE49-F238E27FC236}">
+                <a16:creationId xmlns:a16="http://schemas.microsoft.com/office/drawing/2014/main" id="{4775B56C-E736-4D48-8E02-5E0CEDFDE536}"/>
+              </a:ext>
+            </a:extLst>
+          </p:cNvPr>
+          <p:cNvSpPr txBox="1"/>
+          <p:nvPr/>
+        </p:nvSpPr>
+        <p:spPr>
+          <a:xfrm>
+            <a:off x="2987824" y="3789040"/>
+            <a:ext cx="2954655" cy="830997"/>
+          </a:xfrm>
+          <a:prstGeom prst="rect">
+            <a:avLst/>
+          </a:prstGeom>
+          <a:noFill/>
+        </p:spPr>
+        <p:txBody>
+          <a:bodyPr wrap="none" rtlCol="0">
+            <a:spAutoFit/>
+          </a:bodyPr>
+          <a:lstStyle/>
+          <a:p>
+            <a:r>
+              <a:rPr kumimoji="1" lang="ja-JP" altLang="en-US" sz="2400"/>
+              <a:t>リモートを登録して</a:t>
+            </a:r>
+            <a:endParaRPr kumimoji="1" lang="en-US" altLang="ja-JP" sz="2400"/>
+          </a:p>
+          <a:p>
+            <a:r>
+              <a:rPr lang="en-US" altLang="ja-JP" sz="2400"/>
+              <a:t>git push</a:t>
+            </a:r>
+            <a:endParaRPr kumimoji="1" lang="ja-JP" altLang="en-US" sz="2400"/>
+          </a:p>
+        </p:txBody>
+      </p:sp>
+      <p:sp>
+        <p:nvSpPr>
+          <p:cNvPr id="20" name="フローチャート: 磁気ディスク 19">
+            <a:extLst>
+              <a:ext uri="{FF2B5EF4-FFF2-40B4-BE49-F238E27FC236}">
+                <a16:creationId xmlns:a16="http://schemas.microsoft.com/office/drawing/2014/main" id="{9D59AA91-4F1D-43F2-9ACC-29DCBD1D2984}"/>
+              </a:ext>
+            </a:extLst>
+          </p:cNvPr>
+          <p:cNvSpPr/>
+          <p:nvPr/>
+        </p:nvSpPr>
+        <p:spPr>
+          <a:xfrm>
+            <a:off x="6948264" y="5517232"/>
+            <a:ext cx="504056" cy="360040"/>
+          </a:xfrm>
+          <a:prstGeom prst="flowChartMagneticDisk">
+            <a:avLst/>
+          </a:prstGeom>
+          <a:solidFill>
+            <a:schemeClr val="bg1">
+              <a:lumMod val="95000"/>
+            </a:schemeClr>
+          </a:solidFill>
+          <a:ln>
+            <a:solidFill>
+              <a:schemeClr val="tx1"/>
+            </a:solidFill>
+          </a:ln>
+        </p:spPr>
+        <p:style>
+          <a:lnRef idx="2">
+            <a:schemeClr val="accent1">
+              <a:shade val="50000"/>
+            </a:schemeClr>
+          </a:lnRef>
+          <a:fillRef idx="1">
+            <a:schemeClr val="accent1"/>
+          </a:fillRef>
+          <a:effectRef idx="0">
+            <a:schemeClr val="accent1"/>
+          </a:effectRef>
+          <a:fontRef idx="minor">
+            <a:schemeClr val="lt1"/>
+          </a:fontRef>
+        </p:style>
+        <p:txBody>
+          <a:bodyPr rtlCol="0" anchor="ctr"/>
+          <a:lstStyle/>
+          <a:p>
+            <a:pPr algn="ctr"/>
+            <a:r>
+              <a:rPr kumimoji="1" lang="en-US" altLang="ja-JP" sz="1100" dirty="0">
+                <a:solidFill>
+                  <a:schemeClr val="tx1"/>
+                </a:solidFill>
+                <a:latin typeface="Consolas" panose="020B0609020204030204" pitchFamily="49" charset="0"/>
+              </a:rPr>
+              <a:t>.git</a:t>
+            </a:r>
+            <a:endParaRPr kumimoji="1" lang="ja-JP" altLang="en-US" sz="1100" dirty="0">
+              <a:solidFill>
+                <a:schemeClr val="tx1"/>
+              </a:solidFill>
+              <a:latin typeface="Consolas" panose="020B0609020204030204" pitchFamily="49" charset="0"/>
+            </a:endParaRPr>
+          </a:p>
+        </p:txBody>
+      </p:sp>
+      <p:sp>
+        <p:nvSpPr>
+          <p:cNvPr id="21" name="四角形: 角を丸くする 20">
+            <a:extLst>
+              <a:ext uri="{FF2B5EF4-FFF2-40B4-BE49-F238E27FC236}">
+                <a16:creationId xmlns:a16="http://schemas.microsoft.com/office/drawing/2014/main" id="{6B9E50E6-C9F2-48DF-B775-0CCC3906EFE3}"/>
+              </a:ext>
+            </a:extLst>
+          </p:cNvPr>
+          <p:cNvSpPr/>
+          <p:nvPr/>
+        </p:nvSpPr>
+        <p:spPr>
+          <a:xfrm>
+            <a:off x="6732240" y="5373216"/>
+            <a:ext cx="936104" cy="576064"/>
+          </a:xfrm>
+          <a:prstGeom prst="roundRect">
+            <a:avLst/>
+          </a:prstGeom>
+          <a:noFill/>
+          <a:ln w="28575">
+            <a:solidFill>
+              <a:schemeClr val="tx1"/>
+            </a:solidFill>
+            <a:prstDash val="dash"/>
+          </a:ln>
+        </p:spPr>
+        <p:style>
+          <a:lnRef idx="2">
+            <a:schemeClr val="accent1">
+              <a:shade val="50000"/>
+            </a:schemeClr>
+          </a:lnRef>
+          <a:fillRef idx="1">
+            <a:schemeClr val="accent1"/>
+          </a:fillRef>
+          <a:effectRef idx="0">
+            <a:schemeClr val="accent1"/>
+          </a:effectRef>
+          <a:fontRef idx="minor">
+            <a:schemeClr val="lt1"/>
+          </a:fontRef>
+        </p:style>
+        <p:txBody>
+          <a:bodyPr rtlCol="0" anchor="ctr"/>
+          <a:lstStyle/>
+          <a:p>
+            <a:pPr algn="ctr"/>
+            <a:endParaRPr kumimoji="1" lang="ja-JP" altLang="en-US"/>
+          </a:p>
+        </p:txBody>
+      </p:sp>
+      <p:sp>
+        <p:nvSpPr>
+          <p:cNvPr id="22" name="テキスト ボックス 21">
+            <a:extLst>
+              <a:ext uri="{FF2B5EF4-FFF2-40B4-BE49-F238E27FC236}">
+                <a16:creationId xmlns:a16="http://schemas.microsoft.com/office/drawing/2014/main" id="{8D710233-E660-436A-9CF2-FF450C495850}"/>
+              </a:ext>
+            </a:extLst>
+          </p:cNvPr>
+          <p:cNvSpPr txBox="1"/>
+          <p:nvPr/>
+        </p:nvSpPr>
+        <p:spPr>
+          <a:xfrm>
+            <a:off x="6300192" y="4869160"/>
+            <a:ext cx="2262158" cy="369332"/>
+          </a:xfrm>
+          <a:prstGeom prst="rect">
+            <a:avLst/>
+          </a:prstGeom>
+          <a:noFill/>
+        </p:spPr>
+        <p:txBody>
+          <a:bodyPr wrap="none" rtlCol="0">
+            <a:spAutoFit/>
+          </a:bodyPr>
+          <a:lstStyle/>
+          <a:p>
+            <a:pPr algn="ctr"/>
+            <a:r>
+              <a:rPr lang="ja-JP" altLang="en-US" dirty="0"/>
+              <a:t>リモートリポジトリ</a:t>
+            </a:r>
+            <a:endParaRPr kumimoji="1" lang="en-US" altLang="ja-JP" dirty="0"/>
+          </a:p>
+        </p:txBody>
+      </p:sp>
+    </p:spTree>
+    <p:extLst>
+      <p:ext uri="{BB962C8B-B14F-4D97-AF65-F5344CB8AC3E}">
+        <p14:creationId xmlns:p14="http://schemas.microsoft.com/office/powerpoint/2010/main" val="3326362084"/>
+      </p:ext>
+    </p:extLst>
+  </p:cSld>
+  <p:clrMapOvr>
+    <a:masterClrMapping/>
+  </p:clrMapOvr>
+</p:sld>
+</file>
+
 <file path=ppt/slides/slide3.xml><?xml version="1.0" encoding="utf-8"?>
 <p:sld xmlns:a="http://schemas.openxmlformats.org/drawingml/2006/main" xmlns:r="http://schemas.openxmlformats.org/officeDocument/2006/relationships" xmlns:p="http://schemas.openxmlformats.org/presentationml/2006/main">
   <p:cSld>
@@ -9905,6 +14719,196 @@
     <p:extLst>
       <p:ext uri="{BB962C8B-B14F-4D97-AF65-F5344CB8AC3E}">
         <p14:creationId xmlns:p14="http://schemas.microsoft.com/office/powerpoint/2010/main" val="2821879968"/>
+      </p:ext>
+    </p:extLst>
+  </p:cSld>
+  <p:clrMapOvr>
+    <a:masterClrMapping/>
+  </p:clrMapOvr>
+</p:sld>
+</file>
+
+<file path=ppt/slides/slide30.xml><?xml version="1.0" encoding="utf-8"?>
+<p:sld xmlns:a="http://schemas.openxmlformats.org/drawingml/2006/main" xmlns:r="http://schemas.openxmlformats.org/officeDocument/2006/relationships" xmlns:p="http://schemas.openxmlformats.org/presentationml/2006/main">
+  <p:cSld>
+    <p:spTree>
+      <p:nvGrpSpPr>
+        <p:cNvPr id="1" name=""/>
+        <p:cNvGrpSpPr/>
+        <p:nvPr/>
+      </p:nvGrpSpPr>
+      <p:grpSpPr>
+        <a:xfrm>
+          <a:off x="0" y="0"/>
+          <a:ext cx="0" cy="0"/>
+          <a:chOff x="0" y="0"/>
+          <a:chExt cx="0" cy="0"/>
+        </a:xfrm>
+      </p:grpSpPr>
+      <p:sp>
+        <p:nvSpPr>
+          <p:cNvPr id="2" name="テキスト プレースホルダー 1">
+            <a:extLst>
+              <a:ext uri="{FF2B5EF4-FFF2-40B4-BE49-F238E27FC236}">
+                <a16:creationId xmlns:a16="http://schemas.microsoft.com/office/drawing/2014/main" id="{9C210DDF-7460-4826-8FA0-A29E23D6590A}"/>
+              </a:ext>
+            </a:extLst>
+          </p:cNvPr>
+          <p:cNvSpPr>
+            <a:spLocks noGrp="1"/>
+          </p:cNvSpPr>
+          <p:nvPr>
+            <p:ph type="body" sz="quarter" idx="10"/>
+          </p:nvPr>
+        </p:nvSpPr>
+        <p:spPr/>
+        <p:txBody>
+          <a:bodyPr/>
+          <a:lstStyle/>
+          <a:p>
+            <a:r>
+              <a:rPr kumimoji="1" lang="ja-JP" altLang="en-US"/>
+              <a:t>課題</a:t>
+            </a:r>
+            <a:r>
+              <a:rPr lang="en-US" altLang="ja-JP"/>
+              <a:t>2</a:t>
+            </a:r>
+            <a:r>
+              <a:rPr kumimoji="1" lang="en-US" altLang="ja-JP"/>
+              <a:t> – </a:t>
+            </a:r>
+            <a:r>
+              <a:rPr kumimoji="1" lang="ja-JP" altLang="en-US"/>
+              <a:t>レポート課題</a:t>
+            </a:r>
+          </a:p>
+        </p:txBody>
+      </p:sp>
+      <p:pic>
+        <p:nvPicPr>
+          <p:cNvPr id="4" name="図 3">
+            <a:extLst>
+              <a:ext uri="{FF2B5EF4-FFF2-40B4-BE49-F238E27FC236}">
+                <a16:creationId xmlns:a16="http://schemas.microsoft.com/office/drawing/2014/main" id="{8A85D6FC-A065-4BEF-84AC-123B1D762F5C}"/>
+              </a:ext>
+            </a:extLst>
+          </p:cNvPr>
+          <p:cNvPicPr>
+            <a:picLocks noChangeAspect="1"/>
+          </p:cNvPicPr>
+          <p:nvPr/>
+        </p:nvPicPr>
+        <p:blipFill>
+          <a:blip r:embed="rId2"/>
+          <a:stretch>
+            <a:fillRect/>
+          </a:stretch>
+        </p:blipFill>
+        <p:spPr>
+          <a:xfrm>
+            <a:off x="179512" y="1916832"/>
+            <a:ext cx="8620141" cy="3816424"/>
+          </a:xfrm>
+          <a:prstGeom prst="rect">
+            <a:avLst/>
+          </a:prstGeom>
+        </p:spPr>
+      </p:pic>
+      <p:sp>
+        <p:nvSpPr>
+          <p:cNvPr id="5" name="テキスト ボックス 4">
+            <a:extLst>
+              <a:ext uri="{FF2B5EF4-FFF2-40B4-BE49-F238E27FC236}">
+                <a16:creationId xmlns:a16="http://schemas.microsoft.com/office/drawing/2014/main" id="{2E59C18E-653B-478C-B3F3-1B51B376586A}"/>
+              </a:ext>
+            </a:extLst>
+          </p:cNvPr>
+          <p:cNvSpPr txBox="1"/>
+          <p:nvPr/>
+        </p:nvSpPr>
+        <p:spPr>
+          <a:xfrm>
+            <a:off x="179512" y="1268760"/>
+            <a:ext cx="8597225" cy="369332"/>
+          </a:xfrm>
+          <a:prstGeom prst="rect">
+            <a:avLst/>
+          </a:prstGeom>
+          <a:noFill/>
+        </p:spPr>
+        <p:txBody>
+          <a:bodyPr wrap="none" rtlCol="0">
+            <a:spAutoFit/>
+          </a:bodyPr>
+          <a:lstStyle/>
+          <a:p>
+            <a:r>
+              <a:rPr kumimoji="1" lang="en-US" altLang="ja-JP"/>
+              <a:t>push</a:t>
+            </a:r>
+            <a:r>
+              <a:rPr kumimoji="1" lang="ja-JP" altLang="en-US"/>
+              <a:t>後、</a:t>
+            </a:r>
+            <a:r>
+              <a:rPr kumimoji="1" lang="en-US" altLang="ja-JP"/>
+              <a:t>GitHub</a:t>
+            </a:r>
+            <a:r>
+              <a:rPr kumimoji="1" lang="ja-JP" altLang="en-US"/>
+              <a:t>の</a:t>
+            </a:r>
+            <a:r>
+              <a:rPr kumimoji="1" lang="en-US" altLang="ja-JP"/>
+              <a:t>test2</a:t>
+            </a:r>
+            <a:r>
+              <a:rPr kumimoji="1" lang="ja-JP" altLang="en-US"/>
+              <a:t>のページをリロードすると、以下のような画面になるはず</a:t>
+            </a:r>
+          </a:p>
+        </p:txBody>
+      </p:sp>
+      <p:sp>
+        <p:nvSpPr>
+          <p:cNvPr id="6" name="テキスト ボックス 5">
+            <a:extLst>
+              <a:ext uri="{FF2B5EF4-FFF2-40B4-BE49-F238E27FC236}">
+                <a16:creationId xmlns:a16="http://schemas.microsoft.com/office/drawing/2014/main" id="{BCD3DD2F-344B-435D-832C-5891AA6CCA42}"/>
+              </a:ext>
+            </a:extLst>
+          </p:cNvPr>
+          <p:cNvSpPr txBox="1"/>
+          <p:nvPr/>
+        </p:nvSpPr>
+        <p:spPr>
+          <a:xfrm>
+            <a:off x="251520" y="6021288"/>
+            <a:ext cx="5032147" cy="369332"/>
+          </a:xfrm>
+          <a:prstGeom prst="rect">
+            <a:avLst/>
+          </a:prstGeom>
+          <a:noFill/>
+        </p:spPr>
+        <p:txBody>
+          <a:bodyPr wrap="none" rtlCol="0">
+            <a:spAutoFit/>
+          </a:bodyPr>
+          <a:lstStyle/>
+          <a:p>
+            <a:r>
+              <a:rPr kumimoji="1" lang="ja-JP" altLang="en-US"/>
+              <a:t>このスクリーンショットをレポートとして提出</a:t>
+            </a:r>
+          </a:p>
+        </p:txBody>
+      </p:sp>
+    </p:spTree>
+    <p:extLst>
+      <p:ext uri="{BB962C8B-B14F-4D97-AF65-F5344CB8AC3E}">
+        <p14:creationId xmlns:p14="http://schemas.microsoft.com/office/powerpoint/2010/main" val="2908580705"/>
       </p:ext>
     </p:extLst>
   </p:cSld>

--- a/practice_github/fig/github_ex03.pptx
+++ b/practice_github/fig/github_ex03.pptx
@@ -5,7 +5,7 @@
     <p:sldMasterId id="2147483663" r:id="rId1"/>
   </p:sldMasterIdLst>
   <p:notesMasterIdLst>
-    <p:notesMasterId r:id="rId32"/>
+    <p:notesMasterId r:id="rId45"/>
   </p:notesMasterIdLst>
   <p:sldIdLst>
     <p:sldId id="256" r:id="rId2"/>
@@ -38,6 +38,19 @@
     <p:sldId id="380" r:id="rId29"/>
     <p:sldId id="381" r:id="rId30"/>
     <p:sldId id="382" r:id="rId31"/>
+    <p:sldId id="383" r:id="rId32"/>
+    <p:sldId id="384" r:id="rId33"/>
+    <p:sldId id="386" r:id="rId34"/>
+    <p:sldId id="385" r:id="rId35"/>
+    <p:sldId id="387" r:id="rId36"/>
+    <p:sldId id="388" r:id="rId37"/>
+    <p:sldId id="389" r:id="rId38"/>
+    <p:sldId id="390" r:id="rId39"/>
+    <p:sldId id="391" r:id="rId40"/>
+    <p:sldId id="392" r:id="rId41"/>
+    <p:sldId id="393" r:id="rId42"/>
+    <p:sldId id="394" r:id="rId43"/>
+    <p:sldId id="395" r:id="rId44"/>
   </p:sldIdLst>
   <p:sldSz cx="9144000" cy="6858000" type="screen4x3"/>
   <p:notesSz cx="6858000" cy="9144000"/>
@@ -14918,6 +14931,6462 @@
 </p:sld>
 </file>
 
+<file path=ppt/slides/slide31.xml><?xml version="1.0" encoding="utf-8"?>
+<p:sld xmlns:a="http://schemas.openxmlformats.org/drawingml/2006/main" xmlns:r="http://schemas.openxmlformats.org/officeDocument/2006/relationships" xmlns:p="http://schemas.openxmlformats.org/presentationml/2006/main">
+  <p:cSld>
+    <p:spTree>
+      <p:nvGrpSpPr>
+        <p:cNvPr id="1" name=""/>
+        <p:cNvGrpSpPr/>
+        <p:nvPr/>
+      </p:nvGrpSpPr>
+      <p:grpSpPr>
+        <a:xfrm>
+          <a:off x="0" y="0"/>
+          <a:ext cx="0" cy="0"/>
+          <a:chOff x="0" y="0"/>
+          <a:chExt cx="0" cy="0"/>
+        </a:xfrm>
+      </p:grpSpPr>
+      <p:pic>
+        <p:nvPicPr>
+          <p:cNvPr id="1028" name="Picture 4" descr="ホワイトボードのイラスト（ビジネス）">
+            <a:extLst>
+              <a:ext uri="{FF2B5EF4-FFF2-40B4-BE49-F238E27FC236}">
+                <a16:creationId xmlns:a16="http://schemas.microsoft.com/office/drawing/2014/main" id="{EA8C6CC7-6B7A-4D1B-870F-6890B42E04AA}"/>
+              </a:ext>
+            </a:extLst>
+          </p:cNvPr>
+          <p:cNvPicPr>
+            <a:picLocks noChangeAspect="1" noChangeArrowheads="1"/>
+          </p:cNvPicPr>
+          <p:nvPr/>
+        </p:nvPicPr>
+        <p:blipFill>
+          <a:blip r:embed="rId2">
+            <a:extLst>
+              <a:ext uri="{28A0092B-C50C-407E-A947-70E740481C1C}">
+                <a14:useLocalDpi xmlns:a14="http://schemas.microsoft.com/office/drawing/2010/main" val="0"/>
+              </a:ext>
+            </a:extLst>
+          </a:blip>
+          <a:srcRect/>
+          <a:stretch>
+            <a:fillRect/>
+          </a:stretch>
+        </p:blipFill>
+        <p:spPr bwMode="auto">
+          <a:xfrm>
+            <a:off x="539552" y="2893867"/>
+            <a:ext cx="3773016" cy="3930225"/>
+          </a:xfrm>
+          <a:prstGeom prst="rect">
+            <a:avLst/>
+          </a:prstGeom>
+          <a:noFill/>
+          <a:extLst>
+            <a:ext uri="{909E8E84-426E-40DD-AFC4-6F175D3DCCD1}">
+              <a14:hiddenFill xmlns:a14="http://schemas.microsoft.com/office/drawing/2010/main">
+                <a:solidFill>
+                  <a:srgbClr val="FFFFFF"/>
+                </a:solidFill>
+              </a14:hiddenFill>
+            </a:ext>
+          </a:extLst>
+        </p:spPr>
+      </p:pic>
+      <p:sp>
+        <p:nvSpPr>
+          <p:cNvPr id="2" name="テキスト プレースホルダー 1">
+            <a:extLst>
+              <a:ext uri="{FF2B5EF4-FFF2-40B4-BE49-F238E27FC236}">
+                <a16:creationId xmlns:a16="http://schemas.microsoft.com/office/drawing/2014/main" id="{C201E473-4692-4D52-B27A-E5FACF07E6E6}"/>
+              </a:ext>
+            </a:extLst>
+          </p:cNvPr>
+          <p:cNvSpPr>
+            <a:spLocks noGrp="1"/>
+          </p:cNvSpPr>
+          <p:nvPr>
+            <p:ph type="body" sz="quarter" idx="10"/>
+          </p:nvPr>
+        </p:nvSpPr>
+        <p:spPr/>
+        <p:txBody>
+          <a:bodyPr/>
+          <a:lstStyle/>
+          <a:p>
+            <a:r>
+              <a:rPr lang="ja-JP" altLang="en-US"/>
+              <a:t>課題</a:t>
+            </a:r>
+            <a:r>
+              <a:rPr lang="en-US" altLang="ja-JP"/>
+              <a:t>3 - Issue</a:t>
+            </a:r>
+            <a:r>
+              <a:rPr lang="ja-JP" altLang="en-US"/>
+              <a:t> </a:t>
+            </a:r>
+            <a:r>
+              <a:rPr lang="en-US" altLang="ja-JP"/>
+              <a:t>Tracking</a:t>
+            </a:r>
+            <a:r>
+              <a:rPr lang="ja-JP" altLang="en-US"/>
+              <a:t> </a:t>
+            </a:r>
+            <a:r>
+              <a:rPr lang="en-US" altLang="ja-JP"/>
+              <a:t>System</a:t>
+            </a:r>
+            <a:endParaRPr kumimoji="1" lang="ja-JP" altLang="en-US"/>
+          </a:p>
+        </p:txBody>
+      </p:sp>
+      <p:sp>
+        <p:nvSpPr>
+          <p:cNvPr id="3" name="テキスト ボックス 2">
+            <a:extLst>
+              <a:ext uri="{FF2B5EF4-FFF2-40B4-BE49-F238E27FC236}">
+                <a16:creationId xmlns:a16="http://schemas.microsoft.com/office/drawing/2014/main" id="{74291B69-5D2B-4EFF-B85B-E64B316C3E00}"/>
+              </a:ext>
+            </a:extLst>
+          </p:cNvPr>
+          <p:cNvSpPr txBox="1"/>
+          <p:nvPr/>
+        </p:nvSpPr>
+        <p:spPr>
+          <a:xfrm>
+            <a:off x="251520" y="1052736"/>
+            <a:ext cx="7725192" cy="954107"/>
+          </a:xfrm>
+          <a:prstGeom prst="rect">
+            <a:avLst/>
+          </a:prstGeom>
+          <a:noFill/>
+        </p:spPr>
+        <p:txBody>
+          <a:bodyPr wrap="none" rtlCol="0">
+            <a:spAutoFit/>
+          </a:bodyPr>
+          <a:lstStyle/>
+          <a:p>
+            <a:r>
+              <a:rPr kumimoji="1" lang="ja-JP" altLang="en-US" sz="2800"/>
+              <a:t>「いま抱えている仕事」を可視化したい</a:t>
+            </a:r>
+            <a:endParaRPr kumimoji="1" lang="en-US" altLang="ja-JP" sz="2800"/>
+          </a:p>
+          <a:p>
+            <a:r>
+              <a:rPr kumimoji="1" lang="ja-JP" altLang="en-US" sz="2800"/>
+              <a:t>どの仕事がどこまで進んでいるかを把握したい</a:t>
+            </a:r>
+            <a:endParaRPr kumimoji="1" lang="en-US" altLang="ja-JP" sz="2800"/>
+          </a:p>
+        </p:txBody>
+      </p:sp>
+      <p:pic>
+        <p:nvPicPr>
+          <p:cNvPr id="1026" name="Picture 2" descr="四角い付箋のイラスト「淡黄色」">
+            <a:extLst>
+              <a:ext uri="{FF2B5EF4-FFF2-40B4-BE49-F238E27FC236}">
+                <a16:creationId xmlns:a16="http://schemas.microsoft.com/office/drawing/2014/main" id="{BDE5E564-50AC-4B66-B800-D19F7DCA7D3D}"/>
+              </a:ext>
+            </a:extLst>
+          </p:cNvPr>
+          <p:cNvPicPr>
+            <a:picLocks noChangeAspect="1" noChangeArrowheads="1"/>
+          </p:cNvPicPr>
+          <p:nvPr/>
+        </p:nvPicPr>
+        <p:blipFill>
+          <a:blip r:embed="rId3">
+            <a:extLst>
+              <a:ext uri="{28A0092B-C50C-407E-A947-70E740481C1C}">
+                <a14:useLocalDpi xmlns:a14="http://schemas.microsoft.com/office/drawing/2010/main" val="0"/>
+              </a:ext>
+            </a:extLst>
+          </a:blip>
+          <a:srcRect/>
+          <a:stretch>
+            <a:fillRect/>
+          </a:stretch>
+        </p:blipFill>
+        <p:spPr bwMode="auto">
+          <a:xfrm>
+            <a:off x="899592" y="3181899"/>
+            <a:ext cx="800089" cy="720080"/>
+          </a:xfrm>
+          <a:prstGeom prst="rect">
+            <a:avLst/>
+          </a:prstGeom>
+          <a:noFill/>
+          <a:extLst>
+            <a:ext uri="{909E8E84-426E-40DD-AFC4-6F175D3DCCD1}">
+              <a14:hiddenFill xmlns:a14="http://schemas.microsoft.com/office/drawing/2010/main">
+                <a:solidFill>
+                  <a:srgbClr val="FFFFFF"/>
+                </a:solidFill>
+              </a14:hiddenFill>
+            </a:ext>
+          </a:extLst>
+        </p:spPr>
+      </p:pic>
+      <p:pic>
+        <p:nvPicPr>
+          <p:cNvPr id="5" name="Picture 2" descr="四角い付箋のイラスト「淡黄色」">
+            <a:extLst>
+              <a:ext uri="{FF2B5EF4-FFF2-40B4-BE49-F238E27FC236}">
+                <a16:creationId xmlns:a16="http://schemas.microsoft.com/office/drawing/2014/main" id="{565C0FA0-9395-4845-9F93-5FC3ED8E382A}"/>
+              </a:ext>
+            </a:extLst>
+          </p:cNvPr>
+          <p:cNvPicPr>
+            <a:picLocks noChangeAspect="1" noChangeArrowheads="1"/>
+          </p:cNvPicPr>
+          <p:nvPr/>
+        </p:nvPicPr>
+        <p:blipFill>
+          <a:blip r:embed="rId3">
+            <a:extLst>
+              <a:ext uri="{28A0092B-C50C-407E-A947-70E740481C1C}">
+                <a14:useLocalDpi xmlns:a14="http://schemas.microsoft.com/office/drawing/2010/main" val="0"/>
+              </a:ext>
+            </a:extLst>
+          </a:blip>
+          <a:srcRect/>
+          <a:stretch>
+            <a:fillRect/>
+          </a:stretch>
+        </p:blipFill>
+        <p:spPr bwMode="auto">
+          <a:xfrm>
+            <a:off x="1907704" y="3181899"/>
+            <a:ext cx="800089" cy="720080"/>
+          </a:xfrm>
+          <a:prstGeom prst="rect">
+            <a:avLst/>
+          </a:prstGeom>
+          <a:noFill/>
+          <a:extLst>
+            <a:ext uri="{909E8E84-426E-40DD-AFC4-6F175D3DCCD1}">
+              <a14:hiddenFill xmlns:a14="http://schemas.microsoft.com/office/drawing/2010/main">
+                <a:solidFill>
+                  <a:srgbClr val="FFFFFF"/>
+                </a:solidFill>
+              </a14:hiddenFill>
+            </a:ext>
+          </a:extLst>
+        </p:spPr>
+      </p:pic>
+      <p:pic>
+        <p:nvPicPr>
+          <p:cNvPr id="7" name="Picture 2" descr="四角い付箋のイラスト「淡黄色」">
+            <a:extLst>
+              <a:ext uri="{FF2B5EF4-FFF2-40B4-BE49-F238E27FC236}">
+                <a16:creationId xmlns:a16="http://schemas.microsoft.com/office/drawing/2014/main" id="{0109AF01-48A8-4B59-8981-B147ED772468}"/>
+              </a:ext>
+            </a:extLst>
+          </p:cNvPr>
+          <p:cNvPicPr>
+            <a:picLocks noChangeAspect="1" noChangeArrowheads="1"/>
+          </p:cNvPicPr>
+          <p:nvPr/>
+        </p:nvPicPr>
+        <p:blipFill>
+          <a:blip r:embed="rId3">
+            <a:extLst>
+              <a:ext uri="{28A0092B-C50C-407E-A947-70E740481C1C}">
+                <a14:useLocalDpi xmlns:a14="http://schemas.microsoft.com/office/drawing/2010/main" val="0"/>
+              </a:ext>
+            </a:extLst>
+          </a:blip>
+          <a:srcRect/>
+          <a:stretch>
+            <a:fillRect/>
+          </a:stretch>
+        </p:blipFill>
+        <p:spPr bwMode="auto">
+          <a:xfrm>
+            <a:off x="2915816" y="3181899"/>
+            <a:ext cx="800089" cy="720080"/>
+          </a:xfrm>
+          <a:prstGeom prst="rect">
+            <a:avLst/>
+          </a:prstGeom>
+          <a:noFill/>
+          <a:extLst>
+            <a:ext uri="{909E8E84-426E-40DD-AFC4-6F175D3DCCD1}">
+              <a14:hiddenFill xmlns:a14="http://schemas.microsoft.com/office/drawing/2010/main">
+                <a:solidFill>
+                  <a:srgbClr val="FFFFFF"/>
+                </a:solidFill>
+              </a14:hiddenFill>
+            </a:ext>
+          </a:extLst>
+        </p:spPr>
+      </p:pic>
+      <p:pic>
+        <p:nvPicPr>
+          <p:cNvPr id="8" name="Picture 2" descr="四角い付箋のイラスト「淡黄色」">
+            <a:extLst>
+              <a:ext uri="{FF2B5EF4-FFF2-40B4-BE49-F238E27FC236}">
+                <a16:creationId xmlns:a16="http://schemas.microsoft.com/office/drawing/2014/main" id="{DB3EB6E2-E496-418B-9B45-1F9826601AFB}"/>
+              </a:ext>
+            </a:extLst>
+          </p:cNvPr>
+          <p:cNvPicPr>
+            <a:picLocks noChangeAspect="1" noChangeArrowheads="1"/>
+          </p:cNvPicPr>
+          <p:nvPr/>
+        </p:nvPicPr>
+        <p:blipFill>
+          <a:blip r:embed="rId3">
+            <a:extLst>
+              <a:ext uri="{28A0092B-C50C-407E-A947-70E740481C1C}">
+                <a14:useLocalDpi xmlns:a14="http://schemas.microsoft.com/office/drawing/2010/main" val="0"/>
+              </a:ext>
+            </a:extLst>
+          </a:blip>
+          <a:srcRect/>
+          <a:stretch>
+            <a:fillRect/>
+          </a:stretch>
+        </p:blipFill>
+        <p:spPr bwMode="auto">
+          <a:xfrm>
+            <a:off x="899592" y="4045995"/>
+            <a:ext cx="800089" cy="720080"/>
+          </a:xfrm>
+          <a:prstGeom prst="rect">
+            <a:avLst/>
+          </a:prstGeom>
+          <a:noFill/>
+          <a:extLst>
+            <a:ext uri="{909E8E84-426E-40DD-AFC4-6F175D3DCCD1}">
+              <a14:hiddenFill xmlns:a14="http://schemas.microsoft.com/office/drawing/2010/main">
+                <a:solidFill>
+                  <a:srgbClr val="FFFFFF"/>
+                </a:solidFill>
+              </a14:hiddenFill>
+            </a:ext>
+          </a:extLst>
+        </p:spPr>
+      </p:pic>
+      <p:pic>
+        <p:nvPicPr>
+          <p:cNvPr id="9" name="Picture 2" descr="四角い付箋のイラスト「淡黄色」">
+            <a:extLst>
+              <a:ext uri="{FF2B5EF4-FFF2-40B4-BE49-F238E27FC236}">
+                <a16:creationId xmlns:a16="http://schemas.microsoft.com/office/drawing/2014/main" id="{DBE5EF83-B33A-4707-BC91-5BF8F84BF8D0}"/>
+              </a:ext>
+            </a:extLst>
+          </p:cNvPr>
+          <p:cNvPicPr>
+            <a:picLocks noChangeAspect="1" noChangeArrowheads="1"/>
+          </p:cNvPicPr>
+          <p:nvPr/>
+        </p:nvPicPr>
+        <p:blipFill>
+          <a:blip r:embed="rId3">
+            <a:extLst>
+              <a:ext uri="{28A0092B-C50C-407E-A947-70E740481C1C}">
+                <a14:useLocalDpi xmlns:a14="http://schemas.microsoft.com/office/drawing/2010/main" val="0"/>
+              </a:ext>
+            </a:extLst>
+          </a:blip>
+          <a:srcRect/>
+          <a:stretch>
+            <a:fillRect/>
+          </a:stretch>
+        </p:blipFill>
+        <p:spPr bwMode="auto">
+          <a:xfrm>
+            <a:off x="1907704" y="4045995"/>
+            <a:ext cx="800089" cy="720080"/>
+          </a:xfrm>
+          <a:prstGeom prst="rect">
+            <a:avLst/>
+          </a:prstGeom>
+          <a:noFill/>
+          <a:extLst>
+            <a:ext uri="{909E8E84-426E-40DD-AFC4-6F175D3DCCD1}">
+              <a14:hiddenFill xmlns:a14="http://schemas.microsoft.com/office/drawing/2010/main">
+                <a:solidFill>
+                  <a:srgbClr val="FFFFFF"/>
+                </a:solidFill>
+              </a14:hiddenFill>
+            </a:ext>
+          </a:extLst>
+        </p:spPr>
+      </p:pic>
+      <p:pic>
+        <p:nvPicPr>
+          <p:cNvPr id="10" name="Picture 2" descr="四角い付箋のイラスト「淡黄色」">
+            <a:extLst>
+              <a:ext uri="{FF2B5EF4-FFF2-40B4-BE49-F238E27FC236}">
+                <a16:creationId xmlns:a16="http://schemas.microsoft.com/office/drawing/2014/main" id="{3B418821-694D-472E-8630-E1B1E2E634C1}"/>
+              </a:ext>
+            </a:extLst>
+          </p:cNvPr>
+          <p:cNvPicPr>
+            <a:picLocks noChangeAspect="1" noChangeArrowheads="1"/>
+          </p:cNvPicPr>
+          <p:nvPr/>
+        </p:nvPicPr>
+        <p:blipFill>
+          <a:blip r:embed="rId3">
+            <a:extLst>
+              <a:ext uri="{28A0092B-C50C-407E-A947-70E740481C1C}">
+                <a14:useLocalDpi xmlns:a14="http://schemas.microsoft.com/office/drawing/2010/main" val="0"/>
+              </a:ext>
+            </a:extLst>
+          </a:blip>
+          <a:srcRect/>
+          <a:stretch>
+            <a:fillRect/>
+          </a:stretch>
+        </p:blipFill>
+        <p:spPr bwMode="auto">
+          <a:xfrm>
+            <a:off x="2915816" y="4045995"/>
+            <a:ext cx="800089" cy="720080"/>
+          </a:xfrm>
+          <a:prstGeom prst="rect">
+            <a:avLst/>
+          </a:prstGeom>
+          <a:noFill/>
+          <a:extLst>
+            <a:ext uri="{909E8E84-426E-40DD-AFC4-6F175D3DCCD1}">
+              <a14:hiddenFill xmlns:a14="http://schemas.microsoft.com/office/drawing/2010/main">
+                <a:solidFill>
+                  <a:srgbClr val="FFFFFF"/>
+                </a:solidFill>
+              </a14:hiddenFill>
+            </a:ext>
+          </a:extLst>
+        </p:spPr>
+      </p:pic>
+      <p:sp>
+        <p:nvSpPr>
+          <p:cNvPr id="4" name="テキスト ボックス 3">
+            <a:extLst>
+              <a:ext uri="{FF2B5EF4-FFF2-40B4-BE49-F238E27FC236}">
+                <a16:creationId xmlns:a16="http://schemas.microsoft.com/office/drawing/2014/main" id="{DB1D0B92-4259-4FB9-B014-4DEE2DBBC145}"/>
+              </a:ext>
+            </a:extLst>
+          </p:cNvPr>
+          <p:cNvSpPr txBox="1"/>
+          <p:nvPr/>
+        </p:nvSpPr>
+        <p:spPr>
+          <a:xfrm>
+            <a:off x="4355976" y="3181899"/>
+            <a:ext cx="3215945" cy="584775"/>
+          </a:xfrm>
+          <a:prstGeom prst="rect">
+            <a:avLst/>
+          </a:prstGeom>
+          <a:noFill/>
+        </p:spPr>
+        <p:txBody>
+          <a:bodyPr wrap="none" rtlCol="0">
+            <a:spAutoFit/>
+          </a:bodyPr>
+          <a:lstStyle/>
+          <a:p>
+            <a:r>
+              <a:rPr lang="ja-JP" altLang="en-US" sz="3200"/>
+              <a:t>「課題」＝</a:t>
+            </a:r>
+            <a:r>
+              <a:rPr lang="en-US" altLang="ja-JP" sz="3200"/>
+              <a:t>Issue</a:t>
+            </a:r>
+            <a:endParaRPr kumimoji="1" lang="en-US" altLang="ja-JP" sz="3200"/>
+          </a:p>
+        </p:txBody>
+      </p:sp>
+      <p:sp>
+        <p:nvSpPr>
+          <p:cNvPr id="6" name="テキスト ボックス 5">
+            <a:extLst>
+              <a:ext uri="{FF2B5EF4-FFF2-40B4-BE49-F238E27FC236}">
+                <a16:creationId xmlns:a16="http://schemas.microsoft.com/office/drawing/2014/main" id="{E5001EBA-91EA-473A-A328-4544E17DCF45}"/>
+              </a:ext>
+            </a:extLst>
+          </p:cNvPr>
+          <p:cNvSpPr txBox="1"/>
+          <p:nvPr/>
+        </p:nvSpPr>
+        <p:spPr>
+          <a:xfrm>
+            <a:off x="2627784" y="2204864"/>
+            <a:ext cx="5331652" cy="584775"/>
+          </a:xfrm>
+          <a:prstGeom prst="rect">
+            <a:avLst/>
+          </a:prstGeom>
+          <a:noFill/>
+        </p:spPr>
+        <p:txBody>
+          <a:bodyPr wrap="none" rtlCol="0">
+            <a:spAutoFit/>
+          </a:bodyPr>
+          <a:lstStyle/>
+          <a:p>
+            <a:r>
+              <a:rPr kumimoji="1" lang="en-US" altLang="ja-JP" sz="3200"/>
+              <a:t>Issue Tracking System (ITS)</a:t>
+            </a:r>
+            <a:endParaRPr kumimoji="1" lang="ja-JP" altLang="en-US" sz="3200"/>
+          </a:p>
+        </p:txBody>
+      </p:sp>
+      <p:sp>
+        <p:nvSpPr>
+          <p:cNvPr id="11" name="矢印: 右 10">
+            <a:extLst>
+              <a:ext uri="{FF2B5EF4-FFF2-40B4-BE49-F238E27FC236}">
+                <a16:creationId xmlns:a16="http://schemas.microsoft.com/office/drawing/2014/main" id="{DAD63188-6853-46CA-AFA5-EDACF1247C42}"/>
+              </a:ext>
+            </a:extLst>
+          </p:cNvPr>
+          <p:cNvSpPr/>
+          <p:nvPr/>
+        </p:nvSpPr>
+        <p:spPr>
+          <a:xfrm>
+            <a:off x="1835696" y="2276872"/>
+            <a:ext cx="648072" cy="556640"/>
+          </a:xfrm>
+          <a:prstGeom prst="rightArrow">
+            <a:avLst/>
+          </a:prstGeom>
+          <a:solidFill>
+            <a:srgbClr val="FF0000"/>
+          </a:solidFill>
+          <a:ln>
+            <a:solidFill>
+              <a:schemeClr val="tx1"/>
+            </a:solidFill>
+          </a:ln>
+        </p:spPr>
+        <p:style>
+          <a:lnRef idx="2">
+            <a:schemeClr val="accent1">
+              <a:shade val="50000"/>
+            </a:schemeClr>
+          </a:lnRef>
+          <a:fillRef idx="1">
+            <a:schemeClr val="accent1"/>
+          </a:fillRef>
+          <a:effectRef idx="0">
+            <a:schemeClr val="accent1"/>
+          </a:effectRef>
+          <a:fontRef idx="minor">
+            <a:schemeClr val="lt1"/>
+          </a:fontRef>
+        </p:style>
+        <p:txBody>
+          <a:bodyPr rtlCol="0" anchor="ctr"/>
+          <a:lstStyle/>
+          <a:p>
+            <a:pPr algn="ctr"/>
+            <a:endParaRPr kumimoji="1" lang="ja-JP" altLang="en-US"/>
+          </a:p>
+        </p:txBody>
+      </p:sp>
+    </p:spTree>
+    <p:extLst>
+      <p:ext uri="{BB962C8B-B14F-4D97-AF65-F5344CB8AC3E}">
+        <p14:creationId xmlns:p14="http://schemas.microsoft.com/office/powerpoint/2010/main" val="2641386232"/>
+      </p:ext>
+    </p:extLst>
+  </p:cSld>
+  <p:clrMapOvr>
+    <a:masterClrMapping/>
+  </p:clrMapOvr>
+</p:sld>
+</file>
+
+<file path=ppt/slides/slide32.xml><?xml version="1.0" encoding="utf-8"?>
+<p:sld xmlns:a="http://schemas.openxmlformats.org/drawingml/2006/main" xmlns:r="http://schemas.openxmlformats.org/officeDocument/2006/relationships" xmlns:p="http://schemas.openxmlformats.org/presentationml/2006/main">
+  <p:cSld>
+    <p:spTree>
+      <p:nvGrpSpPr>
+        <p:cNvPr id="1" name=""/>
+        <p:cNvGrpSpPr/>
+        <p:nvPr/>
+      </p:nvGrpSpPr>
+      <p:grpSpPr>
+        <a:xfrm>
+          <a:off x="0" y="0"/>
+          <a:ext cx="0" cy="0"/>
+          <a:chOff x="0" y="0"/>
+          <a:chExt cx="0" cy="0"/>
+        </a:xfrm>
+      </p:grpSpPr>
+      <p:sp>
+        <p:nvSpPr>
+          <p:cNvPr id="2" name="テキスト プレースホルダー 1">
+            <a:extLst>
+              <a:ext uri="{FF2B5EF4-FFF2-40B4-BE49-F238E27FC236}">
+                <a16:creationId xmlns:a16="http://schemas.microsoft.com/office/drawing/2014/main" id="{43947092-DFFB-4B21-A50C-0ADE3D9FACD4}"/>
+              </a:ext>
+            </a:extLst>
+          </p:cNvPr>
+          <p:cNvSpPr>
+            <a:spLocks noGrp="1"/>
+          </p:cNvSpPr>
+          <p:nvPr>
+            <p:ph type="body" sz="quarter" idx="10"/>
+          </p:nvPr>
+        </p:nvSpPr>
+        <p:spPr/>
+        <p:txBody>
+          <a:bodyPr/>
+          <a:lstStyle/>
+          <a:p>
+            <a:r>
+              <a:rPr lang="ja-JP" altLang="en-US"/>
+              <a:t>課題</a:t>
+            </a:r>
+            <a:r>
+              <a:rPr lang="en-US" altLang="ja-JP"/>
+              <a:t>3 - Issue</a:t>
+            </a:r>
+            <a:r>
+              <a:rPr lang="ja-JP" altLang="en-US"/>
+              <a:t> </a:t>
+            </a:r>
+            <a:r>
+              <a:rPr lang="en-US" altLang="ja-JP"/>
+              <a:t>Tracking</a:t>
+            </a:r>
+            <a:r>
+              <a:rPr lang="ja-JP" altLang="en-US"/>
+              <a:t> </a:t>
+            </a:r>
+            <a:r>
+              <a:rPr lang="en-US" altLang="ja-JP"/>
+              <a:t>System</a:t>
+            </a:r>
+            <a:endParaRPr kumimoji="1" lang="ja-JP" altLang="en-US"/>
+          </a:p>
+        </p:txBody>
+      </p:sp>
+      <p:sp>
+        <p:nvSpPr>
+          <p:cNvPr id="3" name="楕円 4">
+            <a:extLst>
+              <a:ext uri="{FF2B5EF4-FFF2-40B4-BE49-F238E27FC236}">
+                <a16:creationId xmlns:a16="http://schemas.microsoft.com/office/drawing/2014/main" id="{F3D90B40-8C7C-4AAD-9F5A-104B7A634E26}"/>
+              </a:ext>
+            </a:extLst>
+          </p:cNvPr>
+          <p:cNvSpPr/>
+          <p:nvPr/>
+        </p:nvSpPr>
+        <p:spPr>
+          <a:xfrm>
+            <a:off x="596342" y="3871916"/>
+            <a:ext cx="432048" cy="432048"/>
+          </a:xfrm>
+          <a:prstGeom prst="ellipse">
+            <a:avLst/>
+          </a:prstGeom>
+          <a:solidFill>
+            <a:srgbClr val="011893"/>
+          </a:solidFill>
+          <a:ln>
+            <a:solidFill>
+              <a:schemeClr val="tx1"/>
+            </a:solidFill>
+          </a:ln>
+        </p:spPr>
+        <p:style>
+          <a:lnRef idx="2">
+            <a:schemeClr val="accent1">
+              <a:shade val="50000"/>
+            </a:schemeClr>
+          </a:lnRef>
+          <a:fillRef idx="1">
+            <a:schemeClr val="accent1"/>
+          </a:fillRef>
+          <a:effectRef idx="0">
+            <a:schemeClr val="accent1"/>
+          </a:effectRef>
+          <a:fontRef idx="minor">
+            <a:schemeClr val="lt1"/>
+          </a:fontRef>
+        </p:style>
+        <p:txBody>
+          <a:bodyPr rtlCol="0" anchor="ctr"/>
+          <a:lstStyle/>
+          <a:p>
+            <a:pPr algn="ctr"/>
+            <a:endParaRPr kumimoji="1" lang="ja-JP" altLang="en-US"/>
+          </a:p>
+        </p:txBody>
+      </p:sp>
+      <p:sp>
+        <p:nvSpPr>
+          <p:cNvPr id="4" name="楕円 4">
+            <a:extLst>
+              <a:ext uri="{FF2B5EF4-FFF2-40B4-BE49-F238E27FC236}">
+                <a16:creationId xmlns:a16="http://schemas.microsoft.com/office/drawing/2014/main" id="{0E4788D2-9387-4CFA-B1F7-F953F85F263A}"/>
+              </a:ext>
+            </a:extLst>
+          </p:cNvPr>
+          <p:cNvSpPr/>
+          <p:nvPr/>
+        </p:nvSpPr>
+        <p:spPr>
+          <a:xfrm>
+            <a:off x="2051427" y="2996952"/>
+            <a:ext cx="432048" cy="432048"/>
+          </a:xfrm>
+          <a:prstGeom prst="ellipse">
+            <a:avLst/>
+          </a:prstGeom>
+          <a:solidFill>
+            <a:srgbClr val="011893"/>
+          </a:solidFill>
+          <a:ln>
+            <a:solidFill>
+              <a:schemeClr val="tx1"/>
+            </a:solidFill>
+          </a:ln>
+        </p:spPr>
+        <p:style>
+          <a:lnRef idx="2">
+            <a:schemeClr val="accent1">
+              <a:shade val="50000"/>
+            </a:schemeClr>
+          </a:lnRef>
+          <a:fillRef idx="1">
+            <a:schemeClr val="accent1"/>
+          </a:fillRef>
+          <a:effectRef idx="0">
+            <a:schemeClr val="accent1"/>
+          </a:effectRef>
+          <a:fontRef idx="minor">
+            <a:schemeClr val="lt1"/>
+          </a:fontRef>
+        </p:style>
+        <p:txBody>
+          <a:bodyPr rtlCol="0" anchor="ctr"/>
+          <a:lstStyle/>
+          <a:p>
+            <a:pPr algn="ctr"/>
+            <a:endParaRPr kumimoji="1" lang="ja-JP" altLang="en-US"/>
+          </a:p>
+        </p:txBody>
+      </p:sp>
+      <p:sp>
+        <p:nvSpPr>
+          <p:cNvPr id="5" name="楕円 4">
+            <a:extLst>
+              <a:ext uri="{FF2B5EF4-FFF2-40B4-BE49-F238E27FC236}">
+                <a16:creationId xmlns:a16="http://schemas.microsoft.com/office/drawing/2014/main" id="{A5EDAD4C-F848-4608-8F00-6FCA2AB934C7}"/>
+              </a:ext>
+            </a:extLst>
+          </p:cNvPr>
+          <p:cNvSpPr/>
+          <p:nvPr/>
+        </p:nvSpPr>
+        <p:spPr>
+          <a:xfrm>
+            <a:off x="3491880" y="2996952"/>
+            <a:ext cx="432048" cy="432048"/>
+          </a:xfrm>
+          <a:prstGeom prst="ellipse">
+            <a:avLst/>
+          </a:prstGeom>
+          <a:solidFill>
+            <a:srgbClr val="011893"/>
+          </a:solidFill>
+          <a:ln>
+            <a:solidFill>
+              <a:schemeClr val="tx1"/>
+            </a:solidFill>
+          </a:ln>
+        </p:spPr>
+        <p:style>
+          <a:lnRef idx="2">
+            <a:schemeClr val="accent1">
+              <a:shade val="50000"/>
+            </a:schemeClr>
+          </a:lnRef>
+          <a:fillRef idx="1">
+            <a:schemeClr val="accent1"/>
+          </a:fillRef>
+          <a:effectRef idx="0">
+            <a:schemeClr val="accent1"/>
+          </a:effectRef>
+          <a:fontRef idx="minor">
+            <a:schemeClr val="lt1"/>
+          </a:fontRef>
+        </p:style>
+        <p:txBody>
+          <a:bodyPr rtlCol="0" anchor="ctr"/>
+          <a:lstStyle/>
+          <a:p>
+            <a:pPr algn="ctr"/>
+            <a:endParaRPr kumimoji="1" lang="ja-JP" altLang="en-US"/>
+          </a:p>
+        </p:txBody>
+      </p:sp>
+      <p:sp>
+        <p:nvSpPr>
+          <p:cNvPr id="6" name="楕円 4">
+            <a:extLst>
+              <a:ext uri="{FF2B5EF4-FFF2-40B4-BE49-F238E27FC236}">
+                <a16:creationId xmlns:a16="http://schemas.microsoft.com/office/drawing/2014/main" id="{A7EC8CDF-A683-4C8D-8886-427A495BB8B7}"/>
+              </a:ext>
+            </a:extLst>
+          </p:cNvPr>
+          <p:cNvSpPr/>
+          <p:nvPr/>
+        </p:nvSpPr>
+        <p:spPr>
+          <a:xfrm>
+            <a:off x="2051427" y="4725144"/>
+            <a:ext cx="432048" cy="432048"/>
+          </a:xfrm>
+          <a:prstGeom prst="ellipse">
+            <a:avLst/>
+          </a:prstGeom>
+          <a:solidFill>
+            <a:srgbClr val="011893"/>
+          </a:solidFill>
+          <a:ln>
+            <a:solidFill>
+              <a:schemeClr val="tx1"/>
+            </a:solidFill>
+          </a:ln>
+        </p:spPr>
+        <p:style>
+          <a:lnRef idx="2">
+            <a:schemeClr val="accent1">
+              <a:shade val="50000"/>
+            </a:schemeClr>
+          </a:lnRef>
+          <a:fillRef idx="1">
+            <a:schemeClr val="accent1"/>
+          </a:fillRef>
+          <a:effectRef idx="0">
+            <a:schemeClr val="accent1"/>
+          </a:effectRef>
+          <a:fontRef idx="minor">
+            <a:schemeClr val="lt1"/>
+          </a:fontRef>
+        </p:style>
+        <p:txBody>
+          <a:bodyPr rtlCol="0" anchor="ctr"/>
+          <a:lstStyle/>
+          <a:p>
+            <a:pPr algn="ctr"/>
+            <a:endParaRPr kumimoji="1" lang="ja-JP" altLang="en-US"/>
+          </a:p>
+        </p:txBody>
+      </p:sp>
+      <p:sp>
+        <p:nvSpPr>
+          <p:cNvPr id="7" name="楕円 4">
+            <a:extLst>
+              <a:ext uri="{FF2B5EF4-FFF2-40B4-BE49-F238E27FC236}">
+                <a16:creationId xmlns:a16="http://schemas.microsoft.com/office/drawing/2014/main" id="{B5B9E273-1CEB-41C5-AF56-AB93F16F170D}"/>
+              </a:ext>
+            </a:extLst>
+          </p:cNvPr>
+          <p:cNvSpPr/>
+          <p:nvPr/>
+        </p:nvSpPr>
+        <p:spPr>
+          <a:xfrm>
+            <a:off x="3491880" y="4725144"/>
+            <a:ext cx="432048" cy="432048"/>
+          </a:xfrm>
+          <a:prstGeom prst="ellipse">
+            <a:avLst/>
+          </a:prstGeom>
+          <a:solidFill>
+            <a:srgbClr val="011893"/>
+          </a:solidFill>
+          <a:ln>
+            <a:solidFill>
+              <a:schemeClr val="tx1"/>
+            </a:solidFill>
+          </a:ln>
+        </p:spPr>
+        <p:style>
+          <a:lnRef idx="2">
+            <a:schemeClr val="accent1">
+              <a:shade val="50000"/>
+            </a:schemeClr>
+          </a:lnRef>
+          <a:fillRef idx="1">
+            <a:schemeClr val="accent1"/>
+          </a:fillRef>
+          <a:effectRef idx="0">
+            <a:schemeClr val="accent1"/>
+          </a:effectRef>
+          <a:fontRef idx="minor">
+            <a:schemeClr val="lt1"/>
+          </a:fontRef>
+        </p:style>
+        <p:txBody>
+          <a:bodyPr rtlCol="0" anchor="ctr"/>
+          <a:lstStyle/>
+          <a:p>
+            <a:pPr algn="ctr"/>
+            <a:endParaRPr kumimoji="1" lang="ja-JP" altLang="en-US"/>
+          </a:p>
+        </p:txBody>
+      </p:sp>
+      <p:cxnSp>
+        <p:nvCxnSpPr>
+          <p:cNvPr id="8" name="直線コネクタ 7">
+            <a:extLst>
+              <a:ext uri="{FF2B5EF4-FFF2-40B4-BE49-F238E27FC236}">
+                <a16:creationId xmlns:a16="http://schemas.microsoft.com/office/drawing/2014/main" id="{B2DBFEBA-833F-409A-8752-C2C7767DC435}"/>
+              </a:ext>
+            </a:extLst>
+          </p:cNvPr>
+          <p:cNvCxnSpPr>
+            <a:cxnSpLocks/>
+            <a:stCxn id="3" idx="7"/>
+            <a:endCxn id="4" idx="3"/>
+          </p:cNvCxnSpPr>
+          <p:nvPr/>
+        </p:nvCxnSpPr>
+        <p:spPr>
+          <a:xfrm flipV="1">
+            <a:off x="965118" y="3365728"/>
+            <a:ext cx="1149581" cy="569460"/>
+          </a:xfrm>
+          <a:prstGeom prst="line">
+            <a:avLst/>
+          </a:prstGeom>
+          <a:ln w="57150">
+            <a:solidFill>
+              <a:schemeClr val="tx1"/>
+            </a:solidFill>
+            <a:headEnd type="none" w="med" len="med"/>
+            <a:tailEnd type="none" w="med" len="med"/>
+          </a:ln>
+        </p:spPr>
+        <p:style>
+          <a:lnRef idx="1">
+            <a:schemeClr val="accent1"/>
+          </a:lnRef>
+          <a:fillRef idx="0">
+            <a:schemeClr val="accent1"/>
+          </a:fillRef>
+          <a:effectRef idx="0">
+            <a:schemeClr val="accent1"/>
+          </a:effectRef>
+          <a:fontRef idx="minor">
+            <a:schemeClr val="tx1"/>
+          </a:fontRef>
+        </p:style>
+      </p:cxnSp>
+      <p:cxnSp>
+        <p:nvCxnSpPr>
+          <p:cNvPr id="9" name="直線コネクタ 8">
+            <a:extLst>
+              <a:ext uri="{FF2B5EF4-FFF2-40B4-BE49-F238E27FC236}">
+                <a16:creationId xmlns:a16="http://schemas.microsoft.com/office/drawing/2014/main" id="{D86C82AA-5198-4382-8BA9-DBEF3A40B08E}"/>
+              </a:ext>
+            </a:extLst>
+          </p:cNvPr>
+          <p:cNvCxnSpPr>
+            <a:cxnSpLocks/>
+            <a:stCxn id="5" idx="2"/>
+            <a:endCxn id="4" idx="6"/>
+          </p:cNvCxnSpPr>
+          <p:nvPr/>
+        </p:nvCxnSpPr>
+        <p:spPr>
+          <a:xfrm flipH="1">
+            <a:off x="2483475" y="3212976"/>
+            <a:ext cx="1008405" cy="0"/>
+          </a:xfrm>
+          <a:prstGeom prst="line">
+            <a:avLst/>
+          </a:prstGeom>
+          <a:ln w="57150">
+            <a:solidFill>
+              <a:schemeClr val="tx1"/>
+            </a:solidFill>
+            <a:headEnd type="none" w="med" len="med"/>
+            <a:tailEnd type="none" w="med" len="med"/>
+          </a:ln>
+        </p:spPr>
+        <p:style>
+          <a:lnRef idx="1">
+            <a:schemeClr val="accent1"/>
+          </a:lnRef>
+          <a:fillRef idx="0">
+            <a:schemeClr val="accent1"/>
+          </a:fillRef>
+          <a:effectRef idx="0">
+            <a:schemeClr val="accent1"/>
+          </a:effectRef>
+          <a:fontRef idx="minor">
+            <a:schemeClr val="tx1"/>
+          </a:fontRef>
+        </p:style>
+      </p:cxnSp>
+      <p:cxnSp>
+        <p:nvCxnSpPr>
+          <p:cNvPr id="12" name="直線コネクタ 11">
+            <a:extLst>
+              <a:ext uri="{FF2B5EF4-FFF2-40B4-BE49-F238E27FC236}">
+                <a16:creationId xmlns:a16="http://schemas.microsoft.com/office/drawing/2014/main" id="{D003941C-A802-4919-A920-0F18715D217D}"/>
+              </a:ext>
+            </a:extLst>
+          </p:cNvPr>
+          <p:cNvCxnSpPr>
+            <a:cxnSpLocks/>
+            <a:stCxn id="3" idx="5"/>
+            <a:endCxn id="6" idx="1"/>
+          </p:cNvCxnSpPr>
+          <p:nvPr/>
+        </p:nvCxnSpPr>
+        <p:spPr>
+          <a:xfrm>
+            <a:off x="965118" y="4240692"/>
+            <a:ext cx="1149581" cy="547724"/>
+          </a:xfrm>
+          <a:prstGeom prst="line">
+            <a:avLst/>
+          </a:prstGeom>
+          <a:ln w="57150">
+            <a:solidFill>
+              <a:schemeClr val="tx1"/>
+            </a:solidFill>
+            <a:headEnd type="none" w="med" len="med"/>
+            <a:tailEnd type="none" w="med" len="med"/>
+          </a:ln>
+        </p:spPr>
+        <p:style>
+          <a:lnRef idx="1">
+            <a:schemeClr val="accent1"/>
+          </a:lnRef>
+          <a:fillRef idx="0">
+            <a:schemeClr val="accent1"/>
+          </a:fillRef>
+          <a:effectRef idx="0">
+            <a:schemeClr val="accent1"/>
+          </a:effectRef>
+          <a:fontRef idx="minor">
+            <a:schemeClr val="tx1"/>
+          </a:fontRef>
+        </p:style>
+      </p:cxnSp>
+      <p:cxnSp>
+        <p:nvCxnSpPr>
+          <p:cNvPr id="13" name="直線コネクタ 12">
+            <a:extLst>
+              <a:ext uri="{FF2B5EF4-FFF2-40B4-BE49-F238E27FC236}">
+                <a16:creationId xmlns:a16="http://schemas.microsoft.com/office/drawing/2014/main" id="{92ACECC0-666F-4AE2-BDCD-3A167835CF6F}"/>
+              </a:ext>
+            </a:extLst>
+          </p:cNvPr>
+          <p:cNvCxnSpPr>
+            <a:cxnSpLocks/>
+            <a:stCxn id="7" idx="2"/>
+            <a:endCxn id="6" idx="6"/>
+          </p:cNvCxnSpPr>
+          <p:nvPr/>
+        </p:nvCxnSpPr>
+        <p:spPr>
+          <a:xfrm flipH="1">
+            <a:off x="2483475" y="4941168"/>
+            <a:ext cx="1008405" cy="0"/>
+          </a:xfrm>
+          <a:prstGeom prst="line">
+            <a:avLst/>
+          </a:prstGeom>
+          <a:ln w="57150">
+            <a:solidFill>
+              <a:schemeClr val="tx1"/>
+            </a:solidFill>
+            <a:headEnd type="none" w="med" len="med"/>
+            <a:tailEnd type="none" w="med" len="med"/>
+          </a:ln>
+        </p:spPr>
+        <p:style>
+          <a:lnRef idx="1">
+            <a:schemeClr val="accent1"/>
+          </a:lnRef>
+          <a:fillRef idx="0">
+            <a:schemeClr val="accent1"/>
+          </a:fillRef>
+          <a:effectRef idx="0">
+            <a:schemeClr val="accent1"/>
+          </a:effectRef>
+          <a:fontRef idx="minor">
+            <a:schemeClr val="tx1"/>
+          </a:fontRef>
+        </p:style>
+      </p:cxnSp>
+      <p:sp>
+        <p:nvSpPr>
+          <p:cNvPr id="21" name="四角形: 1 つの角を切り取り 1 つの角を丸める 20">
+            <a:extLst>
+              <a:ext uri="{FF2B5EF4-FFF2-40B4-BE49-F238E27FC236}">
+                <a16:creationId xmlns:a16="http://schemas.microsoft.com/office/drawing/2014/main" id="{59BA4385-D785-4212-AEF4-65784C5B7535}"/>
+              </a:ext>
+            </a:extLst>
+          </p:cNvPr>
+          <p:cNvSpPr/>
+          <p:nvPr/>
+        </p:nvSpPr>
+        <p:spPr>
+          <a:xfrm>
+            <a:off x="2949724" y="2267233"/>
+            <a:ext cx="1512168" cy="360040"/>
+          </a:xfrm>
+          <a:prstGeom prst="snipRoundRect">
+            <a:avLst>
+              <a:gd name="adj1" fmla="val 16667"/>
+              <a:gd name="adj2" fmla="val 35924"/>
+            </a:avLst>
+          </a:prstGeom>
+          <a:solidFill>
+            <a:schemeClr val="accent4">
+              <a:lumMod val="20000"/>
+              <a:lumOff val="80000"/>
+            </a:schemeClr>
+          </a:solidFill>
+          <a:ln>
+            <a:solidFill>
+              <a:schemeClr val="tx1"/>
+            </a:solidFill>
+          </a:ln>
+        </p:spPr>
+        <p:style>
+          <a:lnRef idx="2">
+            <a:schemeClr val="accent1">
+              <a:shade val="50000"/>
+            </a:schemeClr>
+          </a:lnRef>
+          <a:fillRef idx="1">
+            <a:schemeClr val="accent1"/>
+          </a:fillRef>
+          <a:effectRef idx="0">
+            <a:schemeClr val="accent1"/>
+          </a:effectRef>
+          <a:fontRef idx="minor">
+            <a:schemeClr val="lt1"/>
+          </a:fontRef>
+        </p:style>
+        <p:txBody>
+          <a:bodyPr rtlCol="0" anchor="ctr"/>
+          <a:lstStyle/>
+          <a:p>
+            <a:pPr algn="ctr"/>
+            <a:r>
+              <a:rPr lang="en-US" altLang="ja-JP">
+                <a:solidFill>
+                  <a:sysClr val="windowText" lastClr="000000"/>
+                </a:solidFill>
+                <a:latin typeface="Consolas" panose="020B0609020204030204" pitchFamily="49" charset="0"/>
+              </a:rPr>
+              <a:t>feature_A</a:t>
+            </a:r>
+            <a:endParaRPr kumimoji="1" lang="ja-JP" altLang="en-US">
+              <a:solidFill>
+                <a:sysClr val="windowText" lastClr="000000"/>
+              </a:solidFill>
+              <a:latin typeface="Consolas" panose="020B0609020204030204" pitchFamily="49" charset="0"/>
+            </a:endParaRPr>
+          </a:p>
+        </p:txBody>
+      </p:sp>
+      <p:cxnSp>
+        <p:nvCxnSpPr>
+          <p:cNvPr id="23" name="直線矢印コネクタ 22">
+            <a:extLst>
+              <a:ext uri="{FF2B5EF4-FFF2-40B4-BE49-F238E27FC236}">
+                <a16:creationId xmlns:a16="http://schemas.microsoft.com/office/drawing/2014/main" id="{37D42FD3-D6A6-4117-A81D-B53BA7FBEAD5}"/>
+              </a:ext>
+            </a:extLst>
+          </p:cNvPr>
+          <p:cNvCxnSpPr>
+            <a:stCxn id="21" idx="1"/>
+            <a:endCxn id="5" idx="0"/>
+          </p:cNvCxnSpPr>
+          <p:nvPr/>
+        </p:nvCxnSpPr>
+        <p:spPr>
+          <a:xfrm>
+            <a:off x="3705808" y="2627273"/>
+            <a:ext cx="2096" cy="369679"/>
+          </a:xfrm>
+          <a:prstGeom prst="straightConnector1">
+            <a:avLst/>
+          </a:prstGeom>
+          <a:ln>
+            <a:solidFill>
+              <a:schemeClr val="tx1"/>
+            </a:solidFill>
+            <a:headEnd type="none" w="med" len="med"/>
+            <a:tailEnd type="triangle"/>
+          </a:ln>
+        </p:spPr>
+        <p:style>
+          <a:lnRef idx="1">
+            <a:schemeClr val="accent1"/>
+          </a:lnRef>
+          <a:fillRef idx="0">
+            <a:schemeClr val="accent1"/>
+          </a:fillRef>
+          <a:effectRef idx="0">
+            <a:schemeClr val="accent1"/>
+          </a:effectRef>
+          <a:fontRef idx="minor">
+            <a:schemeClr val="tx1"/>
+          </a:fontRef>
+        </p:style>
+      </p:cxnSp>
+      <p:sp>
+        <p:nvSpPr>
+          <p:cNvPr id="24" name="四角形: 1 つの角を切り取り 1 つの角を丸める 23">
+            <a:extLst>
+              <a:ext uri="{FF2B5EF4-FFF2-40B4-BE49-F238E27FC236}">
+                <a16:creationId xmlns:a16="http://schemas.microsoft.com/office/drawing/2014/main" id="{B89817A7-CA1F-4419-9867-A699DB601396}"/>
+              </a:ext>
+            </a:extLst>
+          </p:cNvPr>
+          <p:cNvSpPr/>
+          <p:nvPr/>
+        </p:nvSpPr>
+        <p:spPr>
+          <a:xfrm>
+            <a:off x="2959249" y="3913892"/>
+            <a:ext cx="1512168" cy="360040"/>
+          </a:xfrm>
+          <a:prstGeom prst="snipRoundRect">
+            <a:avLst>
+              <a:gd name="adj1" fmla="val 16667"/>
+              <a:gd name="adj2" fmla="val 35924"/>
+            </a:avLst>
+          </a:prstGeom>
+          <a:solidFill>
+            <a:schemeClr val="accent4">
+              <a:lumMod val="20000"/>
+              <a:lumOff val="80000"/>
+            </a:schemeClr>
+          </a:solidFill>
+          <a:ln>
+            <a:solidFill>
+              <a:schemeClr val="tx1"/>
+            </a:solidFill>
+          </a:ln>
+        </p:spPr>
+        <p:style>
+          <a:lnRef idx="2">
+            <a:schemeClr val="accent1">
+              <a:shade val="50000"/>
+            </a:schemeClr>
+          </a:lnRef>
+          <a:fillRef idx="1">
+            <a:schemeClr val="accent1"/>
+          </a:fillRef>
+          <a:effectRef idx="0">
+            <a:schemeClr val="accent1"/>
+          </a:effectRef>
+          <a:fontRef idx="minor">
+            <a:schemeClr val="lt1"/>
+          </a:fontRef>
+        </p:style>
+        <p:txBody>
+          <a:bodyPr rtlCol="0" anchor="ctr"/>
+          <a:lstStyle/>
+          <a:p>
+            <a:pPr algn="ctr"/>
+            <a:r>
+              <a:rPr lang="en-US" altLang="ja-JP">
+                <a:solidFill>
+                  <a:sysClr val="windowText" lastClr="000000"/>
+                </a:solidFill>
+                <a:latin typeface="Consolas" panose="020B0609020204030204" pitchFamily="49" charset="0"/>
+              </a:rPr>
+              <a:t>feature_B</a:t>
+            </a:r>
+            <a:endParaRPr kumimoji="1" lang="ja-JP" altLang="en-US">
+              <a:solidFill>
+                <a:sysClr val="windowText" lastClr="000000"/>
+              </a:solidFill>
+              <a:latin typeface="Consolas" panose="020B0609020204030204" pitchFamily="49" charset="0"/>
+            </a:endParaRPr>
+          </a:p>
+        </p:txBody>
+      </p:sp>
+      <p:cxnSp>
+        <p:nvCxnSpPr>
+          <p:cNvPr id="26" name="直線矢印コネクタ 25">
+            <a:extLst>
+              <a:ext uri="{FF2B5EF4-FFF2-40B4-BE49-F238E27FC236}">
+                <a16:creationId xmlns:a16="http://schemas.microsoft.com/office/drawing/2014/main" id="{7FFA0184-1F4F-4E02-9CC9-33E079E65217}"/>
+              </a:ext>
+            </a:extLst>
+          </p:cNvPr>
+          <p:cNvCxnSpPr>
+            <a:stCxn id="24" idx="1"/>
+            <a:endCxn id="7" idx="0"/>
+          </p:cNvCxnSpPr>
+          <p:nvPr/>
+        </p:nvCxnSpPr>
+        <p:spPr>
+          <a:xfrm flipH="1">
+            <a:off x="3707904" y="4273932"/>
+            <a:ext cx="7429" cy="451212"/>
+          </a:xfrm>
+          <a:prstGeom prst="straightConnector1">
+            <a:avLst/>
+          </a:prstGeom>
+          <a:ln>
+            <a:solidFill>
+              <a:schemeClr val="tx1"/>
+            </a:solidFill>
+            <a:headEnd type="none" w="med" len="med"/>
+            <a:tailEnd type="triangle"/>
+          </a:ln>
+        </p:spPr>
+        <p:style>
+          <a:lnRef idx="1">
+            <a:schemeClr val="accent1"/>
+          </a:lnRef>
+          <a:fillRef idx="0">
+            <a:schemeClr val="accent1"/>
+          </a:fillRef>
+          <a:effectRef idx="0">
+            <a:schemeClr val="accent1"/>
+          </a:effectRef>
+          <a:fontRef idx="minor">
+            <a:schemeClr val="tx1"/>
+          </a:fontRef>
+        </p:style>
+      </p:cxnSp>
+      <p:sp>
+        <p:nvSpPr>
+          <p:cNvPr id="27" name="四角形: 1 つの角を切り取り 1 つの角を丸める 26">
+            <a:extLst>
+              <a:ext uri="{FF2B5EF4-FFF2-40B4-BE49-F238E27FC236}">
+                <a16:creationId xmlns:a16="http://schemas.microsoft.com/office/drawing/2014/main" id="{D22B0FEC-A9F8-45C4-8B7B-E03AD0971F27}"/>
+              </a:ext>
+            </a:extLst>
+          </p:cNvPr>
+          <p:cNvSpPr/>
+          <p:nvPr/>
+        </p:nvSpPr>
+        <p:spPr>
+          <a:xfrm>
+            <a:off x="347911" y="2996838"/>
+            <a:ext cx="936104" cy="360040"/>
+          </a:xfrm>
+          <a:prstGeom prst="snipRoundRect">
+            <a:avLst>
+              <a:gd name="adj1" fmla="val 16667"/>
+              <a:gd name="adj2" fmla="val 35924"/>
+            </a:avLst>
+          </a:prstGeom>
+          <a:solidFill>
+            <a:schemeClr val="accent6">
+              <a:lumMod val="20000"/>
+              <a:lumOff val="80000"/>
+            </a:schemeClr>
+          </a:solidFill>
+          <a:ln>
+            <a:solidFill>
+              <a:schemeClr val="tx1"/>
+            </a:solidFill>
+          </a:ln>
+        </p:spPr>
+        <p:style>
+          <a:lnRef idx="2">
+            <a:schemeClr val="accent1">
+              <a:shade val="50000"/>
+            </a:schemeClr>
+          </a:lnRef>
+          <a:fillRef idx="1">
+            <a:schemeClr val="accent1"/>
+          </a:fillRef>
+          <a:effectRef idx="0">
+            <a:schemeClr val="accent1"/>
+          </a:effectRef>
+          <a:fontRef idx="minor">
+            <a:schemeClr val="lt1"/>
+          </a:fontRef>
+        </p:style>
+        <p:txBody>
+          <a:bodyPr rtlCol="0" anchor="ctr"/>
+          <a:lstStyle/>
+          <a:p>
+            <a:pPr algn="ctr"/>
+            <a:r>
+              <a:rPr lang="en-US" altLang="ja-JP">
+                <a:solidFill>
+                  <a:sysClr val="windowText" lastClr="000000"/>
+                </a:solidFill>
+                <a:latin typeface="Consolas" panose="020B0609020204030204" pitchFamily="49" charset="0"/>
+              </a:rPr>
+              <a:t>main</a:t>
+            </a:r>
+            <a:endParaRPr kumimoji="1" lang="ja-JP" altLang="en-US">
+              <a:solidFill>
+                <a:sysClr val="windowText" lastClr="000000"/>
+              </a:solidFill>
+              <a:latin typeface="Consolas" panose="020B0609020204030204" pitchFamily="49" charset="0"/>
+            </a:endParaRPr>
+          </a:p>
+        </p:txBody>
+      </p:sp>
+      <p:cxnSp>
+        <p:nvCxnSpPr>
+          <p:cNvPr id="29" name="直線矢印コネクタ 28">
+            <a:extLst>
+              <a:ext uri="{FF2B5EF4-FFF2-40B4-BE49-F238E27FC236}">
+                <a16:creationId xmlns:a16="http://schemas.microsoft.com/office/drawing/2014/main" id="{6E07249D-733B-4E16-9E06-0C5FE76EDE4A}"/>
+              </a:ext>
+            </a:extLst>
+          </p:cNvPr>
+          <p:cNvCxnSpPr>
+            <a:cxnSpLocks/>
+            <a:stCxn id="27" idx="1"/>
+            <a:endCxn id="3" idx="0"/>
+          </p:cNvCxnSpPr>
+          <p:nvPr/>
+        </p:nvCxnSpPr>
+        <p:spPr>
+          <a:xfrm flipH="1">
+            <a:off x="812366" y="3356878"/>
+            <a:ext cx="3597" cy="515038"/>
+          </a:xfrm>
+          <a:prstGeom prst="straightConnector1">
+            <a:avLst/>
+          </a:prstGeom>
+          <a:ln>
+            <a:solidFill>
+              <a:schemeClr val="tx1"/>
+            </a:solidFill>
+            <a:headEnd type="none" w="med" len="med"/>
+            <a:tailEnd type="triangle"/>
+          </a:ln>
+        </p:spPr>
+        <p:style>
+          <a:lnRef idx="1">
+            <a:schemeClr val="accent1"/>
+          </a:lnRef>
+          <a:fillRef idx="0">
+            <a:schemeClr val="accent1"/>
+          </a:fillRef>
+          <a:effectRef idx="0">
+            <a:schemeClr val="accent1"/>
+          </a:effectRef>
+          <a:fontRef idx="minor">
+            <a:schemeClr val="tx1"/>
+          </a:fontRef>
+        </p:style>
+      </p:cxnSp>
+      <p:pic>
+        <p:nvPicPr>
+          <p:cNvPr id="40" name="Picture 4" descr="ホワイトボードのイラスト（ビジネス）">
+            <a:extLst>
+              <a:ext uri="{FF2B5EF4-FFF2-40B4-BE49-F238E27FC236}">
+                <a16:creationId xmlns:a16="http://schemas.microsoft.com/office/drawing/2014/main" id="{D6BE7FB1-CC9B-41AA-BF17-AAFE60E33F89}"/>
+              </a:ext>
+            </a:extLst>
+          </p:cNvPr>
+          <p:cNvPicPr>
+            <a:picLocks noChangeAspect="1" noChangeArrowheads="1"/>
+          </p:cNvPicPr>
+          <p:nvPr/>
+        </p:nvPicPr>
+        <p:blipFill>
+          <a:blip r:embed="rId2">
+            <a:extLst>
+              <a:ext uri="{28A0092B-C50C-407E-A947-70E740481C1C}">
+                <a14:useLocalDpi xmlns:a14="http://schemas.microsoft.com/office/drawing/2010/main" val="0"/>
+              </a:ext>
+            </a:extLst>
+          </a:blip>
+          <a:srcRect/>
+          <a:stretch>
+            <a:fillRect/>
+          </a:stretch>
+        </p:blipFill>
+        <p:spPr bwMode="auto">
+          <a:xfrm>
+            <a:off x="5796136" y="2132856"/>
+            <a:ext cx="3012612" cy="3138137"/>
+          </a:xfrm>
+          <a:prstGeom prst="rect">
+            <a:avLst/>
+          </a:prstGeom>
+          <a:noFill/>
+          <a:extLst>
+            <a:ext uri="{909E8E84-426E-40DD-AFC4-6F175D3DCCD1}">
+              <a14:hiddenFill xmlns:a14="http://schemas.microsoft.com/office/drawing/2010/main">
+                <a:solidFill>
+                  <a:srgbClr val="FFFFFF"/>
+                </a:solidFill>
+              </a14:hiddenFill>
+            </a:ext>
+          </a:extLst>
+        </p:spPr>
+      </p:pic>
+      <p:pic>
+        <p:nvPicPr>
+          <p:cNvPr id="41" name="Picture 2" descr="四角い付箋のイラスト「淡黄色」">
+            <a:extLst>
+              <a:ext uri="{FF2B5EF4-FFF2-40B4-BE49-F238E27FC236}">
+                <a16:creationId xmlns:a16="http://schemas.microsoft.com/office/drawing/2014/main" id="{56F0BFAF-4240-452E-9AB9-8AFAA4E87090}"/>
+              </a:ext>
+            </a:extLst>
+          </p:cNvPr>
+          <p:cNvPicPr>
+            <a:picLocks noChangeAspect="1" noChangeArrowheads="1"/>
+          </p:cNvPicPr>
+          <p:nvPr/>
+        </p:nvPicPr>
+        <p:blipFill>
+          <a:blip r:embed="rId3">
+            <a:extLst>
+              <a:ext uri="{28A0092B-C50C-407E-A947-70E740481C1C}">
+                <a14:useLocalDpi xmlns:a14="http://schemas.microsoft.com/office/drawing/2010/main" val="0"/>
+              </a:ext>
+            </a:extLst>
+          </a:blip>
+          <a:srcRect/>
+          <a:stretch>
+            <a:fillRect/>
+          </a:stretch>
+        </p:blipFill>
+        <p:spPr bwMode="auto">
+          <a:xfrm>
+            <a:off x="6156176" y="2348880"/>
+            <a:ext cx="800089" cy="720080"/>
+          </a:xfrm>
+          <a:prstGeom prst="rect">
+            <a:avLst/>
+          </a:prstGeom>
+          <a:noFill/>
+          <a:extLst>
+            <a:ext uri="{909E8E84-426E-40DD-AFC4-6F175D3DCCD1}">
+              <a14:hiddenFill xmlns:a14="http://schemas.microsoft.com/office/drawing/2010/main">
+                <a:solidFill>
+                  <a:srgbClr val="FFFFFF"/>
+                </a:solidFill>
+              </a14:hiddenFill>
+            </a:ext>
+          </a:extLst>
+        </p:spPr>
+      </p:pic>
+      <p:pic>
+        <p:nvPicPr>
+          <p:cNvPr id="42" name="Picture 2" descr="四角い付箋のイラスト「淡黄色」">
+            <a:extLst>
+              <a:ext uri="{FF2B5EF4-FFF2-40B4-BE49-F238E27FC236}">
+                <a16:creationId xmlns:a16="http://schemas.microsoft.com/office/drawing/2014/main" id="{6DA5A887-723F-4423-B88E-1223B2A0035A}"/>
+              </a:ext>
+            </a:extLst>
+          </p:cNvPr>
+          <p:cNvPicPr>
+            <a:picLocks noChangeAspect="1" noChangeArrowheads="1"/>
+          </p:cNvPicPr>
+          <p:nvPr/>
+        </p:nvPicPr>
+        <p:blipFill>
+          <a:blip r:embed="rId3">
+            <a:extLst>
+              <a:ext uri="{28A0092B-C50C-407E-A947-70E740481C1C}">
+                <a14:useLocalDpi xmlns:a14="http://schemas.microsoft.com/office/drawing/2010/main" val="0"/>
+              </a:ext>
+            </a:extLst>
+          </a:blip>
+          <a:srcRect/>
+          <a:stretch>
+            <a:fillRect/>
+          </a:stretch>
+        </p:blipFill>
+        <p:spPr bwMode="auto">
+          <a:xfrm>
+            <a:off x="7668344" y="2348880"/>
+            <a:ext cx="800089" cy="720080"/>
+          </a:xfrm>
+          <a:prstGeom prst="rect">
+            <a:avLst/>
+          </a:prstGeom>
+          <a:noFill/>
+          <a:extLst>
+            <a:ext uri="{909E8E84-426E-40DD-AFC4-6F175D3DCCD1}">
+              <a14:hiddenFill xmlns:a14="http://schemas.microsoft.com/office/drawing/2010/main">
+                <a:solidFill>
+                  <a:srgbClr val="FFFFFF"/>
+                </a:solidFill>
+              </a14:hiddenFill>
+            </a:ext>
+          </a:extLst>
+        </p:spPr>
+      </p:pic>
+      <p:sp>
+        <p:nvSpPr>
+          <p:cNvPr id="43" name="テキスト ボックス 42">
+            <a:extLst>
+              <a:ext uri="{FF2B5EF4-FFF2-40B4-BE49-F238E27FC236}">
+                <a16:creationId xmlns:a16="http://schemas.microsoft.com/office/drawing/2014/main" id="{834EE1F5-9C59-46B9-A623-CC1E07CB89B9}"/>
+              </a:ext>
+            </a:extLst>
+          </p:cNvPr>
+          <p:cNvSpPr txBox="1"/>
+          <p:nvPr/>
+        </p:nvSpPr>
+        <p:spPr>
+          <a:xfrm>
+            <a:off x="6012160" y="3068960"/>
+            <a:ext cx="1184940" cy="369332"/>
+          </a:xfrm>
+          <a:prstGeom prst="rect">
+            <a:avLst/>
+          </a:prstGeom>
+          <a:noFill/>
+        </p:spPr>
+        <p:txBody>
+          <a:bodyPr wrap="none" rtlCol="0">
+            <a:spAutoFit/>
+          </a:bodyPr>
+          <a:lstStyle/>
+          <a:p>
+            <a:r>
+              <a:rPr kumimoji="1" lang="en-US" altLang="ja-JP"/>
+              <a:t>feature_A</a:t>
+            </a:r>
+            <a:endParaRPr kumimoji="1" lang="ja-JP" altLang="en-US"/>
+          </a:p>
+        </p:txBody>
+      </p:sp>
+      <p:sp>
+        <p:nvSpPr>
+          <p:cNvPr id="44" name="テキスト ボックス 43">
+            <a:extLst>
+              <a:ext uri="{FF2B5EF4-FFF2-40B4-BE49-F238E27FC236}">
+                <a16:creationId xmlns:a16="http://schemas.microsoft.com/office/drawing/2014/main" id="{876EA7AD-7C04-435C-8417-160EF3CBBBBD}"/>
+              </a:ext>
+            </a:extLst>
+          </p:cNvPr>
+          <p:cNvSpPr txBox="1"/>
+          <p:nvPr/>
+        </p:nvSpPr>
+        <p:spPr>
+          <a:xfrm>
+            <a:off x="7452320" y="3068960"/>
+            <a:ext cx="1184940" cy="369332"/>
+          </a:xfrm>
+          <a:prstGeom prst="rect">
+            <a:avLst/>
+          </a:prstGeom>
+          <a:noFill/>
+        </p:spPr>
+        <p:txBody>
+          <a:bodyPr wrap="none" rtlCol="0">
+            <a:spAutoFit/>
+          </a:bodyPr>
+          <a:lstStyle/>
+          <a:p>
+            <a:r>
+              <a:rPr kumimoji="1" lang="en-US" altLang="ja-JP"/>
+              <a:t>feature_B</a:t>
+            </a:r>
+            <a:endParaRPr kumimoji="1" lang="ja-JP" altLang="en-US"/>
+          </a:p>
+        </p:txBody>
+      </p:sp>
+      <p:pic>
+        <p:nvPicPr>
+          <p:cNvPr id="45" name="図 44">
+            <a:extLst>
+              <a:ext uri="{FF2B5EF4-FFF2-40B4-BE49-F238E27FC236}">
+                <a16:creationId xmlns:a16="http://schemas.microsoft.com/office/drawing/2014/main" id="{12D1CC22-805C-4BAD-BB6F-DEC7A6222091}"/>
+              </a:ext>
+            </a:extLst>
+          </p:cNvPr>
+          <p:cNvPicPr>
+            <a:picLocks noChangeAspect="1"/>
+          </p:cNvPicPr>
+          <p:nvPr/>
+        </p:nvPicPr>
+        <p:blipFill>
+          <a:blip r:embed="rId4">
+            <a:extLst>
+              <a:ext uri="{28A0092B-C50C-407E-A947-70E740481C1C}">
+                <a14:useLocalDpi xmlns:a14="http://schemas.microsoft.com/office/drawing/2010/main" val="0"/>
+              </a:ext>
+            </a:extLst>
+          </a:blip>
+          <a:stretch>
+            <a:fillRect/>
+          </a:stretch>
+        </p:blipFill>
+        <p:spPr>
+          <a:xfrm>
+            <a:off x="6948264" y="2276872"/>
+            <a:ext cx="738048" cy="738048"/>
+          </a:xfrm>
+          <a:prstGeom prst="rect">
+            <a:avLst/>
+          </a:prstGeom>
+        </p:spPr>
+      </p:pic>
+      <p:pic>
+        <p:nvPicPr>
+          <p:cNvPr id="46" name="図 45">
+            <a:extLst>
+              <a:ext uri="{FF2B5EF4-FFF2-40B4-BE49-F238E27FC236}">
+                <a16:creationId xmlns:a16="http://schemas.microsoft.com/office/drawing/2014/main" id="{DD0C0093-F1B7-4CA9-94BA-012849A4FB71}"/>
+              </a:ext>
+            </a:extLst>
+          </p:cNvPr>
+          <p:cNvPicPr>
+            <a:picLocks noChangeAspect="1"/>
+          </p:cNvPicPr>
+          <p:nvPr/>
+        </p:nvPicPr>
+        <p:blipFill>
+          <a:blip r:embed="rId5" cstate="print">
+            <a:extLst>
+              <a:ext uri="{28A0092B-C50C-407E-A947-70E740481C1C}">
+                <a14:useLocalDpi xmlns:a14="http://schemas.microsoft.com/office/drawing/2010/main" val="0"/>
+              </a:ext>
+            </a:extLst>
+          </a:blip>
+          <a:stretch>
+            <a:fillRect/>
+          </a:stretch>
+        </p:blipFill>
+        <p:spPr>
+          <a:xfrm>
+            <a:off x="6660233" y="1576538"/>
+            <a:ext cx="1368152" cy="560942"/>
+          </a:xfrm>
+          <a:prstGeom prst="rect">
+            <a:avLst/>
+          </a:prstGeom>
+        </p:spPr>
+      </p:pic>
+      <p:sp>
+        <p:nvSpPr>
+          <p:cNvPr id="47" name="テキスト ボックス 46">
+            <a:extLst>
+              <a:ext uri="{FF2B5EF4-FFF2-40B4-BE49-F238E27FC236}">
+                <a16:creationId xmlns:a16="http://schemas.microsoft.com/office/drawing/2014/main" id="{631663E1-F2A5-443D-9089-C1C9870D5089}"/>
+              </a:ext>
+            </a:extLst>
+          </p:cNvPr>
+          <p:cNvSpPr txBox="1"/>
+          <p:nvPr/>
+        </p:nvSpPr>
+        <p:spPr>
+          <a:xfrm>
+            <a:off x="0" y="1124744"/>
+            <a:ext cx="9007594" cy="461665"/>
+          </a:xfrm>
+          <a:prstGeom prst="rect">
+            <a:avLst/>
+          </a:prstGeom>
+          <a:noFill/>
+        </p:spPr>
+        <p:txBody>
+          <a:bodyPr wrap="none" rtlCol="0">
+            <a:spAutoFit/>
+          </a:bodyPr>
+          <a:lstStyle/>
+          <a:p>
+            <a:r>
+              <a:rPr kumimoji="1" lang="en-US" altLang="ja-JP" sz="2400"/>
+              <a:t>GitHub</a:t>
+            </a:r>
+            <a:r>
+              <a:rPr kumimoji="1" lang="ja-JP" altLang="en-US" sz="2400"/>
+              <a:t>には</a:t>
+            </a:r>
+            <a:r>
+              <a:rPr kumimoji="1" lang="en-US" altLang="ja-JP" sz="2400"/>
+              <a:t>ITS</a:t>
+            </a:r>
+            <a:r>
+              <a:rPr kumimoji="1" lang="ja-JP" altLang="en-US" sz="2400"/>
+              <a:t>の機能があり、ブランチやコミットと連携できる</a:t>
+            </a:r>
+          </a:p>
+        </p:txBody>
+      </p:sp>
+    </p:spTree>
+    <p:extLst>
+      <p:ext uri="{BB962C8B-B14F-4D97-AF65-F5344CB8AC3E}">
+        <p14:creationId xmlns:p14="http://schemas.microsoft.com/office/powerpoint/2010/main" val="3602433379"/>
+      </p:ext>
+    </p:extLst>
+  </p:cSld>
+  <p:clrMapOvr>
+    <a:masterClrMapping/>
+  </p:clrMapOvr>
+</p:sld>
+</file>
+
+<file path=ppt/slides/slide33.xml><?xml version="1.0" encoding="utf-8"?>
+<p:sld xmlns:a="http://schemas.openxmlformats.org/drawingml/2006/main" xmlns:r="http://schemas.openxmlformats.org/officeDocument/2006/relationships" xmlns:p="http://schemas.openxmlformats.org/presentationml/2006/main">
+  <p:cSld>
+    <p:spTree>
+      <p:nvGrpSpPr>
+        <p:cNvPr id="1" name=""/>
+        <p:cNvGrpSpPr/>
+        <p:nvPr/>
+      </p:nvGrpSpPr>
+      <p:grpSpPr>
+        <a:xfrm>
+          <a:off x="0" y="0"/>
+          <a:ext cx="0" cy="0"/>
+          <a:chOff x="0" y="0"/>
+          <a:chExt cx="0" cy="0"/>
+        </a:xfrm>
+      </p:grpSpPr>
+      <p:sp>
+        <p:nvSpPr>
+          <p:cNvPr id="2" name="テキスト プレースホルダー 1">
+            <a:extLst>
+              <a:ext uri="{FF2B5EF4-FFF2-40B4-BE49-F238E27FC236}">
+                <a16:creationId xmlns:a16="http://schemas.microsoft.com/office/drawing/2014/main" id="{2C26B898-8C9F-4F27-BAD3-CF5DD374B3E2}"/>
+              </a:ext>
+            </a:extLst>
+          </p:cNvPr>
+          <p:cNvSpPr>
+            <a:spLocks noGrp="1"/>
+          </p:cNvSpPr>
+          <p:nvPr>
+            <p:ph type="body" sz="quarter" idx="10"/>
+          </p:nvPr>
+        </p:nvSpPr>
+        <p:spPr/>
+        <p:txBody>
+          <a:bodyPr/>
+          <a:lstStyle/>
+          <a:p>
+            <a:r>
+              <a:rPr lang="ja-JP" altLang="en-US"/>
+              <a:t>課題</a:t>
+            </a:r>
+            <a:r>
+              <a:rPr lang="en-US" altLang="ja-JP"/>
+              <a:t>3 - Issue</a:t>
+            </a:r>
+            <a:r>
+              <a:rPr lang="ja-JP" altLang="en-US"/>
+              <a:t> </a:t>
+            </a:r>
+            <a:r>
+              <a:rPr lang="en-US" altLang="ja-JP"/>
+              <a:t>Tracking</a:t>
+            </a:r>
+            <a:r>
+              <a:rPr lang="ja-JP" altLang="en-US"/>
+              <a:t> </a:t>
+            </a:r>
+            <a:r>
+              <a:rPr lang="en-US" altLang="ja-JP"/>
+              <a:t>System</a:t>
+            </a:r>
+            <a:endParaRPr kumimoji="1" lang="ja-JP" altLang="en-US"/>
+          </a:p>
+        </p:txBody>
+      </p:sp>
+      <p:sp>
+        <p:nvSpPr>
+          <p:cNvPr id="3" name="テキスト ボックス 2">
+            <a:extLst>
+              <a:ext uri="{FF2B5EF4-FFF2-40B4-BE49-F238E27FC236}">
+                <a16:creationId xmlns:a16="http://schemas.microsoft.com/office/drawing/2014/main" id="{39E22DC5-4FBD-4DCD-9463-760576F056BC}"/>
+              </a:ext>
+            </a:extLst>
+          </p:cNvPr>
+          <p:cNvSpPr txBox="1"/>
+          <p:nvPr/>
+        </p:nvSpPr>
+        <p:spPr>
+          <a:xfrm>
+            <a:off x="611560" y="2060848"/>
+            <a:ext cx="7704855" cy="1938992"/>
+          </a:xfrm>
+          <a:prstGeom prst="rect">
+            <a:avLst/>
+          </a:prstGeom>
+          <a:noFill/>
+        </p:spPr>
+        <p:txBody>
+          <a:bodyPr wrap="square" rtlCol="0">
+            <a:spAutoFit/>
+          </a:bodyPr>
+          <a:lstStyle/>
+          <a:p>
+            <a:pPr marL="342900" indent="-342900">
+              <a:buAutoNum type="arabicPeriod"/>
+            </a:pPr>
+            <a:r>
+              <a:rPr kumimoji="1" lang="ja-JP" altLang="en-US" sz="2400"/>
+              <a:t>これから行う作業を</a:t>
+            </a:r>
+            <a:r>
+              <a:rPr kumimoji="1" lang="en-US" altLang="ja-JP" sz="2400"/>
+              <a:t>issue</a:t>
+            </a:r>
+            <a:r>
+              <a:rPr kumimoji="1" lang="ja-JP" altLang="en-US" sz="2400"/>
+              <a:t>に登録する</a:t>
+            </a:r>
+            <a:r>
+              <a:rPr kumimoji="1" lang="en-US" altLang="ja-JP" sz="2400"/>
+              <a:t>(issue</a:t>
+            </a:r>
+            <a:r>
+              <a:rPr kumimoji="1" lang="ja-JP" altLang="en-US" sz="2400"/>
+              <a:t>を開く</a:t>
+            </a:r>
+            <a:r>
+              <a:rPr kumimoji="1" lang="en-US" altLang="ja-JP" sz="2400"/>
+              <a:t>)</a:t>
+            </a:r>
+            <a:r>
+              <a:rPr kumimoji="1" lang="ja-JP" altLang="en-US" sz="2400"/>
+              <a:t>。</a:t>
+            </a:r>
+          </a:p>
+          <a:p>
+            <a:pPr marL="342900" indent="-342900">
+              <a:buAutoNum type="arabicPeriod"/>
+            </a:pPr>
+            <a:r>
+              <a:rPr kumimoji="1" lang="ja-JP" altLang="en-US" sz="2400"/>
+              <a:t>登録された</a:t>
+            </a:r>
+            <a:r>
+              <a:rPr kumimoji="1" lang="en-US" altLang="ja-JP" sz="2400"/>
+              <a:t>issue</a:t>
+            </a:r>
+            <a:r>
+              <a:rPr kumimoji="1" lang="ja-JP" altLang="en-US" sz="2400"/>
+              <a:t>のうち、これから手をつける</a:t>
+            </a:r>
+            <a:r>
+              <a:rPr kumimoji="1" lang="en-US" altLang="ja-JP" sz="2400"/>
+              <a:t>issue</a:t>
+            </a:r>
+            <a:r>
+              <a:rPr kumimoji="1" lang="ja-JP" altLang="en-US" sz="2400"/>
+              <a:t>に対応した作業ブランチを作成する</a:t>
+            </a:r>
+          </a:p>
+          <a:p>
+            <a:pPr marL="342900" indent="-342900">
+              <a:buAutoNum type="arabicPeriod"/>
+            </a:pPr>
+            <a:r>
+              <a:rPr kumimoji="1" lang="ja-JP" altLang="en-US" sz="2400"/>
+              <a:t>作業ブランチで作業し、修正をコミットする</a:t>
+            </a:r>
+          </a:p>
+          <a:p>
+            <a:pPr marL="342900" indent="-342900">
+              <a:buAutoNum type="arabicPeriod"/>
+            </a:pPr>
+            <a:r>
+              <a:rPr kumimoji="1" lang="ja-JP" altLang="en-US" sz="2400"/>
+              <a:t>メインブランチにマージする</a:t>
+            </a:r>
+            <a:r>
+              <a:rPr kumimoji="1" lang="en-US" altLang="ja-JP" sz="2400"/>
+              <a:t>(issue</a:t>
+            </a:r>
+            <a:r>
+              <a:rPr kumimoji="1" lang="ja-JP" altLang="en-US" sz="2400"/>
+              <a:t>が閉じる</a:t>
+            </a:r>
+            <a:r>
+              <a:rPr kumimoji="1" lang="en-US" altLang="ja-JP" sz="2400"/>
+              <a:t>)</a:t>
+            </a:r>
+            <a:endParaRPr kumimoji="1" lang="ja-JP" altLang="en-US" sz="2400"/>
+          </a:p>
+        </p:txBody>
+      </p:sp>
+      <p:sp>
+        <p:nvSpPr>
+          <p:cNvPr id="4" name="テキスト ボックス 3">
+            <a:extLst>
+              <a:ext uri="{FF2B5EF4-FFF2-40B4-BE49-F238E27FC236}">
+                <a16:creationId xmlns:a16="http://schemas.microsoft.com/office/drawing/2014/main" id="{2876726C-F386-4D28-9698-E10CC39991D0}"/>
+              </a:ext>
+            </a:extLst>
+          </p:cNvPr>
+          <p:cNvSpPr txBox="1"/>
+          <p:nvPr/>
+        </p:nvSpPr>
+        <p:spPr>
+          <a:xfrm>
+            <a:off x="395536" y="1340768"/>
+            <a:ext cx="5753498" cy="523220"/>
+          </a:xfrm>
+          <a:prstGeom prst="rect">
+            <a:avLst/>
+          </a:prstGeom>
+          <a:noFill/>
+        </p:spPr>
+        <p:txBody>
+          <a:bodyPr wrap="none" rtlCol="0">
+            <a:spAutoFit/>
+          </a:bodyPr>
+          <a:lstStyle/>
+          <a:p>
+            <a:r>
+              <a:rPr kumimoji="1" lang="en-US" altLang="ja-JP" sz="2800"/>
+              <a:t>GitHub</a:t>
+            </a:r>
+            <a:r>
+              <a:rPr lang="ja-JP" altLang="en-US" sz="2800"/>
+              <a:t>の</a:t>
+            </a:r>
+            <a:r>
+              <a:rPr kumimoji="1" lang="en-US" altLang="ja-JP" sz="2800"/>
+              <a:t>Issue</a:t>
+            </a:r>
+            <a:r>
+              <a:rPr kumimoji="1" lang="ja-JP" altLang="en-US" sz="2800"/>
+              <a:t>を使った開発フロー</a:t>
+            </a:r>
+          </a:p>
+        </p:txBody>
+      </p:sp>
+      <p:sp>
+        <p:nvSpPr>
+          <p:cNvPr id="5" name="楕円 4">
+            <a:extLst>
+              <a:ext uri="{FF2B5EF4-FFF2-40B4-BE49-F238E27FC236}">
+                <a16:creationId xmlns:a16="http://schemas.microsoft.com/office/drawing/2014/main" id="{29BA5B0B-9AA6-4CFB-870E-404A88B77DE8}"/>
+              </a:ext>
+            </a:extLst>
+          </p:cNvPr>
+          <p:cNvSpPr/>
+          <p:nvPr/>
+        </p:nvSpPr>
+        <p:spPr>
+          <a:xfrm>
+            <a:off x="1259632" y="6093296"/>
+            <a:ext cx="432048" cy="432048"/>
+          </a:xfrm>
+          <a:prstGeom prst="ellipse">
+            <a:avLst/>
+          </a:prstGeom>
+          <a:solidFill>
+            <a:srgbClr val="011893"/>
+          </a:solidFill>
+          <a:ln>
+            <a:solidFill>
+              <a:schemeClr val="tx1"/>
+            </a:solidFill>
+          </a:ln>
+        </p:spPr>
+        <p:style>
+          <a:lnRef idx="2">
+            <a:schemeClr val="accent1">
+              <a:shade val="50000"/>
+            </a:schemeClr>
+          </a:lnRef>
+          <a:fillRef idx="1">
+            <a:schemeClr val="accent1"/>
+          </a:fillRef>
+          <a:effectRef idx="0">
+            <a:schemeClr val="accent1"/>
+          </a:effectRef>
+          <a:fontRef idx="minor">
+            <a:schemeClr val="lt1"/>
+          </a:fontRef>
+        </p:style>
+        <p:txBody>
+          <a:bodyPr rtlCol="0" anchor="ctr"/>
+          <a:lstStyle/>
+          <a:p>
+            <a:pPr algn="ctr"/>
+            <a:endParaRPr kumimoji="1" lang="ja-JP" altLang="en-US"/>
+          </a:p>
+        </p:txBody>
+      </p:sp>
+      <p:sp>
+        <p:nvSpPr>
+          <p:cNvPr id="6" name="楕円 4">
+            <a:extLst>
+              <a:ext uri="{FF2B5EF4-FFF2-40B4-BE49-F238E27FC236}">
+                <a16:creationId xmlns:a16="http://schemas.microsoft.com/office/drawing/2014/main" id="{A5F2BFE2-4B50-4F9E-98E4-0804D0099422}"/>
+              </a:ext>
+            </a:extLst>
+          </p:cNvPr>
+          <p:cNvSpPr/>
+          <p:nvPr/>
+        </p:nvSpPr>
+        <p:spPr>
+          <a:xfrm>
+            <a:off x="2714717" y="5218332"/>
+            <a:ext cx="432048" cy="432048"/>
+          </a:xfrm>
+          <a:prstGeom prst="ellipse">
+            <a:avLst/>
+          </a:prstGeom>
+          <a:solidFill>
+            <a:srgbClr val="011893"/>
+          </a:solidFill>
+          <a:ln>
+            <a:solidFill>
+              <a:schemeClr val="tx1"/>
+            </a:solidFill>
+          </a:ln>
+        </p:spPr>
+        <p:style>
+          <a:lnRef idx="2">
+            <a:schemeClr val="accent1">
+              <a:shade val="50000"/>
+            </a:schemeClr>
+          </a:lnRef>
+          <a:fillRef idx="1">
+            <a:schemeClr val="accent1"/>
+          </a:fillRef>
+          <a:effectRef idx="0">
+            <a:schemeClr val="accent1"/>
+          </a:effectRef>
+          <a:fontRef idx="minor">
+            <a:schemeClr val="lt1"/>
+          </a:fontRef>
+        </p:style>
+        <p:txBody>
+          <a:bodyPr rtlCol="0" anchor="ctr"/>
+          <a:lstStyle/>
+          <a:p>
+            <a:pPr algn="ctr"/>
+            <a:endParaRPr kumimoji="1" lang="ja-JP" altLang="en-US"/>
+          </a:p>
+        </p:txBody>
+      </p:sp>
+      <p:sp>
+        <p:nvSpPr>
+          <p:cNvPr id="7" name="楕円 6">
+            <a:extLst>
+              <a:ext uri="{FF2B5EF4-FFF2-40B4-BE49-F238E27FC236}">
+                <a16:creationId xmlns:a16="http://schemas.microsoft.com/office/drawing/2014/main" id="{4919BF32-C76E-4567-8D54-B59A460EB8F6}"/>
+              </a:ext>
+            </a:extLst>
+          </p:cNvPr>
+          <p:cNvSpPr/>
+          <p:nvPr/>
+        </p:nvSpPr>
+        <p:spPr>
+          <a:xfrm>
+            <a:off x="4155170" y="5218332"/>
+            <a:ext cx="432048" cy="432048"/>
+          </a:xfrm>
+          <a:prstGeom prst="ellipse">
+            <a:avLst/>
+          </a:prstGeom>
+          <a:solidFill>
+            <a:srgbClr val="011893"/>
+          </a:solidFill>
+          <a:ln>
+            <a:solidFill>
+              <a:schemeClr val="tx1"/>
+            </a:solidFill>
+          </a:ln>
+        </p:spPr>
+        <p:style>
+          <a:lnRef idx="2">
+            <a:schemeClr val="accent1">
+              <a:shade val="50000"/>
+            </a:schemeClr>
+          </a:lnRef>
+          <a:fillRef idx="1">
+            <a:schemeClr val="accent1"/>
+          </a:fillRef>
+          <a:effectRef idx="0">
+            <a:schemeClr val="accent1"/>
+          </a:effectRef>
+          <a:fontRef idx="minor">
+            <a:schemeClr val="lt1"/>
+          </a:fontRef>
+        </p:style>
+        <p:txBody>
+          <a:bodyPr rtlCol="0" anchor="ctr"/>
+          <a:lstStyle/>
+          <a:p>
+            <a:pPr algn="ctr"/>
+            <a:endParaRPr kumimoji="1" lang="ja-JP" altLang="en-US"/>
+          </a:p>
+        </p:txBody>
+      </p:sp>
+      <p:cxnSp>
+        <p:nvCxnSpPr>
+          <p:cNvPr id="8" name="直線コネクタ 7">
+            <a:extLst>
+              <a:ext uri="{FF2B5EF4-FFF2-40B4-BE49-F238E27FC236}">
+                <a16:creationId xmlns:a16="http://schemas.microsoft.com/office/drawing/2014/main" id="{0107BA7F-04C9-42FB-B4BD-897833242344}"/>
+              </a:ext>
+            </a:extLst>
+          </p:cNvPr>
+          <p:cNvCxnSpPr>
+            <a:cxnSpLocks/>
+            <a:stCxn id="5" idx="7"/>
+            <a:endCxn id="6" idx="3"/>
+          </p:cNvCxnSpPr>
+          <p:nvPr/>
+        </p:nvCxnSpPr>
+        <p:spPr>
+          <a:xfrm flipV="1">
+            <a:off x="1628408" y="5587108"/>
+            <a:ext cx="1149581" cy="569460"/>
+          </a:xfrm>
+          <a:prstGeom prst="line">
+            <a:avLst/>
+          </a:prstGeom>
+          <a:ln w="57150">
+            <a:solidFill>
+              <a:schemeClr val="tx1"/>
+            </a:solidFill>
+            <a:headEnd type="none" w="med" len="med"/>
+            <a:tailEnd type="none" w="med" len="med"/>
+          </a:ln>
+        </p:spPr>
+        <p:style>
+          <a:lnRef idx="1">
+            <a:schemeClr val="accent1"/>
+          </a:lnRef>
+          <a:fillRef idx="0">
+            <a:schemeClr val="accent1"/>
+          </a:fillRef>
+          <a:effectRef idx="0">
+            <a:schemeClr val="accent1"/>
+          </a:effectRef>
+          <a:fontRef idx="minor">
+            <a:schemeClr val="tx1"/>
+          </a:fontRef>
+        </p:style>
+      </p:cxnSp>
+      <p:cxnSp>
+        <p:nvCxnSpPr>
+          <p:cNvPr id="9" name="直線コネクタ 8">
+            <a:extLst>
+              <a:ext uri="{FF2B5EF4-FFF2-40B4-BE49-F238E27FC236}">
+                <a16:creationId xmlns:a16="http://schemas.microsoft.com/office/drawing/2014/main" id="{93CA489F-AC36-489D-83A9-2274A6DEE523}"/>
+              </a:ext>
+            </a:extLst>
+          </p:cNvPr>
+          <p:cNvCxnSpPr>
+            <a:cxnSpLocks/>
+            <a:stCxn id="7" idx="2"/>
+            <a:endCxn id="6" idx="6"/>
+          </p:cNvCxnSpPr>
+          <p:nvPr/>
+        </p:nvCxnSpPr>
+        <p:spPr>
+          <a:xfrm flipH="1">
+            <a:off x="3146765" y="5434356"/>
+            <a:ext cx="1008405" cy="0"/>
+          </a:xfrm>
+          <a:prstGeom prst="line">
+            <a:avLst/>
+          </a:prstGeom>
+          <a:ln w="57150">
+            <a:solidFill>
+              <a:schemeClr val="tx1"/>
+            </a:solidFill>
+            <a:headEnd type="none" w="med" len="med"/>
+            <a:tailEnd type="none" w="med" len="med"/>
+          </a:ln>
+        </p:spPr>
+        <p:style>
+          <a:lnRef idx="1">
+            <a:schemeClr val="accent1"/>
+          </a:lnRef>
+          <a:fillRef idx="0">
+            <a:schemeClr val="accent1"/>
+          </a:fillRef>
+          <a:effectRef idx="0">
+            <a:schemeClr val="accent1"/>
+          </a:effectRef>
+          <a:fontRef idx="minor">
+            <a:schemeClr val="tx1"/>
+          </a:fontRef>
+        </p:style>
+      </p:cxnSp>
+      <p:sp>
+        <p:nvSpPr>
+          <p:cNvPr id="10" name="四角形: 1 つの角を切り取り 1 つの角を丸める 9">
+            <a:extLst>
+              <a:ext uri="{FF2B5EF4-FFF2-40B4-BE49-F238E27FC236}">
+                <a16:creationId xmlns:a16="http://schemas.microsoft.com/office/drawing/2014/main" id="{201627BF-CB81-4770-B69D-0494A1F59843}"/>
+              </a:ext>
+            </a:extLst>
+          </p:cNvPr>
+          <p:cNvSpPr/>
+          <p:nvPr/>
+        </p:nvSpPr>
+        <p:spPr>
+          <a:xfrm>
+            <a:off x="3613014" y="4488613"/>
+            <a:ext cx="1512168" cy="360040"/>
+          </a:xfrm>
+          <a:prstGeom prst="snipRoundRect">
+            <a:avLst>
+              <a:gd name="adj1" fmla="val 16667"/>
+              <a:gd name="adj2" fmla="val 35924"/>
+            </a:avLst>
+          </a:prstGeom>
+          <a:solidFill>
+            <a:schemeClr val="accent4">
+              <a:lumMod val="20000"/>
+              <a:lumOff val="80000"/>
+            </a:schemeClr>
+          </a:solidFill>
+          <a:ln>
+            <a:solidFill>
+              <a:schemeClr val="tx1"/>
+            </a:solidFill>
+          </a:ln>
+        </p:spPr>
+        <p:style>
+          <a:lnRef idx="2">
+            <a:schemeClr val="accent1">
+              <a:shade val="50000"/>
+            </a:schemeClr>
+          </a:lnRef>
+          <a:fillRef idx="1">
+            <a:schemeClr val="accent1"/>
+          </a:fillRef>
+          <a:effectRef idx="0">
+            <a:schemeClr val="accent1"/>
+          </a:effectRef>
+          <a:fontRef idx="minor">
+            <a:schemeClr val="lt1"/>
+          </a:fontRef>
+        </p:style>
+        <p:txBody>
+          <a:bodyPr rtlCol="0" anchor="ctr"/>
+          <a:lstStyle/>
+          <a:p>
+            <a:pPr algn="ctr"/>
+            <a:r>
+              <a:rPr lang="en-US" altLang="ja-JP">
+                <a:solidFill>
+                  <a:sysClr val="windowText" lastClr="000000"/>
+                </a:solidFill>
+                <a:latin typeface="Consolas" panose="020B0609020204030204" pitchFamily="49" charset="0"/>
+              </a:rPr>
+              <a:t>feature_A</a:t>
+            </a:r>
+            <a:endParaRPr kumimoji="1" lang="ja-JP" altLang="en-US">
+              <a:solidFill>
+                <a:sysClr val="windowText" lastClr="000000"/>
+              </a:solidFill>
+              <a:latin typeface="Consolas" panose="020B0609020204030204" pitchFamily="49" charset="0"/>
+            </a:endParaRPr>
+          </a:p>
+        </p:txBody>
+      </p:sp>
+      <p:cxnSp>
+        <p:nvCxnSpPr>
+          <p:cNvPr id="11" name="直線矢印コネクタ 10">
+            <a:extLst>
+              <a:ext uri="{FF2B5EF4-FFF2-40B4-BE49-F238E27FC236}">
+                <a16:creationId xmlns:a16="http://schemas.microsoft.com/office/drawing/2014/main" id="{5645768D-7421-4EC4-AD8F-F7157703E5C6}"/>
+              </a:ext>
+            </a:extLst>
+          </p:cNvPr>
+          <p:cNvCxnSpPr>
+            <a:stCxn id="10" idx="1"/>
+            <a:endCxn id="7" idx="0"/>
+          </p:cNvCxnSpPr>
+          <p:nvPr/>
+        </p:nvCxnSpPr>
+        <p:spPr>
+          <a:xfrm>
+            <a:off x="4369098" y="4848653"/>
+            <a:ext cx="2096" cy="369679"/>
+          </a:xfrm>
+          <a:prstGeom prst="straightConnector1">
+            <a:avLst/>
+          </a:prstGeom>
+          <a:ln>
+            <a:solidFill>
+              <a:schemeClr val="tx1"/>
+            </a:solidFill>
+            <a:headEnd type="none" w="med" len="med"/>
+            <a:tailEnd type="triangle"/>
+          </a:ln>
+        </p:spPr>
+        <p:style>
+          <a:lnRef idx="1">
+            <a:schemeClr val="accent1"/>
+          </a:lnRef>
+          <a:fillRef idx="0">
+            <a:schemeClr val="accent1"/>
+          </a:fillRef>
+          <a:effectRef idx="0">
+            <a:schemeClr val="accent1"/>
+          </a:effectRef>
+          <a:fontRef idx="minor">
+            <a:schemeClr val="tx1"/>
+          </a:fontRef>
+        </p:style>
+      </p:cxnSp>
+      <p:sp>
+        <p:nvSpPr>
+          <p:cNvPr id="13" name="四角形: 1 つの角を切り取り 1 つの角を丸める 12">
+            <a:extLst>
+              <a:ext uri="{FF2B5EF4-FFF2-40B4-BE49-F238E27FC236}">
+                <a16:creationId xmlns:a16="http://schemas.microsoft.com/office/drawing/2014/main" id="{C36A46C0-BA90-4DC0-A175-CA845FDE9F66}"/>
+              </a:ext>
+            </a:extLst>
+          </p:cNvPr>
+          <p:cNvSpPr/>
+          <p:nvPr/>
+        </p:nvSpPr>
+        <p:spPr>
+          <a:xfrm>
+            <a:off x="1011201" y="5218218"/>
+            <a:ext cx="936104" cy="360040"/>
+          </a:xfrm>
+          <a:prstGeom prst="snipRoundRect">
+            <a:avLst>
+              <a:gd name="adj1" fmla="val 16667"/>
+              <a:gd name="adj2" fmla="val 35924"/>
+            </a:avLst>
+          </a:prstGeom>
+          <a:solidFill>
+            <a:schemeClr val="accent6">
+              <a:lumMod val="20000"/>
+              <a:lumOff val="80000"/>
+            </a:schemeClr>
+          </a:solidFill>
+          <a:ln>
+            <a:solidFill>
+              <a:schemeClr val="tx1"/>
+            </a:solidFill>
+          </a:ln>
+        </p:spPr>
+        <p:style>
+          <a:lnRef idx="2">
+            <a:schemeClr val="accent1">
+              <a:shade val="50000"/>
+            </a:schemeClr>
+          </a:lnRef>
+          <a:fillRef idx="1">
+            <a:schemeClr val="accent1"/>
+          </a:fillRef>
+          <a:effectRef idx="0">
+            <a:schemeClr val="accent1"/>
+          </a:effectRef>
+          <a:fontRef idx="minor">
+            <a:schemeClr val="lt1"/>
+          </a:fontRef>
+        </p:style>
+        <p:txBody>
+          <a:bodyPr rtlCol="0" anchor="ctr"/>
+          <a:lstStyle/>
+          <a:p>
+            <a:pPr algn="ctr"/>
+            <a:r>
+              <a:rPr lang="en-US" altLang="ja-JP">
+                <a:solidFill>
+                  <a:sysClr val="windowText" lastClr="000000"/>
+                </a:solidFill>
+                <a:latin typeface="Consolas" panose="020B0609020204030204" pitchFamily="49" charset="0"/>
+              </a:rPr>
+              <a:t>main</a:t>
+            </a:r>
+            <a:endParaRPr kumimoji="1" lang="ja-JP" altLang="en-US">
+              <a:solidFill>
+                <a:sysClr val="windowText" lastClr="000000"/>
+              </a:solidFill>
+              <a:latin typeface="Consolas" panose="020B0609020204030204" pitchFamily="49" charset="0"/>
+            </a:endParaRPr>
+          </a:p>
+        </p:txBody>
+      </p:sp>
+      <p:cxnSp>
+        <p:nvCxnSpPr>
+          <p:cNvPr id="14" name="直線矢印コネクタ 13">
+            <a:extLst>
+              <a:ext uri="{FF2B5EF4-FFF2-40B4-BE49-F238E27FC236}">
+                <a16:creationId xmlns:a16="http://schemas.microsoft.com/office/drawing/2014/main" id="{349C0016-9850-45C6-A029-50FBE50B9443}"/>
+              </a:ext>
+            </a:extLst>
+          </p:cNvPr>
+          <p:cNvCxnSpPr>
+            <a:cxnSpLocks/>
+            <a:stCxn id="13" idx="1"/>
+            <a:endCxn id="5" idx="0"/>
+          </p:cNvCxnSpPr>
+          <p:nvPr/>
+        </p:nvCxnSpPr>
+        <p:spPr>
+          <a:xfrm flipH="1">
+            <a:off x="1475656" y="5578258"/>
+            <a:ext cx="3597" cy="515038"/>
+          </a:xfrm>
+          <a:prstGeom prst="straightConnector1">
+            <a:avLst/>
+          </a:prstGeom>
+          <a:ln>
+            <a:solidFill>
+              <a:schemeClr val="tx1"/>
+            </a:solidFill>
+            <a:headEnd type="none" w="med" len="med"/>
+            <a:tailEnd type="triangle"/>
+          </a:ln>
+        </p:spPr>
+        <p:style>
+          <a:lnRef idx="1">
+            <a:schemeClr val="accent1"/>
+          </a:lnRef>
+          <a:fillRef idx="0">
+            <a:schemeClr val="accent1"/>
+          </a:fillRef>
+          <a:effectRef idx="0">
+            <a:schemeClr val="accent1"/>
+          </a:effectRef>
+          <a:fontRef idx="minor">
+            <a:schemeClr val="tx1"/>
+          </a:fontRef>
+        </p:style>
+      </p:cxnSp>
+      <p:sp>
+        <p:nvSpPr>
+          <p:cNvPr id="15" name="楕円 14">
+            <a:extLst>
+              <a:ext uri="{FF2B5EF4-FFF2-40B4-BE49-F238E27FC236}">
+                <a16:creationId xmlns:a16="http://schemas.microsoft.com/office/drawing/2014/main" id="{1B5B055C-32F8-43ED-A481-A2FDD0A37E7E}"/>
+              </a:ext>
+            </a:extLst>
+          </p:cNvPr>
+          <p:cNvSpPr/>
+          <p:nvPr/>
+        </p:nvSpPr>
+        <p:spPr>
+          <a:xfrm>
+            <a:off x="5796136" y="6093296"/>
+            <a:ext cx="432048" cy="432048"/>
+          </a:xfrm>
+          <a:prstGeom prst="ellipse">
+            <a:avLst/>
+          </a:prstGeom>
+          <a:solidFill>
+            <a:srgbClr val="011893"/>
+          </a:solidFill>
+          <a:ln>
+            <a:solidFill>
+              <a:schemeClr val="tx1"/>
+            </a:solidFill>
+          </a:ln>
+        </p:spPr>
+        <p:style>
+          <a:lnRef idx="2">
+            <a:schemeClr val="accent1">
+              <a:shade val="50000"/>
+            </a:schemeClr>
+          </a:lnRef>
+          <a:fillRef idx="1">
+            <a:schemeClr val="accent1"/>
+          </a:fillRef>
+          <a:effectRef idx="0">
+            <a:schemeClr val="accent1"/>
+          </a:effectRef>
+          <a:fontRef idx="minor">
+            <a:schemeClr val="lt1"/>
+          </a:fontRef>
+        </p:style>
+        <p:txBody>
+          <a:bodyPr rtlCol="0" anchor="ctr"/>
+          <a:lstStyle/>
+          <a:p>
+            <a:pPr algn="ctr"/>
+            <a:endParaRPr kumimoji="1" lang="ja-JP" altLang="en-US"/>
+          </a:p>
+        </p:txBody>
+      </p:sp>
+      <p:cxnSp>
+        <p:nvCxnSpPr>
+          <p:cNvPr id="16" name="直線コネクタ 15">
+            <a:extLst>
+              <a:ext uri="{FF2B5EF4-FFF2-40B4-BE49-F238E27FC236}">
+                <a16:creationId xmlns:a16="http://schemas.microsoft.com/office/drawing/2014/main" id="{BDC24098-BAE1-4E05-9274-229C1CF0129A}"/>
+              </a:ext>
+            </a:extLst>
+          </p:cNvPr>
+          <p:cNvCxnSpPr>
+            <a:cxnSpLocks/>
+            <a:stCxn id="5" idx="6"/>
+            <a:endCxn id="15" idx="2"/>
+          </p:cNvCxnSpPr>
+          <p:nvPr/>
+        </p:nvCxnSpPr>
+        <p:spPr>
+          <a:xfrm>
+            <a:off x="1691680" y="6309320"/>
+            <a:ext cx="4104456" cy="0"/>
+          </a:xfrm>
+          <a:prstGeom prst="line">
+            <a:avLst/>
+          </a:prstGeom>
+          <a:ln w="57150">
+            <a:solidFill>
+              <a:srgbClr val="FF0000"/>
+            </a:solidFill>
+            <a:headEnd type="none" w="med" len="med"/>
+            <a:tailEnd type="none" w="med" len="med"/>
+          </a:ln>
+        </p:spPr>
+        <p:style>
+          <a:lnRef idx="1">
+            <a:schemeClr val="accent1"/>
+          </a:lnRef>
+          <a:fillRef idx="0">
+            <a:schemeClr val="accent1"/>
+          </a:fillRef>
+          <a:effectRef idx="0">
+            <a:schemeClr val="accent1"/>
+          </a:effectRef>
+          <a:fontRef idx="minor">
+            <a:schemeClr val="tx1"/>
+          </a:fontRef>
+        </p:style>
+      </p:cxnSp>
+      <p:cxnSp>
+        <p:nvCxnSpPr>
+          <p:cNvPr id="19" name="直線コネクタ 18">
+            <a:extLst>
+              <a:ext uri="{FF2B5EF4-FFF2-40B4-BE49-F238E27FC236}">
+                <a16:creationId xmlns:a16="http://schemas.microsoft.com/office/drawing/2014/main" id="{6E2D0332-DDF3-4716-8464-2AB7FC5FA5C5}"/>
+              </a:ext>
+            </a:extLst>
+          </p:cNvPr>
+          <p:cNvCxnSpPr>
+            <a:cxnSpLocks/>
+            <a:stCxn id="7" idx="5"/>
+            <a:endCxn id="15" idx="1"/>
+          </p:cNvCxnSpPr>
+          <p:nvPr/>
+        </p:nvCxnSpPr>
+        <p:spPr>
+          <a:xfrm>
+            <a:off x="4523946" y="5587108"/>
+            <a:ext cx="1335462" cy="569460"/>
+          </a:xfrm>
+          <a:prstGeom prst="line">
+            <a:avLst/>
+          </a:prstGeom>
+          <a:ln w="57150">
+            <a:solidFill>
+              <a:srgbClr val="FF0000"/>
+            </a:solidFill>
+            <a:headEnd type="none" w="med" len="med"/>
+            <a:tailEnd type="none" w="med" len="med"/>
+          </a:ln>
+        </p:spPr>
+        <p:style>
+          <a:lnRef idx="1">
+            <a:schemeClr val="accent1"/>
+          </a:lnRef>
+          <a:fillRef idx="0">
+            <a:schemeClr val="accent1"/>
+          </a:fillRef>
+          <a:effectRef idx="0">
+            <a:schemeClr val="accent1"/>
+          </a:effectRef>
+          <a:fontRef idx="minor">
+            <a:schemeClr val="tx1"/>
+          </a:fontRef>
+        </p:style>
+      </p:cxnSp>
+      <p:pic>
+        <p:nvPicPr>
+          <p:cNvPr id="22" name="Picture 2" descr="四角い付箋のイラスト「淡黄色」">
+            <a:extLst>
+              <a:ext uri="{FF2B5EF4-FFF2-40B4-BE49-F238E27FC236}">
+                <a16:creationId xmlns:a16="http://schemas.microsoft.com/office/drawing/2014/main" id="{84CC807C-6B1B-4F69-92BF-9EAC12F8083B}"/>
+              </a:ext>
+            </a:extLst>
+          </p:cNvPr>
+          <p:cNvPicPr>
+            <a:picLocks noChangeAspect="1" noChangeArrowheads="1"/>
+          </p:cNvPicPr>
+          <p:nvPr/>
+        </p:nvPicPr>
+        <p:blipFill>
+          <a:blip r:embed="rId2" cstate="print">
+            <a:extLst>
+              <a:ext uri="{28A0092B-C50C-407E-A947-70E740481C1C}">
+                <a14:useLocalDpi xmlns:a14="http://schemas.microsoft.com/office/drawing/2010/main" val="0"/>
+              </a:ext>
+            </a:extLst>
+          </a:blip>
+          <a:srcRect/>
+          <a:stretch>
+            <a:fillRect/>
+          </a:stretch>
+        </p:blipFill>
+        <p:spPr bwMode="auto">
+          <a:xfrm>
+            <a:off x="1835696" y="4509120"/>
+            <a:ext cx="605541" cy="544987"/>
+          </a:xfrm>
+          <a:prstGeom prst="rect">
+            <a:avLst/>
+          </a:prstGeom>
+          <a:noFill/>
+          <a:extLst>
+            <a:ext uri="{909E8E84-426E-40DD-AFC4-6F175D3DCCD1}">
+              <a14:hiddenFill xmlns:a14="http://schemas.microsoft.com/office/drawing/2010/main">
+                <a:solidFill>
+                  <a:srgbClr val="FFFFFF"/>
+                </a:solidFill>
+              </a14:hiddenFill>
+            </a:ext>
+          </a:extLst>
+        </p:spPr>
+      </p:pic>
+      <p:sp>
+        <p:nvSpPr>
+          <p:cNvPr id="23" name="テキスト ボックス 22">
+            <a:extLst>
+              <a:ext uri="{FF2B5EF4-FFF2-40B4-BE49-F238E27FC236}">
+                <a16:creationId xmlns:a16="http://schemas.microsoft.com/office/drawing/2014/main" id="{688E0C01-9E68-4AD6-95BE-9624CC9750E5}"/>
+              </a:ext>
+            </a:extLst>
+          </p:cNvPr>
+          <p:cNvSpPr txBox="1"/>
+          <p:nvPr/>
+        </p:nvSpPr>
+        <p:spPr>
+          <a:xfrm>
+            <a:off x="1500044" y="4149080"/>
+            <a:ext cx="1415772" cy="369332"/>
+          </a:xfrm>
+          <a:prstGeom prst="rect">
+            <a:avLst/>
+          </a:prstGeom>
+          <a:noFill/>
+        </p:spPr>
+        <p:txBody>
+          <a:bodyPr wrap="none" rtlCol="0">
+            <a:spAutoFit/>
+          </a:bodyPr>
+          <a:lstStyle/>
+          <a:p>
+            <a:r>
+              <a:rPr kumimoji="1" lang="en-US" altLang="ja-JP"/>
+              <a:t>issue</a:t>
+            </a:r>
+            <a:r>
+              <a:rPr kumimoji="1" lang="ja-JP" altLang="en-US"/>
+              <a:t>を開く</a:t>
+            </a:r>
+          </a:p>
+        </p:txBody>
+      </p:sp>
+      <p:pic>
+        <p:nvPicPr>
+          <p:cNvPr id="24" name="Picture 2" descr="四角い付箋のイラスト「淡黄色」">
+            <a:extLst>
+              <a:ext uri="{FF2B5EF4-FFF2-40B4-BE49-F238E27FC236}">
+                <a16:creationId xmlns:a16="http://schemas.microsoft.com/office/drawing/2014/main" id="{8CB68A6D-346E-4410-9CE4-76617B686F06}"/>
+              </a:ext>
+            </a:extLst>
+          </p:cNvPr>
+          <p:cNvPicPr>
+            <a:picLocks noChangeAspect="1" noChangeArrowheads="1"/>
+          </p:cNvPicPr>
+          <p:nvPr/>
+        </p:nvPicPr>
+        <p:blipFill>
+          <a:blip r:embed="rId2" cstate="print">
+            <a:extLst>
+              <a:ext uri="{28A0092B-C50C-407E-A947-70E740481C1C}">
+                <a14:useLocalDpi xmlns:a14="http://schemas.microsoft.com/office/drawing/2010/main" val="0"/>
+              </a:ext>
+            </a:extLst>
+          </a:blip>
+          <a:srcRect/>
+          <a:stretch>
+            <a:fillRect/>
+          </a:stretch>
+        </p:blipFill>
+        <p:spPr bwMode="auto">
+          <a:xfrm>
+            <a:off x="5483716" y="4581128"/>
+            <a:ext cx="605541" cy="544987"/>
+          </a:xfrm>
+          <a:prstGeom prst="rect">
+            <a:avLst/>
+          </a:prstGeom>
+          <a:noFill/>
+          <a:extLst>
+            <a:ext uri="{909E8E84-426E-40DD-AFC4-6F175D3DCCD1}">
+              <a14:hiddenFill xmlns:a14="http://schemas.microsoft.com/office/drawing/2010/main">
+                <a:solidFill>
+                  <a:srgbClr val="FFFFFF"/>
+                </a:solidFill>
+              </a14:hiddenFill>
+            </a:ext>
+          </a:extLst>
+        </p:spPr>
+      </p:pic>
+      <p:sp>
+        <p:nvSpPr>
+          <p:cNvPr id="25" name="テキスト ボックス 24">
+            <a:extLst>
+              <a:ext uri="{FF2B5EF4-FFF2-40B4-BE49-F238E27FC236}">
+                <a16:creationId xmlns:a16="http://schemas.microsoft.com/office/drawing/2014/main" id="{EB685D27-3127-4B23-9F51-AA26723CA7C7}"/>
+              </a:ext>
+            </a:extLst>
+          </p:cNvPr>
+          <p:cNvSpPr txBox="1"/>
+          <p:nvPr/>
+        </p:nvSpPr>
+        <p:spPr>
+          <a:xfrm>
+            <a:off x="5148064" y="4221088"/>
+            <a:ext cx="1646605" cy="369332"/>
+          </a:xfrm>
+          <a:prstGeom prst="rect">
+            <a:avLst/>
+          </a:prstGeom>
+          <a:noFill/>
+        </p:spPr>
+        <p:txBody>
+          <a:bodyPr wrap="none" rtlCol="0">
+            <a:spAutoFit/>
+          </a:bodyPr>
+          <a:lstStyle/>
+          <a:p>
+            <a:r>
+              <a:rPr kumimoji="1" lang="en-US" altLang="ja-JP"/>
+              <a:t>issue</a:t>
+            </a:r>
+            <a:r>
+              <a:rPr kumimoji="1" lang="ja-JP" altLang="en-US"/>
+              <a:t>を閉じる</a:t>
+            </a:r>
+          </a:p>
+        </p:txBody>
+      </p:sp>
+      <p:cxnSp>
+        <p:nvCxnSpPr>
+          <p:cNvPr id="27" name="直線矢印コネクタ 26">
+            <a:extLst>
+              <a:ext uri="{FF2B5EF4-FFF2-40B4-BE49-F238E27FC236}">
+                <a16:creationId xmlns:a16="http://schemas.microsoft.com/office/drawing/2014/main" id="{F3ECAB17-FB55-4430-ADC9-119800C2D8A3}"/>
+              </a:ext>
+            </a:extLst>
+          </p:cNvPr>
+          <p:cNvCxnSpPr>
+            <a:stCxn id="22" idx="2"/>
+          </p:cNvCxnSpPr>
+          <p:nvPr/>
+        </p:nvCxnSpPr>
+        <p:spPr>
+          <a:xfrm>
+            <a:off x="2138467" y="5054107"/>
+            <a:ext cx="57269" cy="679149"/>
+          </a:xfrm>
+          <a:prstGeom prst="straightConnector1">
+            <a:avLst/>
+          </a:prstGeom>
+          <a:ln>
+            <a:solidFill>
+              <a:schemeClr val="tx1"/>
+            </a:solidFill>
+            <a:headEnd type="none" w="med" len="med"/>
+            <a:tailEnd type="triangle"/>
+          </a:ln>
+        </p:spPr>
+        <p:style>
+          <a:lnRef idx="1">
+            <a:schemeClr val="accent1"/>
+          </a:lnRef>
+          <a:fillRef idx="0">
+            <a:schemeClr val="accent1"/>
+          </a:fillRef>
+          <a:effectRef idx="0">
+            <a:schemeClr val="accent1"/>
+          </a:effectRef>
+          <a:fontRef idx="minor">
+            <a:schemeClr val="tx1"/>
+          </a:fontRef>
+        </p:style>
+      </p:cxnSp>
+      <p:cxnSp>
+        <p:nvCxnSpPr>
+          <p:cNvPr id="29" name="直線矢印コネクタ 28">
+            <a:extLst>
+              <a:ext uri="{FF2B5EF4-FFF2-40B4-BE49-F238E27FC236}">
+                <a16:creationId xmlns:a16="http://schemas.microsoft.com/office/drawing/2014/main" id="{8C8EB02C-390C-4311-8737-4DC450C5DA50}"/>
+              </a:ext>
+            </a:extLst>
+          </p:cNvPr>
+          <p:cNvCxnSpPr>
+            <a:stCxn id="24" idx="2"/>
+          </p:cNvCxnSpPr>
+          <p:nvPr/>
+        </p:nvCxnSpPr>
+        <p:spPr>
+          <a:xfrm flipH="1">
+            <a:off x="5292080" y="5126115"/>
+            <a:ext cx="494407" cy="607141"/>
+          </a:xfrm>
+          <a:prstGeom prst="straightConnector1">
+            <a:avLst/>
+          </a:prstGeom>
+          <a:ln>
+            <a:solidFill>
+              <a:schemeClr val="tx1"/>
+            </a:solidFill>
+            <a:headEnd type="none" w="med" len="med"/>
+            <a:tailEnd type="triangle"/>
+          </a:ln>
+        </p:spPr>
+        <p:style>
+          <a:lnRef idx="1">
+            <a:schemeClr val="accent1"/>
+          </a:lnRef>
+          <a:fillRef idx="0">
+            <a:schemeClr val="accent1"/>
+          </a:fillRef>
+          <a:effectRef idx="0">
+            <a:schemeClr val="accent1"/>
+          </a:effectRef>
+          <a:fontRef idx="minor">
+            <a:schemeClr val="tx1"/>
+          </a:fontRef>
+        </p:style>
+      </p:cxnSp>
+    </p:spTree>
+    <p:extLst>
+      <p:ext uri="{BB962C8B-B14F-4D97-AF65-F5344CB8AC3E}">
+        <p14:creationId xmlns:p14="http://schemas.microsoft.com/office/powerpoint/2010/main" val="1696241518"/>
+      </p:ext>
+    </p:extLst>
+  </p:cSld>
+  <p:clrMapOvr>
+    <a:masterClrMapping/>
+  </p:clrMapOvr>
+</p:sld>
+</file>
+
+<file path=ppt/slides/slide34.xml><?xml version="1.0" encoding="utf-8"?>
+<p:sld xmlns:a="http://schemas.openxmlformats.org/drawingml/2006/main" xmlns:r="http://schemas.openxmlformats.org/officeDocument/2006/relationships" xmlns:p="http://schemas.openxmlformats.org/presentationml/2006/main">
+  <p:cSld>
+    <p:spTree>
+      <p:nvGrpSpPr>
+        <p:cNvPr id="1" name=""/>
+        <p:cNvGrpSpPr/>
+        <p:nvPr/>
+      </p:nvGrpSpPr>
+      <p:grpSpPr>
+        <a:xfrm>
+          <a:off x="0" y="0"/>
+          <a:ext cx="0" cy="0"/>
+          <a:chOff x="0" y="0"/>
+          <a:chExt cx="0" cy="0"/>
+        </a:xfrm>
+      </p:grpSpPr>
+      <p:sp>
+        <p:nvSpPr>
+          <p:cNvPr id="2" name="テキスト プレースホルダー 1">
+            <a:extLst>
+              <a:ext uri="{FF2B5EF4-FFF2-40B4-BE49-F238E27FC236}">
+                <a16:creationId xmlns:a16="http://schemas.microsoft.com/office/drawing/2014/main" id="{D19AE161-FC2B-4DF1-8CC1-2E5FF220F66D}"/>
+              </a:ext>
+            </a:extLst>
+          </p:cNvPr>
+          <p:cNvSpPr>
+            <a:spLocks noGrp="1"/>
+          </p:cNvSpPr>
+          <p:nvPr>
+            <p:ph type="body" sz="quarter" idx="10"/>
+          </p:nvPr>
+        </p:nvSpPr>
+        <p:spPr/>
+        <p:txBody>
+          <a:bodyPr/>
+          <a:lstStyle/>
+          <a:p>
+            <a:r>
+              <a:rPr lang="ja-JP" altLang="en-US"/>
+              <a:t>課題</a:t>
+            </a:r>
+            <a:r>
+              <a:rPr lang="en-US" altLang="ja-JP"/>
+              <a:t>3 - Step 1</a:t>
+            </a:r>
+            <a:endParaRPr kumimoji="1" lang="ja-JP" altLang="en-US"/>
+          </a:p>
+        </p:txBody>
+      </p:sp>
+      <p:sp>
+        <p:nvSpPr>
+          <p:cNvPr id="3" name="テキスト ボックス 2">
+            <a:extLst>
+              <a:ext uri="{FF2B5EF4-FFF2-40B4-BE49-F238E27FC236}">
+                <a16:creationId xmlns:a16="http://schemas.microsoft.com/office/drawing/2014/main" id="{005FDED7-9EE8-4025-BC59-666023DE8867}"/>
+              </a:ext>
+            </a:extLst>
+          </p:cNvPr>
+          <p:cNvSpPr txBox="1"/>
+          <p:nvPr/>
+        </p:nvSpPr>
+        <p:spPr>
+          <a:xfrm>
+            <a:off x="683568" y="1196752"/>
+            <a:ext cx="7268336" cy="523220"/>
+          </a:xfrm>
+          <a:prstGeom prst="rect">
+            <a:avLst/>
+          </a:prstGeom>
+          <a:noFill/>
+        </p:spPr>
+        <p:txBody>
+          <a:bodyPr wrap="none" rtlCol="0">
+            <a:spAutoFit/>
+          </a:bodyPr>
+          <a:lstStyle/>
+          <a:p>
+            <a:r>
+              <a:rPr kumimoji="1" lang="en-US" altLang="ja-JP" sz="2800"/>
+              <a:t>GitHub</a:t>
+            </a:r>
+            <a:r>
+              <a:rPr kumimoji="1" lang="ja-JP" altLang="en-US" sz="2800"/>
+              <a:t>で</a:t>
+            </a:r>
+            <a:r>
+              <a:rPr kumimoji="1" lang="en-US" altLang="ja-JP" sz="2800"/>
+              <a:t>test</a:t>
+            </a:r>
+            <a:r>
+              <a:rPr kumimoji="1" lang="ja-JP" altLang="en-US" sz="2800"/>
+              <a:t>リポジトリのページに移動する</a:t>
+            </a:r>
+          </a:p>
+        </p:txBody>
+      </p:sp>
+      <p:pic>
+        <p:nvPicPr>
+          <p:cNvPr id="5" name="図 4">
+            <a:extLst>
+              <a:ext uri="{FF2B5EF4-FFF2-40B4-BE49-F238E27FC236}">
+                <a16:creationId xmlns:a16="http://schemas.microsoft.com/office/drawing/2014/main" id="{5549172A-3EAA-434C-B59F-483B0E6FF345}"/>
+              </a:ext>
+            </a:extLst>
+          </p:cNvPr>
+          <p:cNvPicPr>
+            <a:picLocks noChangeAspect="1"/>
+          </p:cNvPicPr>
+          <p:nvPr/>
+        </p:nvPicPr>
+        <p:blipFill>
+          <a:blip r:embed="rId2"/>
+          <a:stretch>
+            <a:fillRect/>
+          </a:stretch>
+        </p:blipFill>
+        <p:spPr>
+          <a:xfrm>
+            <a:off x="1403648" y="2996952"/>
+            <a:ext cx="5201376" cy="2572109"/>
+          </a:xfrm>
+          <a:prstGeom prst="rect">
+            <a:avLst/>
+          </a:prstGeom>
+        </p:spPr>
+      </p:pic>
+      <p:sp>
+        <p:nvSpPr>
+          <p:cNvPr id="6" name="四角形: 角を丸くする 5">
+            <a:extLst>
+              <a:ext uri="{FF2B5EF4-FFF2-40B4-BE49-F238E27FC236}">
+                <a16:creationId xmlns:a16="http://schemas.microsoft.com/office/drawing/2014/main" id="{7B2F2A20-9F83-4ACF-87FE-2A5DF697C6C7}"/>
+              </a:ext>
+            </a:extLst>
+          </p:cNvPr>
+          <p:cNvSpPr/>
+          <p:nvPr/>
+        </p:nvSpPr>
+        <p:spPr>
+          <a:xfrm>
+            <a:off x="1475656" y="5229200"/>
+            <a:ext cx="2088232" cy="360040"/>
+          </a:xfrm>
+          <a:prstGeom prst="roundRect">
+            <a:avLst/>
+          </a:prstGeom>
+          <a:noFill/>
+          <a:ln w="38100">
+            <a:solidFill>
+              <a:srgbClr val="FF0000"/>
+            </a:solidFill>
+          </a:ln>
+        </p:spPr>
+        <p:style>
+          <a:lnRef idx="2">
+            <a:schemeClr val="accent1">
+              <a:shade val="50000"/>
+            </a:schemeClr>
+          </a:lnRef>
+          <a:fillRef idx="1">
+            <a:schemeClr val="accent1"/>
+          </a:fillRef>
+          <a:effectRef idx="0">
+            <a:schemeClr val="accent1"/>
+          </a:effectRef>
+          <a:fontRef idx="minor">
+            <a:schemeClr val="lt1"/>
+          </a:fontRef>
+        </p:style>
+        <p:txBody>
+          <a:bodyPr rtlCol="0" anchor="ctr"/>
+          <a:lstStyle/>
+          <a:p>
+            <a:pPr algn="ctr"/>
+            <a:endParaRPr kumimoji="1" lang="ja-JP" altLang="en-US"/>
+          </a:p>
+        </p:txBody>
+      </p:sp>
+      <p:sp>
+        <p:nvSpPr>
+          <p:cNvPr id="7" name="四角形: 角を丸くする 6">
+            <a:extLst>
+              <a:ext uri="{FF2B5EF4-FFF2-40B4-BE49-F238E27FC236}">
+                <a16:creationId xmlns:a16="http://schemas.microsoft.com/office/drawing/2014/main" id="{AA2C6F4D-64EB-4ED2-8AC8-63C817149CE7}"/>
+              </a:ext>
+            </a:extLst>
+          </p:cNvPr>
+          <p:cNvSpPr/>
+          <p:nvPr/>
+        </p:nvSpPr>
+        <p:spPr>
+          <a:xfrm>
+            <a:off x="1403648" y="2996952"/>
+            <a:ext cx="648072" cy="648072"/>
+          </a:xfrm>
+          <a:prstGeom prst="roundRect">
+            <a:avLst/>
+          </a:prstGeom>
+          <a:noFill/>
+          <a:ln w="38100">
+            <a:solidFill>
+              <a:srgbClr val="FF0000"/>
+            </a:solidFill>
+          </a:ln>
+        </p:spPr>
+        <p:style>
+          <a:lnRef idx="2">
+            <a:schemeClr val="accent1">
+              <a:shade val="50000"/>
+            </a:schemeClr>
+          </a:lnRef>
+          <a:fillRef idx="1">
+            <a:schemeClr val="accent1"/>
+          </a:fillRef>
+          <a:effectRef idx="0">
+            <a:schemeClr val="accent1"/>
+          </a:effectRef>
+          <a:fontRef idx="minor">
+            <a:schemeClr val="lt1"/>
+          </a:fontRef>
+        </p:style>
+        <p:txBody>
+          <a:bodyPr rtlCol="0" anchor="ctr"/>
+          <a:lstStyle/>
+          <a:p>
+            <a:pPr algn="ctr"/>
+            <a:endParaRPr kumimoji="1" lang="ja-JP" altLang="en-US"/>
+          </a:p>
+        </p:txBody>
+      </p:sp>
+      <p:sp>
+        <p:nvSpPr>
+          <p:cNvPr id="8" name="テキスト ボックス 7">
+            <a:extLst>
+              <a:ext uri="{FF2B5EF4-FFF2-40B4-BE49-F238E27FC236}">
+                <a16:creationId xmlns:a16="http://schemas.microsoft.com/office/drawing/2014/main" id="{62B316C5-66A8-4393-A0A2-A3F214A21B17}"/>
+              </a:ext>
+            </a:extLst>
+          </p:cNvPr>
+          <p:cNvSpPr txBox="1"/>
+          <p:nvPr/>
+        </p:nvSpPr>
+        <p:spPr>
+          <a:xfrm>
+            <a:off x="683568" y="2060848"/>
+            <a:ext cx="2954655" cy="369332"/>
+          </a:xfrm>
+          <a:prstGeom prst="rect">
+            <a:avLst/>
+          </a:prstGeom>
+          <a:noFill/>
+        </p:spPr>
+        <p:txBody>
+          <a:bodyPr wrap="none" rtlCol="0">
+            <a:spAutoFit/>
+          </a:bodyPr>
+          <a:lstStyle/>
+          <a:p>
+            <a:r>
+              <a:rPr kumimoji="1" lang="ja-JP" altLang="en-US"/>
+              <a:t>ここを押すとホーム画面へ</a:t>
+            </a:r>
+          </a:p>
+        </p:txBody>
+      </p:sp>
+      <p:cxnSp>
+        <p:nvCxnSpPr>
+          <p:cNvPr id="10" name="コネクタ: カギ線 9">
+            <a:extLst>
+              <a:ext uri="{FF2B5EF4-FFF2-40B4-BE49-F238E27FC236}">
+                <a16:creationId xmlns:a16="http://schemas.microsoft.com/office/drawing/2014/main" id="{22AD0FBD-E675-401A-A35D-96FF2E81D2D0}"/>
+              </a:ext>
+            </a:extLst>
+          </p:cNvPr>
+          <p:cNvCxnSpPr>
+            <a:stCxn id="8" idx="1"/>
+            <a:endCxn id="7" idx="1"/>
+          </p:cNvCxnSpPr>
+          <p:nvPr/>
+        </p:nvCxnSpPr>
+        <p:spPr>
+          <a:xfrm rot="10800000" flipH="1" flipV="1">
+            <a:off x="683568" y="2245514"/>
+            <a:ext cx="720080" cy="1075474"/>
+          </a:xfrm>
+          <a:prstGeom prst="bentConnector3">
+            <a:avLst>
+              <a:gd name="adj1" fmla="val -31746"/>
+            </a:avLst>
+          </a:prstGeom>
+          <a:ln>
+            <a:solidFill>
+              <a:schemeClr val="tx1"/>
+            </a:solidFill>
+            <a:headEnd type="none" w="med" len="med"/>
+            <a:tailEnd type="triangle"/>
+          </a:ln>
+        </p:spPr>
+        <p:style>
+          <a:lnRef idx="1">
+            <a:schemeClr val="accent1"/>
+          </a:lnRef>
+          <a:fillRef idx="0">
+            <a:schemeClr val="accent1"/>
+          </a:fillRef>
+          <a:effectRef idx="0">
+            <a:schemeClr val="accent1"/>
+          </a:effectRef>
+          <a:fontRef idx="minor">
+            <a:schemeClr val="tx1"/>
+          </a:fontRef>
+        </p:style>
+      </p:cxnSp>
+      <p:sp>
+        <p:nvSpPr>
+          <p:cNvPr id="11" name="テキスト ボックス 10">
+            <a:extLst>
+              <a:ext uri="{FF2B5EF4-FFF2-40B4-BE49-F238E27FC236}">
+                <a16:creationId xmlns:a16="http://schemas.microsoft.com/office/drawing/2014/main" id="{D7B01BE6-A5EB-4FF8-AA65-A4B239D55185}"/>
+              </a:ext>
+            </a:extLst>
+          </p:cNvPr>
+          <p:cNvSpPr txBox="1"/>
+          <p:nvPr/>
+        </p:nvSpPr>
+        <p:spPr>
+          <a:xfrm>
+            <a:off x="1115616" y="6021288"/>
+            <a:ext cx="3647152" cy="369332"/>
+          </a:xfrm>
+          <a:prstGeom prst="rect">
+            <a:avLst/>
+          </a:prstGeom>
+          <a:noFill/>
+        </p:spPr>
+        <p:txBody>
+          <a:bodyPr wrap="none" rtlCol="0">
+            <a:spAutoFit/>
+          </a:bodyPr>
+          <a:lstStyle/>
+          <a:p>
+            <a:r>
+              <a:rPr lang="ja-JP" altLang="en-US"/>
+              <a:t>ここから目的のリポジトリを選ぶ</a:t>
+            </a:r>
+            <a:endParaRPr kumimoji="1" lang="ja-JP" altLang="en-US"/>
+          </a:p>
+        </p:txBody>
+      </p:sp>
+      <p:cxnSp>
+        <p:nvCxnSpPr>
+          <p:cNvPr id="13" name="コネクタ: カギ線 12">
+            <a:extLst>
+              <a:ext uri="{FF2B5EF4-FFF2-40B4-BE49-F238E27FC236}">
+                <a16:creationId xmlns:a16="http://schemas.microsoft.com/office/drawing/2014/main" id="{6ACC7C7A-8D1C-4350-B7EB-2441BAC8BF72}"/>
+              </a:ext>
+            </a:extLst>
+          </p:cNvPr>
+          <p:cNvCxnSpPr>
+            <a:stCxn id="11" idx="1"/>
+            <a:endCxn id="6" idx="1"/>
+          </p:cNvCxnSpPr>
+          <p:nvPr/>
+        </p:nvCxnSpPr>
+        <p:spPr>
+          <a:xfrm rot="10800000" flipH="1">
+            <a:off x="1115616" y="5409220"/>
+            <a:ext cx="360040" cy="796734"/>
+          </a:xfrm>
+          <a:prstGeom prst="bentConnector3">
+            <a:avLst>
+              <a:gd name="adj1" fmla="val -63493"/>
+            </a:avLst>
+          </a:prstGeom>
+          <a:ln>
+            <a:solidFill>
+              <a:schemeClr val="tx1"/>
+            </a:solidFill>
+            <a:headEnd type="none" w="med" len="med"/>
+            <a:tailEnd type="triangle"/>
+          </a:ln>
+        </p:spPr>
+        <p:style>
+          <a:lnRef idx="1">
+            <a:schemeClr val="accent1"/>
+          </a:lnRef>
+          <a:fillRef idx="0">
+            <a:schemeClr val="accent1"/>
+          </a:fillRef>
+          <a:effectRef idx="0">
+            <a:schemeClr val="accent1"/>
+          </a:effectRef>
+          <a:fontRef idx="minor">
+            <a:schemeClr val="tx1"/>
+          </a:fontRef>
+        </p:style>
+      </p:cxnSp>
+    </p:spTree>
+    <p:extLst>
+      <p:ext uri="{BB962C8B-B14F-4D97-AF65-F5344CB8AC3E}">
+        <p14:creationId xmlns:p14="http://schemas.microsoft.com/office/powerpoint/2010/main" val="2666162410"/>
+      </p:ext>
+    </p:extLst>
+  </p:cSld>
+  <p:clrMapOvr>
+    <a:masterClrMapping/>
+  </p:clrMapOvr>
+</p:sld>
+</file>
+
+<file path=ppt/slides/slide35.xml><?xml version="1.0" encoding="utf-8"?>
+<p:sld xmlns:a="http://schemas.openxmlformats.org/drawingml/2006/main" xmlns:r="http://schemas.openxmlformats.org/officeDocument/2006/relationships" xmlns:p="http://schemas.openxmlformats.org/presentationml/2006/main">
+  <p:cSld>
+    <p:spTree>
+      <p:nvGrpSpPr>
+        <p:cNvPr id="1" name=""/>
+        <p:cNvGrpSpPr/>
+        <p:nvPr/>
+      </p:nvGrpSpPr>
+      <p:grpSpPr>
+        <a:xfrm>
+          <a:off x="0" y="0"/>
+          <a:ext cx="0" cy="0"/>
+          <a:chOff x="0" y="0"/>
+          <a:chExt cx="0" cy="0"/>
+        </a:xfrm>
+      </p:grpSpPr>
+      <p:sp>
+        <p:nvSpPr>
+          <p:cNvPr id="2" name="テキスト プレースホルダー 1">
+            <a:extLst>
+              <a:ext uri="{FF2B5EF4-FFF2-40B4-BE49-F238E27FC236}">
+                <a16:creationId xmlns:a16="http://schemas.microsoft.com/office/drawing/2014/main" id="{56ED3DC6-6AEC-4864-A22F-B49F11816418}"/>
+              </a:ext>
+            </a:extLst>
+          </p:cNvPr>
+          <p:cNvSpPr>
+            <a:spLocks noGrp="1"/>
+          </p:cNvSpPr>
+          <p:nvPr>
+            <p:ph type="body" sz="quarter" idx="10"/>
+          </p:nvPr>
+        </p:nvSpPr>
+        <p:spPr/>
+        <p:txBody>
+          <a:bodyPr/>
+          <a:lstStyle/>
+          <a:p>
+            <a:r>
+              <a:rPr lang="ja-JP" altLang="en-US"/>
+              <a:t>課題</a:t>
+            </a:r>
+            <a:r>
+              <a:rPr lang="en-US" altLang="ja-JP"/>
+              <a:t>3 - Step 1</a:t>
+            </a:r>
+            <a:endParaRPr kumimoji="1" lang="ja-JP" altLang="en-US"/>
+          </a:p>
+        </p:txBody>
+      </p:sp>
+      <p:pic>
+        <p:nvPicPr>
+          <p:cNvPr id="4" name="図 3">
+            <a:extLst>
+              <a:ext uri="{FF2B5EF4-FFF2-40B4-BE49-F238E27FC236}">
+                <a16:creationId xmlns:a16="http://schemas.microsoft.com/office/drawing/2014/main" id="{52A656D5-D697-40EA-A70D-A2EA6AAD48ED}"/>
+              </a:ext>
+            </a:extLst>
+          </p:cNvPr>
+          <p:cNvPicPr>
+            <a:picLocks noChangeAspect="1"/>
+          </p:cNvPicPr>
+          <p:nvPr/>
+        </p:nvPicPr>
+        <p:blipFill>
+          <a:blip r:embed="rId2"/>
+          <a:stretch>
+            <a:fillRect/>
+          </a:stretch>
+        </p:blipFill>
+        <p:spPr>
+          <a:xfrm>
+            <a:off x="251520" y="1628800"/>
+            <a:ext cx="8772466" cy="3759628"/>
+          </a:xfrm>
+          <a:prstGeom prst="rect">
+            <a:avLst/>
+          </a:prstGeom>
+        </p:spPr>
+      </p:pic>
+      <p:sp>
+        <p:nvSpPr>
+          <p:cNvPr id="5" name="四角形: 角を丸くする 4">
+            <a:extLst>
+              <a:ext uri="{FF2B5EF4-FFF2-40B4-BE49-F238E27FC236}">
+                <a16:creationId xmlns:a16="http://schemas.microsoft.com/office/drawing/2014/main" id="{4C9C5D6F-B6F7-4088-AF11-5218701F62FD}"/>
+              </a:ext>
+            </a:extLst>
+          </p:cNvPr>
+          <p:cNvSpPr/>
+          <p:nvPr/>
+        </p:nvSpPr>
+        <p:spPr>
+          <a:xfrm>
+            <a:off x="1043608" y="2564904"/>
+            <a:ext cx="864096" cy="360040"/>
+          </a:xfrm>
+          <a:prstGeom prst="roundRect">
+            <a:avLst/>
+          </a:prstGeom>
+          <a:noFill/>
+          <a:ln w="38100">
+            <a:solidFill>
+              <a:srgbClr val="FF0000"/>
+            </a:solidFill>
+          </a:ln>
+        </p:spPr>
+        <p:style>
+          <a:lnRef idx="2">
+            <a:schemeClr val="accent1">
+              <a:shade val="50000"/>
+            </a:schemeClr>
+          </a:lnRef>
+          <a:fillRef idx="1">
+            <a:schemeClr val="accent1"/>
+          </a:fillRef>
+          <a:effectRef idx="0">
+            <a:schemeClr val="accent1"/>
+          </a:effectRef>
+          <a:fontRef idx="minor">
+            <a:schemeClr val="lt1"/>
+          </a:fontRef>
+        </p:style>
+        <p:txBody>
+          <a:bodyPr rtlCol="0" anchor="ctr"/>
+          <a:lstStyle/>
+          <a:p>
+            <a:pPr algn="ctr"/>
+            <a:endParaRPr kumimoji="1" lang="ja-JP" altLang="en-US"/>
+          </a:p>
+        </p:txBody>
+      </p:sp>
+      <p:sp>
+        <p:nvSpPr>
+          <p:cNvPr id="6" name="四角形: 角を丸くする 5">
+            <a:extLst>
+              <a:ext uri="{FF2B5EF4-FFF2-40B4-BE49-F238E27FC236}">
+                <a16:creationId xmlns:a16="http://schemas.microsoft.com/office/drawing/2014/main" id="{7C95857B-AFA0-4E2A-9D8F-81EBC33904A7}"/>
+              </a:ext>
+            </a:extLst>
+          </p:cNvPr>
+          <p:cNvSpPr/>
+          <p:nvPr/>
+        </p:nvSpPr>
+        <p:spPr>
+          <a:xfrm>
+            <a:off x="7956376" y="3068960"/>
+            <a:ext cx="936104" cy="360040"/>
+          </a:xfrm>
+          <a:prstGeom prst="roundRect">
+            <a:avLst/>
+          </a:prstGeom>
+          <a:noFill/>
+          <a:ln w="38100">
+            <a:solidFill>
+              <a:srgbClr val="FF0000"/>
+            </a:solidFill>
+          </a:ln>
+        </p:spPr>
+        <p:style>
+          <a:lnRef idx="2">
+            <a:schemeClr val="accent1">
+              <a:shade val="50000"/>
+            </a:schemeClr>
+          </a:lnRef>
+          <a:fillRef idx="1">
+            <a:schemeClr val="accent1"/>
+          </a:fillRef>
+          <a:effectRef idx="0">
+            <a:schemeClr val="accent1"/>
+          </a:effectRef>
+          <a:fontRef idx="minor">
+            <a:schemeClr val="lt1"/>
+          </a:fontRef>
+        </p:style>
+        <p:txBody>
+          <a:bodyPr rtlCol="0" anchor="ctr"/>
+          <a:lstStyle/>
+          <a:p>
+            <a:pPr algn="ctr"/>
+            <a:endParaRPr kumimoji="1" lang="ja-JP" altLang="en-US"/>
+          </a:p>
+        </p:txBody>
+      </p:sp>
+      <p:sp>
+        <p:nvSpPr>
+          <p:cNvPr id="7" name="テキスト ボックス 6">
+            <a:extLst>
+              <a:ext uri="{FF2B5EF4-FFF2-40B4-BE49-F238E27FC236}">
+                <a16:creationId xmlns:a16="http://schemas.microsoft.com/office/drawing/2014/main" id="{66150C3D-C106-45BB-8915-CF7A7B55B343}"/>
+              </a:ext>
+            </a:extLst>
+          </p:cNvPr>
+          <p:cNvSpPr txBox="1"/>
+          <p:nvPr/>
+        </p:nvSpPr>
+        <p:spPr>
+          <a:xfrm>
+            <a:off x="611560" y="1052736"/>
+            <a:ext cx="3536546" cy="461665"/>
+          </a:xfrm>
+          <a:prstGeom prst="rect">
+            <a:avLst/>
+          </a:prstGeom>
+          <a:noFill/>
+        </p:spPr>
+        <p:txBody>
+          <a:bodyPr wrap="none" rtlCol="0">
+            <a:spAutoFit/>
+          </a:bodyPr>
+          <a:lstStyle/>
+          <a:p>
+            <a:r>
+              <a:rPr kumimoji="1" lang="en-US" altLang="ja-JP" sz="2400"/>
+              <a:t>Issues</a:t>
+            </a:r>
+            <a:r>
+              <a:rPr kumimoji="1" lang="ja-JP" altLang="en-US" sz="2400"/>
+              <a:t>タブを選んでから</a:t>
+            </a:r>
+          </a:p>
+        </p:txBody>
+      </p:sp>
+      <p:cxnSp>
+        <p:nvCxnSpPr>
+          <p:cNvPr id="9" name="コネクタ: カギ線 8">
+            <a:extLst>
+              <a:ext uri="{FF2B5EF4-FFF2-40B4-BE49-F238E27FC236}">
+                <a16:creationId xmlns:a16="http://schemas.microsoft.com/office/drawing/2014/main" id="{6FF64239-940E-472F-B669-5EDCA448834E}"/>
+              </a:ext>
+            </a:extLst>
+          </p:cNvPr>
+          <p:cNvCxnSpPr>
+            <a:stCxn id="7" idx="1"/>
+            <a:endCxn id="5" idx="1"/>
+          </p:cNvCxnSpPr>
+          <p:nvPr/>
+        </p:nvCxnSpPr>
+        <p:spPr>
+          <a:xfrm rot="10800000" flipH="1" flipV="1">
+            <a:off x="611560" y="1283568"/>
+            <a:ext cx="432048" cy="1461355"/>
+          </a:xfrm>
+          <a:prstGeom prst="bentConnector3">
+            <a:avLst>
+              <a:gd name="adj1" fmla="val -52911"/>
+            </a:avLst>
+          </a:prstGeom>
+          <a:ln>
+            <a:solidFill>
+              <a:schemeClr val="tx1"/>
+            </a:solidFill>
+            <a:headEnd type="none" w="med" len="med"/>
+            <a:tailEnd type="triangle"/>
+          </a:ln>
+        </p:spPr>
+        <p:style>
+          <a:lnRef idx="1">
+            <a:schemeClr val="accent1"/>
+          </a:lnRef>
+          <a:fillRef idx="0">
+            <a:schemeClr val="accent1"/>
+          </a:fillRef>
+          <a:effectRef idx="0">
+            <a:schemeClr val="accent1"/>
+          </a:effectRef>
+          <a:fontRef idx="minor">
+            <a:schemeClr val="tx1"/>
+          </a:fontRef>
+        </p:style>
+      </p:cxnSp>
+      <p:sp>
+        <p:nvSpPr>
+          <p:cNvPr id="11" name="テキスト ボックス 10">
+            <a:extLst>
+              <a:ext uri="{FF2B5EF4-FFF2-40B4-BE49-F238E27FC236}">
+                <a16:creationId xmlns:a16="http://schemas.microsoft.com/office/drawing/2014/main" id="{0C27089B-D34B-4829-94D3-79D9DD73DED8}"/>
+              </a:ext>
+            </a:extLst>
+          </p:cNvPr>
+          <p:cNvSpPr txBox="1"/>
+          <p:nvPr/>
+        </p:nvSpPr>
+        <p:spPr>
+          <a:xfrm>
+            <a:off x="2987824" y="5589240"/>
+            <a:ext cx="3469219" cy="461665"/>
+          </a:xfrm>
+          <a:prstGeom prst="rect">
+            <a:avLst/>
+          </a:prstGeom>
+          <a:noFill/>
+        </p:spPr>
+        <p:txBody>
+          <a:bodyPr wrap="none" rtlCol="0">
+            <a:spAutoFit/>
+          </a:bodyPr>
+          <a:lstStyle/>
+          <a:p>
+            <a:r>
+              <a:rPr kumimoji="1" lang="en-US" altLang="ja-JP" sz="2400"/>
+              <a:t>New Issue</a:t>
+            </a:r>
+            <a:r>
+              <a:rPr kumimoji="1" lang="ja-JP" altLang="en-US" sz="2400"/>
+              <a:t>ボタンを押す</a:t>
+            </a:r>
+          </a:p>
+        </p:txBody>
+      </p:sp>
+      <p:cxnSp>
+        <p:nvCxnSpPr>
+          <p:cNvPr id="13" name="コネクタ: カギ線 12">
+            <a:extLst>
+              <a:ext uri="{FF2B5EF4-FFF2-40B4-BE49-F238E27FC236}">
+                <a16:creationId xmlns:a16="http://schemas.microsoft.com/office/drawing/2014/main" id="{CB56F455-2288-4275-B43E-F38ED43C4762}"/>
+              </a:ext>
+            </a:extLst>
+          </p:cNvPr>
+          <p:cNvCxnSpPr>
+            <a:stCxn id="11" idx="3"/>
+            <a:endCxn id="6" idx="2"/>
+          </p:cNvCxnSpPr>
+          <p:nvPr/>
+        </p:nvCxnSpPr>
+        <p:spPr>
+          <a:xfrm flipV="1">
+            <a:off x="6457043" y="3429000"/>
+            <a:ext cx="1967385" cy="2391073"/>
+          </a:xfrm>
+          <a:prstGeom prst="bentConnector2">
+            <a:avLst/>
+          </a:prstGeom>
+          <a:ln>
+            <a:solidFill>
+              <a:schemeClr val="tx1"/>
+            </a:solidFill>
+            <a:headEnd type="none" w="med" len="med"/>
+            <a:tailEnd type="triangle"/>
+          </a:ln>
+        </p:spPr>
+        <p:style>
+          <a:lnRef idx="1">
+            <a:schemeClr val="accent1"/>
+          </a:lnRef>
+          <a:fillRef idx="0">
+            <a:schemeClr val="accent1"/>
+          </a:fillRef>
+          <a:effectRef idx="0">
+            <a:schemeClr val="accent1"/>
+          </a:effectRef>
+          <a:fontRef idx="minor">
+            <a:schemeClr val="tx1"/>
+          </a:fontRef>
+        </p:style>
+      </p:cxnSp>
+    </p:spTree>
+    <p:extLst>
+      <p:ext uri="{BB962C8B-B14F-4D97-AF65-F5344CB8AC3E}">
+        <p14:creationId xmlns:p14="http://schemas.microsoft.com/office/powerpoint/2010/main" val="1119782977"/>
+      </p:ext>
+    </p:extLst>
+  </p:cSld>
+  <p:clrMapOvr>
+    <a:masterClrMapping/>
+  </p:clrMapOvr>
+</p:sld>
+</file>
+
+<file path=ppt/slides/slide36.xml><?xml version="1.0" encoding="utf-8"?>
+<p:sld xmlns:a="http://schemas.openxmlformats.org/drawingml/2006/main" xmlns:r="http://schemas.openxmlformats.org/officeDocument/2006/relationships" xmlns:p="http://schemas.openxmlformats.org/presentationml/2006/main">
+  <p:cSld>
+    <p:spTree>
+      <p:nvGrpSpPr>
+        <p:cNvPr id="1" name=""/>
+        <p:cNvGrpSpPr/>
+        <p:nvPr/>
+      </p:nvGrpSpPr>
+      <p:grpSpPr>
+        <a:xfrm>
+          <a:off x="0" y="0"/>
+          <a:ext cx="0" cy="0"/>
+          <a:chOff x="0" y="0"/>
+          <a:chExt cx="0" cy="0"/>
+        </a:xfrm>
+      </p:grpSpPr>
+      <p:sp>
+        <p:nvSpPr>
+          <p:cNvPr id="2" name="テキスト プレースホルダー 1">
+            <a:extLst>
+              <a:ext uri="{FF2B5EF4-FFF2-40B4-BE49-F238E27FC236}">
+                <a16:creationId xmlns:a16="http://schemas.microsoft.com/office/drawing/2014/main" id="{09828FC8-B206-41C7-8478-E85D14734EA7}"/>
+              </a:ext>
+            </a:extLst>
+          </p:cNvPr>
+          <p:cNvSpPr>
+            <a:spLocks noGrp="1"/>
+          </p:cNvSpPr>
+          <p:nvPr>
+            <p:ph type="body" sz="quarter" idx="10"/>
+          </p:nvPr>
+        </p:nvSpPr>
+        <p:spPr/>
+        <p:txBody>
+          <a:bodyPr/>
+          <a:lstStyle/>
+          <a:p>
+            <a:r>
+              <a:rPr lang="ja-JP" altLang="en-US"/>
+              <a:t>課題</a:t>
+            </a:r>
+            <a:r>
+              <a:rPr lang="en-US" altLang="ja-JP"/>
+              <a:t>3 - Step 1</a:t>
+            </a:r>
+            <a:endParaRPr kumimoji="1" lang="ja-JP" altLang="en-US"/>
+          </a:p>
+        </p:txBody>
+      </p:sp>
+      <p:pic>
+        <p:nvPicPr>
+          <p:cNvPr id="4" name="図 3">
+            <a:extLst>
+              <a:ext uri="{FF2B5EF4-FFF2-40B4-BE49-F238E27FC236}">
+                <a16:creationId xmlns:a16="http://schemas.microsoft.com/office/drawing/2014/main" id="{A81A73BC-D5C7-440A-AF90-D609EF991E4D}"/>
+              </a:ext>
+            </a:extLst>
+          </p:cNvPr>
+          <p:cNvPicPr>
+            <a:picLocks noChangeAspect="1"/>
+          </p:cNvPicPr>
+          <p:nvPr/>
+        </p:nvPicPr>
+        <p:blipFill>
+          <a:blip r:embed="rId2"/>
+          <a:stretch>
+            <a:fillRect/>
+          </a:stretch>
+        </p:blipFill>
+        <p:spPr>
+          <a:xfrm>
+            <a:off x="179512" y="908720"/>
+            <a:ext cx="8640960" cy="4205777"/>
+          </a:xfrm>
+          <a:prstGeom prst="rect">
+            <a:avLst/>
+          </a:prstGeom>
+        </p:spPr>
+      </p:pic>
+      <p:sp>
+        <p:nvSpPr>
+          <p:cNvPr id="5" name="四角形: 角を丸くする 4">
+            <a:extLst>
+              <a:ext uri="{FF2B5EF4-FFF2-40B4-BE49-F238E27FC236}">
+                <a16:creationId xmlns:a16="http://schemas.microsoft.com/office/drawing/2014/main" id="{D53A14D2-3B13-435E-BF57-3651C2B0129F}"/>
+              </a:ext>
+            </a:extLst>
+          </p:cNvPr>
+          <p:cNvSpPr/>
+          <p:nvPr/>
+        </p:nvSpPr>
+        <p:spPr>
+          <a:xfrm>
+            <a:off x="683568" y="1916832"/>
+            <a:ext cx="5760640" cy="288032"/>
+          </a:xfrm>
+          <a:prstGeom prst="roundRect">
+            <a:avLst/>
+          </a:prstGeom>
+          <a:noFill/>
+          <a:ln w="38100">
+            <a:solidFill>
+              <a:srgbClr val="FF0000"/>
+            </a:solidFill>
+          </a:ln>
+        </p:spPr>
+        <p:style>
+          <a:lnRef idx="2">
+            <a:schemeClr val="accent1">
+              <a:shade val="50000"/>
+            </a:schemeClr>
+          </a:lnRef>
+          <a:fillRef idx="1">
+            <a:schemeClr val="accent1"/>
+          </a:fillRef>
+          <a:effectRef idx="0">
+            <a:schemeClr val="accent1"/>
+          </a:effectRef>
+          <a:fontRef idx="minor">
+            <a:schemeClr val="lt1"/>
+          </a:fontRef>
+        </p:style>
+        <p:txBody>
+          <a:bodyPr rtlCol="0" anchor="ctr"/>
+          <a:lstStyle/>
+          <a:p>
+            <a:pPr algn="ctr"/>
+            <a:endParaRPr kumimoji="1" lang="ja-JP" altLang="en-US"/>
+          </a:p>
+        </p:txBody>
+      </p:sp>
+      <p:sp>
+        <p:nvSpPr>
+          <p:cNvPr id="6" name="四角形: 角を丸くする 5">
+            <a:extLst>
+              <a:ext uri="{FF2B5EF4-FFF2-40B4-BE49-F238E27FC236}">
+                <a16:creationId xmlns:a16="http://schemas.microsoft.com/office/drawing/2014/main" id="{BE800F58-67D3-4043-A7A7-D17298FFF5C6}"/>
+              </a:ext>
+            </a:extLst>
+          </p:cNvPr>
+          <p:cNvSpPr/>
+          <p:nvPr/>
+        </p:nvSpPr>
+        <p:spPr>
+          <a:xfrm>
+            <a:off x="827584" y="2708920"/>
+            <a:ext cx="5544616" cy="1584176"/>
+          </a:xfrm>
+          <a:prstGeom prst="roundRect">
+            <a:avLst/>
+          </a:prstGeom>
+          <a:noFill/>
+          <a:ln w="38100">
+            <a:solidFill>
+              <a:srgbClr val="FF0000"/>
+            </a:solidFill>
+          </a:ln>
+        </p:spPr>
+        <p:style>
+          <a:lnRef idx="2">
+            <a:schemeClr val="accent1">
+              <a:shade val="50000"/>
+            </a:schemeClr>
+          </a:lnRef>
+          <a:fillRef idx="1">
+            <a:schemeClr val="accent1"/>
+          </a:fillRef>
+          <a:effectRef idx="0">
+            <a:schemeClr val="accent1"/>
+          </a:effectRef>
+          <a:fontRef idx="minor">
+            <a:schemeClr val="lt1"/>
+          </a:fontRef>
+        </p:style>
+        <p:txBody>
+          <a:bodyPr rtlCol="0" anchor="ctr"/>
+          <a:lstStyle/>
+          <a:p>
+            <a:pPr algn="ctr"/>
+            <a:endParaRPr kumimoji="1" lang="ja-JP" altLang="en-US"/>
+          </a:p>
+        </p:txBody>
+      </p:sp>
+      <p:sp>
+        <p:nvSpPr>
+          <p:cNvPr id="7" name="四角形: 角を丸くする 6">
+            <a:extLst>
+              <a:ext uri="{FF2B5EF4-FFF2-40B4-BE49-F238E27FC236}">
+                <a16:creationId xmlns:a16="http://schemas.microsoft.com/office/drawing/2014/main" id="{48DA2BD2-671B-4EB5-A66F-920330296E6A}"/>
+              </a:ext>
+            </a:extLst>
+          </p:cNvPr>
+          <p:cNvSpPr/>
+          <p:nvPr/>
+        </p:nvSpPr>
+        <p:spPr>
+          <a:xfrm>
+            <a:off x="6516216" y="2420888"/>
+            <a:ext cx="2304256" cy="360040"/>
+          </a:xfrm>
+          <a:prstGeom prst="roundRect">
+            <a:avLst/>
+          </a:prstGeom>
+          <a:noFill/>
+          <a:ln w="38100">
+            <a:solidFill>
+              <a:srgbClr val="FF0000"/>
+            </a:solidFill>
+          </a:ln>
+        </p:spPr>
+        <p:style>
+          <a:lnRef idx="2">
+            <a:schemeClr val="accent1">
+              <a:shade val="50000"/>
+            </a:schemeClr>
+          </a:lnRef>
+          <a:fillRef idx="1">
+            <a:schemeClr val="accent1"/>
+          </a:fillRef>
+          <a:effectRef idx="0">
+            <a:schemeClr val="accent1"/>
+          </a:effectRef>
+          <a:fontRef idx="minor">
+            <a:schemeClr val="lt1"/>
+          </a:fontRef>
+        </p:style>
+        <p:txBody>
+          <a:bodyPr rtlCol="0" anchor="ctr"/>
+          <a:lstStyle/>
+          <a:p>
+            <a:pPr algn="ctr"/>
+            <a:endParaRPr kumimoji="1" lang="ja-JP" altLang="en-US"/>
+          </a:p>
+        </p:txBody>
+      </p:sp>
+      <p:sp>
+        <p:nvSpPr>
+          <p:cNvPr id="8" name="四角形: 角を丸くする 7">
+            <a:extLst>
+              <a:ext uri="{FF2B5EF4-FFF2-40B4-BE49-F238E27FC236}">
+                <a16:creationId xmlns:a16="http://schemas.microsoft.com/office/drawing/2014/main" id="{5DDD30CC-0DAB-467D-BDCB-2A341B91DD78}"/>
+              </a:ext>
+            </a:extLst>
+          </p:cNvPr>
+          <p:cNvSpPr/>
+          <p:nvPr/>
+        </p:nvSpPr>
+        <p:spPr>
+          <a:xfrm>
+            <a:off x="5220072" y="4437112"/>
+            <a:ext cx="1224136" cy="360040"/>
+          </a:xfrm>
+          <a:prstGeom prst="roundRect">
+            <a:avLst/>
+          </a:prstGeom>
+          <a:noFill/>
+          <a:ln w="38100">
+            <a:solidFill>
+              <a:srgbClr val="FF0000"/>
+            </a:solidFill>
+          </a:ln>
+        </p:spPr>
+        <p:style>
+          <a:lnRef idx="2">
+            <a:schemeClr val="accent1">
+              <a:shade val="50000"/>
+            </a:schemeClr>
+          </a:lnRef>
+          <a:fillRef idx="1">
+            <a:schemeClr val="accent1"/>
+          </a:fillRef>
+          <a:effectRef idx="0">
+            <a:schemeClr val="accent1"/>
+          </a:effectRef>
+          <a:fontRef idx="minor">
+            <a:schemeClr val="lt1"/>
+          </a:fontRef>
+        </p:style>
+        <p:txBody>
+          <a:bodyPr rtlCol="0" anchor="ctr"/>
+          <a:lstStyle/>
+          <a:p>
+            <a:pPr algn="ctr"/>
+            <a:endParaRPr kumimoji="1" lang="ja-JP" altLang="en-US"/>
+          </a:p>
+        </p:txBody>
+      </p:sp>
+      <p:sp>
+        <p:nvSpPr>
+          <p:cNvPr id="9" name="楕円 8">
+            <a:extLst>
+              <a:ext uri="{FF2B5EF4-FFF2-40B4-BE49-F238E27FC236}">
+                <a16:creationId xmlns:a16="http://schemas.microsoft.com/office/drawing/2014/main" id="{548F8495-83C8-40A5-93DC-0448F016D4F8}"/>
+              </a:ext>
+            </a:extLst>
+          </p:cNvPr>
+          <p:cNvSpPr/>
+          <p:nvPr/>
+        </p:nvSpPr>
+        <p:spPr>
+          <a:xfrm>
+            <a:off x="251520" y="1412776"/>
+            <a:ext cx="432048" cy="438572"/>
+          </a:xfrm>
+          <a:prstGeom prst="ellipse">
+            <a:avLst/>
+          </a:prstGeom>
+          <a:solidFill>
+            <a:srgbClr val="FF0000"/>
+          </a:solidFill>
+          <a:ln>
+            <a:solidFill>
+              <a:schemeClr val="tx1"/>
+            </a:solidFill>
+          </a:ln>
+        </p:spPr>
+        <p:style>
+          <a:lnRef idx="2">
+            <a:schemeClr val="accent1">
+              <a:shade val="50000"/>
+            </a:schemeClr>
+          </a:lnRef>
+          <a:fillRef idx="1">
+            <a:schemeClr val="accent1"/>
+          </a:fillRef>
+          <a:effectRef idx="0">
+            <a:schemeClr val="accent1"/>
+          </a:effectRef>
+          <a:fontRef idx="minor">
+            <a:schemeClr val="lt1"/>
+          </a:fontRef>
+        </p:style>
+        <p:txBody>
+          <a:bodyPr rtlCol="0" anchor="ctr"/>
+          <a:lstStyle/>
+          <a:p>
+            <a:pPr algn="ctr"/>
+            <a:r>
+              <a:rPr kumimoji="1" lang="en-US" altLang="ja-JP"/>
+              <a:t>1</a:t>
+            </a:r>
+            <a:endParaRPr kumimoji="1" lang="ja-JP" altLang="en-US"/>
+          </a:p>
+        </p:txBody>
+      </p:sp>
+      <p:sp>
+        <p:nvSpPr>
+          <p:cNvPr id="10" name="楕円 9">
+            <a:extLst>
+              <a:ext uri="{FF2B5EF4-FFF2-40B4-BE49-F238E27FC236}">
+                <a16:creationId xmlns:a16="http://schemas.microsoft.com/office/drawing/2014/main" id="{419AE1D2-8335-497F-AF8E-CD63621FEA89}"/>
+              </a:ext>
+            </a:extLst>
+          </p:cNvPr>
+          <p:cNvSpPr/>
+          <p:nvPr/>
+        </p:nvSpPr>
+        <p:spPr>
+          <a:xfrm>
+            <a:off x="395536" y="2636912"/>
+            <a:ext cx="432048" cy="438572"/>
+          </a:xfrm>
+          <a:prstGeom prst="ellipse">
+            <a:avLst/>
+          </a:prstGeom>
+          <a:solidFill>
+            <a:srgbClr val="FF0000"/>
+          </a:solidFill>
+          <a:ln>
+            <a:solidFill>
+              <a:schemeClr val="tx1"/>
+            </a:solidFill>
+          </a:ln>
+        </p:spPr>
+        <p:style>
+          <a:lnRef idx="2">
+            <a:schemeClr val="accent1">
+              <a:shade val="50000"/>
+            </a:schemeClr>
+          </a:lnRef>
+          <a:fillRef idx="1">
+            <a:schemeClr val="accent1"/>
+          </a:fillRef>
+          <a:effectRef idx="0">
+            <a:schemeClr val="accent1"/>
+          </a:effectRef>
+          <a:fontRef idx="minor">
+            <a:schemeClr val="lt1"/>
+          </a:fontRef>
+        </p:style>
+        <p:txBody>
+          <a:bodyPr rtlCol="0" anchor="ctr"/>
+          <a:lstStyle/>
+          <a:p>
+            <a:pPr algn="ctr"/>
+            <a:r>
+              <a:rPr kumimoji="1" lang="en-US" altLang="ja-JP"/>
+              <a:t>2</a:t>
+            </a:r>
+            <a:endParaRPr kumimoji="1" lang="ja-JP" altLang="en-US"/>
+          </a:p>
+        </p:txBody>
+      </p:sp>
+      <p:sp>
+        <p:nvSpPr>
+          <p:cNvPr id="11" name="楕円 10">
+            <a:extLst>
+              <a:ext uri="{FF2B5EF4-FFF2-40B4-BE49-F238E27FC236}">
+                <a16:creationId xmlns:a16="http://schemas.microsoft.com/office/drawing/2014/main" id="{A26E3D83-8D4E-4445-A80A-E2A77C3B48CB}"/>
+              </a:ext>
+            </a:extLst>
+          </p:cNvPr>
+          <p:cNvSpPr/>
+          <p:nvPr/>
+        </p:nvSpPr>
+        <p:spPr>
+          <a:xfrm>
+            <a:off x="8100392" y="1844824"/>
+            <a:ext cx="432048" cy="438572"/>
+          </a:xfrm>
+          <a:prstGeom prst="ellipse">
+            <a:avLst/>
+          </a:prstGeom>
+          <a:solidFill>
+            <a:srgbClr val="FF0000"/>
+          </a:solidFill>
+          <a:ln>
+            <a:solidFill>
+              <a:schemeClr val="tx1"/>
+            </a:solidFill>
+          </a:ln>
+        </p:spPr>
+        <p:style>
+          <a:lnRef idx="2">
+            <a:schemeClr val="accent1">
+              <a:shade val="50000"/>
+            </a:schemeClr>
+          </a:lnRef>
+          <a:fillRef idx="1">
+            <a:schemeClr val="accent1"/>
+          </a:fillRef>
+          <a:effectRef idx="0">
+            <a:schemeClr val="accent1"/>
+          </a:effectRef>
+          <a:fontRef idx="minor">
+            <a:schemeClr val="lt1"/>
+          </a:fontRef>
+        </p:style>
+        <p:txBody>
+          <a:bodyPr rtlCol="0" anchor="ctr"/>
+          <a:lstStyle/>
+          <a:p>
+            <a:pPr algn="ctr"/>
+            <a:r>
+              <a:rPr lang="en-US" altLang="ja-JP"/>
+              <a:t>3</a:t>
+            </a:r>
+            <a:endParaRPr kumimoji="1" lang="ja-JP" altLang="en-US"/>
+          </a:p>
+        </p:txBody>
+      </p:sp>
+      <p:sp>
+        <p:nvSpPr>
+          <p:cNvPr id="12" name="四角形: 角を丸くする 11">
+            <a:extLst>
+              <a:ext uri="{FF2B5EF4-FFF2-40B4-BE49-F238E27FC236}">
+                <a16:creationId xmlns:a16="http://schemas.microsoft.com/office/drawing/2014/main" id="{0FAC78FD-9908-4CFD-BFCC-717B50CB3A4C}"/>
+              </a:ext>
+            </a:extLst>
+          </p:cNvPr>
+          <p:cNvSpPr/>
+          <p:nvPr/>
+        </p:nvSpPr>
+        <p:spPr>
+          <a:xfrm>
+            <a:off x="6516216" y="4581128"/>
+            <a:ext cx="1224136" cy="360040"/>
+          </a:xfrm>
+          <a:prstGeom prst="roundRect">
+            <a:avLst/>
+          </a:prstGeom>
+          <a:noFill/>
+          <a:ln w="38100">
+            <a:solidFill>
+              <a:srgbClr val="FF0000"/>
+            </a:solidFill>
+          </a:ln>
+        </p:spPr>
+        <p:style>
+          <a:lnRef idx="2">
+            <a:schemeClr val="accent1">
+              <a:shade val="50000"/>
+            </a:schemeClr>
+          </a:lnRef>
+          <a:fillRef idx="1">
+            <a:schemeClr val="accent1"/>
+          </a:fillRef>
+          <a:effectRef idx="0">
+            <a:schemeClr val="accent1"/>
+          </a:effectRef>
+          <a:fontRef idx="minor">
+            <a:schemeClr val="lt1"/>
+          </a:fontRef>
+        </p:style>
+        <p:txBody>
+          <a:bodyPr rtlCol="0" anchor="ctr"/>
+          <a:lstStyle/>
+          <a:p>
+            <a:pPr algn="ctr"/>
+            <a:endParaRPr kumimoji="1" lang="ja-JP" altLang="en-US"/>
+          </a:p>
+        </p:txBody>
+      </p:sp>
+      <p:sp>
+        <p:nvSpPr>
+          <p:cNvPr id="13" name="楕円 12">
+            <a:extLst>
+              <a:ext uri="{FF2B5EF4-FFF2-40B4-BE49-F238E27FC236}">
+                <a16:creationId xmlns:a16="http://schemas.microsoft.com/office/drawing/2014/main" id="{522CF212-2AB7-455E-8ABE-16C000D2A864}"/>
+              </a:ext>
+            </a:extLst>
+          </p:cNvPr>
+          <p:cNvSpPr/>
+          <p:nvPr/>
+        </p:nvSpPr>
+        <p:spPr>
+          <a:xfrm>
+            <a:off x="7812360" y="4437112"/>
+            <a:ext cx="432048" cy="438572"/>
+          </a:xfrm>
+          <a:prstGeom prst="ellipse">
+            <a:avLst/>
+          </a:prstGeom>
+          <a:solidFill>
+            <a:srgbClr val="FF0000"/>
+          </a:solidFill>
+          <a:ln>
+            <a:solidFill>
+              <a:schemeClr val="tx1"/>
+            </a:solidFill>
+          </a:ln>
+        </p:spPr>
+        <p:style>
+          <a:lnRef idx="2">
+            <a:schemeClr val="accent1">
+              <a:shade val="50000"/>
+            </a:schemeClr>
+          </a:lnRef>
+          <a:fillRef idx="1">
+            <a:schemeClr val="accent1"/>
+          </a:fillRef>
+          <a:effectRef idx="0">
+            <a:schemeClr val="accent1"/>
+          </a:effectRef>
+          <a:fontRef idx="minor">
+            <a:schemeClr val="lt1"/>
+          </a:fontRef>
+        </p:style>
+        <p:txBody>
+          <a:bodyPr rtlCol="0" anchor="ctr"/>
+          <a:lstStyle/>
+          <a:p>
+            <a:pPr algn="ctr"/>
+            <a:r>
+              <a:rPr lang="en-US" altLang="ja-JP"/>
+              <a:t>3</a:t>
+            </a:r>
+            <a:endParaRPr kumimoji="1" lang="ja-JP" altLang="en-US"/>
+          </a:p>
+        </p:txBody>
+      </p:sp>
+      <p:sp>
+        <p:nvSpPr>
+          <p:cNvPr id="14" name="楕円 13">
+            <a:extLst>
+              <a:ext uri="{FF2B5EF4-FFF2-40B4-BE49-F238E27FC236}">
+                <a16:creationId xmlns:a16="http://schemas.microsoft.com/office/drawing/2014/main" id="{AD39B841-3D75-40F4-AB25-43DE8653D15E}"/>
+              </a:ext>
+            </a:extLst>
+          </p:cNvPr>
+          <p:cNvSpPr/>
+          <p:nvPr/>
+        </p:nvSpPr>
+        <p:spPr>
+          <a:xfrm>
+            <a:off x="4788024" y="4437112"/>
+            <a:ext cx="432048" cy="438572"/>
+          </a:xfrm>
+          <a:prstGeom prst="ellipse">
+            <a:avLst/>
+          </a:prstGeom>
+          <a:solidFill>
+            <a:srgbClr val="FF0000"/>
+          </a:solidFill>
+          <a:ln>
+            <a:solidFill>
+              <a:schemeClr val="tx1"/>
+            </a:solidFill>
+          </a:ln>
+        </p:spPr>
+        <p:style>
+          <a:lnRef idx="2">
+            <a:schemeClr val="accent1">
+              <a:shade val="50000"/>
+            </a:schemeClr>
+          </a:lnRef>
+          <a:fillRef idx="1">
+            <a:schemeClr val="accent1"/>
+          </a:fillRef>
+          <a:effectRef idx="0">
+            <a:schemeClr val="accent1"/>
+          </a:effectRef>
+          <a:fontRef idx="minor">
+            <a:schemeClr val="lt1"/>
+          </a:fontRef>
+        </p:style>
+        <p:txBody>
+          <a:bodyPr rtlCol="0" anchor="ctr"/>
+          <a:lstStyle/>
+          <a:p>
+            <a:pPr algn="ctr"/>
+            <a:r>
+              <a:rPr kumimoji="1" lang="en-US" altLang="ja-JP"/>
+              <a:t>4</a:t>
+            </a:r>
+            <a:endParaRPr kumimoji="1" lang="ja-JP" altLang="en-US"/>
+          </a:p>
+        </p:txBody>
+      </p:sp>
+      <p:sp>
+        <p:nvSpPr>
+          <p:cNvPr id="15" name="テキスト ボックス 14">
+            <a:extLst>
+              <a:ext uri="{FF2B5EF4-FFF2-40B4-BE49-F238E27FC236}">
+                <a16:creationId xmlns:a16="http://schemas.microsoft.com/office/drawing/2014/main" id="{350A5A6E-0EDB-4D74-B098-502C5B83B916}"/>
+              </a:ext>
+            </a:extLst>
+          </p:cNvPr>
+          <p:cNvSpPr txBox="1"/>
+          <p:nvPr/>
+        </p:nvSpPr>
+        <p:spPr>
+          <a:xfrm>
+            <a:off x="683568" y="5301208"/>
+            <a:ext cx="4262705" cy="1200329"/>
+          </a:xfrm>
+          <a:prstGeom prst="rect">
+            <a:avLst/>
+          </a:prstGeom>
+          <a:noFill/>
+        </p:spPr>
+        <p:txBody>
+          <a:bodyPr wrap="none" rtlCol="0">
+            <a:spAutoFit/>
+          </a:bodyPr>
+          <a:lstStyle/>
+          <a:p>
+            <a:pPr marL="342900" indent="-342900">
+              <a:buAutoNum type="arabicPeriod"/>
+            </a:pPr>
+            <a:r>
+              <a:rPr kumimoji="1" lang="ja-JP" altLang="en-US"/>
+              <a:t>タイトル「</a:t>
+            </a:r>
+            <a:r>
+              <a:rPr lang="en-US" altLang="ja-JP"/>
+              <a:t>README</a:t>
+            </a:r>
+            <a:r>
+              <a:rPr lang="ja-JP" altLang="en-US"/>
+              <a:t>を修正」</a:t>
+            </a:r>
+            <a:endParaRPr lang="en-US" altLang="ja-JP"/>
+          </a:p>
+          <a:p>
+            <a:pPr marL="342900" indent="-342900">
+              <a:buAutoNum type="arabicPeriod"/>
+            </a:pPr>
+            <a:r>
+              <a:rPr kumimoji="1" lang="ja-JP" altLang="en-US"/>
+              <a:t>内容「内容を追加」</a:t>
+            </a:r>
+            <a:endParaRPr kumimoji="1" lang="en-US" altLang="ja-JP"/>
+          </a:p>
+          <a:p>
+            <a:pPr marL="342900" indent="-342900">
+              <a:buAutoNum type="arabicPeriod"/>
+            </a:pPr>
+            <a:r>
+              <a:rPr kumimoji="1" lang="ja-JP" altLang="en-US"/>
+              <a:t>ラベ</a:t>
+            </a:r>
+            <a:r>
+              <a:rPr lang="ja-JP" altLang="en-US"/>
+              <a:t>ル「</a:t>
+            </a:r>
+            <a:r>
+              <a:rPr lang="en-US" altLang="ja-JP"/>
+              <a:t>enhancement</a:t>
+            </a:r>
+            <a:r>
+              <a:rPr lang="ja-JP" altLang="en-US"/>
+              <a:t>」を付与</a:t>
+            </a:r>
+            <a:endParaRPr lang="en-US" altLang="ja-JP"/>
+          </a:p>
+          <a:p>
+            <a:pPr marL="342900" indent="-342900">
+              <a:buAutoNum type="arabicPeriod"/>
+            </a:pPr>
+            <a:r>
+              <a:rPr lang="ja-JP" altLang="en-US"/>
+              <a:t>「</a:t>
+            </a:r>
+            <a:r>
+              <a:rPr lang="en-US" altLang="ja-JP"/>
+              <a:t>Submit new issue</a:t>
+            </a:r>
+            <a:r>
+              <a:rPr lang="ja-JP" altLang="en-US"/>
+              <a:t>」で</a:t>
+            </a:r>
+            <a:r>
+              <a:rPr lang="en-US" altLang="ja-JP"/>
+              <a:t>issue</a:t>
+            </a:r>
+            <a:r>
+              <a:rPr lang="ja-JP" altLang="en-US"/>
+              <a:t>を開く</a:t>
+            </a:r>
+            <a:endParaRPr kumimoji="1" lang="ja-JP" altLang="en-US"/>
+          </a:p>
+        </p:txBody>
+      </p:sp>
+    </p:spTree>
+    <p:extLst>
+      <p:ext uri="{BB962C8B-B14F-4D97-AF65-F5344CB8AC3E}">
+        <p14:creationId xmlns:p14="http://schemas.microsoft.com/office/powerpoint/2010/main" val="3750032242"/>
+      </p:ext>
+    </p:extLst>
+  </p:cSld>
+  <p:clrMapOvr>
+    <a:masterClrMapping/>
+  </p:clrMapOvr>
+</p:sld>
+</file>
+
+<file path=ppt/slides/slide37.xml><?xml version="1.0" encoding="utf-8"?>
+<p:sld xmlns:a="http://schemas.openxmlformats.org/drawingml/2006/main" xmlns:r="http://schemas.openxmlformats.org/officeDocument/2006/relationships" xmlns:p="http://schemas.openxmlformats.org/presentationml/2006/main">
+  <p:cSld>
+    <p:spTree>
+      <p:nvGrpSpPr>
+        <p:cNvPr id="1" name=""/>
+        <p:cNvGrpSpPr/>
+        <p:nvPr/>
+      </p:nvGrpSpPr>
+      <p:grpSpPr>
+        <a:xfrm>
+          <a:off x="0" y="0"/>
+          <a:ext cx="0" cy="0"/>
+          <a:chOff x="0" y="0"/>
+          <a:chExt cx="0" cy="0"/>
+        </a:xfrm>
+      </p:grpSpPr>
+      <p:sp>
+        <p:nvSpPr>
+          <p:cNvPr id="2" name="テキスト プレースホルダー 1">
+            <a:extLst>
+              <a:ext uri="{FF2B5EF4-FFF2-40B4-BE49-F238E27FC236}">
+                <a16:creationId xmlns:a16="http://schemas.microsoft.com/office/drawing/2014/main" id="{5F85F845-D73A-478C-A734-711B1FE83F70}"/>
+              </a:ext>
+            </a:extLst>
+          </p:cNvPr>
+          <p:cNvSpPr>
+            <a:spLocks noGrp="1"/>
+          </p:cNvSpPr>
+          <p:nvPr>
+            <p:ph type="body" sz="quarter" idx="10"/>
+          </p:nvPr>
+        </p:nvSpPr>
+        <p:spPr/>
+        <p:txBody>
+          <a:bodyPr/>
+          <a:lstStyle/>
+          <a:p>
+            <a:r>
+              <a:rPr lang="ja-JP" altLang="en-US"/>
+              <a:t>課題</a:t>
+            </a:r>
+            <a:r>
+              <a:rPr lang="en-US" altLang="ja-JP"/>
+              <a:t>3 - Step 2</a:t>
+            </a:r>
+            <a:endParaRPr kumimoji="1" lang="ja-JP" altLang="en-US"/>
+          </a:p>
+        </p:txBody>
+      </p:sp>
+      <p:sp>
+        <p:nvSpPr>
+          <p:cNvPr id="4" name="テキスト ボックス 3">
+            <a:extLst>
+              <a:ext uri="{FF2B5EF4-FFF2-40B4-BE49-F238E27FC236}">
+                <a16:creationId xmlns:a16="http://schemas.microsoft.com/office/drawing/2014/main" id="{33CFF985-E9EC-4E6D-93DE-A680126CC005}"/>
+              </a:ext>
+            </a:extLst>
+          </p:cNvPr>
+          <p:cNvSpPr txBox="1"/>
+          <p:nvPr/>
+        </p:nvSpPr>
+        <p:spPr>
+          <a:xfrm>
+            <a:off x="539552" y="1916832"/>
+            <a:ext cx="5832648" cy="1569660"/>
+          </a:xfrm>
+          <a:prstGeom prst="rect">
+            <a:avLst/>
+          </a:prstGeom>
+          <a:noFill/>
+          <a:ln>
+            <a:solidFill>
+              <a:schemeClr val="tx1"/>
+            </a:solidFill>
+          </a:ln>
+        </p:spPr>
+        <p:txBody>
+          <a:bodyPr wrap="square">
+            <a:spAutoFit/>
+          </a:bodyPr>
+          <a:lstStyle/>
+          <a:p>
+            <a:r>
+              <a:rPr lang="en-US" altLang="ja-JP" sz="2400">
+                <a:latin typeface="Consolas" panose="020B0609020204030204" pitchFamily="49" charset="0"/>
+              </a:rPr>
+              <a:t>cd</a:t>
+            </a:r>
+          </a:p>
+          <a:p>
+            <a:r>
+              <a:rPr lang="en-US" altLang="ja-JP" sz="2400">
+                <a:latin typeface="Consolas" panose="020B0609020204030204" pitchFamily="49" charset="0"/>
+              </a:rPr>
+              <a:t>cd github</a:t>
+            </a:r>
+          </a:p>
+          <a:p>
+            <a:r>
+              <a:rPr lang="en-US" altLang="ja-JP" sz="2400">
+                <a:latin typeface="Consolas" panose="020B0609020204030204" pitchFamily="49" charset="0"/>
+              </a:rPr>
+              <a:t>cd test</a:t>
+            </a:r>
+          </a:p>
+          <a:p>
+            <a:r>
+              <a:rPr lang="en-US" altLang="ja-JP" sz="2400">
+                <a:latin typeface="Consolas" panose="020B0609020204030204" pitchFamily="49" charset="0"/>
+              </a:rPr>
+              <a:t>git switch -c feat/1/README</a:t>
+            </a:r>
+          </a:p>
+        </p:txBody>
+      </p:sp>
+      <p:sp>
+        <p:nvSpPr>
+          <p:cNvPr id="5" name="テキスト ボックス 4">
+            <a:extLst>
+              <a:ext uri="{FF2B5EF4-FFF2-40B4-BE49-F238E27FC236}">
+                <a16:creationId xmlns:a16="http://schemas.microsoft.com/office/drawing/2014/main" id="{C657F5DF-CB9A-4CD6-817C-B7C2249F5CAF}"/>
+              </a:ext>
+            </a:extLst>
+          </p:cNvPr>
+          <p:cNvSpPr txBox="1"/>
+          <p:nvPr/>
+        </p:nvSpPr>
+        <p:spPr>
+          <a:xfrm>
+            <a:off x="323528" y="1268760"/>
+            <a:ext cx="2390398" cy="369332"/>
+          </a:xfrm>
+          <a:prstGeom prst="rect">
+            <a:avLst/>
+          </a:prstGeom>
+          <a:noFill/>
+        </p:spPr>
+        <p:txBody>
+          <a:bodyPr wrap="none" rtlCol="0">
+            <a:spAutoFit/>
+          </a:bodyPr>
+          <a:lstStyle/>
+          <a:p>
+            <a:r>
+              <a:rPr kumimoji="1" lang="en-US" altLang="ja-JP"/>
+              <a:t>GitBash</a:t>
+            </a:r>
+            <a:r>
+              <a:rPr kumimoji="1" lang="ja-JP" altLang="en-US"/>
+              <a:t>で以下を実行</a:t>
+            </a:r>
+          </a:p>
+        </p:txBody>
+      </p:sp>
+      <p:sp>
+        <p:nvSpPr>
+          <p:cNvPr id="6" name="楕円 5">
+            <a:extLst>
+              <a:ext uri="{FF2B5EF4-FFF2-40B4-BE49-F238E27FC236}">
+                <a16:creationId xmlns:a16="http://schemas.microsoft.com/office/drawing/2014/main" id="{3DC4F15F-A64B-4958-A828-53E9FC6B3FD7}"/>
+              </a:ext>
+            </a:extLst>
+          </p:cNvPr>
+          <p:cNvSpPr/>
+          <p:nvPr/>
+        </p:nvSpPr>
+        <p:spPr>
+          <a:xfrm>
+            <a:off x="1109427" y="4509120"/>
+            <a:ext cx="432048" cy="432048"/>
+          </a:xfrm>
+          <a:prstGeom prst="ellipse">
+            <a:avLst/>
+          </a:prstGeom>
+          <a:solidFill>
+            <a:srgbClr val="011893"/>
+          </a:solidFill>
+          <a:ln>
+            <a:solidFill>
+              <a:schemeClr val="tx1"/>
+            </a:solidFill>
+          </a:ln>
+        </p:spPr>
+        <p:style>
+          <a:lnRef idx="2">
+            <a:schemeClr val="accent1">
+              <a:shade val="50000"/>
+            </a:schemeClr>
+          </a:lnRef>
+          <a:fillRef idx="1">
+            <a:schemeClr val="accent1"/>
+          </a:fillRef>
+          <a:effectRef idx="0">
+            <a:schemeClr val="accent1"/>
+          </a:effectRef>
+          <a:fontRef idx="minor">
+            <a:schemeClr val="lt1"/>
+          </a:fontRef>
+        </p:style>
+        <p:txBody>
+          <a:bodyPr rtlCol="0" anchor="ctr"/>
+          <a:lstStyle/>
+          <a:p>
+            <a:pPr algn="ctr"/>
+            <a:endParaRPr kumimoji="1" lang="ja-JP" altLang="en-US"/>
+          </a:p>
+        </p:txBody>
+      </p:sp>
+      <p:sp>
+        <p:nvSpPr>
+          <p:cNvPr id="7" name="楕円 4">
+            <a:extLst>
+              <a:ext uri="{FF2B5EF4-FFF2-40B4-BE49-F238E27FC236}">
+                <a16:creationId xmlns:a16="http://schemas.microsoft.com/office/drawing/2014/main" id="{9DEB3266-8E20-4801-97E7-85B41941057B}"/>
+              </a:ext>
+            </a:extLst>
+          </p:cNvPr>
+          <p:cNvSpPr/>
+          <p:nvPr/>
+        </p:nvSpPr>
+        <p:spPr>
+          <a:xfrm>
+            <a:off x="2627784" y="4509120"/>
+            <a:ext cx="432048" cy="432048"/>
+          </a:xfrm>
+          <a:prstGeom prst="ellipse">
+            <a:avLst/>
+          </a:prstGeom>
+          <a:solidFill>
+            <a:srgbClr val="011893"/>
+          </a:solidFill>
+          <a:ln>
+            <a:solidFill>
+              <a:schemeClr val="tx1"/>
+            </a:solidFill>
+          </a:ln>
+        </p:spPr>
+        <p:style>
+          <a:lnRef idx="2">
+            <a:schemeClr val="accent1">
+              <a:shade val="50000"/>
+            </a:schemeClr>
+          </a:lnRef>
+          <a:fillRef idx="1">
+            <a:schemeClr val="accent1"/>
+          </a:fillRef>
+          <a:effectRef idx="0">
+            <a:schemeClr val="accent1"/>
+          </a:effectRef>
+          <a:fontRef idx="minor">
+            <a:schemeClr val="lt1"/>
+          </a:fontRef>
+        </p:style>
+        <p:txBody>
+          <a:bodyPr rtlCol="0" anchor="ctr"/>
+          <a:lstStyle/>
+          <a:p>
+            <a:pPr algn="ctr"/>
+            <a:endParaRPr kumimoji="1" lang="ja-JP" altLang="en-US"/>
+          </a:p>
+        </p:txBody>
+      </p:sp>
+      <p:cxnSp>
+        <p:nvCxnSpPr>
+          <p:cNvPr id="8" name="直線コネクタ 7">
+            <a:extLst>
+              <a:ext uri="{FF2B5EF4-FFF2-40B4-BE49-F238E27FC236}">
+                <a16:creationId xmlns:a16="http://schemas.microsoft.com/office/drawing/2014/main" id="{1EFB149D-C299-4048-AB93-7AEB45635426}"/>
+              </a:ext>
+            </a:extLst>
+          </p:cNvPr>
+          <p:cNvCxnSpPr>
+            <a:cxnSpLocks/>
+            <a:stCxn id="6" idx="6"/>
+            <a:endCxn id="7" idx="2"/>
+          </p:cNvCxnSpPr>
+          <p:nvPr/>
+        </p:nvCxnSpPr>
+        <p:spPr>
+          <a:xfrm>
+            <a:off x="1541475" y="4725144"/>
+            <a:ext cx="1086309" cy="0"/>
+          </a:xfrm>
+          <a:prstGeom prst="line">
+            <a:avLst/>
+          </a:prstGeom>
+          <a:ln w="57150">
+            <a:solidFill>
+              <a:schemeClr val="tx1"/>
+            </a:solidFill>
+            <a:headEnd type="none" w="med" len="med"/>
+            <a:tailEnd type="none" w="med" len="med"/>
+          </a:ln>
+        </p:spPr>
+        <p:style>
+          <a:lnRef idx="1">
+            <a:schemeClr val="accent1"/>
+          </a:lnRef>
+          <a:fillRef idx="0">
+            <a:schemeClr val="accent1"/>
+          </a:fillRef>
+          <a:effectRef idx="0">
+            <a:schemeClr val="accent1"/>
+          </a:effectRef>
+          <a:fontRef idx="minor">
+            <a:schemeClr val="tx1"/>
+          </a:fontRef>
+        </p:style>
+      </p:cxnSp>
+      <p:sp>
+        <p:nvSpPr>
+          <p:cNvPr id="16" name="四角形: 1 つの角を切り取り 1 つの角を丸める 15">
+            <a:extLst>
+              <a:ext uri="{FF2B5EF4-FFF2-40B4-BE49-F238E27FC236}">
+                <a16:creationId xmlns:a16="http://schemas.microsoft.com/office/drawing/2014/main" id="{ED78AFEB-389A-4B80-9D38-EA68A8EAC2FA}"/>
+              </a:ext>
+            </a:extLst>
+          </p:cNvPr>
+          <p:cNvSpPr/>
+          <p:nvPr/>
+        </p:nvSpPr>
+        <p:spPr>
+          <a:xfrm>
+            <a:off x="2376996" y="3645024"/>
+            <a:ext cx="936104" cy="360040"/>
+          </a:xfrm>
+          <a:prstGeom prst="snipRoundRect">
+            <a:avLst>
+              <a:gd name="adj1" fmla="val 16667"/>
+              <a:gd name="adj2" fmla="val 35924"/>
+            </a:avLst>
+          </a:prstGeom>
+          <a:solidFill>
+            <a:schemeClr val="accent6">
+              <a:lumMod val="20000"/>
+              <a:lumOff val="80000"/>
+            </a:schemeClr>
+          </a:solidFill>
+          <a:ln>
+            <a:solidFill>
+              <a:schemeClr val="tx1"/>
+            </a:solidFill>
+          </a:ln>
+        </p:spPr>
+        <p:style>
+          <a:lnRef idx="2">
+            <a:schemeClr val="accent1">
+              <a:shade val="50000"/>
+            </a:schemeClr>
+          </a:lnRef>
+          <a:fillRef idx="1">
+            <a:schemeClr val="accent1"/>
+          </a:fillRef>
+          <a:effectRef idx="0">
+            <a:schemeClr val="accent1"/>
+          </a:effectRef>
+          <a:fontRef idx="minor">
+            <a:schemeClr val="lt1"/>
+          </a:fontRef>
+        </p:style>
+        <p:txBody>
+          <a:bodyPr rtlCol="0" anchor="ctr"/>
+          <a:lstStyle/>
+          <a:p>
+            <a:pPr algn="ctr"/>
+            <a:r>
+              <a:rPr lang="en-US" altLang="ja-JP">
+                <a:solidFill>
+                  <a:sysClr val="windowText" lastClr="000000"/>
+                </a:solidFill>
+                <a:latin typeface="Consolas" panose="020B0609020204030204" pitchFamily="49" charset="0"/>
+              </a:rPr>
+              <a:t>main</a:t>
+            </a:r>
+            <a:endParaRPr kumimoji="1" lang="ja-JP" altLang="en-US">
+              <a:solidFill>
+                <a:sysClr val="windowText" lastClr="000000"/>
+              </a:solidFill>
+              <a:latin typeface="Consolas" panose="020B0609020204030204" pitchFamily="49" charset="0"/>
+            </a:endParaRPr>
+          </a:p>
+        </p:txBody>
+      </p:sp>
+      <p:cxnSp>
+        <p:nvCxnSpPr>
+          <p:cNvPr id="17" name="直線矢印コネクタ 16">
+            <a:extLst>
+              <a:ext uri="{FF2B5EF4-FFF2-40B4-BE49-F238E27FC236}">
+                <a16:creationId xmlns:a16="http://schemas.microsoft.com/office/drawing/2014/main" id="{C320B0E8-DF3C-485F-945E-16FDE816DC11}"/>
+              </a:ext>
+            </a:extLst>
+          </p:cNvPr>
+          <p:cNvCxnSpPr>
+            <a:cxnSpLocks/>
+            <a:stCxn id="16" idx="1"/>
+            <a:endCxn id="7" idx="0"/>
+          </p:cNvCxnSpPr>
+          <p:nvPr/>
+        </p:nvCxnSpPr>
+        <p:spPr>
+          <a:xfrm flipH="1">
+            <a:off x="2843808" y="4005064"/>
+            <a:ext cx="1240" cy="504056"/>
+          </a:xfrm>
+          <a:prstGeom prst="straightConnector1">
+            <a:avLst/>
+          </a:prstGeom>
+          <a:ln>
+            <a:solidFill>
+              <a:schemeClr val="tx1"/>
+            </a:solidFill>
+            <a:headEnd type="none" w="med" len="med"/>
+            <a:tailEnd type="triangle"/>
+          </a:ln>
+        </p:spPr>
+        <p:style>
+          <a:lnRef idx="1">
+            <a:schemeClr val="accent1"/>
+          </a:lnRef>
+          <a:fillRef idx="0">
+            <a:schemeClr val="accent1"/>
+          </a:fillRef>
+          <a:effectRef idx="0">
+            <a:schemeClr val="accent1"/>
+          </a:effectRef>
+          <a:fontRef idx="minor">
+            <a:schemeClr val="tx1"/>
+          </a:fontRef>
+        </p:style>
+      </p:cxnSp>
+      <p:sp>
+        <p:nvSpPr>
+          <p:cNvPr id="20" name="四角形: 1 つの角を切り取り 1 つの角を丸める 19">
+            <a:extLst>
+              <a:ext uri="{FF2B5EF4-FFF2-40B4-BE49-F238E27FC236}">
+                <a16:creationId xmlns:a16="http://schemas.microsoft.com/office/drawing/2014/main" id="{0B128C67-3F20-45C3-94F1-75BEA9908ABA}"/>
+              </a:ext>
+            </a:extLst>
+          </p:cNvPr>
+          <p:cNvSpPr/>
+          <p:nvPr/>
+        </p:nvSpPr>
+        <p:spPr>
+          <a:xfrm>
+            <a:off x="1691680" y="5373216"/>
+            <a:ext cx="2304256" cy="360040"/>
+          </a:xfrm>
+          <a:prstGeom prst="snipRoundRect">
+            <a:avLst>
+              <a:gd name="adj1" fmla="val 16667"/>
+              <a:gd name="adj2" fmla="val 35924"/>
+            </a:avLst>
+          </a:prstGeom>
+          <a:solidFill>
+            <a:schemeClr val="accent6">
+              <a:lumMod val="20000"/>
+              <a:lumOff val="80000"/>
+            </a:schemeClr>
+          </a:solidFill>
+          <a:ln>
+            <a:solidFill>
+              <a:schemeClr val="tx1"/>
+            </a:solidFill>
+          </a:ln>
+        </p:spPr>
+        <p:style>
+          <a:lnRef idx="2">
+            <a:schemeClr val="accent1">
+              <a:shade val="50000"/>
+            </a:schemeClr>
+          </a:lnRef>
+          <a:fillRef idx="1">
+            <a:schemeClr val="accent1"/>
+          </a:fillRef>
+          <a:effectRef idx="0">
+            <a:schemeClr val="accent1"/>
+          </a:effectRef>
+          <a:fontRef idx="minor">
+            <a:schemeClr val="lt1"/>
+          </a:fontRef>
+        </p:style>
+        <p:txBody>
+          <a:bodyPr rtlCol="0" anchor="ctr"/>
+          <a:lstStyle/>
+          <a:p>
+            <a:pPr algn="ctr"/>
+            <a:r>
+              <a:rPr lang="en-US" altLang="ja-JP">
+                <a:solidFill>
+                  <a:sysClr val="windowText" lastClr="000000"/>
+                </a:solidFill>
+                <a:latin typeface="Consolas" panose="020B0609020204030204" pitchFamily="49" charset="0"/>
+              </a:rPr>
+              <a:t>feat/1/README</a:t>
+            </a:r>
+            <a:endParaRPr kumimoji="1" lang="ja-JP" altLang="en-US">
+              <a:solidFill>
+                <a:sysClr val="windowText" lastClr="000000"/>
+              </a:solidFill>
+              <a:latin typeface="Consolas" panose="020B0609020204030204" pitchFamily="49" charset="0"/>
+            </a:endParaRPr>
+          </a:p>
+        </p:txBody>
+      </p:sp>
+      <p:cxnSp>
+        <p:nvCxnSpPr>
+          <p:cNvPr id="22" name="直線矢印コネクタ 21">
+            <a:extLst>
+              <a:ext uri="{FF2B5EF4-FFF2-40B4-BE49-F238E27FC236}">
+                <a16:creationId xmlns:a16="http://schemas.microsoft.com/office/drawing/2014/main" id="{9C8D6B22-6605-414D-96AF-ADC17A9AF72C}"/>
+              </a:ext>
+            </a:extLst>
+          </p:cNvPr>
+          <p:cNvCxnSpPr>
+            <a:stCxn id="20" idx="3"/>
+            <a:endCxn id="7" idx="4"/>
+          </p:cNvCxnSpPr>
+          <p:nvPr/>
+        </p:nvCxnSpPr>
+        <p:spPr>
+          <a:xfrm flipV="1">
+            <a:off x="2843808" y="4941168"/>
+            <a:ext cx="0" cy="432048"/>
+          </a:xfrm>
+          <a:prstGeom prst="straightConnector1">
+            <a:avLst/>
+          </a:prstGeom>
+          <a:ln>
+            <a:solidFill>
+              <a:schemeClr val="tx1"/>
+            </a:solidFill>
+            <a:headEnd type="none" w="med" len="med"/>
+            <a:tailEnd type="triangle"/>
+          </a:ln>
+        </p:spPr>
+        <p:style>
+          <a:lnRef idx="1">
+            <a:schemeClr val="accent1"/>
+          </a:lnRef>
+          <a:fillRef idx="0">
+            <a:schemeClr val="accent1"/>
+          </a:fillRef>
+          <a:effectRef idx="0">
+            <a:schemeClr val="accent1"/>
+          </a:effectRef>
+          <a:fontRef idx="minor">
+            <a:schemeClr val="tx1"/>
+          </a:fontRef>
+        </p:style>
+      </p:cxnSp>
+      <p:sp>
+        <p:nvSpPr>
+          <p:cNvPr id="23" name="テキスト ボックス 22">
+            <a:extLst>
+              <a:ext uri="{FF2B5EF4-FFF2-40B4-BE49-F238E27FC236}">
+                <a16:creationId xmlns:a16="http://schemas.microsoft.com/office/drawing/2014/main" id="{F60B3EBD-8E2F-4BFF-A784-DBA83F13046A}"/>
+              </a:ext>
+            </a:extLst>
+          </p:cNvPr>
+          <p:cNvSpPr txBox="1"/>
+          <p:nvPr/>
+        </p:nvSpPr>
+        <p:spPr>
+          <a:xfrm>
+            <a:off x="611560" y="5949280"/>
+            <a:ext cx="6006773" cy="646331"/>
+          </a:xfrm>
+          <a:prstGeom prst="rect">
+            <a:avLst/>
+          </a:prstGeom>
+          <a:noFill/>
+        </p:spPr>
+        <p:txBody>
+          <a:bodyPr wrap="none" rtlCol="0">
+            <a:spAutoFit/>
+          </a:bodyPr>
+          <a:lstStyle/>
+          <a:p>
+            <a:r>
+              <a:rPr lang="ja-JP" altLang="en-US"/>
+              <a:t>ブランチの命名規則は人によるが、ここでは</a:t>
+            </a:r>
+            <a:endParaRPr lang="en-US" altLang="ja-JP"/>
+          </a:p>
+          <a:p>
+            <a:r>
+              <a:rPr kumimoji="1" lang="ja-JP" altLang="en-US"/>
+              <a:t>「ラベルに対応する接頭辞</a:t>
+            </a:r>
+            <a:r>
+              <a:rPr kumimoji="1" lang="en-US" altLang="ja-JP"/>
+              <a:t>(feat)/issue</a:t>
+            </a:r>
+            <a:r>
+              <a:rPr kumimoji="1" lang="ja-JP" altLang="en-US"/>
+              <a:t>番号</a:t>
+            </a:r>
+            <a:r>
+              <a:rPr kumimoji="1" lang="en-US" altLang="ja-JP"/>
+              <a:t>/</a:t>
+            </a:r>
+            <a:r>
+              <a:rPr kumimoji="1" lang="ja-JP" altLang="en-US"/>
+              <a:t>内容」とする</a:t>
+            </a:r>
+          </a:p>
+        </p:txBody>
+      </p:sp>
+    </p:spTree>
+    <p:extLst>
+      <p:ext uri="{BB962C8B-B14F-4D97-AF65-F5344CB8AC3E}">
+        <p14:creationId xmlns:p14="http://schemas.microsoft.com/office/powerpoint/2010/main" val="3066358493"/>
+      </p:ext>
+    </p:extLst>
+  </p:cSld>
+  <p:clrMapOvr>
+    <a:masterClrMapping/>
+  </p:clrMapOvr>
+</p:sld>
+</file>
+
+<file path=ppt/slides/slide38.xml><?xml version="1.0" encoding="utf-8"?>
+<p:sld xmlns:a="http://schemas.openxmlformats.org/drawingml/2006/main" xmlns:r="http://schemas.openxmlformats.org/officeDocument/2006/relationships" xmlns:p="http://schemas.openxmlformats.org/presentationml/2006/main">
+  <p:cSld>
+    <p:spTree>
+      <p:nvGrpSpPr>
+        <p:cNvPr id="1" name=""/>
+        <p:cNvGrpSpPr/>
+        <p:nvPr/>
+      </p:nvGrpSpPr>
+      <p:grpSpPr>
+        <a:xfrm>
+          <a:off x="0" y="0"/>
+          <a:ext cx="0" cy="0"/>
+          <a:chOff x="0" y="0"/>
+          <a:chExt cx="0" cy="0"/>
+        </a:xfrm>
+      </p:grpSpPr>
+      <p:sp>
+        <p:nvSpPr>
+          <p:cNvPr id="2" name="テキスト プレースホルダー 1">
+            <a:extLst>
+              <a:ext uri="{FF2B5EF4-FFF2-40B4-BE49-F238E27FC236}">
+                <a16:creationId xmlns:a16="http://schemas.microsoft.com/office/drawing/2014/main" id="{E8317263-2070-4B5D-B3E9-11B95B01C0D5}"/>
+              </a:ext>
+            </a:extLst>
+          </p:cNvPr>
+          <p:cNvSpPr>
+            <a:spLocks noGrp="1"/>
+          </p:cNvSpPr>
+          <p:nvPr>
+            <p:ph type="body" sz="quarter" idx="10"/>
+          </p:nvPr>
+        </p:nvSpPr>
+        <p:spPr/>
+        <p:txBody>
+          <a:bodyPr/>
+          <a:lstStyle/>
+          <a:p>
+            <a:r>
+              <a:rPr lang="ja-JP" altLang="en-US"/>
+              <a:t>課題</a:t>
+            </a:r>
+            <a:r>
+              <a:rPr lang="en-US" altLang="ja-JP"/>
+              <a:t>3 - Step 3</a:t>
+            </a:r>
+            <a:endParaRPr kumimoji="1" lang="ja-JP" altLang="en-US"/>
+          </a:p>
+        </p:txBody>
+      </p:sp>
+      <p:sp>
+        <p:nvSpPr>
+          <p:cNvPr id="3" name="楕円 2">
+            <a:extLst>
+              <a:ext uri="{FF2B5EF4-FFF2-40B4-BE49-F238E27FC236}">
+                <a16:creationId xmlns:a16="http://schemas.microsoft.com/office/drawing/2014/main" id="{EF062F8E-7202-4132-8361-90C0FA90687C}"/>
+              </a:ext>
+            </a:extLst>
+          </p:cNvPr>
+          <p:cNvSpPr/>
+          <p:nvPr/>
+        </p:nvSpPr>
+        <p:spPr>
+          <a:xfrm>
+            <a:off x="899592" y="5229200"/>
+            <a:ext cx="432048" cy="432048"/>
+          </a:xfrm>
+          <a:prstGeom prst="ellipse">
+            <a:avLst/>
+          </a:prstGeom>
+          <a:solidFill>
+            <a:srgbClr val="011893"/>
+          </a:solidFill>
+          <a:ln>
+            <a:solidFill>
+              <a:schemeClr val="tx1"/>
+            </a:solidFill>
+          </a:ln>
+        </p:spPr>
+        <p:style>
+          <a:lnRef idx="2">
+            <a:schemeClr val="accent1">
+              <a:shade val="50000"/>
+            </a:schemeClr>
+          </a:lnRef>
+          <a:fillRef idx="1">
+            <a:schemeClr val="accent1"/>
+          </a:fillRef>
+          <a:effectRef idx="0">
+            <a:schemeClr val="accent1"/>
+          </a:effectRef>
+          <a:fontRef idx="minor">
+            <a:schemeClr val="lt1"/>
+          </a:fontRef>
+        </p:style>
+        <p:txBody>
+          <a:bodyPr rtlCol="0" anchor="ctr"/>
+          <a:lstStyle/>
+          <a:p>
+            <a:pPr algn="ctr"/>
+            <a:endParaRPr kumimoji="1" lang="ja-JP" altLang="en-US"/>
+          </a:p>
+        </p:txBody>
+      </p:sp>
+      <p:sp>
+        <p:nvSpPr>
+          <p:cNvPr id="4" name="楕円 4">
+            <a:extLst>
+              <a:ext uri="{FF2B5EF4-FFF2-40B4-BE49-F238E27FC236}">
+                <a16:creationId xmlns:a16="http://schemas.microsoft.com/office/drawing/2014/main" id="{3B805A3D-BFF7-49A5-BD3F-113AB2E26DBB}"/>
+              </a:ext>
+            </a:extLst>
+          </p:cNvPr>
+          <p:cNvSpPr/>
+          <p:nvPr/>
+        </p:nvSpPr>
+        <p:spPr>
+          <a:xfrm>
+            <a:off x="2417949" y="5229200"/>
+            <a:ext cx="432048" cy="432048"/>
+          </a:xfrm>
+          <a:prstGeom prst="ellipse">
+            <a:avLst/>
+          </a:prstGeom>
+          <a:solidFill>
+            <a:srgbClr val="011893"/>
+          </a:solidFill>
+          <a:ln>
+            <a:solidFill>
+              <a:schemeClr val="tx1"/>
+            </a:solidFill>
+          </a:ln>
+        </p:spPr>
+        <p:style>
+          <a:lnRef idx="2">
+            <a:schemeClr val="accent1">
+              <a:shade val="50000"/>
+            </a:schemeClr>
+          </a:lnRef>
+          <a:fillRef idx="1">
+            <a:schemeClr val="accent1"/>
+          </a:fillRef>
+          <a:effectRef idx="0">
+            <a:schemeClr val="accent1"/>
+          </a:effectRef>
+          <a:fontRef idx="minor">
+            <a:schemeClr val="lt1"/>
+          </a:fontRef>
+        </p:style>
+        <p:txBody>
+          <a:bodyPr rtlCol="0" anchor="ctr"/>
+          <a:lstStyle/>
+          <a:p>
+            <a:pPr algn="ctr"/>
+            <a:endParaRPr kumimoji="1" lang="ja-JP" altLang="en-US"/>
+          </a:p>
+        </p:txBody>
+      </p:sp>
+      <p:cxnSp>
+        <p:nvCxnSpPr>
+          <p:cNvPr id="5" name="直線コネクタ 4">
+            <a:extLst>
+              <a:ext uri="{FF2B5EF4-FFF2-40B4-BE49-F238E27FC236}">
+                <a16:creationId xmlns:a16="http://schemas.microsoft.com/office/drawing/2014/main" id="{ECD1C247-0557-4CDF-BF8C-5672A1CBE583}"/>
+              </a:ext>
+            </a:extLst>
+          </p:cNvPr>
+          <p:cNvCxnSpPr>
+            <a:cxnSpLocks/>
+            <a:stCxn id="3" idx="6"/>
+            <a:endCxn id="4" idx="2"/>
+          </p:cNvCxnSpPr>
+          <p:nvPr/>
+        </p:nvCxnSpPr>
+        <p:spPr>
+          <a:xfrm>
+            <a:off x="1331640" y="5445224"/>
+            <a:ext cx="1086309" cy="0"/>
+          </a:xfrm>
+          <a:prstGeom prst="line">
+            <a:avLst/>
+          </a:prstGeom>
+          <a:ln w="57150">
+            <a:solidFill>
+              <a:schemeClr val="tx1"/>
+            </a:solidFill>
+            <a:headEnd type="none" w="med" len="med"/>
+            <a:tailEnd type="none" w="med" len="med"/>
+          </a:ln>
+        </p:spPr>
+        <p:style>
+          <a:lnRef idx="1">
+            <a:schemeClr val="accent1"/>
+          </a:lnRef>
+          <a:fillRef idx="0">
+            <a:schemeClr val="accent1"/>
+          </a:fillRef>
+          <a:effectRef idx="0">
+            <a:schemeClr val="accent1"/>
+          </a:effectRef>
+          <a:fontRef idx="minor">
+            <a:schemeClr val="tx1"/>
+          </a:fontRef>
+        </p:style>
+      </p:cxnSp>
+      <p:sp>
+        <p:nvSpPr>
+          <p:cNvPr id="6" name="四角形: 1 つの角を切り取り 1 つの角を丸める 5">
+            <a:extLst>
+              <a:ext uri="{FF2B5EF4-FFF2-40B4-BE49-F238E27FC236}">
+                <a16:creationId xmlns:a16="http://schemas.microsoft.com/office/drawing/2014/main" id="{267DABA9-2D6F-4231-AB45-8091DE671063}"/>
+              </a:ext>
+            </a:extLst>
+          </p:cNvPr>
+          <p:cNvSpPr/>
+          <p:nvPr/>
+        </p:nvSpPr>
+        <p:spPr>
+          <a:xfrm>
+            <a:off x="2167161" y="4365104"/>
+            <a:ext cx="936104" cy="360040"/>
+          </a:xfrm>
+          <a:prstGeom prst="snipRoundRect">
+            <a:avLst>
+              <a:gd name="adj1" fmla="val 16667"/>
+              <a:gd name="adj2" fmla="val 35924"/>
+            </a:avLst>
+          </a:prstGeom>
+          <a:solidFill>
+            <a:schemeClr val="accent6">
+              <a:lumMod val="20000"/>
+              <a:lumOff val="80000"/>
+            </a:schemeClr>
+          </a:solidFill>
+          <a:ln>
+            <a:solidFill>
+              <a:schemeClr val="tx1"/>
+            </a:solidFill>
+          </a:ln>
+        </p:spPr>
+        <p:style>
+          <a:lnRef idx="2">
+            <a:schemeClr val="accent1">
+              <a:shade val="50000"/>
+            </a:schemeClr>
+          </a:lnRef>
+          <a:fillRef idx="1">
+            <a:schemeClr val="accent1"/>
+          </a:fillRef>
+          <a:effectRef idx="0">
+            <a:schemeClr val="accent1"/>
+          </a:effectRef>
+          <a:fontRef idx="minor">
+            <a:schemeClr val="lt1"/>
+          </a:fontRef>
+        </p:style>
+        <p:txBody>
+          <a:bodyPr rtlCol="0" anchor="ctr"/>
+          <a:lstStyle/>
+          <a:p>
+            <a:pPr algn="ctr"/>
+            <a:r>
+              <a:rPr lang="en-US" altLang="ja-JP">
+                <a:solidFill>
+                  <a:sysClr val="windowText" lastClr="000000"/>
+                </a:solidFill>
+                <a:latin typeface="Consolas" panose="020B0609020204030204" pitchFamily="49" charset="0"/>
+              </a:rPr>
+              <a:t>main</a:t>
+            </a:r>
+            <a:endParaRPr kumimoji="1" lang="ja-JP" altLang="en-US">
+              <a:solidFill>
+                <a:sysClr val="windowText" lastClr="000000"/>
+              </a:solidFill>
+              <a:latin typeface="Consolas" panose="020B0609020204030204" pitchFamily="49" charset="0"/>
+            </a:endParaRPr>
+          </a:p>
+        </p:txBody>
+      </p:sp>
+      <p:cxnSp>
+        <p:nvCxnSpPr>
+          <p:cNvPr id="7" name="直線矢印コネクタ 6">
+            <a:extLst>
+              <a:ext uri="{FF2B5EF4-FFF2-40B4-BE49-F238E27FC236}">
+                <a16:creationId xmlns:a16="http://schemas.microsoft.com/office/drawing/2014/main" id="{6DEE25D7-2D71-4C32-A484-47255F44791A}"/>
+              </a:ext>
+            </a:extLst>
+          </p:cNvPr>
+          <p:cNvCxnSpPr>
+            <a:cxnSpLocks/>
+            <a:stCxn id="6" idx="1"/>
+            <a:endCxn id="4" idx="0"/>
+          </p:cNvCxnSpPr>
+          <p:nvPr/>
+        </p:nvCxnSpPr>
+        <p:spPr>
+          <a:xfrm flipH="1">
+            <a:off x="2633973" y="4725144"/>
+            <a:ext cx="1240" cy="504056"/>
+          </a:xfrm>
+          <a:prstGeom prst="straightConnector1">
+            <a:avLst/>
+          </a:prstGeom>
+          <a:ln>
+            <a:solidFill>
+              <a:schemeClr val="tx1"/>
+            </a:solidFill>
+            <a:headEnd type="none" w="med" len="med"/>
+            <a:tailEnd type="triangle"/>
+          </a:ln>
+        </p:spPr>
+        <p:style>
+          <a:lnRef idx="1">
+            <a:schemeClr val="accent1"/>
+          </a:lnRef>
+          <a:fillRef idx="0">
+            <a:schemeClr val="accent1"/>
+          </a:fillRef>
+          <a:effectRef idx="0">
+            <a:schemeClr val="accent1"/>
+          </a:effectRef>
+          <a:fontRef idx="minor">
+            <a:schemeClr val="tx1"/>
+          </a:fontRef>
+        </p:style>
+      </p:cxnSp>
+      <p:sp>
+        <p:nvSpPr>
+          <p:cNvPr id="8" name="四角形: 1 つの角を切り取り 1 つの角を丸める 7">
+            <a:extLst>
+              <a:ext uri="{FF2B5EF4-FFF2-40B4-BE49-F238E27FC236}">
+                <a16:creationId xmlns:a16="http://schemas.microsoft.com/office/drawing/2014/main" id="{229AD48C-56BF-4FBB-84BB-919E1B045C98}"/>
+              </a:ext>
+            </a:extLst>
+          </p:cNvPr>
+          <p:cNvSpPr/>
+          <p:nvPr/>
+        </p:nvSpPr>
+        <p:spPr>
+          <a:xfrm>
+            <a:off x="2922005" y="6093296"/>
+            <a:ext cx="2304256" cy="360040"/>
+          </a:xfrm>
+          <a:prstGeom prst="snipRoundRect">
+            <a:avLst>
+              <a:gd name="adj1" fmla="val 16667"/>
+              <a:gd name="adj2" fmla="val 35924"/>
+            </a:avLst>
+          </a:prstGeom>
+          <a:solidFill>
+            <a:schemeClr val="accent6">
+              <a:lumMod val="20000"/>
+              <a:lumOff val="80000"/>
+            </a:schemeClr>
+          </a:solidFill>
+          <a:ln>
+            <a:solidFill>
+              <a:schemeClr val="tx1"/>
+            </a:solidFill>
+          </a:ln>
+        </p:spPr>
+        <p:style>
+          <a:lnRef idx="2">
+            <a:schemeClr val="accent1">
+              <a:shade val="50000"/>
+            </a:schemeClr>
+          </a:lnRef>
+          <a:fillRef idx="1">
+            <a:schemeClr val="accent1"/>
+          </a:fillRef>
+          <a:effectRef idx="0">
+            <a:schemeClr val="accent1"/>
+          </a:effectRef>
+          <a:fontRef idx="minor">
+            <a:schemeClr val="lt1"/>
+          </a:fontRef>
+        </p:style>
+        <p:txBody>
+          <a:bodyPr rtlCol="0" anchor="ctr"/>
+          <a:lstStyle/>
+          <a:p>
+            <a:pPr algn="ctr"/>
+            <a:r>
+              <a:rPr lang="en-US" altLang="ja-JP">
+                <a:solidFill>
+                  <a:sysClr val="windowText" lastClr="000000"/>
+                </a:solidFill>
+                <a:latin typeface="Consolas" panose="020B0609020204030204" pitchFamily="49" charset="0"/>
+              </a:rPr>
+              <a:t>feat/1/README</a:t>
+            </a:r>
+            <a:endParaRPr kumimoji="1" lang="ja-JP" altLang="en-US">
+              <a:solidFill>
+                <a:sysClr val="windowText" lastClr="000000"/>
+              </a:solidFill>
+              <a:latin typeface="Consolas" panose="020B0609020204030204" pitchFamily="49" charset="0"/>
+            </a:endParaRPr>
+          </a:p>
+        </p:txBody>
+      </p:sp>
+      <p:cxnSp>
+        <p:nvCxnSpPr>
+          <p:cNvPr id="9" name="直線矢印コネクタ 8">
+            <a:extLst>
+              <a:ext uri="{FF2B5EF4-FFF2-40B4-BE49-F238E27FC236}">
+                <a16:creationId xmlns:a16="http://schemas.microsoft.com/office/drawing/2014/main" id="{66CD2ABD-5405-4BF7-9A0A-C569555470E6}"/>
+              </a:ext>
+            </a:extLst>
+          </p:cNvPr>
+          <p:cNvCxnSpPr>
+            <a:cxnSpLocks/>
+            <a:stCxn id="8" idx="3"/>
+          </p:cNvCxnSpPr>
+          <p:nvPr/>
+        </p:nvCxnSpPr>
+        <p:spPr>
+          <a:xfrm flipV="1">
+            <a:off x="4074133" y="5661248"/>
+            <a:ext cx="0" cy="432048"/>
+          </a:xfrm>
+          <a:prstGeom prst="straightConnector1">
+            <a:avLst/>
+          </a:prstGeom>
+          <a:ln>
+            <a:solidFill>
+              <a:schemeClr val="tx1"/>
+            </a:solidFill>
+            <a:headEnd type="none" w="med" len="med"/>
+            <a:tailEnd type="triangle"/>
+          </a:ln>
+        </p:spPr>
+        <p:style>
+          <a:lnRef idx="1">
+            <a:schemeClr val="accent1"/>
+          </a:lnRef>
+          <a:fillRef idx="0">
+            <a:schemeClr val="accent1"/>
+          </a:fillRef>
+          <a:effectRef idx="0">
+            <a:schemeClr val="accent1"/>
+          </a:effectRef>
+          <a:fontRef idx="minor">
+            <a:schemeClr val="tx1"/>
+          </a:fontRef>
+        </p:style>
+      </p:cxnSp>
+      <p:sp>
+        <p:nvSpPr>
+          <p:cNvPr id="10" name="テキスト ボックス 9">
+            <a:extLst>
+              <a:ext uri="{FF2B5EF4-FFF2-40B4-BE49-F238E27FC236}">
+                <a16:creationId xmlns:a16="http://schemas.microsoft.com/office/drawing/2014/main" id="{59DEFB5C-54A2-432D-8F8C-E0174E6D650D}"/>
+              </a:ext>
+            </a:extLst>
+          </p:cNvPr>
+          <p:cNvSpPr txBox="1"/>
+          <p:nvPr/>
+        </p:nvSpPr>
+        <p:spPr>
+          <a:xfrm>
+            <a:off x="539552" y="1196752"/>
+            <a:ext cx="5224507" cy="369332"/>
+          </a:xfrm>
+          <a:prstGeom prst="rect">
+            <a:avLst/>
+          </a:prstGeom>
+          <a:noFill/>
+        </p:spPr>
+        <p:txBody>
+          <a:bodyPr wrap="none" rtlCol="0">
+            <a:spAutoFit/>
+          </a:bodyPr>
+          <a:lstStyle/>
+          <a:p>
+            <a:r>
+              <a:rPr lang="en-US" altLang="ja-JP"/>
+              <a:t>github/test/README.md</a:t>
+            </a:r>
+            <a:r>
+              <a:rPr lang="ja-JP" altLang="en-US"/>
+              <a:t>を修正してコミットする</a:t>
+            </a:r>
+            <a:endParaRPr kumimoji="1" lang="ja-JP" altLang="en-US"/>
+          </a:p>
+        </p:txBody>
+      </p:sp>
+      <p:sp>
+        <p:nvSpPr>
+          <p:cNvPr id="11" name="楕円 4">
+            <a:extLst>
+              <a:ext uri="{FF2B5EF4-FFF2-40B4-BE49-F238E27FC236}">
+                <a16:creationId xmlns:a16="http://schemas.microsoft.com/office/drawing/2014/main" id="{CDCC688E-AF37-434B-9361-E72920B9A27E}"/>
+              </a:ext>
+            </a:extLst>
+          </p:cNvPr>
+          <p:cNvSpPr/>
+          <p:nvPr/>
+        </p:nvSpPr>
+        <p:spPr>
+          <a:xfrm>
+            <a:off x="3858109" y="5229200"/>
+            <a:ext cx="432048" cy="432048"/>
+          </a:xfrm>
+          <a:prstGeom prst="ellipse">
+            <a:avLst/>
+          </a:prstGeom>
+          <a:solidFill>
+            <a:srgbClr val="FF0000"/>
+          </a:solidFill>
+          <a:ln>
+            <a:solidFill>
+              <a:schemeClr val="tx1"/>
+            </a:solidFill>
+          </a:ln>
+        </p:spPr>
+        <p:style>
+          <a:lnRef idx="2">
+            <a:schemeClr val="accent1">
+              <a:shade val="50000"/>
+            </a:schemeClr>
+          </a:lnRef>
+          <a:fillRef idx="1">
+            <a:schemeClr val="accent1"/>
+          </a:fillRef>
+          <a:effectRef idx="0">
+            <a:schemeClr val="accent1"/>
+          </a:effectRef>
+          <a:fontRef idx="minor">
+            <a:schemeClr val="lt1"/>
+          </a:fontRef>
+        </p:style>
+        <p:txBody>
+          <a:bodyPr rtlCol="0" anchor="ctr"/>
+          <a:lstStyle/>
+          <a:p>
+            <a:pPr algn="ctr"/>
+            <a:endParaRPr kumimoji="1" lang="ja-JP" altLang="en-US"/>
+          </a:p>
+        </p:txBody>
+      </p:sp>
+      <p:cxnSp>
+        <p:nvCxnSpPr>
+          <p:cNvPr id="12" name="直線コネクタ 11">
+            <a:extLst>
+              <a:ext uri="{FF2B5EF4-FFF2-40B4-BE49-F238E27FC236}">
+                <a16:creationId xmlns:a16="http://schemas.microsoft.com/office/drawing/2014/main" id="{F3B665F8-DB29-4AD8-AA5A-D360124B5809}"/>
+              </a:ext>
+            </a:extLst>
+          </p:cNvPr>
+          <p:cNvCxnSpPr>
+            <a:cxnSpLocks/>
+            <a:endCxn id="11" idx="2"/>
+          </p:cNvCxnSpPr>
+          <p:nvPr/>
+        </p:nvCxnSpPr>
+        <p:spPr>
+          <a:xfrm>
+            <a:off x="2771800" y="5445224"/>
+            <a:ext cx="1086309" cy="0"/>
+          </a:xfrm>
+          <a:prstGeom prst="line">
+            <a:avLst/>
+          </a:prstGeom>
+          <a:ln w="57150">
+            <a:solidFill>
+              <a:schemeClr val="tx1"/>
+            </a:solidFill>
+            <a:headEnd type="none" w="med" len="med"/>
+            <a:tailEnd type="none" w="med" len="med"/>
+          </a:ln>
+        </p:spPr>
+        <p:style>
+          <a:lnRef idx="1">
+            <a:schemeClr val="accent1"/>
+          </a:lnRef>
+          <a:fillRef idx="0">
+            <a:schemeClr val="accent1"/>
+          </a:fillRef>
+          <a:effectRef idx="0">
+            <a:schemeClr val="accent1"/>
+          </a:effectRef>
+          <a:fontRef idx="minor">
+            <a:schemeClr val="tx1"/>
+          </a:fontRef>
+        </p:style>
+      </p:cxnSp>
+      <p:sp>
+        <p:nvSpPr>
+          <p:cNvPr id="14" name="テキスト ボックス 13">
+            <a:extLst>
+              <a:ext uri="{FF2B5EF4-FFF2-40B4-BE49-F238E27FC236}">
+                <a16:creationId xmlns:a16="http://schemas.microsoft.com/office/drawing/2014/main" id="{A0424241-79A4-4BD2-A88A-6B62B70A632C}"/>
+              </a:ext>
+            </a:extLst>
+          </p:cNvPr>
+          <p:cNvSpPr txBox="1"/>
+          <p:nvPr/>
+        </p:nvSpPr>
+        <p:spPr>
+          <a:xfrm>
+            <a:off x="611560" y="1988840"/>
+            <a:ext cx="6624736" cy="1077218"/>
+          </a:xfrm>
+          <a:prstGeom prst="rect">
+            <a:avLst/>
+          </a:prstGeom>
+          <a:noFill/>
+          <a:ln>
+            <a:solidFill>
+              <a:schemeClr val="tx1"/>
+            </a:solidFill>
+          </a:ln>
+        </p:spPr>
+        <p:txBody>
+          <a:bodyPr wrap="square">
+            <a:spAutoFit/>
+          </a:bodyPr>
+          <a:lstStyle/>
+          <a:p>
+            <a:r>
+              <a:rPr lang="en-US" altLang="ja-JP" sz="3200">
+                <a:latin typeface="Consolas" panose="020B0609020204030204" pitchFamily="49" charset="0"/>
+              </a:rPr>
+              <a:t>git add README.md</a:t>
+            </a:r>
+          </a:p>
+          <a:p>
+            <a:r>
+              <a:rPr lang="en-US" altLang="ja-JP" sz="3200">
+                <a:latin typeface="Consolas" panose="020B0609020204030204" pitchFamily="49" charset="0"/>
+              </a:rPr>
+              <a:t>git commit -m "</a:t>
+            </a:r>
+            <a:r>
+              <a:rPr lang="en-US" altLang="ja-JP" sz="3200">
+                <a:solidFill>
+                  <a:srgbClr val="FF0000"/>
+                </a:solidFill>
+                <a:latin typeface="Consolas" panose="020B0609020204030204" pitchFamily="49" charset="0"/>
+              </a:rPr>
+              <a:t>closes #1</a:t>
+            </a:r>
+            <a:r>
+              <a:rPr lang="en-US" altLang="ja-JP" sz="3200">
+                <a:latin typeface="Consolas" panose="020B0609020204030204" pitchFamily="49" charset="0"/>
+              </a:rPr>
+              <a:t>"</a:t>
+            </a:r>
+          </a:p>
+        </p:txBody>
+      </p:sp>
+      <p:sp>
+        <p:nvSpPr>
+          <p:cNvPr id="15" name="テキスト ボックス 14">
+            <a:extLst>
+              <a:ext uri="{FF2B5EF4-FFF2-40B4-BE49-F238E27FC236}">
+                <a16:creationId xmlns:a16="http://schemas.microsoft.com/office/drawing/2014/main" id="{6E0A2DB4-2211-4F3D-9943-472D051845C7}"/>
+              </a:ext>
+            </a:extLst>
+          </p:cNvPr>
+          <p:cNvSpPr txBox="1"/>
+          <p:nvPr/>
+        </p:nvSpPr>
+        <p:spPr>
+          <a:xfrm>
+            <a:off x="3419872" y="3212976"/>
+            <a:ext cx="4339650" cy="369332"/>
+          </a:xfrm>
+          <a:prstGeom prst="rect">
+            <a:avLst/>
+          </a:prstGeom>
+          <a:noFill/>
+        </p:spPr>
+        <p:txBody>
+          <a:bodyPr wrap="none" rtlCol="0">
+            <a:spAutoFit/>
+          </a:bodyPr>
+          <a:lstStyle/>
+          <a:p>
+            <a:r>
+              <a:rPr lang="ja-JP" altLang="en-US"/>
+              <a:t>コミットメッセージを間違えないこと！</a:t>
+            </a:r>
+            <a:endParaRPr kumimoji="1" lang="ja-JP" altLang="en-US"/>
+          </a:p>
+        </p:txBody>
+      </p:sp>
+    </p:spTree>
+    <p:extLst>
+      <p:ext uri="{BB962C8B-B14F-4D97-AF65-F5344CB8AC3E}">
+        <p14:creationId xmlns:p14="http://schemas.microsoft.com/office/powerpoint/2010/main" val="2902022255"/>
+      </p:ext>
+    </p:extLst>
+  </p:cSld>
+  <p:clrMapOvr>
+    <a:masterClrMapping/>
+  </p:clrMapOvr>
+</p:sld>
+</file>
+
+<file path=ppt/slides/slide39.xml><?xml version="1.0" encoding="utf-8"?>
+<p:sld xmlns:a="http://schemas.openxmlformats.org/drawingml/2006/main" xmlns:r="http://schemas.openxmlformats.org/officeDocument/2006/relationships" xmlns:p="http://schemas.openxmlformats.org/presentationml/2006/main">
+  <p:cSld>
+    <p:spTree>
+      <p:nvGrpSpPr>
+        <p:cNvPr id="1" name=""/>
+        <p:cNvGrpSpPr/>
+        <p:nvPr/>
+      </p:nvGrpSpPr>
+      <p:grpSpPr>
+        <a:xfrm>
+          <a:off x="0" y="0"/>
+          <a:ext cx="0" cy="0"/>
+          <a:chOff x="0" y="0"/>
+          <a:chExt cx="0" cy="0"/>
+        </a:xfrm>
+      </p:grpSpPr>
+      <p:sp>
+        <p:nvSpPr>
+          <p:cNvPr id="2" name="テキスト プレースホルダー 1">
+            <a:extLst>
+              <a:ext uri="{FF2B5EF4-FFF2-40B4-BE49-F238E27FC236}">
+                <a16:creationId xmlns:a16="http://schemas.microsoft.com/office/drawing/2014/main" id="{29B11FD1-05B5-484F-96AD-4C2DBD672C6B}"/>
+              </a:ext>
+            </a:extLst>
+          </p:cNvPr>
+          <p:cNvSpPr>
+            <a:spLocks noGrp="1"/>
+          </p:cNvSpPr>
+          <p:nvPr>
+            <p:ph type="body" sz="quarter" idx="10"/>
+          </p:nvPr>
+        </p:nvSpPr>
+        <p:spPr/>
+        <p:txBody>
+          <a:bodyPr/>
+          <a:lstStyle/>
+          <a:p>
+            <a:r>
+              <a:rPr lang="ja-JP" altLang="en-US"/>
+              <a:t>課題</a:t>
+            </a:r>
+            <a:r>
+              <a:rPr lang="en-US" altLang="ja-JP"/>
+              <a:t>3 - Step 3</a:t>
+            </a:r>
+            <a:endParaRPr kumimoji="1" lang="ja-JP" altLang="en-US"/>
+          </a:p>
+        </p:txBody>
+      </p:sp>
+      <p:sp>
+        <p:nvSpPr>
+          <p:cNvPr id="4" name="テキスト ボックス 3">
+            <a:extLst>
+              <a:ext uri="{FF2B5EF4-FFF2-40B4-BE49-F238E27FC236}">
+                <a16:creationId xmlns:a16="http://schemas.microsoft.com/office/drawing/2014/main" id="{5A53F32B-8C01-4D2F-A789-F57B020FAC26}"/>
+              </a:ext>
+            </a:extLst>
+          </p:cNvPr>
+          <p:cNvSpPr txBox="1"/>
+          <p:nvPr/>
+        </p:nvSpPr>
+        <p:spPr>
+          <a:xfrm>
+            <a:off x="323528" y="1844824"/>
+            <a:ext cx="5382344" cy="1077218"/>
+          </a:xfrm>
+          <a:prstGeom prst="rect">
+            <a:avLst/>
+          </a:prstGeom>
+          <a:noFill/>
+          <a:ln>
+            <a:solidFill>
+              <a:schemeClr val="tx1"/>
+            </a:solidFill>
+          </a:ln>
+        </p:spPr>
+        <p:txBody>
+          <a:bodyPr wrap="square">
+            <a:spAutoFit/>
+          </a:bodyPr>
+          <a:lstStyle/>
+          <a:p>
+            <a:r>
+              <a:rPr lang="en-US" altLang="ja-JP" sz="3200">
+                <a:latin typeface="Consolas" panose="020B0609020204030204" pitchFamily="49" charset="0"/>
+              </a:rPr>
+              <a:t>git switch main</a:t>
+            </a:r>
+          </a:p>
+          <a:p>
+            <a:r>
+              <a:rPr lang="en-US" altLang="ja-JP" sz="3200">
+                <a:latin typeface="Consolas" panose="020B0609020204030204" pitchFamily="49" charset="0"/>
+              </a:rPr>
+              <a:t>git merge feat/1/README</a:t>
+            </a:r>
+          </a:p>
+        </p:txBody>
+      </p:sp>
+      <p:sp>
+        <p:nvSpPr>
+          <p:cNvPr id="5" name="テキスト ボックス 4">
+            <a:extLst>
+              <a:ext uri="{FF2B5EF4-FFF2-40B4-BE49-F238E27FC236}">
+                <a16:creationId xmlns:a16="http://schemas.microsoft.com/office/drawing/2014/main" id="{408F7F80-20E7-456C-A5C5-82AA20B0FDF6}"/>
+              </a:ext>
+            </a:extLst>
+          </p:cNvPr>
+          <p:cNvSpPr txBox="1"/>
+          <p:nvPr/>
+        </p:nvSpPr>
+        <p:spPr>
+          <a:xfrm>
+            <a:off x="467544" y="1196752"/>
+            <a:ext cx="4801314" cy="461665"/>
+          </a:xfrm>
+          <a:prstGeom prst="rect">
+            <a:avLst/>
+          </a:prstGeom>
+          <a:noFill/>
+        </p:spPr>
+        <p:txBody>
+          <a:bodyPr wrap="none" rtlCol="0">
+            <a:spAutoFit/>
+          </a:bodyPr>
+          <a:lstStyle/>
+          <a:p>
+            <a:r>
+              <a:rPr lang="ja-JP" altLang="en-US" sz="2400"/>
+              <a:t>修正をメインブランチに取り込む</a:t>
+            </a:r>
+            <a:endParaRPr kumimoji="1" lang="ja-JP" altLang="en-US" sz="2400"/>
+          </a:p>
+        </p:txBody>
+      </p:sp>
+      <p:sp>
+        <p:nvSpPr>
+          <p:cNvPr id="6" name="楕円 5">
+            <a:extLst>
+              <a:ext uri="{FF2B5EF4-FFF2-40B4-BE49-F238E27FC236}">
+                <a16:creationId xmlns:a16="http://schemas.microsoft.com/office/drawing/2014/main" id="{C0B7F804-0959-4014-9FF0-49A476A8436E}"/>
+              </a:ext>
+            </a:extLst>
+          </p:cNvPr>
+          <p:cNvSpPr/>
+          <p:nvPr/>
+        </p:nvSpPr>
+        <p:spPr>
+          <a:xfrm>
+            <a:off x="899592" y="5229200"/>
+            <a:ext cx="432048" cy="432048"/>
+          </a:xfrm>
+          <a:prstGeom prst="ellipse">
+            <a:avLst/>
+          </a:prstGeom>
+          <a:solidFill>
+            <a:srgbClr val="011893"/>
+          </a:solidFill>
+          <a:ln>
+            <a:solidFill>
+              <a:schemeClr val="tx1"/>
+            </a:solidFill>
+          </a:ln>
+        </p:spPr>
+        <p:style>
+          <a:lnRef idx="2">
+            <a:schemeClr val="accent1">
+              <a:shade val="50000"/>
+            </a:schemeClr>
+          </a:lnRef>
+          <a:fillRef idx="1">
+            <a:schemeClr val="accent1"/>
+          </a:fillRef>
+          <a:effectRef idx="0">
+            <a:schemeClr val="accent1"/>
+          </a:effectRef>
+          <a:fontRef idx="minor">
+            <a:schemeClr val="lt1"/>
+          </a:fontRef>
+        </p:style>
+        <p:txBody>
+          <a:bodyPr rtlCol="0" anchor="ctr"/>
+          <a:lstStyle/>
+          <a:p>
+            <a:pPr algn="ctr"/>
+            <a:endParaRPr kumimoji="1" lang="ja-JP" altLang="en-US"/>
+          </a:p>
+        </p:txBody>
+      </p:sp>
+      <p:sp>
+        <p:nvSpPr>
+          <p:cNvPr id="7" name="楕円 4">
+            <a:extLst>
+              <a:ext uri="{FF2B5EF4-FFF2-40B4-BE49-F238E27FC236}">
+                <a16:creationId xmlns:a16="http://schemas.microsoft.com/office/drawing/2014/main" id="{EB38647E-F9C5-43F7-8BD5-DC16FF065CE4}"/>
+              </a:ext>
+            </a:extLst>
+          </p:cNvPr>
+          <p:cNvSpPr/>
+          <p:nvPr/>
+        </p:nvSpPr>
+        <p:spPr>
+          <a:xfrm>
+            <a:off x="2417949" y="5229200"/>
+            <a:ext cx="432048" cy="432048"/>
+          </a:xfrm>
+          <a:prstGeom prst="ellipse">
+            <a:avLst/>
+          </a:prstGeom>
+          <a:solidFill>
+            <a:srgbClr val="011893"/>
+          </a:solidFill>
+          <a:ln>
+            <a:solidFill>
+              <a:schemeClr val="tx1"/>
+            </a:solidFill>
+          </a:ln>
+        </p:spPr>
+        <p:style>
+          <a:lnRef idx="2">
+            <a:schemeClr val="accent1">
+              <a:shade val="50000"/>
+            </a:schemeClr>
+          </a:lnRef>
+          <a:fillRef idx="1">
+            <a:schemeClr val="accent1"/>
+          </a:fillRef>
+          <a:effectRef idx="0">
+            <a:schemeClr val="accent1"/>
+          </a:effectRef>
+          <a:fontRef idx="minor">
+            <a:schemeClr val="lt1"/>
+          </a:fontRef>
+        </p:style>
+        <p:txBody>
+          <a:bodyPr rtlCol="0" anchor="ctr"/>
+          <a:lstStyle/>
+          <a:p>
+            <a:pPr algn="ctr"/>
+            <a:endParaRPr kumimoji="1" lang="ja-JP" altLang="en-US"/>
+          </a:p>
+        </p:txBody>
+      </p:sp>
+      <p:cxnSp>
+        <p:nvCxnSpPr>
+          <p:cNvPr id="8" name="直線コネクタ 7">
+            <a:extLst>
+              <a:ext uri="{FF2B5EF4-FFF2-40B4-BE49-F238E27FC236}">
+                <a16:creationId xmlns:a16="http://schemas.microsoft.com/office/drawing/2014/main" id="{1A2B63B7-CE58-4D4C-83BB-AC3F71FB887C}"/>
+              </a:ext>
+            </a:extLst>
+          </p:cNvPr>
+          <p:cNvCxnSpPr>
+            <a:cxnSpLocks/>
+            <a:stCxn id="6" idx="6"/>
+            <a:endCxn id="7" idx="2"/>
+          </p:cNvCxnSpPr>
+          <p:nvPr/>
+        </p:nvCxnSpPr>
+        <p:spPr>
+          <a:xfrm>
+            <a:off x="1331640" y="5445224"/>
+            <a:ext cx="1086309" cy="0"/>
+          </a:xfrm>
+          <a:prstGeom prst="line">
+            <a:avLst/>
+          </a:prstGeom>
+          <a:ln w="57150">
+            <a:solidFill>
+              <a:schemeClr val="tx1"/>
+            </a:solidFill>
+            <a:headEnd type="none" w="med" len="med"/>
+            <a:tailEnd type="none" w="med" len="med"/>
+          </a:ln>
+        </p:spPr>
+        <p:style>
+          <a:lnRef idx="1">
+            <a:schemeClr val="accent1"/>
+          </a:lnRef>
+          <a:fillRef idx="0">
+            <a:schemeClr val="accent1"/>
+          </a:fillRef>
+          <a:effectRef idx="0">
+            <a:schemeClr val="accent1"/>
+          </a:effectRef>
+          <a:fontRef idx="minor">
+            <a:schemeClr val="tx1"/>
+          </a:fontRef>
+        </p:style>
+      </p:cxnSp>
+      <p:sp>
+        <p:nvSpPr>
+          <p:cNvPr id="9" name="四角形: 1 つの角を切り取り 1 つの角を丸める 8">
+            <a:extLst>
+              <a:ext uri="{FF2B5EF4-FFF2-40B4-BE49-F238E27FC236}">
+                <a16:creationId xmlns:a16="http://schemas.microsoft.com/office/drawing/2014/main" id="{1CF8F568-28BD-41B8-9928-459C26A98A62}"/>
+              </a:ext>
+            </a:extLst>
+          </p:cNvPr>
+          <p:cNvSpPr/>
+          <p:nvPr/>
+        </p:nvSpPr>
+        <p:spPr>
+          <a:xfrm>
+            <a:off x="3582938" y="4365104"/>
+            <a:ext cx="936104" cy="360040"/>
+          </a:xfrm>
+          <a:prstGeom prst="snipRoundRect">
+            <a:avLst>
+              <a:gd name="adj1" fmla="val 16667"/>
+              <a:gd name="adj2" fmla="val 35924"/>
+            </a:avLst>
+          </a:prstGeom>
+          <a:solidFill>
+            <a:schemeClr val="accent6">
+              <a:lumMod val="20000"/>
+              <a:lumOff val="80000"/>
+            </a:schemeClr>
+          </a:solidFill>
+          <a:ln>
+            <a:solidFill>
+              <a:schemeClr val="tx1"/>
+            </a:solidFill>
+          </a:ln>
+        </p:spPr>
+        <p:style>
+          <a:lnRef idx="2">
+            <a:schemeClr val="accent1">
+              <a:shade val="50000"/>
+            </a:schemeClr>
+          </a:lnRef>
+          <a:fillRef idx="1">
+            <a:schemeClr val="accent1"/>
+          </a:fillRef>
+          <a:effectRef idx="0">
+            <a:schemeClr val="accent1"/>
+          </a:effectRef>
+          <a:fontRef idx="minor">
+            <a:schemeClr val="lt1"/>
+          </a:fontRef>
+        </p:style>
+        <p:txBody>
+          <a:bodyPr rtlCol="0" anchor="ctr"/>
+          <a:lstStyle/>
+          <a:p>
+            <a:pPr algn="ctr"/>
+            <a:r>
+              <a:rPr lang="en-US" altLang="ja-JP">
+                <a:solidFill>
+                  <a:sysClr val="windowText" lastClr="000000"/>
+                </a:solidFill>
+                <a:latin typeface="Consolas" panose="020B0609020204030204" pitchFamily="49" charset="0"/>
+              </a:rPr>
+              <a:t>main</a:t>
+            </a:r>
+            <a:endParaRPr kumimoji="1" lang="ja-JP" altLang="en-US">
+              <a:solidFill>
+                <a:sysClr val="windowText" lastClr="000000"/>
+              </a:solidFill>
+              <a:latin typeface="Consolas" panose="020B0609020204030204" pitchFamily="49" charset="0"/>
+            </a:endParaRPr>
+          </a:p>
+        </p:txBody>
+      </p:sp>
+      <p:cxnSp>
+        <p:nvCxnSpPr>
+          <p:cNvPr id="10" name="直線矢印コネクタ 9">
+            <a:extLst>
+              <a:ext uri="{FF2B5EF4-FFF2-40B4-BE49-F238E27FC236}">
+                <a16:creationId xmlns:a16="http://schemas.microsoft.com/office/drawing/2014/main" id="{40EFA01E-621A-48EF-995E-4A58D649B3EE}"/>
+              </a:ext>
+            </a:extLst>
+          </p:cNvPr>
+          <p:cNvCxnSpPr>
+            <a:cxnSpLocks/>
+            <a:stCxn id="9" idx="1"/>
+          </p:cNvCxnSpPr>
+          <p:nvPr/>
+        </p:nvCxnSpPr>
+        <p:spPr>
+          <a:xfrm flipH="1">
+            <a:off x="4049750" y="4725144"/>
+            <a:ext cx="1240" cy="504056"/>
+          </a:xfrm>
+          <a:prstGeom prst="straightConnector1">
+            <a:avLst/>
+          </a:prstGeom>
+          <a:ln>
+            <a:solidFill>
+              <a:schemeClr val="tx1"/>
+            </a:solidFill>
+            <a:headEnd type="none" w="med" len="med"/>
+            <a:tailEnd type="triangle"/>
+          </a:ln>
+        </p:spPr>
+        <p:style>
+          <a:lnRef idx="1">
+            <a:schemeClr val="accent1"/>
+          </a:lnRef>
+          <a:fillRef idx="0">
+            <a:schemeClr val="accent1"/>
+          </a:fillRef>
+          <a:effectRef idx="0">
+            <a:schemeClr val="accent1"/>
+          </a:effectRef>
+          <a:fontRef idx="minor">
+            <a:schemeClr val="tx1"/>
+          </a:fontRef>
+        </p:style>
+      </p:cxnSp>
+      <p:sp>
+        <p:nvSpPr>
+          <p:cNvPr id="11" name="四角形: 1 つの角を切り取り 1 つの角を丸める 10">
+            <a:extLst>
+              <a:ext uri="{FF2B5EF4-FFF2-40B4-BE49-F238E27FC236}">
+                <a16:creationId xmlns:a16="http://schemas.microsoft.com/office/drawing/2014/main" id="{7E6F99E4-FB25-46E0-BBE6-26044D8E772C}"/>
+              </a:ext>
+            </a:extLst>
+          </p:cNvPr>
+          <p:cNvSpPr/>
+          <p:nvPr/>
+        </p:nvSpPr>
+        <p:spPr>
+          <a:xfrm>
+            <a:off x="2922005" y="6093296"/>
+            <a:ext cx="2304256" cy="360040"/>
+          </a:xfrm>
+          <a:prstGeom prst="snipRoundRect">
+            <a:avLst>
+              <a:gd name="adj1" fmla="val 16667"/>
+              <a:gd name="adj2" fmla="val 35924"/>
+            </a:avLst>
+          </a:prstGeom>
+          <a:solidFill>
+            <a:schemeClr val="accent6">
+              <a:lumMod val="20000"/>
+              <a:lumOff val="80000"/>
+            </a:schemeClr>
+          </a:solidFill>
+          <a:ln>
+            <a:solidFill>
+              <a:schemeClr val="tx1"/>
+            </a:solidFill>
+          </a:ln>
+        </p:spPr>
+        <p:style>
+          <a:lnRef idx="2">
+            <a:schemeClr val="accent1">
+              <a:shade val="50000"/>
+            </a:schemeClr>
+          </a:lnRef>
+          <a:fillRef idx="1">
+            <a:schemeClr val="accent1"/>
+          </a:fillRef>
+          <a:effectRef idx="0">
+            <a:schemeClr val="accent1"/>
+          </a:effectRef>
+          <a:fontRef idx="minor">
+            <a:schemeClr val="lt1"/>
+          </a:fontRef>
+        </p:style>
+        <p:txBody>
+          <a:bodyPr rtlCol="0" anchor="ctr"/>
+          <a:lstStyle/>
+          <a:p>
+            <a:pPr algn="ctr"/>
+            <a:r>
+              <a:rPr lang="en-US" altLang="ja-JP">
+                <a:solidFill>
+                  <a:sysClr val="windowText" lastClr="000000"/>
+                </a:solidFill>
+                <a:latin typeface="Consolas" panose="020B0609020204030204" pitchFamily="49" charset="0"/>
+              </a:rPr>
+              <a:t>feat/1/README</a:t>
+            </a:r>
+            <a:endParaRPr kumimoji="1" lang="ja-JP" altLang="en-US">
+              <a:solidFill>
+                <a:sysClr val="windowText" lastClr="000000"/>
+              </a:solidFill>
+              <a:latin typeface="Consolas" panose="020B0609020204030204" pitchFamily="49" charset="0"/>
+            </a:endParaRPr>
+          </a:p>
+        </p:txBody>
+      </p:sp>
+      <p:cxnSp>
+        <p:nvCxnSpPr>
+          <p:cNvPr id="12" name="直線矢印コネクタ 11">
+            <a:extLst>
+              <a:ext uri="{FF2B5EF4-FFF2-40B4-BE49-F238E27FC236}">
+                <a16:creationId xmlns:a16="http://schemas.microsoft.com/office/drawing/2014/main" id="{B328D2FF-4FAD-4DCE-8855-A5EADDB07FFF}"/>
+              </a:ext>
+            </a:extLst>
+          </p:cNvPr>
+          <p:cNvCxnSpPr>
+            <a:cxnSpLocks/>
+            <a:stCxn id="11" idx="3"/>
+          </p:cNvCxnSpPr>
+          <p:nvPr/>
+        </p:nvCxnSpPr>
+        <p:spPr>
+          <a:xfrm flipV="1">
+            <a:off x="4074133" y="5661248"/>
+            <a:ext cx="0" cy="432048"/>
+          </a:xfrm>
+          <a:prstGeom prst="straightConnector1">
+            <a:avLst/>
+          </a:prstGeom>
+          <a:ln>
+            <a:solidFill>
+              <a:schemeClr val="tx1"/>
+            </a:solidFill>
+            <a:headEnd type="none" w="med" len="med"/>
+            <a:tailEnd type="triangle"/>
+          </a:ln>
+        </p:spPr>
+        <p:style>
+          <a:lnRef idx="1">
+            <a:schemeClr val="accent1"/>
+          </a:lnRef>
+          <a:fillRef idx="0">
+            <a:schemeClr val="accent1"/>
+          </a:fillRef>
+          <a:effectRef idx="0">
+            <a:schemeClr val="accent1"/>
+          </a:effectRef>
+          <a:fontRef idx="minor">
+            <a:schemeClr val="tx1"/>
+          </a:fontRef>
+        </p:style>
+      </p:cxnSp>
+      <p:sp>
+        <p:nvSpPr>
+          <p:cNvPr id="13" name="楕円 4">
+            <a:extLst>
+              <a:ext uri="{FF2B5EF4-FFF2-40B4-BE49-F238E27FC236}">
+                <a16:creationId xmlns:a16="http://schemas.microsoft.com/office/drawing/2014/main" id="{4A19ED67-610D-4EAF-8FF0-93A9E8EF36F6}"/>
+              </a:ext>
+            </a:extLst>
+          </p:cNvPr>
+          <p:cNvSpPr/>
+          <p:nvPr/>
+        </p:nvSpPr>
+        <p:spPr>
+          <a:xfrm>
+            <a:off x="3858109" y="5229200"/>
+            <a:ext cx="432048" cy="432048"/>
+          </a:xfrm>
+          <a:prstGeom prst="ellipse">
+            <a:avLst/>
+          </a:prstGeom>
+          <a:solidFill>
+            <a:srgbClr val="FF0000"/>
+          </a:solidFill>
+          <a:ln>
+            <a:solidFill>
+              <a:schemeClr val="tx1"/>
+            </a:solidFill>
+          </a:ln>
+        </p:spPr>
+        <p:style>
+          <a:lnRef idx="2">
+            <a:schemeClr val="accent1">
+              <a:shade val="50000"/>
+            </a:schemeClr>
+          </a:lnRef>
+          <a:fillRef idx="1">
+            <a:schemeClr val="accent1"/>
+          </a:fillRef>
+          <a:effectRef idx="0">
+            <a:schemeClr val="accent1"/>
+          </a:effectRef>
+          <a:fontRef idx="minor">
+            <a:schemeClr val="lt1"/>
+          </a:fontRef>
+        </p:style>
+        <p:txBody>
+          <a:bodyPr rtlCol="0" anchor="ctr"/>
+          <a:lstStyle/>
+          <a:p>
+            <a:pPr algn="ctr"/>
+            <a:endParaRPr kumimoji="1" lang="ja-JP" altLang="en-US"/>
+          </a:p>
+        </p:txBody>
+      </p:sp>
+      <p:cxnSp>
+        <p:nvCxnSpPr>
+          <p:cNvPr id="14" name="直線コネクタ 13">
+            <a:extLst>
+              <a:ext uri="{FF2B5EF4-FFF2-40B4-BE49-F238E27FC236}">
+                <a16:creationId xmlns:a16="http://schemas.microsoft.com/office/drawing/2014/main" id="{B8FCBFBF-E079-4FBE-92A2-A194CC46D201}"/>
+              </a:ext>
+            </a:extLst>
+          </p:cNvPr>
+          <p:cNvCxnSpPr>
+            <a:cxnSpLocks/>
+            <a:endCxn id="13" idx="2"/>
+          </p:cNvCxnSpPr>
+          <p:nvPr/>
+        </p:nvCxnSpPr>
+        <p:spPr>
+          <a:xfrm>
+            <a:off x="2771800" y="5445224"/>
+            <a:ext cx="1086309" cy="0"/>
+          </a:xfrm>
+          <a:prstGeom prst="line">
+            <a:avLst/>
+          </a:prstGeom>
+          <a:ln w="57150">
+            <a:solidFill>
+              <a:schemeClr val="tx1"/>
+            </a:solidFill>
+            <a:headEnd type="none" w="med" len="med"/>
+            <a:tailEnd type="none" w="med" len="med"/>
+          </a:ln>
+        </p:spPr>
+        <p:style>
+          <a:lnRef idx="1">
+            <a:schemeClr val="accent1"/>
+          </a:lnRef>
+          <a:fillRef idx="0">
+            <a:schemeClr val="accent1"/>
+          </a:fillRef>
+          <a:effectRef idx="0">
+            <a:schemeClr val="accent1"/>
+          </a:effectRef>
+          <a:fontRef idx="minor">
+            <a:schemeClr val="tx1"/>
+          </a:fontRef>
+        </p:style>
+      </p:cxnSp>
+    </p:spTree>
+    <p:extLst>
+      <p:ext uri="{BB962C8B-B14F-4D97-AF65-F5344CB8AC3E}">
+        <p14:creationId xmlns:p14="http://schemas.microsoft.com/office/powerpoint/2010/main" val="997975759"/>
+      </p:ext>
+    </p:extLst>
+  </p:cSld>
+  <p:clrMapOvr>
+    <a:masterClrMapping/>
+  </p:clrMapOvr>
+</p:sld>
+</file>
+
 <file path=ppt/slides/slide4.xml><?xml version="1.0" encoding="utf-8"?>
 <p:sld xmlns:a="http://schemas.openxmlformats.org/drawingml/2006/main" xmlns:r="http://schemas.openxmlformats.org/officeDocument/2006/relationships" xmlns:p="http://schemas.openxmlformats.org/presentationml/2006/main">
   <p:cSld>
@@ -15800,6 +22269,1527 @@
     <p:extLst>
       <p:ext uri="{BB962C8B-B14F-4D97-AF65-F5344CB8AC3E}">
         <p14:creationId xmlns:p14="http://schemas.microsoft.com/office/powerpoint/2010/main" val="128894558"/>
+      </p:ext>
+    </p:extLst>
+  </p:cSld>
+  <p:clrMapOvr>
+    <a:masterClrMapping/>
+  </p:clrMapOvr>
+</p:sld>
+</file>
+
+<file path=ppt/slides/slide40.xml><?xml version="1.0" encoding="utf-8"?>
+<p:sld xmlns:a="http://schemas.openxmlformats.org/drawingml/2006/main" xmlns:r="http://schemas.openxmlformats.org/officeDocument/2006/relationships" xmlns:p="http://schemas.openxmlformats.org/presentationml/2006/main">
+  <p:cSld>
+    <p:spTree>
+      <p:nvGrpSpPr>
+        <p:cNvPr id="1" name=""/>
+        <p:cNvGrpSpPr/>
+        <p:nvPr/>
+      </p:nvGrpSpPr>
+      <p:grpSpPr>
+        <a:xfrm>
+          <a:off x="0" y="0"/>
+          <a:ext cx="0" cy="0"/>
+          <a:chOff x="0" y="0"/>
+          <a:chExt cx="0" cy="0"/>
+        </a:xfrm>
+      </p:grpSpPr>
+      <p:sp>
+        <p:nvSpPr>
+          <p:cNvPr id="2" name="テキスト プレースホルダー 1">
+            <a:extLst>
+              <a:ext uri="{FF2B5EF4-FFF2-40B4-BE49-F238E27FC236}">
+                <a16:creationId xmlns:a16="http://schemas.microsoft.com/office/drawing/2014/main" id="{F1E7E459-FB65-4E7A-9F63-0C027EEA76A7}"/>
+              </a:ext>
+            </a:extLst>
+          </p:cNvPr>
+          <p:cNvSpPr>
+            <a:spLocks noGrp="1"/>
+          </p:cNvSpPr>
+          <p:nvPr>
+            <p:ph type="body" sz="quarter" idx="10"/>
+          </p:nvPr>
+        </p:nvSpPr>
+        <p:spPr/>
+        <p:txBody>
+          <a:bodyPr/>
+          <a:lstStyle/>
+          <a:p>
+            <a:r>
+              <a:rPr lang="ja-JP" altLang="en-US"/>
+              <a:t>課題</a:t>
+            </a:r>
+            <a:r>
+              <a:rPr lang="en-US" altLang="ja-JP"/>
+              <a:t>3 - Step 4</a:t>
+            </a:r>
+            <a:endParaRPr kumimoji="1" lang="ja-JP" altLang="en-US"/>
+          </a:p>
+        </p:txBody>
+      </p:sp>
+      <p:sp>
+        <p:nvSpPr>
+          <p:cNvPr id="3" name="テキスト ボックス 2">
+            <a:extLst>
+              <a:ext uri="{FF2B5EF4-FFF2-40B4-BE49-F238E27FC236}">
+                <a16:creationId xmlns:a16="http://schemas.microsoft.com/office/drawing/2014/main" id="{49B396C0-672F-41F7-B341-5E18E3818ECC}"/>
+              </a:ext>
+            </a:extLst>
+          </p:cNvPr>
+          <p:cNvSpPr txBox="1"/>
+          <p:nvPr/>
+        </p:nvSpPr>
+        <p:spPr>
+          <a:xfrm>
+            <a:off x="539552" y="2060848"/>
+            <a:ext cx="5382344" cy="584775"/>
+          </a:xfrm>
+          <a:prstGeom prst="rect">
+            <a:avLst/>
+          </a:prstGeom>
+          <a:noFill/>
+          <a:ln>
+            <a:solidFill>
+              <a:schemeClr val="tx1"/>
+            </a:solidFill>
+          </a:ln>
+        </p:spPr>
+        <p:txBody>
+          <a:bodyPr wrap="square">
+            <a:spAutoFit/>
+          </a:bodyPr>
+          <a:lstStyle/>
+          <a:p>
+            <a:r>
+              <a:rPr lang="en-US" altLang="ja-JP" sz="3200">
+                <a:latin typeface="Consolas" panose="020B0609020204030204" pitchFamily="49" charset="0"/>
+              </a:rPr>
+              <a:t>git push</a:t>
+            </a:r>
+          </a:p>
+        </p:txBody>
+      </p:sp>
+      <p:sp>
+        <p:nvSpPr>
+          <p:cNvPr id="4" name="テキスト ボックス 3">
+            <a:extLst>
+              <a:ext uri="{FF2B5EF4-FFF2-40B4-BE49-F238E27FC236}">
+                <a16:creationId xmlns:a16="http://schemas.microsoft.com/office/drawing/2014/main" id="{C4F29544-41D1-44FE-B4D4-C7BF0068BA77}"/>
+              </a:ext>
+            </a:extLst>
+          </p:cNvPr>
+          <p:cNvSpPr txBox="1"/>
+          <p:nvPr/>
+        </p:nvSpPr>
+        <p:spPr>
+          <a:xfrm>
+            <a:off x="251520" y="1124744"/>
+            <a:ext cx="6909264" cy="584775"/>
+          </a:xfrm>
+          <a:prstGeom prst="rect">
+            <a:avLst/>
+          </a:prstGeom>
+          <a:noFill/>
+        </p:spPr>
+        <p:txBody>
+          <a:bodyPr wrap="none" rtlCol="0">
+            <a:spAutoFit/>
+          </a:bodyPr>
+          <a:lstStyle/>
+          <a:p>
+            <a:r>
+              <a:rPr kumimoji="1" lang="ja-JP" altLang="en-US" sz="3200"/>
+              <a:t>プッシュすると</a:t>
+            </a:r>
+            <a:r>
+              <a:rPr kumimoji="1" lang="en-US" altLang="ja-JP" sz="3200"/>
+              <a:t>Issue</a:t>
+            </a:r>
+            <a:r>
+              <a:rPr kumimoji="1" lang="ja-JP" altLang="en-US" sz="3200"/>
+              <a:t>が自動で閉じる</a:t>
+            </a:r>
+          </a:p>
+        </p:txBody>
+      </p:sp>
+      <p:pic>
+        <p:nvPicPr>
+          <p:cNvPr id="6" name="図 5">
+            <a:extLst>
+              <a:ext uri="{FF2B5EF4-FFF2-40B4-BE49-F238E27FC236}">
+                <a16:creationId xmlns:a16="http://schemas.microsoft.com/office/drawing/2014/main" id="{0F7BC07D-40A1-4089-AF3D-5B39FDEB9D2D}"/>
+              </a:ext>
+            </a:extLst>
+          </p:cNvPr>
+          <p:cNvPicPr>
+            <a:picLocks noChangeAspect="1"/>
+          </p:cNvPicPr>
+          <p:nvPr/>
+        </p:nvPicPr>
+        <p:blipFill>
+          <a:blip r:embed="rId2"/>
+          <a:stretch>
+            <a:fillRect/>
+          </a:stretch>
+        </p:blipFill>
+        <p:spPr>
+          <a:xfrm>
+            <a:off x="251520" y="2924944"/>
+            <a:ext cx="4966581" cy="3724935"/>
+          </a:xfrm>
+          <a:prstGeom prst="rect">
+            <a:avLst/>
+          </a:prstGeom>
+        </p:spPr>
+      </p:pic>
+      <p:sp>
+        <p:nvSpPr>
+          <p:cNvPr id="7" name="テキスト ボックス 6">
+            <a:extLst>
+              <a:ext uri="{FF2B5EF4-FFF2-40B4-BE49-F238E27FC236}">
+                <a16:creationId xmlns:a16="http://schemas.microsoft.com/office/drawing/2014/main" id="{291618FB-4FE5-4CA6-983C-B2C375768F55}"/>
+              </a:ext>
+            </a:extLst>
+          </p:cNvPr>
+          <p:cNvSpPr txBox="1"/>
+          <p:nvPr/>
+        </p:nvSpPr>
+        <p:spPr>
+          <a:xfrm>
+            <a:off x="5266015" y="3212976"/>
+            <a:ext cx="3877985" cy="646331"/>
+          </a:xfrm>
+          <a:prstGeom prst="rect">
+            <a:avLst/>
+          </a:prstGeom>
+          <a:noFill/>
+        </p:spPr>
+        <p:txBody>
+          <a:bodyPr wrap="none" rtlCol="0">
+            <a:spAutoFit/>
+          </a:bodyPr>
+          <a:lstStyle/>
+          <a:p>
+            <a:r>
+              <a:rPr kumimoji="1" lang="ja-JP" altLang="en-US"/>
+              <a:t>ブラウザでこの画面を表示したまま</a:t>
+            </a:r>
+            <a:endParaRPr kumimoji="1" lang="en-US" altLang="ja-JP"/>
+          </a:p>
+          <a:p>
+            <a:r>
+              <a:rPr lang="en-US" altLang="ja-JP"/>
+              <a:t>git push</a:t>
+            </a:r>
+            <a:r>
+              <a:rPr lang="ja-JP" altLang="en-US"/>
+              <a:t>すると・・・？</a:t>
+            </a:r>
+            <a:endParaRPr kumimoji="1" lang="ja-JP" altLang="en-US"/>
+          </a:p>
+        </p:txBody>
+      </p:sp>
+    </p:spTree>
+    <p:extLst>
+      <p:ext uri="{BB962C8B-B14F-4D97-AF65-F5344CB8AC3E}">
+        <p14:creationId xmlns:p14="http://schemas.microsoft.com/office/powerpoint/2010/main" val="3648331048"/>
+      </p:ext>
+    </p:extLst>
+  </p:cSld>
+  <p:clrMapOvr>
+    <a:masterClrMapping/>
+  </p:clrMapOvr>
+</p:sld>
+</file>
+
+<file path=ppt/slides/slide41.xml><?xml version="1.0" encoding="utf-8"?>
+<p:sld xmlns:a="http://schemas.openxmlformats.org/drawingml/2006/main" xmlns:r="http://schemas.openxmlformats.org/officeDocument/2006/relationships" xmlns:p="http://schemas.openxmlformats.org/presentationml/2006/main">
+  <p:cSld>
+    <p:spTree>
+      <p:nvGrpSpPr>
+        <p:cNvPr id="1" name=""/>
+        <p:cNvGrpSpPr/>
+        <p:nvPr/>
+      </p:nvGrpSpPr>
+      <p:grpSpPr>
+        <a:xfrm>
+          <a:off x="0" y="0"/>
+          <a:ext cx="0" cy="0"/>
+          <a:chOff x="0" y="0"/>
+          <a:chExt cx="0" cy="0"/>
+        </a:xfrm>
+      </p:grpSpPr>
+      <p:sp>
+        <p:nvSpPr>
+          <p:cNvPr id="2" name="テキスト プレースホルダー 1">
+            <a:extLst>
+              <a:ext uri="{FF2B5EF4-FFF2-40B4-BE49-F238E27FC236}">
+                <a16:creationId xmlns:a16="http://schemas.microsoft.com/office/drawing/2014/main" id="{1384309A-20FC-4B08-8B53-258F6317613A}"/>
+              </a:ext>
+            </a:extLst>
+          </p:cNvPr>
+          <p:cNvSpPr>
+            <a:spLocks noGrp="1"/>
+          </p:cNvSpPr>
+          <p:nvPr>
+            <p:ph type="body" sz="quarter" idx="10"/>
+          </p:nvPr>
+        </p:nvSpPr>
+        <p:spPr/>
+        <p:txBody>
+          <a:bodyPr/>
+          <a:lstStyle/>
+          <a:p>
+            <a:r>
+              <a:rPr lang="ja-JP" altLang="en-US"/>
+              <a:t>課題</a:t>
+            </a:r>
+            <a:r>
+              <a:rPr lang="en-US" altLang="ja-JP"/>
+              <a:t>3 - </a:t>
+            </a:r>
+            <a:r>
+              <a:rPr lang="ja-JP" altLang="en-US"/>
+              <a:t>レポート課題</a:t>
+            </a:r>
+            <a:endParaRPr kumimoji="1" lang="ja-JP" altLang="en-US"/>
+          </a:p>
+        </p:txBody>
+      </p:sp>
+      <p:pic>
+        <p:nvPicPr>
+          <p:cNvPr id="6" name="図 5">
+            <a:extLst>
+              <a:ext uri="{FF2B5EF4-FFF2-40B4-BE49-F238E27FC236}">
+                <a16:creationId xmlns:a16="http://schemas.microsoft.com/office/drawing/2014/main" id="{08844E84-4F50-43B6-8733-A6059496D597}"/>
+              </a:ext>
+            </a:extLst>
+          </p:cNvPr>
+          <p:cNvPicPr>
+            <a:picLocks noChangeAspect="1"/>
+          </p:cNvPicPr>
+          <p:nvPr/>
+        </p:nvPicPr>
+        <p:blipFill>
+          <a:blip r:embed="rId2"/>
+          <a:stretch>
+            <a:fillRect/>
+          </a:stretch>
+        </p:blipFill>
+        <p:spPr>
+          <a:xfrm>
+            <a:off x="611560" y="1628800"/>
+            <a:ext cx="7452320" cy="4626106"/>
+          </a:xfrm>
+          <a:prstGeom prst="rect">
+            <a:avLst/>
+          </a:prstGeom>
+        </p:spPr>
+      </p:pic>
+      <p:sp>
+        <p:nvSpPr>
+          <p:cNvPr id="7" name="四角形: 角を丸くする 6">
+            <a:extLst>
+              <a:ext uri="{FF2B5EF4-FFF2-40B4-BE49-F238E27FC236}">
+                <a16:creationId xmlns:a16="http://schemas.microsoft.com/office/drawing/2014/main" id="{7DA74770-964D-4DAC-925C-287830F05123}"/>
+              </a:ext>
+            </a:extLst>
+          </p:cNvPr>
+          <p:cNvSpPr/>
+          <p:nvPr/>
+        </p:nvSpPr>
+        <p:spPr>
+          <a:xfrm>
+            <a:off x="611560" y="3212976"/>
+            <a:ext cx="1080120" cy="504056"/>
+          </a:xfrm>
+          <a:prstGeom prst="roundRect">
+            <a:avLst/>
+          </a:prstGeom>
+          <a:noFill/>
+          <a:ln w="38100">
+            <a:solidFill>
+              <a:srgbClr val="FF0000"/>
+            </a:solidFill>
+          </a:ln>
+        </p:spPr>
+        <p:style>
+          <a:lnRef idx="2">
+            <a:schemeClr val="accent1">
+              <a:shade val="50000"/>
+            </a:schemeClr>
+          </a:lnRef>
+          <a:fillRef idx="1">
+            <a:schemeClr val="accent1"/>
+          </a:fillRef>
+          <a:effectRef idx="0">
+            <a:schemeClr val="accent1"/>
+          </a:effectRef>
+          <a:fontRef idx="minor">
+            <a:schemeClr val="lt1"/>
+          </a:fontRef>
+        </p:style>
+        <p:txBody>
+          <a:bodyPr rtlCol="0" anchor="ctr"/>
+          <a:lstStyle/>
+          <a:p>
+            <a:pPr algn="ctr"/>
+            <a:endParaRPr kumimoji="1" lang="ja-JP" altLang="en-US"/>
+          </a:p>
+        </p:txBody>
+      </p:sp>
+      <p:sp>
+        <p:nvSpPr>
+          <p:cNvPr id="8" name="テキスト ボックス 7">
+            <a:extLst>
+              <a:ext uri="{FF2B5EF4-FFF2-40B4-BE49-F238E27FC236}">
+                <a16:creationId xmlns:a16="http://schemas.microsoft.com/office/drawing/2014/main" id="{4C038D0D-44AE-49E1-A979-19328B57B1CD}"/>
+              </a:ext>
+            </a:extLst>
+          </p:cNvPr>
+          <p:cNvSpPr txBox="1"/>
+          <p:nvPr/>
+        </p:nvSpPr>
+        <p:spPr>
+          <a:xfrm>
+            <a:off x="539552" y="1052736"/>
+            <a:ext cx="6763390" cy="369332"/>
+          </a:xfrm>
+          <a:prstGeom prst="rect">
+            <a:avLst/>
+          </a:prstGeom>
+          <a:noFill/>
+        </p:spPr>
+        <p:txBody>
+          <a:bodyPr wrap="none" rtlCol="0">
+            <a:spAutoFit/>
+          </a:bodyPr>
+          <a:lstStyle/>
+          <a:p>
+            <a:r>
+              <a:rPr kumimoji="1" lang="en-US" altLang="ja-JP"/>
+              <a:t>push</a:t>
+            </a:r>
+            <a:r>
+              <a:rPr kumimoji="1" lang="ja-JP" altLang="en-US"/>
+              <a:t>により</a:t>
+            </a:r>
+            <a:r>
+              <a:rPr kumimoji="1" lang="en-US" altLang="ja-JP"/>
+              <a:t>issue</a:t>
+            </a:r>
+            <a:r>
+              <a:rPr kumimoji="1" lang="ja-JP" altLang="en-US"/>
+              <a:t>が閉じられた画面のスクリーンショットを提出</a:t>
+            </a:r>
+          </a:p>
+        </p:txBody>
+      </p:sp>
+      <p:cxnSp>
+        <p:nvCxnSpPr>
+          <p:cNvPr id="10" name="コネクタ: カギ線 9">
+            <a:extLst>
+              <a:ext uri="{FF2B5EF4-FFF2-40B4-BE49-F238E27FC236}">
+                <a16:creationId xmlns:a16="http://schemas.microsoft.com/office/drawing/2014/main" id="{BD2FE8A3-27E9-4F03-A71D-0422CD1C9367}"/>
+              </a:ext>
+            </a:extLst>
+          </p:cNvPr>
+          <p:cNvCxnSpPr>
+            <a:stCxn id="8" idx="1"/>
+            <a:endCxn id="7" idx="1"/>
+          </p:cNvCxnSpPr>
+          <p:nvPr/>
+        </p:nvCxnSpPr>
+        <p:spPr>
+          <a:xfrm rot="10800000" flipH="1" flipV="1">
+            <a:off x="539552" y="1237402"/>
+            <a:ext cx="72008" cy="2227602"/>
+          </a:xfrm>
+          <a:prstGeom prst="bentConnector3">
+            <a:avLst>
+              <a:gd name="adj1" fmla="val -317465"/>
+            </a:avLst>
+          </a:prstGeom>
+          <a:ln>
+            <a:solidFill>
+              <a:schemeClr val="tx1"/>
+            </a:solidFill>
+            <a:headEnd type="none" w="med" len="med"/>
+            <a:tailEnd type="triangle"/>
+          </a:ln>
+        </p:spPr>
+        <p:style>
+          <a:lnRef idx="1">
+            <a:schemeClr val="accent1"/>
+          </a:lnRef>
+          <a:fillRef idx="0">
+            <a:schemeClr val="accent1"/>
+          </a:fillRef>
+          <a:effectRef idx="0">
+            <a:schemeClr val="accent1"/>
+          </a:effectRef>
+          <a:fontRef idx="minor">
+            <a:schemeClr val="tx1"/>
+          </a:fontRef>
+        </p:style>
+      </p:cxnSp>
+    </p:spTree>
+    <p:extLst>
+      <p:ext uri="{BB962C8B-B14F-4D97-AF65-F5344CB8AC3E}">
+        <p14:creationId xmlns:p14="http://schemas.microsoft.com/office/powerpoint/2010/main" val="353584171"/>
+      </p:ext>
+    </p:extLst>
+  </p:cSld>
+  <p:clrMapOvr>
+    <a:masterClrMapping/>
+  </p:clrMapOvr>
+</p:sld>
+</file>
+
+<file path=ppt/slides/slide42.xml><?xml version="1.0" encoding="utf-8"?>
+<p:sld xmlns:a="http://schemas.openxmlformats.org/drawingml/2006/main" xmlns:r="http://schemas.openxmlformats.org/officeDocument/2006/relationships" xmlns:p="http://schemas.openxmlformats.org/presentationml/2006/main">
+  <p:cSld>
+    <p:spTree>
+      <p:nvGrpSpPr>
+        <p:cNvPr id="1" name=""/>
+        <p:cNvGrpSpPr/>
+        <p:nvPr/>
+      </p:nvGrpSpPr>
+      <p:grpSpPr>
+        <a:xfrm>
+          <a:off x="0" y="0"/>
+          <a:ext cx="0" cy="0"/>
+          <a:chOff x="0" y="0"/>
+          <a:chExt cx="0" cy="0"/>
+        </a:xfrm>
+      </p:grpSpPr>
+      <p:sp>
+        <p:nvSpPr>
+          <p:cNvPr id="2" name="テキスト プレースホルダー 1">
+            <a:extLst>
+              <a:ext uri="{FF2B5EF4-FFF2-40B4-BE49-F238E27FC236}">
+                <a16:creationId xmlns:a16="http://schemas.microsoft.com/office/drawing/2014/main" id="{52ED3B0B-2282-47D1-BB85-4C3AA7B2D885}"/>
+              </a:ext>
+            </a:extLst>
+          </p:cNvPr>
+          <p:cNvSpPr>
+            <a:spLocks noGrp="1"/>
+          </p:cNvSpPr>
+          <p:nvPr>
+            <p:ph type="body" sz="quarter" idx="10"/>
+          </p:nvPr>
+        </p:nvSpPr>
+        <p:spPr/>
+        <p:txBody>
+          <a:bodyPr/>
+          <a:lstStyle/>
+          <a:p>
+            <a:r>
+              <a:rPr lang="ja-JP" altLang="en-US"/>
+              <a:t>課題</a:t>
+            </a:r>
+            <a:r>
+              <a:rPr lang="en-US" altLang="ja-JP"/>
+              <a:t>4 - Project</a:t>
+            </a:r>
+            <a:r>
+              <a:rPr lang="ja-JP" altLang="en-US"/>
+              <a:t>の利用</a:t>
+            </a:r>
+            <a:endParaRPr kumimoji="1" lang="ja-JP" altLang="en-US"/>
+          </a:p>
+        </p:txBody>
+      </p:sp>
+      <p:sp>
+        <p:nvSpPr>
+          <p:cNvPr id="3" name="テキスト ボックス 2">
+            <a:extLst>
+              <a:ext uri="{FF2B5EF4-FFF2-40B4-BE49-F238E27FC236}">
+                <a16:creationId xmlns:a16="http://schemas.microsoft.com/office/drawing/2014/main" id="{155C07E5-1C35-45E4-BCB1-FA81F73AA20F}"/>
+              </a:ext>
+            </a:extLst>
+          </p:cNvPr>
+          <p:cNvSpPr txBox="1"/>
+          <p:nvPr/>
+        </p:nvSpPr>
+        <p:spPr>
+          <a:xfrm>
+            <a:off x="3275856" y="1124744"/>
+            <a:ext cx="2646878" cy="584775"/>
+          </a:xfrm>
+          <a:prstGeom prst="rect">
+            <a:avLst/>
+          </a:prstGeom>
+          <a:noFill/>
+        </p:spPr>
+        <p:txBody>
+          <a:bodyPr wrap="none" rtlCol="0">
+            <a:spAutoFit/>
+          </a:bodyPr>
+          <a:lstStyle/>
+          <a:p>
+            <a:r>
+              <a:rPr lang="ja-JP" altLang="en-US" sz="3200"/>
+              <a:t>カンバン方式</a:t>
+            </a:r>
+            <a:endParaRPr kumimoji="1" lang="ja-JP" altLang="en-US" sz="3200"/>
+          </a:p>
+        </p:txBody>
+      </p:sp>
+      <p:sp>
+        <p:nvSpPr>
+          <p:cNvPr id="4" name="テキスト ボックス 3">
+            <a:extLst>
+              <a:ext uri="{FF2B5EF4-FFF2-40B4-BE49-F238E27FC236}">
+                <a16:creationId xmlns:a16="http://schemas.microsoft.com/office/drawing/2014/main" id="{4B7D1D49-087E-4A23-A5F6-86F9AC860D97}"/>
+              </a:ext>
+            </a:extLst>
+          </p:cNvPr>
+          <p:cNvSpPr txBox="1"/>
+          <p:nvPr/>
+        </p:nvSpPr>
+        <p:spPr>
+          <a:xfrm>
+            <a:off x="2051720" y="6237312"/>
+            <a:ext cx="5827236" cy="400110"/>
+          </a:xfrm>
+          <a:prstGeom prst="rect">
+            <a:avLst/>
+          </a:prstGeom>
+          <a:noFill/>
+        </p:spPr>
+        <p:txBody>
+          <a:bodyPr wrap="none" rtlCol="0">
+            <a:spAutoFit/>
+          </a:bodyPr>
+          <a:lstStyle/>
+          <a:p>
+            <a:r>
+              <a:rPr lang="en-US" altLang="ja-JP" sz="2000"/>
+              <a:t>※</a:t>
+            </a:r>
+            <a:r>
+              <a:rPr lang="ja-JP" altLang="en-US" sz="2000"/>
+              <a:t>オリジナルの「カンバン」はかなり違うらしい</a:t>
+            </a:r>
+            <a:endParaRPr kumimoji="1" lang="ja-JP" altLang="en-US" sz="2000"/>
+          </a:p>
+        </p:txBody>
+      </p:sp>
+      <p:pic>
+        <p:nvPicPr>
+          <p:cNvPr id="2050" name="Picture 2" descr="コルクボードのイラスト">
+            <a:extLst>
+              <a:ext uri="{FF2B5EF4-FFF2-40B4-BE49-F238E27FC236}">
+                <a16:creationId xmlns:a16="http://schemas.microsoft.com/office/drawing/2014/main" id="{DCFAA47C-F008-4FDA-9F48-83077D200DD4}"/>
+              </a:ext>
+            </a:extLst>
+          </p:cNvPr>
+          <p:cNvPicPr>
+            <a:picLocks noChangeAspect="1" noChangeArrowheads="1"/>
+          </p:cNvPicPr>
+          <p:nvPr/>
+        </p:nvPicPr>
+        <p:blipFill>
+          <a:blip r:embed="rId2">
+            <a:extLst>
+              <a:ext uri="{28A0092B-C50C-407E-A947-70E740481C1C}">
+                <a14:useLocalDpi xmlns:a14="http://schemas.microsoft.com/office/drawing/2010/main" val="0"/>
+              </a:ext>
+            </a:extLst>
+          </a:blip>
+          <a:srcRect/>
+          <a:stretch>
+            <a:fillRect/>
+          </a:stretch>
+        </p:blipFill>
+        <p:spPr bwMode="auto">
+          <a:xfrm>
+            <a:off x="251520" y="2564904"/>
+            <a:ext cx="2760239" cy="2097782"/>
+          </a:xfrm>
+          <a:prstGeom prst="rect">
+            <a:avLst/>
+          </a:prstGeom>
+          <a:noFill/>
+          <a:extLst>
+            <a:ext uri="{909E8E84-426E-40DD-AFC4-6F175D3DCCD1}">
+              <a14:hiddenFill xmlns:a14="http://schemas.microsoft.com/office/drawing/2010/main">
+                <a:solidFill>
+                  <a:srgbClr val="FFFFFF"/>
+                </a:solidFill>
+              </a14:hiddenFill>
+            </a:ext>
+          </a:extLst>
+        </p:spPr>
+      </p:pic>
+      <p:pic>
+        <p:nvPicPr>
+          <p:cNvPr id="6" name="Picture 2" descr="コルクボードのイラスト">
+            <a:extLst>
+              <a:ext uri="{FF2B5EF4-FFF2-40B4-BE49-F238E27FC236}">
+                <a16:creationId xmlns:a16="http://schemas.microsoft.com/office/drawing/2014/main" id="{3B090697-420C-425F-B32A-10D406494669}"/>
+              </a:ext>
+            </a:extLst>
+          </p:cNvPr>
+          <p:cNvPicPr>
+            <a:picLocks noChangeAspect="1" noChangeArrowheads="1"/>
+          </p:cNvPicPr>
+          <p:nvPr/>
+        </p:nvPicPr>
+        <p:blipFill>
+          <a:blip r:embed="rId2">
+            <a:extLst>
+              <a:ext uri="{28A0092B-C50C-407E-A947-70E740481C1C}">
+                <a14:useLocalDpi xmlns:a14="http://schemas.microsoft.com/office/drawing/2010/main" val="0"/>
+              </a:ext>
+            </a:extLst>
+          </a:blip>
+          <a:srcRect/>
+          <a:stretch>
+            <a:fillRect/>
+          </a:stretch>
+        </p:blipFill>
+        <p:spPr bwMode="auto">
+          <a:xfrm>
+            <a:off x="3203848" y="2564904"/>
+            <a:ext cx="2760239" cy="2097782"/>
+          </a:xfrm>
+          <a:prstGeom prst="rect">
+            <a:avLst/>
+          </a:prstGeom>
+          <a:noFill/>
+          <a:extLst>
+            <a:ext uri="{909E8E84-426E-40DD-AFC4-6F175D3DCCD1}">
+              <a14:hiddenFill xmlns:a14="http://schemas.microsoft.com/office/drawing/2010/main">
+                <a:solidFill>
+                  <a:srgbClr val="FFFFFF"/>
+                </a:solidFill>
+              </a14:hiddenFill>
+            </a:ext>
+          </a:extLst>
+        </p:spPr>
+      </p:pic>
+      <p:pic>
+        <p:nvPicPr>
+          <p:cNvPr id="7" name="Picture 2" descr="コルクボードのイラスト">
+            <a:extLst>
+              <a:ext uri="{FF2B5EF4-FFF2-40B4-BE49-F238E27FC236}">
+                <a16:creationId xmlns:a16="http://schemas.microsoft.com/office/drawing/2014/main" id="{4330D651-AD9F-4420-ADDF-A7564E096129}"/>
+              </a:ext>
+            </a:extLst>
+          </p:cNvPr>
+          <p:cNvPicPr>
+            <a:picLocks noChangeAspect="1" noChangeArrowheads="1"/>
+          </p:cNvPicPr>
+          <p:nvPr/>
+        </p:nvPicPr>
+        <p:blipFill>
+          <a:blip r:embed="rId2">
+            <a:extLst>
+              <a:ext uri="{28A0092B-C50C-407E-A947-70E740481C1C}">
+                <a14:useLocalDpi xmlns:a14="http://schemas.microsoft.com/office/drawing/2010/main" val="0"/>
+              </a:ext>
+            </a:extLst>
+          </a:blip>
+          <a:srcRect/>
+          <a:stretch>
+            <a:fillRect/>
+          </a:stretch>
+        </p:blipFill>
+        <p:spPr bwMode="auto">
+          <a:xfrm>
+            <a:off x="6156176" y="2564904"/>
+            <a:ext cx="2760239" cy="2097782"/>
+          </a:xfrm>
+          <a:prstGeom prst="rect">
+            <a:avLst/>
+          </a:prstGeom>
+          <a:noFill/>
+          <a:extLst>
+            <a:ext uri="{909E8E84-426E-40DD-AFC4-6F175D3DCCD1}">
+              <a14:hiddenFill xmlns:a14="http://schemas.microsoft.com/office/drawing/2010/main">
+                <a:solidFill>
+                  <a:srgbClr val="FFFFFF"/>
+                </a:solidFill>
+              </a14:hiddenFill>
+            </a:ext>
+          </a:extLst>
+        </p:spPr>
+      </p:pic>
+      <p:sp>
+        <p:nvSpPr>
+          <p:cNvPr id="5" name="テキスト ボックス 4">
+            <a:extLst>
+              <a:ext uri="{FF2B5EF4-FFF2-40B4-BE49-F238E27FC236}">
+                <a16:creationId xmlns:a16="http://schemas.microsoft.com/office/drawing/2014/main" id="{3D0B4F58-8420-48BC-BAF2-E00E6DD6D301}"/>
+              </a:ext>
+            </a:extLst>
+          </p:cNvPr>
+          <p:cNvSpPr txBox="1"/>
+          <p:nvPr/>
+        </p:nvSpPr>
+        <p:spPr>
+          <a:xfrm>
+            <a:off x="467544" y="1772816"/>
+            <a:ext cx="2236510" cy="830997"/>
+          </a:xfrm>
+          <a:prstGeom prst="rect">
+            <a:avLst/>
+          </a:prstGeom>
+          <a:noFill/>
+        </p:spPr>
+        <p:txBody>
+          <a:bodyPr wrap="none" rtlCol="0">
+            <a:spAutoFit/>
+          </a:bodyPr>
+          <a:lstStyle/>
+          <a:p>
+            <a:r>
+              <a:rPr kumimoji="1" lang="en-US" altLang="ja-JP" sz="2400"/>
+              <a:t>Todo</a:t>
+            </a:r>
+          </a:p>
+          <a:p>
+            <a:r>
+              <a:rPr kumimoji="1" lang="en-US" altLang="ja-JP" sz="2400"/>
+              <a:t>(</a:t>
+            </a:r>
+            <a:r>
+              <a:rPr kumimoji="1" lang="ja-JP" altLang="en-US" sz="2400"/>
+              <a:t>やるべきこと</a:t>
+            </a:r>
+            <a:r>
+              <a:rPr kumimoji="1" lang="en-US" altLang="ja-JP" sz="2400"/>
+              <a:t>)</a:t>
+            </a:r>
+            <a:endParaRPr kumimoji="1" lang="ja-JP" altLang="en-US" sz="2400"/>
+          </a:p>
+        </p:txBody>
+      </p:sp>
+      <p:sp>
+        <p:nvSpPr>
+          <p:cNvPr id="9" name="テキスト ボックス 8">
+            <a:extLst>
+              <a:ext uri="{FF2B5EF4-FFF2-40B4-BE49-F238E27FC236}">
+                <a16:creationId xmlns:a16="http://schemas.microsoft.com/office/drawing/2014/main" id="{6343AC2C-1D01-48FE-9B7D-6B037C9F10A0}"/>
+              </a:ext>
+            </a:extLst>
+          </p:cNvPr>
+          <p:cNvSpPr txBox="1"/>
+          <p:nvPr/>
+        </p:nvSpPr>
+        <p:spPr>
+          <a:xfrm>
+            <a:off x="3343602" y="1772816"/>
+            <a:ext cx="1758815" cy="830997"/>
+          </a:xfrm>
+          <a:prstGeom prst="rect">
+            <a:avLst/>
+          </a:prstGeom>
+          <a:noFill/>
+        </p:spPr>
+        <p:txBody>
+          <a:bodyPr wrap="none" rtlCol="0">
+            <a:spAutoFit/>
+          </a:bodyPr>
+          <a:lstStyle/>
+          <a:p>
+            <a:r>
+              <a:rPr kumimoji="1" lang="en-US" altLang="ja-JP" sz="2400"/>
+              <a:t>In Progress</a:t>
+            </a:r>
+          </a:p>
+          <a:p>
+            <a:r>
+              <a:rPr kumimoji="1" lang="en-US" altLang="ja-JP" sz="2400"/>
+              <a:t>(</a:t>
+            </a:r>
+            <a:r>
+              <a:rPr kumimoji="1" lang="ja-JP" altLang="en-US" sz="2400"/>
+              <a:t>作業中</a:t>
+            </a:r>
+            <a:r>
+              <a:rPr kumimoji="1" lang="en-US" altLang="ja-JP" sz="2400"/>
+              <a:t>)</a:t>
+            </a:r>
+            <a:endParaRPr kumimoji="1" lang="ja-JP" altLang="en-US" sz="2400"/>
+          </a:p>
+        </p:txBody>
+      </p:sp>
+      <p:sp>
+        <p:nvSpPr>
+          <p:cNvPr id="10" name="テキスト ボックス 9">
+            <a:extLst>
+              <a:ext uri="{FF2B5EF4-FFF2-40B4-BE49-F238E27FC236}">
+                <a16:creationId xmlns:a16="http://schemas.microsoft.com/office/drawing/2014/main" id="{2C999488-C5B8-4127-ADE2-138B6EEF6FBD}"/>
+              </a:ext>
+            </a:extLst>
+          </p:cNvPr>
+          <p:cNvSpPr txBox="1"/>
+          <p:nvPr/>
+        </p:nvSpPr>
+        <p:spPr>
+          <a:xfrm>
+            <a:off x="6300192" y="1772816"/>
+            <a:ext cx="2236510" cy="830997"/>
+          </a:xfrm>
+          <a:prstGeom prst="rect">
+            <a:avLst/>
+          </a:prstGeom>
+          <a:noFill/>
+        </p:spPr>
+        <p:txBody>
+          <a:bodyPr wrap="none" rtlCol="0">
+            <a:spAutoFit/>
+          </a:bodyPr>
+          <a:lstStyle/>
+          <a:p>
+            <a:r>
+              <a:rPr kumimoji="1" lang="en-US" altLang="ja-JP" sz="2400"/>
+              <a:t>Done</a:t>
+            </a:r>
+          </a:p>
+          <a:p>
+            <a:r>
+              <a:rPr kumimoji="1" lang="en-US" altLang="ja-JP" sz="2400"/>
+              <a:t>(</a:t>
+            </a:r>
+            <a:r>
+              <a:rPr kumimoji="1" lang="ja-JP" altLang="en-US" sz="2400"/>
+              <a:t>終わったもの</a:t>
+            </a:r>
+            <a:r>
+              <a:rPr kumimoji="1" lang="en-US" altLang="ja-JP" sz="2400"/>
+              <a:t>)</a:t>
+            </a:r>
+            <a:endParaRPr kumimoji="1" lang="ja-JP" altLang="en-US" sz="2400"/>
+          </a:p>
+        </p:txBody>
+      </p:sp>
+      <p:pic>
+        <p:nvPicPr>
+          <p:cNvPr id="11" name="Picture 2" descr="四角い付箋のイラスト「淡黄色」">
+            <a:extLst>
+              <a:ext uri="{FF2B5EF4-FFF2-40B4-BE49-F238E27FC236}">
+                <a16:creationId xmlns:a16="http://schemas.microsoft.com/office/drawing/2014/main" id="{1C85332C-44C2-4164-9665-5C528D5F859B}"/>
+              </a:ext>
+            </a:extLst>
+          </p:cNvPr>
+          <p:cNvPicPr>
+            <a:picLocks noChangeAspect="1" noChangeArrowheads="1"/>
+          </p:cNvPicPr>
+          <p:nvPr/>
+        </p:nvPicPr>
+        <p:blipFill>
+          <a:blip r:embed="rId3">
+            <a:extLst>
+              <a:ext uri="{28A0092B-C50C-407E-A947-70E740481C1C}">
+                <a14:useLocalDpi xmlns:a14="http://schemas.microsoft.com/office/drawing/2010/main" val="0"/>
+              </a:ext>
+            </a:extLst>
+          </a:blip>
+          <a:srcRect/>
+          <a:stretch>
+            <a:fillRect/>
+          </a:stretch>
+        </p:blipFill>
+        <p:spPr bwMode="auto">
+          <a:xfrm>
+            <a:off x="467544" y="2780928"/>
+            <a:ext cx="800089" cy="720080"/>
+          </a:xfrm>
+          <a:prstGeom prst="rect">
+            <a:avLst/>
+          </a:prstGeom>
+          <a:noFill/>
+          <a:extLst>
+            <a:ext uri="{909E8E84-426E-40DD-AFC4-6F175D3DCCD1}">
+              <a14:hiddenFill xmlns:a14="http://schemas.microsoft.com/office/drawing/2010/main">
+                <a:solidFill>
+                  <a:srgbClr val="FFFFFF"/>
+                </a:solidFill>
+              </a14:hiddenFill>
+            </a:ext>
+          </a:extLst>
+        </p:spPr>
+      </p:pic>
+      <p:pic>
+        <p:nvPicPr>
+          <p:cNvPr id="12" name="Picture 2" descr="四角い付箋のイラスト「淡黄色」">
+            <a:extLst>
+              <a:ext uri="{FF2B5EF4-FFF2-40B4-BE49-F238E27FC236}">
+                <a16:creationId xmlns:a16="http://schemas.microsoft.com/office/drawing/2014/main" id="{C3997DA0-375F-41A2-9BD1-B6A67119AB18}"/>
+              </a:ext>
+            </a:extLst>
+          </p:cNvPr>
+          <p:cNvPicPr>
+            <a:picLocks noChangeAspect="1" noChangeArrowheads="1"/>
+          </p:cNvPicPr>
+          <p:nvPr/>
+        </p:nvPicPr>
+        <p:blipFill>
+          <a:blip r:embed="rId3">
+            <a:extLst>
+              <a:ext uri="{28A0092B-C50C-407E-A947-70E740481C1C}">
+                <a14:useLocalDpi xmlns:a14="http://schemas.microsoft.com/office/drawing/2010/main" val="0"/>
+              </a:ext>
+            </a:extLst>
+          </a:blip>
+          <a:srcRect/>
+          <a:stretch>
+            <a:fillRect/>
+          </a:stretch>
+        </p:blipFill>
+        <p:spPr bwMode="auto">
+          <a:xfrm>
+            <a:off x="1403648" y="3068960"/>
+            <a:ext cx="800089" cy="720080"/>
+          </a:xfrm>
+          <a:prstGeom prst="rect">
+            <a:avLst/>
+          </a:prstGeom>
+          <a:noFill/>
+          <a:extLst>
+            <a:ext uri="{909E8E84-426E-40DD-AFC4-6F175D3DCCD1}">
+              <a14:hiddenFill xmlns:a14="http://schemas.microsoft.com/office/drawing/2010/main">
+                <a:solidFill>
+                  <a:srgbClr val="FFFFFF"/>
+                </a:solidFill>
+              </a14:hiddenFill>
+            </a:ext>
+          </a:extLst>
+        </p:spPr>
+      </p:pic>
+      <p:pic>
+        <p:nvPicPr>
+          <p:cNvPr id="13" name="Picture 2" descr="四角い付箋のイラスト「淡黄色」">
+            <a:extLst>
+              <a:ext uri="{FF2B5EF4-FFF2-40B4-BE49-F238E27FC236}">
+                <a16:creationId xmlns:a16="http://schemas.microsoft.com/office/drawing/2014/main" id="{E3F4F27E-7CC3-4B1E-9528-6CEF6213CFBD}"/>
+              </a:ext>
+            </a:extLst>
+          </p:cNvPr>
+          <p:cNvPicPr>
+            <a:picLocks noChangeAspect="1" noChangeArrowheads="1"/>
+          </p:cNvPicPr>
+          <p:nvPr/>
+        </p:nvPicPr>
+        <p:blipFill>
+          <a:blip r:embed="rId3">
+            <a:extLst>
+              <a:ext uri="{28A0092B-C50C-407E-A947-70E740481C1C}">
+                <a14:useLocalDpi xmlns:a14="http://schemas.microsoft.com/office/drawing/2010/main" val="0"/>
+              </a:ext>
+            </a:extLst>
+          </a:blip>
+          <a:srcRect/>
+          <a:stretch>
+            <a:fillRect/>
+          </a:stretch>
+        </p:blipFill>
+        <p:spPr bwMode="auto">
+          <a:xfrm>
+            <a:off x="3563888" y="2780928"/>
+            <a:ext cx="800089" cy="720080"/>
+          </a:xfrm>
+          <a:prstGeom prst="rect">
+            <a:avLst/>
+          </a:prstGeom>
+          <a:noFill/>
+          <a:extLst>
+            <a:ext uri="{909E8E84-426E-40DD-AFC4-6F175D3DCCD1}">
+              <a14:hiddenFill xmlns:a14="http://schemas.microsoft.com/office/drawing/2010/main">
+                <a:solidFill>
+                  <a:srgbClr val="FFFFFF"/>
+                </a:solidFill>
+              </a14:hiddenFill>
+            </a:ext>
+          </a:extLst>
+        </p:spPr>
+      </p:pic>
+      <p:pic>
+        <p:nvPicPr>
+          <p:cNvPr id="14" name="Picture 2" descr="四角い付箋のイラスト「淡黄色」">
+            <a:extLst>
+              <a:ext uri="{FF2B5EF4-FFF2-40B4-BE49-F238E27FC236}">
+                <a16:creationId xmlns:a16="http://schemas.microsoft.com/office/drawing/2014/main" id="{8C7374B6-6DA6-4C1D-951F-D8C57A9F1DCB}"/>
+              </a:ext>
+            </a:extLst>
+          </p:cNvPr>
+          <p:cNvPicPr>
+            <a:picLocks noChangeAspect="1" noChangeArrowheads="1"/>
+          </p:cNvPicPr>
+          <p:nvPr/>
+        </p:nvPicPr>
+        <p:blipFill>
+          <a:blip r:embed="rId3">
+            <a:extLst>
+              <a:ext uri="{28A0092B-C50C-407E-A947-70E740481C1C}">
+                <a14:useLocalDpi xmlns:a14="http://schemas.microsoft.com/office/drawing/2010/main" val="0"/>
+              </a:ext>
+            </a:extLst>
+          </a:blip>
+          <a:srcRect/>
+          <a:stretch>
+            <a:fillRect/>
+          </a:stretch>
+        </p:blipFill>
+        <p:spPr bwMode="auto">
+          <a:xfrm>
+            <a:off x="6804248" y="3068960"/>
+            <a:ext cx="800089" cy="720080"/>
+          </a:xfrm>
+          <a:prstGeom prst="rect">
+            <a:avLst/>
+          </a:prstGeom>
+          <a:noFill/>
+          <a:extLst>
+            <a:ext uri="{909E8E84-426E-40DD-AFC4-6F175D3DCCD1}">
+              <a14:hiddenFill xmlns:a14="http://schemas.microsoft.com/office/drawing/2010/main">
+                <a:solidFill>
+                  <a:srgbClr val="FFFFFF"/>
+                </a:solidFill>
+              </a14:hiddenFill>
+            </a:ext>
+          </a:extLst>
+        </p:spPr>
+      </p:pic>
+      <p:pic>
+        <p:nvPicPr>
+          <p:cNvPr id="15" name="Picture 2" descr="四角い付箋のイラスト「淡黄色」">
+            <a:extLst>
+              <a:ext uri="{FF2B5EF4-FFF2-40B4-BE49-F238E27FC236}">
+                <a16:creationId xmlns:a16="http://schemas.microsoft.com/office/drawing/2014/main" id="{21F6565F-9BD9-4D37-AE7C-7797FC7A2A01}"/>
+              </a:ext>
+            </a:extLst>
+          </p:cNvPr>
+          <p:cNvPicPr>
+            <a:picLocks noChangeAspect="1" noChangeArrowheads="1"/>
+          </p:cNvPicPr>
+          <p:nvPr/>
+        </p:nvPicPr>
+        <p:blipFill>
+          <a:blip r:embed="rId3">
+            <a:extLst>
+              <a:ext uri="{28A0092B-C50C-407E-A947-70E740481C1C}">
+                <a14:useLocalDpi xmlns:a14="http://schemas.microsoft.com/office/drawing/2010/main" val="0"/>
+              </a:ext>
+            </a:extLst>
+          </a:blip>
+          <a:srcRect/>
+          <a:stretch>
+            <a:fillRect/>
+          </a:stretch>
+        </p:blipFill>
+        <p:spPr bwMode="auto">
+          <a:xfrm>
+            <a:off x="4572000" y="3501008"/>
+            <a:ext cx="800089" cy="720080"/>
+          </a:xfrm>
+          <a:prstGeom prst="rect">
+            <a:avLst/>
+          </a:prstGeom>
+          <a:noFill/>
+          <a:extLst>
+            <a:ext uri="{909E8E84-426E-40DD-AFC4-6F175D3DCCD1}">
+              <a14:hiddenFill xmlns:a14="http://schemas.microsoft.com/office/drawing/2010/main">
+                <a:solidFill>
+                  <a:srgbClr val="FFFFFF"/>
+                </a:solidFill>
+              </a14:hiddenFill>
+            </a:ext>
+          </a:extLst>
+        </p:spPr>
+      </p:pic>
+      <p:sp>
+        <p:nvSpPr>
+          <p:cNvPr id="8" name="矢印: 右 7">
+            <a:extLst>
+              <a:ext uri="{FF2B5EF4-FFF2-40B4-BE49-F238E27FC236}">
+                <a16:creationId xmlns:a16="http://schemas.microsoft.com/office/drawing/2014/main" id="{954CC3B6-B407-49EC-942E-6BEA1F0C2DA2}"/>
+              </a:ext>
+            </a:extLst>
+          </p:cNvPr>
+          <p:cNvSpPr/>
+          <p:nvPr/>
+        </p:nvSpPr>
+        <p:spPr>
+          <a:xfrm>
+            <a:off x="2483768" y="3068960"/>
+            <a:ext cx="1224136" cy="288032"/>
+          </a:xfrm>
+          <a:prstGeom prst="rightArrow">
+            <a:avLst/>
+          </a:prstGeom>
+          <a:solidFill>
+            <a:srgbClr val="FF0000"/>
+          </a:solidFill>
+          <a:ln>
+            <a:solidFill>
+              <a:schemeClr val="tx1"/>
+            </a:solidFill>
+          </a:ln>
+        </p:spPr>
+        <p:style>
+          <a:lnRef idx="2">
+            <a:schemeClr val="accent1">
+              <a:shade val="50000"/>
+            </a:schemeClr>
+          </a:lnRef>
+          <a:fillRef idx="1">
+            <a:schemeClr val="accent1"/>
+          </a:fillRef>
+          <a:effectRef idx="0">
+            <a:schemeClr val="accent1"/>
+          </a:effectRef>
+          <a:fontRef idx="minor">
+            <a:schemeClr val="lt1"/>
+          </a:fontRef>
+        </p:style>
+        <p:txBody>
+          <a:bodyPr rtlCol="0" anchor="ctr"/>
+          <a:lstStyle/>
+          <a:p>
+            <a:pPr algn="ctr"/>
+            <a:endParaRPr kumimoji="1" lang="ja-JP" altLang="en-US"/>
+          </a:p>
+        </p:txBody>
+      </p:sp>
+      <p:sp>
+        <p:nvSpPr>
+          <p:cNvPr id="17" name="矢印: 右 16">
+            <a:extLst>
+              <a:ext uri="{FF2B5EF4-FFF2-40B4-BE49-F238E27FC236}">
+                <a16:creationId xmlns:a16="http://schemas.microsoft.com/office/drawing/2014/main" id="{F71400A1-29ED-4DCE-B354-EFECD553F94C}"/>
+              </a:ext>
+            </a:extLst>
+          </p:cNvPr>
+          <p:cNvSpPr/>
+          <p:nvPr/>
+        </p:nvSpPr>
+        <p:spPr>
+          <a:xfrm>
+            <a:off x="5580112" y="3284984"/>
+            <a:ext cx="1224136" cy="288032"/>
+          </a:xfrm>
+          <a:prstGeom prst="rightArrow">
+            <a:avLst/>
+          </a:prstGeom>
+          <a:solidFill>
+            <a:srgbClr val="FF0000"/>
+          </a:solidFill>
+          <a:ln>
+            <a:solidFill>
+              <a:schemeClr val="tx1"/>
+            </a:solidFill>
+          </a:ln>
+        </p:spPr>
+        <p:style>
+          <a:lnRef idx="2">
+            <a:schemeClr val="accent1">
+              <a:shade val="50000"/>
+            </a:schemeClr>
+          </a:lnRef>
+          <a:fillRef idx="1">
+            <a:schemeClr val="accent1"/>
+          </a:fillRef>
+          <a:effectRef idx="0">
+            <a:schemeClr val="accent1"/>
+          </a:effectRef>
+          <a:fontRef idx="minor">
+            <a:schemeClr val="lt1"/>
+          </a:fontRef>
+        </p:style>
+        <p:txBody>
+          <a:bodyPr rtlCol="0" anchor="ctr"/>
+          <a:lstStyle/>
+          <a:p>
+            <a:pPr algn="ctr"/>
+            <a:endParaRPr kumimoji="1" lang="ja-JP" altLang="en-US"/>
+          </a:p>
+        </p:txBody>
+      </p:sp>
+      <p:sp>
+        <p:nvSpPr>
+          <p:cNvPr id="16" name="テキスト ボックス 15">
+            <a:extLst>
+              <a:ext uri="{FF2B5EF4-FFF2-40B4-BE49-F238E27FC236}">
+                <a16:creationId xmlns:a16="http://schemas.microsoft.com/office/drawing/2014/main" id="{76BDF64F-66DB-46A1-A900-5296A0269FFB}"/>
+              </a:ext>
+            </a:extLst>
+          </p:cNvPr>
+          <p:cNvSpPr txBox="1"/>
+          <p:nvPr/>
+        </p:nvSpPr>
+        <p:spPr>
+          <a:xfrm>
+            <a:off x="323528" y="4941168"/>
+            <a:ext cx="8550739" cy="584775"/>
+          </a:xfrm>
+          <a:prstGeom prst="rect">
+            <a:avLst/>
+          </a:prstGeom>
+          <a:noFill/>
+        </p:spPr>
+        <p:txBody>
+          <a:bodyPr wrap="none" rtlCol="0">
+            <a:spAutoFit/>
+          </a:bodyPr>
+          <a:lstStyle/>
+          <a:p>
+            <a:r>
+              <a:rPr kumimoji="1" lang="en-US" altLang="ja-JP" sz="3200"/>
+              <a:t>Issue</a:t>
+            </a:r>
+            <a:r>
+              <a:rPr kumimoji="1" lang="ja-JP" altLang="en-US" sz="3200"/>
+              <a:t>がいまどんな状態にあるかを可視化する</a:t>
+            </a:r>
+          </a:p>
+        </p:txBody>
+      </p:sp>
+    </p:spTree>
+    <p:extLst>
+      <p:ext uri="{BB962C8B-B14F-4D97-AF65-F5344CB8AC3E}">
+        <p14:creationId xmlns:p14="http://schemas.microsoft.com/office/powerpoint/2010/main" val="4161045219"/>
+      </p:ext>
+    </p:extLst>
+  </p:cSld>
+  <p:clrMapOvr>
+    <a:masterClrMapping/>
+  </p:clrMapOvr>
+</p:sld>
+</file>
+
+<file path=ppt/slides/slide43.xml><?xml version="1.0" encoding="utf-8"?>
+<p:sld xmlns:a="http://schemas.openxmlformats.org/drawingml/2006/main" xmlns:r="http://schemas.openxmlformats.org/officeDocument/2006/relationships" xmlns:p="http://schemas.openxmlformats.org/presentationml/2006/main">
+  <p:cSld>
+    <p:spTree>
+      <p:nvGrpSpPr>
+        <p:cNvPr id="1" name=""/>
+        <p:cNvGrpSpPr/>
+        <p:nvPr/>
+      </p:nvGrpSpPr>
+      <p:grpSpPr>
+        <a:xfrm>
+          <a:off x="0" y="0"/>
+          <a:ext cx="0" cy="0"/>
+          <a:chOff x="0" y="0"/>
+          <a:chExt cx="0" cy="0"/>
+        </a:xfrm>
+      </p:grpSpPr>
+      <p:sp>
+        <p:nvSpPr>
+          <p:cNvPr id="2" name="テキスト プレースホルダー 1">
+            <a:extLst>
+              <a:ext uri="{FF2B5EF4-FFF2-40B4-BE49-F238E27FC236}">
+                <a16:creationId xmlns:a16="http://schemas.microsoft.com/office/drawing/2014/main" id="{9BC26781-C308-4608-9D76-5E22BF03044D}"/>
+              </a:ext>
+            </a:extLst>
+          </p:cNvPr>
+          <p:cNvSpPr>
+            <a:spLocks noGrp="1"/>
+          </p:cNvSpPr>
+          <p:nvPr>
+            <p:ph type="body" sz="quarter" idx="10"/>
+          </p:nvPr>
+        </p:nvSpPr>
+        <p:spPr/>
+        <p:txBody>
+          <a:bodyPr/>
+          <a:lstStyle/>
+          <a:p>
+            <a:r>
+              <a:rPr lang="ja-JP" altLang="en-US"/>
+              <a:t>課題</a:t>
+            </a:r>
+            <a:r>
+              <a:rPr lang="en-US" altLang="ja-JP"/>
+              <a:t>4 - Step 1</a:t>
+            </a:r>
+            <a:endParaRPr kumimoji="1" lang="ja-JP" altLang="en-US"/>
+          </a:p>
+        </p:txBody>
+      </p:sp>
+      <p:pic>
+        <p:nvPicPr>
+          <p:cNvPr id="4" name="図 3">
+            <a:extLst>
+              <a:ext uri="{FF2B5EF4-FFF2-40B4-BE49-F238E27FC236}">
+                <a16:creationId xmlns:a16="http://schemas.microsoft.com/office/drawing/2014/main" id="{D80D9C16-D0DE-4AA8-80A5-A8B3FA4FBC15}"/>
+              </a:ext>
+            </a:extLst>
+          </p:cNvPr>
+          <p:cNvPicPr>
+            <a:picLocks noChangeAspect="1"/>
+          </p:cNvPicPr>
+          <p:nvPr/>
+        </p:nvPicPr>
+        <p:blipFill>
+          <a:blip r:embed="rId2"/>
+          <a:stretch>
+            <a:fillRect/>
+          </a:stretch>
+        </p:blipFill>
+        <p:spPr>
+          <a:xfrm>
+            <a:off x="0" y="1988840"/>
+            <a:ext cx="9144000" cy="3727576"/>
+          </a:xfrm>
+          <a:prstGeom prst="rect">
+            <a:avLst/>
+          </a:prstGeom>
+        </p:spPr>
+      </p:pic>
+      <p:sp>
+        <p:nvSpPr>
+          <p:cNvPr id="5" name="テキスト ボックス 4">
+            <a:extLst>
+              <a:ext uri="{FF2B5EF4-FFF2-40B4-BE49-F238E27FC236}">
+                <a16:creationId xmlns:a16="http://schemas.microsoft.com/office/drawing/2014/main" id="{A8EC0848-155C-4B93-A3D0-7FF5CB92A732}"/>
+              </a:ext>
+            </a:extLst>
+          </p:cNvPr>
+          <p:cNvSpPr txBox="1"/>
+          <p:nvPr/>
+        </p:nvSpPr>
+        <p:spPr>
+          <a:xfrm>
+            <a:off x="251520" y="980728"/>
+            <a:ext cx="2380780" cy="523220"/>
+          </a:xfrm>
+          <a:prstGeom prst="rect">
+            <a:avLst/>
+          </a:prstGeom>
+          <a:noFill/>
+        </p:spPr>
+        <p:txBody>
+          <a:bodyPr wrap="none" rtlCol="0">
+            <a:spAutoFit/>
+          </a:bodyPr>
+          <a:lstStyle/>
+          <a:p>
+            <a:r>
+              <a:rPr kumimoji="1" lang="en-US" altLang="ja-JP" sz="2800"/>
+              <a:t>Project</a:t>
+            </a:r>
+            <a:r>
+              <a:rPr kumimoji="1" lang="ja-JP" altLang="en-US" sz="2800"/>
+              <a:t>の作成</a:t>
+            </a:r>
+          </a:p>
+        </p:txBody>
+      </p:sp>
+      <p:sp>
+        <p:nvSpPr>
+          <p:cNvPr id="6" name="四角形: 角を丸くする 5">
+            <a:extLst>
+              <a:ext uri="{FF2B5EF4-FFF2-40B4-BE49-F238E27FC236}">
+                <a16:creationId xmlns:a16="http://schemas.microsoft.com/office/drawing/2014/main" id="{699038FA-5359-42C5-BB6E-71C7478BEE84}"/>
+              </a:ext>
+            </a:extLst>
+          </p:cNvPr>
+          <p:cNvSpPr/>
+          <p:nvPr/>
+        </p:nvSpPr>
+        <p:spPr>
+          <a:xfrm>
+            <a:off x="3419872" y="2492896"/>
+            <a:ext cx="936104" cy="360040"/>
+          </a:xfrm>
+          <a:prstGeom prst="roundRect">
+            <a:avLst/>
+          </a:prstGeom>
+          <a:noFill/>
+          <a:ln w="38100">
+            <a:solidFill>
+              <a:srgbClr val="FF0000"/>
+            </a:solidFill>
+          </a:ln>
+        </p:spPr>
+        <p:style>
+          <a:lnRef idx="2">
+            <a:schemeClr val="accent1">
+              <a:shade val="50000"/>
+            </a:schemeClr>
+          </a:lnRef>
+          <a:fillRef idx="1">
+            <a:schemeClr val="accent1"/>
+          </a:fillRef>
+          <a:effectRef idx="0">
+            <a:schemeClr val="accent1"/>
+          </a:effectRef>
+          <a:fontRef idx="minor">
+            <a:schemeClr val="lt1"/>
+          </a:fontRef>
+        </p:style>
+        <p:txBody>
+          <a:bodyPr rtlCol="0" anchor="ctr"/>
+          <a:lstStyle/>
+          <a:p>
+            <a:pPr algn="ctr"/>
+            <a:endParaRPr kumimoji="1" lang="ja-JP" altLang="en-US"/>
+          </a:p>
+        </p:txBody>
+      </p:sp>
+      <p:sp>
+        <p:nvSpPr>
+          <p:cNvPr id="7" name="四角形: 角を丸くする 6">
+            <a:extLst>
+              <a:ext uri="{FF2B5EF4-FFF2-40B4-BE49-F238E27FC236}">
+                <a16:creationId xmlns:a16="http://schemas.microsoft.com/office/drawing/2014/main" id="{4A21D1B1-8FA0-4D85-8F67-BFEC7ADC547F}"/>
+              </a:ext>
+            </a:extLst>
+          </p:cNvPr>
+          <p:cNvSpPr/>
+          <p:nvPr/>
+        </p:nvSpPr>
+        <p:spPr>
+          <a:xfrm>
+            <a:off x="7884368" y="3284984"/>
+            <a:ext cx="1259632" cy="432048"/>
+          </a:xfrm>
+          <a:prstGeom prst="roundRect">
+            <a:avLst/>
+          </a:prstGeom>
+          <a:noFill/>
+          <a:ln w="38100">
+            <a:solidFill>
+              <a:srgbClr val="FF0000"/>
+            </a:solidFill>
+          </a:ln>
+        </p:spPr>
+        <p:style>
+          <a:lnRef idx="2">
+            <a:schemeClr val="accent1">
+              <a:shade val="50000"/>
+            </a:schemeClr>
+          </a:lnRef>
+          <a:fillRef idx="1">
+            <a:schemeClr val="accent1"/>
+          </a:fillRef>
+          <a:effectRef idx="0">
+            <a:schemeClr val="accent1"/>
+          </a:effectRef>
+          <a:fontRef idx="minor">
+            <a:schemeClr val="lt1"/>
+          </a:fontRef>
+        </p:style>
+        <p:txBody>
+          <a:bodyPr rtlCol="0" anchor="ctr"/>
+          <a:lstStyle/>
+          <a:p>
+            <a:pPr algn="ctr"/>
+            <a:endParaRPr kumimoji="1" lang="ja-JP" altLang="en-US"/>
+          </a:p>
+        </p:txBody>
+      </p:sp>
+    </p:spTree>
+    <p:extLst>
+      <p:ext uri="{BB962C8B-B14F-4D97-AF65-F5344CB8AC3E}">
+        <p14:creationId xmlns:p14="http://schemas.microsoft.com/office/powerpoint/2010/main" val="2576788640"/>
       </p:ext>
     </p:extLst>
   </p:cSld>

--- a/practice_github/fig/github_ex03.pptx
+++ b/practice_github/fig/github_ex03.pptx
@@ -5,7 +5,7 @@
     <p:sldMasterId id="2147483663" r:id="rId1"/>
   </p:sldMasterIdLst>
   <p:notesMasterIdLst>
-    <p:notesMasterId r:id="rId45"/>
+    <p:notesMasterId r:id="rId53"/>
   </p:notesMasterIdLst>
   <p:sldIdLst>
     <p:sldId id="256" r:id="rId2"/>
@@ -51,6 +51,14 @@
     <p:sldId id="393" r:id="rId42"/>
     <p:sldId id="394" r:id="rId43"/>
     <p:sldId id="395" r:id="rId44"/>
+    <p:sldId id="396" r:id="rId45"/>
+    <p:sldId id="397" r:id="rId46"/>
+    <p:sldId id="398" r:id="rId47"/>
+    <p:sldId id="399" r:id="rId48"/>
+    <p:sldId id="400" r:id="rId49"/>
+    <p:sldId id="401" r:id="rId50"/>
+    <p:sldId id="402" r:id="rId51"/>
+    <p:sldId id="403" r:id="rId52"/>
   </p:sldIdLst>
   <p:sldSz cx="9144000" cy="6858000" type="screen4x3"/>
   <p:notesSz cx="6858000" cy="9144000"/>
@@ -773,7 +781,7 @@
             <a:pPr algn="ctr"/>
             <a:r>
               <a:rPr kumimoji="1" lang="en-US" altLang="ja-JP" sz="1400"/>
-              <a:t>29</a:t>
+              <a:t>51</a:t>
             </a:r>
             <a:endParaRPr kumimoji="1" lang="ja-JP" altLang="en-US" sz="1400" dirty="0"/>
           </a:p>
@@ -23799,6 +23807,1968 @@
 </p:sld>
 </file>
 
+<file path=ppt/slides/slide44.xml><?xml version="1.0" encoding="utf-8"?>
+<p:sld xmlns:a="http://schemas.openxmlformats.org/drawingml/2006/main" xmlns:r="http://schemas.openxmlformats.org/officeDocument/2006/relationships" xmlns:p="http://schemas.openxmlformats.org/presentationml/2006/main">
+  <p:cSld>
+    <p:spTree>
+      <p:nvGrpSpPr>
+        <p:cNvPr id="1" name=""/>
+        <p:cNvGrpSpPr/>
+        <p:nvPr/>
+      </p:nvGrpSpPr>
+      <p:grpSpPr>
+        <a:xfrm>
+          <a:off x="0" y="0"/>
+          <a:ext cx="0" cy="0"/>
+          <a:chOff x="0" y="0"/>
+          <a:chExt cx="0" cy="0"/>
+        </a:xfrm>
+      </p:grpSpPr>
+      <p:sp>
+        <p:nvSpPr>
+          <p:cNvPr id="2" name="テキスト プレースホルダー 1">
+            <a:extLst>
+              <a:ext uri="{FF2B5EF4-FFF2-40B4-BE49-F238E27FC236}">
+                <a16:creationId xmlns:a16="http://schemas.microsoft.com/office/drawing/2014/main" id="{0D4701DB-10EF-442D-A36C-3BCF3D5B3756}"/>
+              </a:ext>
+            </a:extLst>
+          </p:cNvPr>
+          <p:cNvSpPr>
+            <a:spLocks noGrp="1"/>
+          </p:cNvSpPr>
+          <p:nvPr>
+            <p:ph type="body" sz="quarter" idx="10"/>
+          </p:nvPr>
+        </p:nvSpPr>
+        <p:spPr/>
+        <p:txBody>
+          <a:bodyPr/>
+          <a:lstStyle/>
+          <a:p>
+            <a:r>
+              <a:rPr lang="ja-JP" altLang="en-US"/>
+              <a:t>課題</a:t>
+            </a:r>
+            <a:r>
+              <a:rPr lang="en-US" altLang="ja-JP"/>
+              <a:t>4 - Step 1</a:t>
+            </a:r>
+            <a:endParaRPr kumimoji="1" lang="ja-JP" altLang="en-US"/>
+          </a:p>
+        </p:txBody>
+      </p:sp>
+      <p:pic>
+        <p:nvPicPr>
+          <p:cNvPr id="4" name="図 3">
+            <a:extLst>
+              <a:ext uri="{FF2B5EF4-FFF2-40B4-BE49-F238E27FC236}">
+                <a16:creationId xmlns:a16="http://schemas.microsoft.com/office/drawing/2014/main" id="{3653F664-D401-4BF8-891F-EFE8F3158D28}"/>
+              </a:ext>
+            </a:extLst>
+          </p:cNvPr>
+          <p:cNvPicPr>
+            <a:picLocks noChangeAspect="1"/>
+          </p:cNvPicPr>
+          <p:nvPr/>
+        </p:nvPicPr>
+        <p:blipFill>
+          <a:blip r:embed="rId2"/>
+          <a:stretch>
+            <a:fillRect/>
+          </a:stretch>
+        </p:blipFill>
+        <p:spPr>
+          <a:xfrm>
+            <a:off x="323528" y="1052736"/>
+            <a:ext cx="8316416" cy="5159515"/>
+          </a:xfrm>
+          <a:prstGeom prst="rect">
+            <a:avLst/>
+          </a:prstGeom>
+        </p:spPr>
+      </p:pic>
+      <p:sp>
+        <p:nvSpPr>
+          <p:cNvPr id="5" name="四角形: 角を丸くする 4">
+            <a:extLst>
+              <a:ext uri="{FF2B5EF4-FFF2-40B4-BE49-F238E27FC236}">
+                <a16:creationId xmlns:a16="http://schemas.microsoft.com/office/drawing/2014/main" id="{96470A32-5D94-4F11-BFA4-07D19554E5BE}"/>
+              </a:ext>
+            </a:extLst>
+          </p:cNvPr>
+          <p:cNvSpPr/>
+          <p:nvPr/>
+        </p:nvSpPr>
+        <p:spPr>
+          <a:xfrm>
+            <a:off x="1547664" y="2636912"/>
+            <a:ext cx="3816424" cy="360040"/>
+          </a:xfrm>
+          <a:prstGeom prst="roundRect">
+            <a:avLst/>
+          </a:prstGeom>
+          <a:noFill/>
+          <a:ln w="38100">
+            <a:solidFill>
+              <a:srgbClr val="FF0000"/>
+            </a:solidFill>
+          </a:ln>
+        </p:spPr>
+        <p:style>
+          <a:lnRef idx="2">
+            <a:schemeClr val="accent1">
+              <a:shade val="50000"/>
+            </a:schemeClr>
+          </a:lnRef>
+          <a:fillRef idx="1">
+            <a:schemeClr val="accent1"/>
+          </a:fillRef>
+          <a:effectRef idx="0">
+            <a:schemeClr val="accent1"/>
+          </a:effectRef>
+          <a:fontRef idx="minor">
+            <a:schemeClr val="lt1"/>
+          </a:fontRef>
+        </p:style>
+        <p:txBody>
+          <a:bodyPr rtlCol="0" anchor="ctr"/>
+          <a:lstStyle/>
+          <a:p>
+            <a:pPr algn="ctr"/>
+            <a:endParaRPr kumimoji="1" lang="ja-JP" altLang="en-US"/>
+          </a:p>
+        </p:txBody>
+      </p:sp>
+      <p:sp>
+        <p:nvSpPr>
+          <p:cNvPr id="6" name="四角形: 角を丸くする 5">
+            <a:extLst>
+              <a:ext uri="{FF2B5EF4-FFF2-40B4-BE49-F238E27FC236}">
+                <a16:creationId xmlns:a16="http://schemas.microsoft.com/office/drawing/2014/main" id="{58E326C8-550E-4FDC-B1B0-2D44AF541795}"/>
+              </a:ext>
+            </a:extLst>
+          </p:cNvPr>
+          <p:cNvSpPr/>
+          <p:nvPr/>
+        </p:nvSpPr>
+        <p:spPr>
+          <a:xfrm>
+            <a:off x="1547664" y="3284984"/>
+            <a:ext cx="6552728" cy="1296144"/>
+          </a:xfrm>
+          <a:prstGeom prst="roundRect">
+            <a:avLst/>
+          </a:prstGeom>
+          <a:noFill/>
+          <a:ln w="38100">
+            <a:solidFill>
+              <a:srgbClr val="FF0000"/>
+            </a:solidFill>
+          </a:ln>
+        </p:spPr>
+        <p:style>
+          <a:lnRef idx="2">
+            <a:schemeClr val="accent1">
+              <a:shade val="50000"/>
+            </a:schemeClr>
+          </a:lnRef>
+          <a:fillRef idx="1">
+            <a:schemeClr val="accent1"/>
+          </a:fillRef>
+          <a:effectRef idx="0">
+            <a:schemeClr val="accent1"/>
+          </a:effectRef>
+          <a:fontRef idx="minor">
+            <a:schemeClr val="lt1"/>
+          </a:fontRef>
+        </p:style>
+        <p:txBody>
+          <a:bodyPr rtlCol="0" anchor="ctr"/>
+          <a:lstStyle/>
+          <a:p>
+            <a:pPr algn="ctr"/>
+            <a:endParaRPr kumimoji="1" lang="ja-JP" altLang="en-US"/>
+          </a:p>
+        </p:txBody>
+      </p:sp>
+      <p:sp>
+        <p:nvSpPr>
+          <p:cNvPr id="7" name="四角形: 角を丸くする 6">
+            <a:extLst>
+              <a:ext uri="{FF2B5EF4-FFF2-40B4-BE49-F238E27FC236}">
+                <a16:creationId xmlns:a16="http://schemas.microsoft.com/office/drawing/2014/main" id="{2D5EE178-D633-4269-AB23-49F6E49FF6CC}"/>
+              </a:ext>
+            </a:extLst>
+          </p:cNvPr>
+          <p:cNvSpPr/>
+          <p:nvPr/>
+        </p:nvSpPr>
+        <p:spPr>
+          <a:xfrm>
+            <a:off x="1547664" y="5085184"/>
+            <a:ext cx="2160240" cy="432048"/>
+          </a:xfrm>
+          <a:prstGeom prst="roundRect">
+            <a:avLst/>
+          </a:prstGeom>
+          <a:noFill/>
+          <a:ln w="38100">
+            <a:solidFill>
+              <a:srgbClr val="FF0000"/>
+            </a:solidFill>
+          </a:ln>
+        </p:spPr>
+        <p:style>
+          <a:lnRef idx="2">
+            <a:schemeClr val="accent1">
+              <a:shade val="50000"/>
+            </a:schemeClr>
+          </a:lnRef>
+          <a:fillRef idx="1">
+            <a:schemeClr val="accent1"/>
+          </a:fillRef>
+          <a:effectRef idx="0">
+            <a:schemeClr val="accent1"/>
+          </a:effectRef>
+          <a:fontRef idx="minor">
+            <a:schemeClr val="lt1"/>
+          </a:fontRef>
+        </p:style>
+        <p:txBody>
+          <a:bodyPr rtlCol="0" anchor="ctr"/>
+          <a:lstStyle/>
+          <a:p>
+            <a:pPr algn="ctr"/>
+            <a:endParaRPr kumimoji="1" lang="ja-JP" altLang="en-US"/>
+          </a:p>
+        </p:txBody>
+      </p:sp>
+      <p:sp>
+        <p:nvSpPr>
+          <p:cNvPr id="8" name="四角形: 角を丸くする 7">
+            <a:extLst>
+              <a:ext uri="{FF2B5EF4-FFF2-40B4-BE49-F238E27FC236}">
+                <a16:creationId xmlns:a16="http://schemas.microsoft.com/office/drawing/2014/main" id="{BB99C125-9729-4257-86EC-2C24DD38BD42}"/>
+              </a:ext>
+            </a:extLst>
+          </p:cNvPr>
+          <p:cNvSpPr/>
+          <p:nvPr/>
+        </p:nvSpPr>
+        <p:spPr>
+          <a:xfrm>
+            <a:off x="1547664" y="5661248"/>
+            <a:ext cx="1152128" cy="432048"/>
+          </a:xfrm>
+          <a:prstGeom prst="roundRect">
+            <a:avLst/>
+          </a:prstGeom>
+          <a:noFill/>
+          <a:ln w="38100">
+            <a:solidFill>
+              <a:srgbClr val="FF0000"/>
+            </a:solidFill>
+          </a:ln>
+        </p:spPr>
+        <p:style>
+          <a:lnRef idx="2">
+            <a:schemeClr val="accent1">
+              <a:shade val="50000"/>
+            </a:schemeClr>
+          </a:lnRef>
+          <a:fillRef idx="1">
+            <a:schemeClr val="accent1"/>
+          </a:fillRef>
+          <a:effectRef idx="0">
+            <a:schemeClr val="accent1"/>
+          </a:effectRef>
+          <a:fontRef idx="minor">
+            <a:schemeClr val="lt1"/>
+          </a:fontRef>
+        </p:style>
+        <p:txBody>
+          <a:bodyPr rtlCol="0" anchor="ctr"/>
+          <a:lstStyle/>
+          <a:p>
+            <a:pPr algn="ctr"/>
+            <a:endParaRPr kumimoji="1" lang="ja-JP" altLang="en-US"/>
+          </a:p>
+        </p:txBody>
+      </p:sp>
+      <p:sp>
+        <p:nvSpPr>
+          <p:cNvPr id="9" name="テキスト ボックス 8">
+            <a:extLst>
+              <a:ext uri="{FF2B5EF4-FFF2-40B4-BE49-F238E27FC236}">
+                <a16:creationId xmlns:a16="http://schemas.microsoft.com/office/drawing/2014/main" id="{44509695-C0AF-4EB6-B4C7-0AD5A4873373}"/>
+              </a:ext>
+            </a:extLst>
+          </p:cNvPr>
+          <p:cNvSpPr txBox="1"/>
+          <p:nvPr/>
+        </p:nvSpPr>
+        <p:spPr>
+          <a:xfrm>
+            <a:off x="4644008" y="5157192"/>
+            <a:ext cx="3275256" cy="369332"/>
+          </a:xfrm>
+          <a:prstGeom prst="rect">
+            <a:avLst/>
+          </a:prstGeom>
+          <a:noFill/>
+        </p:spPr>
+        <p:txBody>
+          <a:bodyPr wrap="none" rtlCol="0">
+            <a:spAutoFit/>
+          </a:bodyPr>
+          <a:lstStyle/>
+          <a:p>
+            <a:r>
+              <a:rPr kumimoji="1" lang="ja-JP" altLang="en-US"/>
+              <a:t>「</a:t>
+            </a:r>
+            <a:r>
+              <a:rPr kumimoji="1" lang="en-US" altLang="ja-JP"/>
+              <a:t>Automated kanban</a:t>
+            </a:r>
+            <a:r>
+              <a:rPr kumimoji="1" lang="ja-JP" altLang="en-US"/>
+              <a:t>」を選ぶ</a:t>
+            </a:r>
+          </a:p>
+        </p:txBody>
+      </p:sp>
+      <p:cxnSp>
+        <p:nvCxnSpPr>
+          <p:cNvPr id="11" name="直線矢印コネクタ 10">
+            <a:extLst>
+              <a:ext uri="{FF2B5EF4-FFF2-40B4-BE49-F238E27FC236}">
+                <a16:creationId xmlns:a16="http://schemas.microsoft.com/office/drawing/2014/main" id="{E8CD7ECC-C8D3-4756-8813-EE6A0D35454A}"/>
+              </a:ext>
+            </a:extLst>
+          </p:cNvPr>
+          <p:cNvCxnSpPr>
+            <a:endCxn id="7" idx="3"/>
+          </p:cNvCxnSpPr>
+          <p:nvPr/>
+        </p:nvCxnSpPr>
+        <p:spPr>
+          <a:xfrm flipH="1">
+            <a:off x="3707904" y="5301208"/>
+            <a:ext cx="936104" cy="0"/>
+          </a:xfrm>
+          <a:prstGeom prst="straightConnector1">
+            <a:avLst/>
+          </a:prstGeom>
+          <a:ln>
+            <a:solidFill>
+              <a:schemeClr val="tx1"/>
+            </a:solidFill>
+            <a:headEnd type="none" w="med" len="med"/>
+            <a:tailEnd type="triangle"/>
+          </a:ln>
+        </p:spPr>
+        <p:style>
+          <a:lnRef idx="1">
+            <a:schemeClr val="accent1"/>
+          </a:lnRef>
+          <a:fillRef idx="0">
+            <a:schemeClr val="accent1"/>
+          </a:fillRef>
+          <a:effectRef idx="0">
+            <a:schemeClr val="accent1"/>
+          </a:effectRef>
+          <a:fontRef idx="minor">
+            <a:schemeClr val="tx1"/>
+          </a:fontRef>
+        </p:style>
+      </p:cxnSp>
+    </p:spTree>
+    <p:extLst>
+      <p:ext uri="{BB962C8B-B14F-4D97-AF65-F5344CB8AC3E}">
+        <p14:creationId xmlns:p14="http://schemas.microsoft.com/office/powerpoint/2010/main" val="1478001253"/>
+      </p:ext>
+    </p:extLst>
+  </p:cSld>
+  <p:clrMapOvr>
+    <a:masterClrMapping/>
+  </p:clrMapOvr>
+</p:sld>
+</file>
+
+<file path=ppt/slides/slide45.xml><?xml version="1.0" encoding="utf-8"?>
+<p:sld xmlns:a="http://schemas.openxmlformats.org/drawingml/2006/main" xmlns:r="http://schemas.openxmlformats.org/officeDocument/2006/relationships" xmlns:p="http://schemas.openxmlformats.org/presentationml/2006/main">
+  <p:cSld>
+    <p:spTree>
+      <p:nvGrpSpPr>
+        <p:cNvPr id="1" name=""/>
+        <p:cNvGrpSpPr/>
+        <p:nvPr/>
+      </p:nvGrpSpPr>
+      <p:grpSpPr>
+        <a:xfrm>
+          <a:off x="0" y="0"/>
+          <a:ext cx="0" cy="0"/>
+          <a:chOff x="0" y="0"/>
+          <a:chExt cx="0" cy="0"/>
+        </a:xfrm>
+      </p:grpSpPr>
+      <p:sp>
+        <p:nvSpPr>
+          <p:cNvPr id="2" name="テキスト プレースホルダー 1">
+            <a:extLst>
+              <a:ext uri="{FF2B5EF4-FFF2-40B4-BE49-F238E27FC236}">
+                <a16:creationId xmlns:a16="http://schemas.microsoft.com/office/drawing/2014/main" id="{0E38FA00-47DE-49F8-A060-FB57EED2D528}"/>
+              </a:ext>
+            </a:extLst>
+          </p:cNvPr>
+          <p:cNvSpPr>
+            <a:spLocks noGrp="1"/>
+          </p:cNvSpPr>
+          <p:nvPr>
+            <p:ph type="body" sz="quarter" idx="10"/>
+          </p:nvPr>
+        </p:nvSpPr>
+        <p:spPr/>
+        <p:txBody>
+          <a:bodyPr/>
+          <a:lstStyle/>
+          <a:p>
+            <a:r>
+              <a:rPr lang="ja-JP" altLang="en-US"/>
+              <a:t>課題</a:t>
+            </a:r>
+            <a:r>
+              <a:rPr lang="en-US" altLang="ja-JP"/>
+              <a:t>4 - Step 1</a:t>
+            </a:r>
+            <a:endParaRPr kumimoji="1" lang="ja-JP" altLang="en-US"/>
+          </a:p>
+        </p:txBody>
+      </p:sp>
+      <p:pic>
+        <p:nvPicPr>
+          <p:cNvPr id="4" name="図 3">
+            <a:extLst>
+              <a:ext uri="{FF2B5EF4-FFF2-40B4-BE49-F238E27FC236}">
+                <a16:creationId xmlns:a16="http://schemas.microsoft.com/office/drawing/2014/main" id="{E6BF6566-7FA1-4F10-A5EB-80E28A0E5936}"/>
+              </a:ext>
+            </a:extLst>
+          </p:cNvPr>
+          <p:cNvPicPr>
+            <a:picLocks noChangeAspect="1"/>
+          </p:cNvPicPr>
+          <p:nvPr/>
+        </p:nvPicPr>
+        <p:blipFill>
+          <a:blip r:embed="rId2"/>
+          <a:stretch>
+            <a:fillRect/>
+          </a:stretch>
+        </p:blipFill>
+        <p:spPr>
+          <a:xfrm>
+            <a:off x="251520" y="1988840"/>
+            <a:ext cx="8709272" cy="3941140"/>
+          </a:xfrm>
+          <a:prstGeom prst="rect">
+            <a:avLst/>
+          </a:prstGeom>
+        </p:spPr>
+      </p:pic>
+      <p:sp>
+        <p:nvSpPr>
+          <p:cNvPr id="5" name="テキスト ボックス 4">
+            <a:extLst>
+              <a:ext uri="{FF2B5EF4-FFF2-40B4-BE49-F238E27FC236}">
+                <a16:creationId xmlns:a16="http://schemas.microsoft.com/office/drawing/2014/main" id="{7312EDA1-9500-472E-8D0E-3425BDC0FE82}"/>
+              </a:ext>
+            </a:extLst>
+          </p:cNvPr>
+          <p:cNvSpPr txBox="1"/>
+          <p:nvPr/>
+        </p:nvSpPr>
+        <p:spPr>
+          <a:xfrm>
+            <a:off x="395536" y="1196752"/>
+            <a:ext cx="7088800" cy="523220"/>
+          </a:xfrm>
+          <a:prstGeom prst="rect">
+            <a:avLst/>
+          </a:prstGeom>
+          <a:noFill/>
+        </p:spPr>
+        <p:txBody>
+          <a:bodyPr wrap="none" rtlCol="0">
+            <a:spAutoFit/>
+          </a:bodyPr>
+          <a:lstStyle/>
+          <a:p>
+            <a:r>
+              <a:rPr kumimoji="1" lang="ja-JP" altLang="en-US" sz="2800"/>
+              <a:t>サンプルカード</a:t>
+            </a:r>
+            <a:r>
+              <a:rPr kumimoji="1" lang="en-US" altLang="ja-JP" sz="2800"/>
+              <a:t>(3</a:t>
+            </a:r>
+            <a:r>
+              <a:rPr lang="ja-JP" altLang="en-US" sz="2800"/>
+              <a:t>枚</a:t>
+            </a:r>
+            <a:r>
+              <a:rPr kumimoji="1" lang="en-US" altLang="ja-JP" sz="2800"/>
+              <a:t>)</a:t>
+            </a:r>
+            <a:r>
+              <a:rPr kumimoji="1" lang="ja-JP" altLang="en-US" sz="2800"/>
+              <a:t>を全てアーカイブする</a:t>
+            </a:r>
+          </a:p>
+        </p:txBody>
+      </p:sp>
+      <p:sp>
+        <p:nvSpPr>
+          <p:cNvPr id="6" name="四角形: 角を丸くする 5">
+            <a:extLst>
+              <a:ext uri="{FF2B5EF4-FFF2-40B4-BE49-F238E27FC236}">
+                <a16:creationId xmlns:a16="http://schemas.microsoft.com/office/drawing/2014/main" id="{6C72E7AA-5938-4613-9F5A-CDDCECBA8349}"/>
+              </a:ext>
+            </a:extLst>
+          </p:cNvPr>
+          <p:cNvSpPr/>
+          <p:nvPr/>
+        </p:nvSpPr>
+        <p:spPr>
+          <a:xfrm>
+            <a:off x="2411760" y="3573016"/>
+            <a:ext cx="360040" cy="360040"/>
+          </a:xfrm>
+          <a:prstGeom prst="roundRect">
+            <a:avLst/>
+          </a:prstGeom>
+          <a:noFill/>
+          <a:ln w="38100">
+            <a:solidFill>
+              <a:srgbClr val="FF0000"/>
+            </a:solidFill>
+          </a:ln>
+        </p:spPr>
+        <p:style>
+          <a:lnRef idx="2">
+            <a:schemeClr val="accent1">
+              <a:shade val="50000"/>
+            </a:schemeClr>
+          </a:lnRef>
+          <a:fillRef idx="1">
+            <a:schemeClr val="accent1"/>
+          </a:fillRef>
+          <a:effectRef idx="0">
+            <a:schemeClr val="accent1"/>
+          </a:effectRef>
+          <a:fontRef idx="minor">
+            <a:schemeClr val="lt1"/>
+          </a:fontRef>
+        </p:style>
+        <p:txBody>
+          <a:bodyPr rtlCol="0" anchor="ctr"/>
+          <a:lstStyle/>
+          <a:p>
+            <a:pPr algn="ctr"/>
+            <a:endParaRPr kumimoji="1" lang="ja-JP" altLang="en-US"/>
+          </a:p>
+        </p:txBody>
+      </p:sp>
+      <p:sp>
+        <p:nvSpPr>
+          <p:cNvPr id="7" name="四角形: 角を丸くする 6">
+            <a:extLst>
+              <a:ext uri="{FF2B5EF4-FFF2-40B4-BE49-F238E27FC236}">
+                <a16:creationId xmlns:a16="http://schemas.microsoft.com/office/drawing/2014/main" id="{A08E8798-F650-40FB-8EC7-2465A1216238}"/>
+              </a:ext>
+            </a:extLst>
+          </p:cNvPr>
+          <p:cNvSpPr/>
+          <p:nvPr/>
+        </p:nvSpPr>
+        <p:spPr>
+          <a:xfrm>
+            <a:off x="1403648" y="4797152"/>
+            <a:ext cx="1368152" cy="288032"/>
+          </a:xfrm>
+          <a:prstGeom prst="roundRect">
+            <a:avLst/>
+          </a:prstGeom>
+          <a:noFill/>
+          <a:ln w="38100">
+            <a:solidFill>
+              <a:srgbClr val="FF0000"/>
+            </a:solidFill>
+          </a:ln>
+        </p:spPr>
+        <p:style>
+          <a:lnRef idx="2">
+            <a:schemeClr val="accent1">
+              <a:shade val="50000"/>
+            </a:schemeClr>
+          </a:lnRef>
+          <a:fillRef idx="1">
+            <a:schemeClr val="accent1"/>
+          </a:fillRef>
+          <a:effectRef idx="0">
+            <a:schemeClr val="accent1"/>
+          </a:effectRef>
+          <a:fontRef idx="minor">
+            <a:schemeClr val="lt1"/>
+          </a:fontRef>
+        </p:style>
+        <p:txBody>
+          <a:bodyPr rtlCol="0" anchor="ctr"/>
+          <a:lstStyle/>
+          <a:p>
+            <a:pPr algn="ctr"/>
+            <a:endParaRPr kumimoji="1" lang="ja-JP" altLang="en-US"/>
+          </a:p>
+        </p:txBody>
+      </p:sp>
+    </p:spTree>
+    <p:extLst>
+      <p:ext uri="{BB962C8B-B14F-4D97-AF65-F5344CB8AC3E}">
+        <p14:creationId xmlns:p14="http://schemas.microsoft.com/office/powerpoint/2010/main" val="4058226457"/>
+      </p:ext>
+    </p:extLst>
+  </p:cSld>
+  <p:clrMapOvr>
+    <a:masterClrMapping/>
+  </p:clrMapOvr>
+</p:sld>
+</file>
+
+<file path=ppt/slides/slide46.xml><?xml version="1.0" encoding="utf-8"?>
+<p:sld xmlns:a="http://schemas.openxmlformats.org/drawingml/2006/main" xmlns:r="http://schemas.openxmlformats.org/officeDocument/2006/relationships" xmlns:p="http://schemas.openxmlformats.org/presentationml/2006/main">
+  <p:cSld>
+    <p:spTree>
+      <p:nvGrpSpPr>
+        <p:cNvPr id="1" name=""/>
+        <p:cNvGrpSpPr/>
+        <p:nvPr/>
+      </p:nvGrpSpPr>
+      <p:grpSpPr>
+        <a:xfrm>
+          <a:off x="0" y="0"/>
+          <a:ext cx="0" cy="0"/>
+          <a:chOff x="0" y="0"/>
+          <a:chExt cx="0" cy="0"/>
+        </a:xfrm>
+      </p:grpSpPr>
+      <p:sp>
+        <p:nvSpPr>
+          <p:cNvPr id="2" name="テキスト プレースホルダー 1">
+            <a:extLst>
+              <a:ext uri="{FF2B5EF4-FFF2-40B4-BE49-F238E27FC236}">
+                <a16:creationId xmlns:a16="http://schemas.microsoft.com/office/drawing/2014/main" id="{CEF24C89-3C85-4354-B80D-702DE8C2FB0D}"/>
+              </a:ext>
+            </a:extLst>
+          </p:cNvPr>
+          <p:cNvSpPr>
+            <a:spLocks noGrp="1"/>
+          </p:cNvSpPr>
+          <p:nvPr>
+            <p:ph type="body" sz="quarter" idx="10"/>
+          </p:nvPr>
+        </p:nvSpPr>
+        <p:spPr/>
+        <p:txBody>
+          <a:bodyPr/>
+          <a:lstStyle/>
+          <a:p>
+            <a:r>
+              <a:rPr lang="ja-JP" altLang="en-US"/>
+              <a:t>課題</a:t>
+            </a:r>
+            <a:r>
+              <a:rPr lang="en-US" altLang="ja-JP"/>
+              <a:t>4 - Step 2</a:t>
+            </a:r>
+            <a:endParaRPr kumimoji="1" lang="ja-JP" altLang="en-US"/>
+          </a:p>
+        </p:txBody>
+      </p:sp>
+      <p:pic>
+        <p:nvPicPr>
+          <p:cNvPr id="4" name="図 3">
+            <a:extLst>
+              <a:ext uri="{FF2B5EF4-FFF2-40B4-BE49-F238E27FC236}">
+                <a16:creationId xmlns:a16="http://schemas.microsoft.com/office/drawing/2014/main" id="{E164C195-08AD-4C3D-9B97-46D89D7D81C7}"/>
+              </a:ext>
+            </a:extLst>
+          </p:cNvPr>
+          <p:cNvPicPr>
+            <a:picLocks noChangeAspect="1"/>
+          </p:cNvPicPr>
+          <p:nvPr/>
+        </p:nvPicPr>
+        <p:blipFill>
+          <a:blip r:embed="rId2"/>
+          <a:stretch>
+            <a:fillRect/>
+          </a:stretch>
+        </p:blipFill>
+        <p:spPr>
+          <a:xfrm>
+            <a:off x="240329" y="1772816"/>
+            <a:ext cx="8902852" cy="3848663"/>
+          </a:xfrm>
+          <a:prstGeom prst="rect">
+            <a:avLst/>
+          </a:prstGeom>
+        </p:spPr>
+      </p:pic>
+      <p:sp>
+        <p:nvSpPr>
+          <p:cNvPr id="5" name="四角形: 角を丸くする 4">
+            <a:extLst>
+              <a:ext uri="{FF2B5EF4-FFF2-40B4-BE49-F238E27FC236}">
+                <a16:creationId xmlns:a16="http://schemas.microsoft.com/office/drawing/2014/main" id="{863C2C03-E906-4253-A7D7-4E9BCCBB7F83}"/>
+              </a:ext>
+            </a:extLst>
+          </p:cNvPr>
+          <p:cNvSpPr/>
+          <p:nvPr/>
+        </p:nvSpPr>
+        <p:spPr>
+          <a:xfrm>
+            <a:off x="971600" y="1772816"/>
+            <a:ext cx="792088" cy="360040"/>
+          </a:xfrm>
+          <a:prstGeom prst="roundRect">
+            <a:avLst/>
+          </a:prstGeom>
+          <a:noFill/>
+          <a:ln w="38100">
+            <a:solidFill>
+              <a:srgbClr val="FF0000"/>
+            </a:solidFill>
+          </a:ln>
+        </p:spPr>
+        <p:style>
+          <a:lnRef idx="2">
+            <a:schemeClr val="accent1">
+              <a:shade val="50000"/>
+            </a:schemeClr>
+          </a:lnRef>
+          <a:fillRef idx="1">
+            <a:schemeClr val="accent1"/>
+          </a:fillRef>
+          <a:effectRef idx="0">
+            <a:schemeClr val="accent1"/>
+          </a:effectRef>
+          <a:fontRef idx="minor">
+            <a:schemeClr val="lt1"/>
+          </a:fontRef>
+        </p:style>
+        <p:txBody>
+          <a:bodyPr rtlCol="0" anchor="ctr"/>
+          <a:lstStyle/>
+          <a:p>
+            <a:pPr algn="ctr"/>
+            <a:endParaRPr kumimoji="1" lang="ja-JP" altLang="en-US"/>
+          </a:p>
+        </p:txBody>
+      </p:sp>
+      <p:sp>
+        <p:nvSpPr>
+          <p:cNvPr id="6" name="四角形: 角を丸くする 5">
+            <a:extLst>
+              <a:ext uri="{FF2B5EF4-FFF2-40B4-BE49-F238E27FC236}">
+                <a16:creationId xmlns:a16="http://schemas.microsoft.com/office/drawing/2014/main" id="{09B9E69D-A750-410E-9296-96A357AAA966}"/>
+              </a:ext>
+            </a:extLst>
+          </p:cNvPr>
+          <p:cNvSpPr/>
+          <p:nvPr/>
+        </p:nvSpPr>
+        <p:spPr>
+          <a:xfrm>
+            <a:off x="816393" y="2420888"/>
+            <a:ext cx="5832648" cy="360040"/>
+          </a:xfrm>
+          <a:prstGeom prst="roundRect">
+            <a:avLst/>
+          </a:prstGeom>
+          <a:noFill/>
+          <a:ln w="38100">
+            <a:solidFill>
+              <a:srgbClr val="FF0000"/>
+            </a:solidFill>
+          </a:ln>
+        </p:spPr>
+        <p:style>
+          <a:lnRef idx="2">
+            <a:schemeClr val="accent1">
+              <a:shade val="50000"/>
+            </a:schemeClr>
+          </a:lnRef>
+          <a:fillRef idx="1">
+            <a:schemeClr val="accent1"/>
+          </a:fillRef>
+          <a:effectRef idx="0">
+            <a:schemeClr val="accent1"/>
+          </a:effectRef>
+          <a:fontRef idx="minor">
+            <a:schemeClr val="lt1"/>
+          </a:fontRef>
+        </p:style>
+        <p:txBody>
+          <a:bodyPr rtlCol="0" anchor="ctr"/>
+          <a:lstStyle/>
+          <a:p>
+            <a:pPr algn="ctr"/>
+            <a:endParaRPr kumimoji="1" lang="ja-JP" altLang="en-US"/>
+          </a:p>
+        </p:txBody>
+      </p:sp>
+      <p:sp>
+        <p:nvSpPr>
+          <p:cNvPr id="7" name="四角形: 角を丸くする 6">
+            <a:extLst>
+              <a:ext uri="{FF2B5EF4-FFF2-40B4-BE49-F238E27FC236}">
+                <a16:creationId xmlns:a16="http://schemas.microsoft.com/office/drawing/2014/main" id="{7CFAB2BA-DCCD-4939-ABED-E2DD36E7DEFC}"/>
+              </a:ext>
+            </a:extLst>
+          </p:cNvPr>
+          <p:cNvSpPr/>
+          <p:nvPr/>
+        </p:nvSpPr>
+        <p:spPr>
+          <a:xfrm>
+            <a:off x="888401" y="3212976"/>
+            <a:ext cx="5760640" cy="1584176"/>
+          </a:xfrm>
+          <a:prstGeom prst="roundRect">
+            <a:avLst/>
+          </a:prstGeom>
+          <a:noFill/>
+          <a:ln w="38100">
+            <a:solidFill>
+              <a:srgbClr val="FF0000"/>
+            </a:solidFill>
+          </a:ln>
+        </p:spPr>
+        <p:style>
+          <a:lnRef idx="2">
+            <a:schemeClr val="accent1">
+              <a:shade val="50000"/>
+            </a:schemeClr>
+          </a:lnRef>
+          <a:fillRef idx="1">
+            <a:schemeClr val="accent1"/>
+          </a:fillRef>
+          <a:effectRef idx="0">
+            <a:schemeClr val="accent1"/>
+          </a:effectRef>
+          <a:fontRef idx="minor">
+            <a:schemeClr val="lt1"/>
+          </a:fontRef>
+        </p:style>
+        <p:txBody>
+          <a:bodyPr rtlCol="0" anchor="ctr"/>
+          <a:lstStyle/>
+          <a:p>
+            <a:pPr algn="ctr"/>
+            <a:endParaRPr kumimoji="1" lang="ja-JP" altLang="en-US"/>
+          </a:p>
+        </p:txBody>
+      </p:sp>
+      <p:sp>
+        <p:nvSpPr>
+          <p:cNvPr id="8" name="四角形: 角を丸くする 7">
+            <a:extLst>
+              <a:ext uri="{FF2B5EF4-FFF2-40B4-BE49-F238E27FC236}">
+                <a16:creationId xmlns:a16="http://schemas.microsoft.com/office/drawing/2014/main" id="{455415DC-44AE-40F4-9C6F-8A6A0158C6B6}"/>
+              </a:ext>
+            </a:extLst>
+          </p:cNvPr>
+          <p:cNvSpPr/>
+          <p:nvPr/>
+        </p:nvSpPr>
+        <p:spPr>
+          <a:xfrm>
+            <a:off x="6793057" y="3068960"/>
+            <a:ext cx="2016224" cy="504056"/>
+          </a:xfrm>
+          <a:prstGeom prst="roundRect">
+            <a:avLst/>
+          </a:prstGeom>
+          <a:noFill/>
+          <a:ln w="38100">
+            <a:solidFill>
+              <a:srgbClr val="FF0000"/>
+            </a:solidFill>
+          </a:ln>
+        </p:spPr>
+        <p:style>
+          <a:lnRef idx="2">
+            <a:schemeClr val="accent1">
+              <a:shade val="50000"/>
+            </a:schemeClr>
+          </a:lnRef>
+          <a:fillRef idx="1">
+            <a:schemeClr val="accent1"/>
+          </a:fillRef>
+          <a:effectRef idx="0">
+            <a:schemeClr val="accent1"/>
+          </a:effectRef>
+          <a:fontRef idx="minor">
+            <a:schemeClr val="lt1"/>
+          </a:fontRef>
+        </p:style>
+        <p:txBody>
+          <a:bodyPr rtlCol="0" anchor="ctr"/>
+          <a:lstStyle/>
+          <a:p>
+            <a:pPr algn="ctr"/>
+            <a:endParaRPr kumimoji="1" lang="ja-JP" altLang="en-US"/>
+          </a:p>
+        </p:txBody>
+      </p:sp>
+      <p:sp>
+        <p:nvSpPr>
+          <p:cNvPr id="9" name="四角形: 角を丸くする 8">
+            <a:extLst>
+              <a:ext uri="{FF2B5EF4-FFF2-40B4-BE49-F238E27FC236}">
+                <a16:creationId xmlns:a16="http://schemas.microsoft.com/office/drawing/2014/main" id="{11F75CCF-E60D-4162-A42C-998CB242273D}"/>
+              </a:ext>
+            </a:extLst>
+          </p:cNvPr>
+          <p:cNvSpPr/>
+          <p:nvPr/>
+        </p:nvSpPr>
+        <p:spPr>
+          <a:xfrm>
+            <a:off x="6793057" y="3717032"/>
+            <a:ext cx="2016224" cy="504056"/>
+          </a:xfrm>
+          <a:prstGeom prst="roundRect">
+            <a:avLst/>
+          </a:prstGeom>
+          <a:noFill/>
+          <a:ln w="38100">
+            <a:solidFill>
+              <a:srgbClr val="FF0000"/>
+            </a:solidFill>
+          </a:ln>
+        </p:spPr>
+        <p:style>
+          <a:lnRef idx="2">
+            <a:schemeClr val="accent1">
+              <a:shade val="50000"/>
+            </a:schemeClr>
+          </a:lnRef>
+          <a:fillRef idx="1">
+            <a:schemeClr val="accent1"/>
+          </a:fillRef>
+          <a:effectRef idx="0">
+            <a:schemeClr val="accent1"/>
+          </a:effectRef>
+          <a:fontRef idx="minor">
+            <a:schemeClr val="lt1"/>
+          </a:fontRef>
+        </p:style>
+        <p:txBody>
+          <a:bodyPr rtlCol="0" anchor="ctr"/>
+          <a:lstStyle/>
+          <a:p>
+            <a:pPr algn="ctr"/>
+            <a:endParaRPr kumimoji="1" lang="ja-JP" altLang="en-US"/>
+          </a:p>
+        </p:txBody>
+      </p:sp>
+      <p:sp>
+        <p:nvSpPr>
+          <p:cNvPr id="10" name="四角形: 角を丸くする 9">
+            <a:extLst>
+              <a:ext uri="{FF2B5EF4-FFF2-40B4-BE49-F238E27FC236}">
+                <a16:creationId xmlns:a16="http://schemas.microsoft.com/office/drawing/2014/main" id="{594E4E3B-6A1C-4341-8F1D-692F736CFA85}"/>
+              </a:ext>
+            </a:extLst>
+          </p:cNvPr>
+          <p:cNvSpPr/>
+          <p:nvPr/>
+        </p:nvSpPr>
+        <p:spPr>
+          <a:xfrm>
+            <a:off x="5496913" y="5013176"/>
+            <a:ext cx="1152128" cy="360040"/>
+          </a:xfrm>
+          <a:prstGeom prst="roundRect">
+            <a:avLst/>
+          </a:prstGeom>
+          <a:noFill/>
+          <a:ln w="38100">
+            <a:solidFill>
+              <a:srgbClr val="FF0000"/>
+            </a:solidFill>
+          </a:ln>
+        </p:spPr>
+        <p:style>
+          <a:lnRef idx="2">
+            <a:schemeClr val="accent1">
+              <a:shade val="50000"/>
+            </a:schemeClr>
+          </a:lnRef>
+          <a:fillRef idx="1">
+            <a:schemeClr val="accent1"/>
+          </a:fillRef>
+          <a:effectRef idx="0">
+            <a:schemeClr val="accent1"/>
+          </a:effectRef>
+          <a:fontRef idx="minor">
+            <a:schemeClr val="lt1"/>
+          </a:fontRef>
+        </p:style>
+        <p:txBody>
+          <a:bodyPr rtlCol="0" anchor="ctr"/>
+          <a:lstStyle/>
+          <a:p>
+            <a:pPr algn="ctr"/>
+            <a:endParaRPr kumimoji="1" lang="ja-JP" altLang="en-US"/>
+          </a:p>
+        </p:txBody>
+      </p:sp>
+      <p:sp>
+        <p:nvSpPr>
+          <p:cNvPr id="11" name="テキスト ボックス 10">
+            <a:extLst>
+              <a:ext uri="{FF2B5EF4-FFF2-40B4-BE49-F238E27FC236}">
+                <a16:creationId xmlns:a16="http://schemas.microsoft.com/office/drawing/2014/main" id="{1D485F88-CD55-43B7-968D-9FDB2B702D1D}"/>
+              </a:ext>
+            </a:extLst>
+          </p:cNvPr>
+          <p:cNvSpPr txBox="1"/>
+          <p:nvPr/>
+        </p:nvSpPr>
+        <p:spPr>
+          <a:xfrm>
+            <a:off x="456353" y="6093296"/>
+            <a:ext cx="6327373" cy="369332"/>
+          </a:xfrm>
+          <a:prstGeom prst="rect">
+            <a:avLst/>
+          </a:prstGeom>
+          <a:noFill/>
+        </p:spPr>
+        <p:txBody>
+          <a:bodyPr wrap="none" rtlCol="0">
+            <a:spAutoFit/>
+          </a:bodyPr>
+          <a:lstStyle/>
+          <a:p>
+            <a:r>
+              <a:rPr kumimoji="1" lang="en-US" altLang="ja-JP"/>
+              <a:t>Projects</a:t>
+            </a:r>
+            <a:r>
+              <a:rPr kumimoji="1" lang="ja-JP" altLang="en-US"/>
+              <a:t>から「カンバン」を選んでおくのを忘れないこと</a:t>
+            </a:r>
+            <a:endParaRPr kumimoji="1" lang="en-US" altLang="ja-JP"/>
+          </a:p>
+        </p:txBody>
+      </p:sp>
+      <p:cxnSp>
+        <p:nvCxnSpPr>
+          <p:cNvPr id="13" name="コネクタ: カギ線 12">
+            <a:extLst>
+              <a:ext uri="{FF2B5EF4-FFF2-40B4-BE49-F238E27FC236}">
+                <a16:creationId xmlns:a16="http://schemas.microsoft.com/office/drawing/2014/main" id="{BFC58503-7208-42A8-B928-9168EA0473B6}"/>
+              </a:ext>
+            </a:extLst>
+          </p:cNvPr>
+          <p:cNvCxnSpPr>
+            <a:stCxn id="11" idx="3"/>
+            <a:endCxn id="9" idx="2"/>
+          </p:cNvCxnSpPr>
+          <p:nvPr/>
+        </p:nvCxnSpPr>
+        <p:spPr>
+          <a:xfrm flipV="1">
+            <a:off x="6783726" y="4221088"/>
+            <a:ext cx="1017443" cy="2056874"/>
+          </a:xfrm>
+          <a:prstGeom prst="bentConnector2">
+            <a:avLst/>
+          </a:prstGeom>
+          <a:ln>
+            <a:solidFill>
+              <a:schemeClr val="tx1"/>
+            </a:solidFill>
+            <a:headEnd type="none" w="med" len="med"/>
+            <a:tailEnd type="triangle"/>
+          </a:ln>
+        </p:spPr>
+        <p:style>
+          <a:lnRef idx="1">
+            <a:schemeClr val="accent1"/>
+          </a:lnRef>
+          <a:fillRef idx="0">
+            <a:schemeClr val="accent1"/>
+          </a:fillRef>
+          <a:effectRef idx="0">
+            <a:schemeClr val="accent1"/>
+          </a:effectRef>
+          <a:fontRef idx="minor">
+            <a:schemeClr val="tx1"/>
+          </a:fontRef>
+        </p:style>
+      </p:cxnSp>
+      <p:sp>
+        <p:nvSpPr>
+          <p:cNvPr id="15" name="テキスト ボックス 14">
+            <a:extLst>
+              <a:ext uri="{FF2B5EF4-FFF2-40B4-BE49-F238E27FC236}">
+                <a16:creationId xmlns:a16="http://schemas.microsoft.com/office/drawing/2014/main" id="{ACDA6CA2-B9C8-468B-8C86-C618CE2D87DC}"/>
+              </a:ext>
+            </a:extLst>
+          </p:cNvPr>
+          <p:cNvSpPr txBox="1"/>
+          <p:nvPr/>
+        </p:nvSpPr>
+        <p:spPr>
+          <a:xfrm>
+            <a:off x="467544" y="980728"/>
+            <a:ext cx="2121093" cy="523220"/>
+          </a:xfrm>
+          <a:prstGeom prst="rect">
+            <a:avLst/>
+          </a:prstGeom>
+          <a:noFill/>
+        </p:spPr>
+        <p:txBody>
+          <a:bodyPr wrap="none" rtlCol="0">
+            <a:spAutoFit/>
+          </a:bodyPr>
+          <a:lstStyle/>
+          <a:p>
+            <a:r>
+              <a:rPr kumimoji="1" lang="en-US" altLang="ja-JP" sz="2800"/>
+              <a:t>Issue</a:t>
+            </a:r>
+            <a:r>
+              <a:rPr kumimoji="1" lang="ja-JP" altLang="en-US" sz="2800"/>
+              <a:t>の作成</a:t>
+            </a:r>
+          </a:p>
+        </p:txBody>
+      </p:sp>
+    </p:spTree>
+    <p:extLst>
+      <p:ext uri="{BB962C8B-B14F-4D97-AF65-F5344CB8AC3E}">
+        <p14:creationId xmlns:p14="http://schemas.microsoft.com/office/powerpoint/2010/main" val="4055750284"/>
+      </p:ext>
+    </p:extLst>
+  </p:cSld>
+  <p:clrMapOvr>
+    <a:masterClrMapping/>
+  </p:clrMapOvr>
+</p:sld>
+</file>
+
+<file path=ppt/slides/slide47.xml><?xml version="1.0" encoding="utf-8"?>
+<p:sld xmlns:a="http://schemas.openxmlformats.org/drawingml/2006/main" xmlns:r="http://schemas.openxmlformats.org/officeDocument/2006/relationships" xmlns:p="http://schemas.openxmlformats.org/presentationml/2006/main">
+  <p:cSld>
+    <p:spTree>
+      <p:nvGrpSpPr>
+        <p:cNvPr id="1" name=""/>
+        <p:cNvGrpSpPr/>
+        <p:nvPr/>
+      </p:nvGrpSpPr>
+      <p:grpSpPr>
+        <a:xfrm>
+          <a:off x="0" y="0"/>
+          <a:ext cx="0" cy="0"/>
+          <a:chOff x="0" y="0"/>
+          <a:chExt cx="0" cy="0"/>
+        </a:xfrm>
+      </p:grpSpPr>
+      <p:sp>
+        <p:nvSpPr>
+          <p:cNvPr id="2" name="テキスト プレースホルダー 1">
+            <a:extLst>
+              <a:ext uri="{FF2B5EF4-FFF2-40B4-BE49-F238E27FC236}">
+                <a16:creationId xmlns:a16="http://schemas.microsoft.com/office/drawing/2014/main" id="{108695FD-77F6-4C84-98AA-993F8E684E42}"/>
+              </a:ext>
+            </a:extLst>
+          </p:cNvPr>
+          <p:cNvSpPr>
+            <a:spLocks noGrp="1"/>
+          </p:cNvSpPr>
+          <p:nvPr>
+            <p:ph type="body" sz="quarter" idx="10"/>
+          </p:nvPr>
+        </p:nvSpPr>
+        <p:spPr/>
+        <p:txBody>
+          <a:bodyPr/>
+          <a:lstStyle/>
+          <a:p>
+            <a:r>
+              <a:rPr lang="ja-JP" altLang="en-US"/>
+              <a:t>課題</a:t>
+            </a:r>
+            <a:r>
+              <a:rPr lang="en-US" altLang="ja-JP"/>
+              <a:t>4 - Step 3</a:t>
+            </a:r>
+            <a:endParaRPr kumimoji="1" lang="ja-JP" altLang="en-US"/>
+          </a:p>
+        </p:txBody>
+      </p:sp>
+      <p:sp>
+        <p:nvSpPr>
+          <p:cNvPr id="5" name="テキスト ボックス 4">
+            <a:extLst>
+              <a:ext uri="{FF2B5EF4-FFF2-40B4-BE49-F238E27FC236}">
+                <a16:creationId xmlns:a16="http://schemas.microsoft.com/office/drawing/2014/main" id="{D96749E3-0B01-44D6-AF5E-DB127E7E65D1}"/>
+              </a:ext>
+            </a:extLst>
+          </p:cNvPr>
+          <p:cNvSpPr txBox="1"/>
+          <p:nvPr/>
+        </p:nvSpPr>
+        <p:spPr>
+          <a:xfrm>
+            <a:off x="395536" y="1844824"/>
+            <a:ext cx="4576762" cy="400110"/>
+          </a:xfrm>
+          <a:prstGeom prst="rect">
+            <a:avLst/>
+          </a:prstGeom>
+          <a:noFill/>
+          <a:ln>
+            <a:solidFill>
+              <a:schemeClr val="tx1"/>
+            </a:solidFill>
+          </a:ln>
+        </p:spPr>
+        <p:txBody>
+          <a:bodyPr wrap="square">
+            <a:spAutoFit/>
+          </a:bodyPr>
+          <a:lstStyle/>
+          <a:p>
+            <a:r>
+              <a:rPr lang="en-US" altLang="ja-JP" sz="2000">
+                <a:latin typeface="Consolas" panose="020B0609020204030204" pitchFamily="49" charset="0"/>
+              </a:rPr>
+              <a:t>git switch -c doc/2/README</a:t>
+            </a:r>
+            <a:endParaRPr lang="ja-JP" altLang="en-US" sz="2000">
+              <a:latin typeface="Consolas" panose="020B0609020204030204" pitchFamily="49" charset="0"/>
+            </a:endParaRPr>
+          </a:p>
+        </p:txBody>
+      </p:sp>
+      <p:sp>
+        <p:nvSpPr>
+          <p:cNvPr id="7" name="テキスト ボックス 6">
+            <a:extLst>
+              <a:ext uri="{FF2B5EF4-FFF2-40B4-BE49-F238E27FC236}">
+                <a16:creationId xmlns:a16="http://schemas.microsoft.com/office/drawing/2014/main" id="{D53BD1A9-B04A-43C5-9A5E-DAECCFA882F1}"/>
+              </a:ext>
+            </a:extLst>
+          </p:cNvPr>
+          <p:cNvSpPr txBox="1"/>
+          <p:nvPr/>
+        </p:nvSpPr>
+        <p:spPr>
+          <a:xfrm>
+            <a:off x="395536" y="1268760"/>
+            <a:ext cx="4442242" cy="369332"/>
+          </a:xfrm>
+          <a:prstGeom prst="rect">
+            <a:avLst/>
+          </a:prstGeom>
+          <a:noFill/>
+        </p:spPr>
+        <p:txBody>
+          <a:bodyPr wrap="none" rtlCol="0">
+            <a:spAutoFit/>
+          </a:bodyPr>
+          <a:lstStyle/>
+          <a:p>
+            <a:r>
+              <a:rPr kumimoji="1" lang="en-US" altLang="ja-JP"/>
+              <a:t>github/test</a:t>
+            </a:r>
+            <a:r>
+              <a:rPr kumimoji="1" lang="ja-JP" altLang="en-US"/>
+              <a:t>にて、</a:t>
+            </a:r>
+            <a:r>
+              <a:rPr kumimoji="1" lang="en-US" altLang="ja-JP"/>
+              <a:t>Git Bash</a:t>
+            </a:r>
+            <a:r>
+              <a:rPr kumimoji="1" lang="ja-JP" altLang="en-US"/>
+              <a:t>でブランチ作成</a:t>
+            </a:r>
+          </a:p>
+        </p:txBody>
+      </p:sp>
+      <p:pic>
+        <p:nvPicPr>
+          <p:cNvPr id="9" name="図 8">
+            <a:extLst>
+              <a:ext uri="{FF2B5EF4-FFF2-40B4-BE49-F238E27FC236}">
+                <a16:creationId xmlns:a16="http://schemas.microsoft.com/office/drawing/2014/main" id="{1D898185-2E7A-4956-A4B2-E68A541DCFB6}"/>
+              </a:ext>
+            </a:extLst>
+          </p:cNvPr>
+          <p:cNvPicPr>
+            <a:picLocks noChangeAspect="1"/>
+          </p:cNvPicPr>
+          <p:nvPr/>
+        </p:nvPicPr>
+        <p:blipFill>
+          <a:blip r:embed="rId2"/>
+          <a:stretch>
+            <a:fillRect/>
+          </a:stretch>
+        </p:blipFill>
+        <p:spPr>
+          <a:xfrm>
+            <a:off x="251520" y="2780928"/>
+            <a:ext cx="8560240" cy="3264068"/>
+          </a:xfrm>
+          <a:prstGeom prst="rect">
+            <a:avLst/>
+          </a:prstGeom>
+        </p:spPr>
+      </p:pic>
+      <p:sp>
+        <p:nvSpPr>
+          <p:cNvPr id="10" name="矢印: 右 9">
+            <a:extLst>
+              <a:ext uri="{FF2B5EF4-FFF2-40B4-BE49-F238E27FC236}">
+                <a16:creationId xmlns:a16="http://schemas.microsoft.com/office/drawing/2014/main" id="{2C9E214D-D2C0-4712-9655-7ADD10296CA3}"/>
+              </a:ext>
+            </a:extLst>
+          </p:cNvPr>
+          <p:cNvSpPr/>
+          <p:nvPr/>
+        </p:nvSpPr>
+        <p:spPr>
+          <a:xfrm>
+            <a:off x="2627784" y="3861048"/>
+            <a:ext cx="720080" cy="360040"/>
+          </a:xfrm>
+          <a:prstGeom prst="rightArrow">
+            <a:avLst/>
+          </a:prstGeom>
+          <a:solidFill>
+            <a:srgbClr val="FF0000"/>
+          </a:solidFill>
+          <a:ln>
+            <a:solidFill>
+              <a:schemeClr val="tx1"/>
+            </a:solidFill>
+          </a:ln>
+        </p:spPr>
+        <p:style>
+          <a:lnRef idx="2">
+            <a:schemeClr val="accent1">
+              <a:shade val="50000"/>
+            </a:schemeClr>
+          </a:lnRef>
+          <a:fillRef idx="1">
+            <a:schemeClr val="accent1"/>
+          </a:fillRef>
+          <a:effectRef idx="0">
+            <a:schemeClr val="accent1"/>
+          </a:effectRef>
+          <a:fontRef idx="minor">
+            <a:schemeClr val="lt1"/>
+          </a:fontRef>
+        </p:style>
+        <p:txBody>
+          <a:bodyPr rtlCol="0" anchor="ctr"/>
+          <a:lstStyle/>
+          <a:p>
+            <a:pPr algn="ctr"/>
+            <a:endParaRPr kumimoji="1" lang="ja-JP" altLang="en-US"/>
+          </a:p>
+        </p:txBody>
+      </p:sp>
+      <p:sp>
+        <p:nvSpPr>
+          <p:cNvPr id="11" name="テキスト ボックス 10">
+            <a:extLst>
+              <a:ext uri="{FF2B5EF4-FFF2-40B4-BE49-F238E27FC236}">
+                <a16:creationId xmlns:a16="http://schemas.microsoft.com/office/drawing/2014/main" id="{3702BAD0-996F-4057-9452-941E9149D04A}"/>
+              </a:ext>
+            </a:extLst>
+          </p:cNvPr>
+          <p:cNvSpPr txBox="1"/>
+          <p:nvPr/>
+        </p:nvSpPr>
+        <p:spPr>
+          <a:xfrm>
+            <a:off x="1691680" y="4725144"/>
+            <a:ext cx="4570482" cy="646331"/>
+          </a:xfrm>
+          <a:prstGeom prst="rect">
+            <a:avLst/>
+          </a:prstGeom>
+          <a:noFill/>
+        </p:spPr>
+        <p:txBody>
+          <a:bodyPr wrap="none" rtlCol="0">
+            <a:spAutoFit/>
+          </a:bodyPr>
+          <a:lstStyle/>
+          <a:p>
+            <a:r>
+              <a:rPr kumimoji="1" lang="ja-JP" altLang="en-US"/>
+              <a:t>ブランチを作ったので、対応するカードを</a:t>
+            </a:r>
+            <a:endParaRPr kumimoji="1" lang="en-US" altLang="ja-JP"/>
+          </a:p>
+          <a:p>
+            <a:r>
+              <a:rPr lang="en-US" altLang="ja-JP"/>
+              <a:t>In progress</a:t>
+            </a:r>
+            <a:r>
+              <a:rPr lang="ja-JP" altLang="en-US"/>
+              <a:t>へドラッグして移動</a:t>
+            </a:r>
+            <a:endParaRPr kumimoji="1" lang="ja-JP" altLang="en-US"/>
+          </a:p>
+        </p:txBody>
+      </p:sp>
+    </p:spTree>
+    <p:extLst>
+      <p:ext uri="{BB962C8B-B14F-4D97-AF65-F5344CB8AC3E}">
+        <p14:creationId xmlns:p14="http://schemas.microsoft.com/office/powerpoint/2010/main" val="2231624911"/>
+      </p:ext>
+    </p:extLst>
+  </p:cSld>
+  <p:clrMapOvr>
+    <a:masterClrMapping/>
+  </p:clrMapOvr>
+</p:sld>
+</file>
+
+<file path=ppt/slides/slide48.xml><?xml version="1.0" encoding="utf-8"?>
+<p:sld xmlns:a="http://schemas.openxmlformats.org/drawingml/2006/main" xmlns:r="http://schemas.openxmlformats.org/officeDocument/2006/relationships" xmlns:p="http://schemas.openxmlformats.org/presentationml/2006/main">
+  <p:cSld>
+    <p:spTree>
+      <p:nvGrpSpPr>
+        <p:cNvPr id="1" name=""/>
+        <p:cNvGrpSpPr/>
+        <p:nvPr/>
+      </p:nvGrpSpPr>
+      <p:grpSpPr>
+        <a:xfrm>
+          <a:off x="0" y="0"/>
+          <a:ext cx="0" cy="0"/>
+          <a:chOff x="0" y="0"/>
+          <a:chExt cx="0" cy="0"/>
+        </a:xfrm>
+      </p:grpSpPr>
+      <p:sp>
+        <p:nvSpPr>
+          <p:cNvPr id="2" name="テキスト プレースホルダー 1">
+            <a:extLst>
+              <a:ext uri="{FF2B5EF4-FFF2-40B4-BE49-F238E27FC236}">
+                <a16:creationId xmlns:a16="http://schemas.microsoft.com/office/drawing/2014/main" id="{A11F2F44-75E7-4A95-9EDD-FD49AFC3067C}"/>
+              </a:ext>
+            </a:extLst>
+          </p:cNvPr>
+          <p:cNvSpPr>
+            <a:spLocks noGrp="1"/>
+          </p:cNvSpPr>
+          <p:nvPr>
+            <p:ph type="body" sz="quarter" idx="10"/>
+          </p:nvPr>
+        </p:nvSpPr>
+        <p:spPr/>
+        <p:txBody>
+          <a:bodyPr/>
+          <a:lstStyle/>
+          <a:p>
+            <a:r>
+              <a:rPr lang="ja-JP" altLang="en-US"/>
+              <a:t>課題</a:t>
+            </a:r>
+            <a:r>
+              <a:rPr lang="en-US" altLang="ja-JP"/>
+              <a:t>4 - Step 4</a:t>
+            </a:r>
+            <a:endParaRPr kumimoji="1" lang="ja-JP" altLang="en-US"/>
+          </a:p>
+        </p:txBody>
+      </p:sp>
+      <p:sp>
+        <p:nvSpPr>
+          <p:cNvPr id="5" name="テキスト ボックス 4">
+            <a:extLst>
+              <a:ext uri="{FF2B5EF4-FFF2-40B4-BE49-F238E27FC236}">
+                <a16:creationId xmlns:a16="http://schemas.microsoft.com/office/drawing/2014/main" id="{8FE69BCF-83D3-47A6-BF9D-B9475171E7B1}"/>
+              </a:ext>
+            </a:extLst>
+          </p:cNvPr>
+          <p:cNvSpPr txBox="1"/>
+          <p:nvPr/>
+        </p:nvSpPr>
+        <p:spPr>
+          <a:xfrm>
+            <a:off x="827584" y="2060848"/>
+            <a:ext cx="4572000" cy="830997"/>
+          </a:xfrm>
+          <a:prstGeom prst="rect">
+            <a:avLst/>
+          </a:prstGeom>
+          <a:noFill/>
+          <a:ln>
+            <a:solidFill>
+              <a:schemeClr val="tx1"/>
+            </a:solidFill>
+          </a:ln>
+        </p:spPr>
+        <p:txBody>
+          <a:bodyPr wrap="square">
+            <a:spAutoFit/>
+          </a:bodyPr>
+          <a:lstStyle/>
+          <a:p>
+            <a:r>
+              <a:rPr lang="en-US" altLang="ja-JP" sz="2400">
+                <a:latin typeface="Consolas" panose="020B0609020204030204" pitchFamily="49" charset="0"/>
+              </a:rPr>
+              <a:t>git add README.md</a:t>
+            </a:r>
+          </a:p>
+          <a:p>
+            <a:r>
+              <a:rPr lang="en-US" altLang="ja-JP" sz="2400">
+                <a:latin typeface="Consolas" panose="020B0609020204030204" pitchFamily="49" charset="0"/>
+              </a:rPr>
+              <a:t>git commit -m "</a:t>
+            </a:r>
+            <a:r>
+              <a:rPr lang="en-US" altLang="ja-JP" sz="2400">
+                <a:solidFill>
+                  <a:srgbClr val="FF0000"/>
+                </a:solidFill>
+                <a:latin typeface="Consolas" panose="020B0609020204030204" pitchFamily="49" charset="0"/>
+              </a:rPr>
+              <a:t>fixes #2</a:t>
+            </a:r>
+            <a:r>
+              <a:rPr lang="en-US" altLang="ja-JP" sz="2400">
+                <a:latin typeface="Consolas" panose="020B0609020204030204" pitchFamily="49" charset="0"/>
+              </a:rPr>
+              <a:t>"</a:t>
+            </a:r>
+          </a:p>
+        </p:txBody>
+      </p:sp>
+      <p:sp>
+        <p:nvSpPr>
+          <p:cNvPr id="6" name="テキスト ボックス 5">
+            <a:extLst>
+              <a:ext uri="{FF2B5EF4-FFF2-40B4-BE49-F238E27FC236}">
+                <a16:creationId xmlns:a16="http://schemas.microsoft.com/office/drawing/2014/main" id="{F8D957B2-6283-4465-A89D-2F9335CE2DDC}"/>
+              </a:ext>
+            </a:extLst>
+          </p:cNvPr>
+          <p:cNvSpPr txBox="1"/>
+          <p:nvPr/>
+        </p:nvSpPr>
+        <p:spPr>
+          <a:xfrm>
+            <a:off x="467544" y="1412776"/>
+            <a:ext cx="5570756" cy="523220"/>
+          </a:xfrm>
+          <a:prstGeom prst="rect">
+            <a:avLst/>
+          </a:prstGeom>
+          <a:noFill/>
+        </p:spPr>
+        <p:txBody>
+          <a:bodyPr wrap="none" rtlCol="0">
+            <a:spAutoFit/>
+          </a:bodyPr>
+          <a:lstStyle/>
+          <a:p>
+            <a:r>
+              <a:rPr lang="ja-JP" altLang="en-US" sz="2800"/>
+              <a:t>ファイルを修正してからコミット</a:t>
+            </a:r>
+            <a:endParaRPr kumimoji="1" lang="ja-JP" altLang="en-US" sz="2800"/>
+          </a:p>
+        </p:txBody>
+      </p:sp>
+      <p:sp>
+        <p:nvSpPr>
+          <p:cNvPr id="7" name="テキスト ボックス 6">
+            <a:extLst>
+              <a:ext uri="{FF2B5EF4-FFF2-40B4-BE49-F238E27FC236}">
+                <a16:creationId xmlns:a16="http://schemas.microsoft.com/office/drawing/2014/main" id="{AD832394-6842-4CEF-A7CA-6C01A515C08A}"/>
+              </a:ext>
+            </a:extLst>
+          </p:cNvPr>
+          <p:cNvSpPr txBox="1"/>
+          <p:nvPr/>
+        </p:nvSpPr>
+        <p:spPr>
+          <a:xfrm>
+            <a:off x="3131840" y="3068960"/>
+            <a:ext cx="4108817" cy="369332"/>
+          </a:xfrm>
+          <a:prstGeom prst="rect">
+            <a:avLst/>
+          </a:prstGeom>
+          <a:noFill/>
+        </p:spPr>
+        <p:txBody>
+          <a:bodyPr wrap="none" rtlCol="0">
+            <a:spAutoFit/>
+          </a:bodyPr>
+          <a:lstStyle/>
+          <a:p>
+            <a:r>
+              <a:rPr kumimoji="1" lang="ja-JP" altLang="en-US"/>
+              <a:t>コミットメッセージを間違えないこと</a:t>
+            </a:r>
+          </a:p>
+        </p:txBody>
+      </p:sp>
+      <p:sp>
+        <p:nvSpPr>
+          <p:cNvPr id="9" name="テキスト ボックス 8">
+            <a:extLst>
+              <a:ext uri="{FF2B5EF4-FFF2-40B4-BE49-F238E27FC236}">
+                <a16:creationId xmlns:a16="http://schemas.microsoft.com/office/drawing/2014/main" id="{B985AE40-CA02-4050-9A3F-A57578F12E34}"/>
+              </a:ext>
+            </a:extLst>
+          </p:cNvPr>
+          <p:cNvSpPr txBox="1"/>
+          <p:nvPr/>
+        </p:nvSpPr>
+        <p:spPr>
+          <a:xfrm>
+            <a:off x="827584" y="4437112"/>
+            <a:ext cx="4572000" cy="830997"/>
+          </a:xfrm>
+          <a:prstGeom prst="rect">
+            <a:avLst/>
+          </a:prstGeom>
+          <a:noFill/>
+          <a:ln>
+            <a:solidFill>
+              <a:schemeClr val="tx1"/>
+            </a:solidFill>
+          </a:ln>
+        </p:spPr>
+        <p:txBody>
+          <a:bodyPr wrap="square">
+            <a:spAutoFit/>
+          </a:bodyPr>
+          <a:lstStyle/>
+          <a:p>
+            <a:r>
+              <a:rPr lang="en-US" altLang="ja-JP" sz="2400">
+                <a:latin typeface="Consolas" panose="020B0609020204030204" pitchFamily="49" charset="0"/>
+              </a:rPr>
+              <a:t>git switch main</a:t>
+            </a:r>
+          </a:p>
+          <a:p>
+            <a:r>
+              <a:rPr lang="en-US" altLang="ja-JP" sz="2400">
+                <a:latin typeface="Consolas" panose="020B0609020204030204" pitchFamily="49" charset="0"/>
+              </a:rPr>
+              <a:t>git merge doc/2/README</a:t>
+            </a:r>
+          </a:p>
+        </p:txBody>
+      </p:sp>
+      <p:sp>
+        <p:nvSpPr>
+          <p:cNvPr id="10" name="テキスト ボックス 9">
+            <a:extLst>
+              <a:ext uri="{FF2B5EF4-FFF2-40B4-BE49-F238E27FC236}">
+                <a16:creationId xmlns:a16="http://schemas.microsoft.com/office/drawing/2014/main" id="{CEC85EF2-6B09-490E-8903-5B3CB2934CD1}"/>
+              </a:ext>
+            </a:extLst>
+          </p:cNvPr>
+          <p:cNvSpPr txBox="1"/>
+          <p:nvPr/>
+        </p:nvSpPr>
+        <p:spPr>
+          <a:xfrm>
+            <a:off x="683568" y="3861048"/>
+            <a:ext cx="5211683" cy="523220"/>
+          </a:xfrm>
+          <a:prstGeom prst="rect">
+            <a:avLst/>
+          </a:prstGeom>
+          <a:noFill/>
+        </p:spPr>
+        <p:txBody>
+          <a:bodyPr wrap="none" rtlCol="0">
+            <a:spAutoFit/>
+          </a:bodyPr>
+          <a:lstStyle/>
+          <a:p>
+            <a:r>
+              <a:rPr lang="ja-JP" altLang="en-US" sz="2800"/>
+              <a:t>メインブランチに戻ってマージ</a:t>
+            </a:r>
+            <a:endParaRPr kumimoji="1" lang="ja-JP" altLang="en-US" sz="2800"/>
+          </a:p>
+        </p:txBody>
+      </p:sp>
+      <p:sp>
+        <p:nvSpPr>
+          <p:cNvPr id="11" name="テキスト ボックス 10">
+            <a:extLst>
+              <a:ext uri="{FF2B5EF4-FFF2-40B4-BE49-F238E27FC236}">
+                <a16:creationId xmlns:a16="http://schemas.microsoft.com/office/drawing/2014/main" id="{20D29E78-691E-405E-A3FF-AC7692A723BE}"/>
+              </a:ext>
+            </a:extLst>
+          </p:cNvPr>
+          <p:cNvSpPr txBox="1"/>
+          <p:nvPr/>
+        </p:nvSpPr>
+        <p:spPr>
+          <a:xfrm>
+            <a:off x="3271495" y="5589240"/>
+            <a:ext cx="4108817" cy="369332"/>
+          </a:xfrm>
+          <a:prstGeom prst="rect">
+            <a:avLst/>
+          </a:prstGeom>
+          <a:noFill/>
+        </p:spPr>
+        <p:txBody>
+          <a:bodyPr wrap="none" rtlCol="0">
+            <a:spAutoFit/>
+          </a:bodyPr>
+          <a:lstStyle/>
+          <a:p>
+            <a:r>
+              <a:rPr kumimoji="1" lang="ja-JP" altLang="en-US"/>
+              <a:t>この時点ではまだプッシュしないこと</a:t>
+            </a:r>
+          </a:p>
+        </p:txBody>
+      </p:sp>
+    </p:spTree>
+    <p:extLst>
+      <p:ext uri="{BB962C8B-B14F-4D97-AF65-F5344CB8AC3E}">
+        <p14:creationId xmlns:p14="http://schemas.microsoft.com/office/powerpoint/2010/main" val="887077700"/>
+      </p:ext>
+    </p:extLst>
+  </p:cSld>
+  <p:clrMapOvr>
+    <a:masterClrMapping/>
+  </p:clrMapOvr>
+</p:sld>
+</file>
+
+<file path=ppt/slides/slide49.xml><?xml version="1.0" encoding="utf-8"?>
+<p:sld xmlns:a="http://schemas.openxmlformats.org/drawingml/2006/main" xmlns:r="http://schemas.openxmlformats.org/officeDocument/2006/relationships" xmlns:p="http://schemas.openxmlformats.org/presentationml/2006/main">
+  <p:cSld>
+    <p:spTree>
+      <p:nvGrpSpPr>
+        <p:cNvPr id="1" name=""/>
+        <p:cNvGrpSpPr/>
+        <p:nvPr/>
+      </p:nvGrpSpPr>
+      <p:grpSpPr>
+        <a:xfrm>
+          <a:off x="0" y="0"/>
+          <a:ext cx="0" cy="0"/>
+          <a:chOff x="0" y="0"/>
+          <a:chExt cx="0" cy="0"/>
+        </a:xfrm>
+      </p:grpSpPr>
+      <p:sp>
+        <p:nvSpPr>
+          <p:cNvPr id="2" name="テキスト プレースホルダー 1">
+            <a:extLst>
+              <a:ext uri="{FF2B5EF4-FFF2-40B4-BE49-F238E27FC236}">
+                <a16:creationId xmlns:a16="http://schemas.microsoft.com/office/drawing/2014/main" id="{20BD1171-85DD-4429-A02E-A8976098ECDA}"/>
+              </a:ext>
+            </a:extLst>
+          </p:cNvPr>
+          <p:cNvSpPr>
+            <a:spLocks noGrp="1"/>
+          </p:cNvSpPr>
+          <p:nvPr>
+            <p:ph type="body" sz="quarter" idx="10"/>
+          </p:nvPr>
+        </p:nvSpPr>
+        <p:spPr/>
+        <p:txBody>
+          <a:bodyPr/>
+          <a:lstStyle/>
+          <a:p>
+            <a:r>
+              <a:rPr lang="ja-JP" altLang="en-US"/>
+              <a:t>課題</a:t>
+            </a:r>
+            <a:r>
+              <a:rPr lang="en-US" altLang="ja-JP"/>
+              <a:t>4 - Step 5</a:t>
+            </a:r>
+            <a:endParaRPr kumimoji="1" lang="ja-JP" altLang="en-US"/>
+          </a:p>
+        </p:txBody>
+      </p:sp>
+      <p:pic>
+        <p:nvPicPr>
+          <p:cNvPr id="4" name="図 3">
+            <a:extLst>
+              <a:ext uri="{FF2B5EF4-FFF2-40B4-BE49-F238E27FC236}">
+                <a16:creationId xmlns:a16="http://schemas.microsoft.com/office/drawing/2014/main" id="{7C98B764-1694-49AA-97A9-F43E2B5756D4}"/>
+              </a:ext>
+            </a:extLst>
+          </p:cNvPr>
+          <p:cNvPicPr>
+            <a:picLocks noChangeAspect="1"/>
+          </p:cNvPicPr>
+          <p:nvPr/>
+        </p:nvPicPr>
+        <p:blipFill>
+          <a:blip r:embed="rId2"/>
+          <a:stretch>
+            <a:fillRect/>
+          </a:stretch>
+        </p:blipFill>
+        <p:spPr>
+          <a:xfrm>
+            <a:off x="467544" y="1772816"/>
+            <a:ext cx="7164288" cy="3632747"/>
+          </a:xfrm>
+          <a:prstGeom prst="rect">
+            <a:avLst/>
+          </a:prstGeom>
+        </p:spPr>
+      </p:pic>
+      <p:sp>
+        <p:nvSpPr>
+          <p:cNvPr id="5" name="テキスト ボックス 4">
+            <a:extLst>
+              <a:ext uri="{FF2B5EF4-FFF2-40B4-BE49-F238E27FC236}">
+                <a16:creationId xmlns:a16="http://schemas.microsoft.com/office/drawing/2014/main" id="{CA644D92-FD27-4A67-9F01-AF65EE5EA0D2}"/>
+              </a:ext>
+            </a:extLst>
+          </p:cNvPr>
+          <p:cNvSpPr txBox="1"/>
+          <p:nvPr/>
+        </p:nvSpPr>
+        <p:spPr>
+          <a:xfrm>
+            <a:off x="251520" y="1268760"/>
+            <a:ext cx="7135287" cy="369332"/>
+          </a:xfrm>
+          <a:prstGeom prst="rect">
+            <a:avLst/>
+          </a:prstGeom>
+          <a:noFill/>
+        </p:spPr>
+        <p:txBody>
+          <a:bodyPr wrap="none" rtlCol="0">
+            <a:spAutoFit/>
+          </a:bodyPr>
+          <a:lstStyle/>
+          <a:p>
+            <a:r>
+              <a:rPr kumimoji="1" lang="ja-JP" altLang="en-US"/>
+              <a:t>ブラウザで</a:t>
+            </a:r>
+            <a:r>
+              <a:rPr kumimoji="1" lang="en-US" altLang="ja-JP"/>
+              <a:t>Projects</a:t>
+            </a:r>
+            <a:r>
+              <a:rPr kumimoji="1" lang="ja-JP" altLang="en-US"/>
+              <a:t>の「カンバン」を表示させた状態で</a:t>
+            </a:r>
+            <a:r>
+              <a:rPr kumimoji="1" lang="en-US" altLang="ja-JP"/>
+              <a:t>git push</a:t>
+            </a:r>
+            <a:r>
+              <a:rPr kumimoji="1" lang="ja-JP" altLang="en-US"/>
+              <a:t>する</a:t>
+            </a:r>
+          </a:p>
+        </p:txBody>
+      </p:sp>
+      <p:sp>
+        <p:nvSpPr>
+          <p:cNvPr id="6" name="テキスト ボックス 5">
+            <a:extLst>
+              <a:ext uri="{FF2B5EF4-FFF2-40B4-BE49-F238E27FC236}">
+                <a16:creationId xmlns:a16="http://schemas.microsoft.com/office/drawing/2014/main" id="{6BC4469F-6C88-4BD1-9C16-92D3BA40DE4F}"/>
+              </a:ext>
+            </a:extLst>
+          </p:cNvPr>
+          <p:cNvSpPr txBox="1"/>
+          <p:nvPr/>
+        </p:nvSpPr>
+        <p:spPr>
+          <a:xfrm>
+            <a:off x="467544" y="5661248"/>
+            <a:ext cx="4576762" cy="400110"/>
+          </a:xfrm>
+          <a:prstGeom prst="rect">
+            <a:avLst/>
+          </a:prstGeom>
+          <a:noFill/>
+          <a:ln>
+            <a:solidFill>
+              <a:schemeClr val="tx1"/>
+            </a:solidFill>
+          </a:ln>
+        </p:spPr>
+        <p:txBody>
+          <a:bodyPr wrap="square">
+            <a:spAutoFit/>
+          </a:bodyPr>
+          <a:lstStyle/>
+          <a:p>
+            <a:r>
+              <a:rPr lang="en-US" altLang="ja-JP" sz="2000">
+                <a:latin typeface="Consolas" panose="020B0609020204030204" pitchFamily="49" charset="0"/>
+              </a:rPr>
+              <a:t>git push</a:t>
+            </a:r>
+            <a:endParaRPr lang="ja-JP" altLang="en-US" sz="2000">
+              <a:latin typeface="Consolas" panose="020B0609020204030204" pitchFamily="49" charset="0"/>
+            </a:endParaRPr>
+          </a:p>
+        </p:txBody>
+      </p:sp>
+    </p:spTree>
+    <p:extLst>
+      <p:ext uri="{BB962C8B-B14F-4D97-AF65-F5344CB8AC3E}">
+        <p14:creationId xmlns:p14="http://schemas.microsoft.com/office/powerpoint/2010/main" val="1144143105"/>
+      </p:ext>
+    </p:extLst>
+  </p:cSld>
+  <p:clrMapOvr>
+    <a:masterClrMapping/>
+  </p:clrMapOvr>
+</p:sld>
+</file>
+
 <file path=ppt/slides/slide5.xml><?xml version="1.0" encoding="utf-8"?>
 <p:sld xmlns:a="http://schemas.openxmlformats.org/drawingml/2006/main" xmlns:r="http://schemas.openxmlformats.org/officeDocument/2006/relationships" xmlns:p="http://schemas.openxmlformats.org/presentationml/2006/main">
   <p:cSld>
@@ -24373,6 +26343,395 @@
     <p:extLst>
       <p:ext uri="{BB962C8B-B14F-4D97-AF65-F5344CB8AC3E}">
         <p14:creationId xmlns:p14="http://schemas.microsoft.com/office/powerpoint/2010/main" val="3500450754"/>
+      </p:ext>
+    </p:extLst>
+  </p:cSld>
+  <p:clrMapOvr>
+    <a:masterClrMapping/>
+  </p:clrMapOvr>
+</p:sld>
+</file>
+
+<file path=ppt/slides/slide50.xml><?xml version="1.0" encoding="utf-8"?>
+<p:sld xmlns:a="http://schemas.openxmlformats.org/drawingml/2006/main" xmlns:r="http://schemas.openxmlformats.org/officeDocument/2006/relationships" xmlns:p="http://schemas.openxmlformats.org/presentationml/2006/main">
+  <p:cSld>
+    <p:spTree>
+      <p:nvGrpSpPr>
+        <p:cNvPr id="1" name=""/>
+        <p:cNvGrpSpPr/>
+        <p:nvPr/>
+      </p:nvGrpSpPr>
+      <p:grpSpPr>
+        <a:xfrm>
+          <a:off x="0" y="0"/>
+          <a:ext cx="0" cy="0"/>
+          <a:chOff x="0" y="0"/>
+          <a:chExt cx="0" cy="0"/>
+        </a:xfrm>
+      </p:grpSpPr>
+      <p:sp>
+        <p:nvSpPr>
+          <p:cNvPr id="2" name="テキスト プレースホルダー 1">
+            <a:extLst>
+              <a:ext uri="{FF2B5EF4-FFF2-40B4-BE49-F238E27FC236}">
+                <a16:creationId xmlns:a16="http://schemas.microsoft.com/office/drawing/2014/main" id="{F8C87194-60C1-4CF7-A627-11A6F6664A9E}"/>
+              </a:ext>
+            </a:extLst>
+          </p:cNvPr>
+          <p:cNvSpPr>
+            <a:spLocks noGrp="1"/>
+          </p:cNvSpPr>
+          <p:nvPr>
+            <p:ph type="body" sz="quarter" idx="10"/>
+          </p:nvPr>
+        </p:nvSpPr>
+        <p:spPr/>
+        <p:txBody>
+          <a:bodyPr/>
+          <a:lstStyle/>
+          <a:p>
+            <a:r>
+              <a:rPr lang="ja-JP" altLang="en-US"/>
+              <a:t>課題</a:t>
+            </a:r>
+            <a:r>
+              <a:rPr lang="en-US" altLang="ja-JP"/>
+              <a:t>4 - </a:t>
+            </a:r>
+            <a:r>
+              <a:rPr lang="ja-JP" altLang="en-US"/>
+              <a:t>レポート課題</a:t>
+            </a:r>
+            <a:endParaRPr kumimoji="1" lang="ja-JP" altLang="en-US"/>
+          </a:p>
+        </p:txBody>
+      </p:sp>
+      <p:pic>
+        <p:nvPicPr>
+          <p:cNvPr id="4" name="図 3">
+            <a:extLst>
+              <a:ext uri="{FF2B5EF4-FFF2-40B4-BE49-F238E27FC236}">
+                <a16:creationId xmlns:a16="http://schemas.microsoft.com/office/drawing/2014/main" id="{6B0CBF2F-9F55-4A08-BB29-6C0EDD5CE249}"/>
+              </a:ext>
+            </a:extLst>
+          </p:cNvPr>
+          <p:cNvPicPr>
+            <a:picLocks noChangeAspect="1"/>
+          </p:cNvPicPr>
+          <p:nvPr/>
+        </p:nvPicPr>
+        <p:blipFill>
+          <a:blip r:embed="rId2"/>
+          <a:stretch>
+            <a:fillRect/>
+          </a:stretch>
+        </p:blipFill>
+        <p:spPr>
+          <a:xfrm>
+            <a:off x="323528" y="2060848"/>
+            <a:ext cx="8586447" cy="3696408"/>
+          </a:xfrm>
+          <a:prstGeom prst="rect">
+            <a:avLst/>
+          </a:prstGeom>
+        </p:spPr>
+      </p:pic>
+      <p:sp>
+        <p:nvSpPr>
+          <p:cNvPr id="5" name="テキスト ボックス 4">
+            <a:extLst>
+              <a:ext uri="{FF2B5EF4-FFF2-40B4-BE49-F238E27FC236}">
+                <a16:creationId xmlns:a16="http://schemas.microsoft.com/office/drawing/2014/main" id="{8D56DCC9-D268-4300-9B0E-3E0D9EA51F94}"/>
+              </a:ext>
+            </a:extLst>
+          </p:cNvPr>
+          <p:cNvSpPr txBox="1"/>
+          <p:nvPr/>
+        </p:nvSpPr>
+        <p:spPr>
+          <a:xfrm>
+            <a:off x="323528" y="1124744"/>
+            <a:ext cx="8661345" cy="646331"/>
+          </a:xfrm>
+          <a:prstGeom prst="rect">
+            <a:avLst/>
+          </a:prstGeom>
+          <a:noFill/>
+        </p:spPr>
+        <p:txBody>
+          <a:bodyPr wrap="none" rtlCol="0">
+            <a:spAutoFit/>
+          </a:bodyPr>
+          <a:lstStyle/>
+          <a:p>
+            <a:r>
+              <a:rPr kumimoji="1" lang="en-US" altLang="ja-JP"/>
+              <a:t>issue</a:t>
+            </a:r>
+            <a:r>
+              <a:rPr kumimoji="1" lang="ja-JP" altLang="en-US"/>
+              <a:t>に関連づけられたカードが</a:t>
+            </a:r>
+            <a:r>
+              <a:rPr lang="ja-JP" altLang="en-US"/>
+              <a:t>「</a:t>
+            </a:r>
+            <a:r>
+              <a:rPr lang="en-US" altLang="ja-JP"/>
+              <a:t>Done</a:t>
+            </a:r>
+            <a:r>
+              <a:rPr lang="ja-JP" altLang="en-US"/>
+              <a:t>」に移動した画面のスクリーンショットを</a:t>
+            </a:r>
+            <a:endParaRPr lang="en-US" altLang="ja-JP"/>
+          </a:p>
+          <a:p>
+            <a:r>
+              <a:rPr kumimoji="1" lang="ja-JP" altLang="en-US"/>
+              <a:t>レポートとして提出</a:t>
+            </a:r>
+            <a:endParaRPr kumimoji="1" lang="en-US" altLang="ja-JP"/>
+          </a:p>
+        </p:txBody>
+      </p:sp>
+    </p:spTree>
+    <p:extLst>
+      <p:ext uri="{BB962C8B-B14F-4D97-AF65-F5344CB8AC3E}">
+        <p14:creationId xmlns:p14="http://schemas.microsoft.com/office/powerpoint/2010/main" val="1418416776"/>
+      </p:ext>
+    </p:extLst>
+  </p:cSld>
+  <p:clrMapOvr>
+    <a:masterClrMapping/>
+  </p:clrMapOvr>
+</p:sld>
+</file>
+
+<file path=ppt/slides/slide51.xml><?xml version="1.0" encoding="utf-8"?>
+<p:sld xmlns:a="http://schemas.openxmlformats.org/drawingml/2006/main" xmlns:r="http://schemas.openxmlformats.org/officeDocument/2006/relationships" xmlns:p="http://schemas.openxmlformats.org/presentationml/2006/main">
+  <p:cSld>
+    <p:spTree>
+      <p:nvGrpSpPr>
+        <p:cNvPr id="1" name=""/>
+        <p:cNvGrpSpPr/>
+        <p:nvPr/>
+      </p:nvGrpSpPr>
+      <p:grpSpPr>
+        <a:xfrm>
+          <a:off x="0" y="0"/>
+          <a:ext cx="0" cy="0"/>
+          <a:chOff x="0" y="0"/>
+          <a:chExt cx="0" cy="0"/>
+        </a:xfrm>
+      </p:grpSpPr>
+      <p:sp>
+        <p:nvSpPr>
+          <p:cNvPr id="2" name="テキスト プレースホルダー 1">
+            <a:extLst>
+              <a:ext uri="{FF2B5EF4-FFF2-40B4-BE49-F238E27FC236}">
+                <a16:creationId xmlns:a16="http://schemas.microsoft.com/office/drawing/2014/main" id="{94C970AF-BE56-446B-9CB8-0EF49B11C074}"/>
+              </a:ext>
+            </a:extLst>
+          </p:cNvPr>
+          <p:cNvSpPr>
+            <a:spLocks noGrp="1"/>
+          </p:cNvSpPr>
+          <p:nvPr>
+            <p:ph type="body" sz="quarter" idx="10"/>
+          </p:nvPr>
+        </p:nvSpPr>
+        <p:spPr/>
+        <p:txBody>
+          <a:bodyPr/>
+          <a:lstStyle/>
+          <a:p>
+            <a:r>
+              <a:rPr lang="ja-JP" altLang="en-US"/>
+              <a:t>発展課題</a:t>
+            </a:r>
+            <a:r>
+              <a:rPr lang="en-US" altLang="ja-JP"/>
+              <a:t> - </a:t>
+            </a:r>
+            <a:r>
+              <a:rPr lang="ja-JP" altLang="en-US"/>
+              <a:t>プルリクエスト</a:t>
+            </a:r>
+            <a:endParaRPr kumimoji="1" lang="ja-JP" altLang="en-US"/>
+          </a:p>
+        </p:txBody>
+      </p:sp>
+      <p:pic>
+        <p:nvPicPr>
+          <p:cNvPr id="4" name="図 3">
+            <a:extLst>
+              <a:ext uri="{FF2B5EF4-FFF2-40B4-BE49-F238E27FC236}">
+                <a16:creationId xmlns:a16="http://schemas.microsoft.com/office/drawing/2014/main" id="{2378D592-079F-4EE7-8F29-B4BB707D08F7}"/>
+              </a:ext>
+            </a:extLst>
+          </p:cNvPr>
+          <p:cNvPicPr>
+            <a:picLocks noChangeAspect="1"/>
+          </p:cNvPicPr>
+          <p:nvPr/>
+        </p:nvPicPr>
+        <p:blipFill>
+          <a:blip r:embed="rId2"/>
+          <a:stretch>
+            <a:fillRect/>
+          </a:stretch>
+        </p:blipFill>
+        <p:spPr>
+          <a:xfrm>
+            <a:off x="467544" y="1700808"/>
+            <a:ext cx="7809533" cy="3987362"/>
+          </a:xfrm>
+          <a:prstGeom prst="rect">
+            <a:avLst/>
+          </a:prstGeom>
+        </p:spPr>
+      </p:pic>
+      <p:sp>
+        <p:nvSpPr>
+          <p:cNvPr id="5" name="四角形: 角を丸くする 4">
+            <a:extLst>
+              <a:ext uri="{FF2B5EF4-FFF2-40B4-BE49-F238E27FC236}">
+                <a16:creationId xmlns:a16="http://schemas.microsoft.com/office/drawing/2014/main" id="{F6E8ED9E-2FD7-41D3-80DC-D54963D53187}"/>
+              </a:ext>
+            </a:extLst>
+          </p:cNvPr>
+          <p:cNvSpPr/>
+          <p:nvPr/>
+        </p:nvSpPr>
+        <p:spPr>
+          <a:xfrm>
+            <a:off x="7236296" y="2060848"/>
+            <a:ext cx="576064" cy="360040"/>
+          </a:xfrm>
+          <a:prstGeom prst="roundRect">
+            <a:avLst/>
+          </a:prstGeom>
+          <a:noFill/>
+          <a:ln w="38100">
+            <a:solidFill>
+              <a:srgbClr val="FF0000"/>
+            </a:solidFill>
+          </a:ln>
+        </p:spPr>
+        <p:style>
+          <a:lnRef idx="2">
+            <a:schemeClr val="accent1">
+              <a:shade val="50000"/>
+            </a:schemeClr>
+          </a:lnRef>
+          <a:fillRef idx="1">
+            <a:schemeClr val="accent1"/>
+          </a:fillRef>
+          <a:effectRef idx="0">
+            <a:schemeClr val="accent1"/>
+          </a:effectRef>
+          <a:fontRef idx="minor">
+            <a:schemeClr val="lt1"/>
+          </a:fontRef>
+        </p:style>
+        <p:txBody>
+          <a:bodyPr rtlCol="0" anchor="ctr"/>
+          <a:lstStyle/>
+          <a:p>
+            <a:pPr algn="ctr"/>
+            <a:endParaRPr kumimoji="1" lang="ja-JP" altLang="en-US"/>
+          </a:p>
+        </p:txBody>
+      </p:sp>
+      <p:sp>
+        <p:nvSpPr>
+          <p:cNvPr id="6" name="テキスト ボックス 5">
+            <a:extLst>
+              <a:ext uri="{FF2B5EF4-FFF2-40B4-BE49-F238E27FC236}">
+                <a16:creationId xmlns:a16="http://schemas.microsoft.com/office/drawing/2014/main" id="{39BEEEB6-4D82-4052-B14E-98E1618FDC39}"/>
+              </a:ext>
+            </a:extLst>
+          </p:cNvPr>
+          <p:cNvSpPr txBox="1"/>
+          <p:nvPr/>
+        </p:nvSpPr>
+        <p:spPr>
+          <a:xfrm>
+            <a:off x="251520" y="1124744"/>
+            <a:ext cx="8699818" cy="461665"/>
+          </a:xfrm>
+          <a:prstGeom prst="rect">
+            <a:avLst/>
+          </a:prstGeom>
+          <a:noFill/>
+        </p:spPr>
+        <p:txBody>
+          <a:bodyPr wrap="none" rtlCol="0">
+            <a:spAutoFit/>
+          </a:bodyPr>
+          <a:lstStyle/>
+          <a:p>
+            <a:r>
+              <a:rPr lang="ja-JP" altLang="en-US" sz="2400"/>
+              <a:t>このボタンを押してフォークする</a:t>
+            </a:r>
+            <a:r>
+              <a:rPr lang="en-US" altLang="ja-JP" sz="2400"/>
+              <a:t>(</a:t>
+            </a:r>
+            <a:r>
+              <a:rPr lang="ja-JP" altLang="en-US" sz="2400"/>
+              <a:t>数字をクリックしないこと</a:t>
+            </a:r>
+            <a:r>
+              <a:rPr lang="en-US" altLang="ja-JP" sz="2400"/>
+              <a:t>)</a:t>
+            </a:r>
+            <a:endParaRPr kumimoji="1" lang="ja-JP" altLang="en-US" sz="2400"/>
+          </a:p>
+        </p:txBody>
+      </p:sp>
+      <p:sp>
+        <p:nvSpPr>
+          <p:cNvPr id="7" name="テキスト ボックス 6">
+            <a:extLst>
+              <a:ext uri="{FF2B5EF4-FFF2-40B4-BE49-F238E27FC236}">
+                <a16:creationId xmlns:a16="http://schemas.microsoft.com/office/drawing/2014/main" id="{B14A7E27-3EA1-467E-A503-E00618F07EE0}"/>
+              </a:ext>
+            </a:extLst>
+          </p:cNvPr>
+          <p:cNvSpPr txBox="1"/>
+          <p:nvPr/>
+        </p:nvSpPr>
+        <p:spPr>
+          <a:xfrm>
+            <a:off x="467544" y="5949280"/>
+            <a:ext cx="7571303" cy="461665"/>
+          </a:xfrm>
+          <a:prstGeom prst="rect">
+            <a:avLst/>
+          </a:prstGeom>
+          <a:noFill/>
+        </p:spPr>
+        <p:txBody>
+          <a:bodyPr wrap="none" rtlCol="0">
+            <a:spAutoFit/>
+          </a:bodyPr>
+          <a:lstStyle/>
+          <a:p>
+            <a:r>
+              <a:rPr lang="ja-JP" altLang="en-US" sz="2400"/>
+              <a:t>あとは課題の指示に従ってプルリクエストを作ること</a:t>
+            </a:r>
+            <a:endParaRPr kumimoji="1" lang="ja-JP" altLang="en-US" sz="2400"/>
+          </a:p>
+        </p:txBody>
+      </p:sp>
+    </p:spTree>
+    <p:extLst>
+      <p:ext uri="{BB962C8B-B14F-4D97-AF65-F5344CB8AC3E}">
+        <p14:creationId xmlns:p14="http://schemas.microsoft.com/office/powerpoint/2010/main" val="390403401"/>
       </p:ext>
     </p:extLst>
   </p:cSld>
